--- a/Pandas Tutorials.pptx
+++ b/Pandas Tutorials.pptx
@@ -5,10 +5,10 @@
     <p:sldMasterId id="2147483717" r:id="rId4"/>
   </p:sldMasterIdLst>
   <p:notesMasterIdLst>
-    <p:notesMasterId r:id="rId21"/>
+    <p:notesMasterId r:id="rId56"/>
   </p:notesMasterIdLst>
   <p:handoutMasterIdLst>
-    <p:handoutMasterId r:id="rId22"/>
+    <p:handoutMasterId r:id="rId57"/>
   </p:handoutMasterIdLst>
   <p:sldIdLst>
     <p:sldId id="1865" r:id="rId5"/>
@@ -18,15 +18,50 @@
     <p:sldId id="1879" r:id="rId9"/>
     <p:sldId id="1882" r:id="rId10"/>
     <p:sldId id="1883" r:id="rId11"/>
-    <p:sldId id="1867" r:id="rId12"/>
-    <p:sldId id="1869" r:id="rId13"/>
-    <p:sldId id="1870" r:id="rId14"/>
-    <p:sldId id="1871" r:id="rId15"/>
-    <p:sldId id="1872" r:id="rId16"/>
-    <p:sldId id="1873" r:id="rId17"/>
-    <p:sldId id="1874" r:id="rId18"/>
-    <p:sldId id="1875" r:id="rId19"/>
-    <p:sldId id="1876" r:id="rId20"/>
+    <p:sldId id="1884" r:id="rId12"/>
+    <p:sldId id="1885" r:id="rId13"/>
+    <p:sldId id="1886" r:id="rId14"/>
+    <p:sldId id="1887" r:id="rId15"/>
+    <p:sldId id="1888" r:id="rId16"/>
+    <p:sldId id="1892" r:id="rId17"/>
+    <p:sldId id="1889" r:id="rId18"/>
+    <p:sldId id="1893" r:id="rId19"/>
+    <p:sldId id="1890" r:id="rId20"/>
+    <p:sldId id="1894" r:id="rId21"/>
+    <p:sldId id="1891" r:id="rId22"/>
+    <p:sldId id="1895" r:id="rId23"/>
+    <p:sldId id="1896" r:id="rId24"/>
+    <p:sldId id="1897" r:id="rId25"/>
+    <p:sldId id="1898" r:id="rId26"/>
+    <p:sldId id="1899" r:id="rId27"/>
+    <p:sldId id="1900" r:id="rId28"/>
+    <p:sldId id="1901" r:id="rId29"/>
+    <p:sldId id="1902" r:id="rId30"/>
+    <p:sldId id="1903" r:id="rId31"/>
+    <p:sldId id="1904" r:id="rId32"/>
+    <p:sldId id="1905" r:id="rId33"/>
+    <p:sldId id="1906" r:id="rId34"/>
+    <p:sldId id="1907" r:id="rId35"/>
+    <p:sldId id="1908" r:id="rId36"/>
+    <p:sldId id="1909" r:id="rId37"/>
+    <p:sldId id="1910" r:id="rId38"/>
+    <p:sldId id="1911" r:id="rId39"/>
+    <p:sldId id="1912" r:id="rId40"/>
+    <p:sldId id="1913" r:id="rId41"/>
+    <p:sldId id="1914" r:id="rId42"/>
+    <p:sldId id="1915" r:id="rId43"/>
+    <p:sldId id="1916" r:id="rId44"/>
+    <p:sldId id="1917" r:id="rId45"/>
+    <p:sldId id="1918" r:id="rId46"/>
+    <p:sldId id="1867" r:id="rId47"/>
+    <p:sldId id="1869" r:id="rId48"/>
+    <p:sldId id="1870" r:id="rId49"/>
+    <p:sldId id="1871" r:id="rId50"/>
+    <p:sldId id="1872" r:id="rId51"/>
+    <p:sldId id="1873" r:id="rId52"/>
+    <p:sldId id="1874" r:id="rId53"/>
+    <p:sldId id="1875" r:id="rId54"/>
+    <p:sldId id="1876" r:id="rId55"/>
   </p:sldIdLst>
   <p:sldSz cx="12192000" cy="6858000"/>
   <p:notesSz cx="6858000" cy="9144000"/>
@@ -167,6 +202,41 @@
             <p14:sldId id="1879"/>
             <p14:sldId id="1882"/>
             <p14:sldId id="1883"/>
+            <p14:sldId id="1884"/>
+            <p14:sldId id="1885"/>
+            <p14:sldId id="1886"/>
+            <p14:sldId id="1887"/>
+            <p14:sldId id="1888"/>
+            <p14:sldId id="1892"/>
+            <p14:sldId id="1889"/>
+            <p14:sldId id="1893"/>
+            <p14:sldId id="1890"/>
+            <p14:sldId id="1894"/>
+            <p14:sldId id="1891"/>
+            <p14:sldId id="1895"/>
+            <p14:sldId id="1896"/>
+            <p14:sldId id="1897"/>
+            <p14:sldId id="1898"/>
+            <p14:sldId id="1899"/>
+            <p14:sldId id="1900"/>
+            <p14:sldId id="1901"/>
+            <p14:sldId id="1902"/>
+            <p14:sldId id="1903"/>
+            <p14:sldId id="1904"/>
+            <p14:sldId id="1905"/>
+            <p14:sldId id="1906"/>
+            <p14:sldId id="1907"/>
+            <p14:sldId id="1908"/>
+            <p14:sldId id="1909"/>
+            <p14:sldId id="1910"/>
+            <p14:sldId id="1911"/>
+            <p14:sldId id="1912"/>
+            <p14:sldId id="1913"/>
+            <p14:sldId id="1914"/>
+            <p14:sldId id="1915"/>
+            <p14:sldId id="1916"/>
+            <p14:sldId id="1917"/>
+            <p14:sldId id="1918"/>
             <p14:sldId id="1867"/>
             <p14:sldId id="1869"/>
             <p14:sldId id="1870"/>
@@ -4041,7 +4111,7 @@
             <a:fld id="{6DEB7EE2-04A2-4FB2-9625-C9C73AC4D32F}" type="slidenum">
               <a:rPr lang="en-US" altLang="en-US" smtClean="0"/>
               <a:pPr/>
-              <a:t>8</a:t>
+              <a:t>43</a:t>
             </a:fld>
             <a:endParaRPr lang="en-US" altLang="en-US" dirty="0"/>
           </a:p>
@@ -4126,7 +4196,7 @@
             <a:fld id="{6DEB7EE2-04A2-4FB2-9625-C9C73AC4D32F}" type="slidenum">
               <a:rPr lang="en-US" altLang="en-US" smtClean="0"/>
               <a:pPr/>
-              <a:t>9</a:t>
+              <a:t>44</a:t>
             </a:fld>
             <a:endParaRPr lang="en-US" altLang="en-US" dirty="0"/>
           </a:p>
@@ -4271,7 +4341,7 @@
             <a:fld id="{6DEB7EE2-04A2-4FB2-9625-C9C73AC4D32F}" type="slidenum">
               <a:rPr lang="en-US" altLang="en-US" smtClean="0"/>
               <a:pPr/>
-              <a:t>15</a:t>
+              <a:t>50</a:t>
             </a:fld>
             <a:endParaRPr lang="en-US" altLang="en-US" dirty="0"/>
           </a:p>
@@ -8583,6 +8653,9 @@
           </a:bodyPr>
           <a:lstStyle>
             <a:lvl1pPr marL="0" indent="0" algn="l">
+              <a:lnSpc>
+                <a:spcPct val="100000"/>
+              </a:lnSpc>
               <a:spcBef>
                 <a:spcPts val="0"/>
               </a:spcBef>
@@ -8604,7 +8677,7 @@
           <a:p>
             <a:pPr lvl="0"/>
             <a:r>
-              <a:rPr lang="en-US"/>
+              <a:rPr lang="en-US" dirty="0"/>
               <a:t>Insert content here</a:t>
             </a:r>
           </a:p>
@@ -8750,35 +8823,35 @@
           <a:p>
             <a:pPr lvl="0"/>
             <a:r>
-              <a:rPr lang="en-US"/>
+              <a:rPr lang="en-US" dirty="0"/>
               <a:t>Click to edit Master text styles</a:t>
             </a:r>
           </a:p>
           <a:p>
             <a:pPr lvl="1"/>
             <a:r>
-              <a:rPr lang="en-US"/>
+              <a:rPr lang="en-US" dirty="0"/>
               <a:t>Second level</a:t>
             </a:r>
           </a:p>
           <a:p>
             <a:pPr lvl="2"/>
             <a:r>
-              <a:rPr lang="en-US"/>
+              <a:rPr lang="en-US" dirty="0"/>
               <a:t>Third level</a:t>
             </a:r>
           </a:p>
           <a:p>
             <a:pPr lvl="3"/>
             <a:r>
-              <a:rPr lang="en-US"/>
+              <a:rPr lang="en-US" dirty="0"/>
               <a:t>Fourth level</a:t>
             </a:r>
           </a:p>
           <a:p>
             <a:pPr lvl="4"/>
             <a:r>
-              <a:rPr lang="en-US"/>
+              <a:rPr lang="en-US" dirty="0"/>
               <a:t>Fifth level</a:t>
             </a:r>
           </a:p>
@@ -8950,7 +9023,7 @@
     <p:bodyStyle>
       <a:lvl1pPr marL="228600" indent="-228600" algn="l" defTabSz="914400" rtl="0" eaLnBrk="1" latinLnBrk="0" hangingPunct="1">
         <a:lnSpc>
-          <a:spcPct val="90000"/>
+          <a:spcPct val="100000"/>
         </a:lnSpc>
         <a:spcBef>
           <a:spcPts val="1000"/>
@@ -8968,7 +9041,7 @@
       </a:lvl1pPr>
       <a:lvl2pPr marL="685800" indent="-228600" algn="l" defTabSz="914400" rtl="0" eaLnBrk="1" latinLnBrk="0" hangingPunct="1">
         <a:lnSpc>
-          <a:spcPct val="90000"/>
+          <a:spcPct val="100000"/>
         </a:lnSpc>
         <a:spcBef>
           <a:spcPts val="500"/>
@@ -8986,7 +9059,7 @@
       </a:lvl2pPr>
       <a:lvl3pPr marL="1143000" indent="-228600" algn="l" defTabSz="914400" rtl="0" eaLnBrk="1" latinLnBrk="0" hangingPunct="1">
         <a:lnSpc>
-          <a:spcPct val="90000"/>
+          <a:spcPct val="100000"/>
         </a:lnSpc>
         <a:spcBef>
           <a:spcPts val="500"/>
@@ -9004,7 +9077,7 @@
       </a:lvl3pPr>
       <a:lvl4pPr marL="1600200" indent="-228600" algn="l" defTabSz="914400" rtl="0" eaLnBrk="1" latinLnBrk="0" hangingPunct="1">
         <a:lnSpc>
-          <a:spcPct val="90000"/>
+          <a:spcPct val="100000"/>
         </a:lnSpc>
         <a:spcBef>
           <a:spcPts val="500"/>
@@ -9022,7 +9095,7 @@
       </a:lvl4pPr>
       <a:lvl5pPr marL="2057400" indent="-228600" algn="l" defTabSz="914400" rtl="0" eaLnBrk="1" latinLnBrk="0" hangingPunct="1">
         <a:lnSpc>
-          <a:spcPct val="90000"/>
+          <a:spcPct val="100000"/>
         </a:lnSpc>
         <a:spcBef>
           <a:spcPts val="500"/>
@@ -9356,98 +9429,10 @@
       </p:grpSpPr>
       <p:sp>
         <p:nvSpPr>
-          <p:cNvPr id="5" name="Title 4">
-            <a:extLst>
-              <a:ext uri="{FF2B5EF4-FFF2-40B4-BE49-F238E27FC236}">
-                <a16:creationId xmlns:a16="http://schemas.microsoft.com/office/drawing/2014/main" id="{1D4BA618-BF38-4C66-A054-AA45BAEA1C44}"/>
-              </a:ext>
-            </a:extLst>
-          </p:cNvPr>
-          <p:cNvSpPr>
-            <a:spLocks noGrp="1"/>
-          </p:cNvSpPr>
-          <p:nvPr>
-            <p:ph type="title"/>
-          </p:nvPr>
-        </p:nvSpPr>
-        <p:spPr/>
-        <p:txBody>
-          <a:bodyPr/>
-          <a:lstStyle/>
-          <a:p>
-            <a:r>
-              <a:rPr lang="en-US" dirty="0"/>
-              <a:t>Interesting facts</a:t>
-            </a:r>
-            <a:br>
-              <a:rPr lang="en-US" dirty="0"/>
-            </a:br>
-            <a:endParaRPr lang="en-US" dirty="0"/>
-          </a:p>
-        </p:txBody>
-      </p:sp>
-      <p:sp>
-        <p:nvSpPr>
-          <p:cNvPr id="3" name="Text Placeholder 2">
-            <a:extLst>
-              <a:ext uri="{FF2B5EF4-FFF2-40B4-BE49-F238E27FC236}">
-                <a16:creationId xmlns:a16="http://schemas.microsoft.com/office/drawing/2014/main" id="{EF99585A-5E1F-40FA-8E64-BB4F04611657}"/>
-              </a:ext>
-            </a:extLst>
-          </p:cNvPr>
-          <p:cNvSpPr>
-            <a:spLocks noGrp="1"/>
-          </p:cNvSpPr>
-          <p:nvPr>
-            <p:ph type="body" sz="quarter" idx="11"/>
-          </p:nvPr>
-        </p:nvSpPr>
-        <p:spPr>
-          <a:xfrm>
-            <a:off x="4533900" y="1905000"/>
-            <a:ext cx="6955734" cy="3276600"/>
-          </a:xfrm>
-        </p:spPr>
-        <p:txBody>
-          <a:bodyPr vert="horz" lIns="91440" tIns="45720" rIns="91440" bIns="45720" rtlCol="0" anchor="t">
-            <a:normAutofit/>
-          </a:bodyPr>
-          <a:lstStyle/>
-          <a:p>
-            <a:r>
-              <a:rPr lang="en-US" dirty="0"/>
-              <a:t>List some interesting facts about Black History Month. Here are a few examples:</a:t>
-            </a:r>
-          </a:p>
-          <a:p>
-            <a:pPr lvl="1"/>
-            <a:r>
-              <a:rPr lang="en-US" dirty="0"/>
-              <a:t>In 1926, Carter G. Woodson launched a weeklong celebration of black history in the United States. </a:t>
-            </a:r>
-          </a:p>
-          <a:p>
-            <a:pPr lvl="1"/>
-            <a:r>
-              <a:rPr lang="en-US" dirty="0"/>
-              <a:t>In 1976, President Gerald Ford officially recognizes Black History Month.</a:t>
-            </a:r>
-          </a:p>
-          <a:p>
-            <a:pPr lvl="1"/>
-            <a:r>
-              <a:rPr lang="en-US" dirty="0"/>
-              <a:t>Black History Month is also celebrated by Canada, Ireland, The Netherlands, and the United Kingdom. </a:t>
-            </a:r>
-          </a:p>
-        </p:txBody>
-      </p:sp>
-      <p:sp>
-        <p:nvSpPr>
           <p:cNvPr id="2" name="Slide Number Placeholder 1">
             <a:extLst>
               <a:ext uri="{FF2B5EF4-FFF2-40B4-BE49-F238E27FC236}">
-                <a16:creationId xmlns:a16="http://schemas.microsoft.com/office/drawing/2014/main" id="{98357CFB-1920-43C8-A03D-6856CF97509A}"/>
+                <a16:creationId xmlns:a16="http://schemas.microsoft.com/office/drawing/2014/main" id="{82F37032-8535-46BA-9657-5B566B62DE1A}"/>
               </a:ext>
             </a:extLst>
           </p:cNvPr>
@@ -9472,10 +9457,126 @@
           </a:p>
         </p:txBody>
       </p:sp>
+      <p:sp>
+        <p:nvSpPr>
+          <p:cNvPr id="3" name="Title 2">
+            <a:extLst>
+              <a:ext uri="{FF2B5EF4-FFF2-40B4-BE49-F238E27FC236}">
+                <a16:creationId xmlns:a16="http://schemas.microsoft.com/office/drawing/2014/main" id="{D9503F8A-3E9E-401A-BB94-FD35EE00185C}"/>
+              </a:ext>
+            </a:extLst>
+          </p:cNvPr>
+          <p:cNvSpPr>
+            <a:spLocks noGrp="1"/>
+          </p:cNvSpPr>
+          <p:nvPr>
+            <p:ph type="title"/>
+          </p:nvPr>
+        </p:nvSpPr>
+        <p:spPr/>
+        <p:txBody>
+          <a:bodyPr/>
+          <a:lstStyle/>
+          <a:p>
+            <a:r>
+              <a:rPr lang="en-US" dirty="0"/>
+              <a:t>Pandas Series</a:t>
+            </a:r>
+          </a:p>
+        </p:txBody>
+      </p:sp>
+      <p:sp>
+        <p:nvSpPr>
+          <p:cNvPr id="4" name="Text Placeholder 3">
+            <a:extLst>
+              <a:ext uri="{FF2B5EF4-FFF2-40B4-BE49-F238E27FC236}">
+                <a16:creationId xmlns:a16="http://schemas.microsoft.com/office/drawing/2014/main" id="{87D6045C-2315-4E1F-A497-C9FAD83AB874}"/>
+              </a:ext>
+            </a:extLst>
+          </p:cNvPr>
+          <p:cNvSpPr>
+            <a:spLocks noGrp="1"/>
+          </p:cNvSpPr>
+          <p:nvPr>
+            <p:ph type="body" sz="quarter" idx="13"/>
+          </p:nvPr>
+        </p:nvSpPr>
+        <p:spPr>
+          <a:xfrm>
+            <a:off x="762000" y="1783952"/>
+            <a:ext cx="5836763" cy="4358084"/>
+          </a:xfrm>
+        </p:spPr>
+        <p:txBody>
+          <a:bodyPr/>
+          <a:lstStyle/>
+          <a:p>
+            <a:r>
+              <a:rPr lang="en-US" sz="2000" b="1" dirty="0"/>
+              <a:t>Key/Value Objects as Series</a:t>
+            </a:r>
+          </a:p>
+          <a:p>
+            <a:r>
+              <a:rPr lang="en-US" dirty="0"/>
+              <a:t>You can also use a key/value object, like a dictionary, when creating a Series.</a:t>
+            </a:r>
+          </a:p>
+          <a:p>
+            <a:endParaRPr lang="en-US" dirty="0"/>
+          </a:p>
+          <a:p>
+            <a:pPr marL="285750" indent="-285750">
+              <a:buFont typeface="Wingdings" panose="05000000000000000000" pitchFamily="2" charset="2"/>
+              <a:buChar char="q"/>
+            </a:pPr>
+            <a:r>
+              <a:rPr lang="en-US" dirty="0">
+                <a:solidFill>
+                  <a:srgbClr val="D6D734"/>
+                </a:solidFill>
+              </a:rPr>
+              <a:t>The keys of the dictionary become the labels.</a:t>
+            </a:r>
+          </a:p>
+        </p:txBody>
+      </p:sp>
+      <p:pic>
+        <p:nvPicPr>
+          <p:cNvPr id="6" name="Picture 5">
+            <a:extLst>
+              <a:ext uri="{FF2B5EF4-FFF2-40B4-BE49-F238E27FC236}">
+                <a16:creationId xmlns:a16="http://schemas.microsoft.com/office/drawing/2014/main" id="{12CEA8E1-774C-4411-BE56-751CDEA2A038}"/>
+              </a:ext>
+            </a:extLst>
+          </p:cNvPr>
+          <p:cNvPicPr>
+            <a:picLocks noChangeAspect="1"/>
+          </p:cNvPicPr>
+          <p:nvPr/>
+        </p:nvPicPr>
+        <p:blipFill>
+          <a:blip r:embed="rId2"/>
+          <a:stretch>
+            <a:fillRect/>
+          </a:stretch>
+        </p:blipFill>
+        <p:spPr>
+          <a:xfrm>
+            <a:off x="6711885" y="1783952"/>
+            <a:ext cx="5036371" cy="4173788"/>
+          </a:xfrm>
+          <a:prstGeom prst="roundRect">
+            <a:avLst>
+              <a:gd name="adj" fmla="val 4160"/>
+            </a:avLst>
+          </a:prstGeom>
+        </p:spPr>
+      </p:pic>
     </p:spTree>
     <p:extLst>
       <p:ext uri="{BB962C8B-B14F-4D97-AF65-F5344CB8AC3E}">
-        <p14:creationId xmlns:p14="http://schemas.microsoft.com/office/powerpoint/2010/main" val="1840677120"/>
+        <p14:creationId xmlns:p14="http://schemas.microsoft.com/office/powerpoint/2010/main" val="889957764"/>
       </p:ext>
     </p:extLst>
   </p:cSld>
@@ -9516,18 +9617,18 @@
       </p:grpSpPr>
       <p:sp>
         <p:nvSpPr>
-          <p:cNvPr id="4" name="Title 3">
-            <a:extLst>
-              <a:ext uri="{FF2B5EF4-FFF2-40B4-BE49-F238E27FC236}">
-                <a16:creationId xmlns:a16="http://schemas.microsoft.com/office/drawing/2014/main" id="{267F19C7-A729-492B-8603-0651B356C0B1}"/>
-              </a:ext>
-            </a:extLst>
-          </p:cNvPr>
-          <p:cNvSpPr>
-            <a:spLocks noGrp="1"/>
-          </p:cNvSpPr>
-          <p:nvPr>
-            <p:ph type="title"/>
+          <p:cNvPr id="2" name="Slide Number Placeholder 1">
+            <a:extLst>
+              <a:ext uri="{FF2B5EF4-FFF2-40B4-BE49-F238E27FC236}">
+                <a16:creationId xmlns:a16="http://schemas.microsoft.com/office/drawing/2014/main" id="{61ACCDB5-53AC-46A1-8477-D467E9D7623C}"/>
+              </a:ext>
+            </a:extLst>
+          </p:cNvPr>
+          <p:cNvSpPr>
+            <a:spLocks noGrp="1"/>
+          </p:cNvSpPr>
+          <p:nvPr>
+            <p:ph type="sldNum" sz="quarter" idx="4"/>
           </p:nvPr>
         </p:nvSpPr>
         <p:spPr/>
@@ -9535,19 +9636,49 @@
           <a:bodyPr/>
           <a:lstStyle/>
           <a:p>
+            <a:fld id="{8402A1B0-4691-41D9-84E0-69D594EAA3FE}" type="slidenum">
+              <a:rPr lang="en-US" altLang="en-US" smtClean="0"/>
+              <a:pPr/>
+              <a:t>11</a:t>
+            </a:fld>
+            <a:endParaRPr lang="en-US" altLang="en-US" dirty="0"/>
+          </a:p>
+        </p:txBody>
+      </p:sp>
+      <p:sp>
+        <p:nvSpPr>
+          <p:cNvPr id="5" name="Title 4">
+            <a:extLst>
+              <a:ext uri="{FF2B5EF4-FFF2-40B4-BE49-F238E27FC236}">
+                <a16:creationId xmlns:a16="http://schemas.microsoft.com/office/drawing/2014/main" id="{AF9BAF8D-C931-4150-A45D-0B3F83543E48}"/>
+              </a:ext>
+            </a:extLst>
+          </p:cNvPr>
+          <p:cNvSpPr>
+            <a:spLocks noGrp="1"/>
+          </p:cNvSpPr>
+          <p:nvPr>
+            <p:ph type="title"/>
+          </p:nvPr>
+        </p:nvSpPr>
+        <p:spPr/>
+        <p:txBody>
+          <a:bodyPr/>
+          <a:lstStyle/>
+          <a:p>
             <a:r>
               <a:rPr lang="en-US" dirty="0"/>
-              <a:t>Key people</a:t>
+              <a:t>Pandas Series</a:t>
             </a:r>
           </a:p>
         </p:txBody>
       </p:sp>
       <p:sp>
         <p:nvSpPr>
-          <p:cNvPr id="16" name="Text Placeholder 15">
-            <a:extLst>
-              <a:ext uri="{FF2B5EF4-FFF2-40B4-BE49-F238E27FC236}">
-                <a16:creationId xmlns:a16="http://schemas.microsoft.com/office/drawing/2014/main" id="{82B839A9-BE4F-40C7-ABA3-682B626FFB08}"/>
+          <p:cNvPr id="6" name="Text Placeholder 5">
+            <a:extLst>
+              <a:ext uri="{FF2B5EF4-FFF2-40B4-BE49-F238E27FC236}">
+                <a16:creationId xmlns:a16="http://schemas.microsoft.com/office/drawing/2014/main" id="{42AC9401-AD3D-4DCE-A51A-F39E4B9AFBE2}"/>
               </a:ext>
             </a:extLst>
           </p:cNvPr>
@@ -9560,72 +9691,65 @@
         </p:nvSpPr>
         <p:spPr>
           <a:xfrm>
-            <a:off x="876300" y="1905000"/>
-            <a:ext cx="10553700" cy="1111648"/>
+            <a:off x="762001" y="1783952"/>
+            <a:ext cx="5799056" cy="4358084"/>
           </a:xfrm>
         </p:spPr>
         <p:txBody>
-          <a:bodyPr>
-            <a:normAutofit/>
-          </a:bodyPr>
+          <a:bodyPr/>
           <a:lstStyle/>
           <a:p>
+            <a:pPr algn="just"/>
             <a:r>
-              <a:rPr lang="en-US" altLang="en-US" dirty="0"/>
-              <a:t>Choose three leaders for Black History Month using </a:t>
+              <a:rPr lang="en-US" sz="2000" b="1" dirty="0"/>
+              <a:t>Key/Value Objects as Series</a:t>
             </a:r>
+          </a:p>
+          <a:p>
+            <a:pPr algn="just"/>
             <a:r>
-              <a:rPr lang="en-US" altLang="en-US" b="1" dirty="0">
-                <a:hlinkClick r:id="rId3"/>
-              </a:rPr>
-              <a:t>Bing.com</a:t>
+              <a:rPr lang="en-US" dirty="0"/>
+              <a:t>To select only some of the items in the dictionary, use the index argument and specify only the items you want to include in the Series.</a:t>
             </a:r>
-            <a:r>
-              <a:rPr lang="en-US" altLang="en-US" b="1" dirty="0"/>
-              <a:t> </a:t>
-            </a:r>
-            <a:r>
-              <a:rPr lang="en-US" altLang="en-US" dirty="0"/>
-              <a:t>and discuss their lives and accomplishments. Here are some examples:</a:t>
-            </a:r>
-            <a:endParaRPr lang="en-US" dirty="0"/>
-          </a:p>
-        </p:txBody>
-      </p:sp>
-      <p:graphicFrame>
-        <p:nvGraphicFramePr>
-          <p:cNvPr id="5" name="Content Placeholder 6" descr="smart art graphic">
-            <a:extLst>
-              <a:ext uri="{FF2B5EF4-FFF2-40B4-BE49-F238E27FC236}">
-                <a16:creationId xmlns:a16="http://schemas.microsoft.com/office/drawing/2014/main" id="{58BC2774-0387-4C12-835D-5AA8B2A1FDA5}"/>
-              </a:ext>
-            </a:extLst>
-          </p:cNvPr>
-          <p:cNvGraphicFramePr>
-            <a:graphicFrameLocks/>
-          </p:cNvGraphicFramePr>
-          <p:nvPr>
-            <p:extLst>
-              <p:ext uri="{D42A27DB-BD31-4B8C-83A1-F6EECF244321}">
-                <p14:modId xmlns:p14="http://schemas.microsoft.com/office/powerpoint/2010/main" val="1228173796"/>
-              </p:ext>
-            </p:extLst>
-          </p:nvPr>
-        </p:nvGraphicFramePr>
-        <p:xfrm>
-          <a:off x="762000" y="2895600"/>
-          <a:ext cx="11181080" cy="3352800"/>
-        </p:xfrm>
-        <a:graphic>
-          <a:graphicData uri="http://schemas.openxmlformats.org/drawingml/2006/diagram">
-            <dgm:relIds xmlns:dgm="http://schemas.openxmlformats.org/drawingml/2006/diagram" xmlns:r="http://schemas.openxmlformats.org/officeDocument/2006/relationships" r:dm="rId4" r:lo="rId5" r:qs="rId6" r:cs="rId7"/>
-          </a:graphicData>
-        </a:graphic>
-      </p:graphicFrame>
+          </a:p>
+        </p:txBody>
+      </p:sp>
+      <p:pic>
+        <p:nvPicPr>
+          <p:cNvPr id="8" name="Picture 7">
+            <a:extLst>
+              <a:ext uri="{FF2B5EF4-FFF2-40B4-BE49-F238E27FC236}">
+                <a16:creationId xmlns:a16="http://schemas.microsoft.com/office/drawing/2014/main" id="{F68D5A48-E883-4F74-A34A-1CA845C07B73}"/>
+              </a:ext>
+            </a:extLst>
+          </p:cNvPr>
+          <p:cNvPicPr>
+            <a:picLocks noChangeAspect="1"/>
+          </p:cNvPicPr>
+          <p:nvPr/>
+        </p:nvPicPr>
+        <p:blipFill>
+          <a:blip r:embed="rId2"/>
+          <a:stretch>
+            <a:fillRect/>
+          </a:stretch>
+        </p:blipFill>
+        <p:spPr>
+          <a:xfrm>
+            <a:off x="6730122" y="1783952"/>
+            <a:ext cx="5146192" cy="3882374"/>
+          </a:xfrm>
+          <a:prstGeom prst="roundRect">
+            <a:avLst>
+              <a:gd name="adj" fmla="val 3312"/>
+            </a:avLst>
+          </a:prstGeom>
+        </p:spPr>
+      </p:pic>
     </p:spTree>
     <p:extLst>
       <p:ext uri="{BB962C8B-B14F-4D97-AF65-F5344CB8AC3E}">
-        <p14:creationId xmlns:p14="http://schemas.microsoft.com/office/powerpoint/2010/main" val="2670795895"/>
+        <p14:creationId xmlns:p14="http://schemas.microsoft.com/office/powerpoint/2010/main" val="2033025588"/>
       </p:ext>
     </p:extLst>
   </p:cSld>
@@ -9650,14 +9774,6 @@
 <file path=ppt/slides/slide12.xml><?xml version="1.0" encoding="utf-8"?>
 <p:sld xmlns:a="http://schemas.openxmlformats.org/drawingml/2006/main" xmlns:r="http://schemas.openxmlformats.org/officeDocument/2006/relationships" xmlns:p="http://schemas.openxmlformats.org/presentationml/2006/main">
   <p:cSld>
-    <p:bg>
-      <p:bgPr>
-        <a:solidFill>
-          <a:schemeClr val="accent3"/>
-        </a:solidFill>
-        <a:effectLst/>
-      </p:bgPr>
-    </p:bg>
     <p:spTree>
       <p:nvGrpSpPr>
         <p:cNvPr id="1" name=""/>
@@ -9674,175 +9790,10 @@
       </p:grpSpPr>
       <p:sp>
         <p:nvSpPr>
-          <p:cNvPr id="3" name="Title 2">
-            <a:extLst>
-              <a:ext uri="{FF2B5EF4-FFF2-40B4-BE49-F238E27FC236}">
-                <a16:creationId xmlns:a16="http://schemas.microsoft.com/office/drawing/2014/main" id="{87A081DA-4028-4204-A51C-7F62D45B6450}"/>
-              </a:ext>
-            </a:extLst>
-          </p:cNvPr>
-          <p:cNvSpPr>
-            <a:spLocks noGrp="1"/>
-          </p:cNvSpPr>
-          <p:nvPr>
-            <p:ph type="title"/>
-          </p:nvPr>
-        </p:nvSpPr>
-        <p:spPr/>
-        <p:txBody>
-          <a:bodyPr/>
-          <a:lstStyle/>
-          <a:p>
-            <a:r>
-              <a:rPr lang="en-US" dirty="0"/>
-              <a:t>Arts and literature</a:t>
-            </a:r>
-          </a:p>
-        </p:txBody>
-      </p:sp>
-      <p:sp>
-        <p:nvSpPr>
-          <p:cNvPr id="9219" name="Rectangle 8">
-            <a:extLst>
-              <a:ext uri="{FF2B5EF4-FFF2-40B4-BE49-F238E27FC236}">
-                <a16:creationId xmlns:a16="http://schemas.microsoft.com/office/drawing/2014/main" id="{A17D04F1-4318-4DD6-B27E-D66AE4D426B2}"/>
-              </a:ext>
-            </a:extLst>
-          </p:cNvPr>
-          <p:cNvSpPr>
-            <a:spLocks noGrp="1" noChangeArrowheads="1"/>
-          </p:cNvSpPr>
-          <p:nvPr>
-            <p:ph type="body" sz="quarter" idx="11"/>
-          </p:nvPr>
-        </p:nvSpPr>
-        <p:spPr>
-          <a:xfrm>
-            <a:off x="762000" y="1905000"/>
-            <a:ext cx="5334000" cy="3276600"/>
-          </a:xfrm>
-        </p:spPr>
-        <p:txBody>
-          <a:bodyPr wrap="square" anchor="t">
-            <a:normAutofit/>
-          </a:bodyPr>
-          <a:lstStyle/>
-          <a:p>
-            <a:r>
-              <a:rPr lang="en-US" altLang="en-US" dirty="0"/>
-              <a:t>Provide examples of art and literature that are significant to Black History Month. Here are a few examples:</a:t>
-            </a:r>
-          </a:p>
-          <a:p>
-            <a:pPr lvl="1"/>
-            <a:r>
-              <a:rPr lang="en-US" altLang="en-US" dirty="0"/>
-              <a:t>The writing of </a:t>
-            </a:r>
-            <a:r>
-              <a:rPr lang="en-US" altLang="en-US" b="1" dirty="0">
-                <a:hlinkClick r:id="rId3">
-                  <a:extLst>
-                    <a:ext uri="{A12FA001-AC4F-418D-AE19-62706E023703}">
-                      <ahyp:hlinkClr xmlns:ahyp="http://schemas.microsoft.com/office/drawing/2018/hyperlinkcolor" val="tx"/>
-                    </a:ext>
-                  </a:extLst>
-                </a:hlinkClick>
-              </a:rPr>
-              <a:t>James Baldwin</a:t>
-            </a:r>
-            <a:r>
-              <a:rPr lang="en-US" altLang="en-US" b="1" dirty="0"/>
-              <a:t> </a:t>
-            </a:r>
-          </a:p>
-          <a:p>
-            <a:pPr lvl="1"/>
-            <a:r>
-              <a:rPr lang="en-US" altLang="en-US" dirty="0"/>
-              <a:t>The music of </a:t>
-            </a:r>
-            <a:r>
-              <a:rPr lang="en-US" altLang="en-US" b="1" dirty="0">
-                <a:hlinkClick r:id="rId4">
-                  <a:extLst>
-                    <a:ext uri="{A12FA001-AC4F-418D-AE19-62706E023703}">
-                      <ahyp:hlinkClr xmlns:ahyp="http://schemas.microsoft.com/office/drawing/2018/hyperlinkcolor" val="tx"/>
-                    </a:ext>
-                  </a:extLst>
-                </a:hlinkClick>
-              </a:rPr>
-              <a:t>Miles Davis</a:t>
-            </a:r>
-            <a:endParaRPr lang="en-US" altLang="en-US" b="1" dirty="0"/>
-          </a:p>
-          <a:p>
-            <a:pPr lvl="1"/>
-            <a:r>
-              <a:rPr lang="en-US" altLang="en-US" dirty="0"/>
-              <a:t>The artwork of </a:t>
-            </a:r>
-            <a:r>
-              <a:rPr lang="en-US" altLang="en-US" b="1" dirty="0">
-                <a:hlinkClick r:id="rId5">
-                  <a:extLst>
-                    <a:ext uri="{A12FA001-AC4F-418D-AE19-62706E023703}">
-                      <ahyp:hlinkClr xmlns:ahyp="http://schemas.microsoft.com/office/drawing/2018/hyperlinkcolor" val="tx"/>
-                    </a:ext>
-                  </a:extLst>
-                </a:hlinkClick>
-              </a:rPr>
-              <a:t>Alma Thomas</a:t>
-            </a:r>
-            <a:endParaRPr lang="en-US" altLang="en-US" b="1" dirty="0"/>
-          </a:p>
-          <a:p>
-            <a:endParaRPr lang="en-US" altLang="en-US" dirty="0"/>
-          </a:p>
-        </p:txBody>
-      </p:sp>
-      <p:sp>
-        <p:nvSpPr>
-          <p:cNvPr id="5" name="Picture Placeholder 4" descr="picture placeholder">
-            <a:extLst>
-              <a:ext uri="{FF2B5EF4-FFF2-40B4-BE49-F238E27FC236}">
-                <a16:creationId xmlns:a16="http://schemas.microsoft.com/office/drawing/2014/main" id="{9EEAAEA5-07F2-4368-BAEF-9182E6651EBD}"/>
-              </a:ext>
-            </a:extLst>
-          </p:cNvPr>
-          <p:cNvSpPr>
-            <a:spLocks noGrp="1"/>
-          </p:cNvSpPr>
-          <p:nvPr>
-            <p:ph type="pic" sz="quarter" idx="14"/>
-          </p:nvPr>
-        </p:nvSpPr>
-        <p:spPr/>
-      </p:sp>
-      <p:sp>
-        <p:nvSpPr>
-          <p:cNvPr id="4" name="Picture Placeholder 3" descr="picture placeholder">
-            <a:extLst>
-              <a:ext uri="{FF2B5EF4-FFF2-40B4-BE49-F238E27FC236}">
-                <a16:creationId xmlns:a16="http://schemas.microsoft.com/office/drawing/2014/main" id="{E84F491E-FC00-4DFF-B5E5-9022A349136A}"/>
-              </a:ext>
-            </a:extLst>
-          </p:cNvPr>
-          <p:cNvSpPr>
-            <a:spLocks noGrp="1"/>
-          </p:cNvSpPr>
-          <p:nvPr>
-            <p:ph type="pic" sz="quarter" idx="13"/>
-          </p:nvPr>
-        </p:nvSpPr>
-        <p:spPr/>
-      </p:sp>
-      <p:sp>
-        <p:nvSpPr>
           <p:cNvPr id="2" name="Slide Number Placeholder 1">
             <a:extLst>
               <a:ext uri="{FF2B5EF4-FFF2-40B4-BE49-F238E27FC236}">
-                <a16:creationId xmlns:a16="http://schemas.microsoft.com/office/drawing/2014/main" id="{4AC0F9B5-7793-4329-907A-85C1A1B580AE}"/>
+                <a16:creationId xmlns:a16="http://schemas.microsoft.com/office/drawing/2014/main" id="{61ACCDB5-53AC-46A1-8477-D467E9D7623C}"/>
               </a:ext>
             </a:extLst>
           </p:cNvPr>
@@ -9867,10 +9818,133 @@
           </a:p>
         </p:txBody>
       </p:sp>
+      <p:sp>
+        <p:nvSpPr>
+          <p:cNvPr id="3" name="Title 2">
+            <a:extLst>
+              <a:ext uri="{FF2B5EF4-FFF2-40B4-BE49-F238E27FC236}">
+                <a16:creationId xmlns:a16="http://schemas.microsoft.com/office/drawing/2014/main" id="{DDD610BD-4711-4F31-B306-71451B84EFBD}"/>
+              </a:ext>
+            </a:extLst>
+          </p:cNvPr>
+          <p:cNvSpPr>
+            <a:spLocks noGrp="1"/>
+          </p:cNvSpPr>
+          <p:nvPr>
+            <p:ph type="title"/>
+          </p:nvPr>
+        </p:nvSpPr>
+        <p:spPr/>
+        <p:txBody>
+          <a:bodyPr/>
+          <a:lstStyle/>
+          <a:p>
+            <a:r>
+              <a:rPr lang="en-US" dirty="0"/>
+              <a:t>Pandas Series</a:t>
+            </a:r>
+          </a:p>
+        </p:txBody>
+      </p:sp>
+      <p:sp>
+        <p:nvSpPr>
+          <p:cNvPr id="4" name="Text Placeholder 3">
+            <a:extLst>
+              <a:ext uri="{FF2B5EF4-FFF2-40B4-BE49-F238E27FC236}">
+                <a16:creationId xmlns:a16="http://schemas.microsoft.com/office/drawing/2014/main" id="{5A847452-27D3-4539-A56C-970E4B89FF98}"/>
+              </a:ext>
+            </a:extLst>
+          </p:cNvPr>
+          <p:cNvSpPr>
+            <a:spLocks noGrp="1"/>
+          </p:cNvSpPr>
+          <p:nvPr>
+            <p:ph type="body" sz="quarter" idx="13"/>
+          </p:nvPr>
+        </p:nvSpPr>
+        <p:spPr>
+          <a:xfrm>
+            <a:off x="762000" y="1783952"/>
+            <a:ext cx="6063006" cy="4358084"/>
+          </a:xfrm>
+        </p:spPr>
+        <p:txBody>
+          <a:bodyPr/>
+          <a:lstStyle/>
+          <a:p>
+            <a:pPr algn="just"/>
+            <a:r>
+              <a:rPr lang="en-US" sz="2000" b="1" dirty="0"/>
+              <a:t>DataFrames</a:t>
+            </a:r>
+          </a:p>
+          <a:p>
+            <a:pPr algn="just"/>
+            <a:r>
+              <a:rPr lang="en-US" dirty="0"/>
+              <a:t>Data sets in Pandas are usually multi-dimensional tables, called DataFrames. Series is like a column, a DataFrame is the whole table.</a:t>
+            </a:r>
+          </a:p>
+          <a:p>
+            <a:pPr algn="just"/>
+            <a:endParaRPr lang="en-US" dirty="0"/>
+          </a:p>
+          <a:p>
+            <a:pPr algn="just"/>
+            <a:r>
+              <a:rPr lang="en-US" sz="2000" b="1" dirty="0"/>
+              <a:t>What is a DataFrame?</a:t>
+            </a:r>
+          </a:p>
+          <a:p>
+            <a:pPr algn="just"/>
+            <a:r>
+              <a:rPr lang="en-US" dirty="0"/>
+              <a:t>A Pandas DataFrame is a 2 dimensional data structure, like a 2 dimensional array, or a table with rows and columns.</a:t>
+            </a:r>
+          </a:p>
+          <a:p>
+            <a:pPr algn="just"/>
+            <a:endParaRPr lang="en-US" dirty="0"/>
+          </a:p>
+        </p:txBody>
+      </p:sp>
+      <p:pic>
+        <p:nvPicPr>
+          <p:cNvPr id="6" name="Picture 5">
+            <a:extLst>
+              <a:ext uri="{FF2B5EF4-FFF2-40B4-BE49-F238E27FC236}">
+                <a16:creationId xmlns:a16="http://schemas.microsoft.com/office/drawing/2014/main" id="{D81D2248-4B22-474D-92FF-687AC8968289}"/>
+              </a:ext>
+            </a:extLst>
+          </p:cNvPr>
+          <p:cNvPicPr>
+            <a:picLocks noChangeAspect="1"/>
+          </p:cNvPicPr>
+          <p:nvPr/>
+        </p:nvPicPr>
+        <p:blipFill>
+          <a:blip r:embed="rId2"/>
+          <a:stretch>
+            <a:fillRect/>
+          </a:stretch>
+        </p:blipFill>
+        <p:spPr>
+          <a:xfrm>
+            <a:off x="7721608" y="1463441"/>
+            <a:ext cx="3571269" cy="4748823"/>
+          </a:xfrm>
+          <a:prstGeom prst="roundRect">
+            <a:avLst>
+              <a:gd name="adj" fmla="val 7164"/>
+            </a:avLst>
+          </a:prstGeom>
+        </p:spPr>
+      </p:pic>
     </p:spTree>
     <p:extLst>
       <p:ext uri="{BB962C8B-B14F-4D97-AF65-F5344CB8AC3E}">
-        <p14:creationId xmlns:p14="http://schemas.microsoft.com/office/powerpoint/2010/main" val="668663576"/>
+        <p14:creationId xmlns:p14="http://schemas.microsoft.com/office/powerpoint/2010/main" val="1350133141"/>
       </p:ext>
     </p:extLst>
   </p:cSld>
@@ -9895,14 +9969,6 @@
 <file path=ppt/slides/slide13.xml><?xml version="1.0" encoding="utf-8"?>
 <p:sld xmlns:a="http://schemas.openxmlformats.org/drawingml/2006/main" xmlns:r="http://schemas.openxmlformats.org/officeDocument/2006/relationships" xmlns:p="http://schemas.openxmlformats.org/presentationml/2006/main">
   <p:cSld>
-    <p:bg>
-      <p:bgPr>
-        <a:solidFill>
-          <a:schemeClr val="accent3"/>
-        </a:solidFill>
-        <a:effectLst/>
-      </p:bgPr>
-    </p:bg>
     <p:spTree>
       <p:nvGrpSpPr>
         <p:cNvPr id="1" name=""/>
@@ -9919,203 +9985,10 @@
       </p:grpSpPr>
       <p:sp>
         <p:nvSpPr>
-          <p:cNvPr id="6" name="Title 5">
-            <a:extLst>
-              <a:ext uri="{FF2B5EF4-FFF2-40B4-BE49-F238E27FC236}">
-                <a16:creationId xmlns:a16="http://schemas.microsoft.com/office/drawing/2014/main" id="{66839344-185E-41C8-994C-A1BD976EF113}"/>
-              </a:ext>
-            </a:extLst>
-          </p:cNvPr>
-          <p:cNvSpPr>
-            <a:spLocks noGrp="1"/>
-          </p:cNvSpPr>
-          <p:nvPr>
-            <p:ph type="title"/>
-          </p:nvPr>
-        </p:nvSpPr>
-        <p:spPr/>
-        <p:txBody>
-          <a:bodyPr/>
-          <a:lstStyle/>
-          <a:p>
-            <a:r>
-              <a:rPr lang="en-US" dirty="0"/>
-              <a:t>How to celebrate</a:t>
-            </a:r>
-          </a:p>
-        </p:txBody>
-      </p:sp>
-      <p:sp>
-        <p:nvSpPr>
-          <p:cNvPr id="2" name="Text Placeholder 1">
-            <a:extLst>
-              <a:ext uri="{FF2B5EF4-FFF2-40B4-BE49-F238E27FC236}">
-                <a16:creationId xmlns:a16="http://schemas.microsoft.com/office/drawing/2014/main" id="{9B8BBDC7-B590-43B7-BBD0-3A247210E1AC}"/>
-              </a:ext>
-            </a:extLst>
-          </p:cNvPr>
-          <p:cNvSpPr>
-            <a:spLocks noGrp="1"/>
-          </p:cNvSpPr>
-          <p:nvPr>
-            <p:ph type="body" sz="quarter" idx="11"/>
-          </p:nvPr>
-        </p:nvSpPr>
-        <p:spPr/>
-        <p:txBody>
-          <a:bodyPr/>
-          <a:lstStyle/>
-          <a:p>
-            <a:pPr marL="0" indent="0" fontAlgn="auto">
-              <a:spcAft>
-                <a:spcPts val="0"/>
-              </a:spcAft>
-              <a:buNone/>
-            </a:pPr>
-            <a:r>
-              <a:rPr lang="en-US" altLang="en-US" b="1" dirty="0">
-                <a:solidFill>
-                  <a:schemeClr val="accent1"/>
-                </a:solidFill>
-              </a:rPr>
-              <a:t>List some ways you can celebrate Black History Month. Here are a few examples:</a:t>
-            </a:r>
-          </a:p>
-          <a:p>
-            <a:pPr lvl="1"/>
-            <a:r>
-              <a:rPr lang="en-US" dirty="0"/>
-              <a:t>Discover </a:t>
-            </a:r>
-            <a:r>
-              <a:rPr lang="en-US" altLang="en-US" b="1" dirty="0">
-                <a:hlinkClick r:id="rId2">
-                  <a:extLst>
-                    <a:ext uri="{A12FA001-AC4F-418D-AE19-62706E023703}">
-                      <ahyp:hlinkClr xmlns:ahyp="http://schemas.microsoft.com/office/drawing/2018/hyperlinkcolor" val="tx"/>
-                    </a:ext>
-                  </a:extLst>
-                </a:hlinkClick>
-              </a:rPr>
-              <a:t>African American artists</a:t>
-            </a:r>
-            <a:endParaRPr lang="en-US" b="1" dirty="0"/>
-          </a:p>
-          <a:p>
-            <a:pPr lvl="1"/>
-            <a:r>
-              <a:rPr lang="en-US" dirty="0"/>
-              <a:t>Read </a:t>
-            </a:r>
-            <a:r>
-              <a:rPr lang="en-US" altLang="en-US" b="1" dirty="0">
-                <a:hlinkClick r:id="rId3">
-                  <a:extLst>
-                    <a:ext uri="{A12FA001-AC4F-418D-AE19-62706E023703}">
-                      <ahyp:hlinkClr xmlns:ahyp="http://schemas.microsoft.com/office/drawing/2018/hyperlinkcolor" val="tx"/>
-                    </a:ext>
-                  </a:extLst>
-                </a:hlinkClick>
-              </a:rPr>
-              <a:t>African American </a:t>
-            </a:r>
-            <a:r>
-              <a:rPr lang="en-US" b="1" dirty="0">
-                <a:hlinkClick r:id="rId3">
-                  <a:extLst>
-                    <a:ext uri="{A12FA001-AC4F-418D-AE19-62706E023703}">
-                      <ahyp:hlinkClr xmlns:ahyp="http://schemas.microsoft.com/office/drawing/2018/hyperlinkcolor" val="tx"/>
-                    </a:ext>
-                  </a:extLst>
-                </a:hlinkClick>
-              </a:rPr>
-              <a:t>authors</a:t>
-            </a:r>
-            <a:endParaRPr lang="en-US" b="1" dirty="0"/>
-          </a:p>
-          <a:p>
-            <a:pPr lvl="1"/>
-            <a:r>
-              <a:rPr lang="en-US" dirty="0"/>
-              <a:t>Listen to </a:t>
-            </a:r>
-            <a:r>
-              <a:rPr lang="en-US" altLang="en-US" b="1" dirty="0">
-                <a:hlinkClick r:id="rId4">
-                  <a:extLst>
-                    <a:ext uri="{A12FA001-AC4F-418D-AE19-62706E023703}">
-                      <ahyp:hlinkClr xmlns:ahyp="http://schemas.microsoft.com/office/drawing/2018/hyperlinkcolor" val="tx"/>
-                    </a:ext>
-                  </a:extLst>
-                </a:hlinkClick>
-              </a:rPr>
-              <a:t>African American </a:t>
-            </a:r>
-            <a:r>
-              <a:rPr lang="en-US" b="1" dirty="0">
-                <a:hlinkClick r:id="rId4">
-                  <a:extLst>
-                    <a:ext uri="{A12FA001-AC4F-418D-AE19-62706E023703}">
-                      <ahyp:hlinkClr xmlns:ahyp="http://schemas.microsoft.com/office/drawing/2018/hyperlinkcolor" val="tx"/>
-                    </a:ext>
-                  </a:extLst>
-                </a:hlinkClick>
-              </a:rPr>
-              <a:t>musicians</a:t>
-            </a:r>
-            <a:endParaRPr lang="en-US" b="1" dirty="0"/>
-          </a:p>
-          <a:p>
-            <a:pPr lvl="1"/>
-            <a:r>
-              <a:rPr lang="en-US" dirty="0"/>
-              <a:t>Learn </a:t>
-            </a:r>
-            <a:r>
-              <a:rPr lang="en-US" altLang="en-US" dirty="0"/>
-              <a:t>important moments of </a:t>
-            </a:r>
-            <a:r>
-              <a:rPr lang="en-US" altLang="en-US" b="1" dirty="0">
-                <a:hlinkClick r:id="rId5">
-                  <a:extLst>
-                    <a:ext uri="{A12FA001-AC4F-418D-AE19-62706E023703}">
-                      <ahyp:hlinkClr xmlns:ahyp="http://schemas.microsoft.com/office/drawing/2018/hyperlinkcolor" val="tx"/>
-                    </a:ext>
-                  </a:extLst>
-                </a:hlinkClick>
-              </a:rPr>
-              <a:t>African American </a:t>
-            </a:r>
-            <a:r>
-              <a:rPr lang="en-US" b="1" dirty="0">
-                <a:hlinkClick r:id="rId5">
-                  <a:extLst>
-                    <a:ext uri="{A12FA001-AC4F-418D-AE19-62706E023703}">
-                      <ahyp:hlinkClr xmlns:ahyp="http://schemas.microsoft.com/office/drawing/2018/hyperlinkcolor" val="tx"/>
-                    </a:ext>
-                  </a:extLst>
-                </a:hlinkClick>
-              </a:rPr>
-              <a:t>history</a:t>
-            </a:r>
-            <a:endParaRPr lang="en-US" b="1" dirty="0"/>
-          </a:p>
-          <a:p>
-            <a:endParaRPr lang="en-US" dirty="0">
-              <a:solidFill>
-                <a:schemeClr val="accent1"/>
-              </a:solidFill>
-            </a:endParaRPr>
-          </a:p>
-        </p:txBody>
-      </p:sp>
-      <p:sp>
-        <p:nvSpPr>
-          <p:cNvPr id="3" name="Slide Number Placeholder 2">
-            <a:extLst>
-              <a:ext uri="{FF2B5EF4-FFF2-40B4-BE49-F238E27FC236}">
-                <a16:creationId xmlns:a16="http://schemas.microsoft.com/office/drawing/2014/main" id="{A7234DE0-EA45-458D-BE07-A469B20BA809}"/>
+          <p:cNvPr id="2" name="Slide Number Placeholder 1">
+            <a:extLst>
+              <a:ext uri="{FF2B5EF4-FFF2-40B4-BE49-F238E27FC236}">
+                <a16:creationId xmlns:a16="http://schemas.microsoft.com/office/drawing/2014/main" id="{61ACCDB5-53AC-46A1-8477-D467E9D7623C}"/>
               </a:ext>
             </a:extLst>
           </p:cNvPr>
@@ -10140,10 +10013,155 @@
           </a:p>
         </p:txBody>
       </p:sp>
+      <p:sp>
+        <p:nvSpPr>
+          <p:cNvPr id="5" name="Title 4">
+            <a:extLst>
+              <a:ext uri="{FF2B5EF4-FFF2-40B4-BE49-F238E27FC236}">
+                <a16:creationId xmlns:a16="http://schemas.microsoft.com/office/drawing/2014/main" id="{AF9BAF8D-C931-4150-A45D-0B3F83543E48}"/>
+              </a:ext>
+            </a:extLst>
+          </p:cNvPr>
+          <p:cNvSpPr>
+            <a:spLocks noGrp="1"/>
+          </p:cNvSpPr>
+          <p:nvPr>
+            <p:ph type="title"/>
+          </p:nvPr>
+        </p:nvSpPr>
+        <p:spPr/>
+        <p:txBody>
+          <a:bodyPr/>
+          <a:lstStyle/>
+          <a:p>
+            <a:r>
+              <a:rPr lang="en-US" dirty="0"/>
+              <a:t>Pandas </a:t>
+            </a:r>
+            <a:r>
+              <a:rPr lang="en-US" sz="4000" b="1" dirty="0"/>
+              <a:t>DataFrames</a:t>
+            </a:r>
+            <a:endParaRPr lang="en-US" dirty="0"/>
+          </a:p>
+        </p:txBody>
+      </p:sp>
+      <p:sp>
+        <p:nvSpPr>
+          <p:cNvPr id="6" name="Text Placeholder 5">
+            <a:extLst>
+              <a:ext uri="{FF2B5EF4-FFF2-40B4-BE49-F238E27FC236}">
+                <a16:creationId xmlns:a16="http://schemas.microsoft.com/office/drawing/2014/main" id="{42AC9401-AD3D-4DCE-A51A-F39E4B9AFBE2}"/>
+              </a:ext>
+            </a:extLst>
+          </p:cNvPr>
+          <p:cNvSpPr>
+            <a:spLocks noGrp="1"/>
+          </p:cNvSpPr>
+          <p:nvPr>
+            <p:ph type="body" sz="quarter" idx="13"/>
+          </p:nvPr>
+        </p:nvSpPr>
+        <p:spPr>
+          <a:xfrm>
+            <a:off x="762001" y="1783952"/>
+            <a:ext cx="5780202" cy="4358084"/>
+          </a:xfrm>
+        </p:spPr>
+        <p:txBody>
+          <a:bodyPr/>
+          <a:lstStyle/>
+          <a:p>
+            <a:pPr algn="just"/>
+            <a:r>
+              <a:rPr lang="en-US" sz="2000" b="1" dirty="0"/>
+              <a:t>Locate Row</a:t>
+            </a:r>
+          </a:p>
+          <a:p>
+            <a:pPr algn="just"/>
+            <a:r>
+              <a:rPr lang="en-US" dirty="0"/>
+              <a:t>As you can see from the result above, the DataFrame is like a table with rows and columns. Pandas use the </a:t>
+            </a:r>
+            <a:r>
+              <a:rPr lang="en-US" i="1" dirty="0"/>
+              <a:t>loc</a:t>
+            </a:r>
+            <a:r>
+              <a:rPr lang="en-US" dirty="0"/>
+              <a:t> attribute to return one or more specified row(s).</a:t>
+            </a:r>
+          </a:p>
+          <a:p>
+            <a:pPr algn="just"/>
+            <a:endParaRPr lang="en-US" dirty="0"/>
+          </a:p>
+          <a:p>
+            <a:pPr algn="just"/>
+            <a:endParaRPr lang="en-US" dirty="0"/>
+          </a:p>
+          <a:p>
+            <a:pPr algn="just"/>
+            <a:r>
+              <a:rPr lang="en-US" b="1" dirty="0"/>
+              <a:t>Note:</a:t>
+            </a:r>
+            <a:r>
+              <a:rPr lang="en-US" dirty="0"/>
+              <a:t> This example returns a Pandas </a:t>
+            </a:r>
+            <a:r>
+              <a:rPr lang="en-US" b="1" dirty="0"/>
+              <a:t>Series</a:t>
+            </a:r>
+            <a:r>
+              <a:rPr lang="en-US" dirty="0"/>
+              <a:t>.</a:t>
+            </a:r>
+          </a:p>
+          <a:p>
+            <a:pPr algn="just"/>
+            <a:endParaRPr lang="en-US" dirty="0"/>
+          </a:p>
+        </p:txBody>
+      </p:sp>
+      <p:pic>
+        <p:nvPicPr>
+          <p:cNvPr id="4" name="Picture 3">
+            <a:extLst>
+              <a:ext uri="{FF2B5EF4-FFF2-40B4-BE49-F238E27FC236}">
+                <a16:creationId xmlns:a16="http://schemas.microsoft.com/office/drawing/2014/main" id="{A391AD3F-72D4-4062-B980-9B8866DB87CB}"/>
+              </a:ext>
+            </a:extLst>
+          </p:cNvPr>
+          <p:cNvPicPr>
+            <a:picLocks noChangeAspect="1"/>
+          </p:cNvPicPr>
+          <p:nvPr/>
+        </p:nvPicPr>
+        <p:blipFill>
+          <a:blip r:embed="rId2"/>
+          <a:stretch>
+            <a:fillRect/>
+          </a:stretch>
+        </p:blipFill>
+        <p:spPr>
+          <a:xfrm>
+            <a:off x="7471076" y="1783952"/>
+            <a:ext cx="3958922" cy="4002546"/>
+          </a:xfrm>
+          <a:prstGeom prst="roundRect">
+            <a:avLst>
+              <a:gd name="adj" fmla="val 6190"/>
+            </a:avLst>
+          </a:prstGeom>
+        </p:spPr>
+      </p:pic>
     </p:spTree>
     <p:extLst>
       <p:ext uri="{BB962C8B-B14F-4D97-AF65-F5344CB8AC3E}">
-        <p14:creationId xmlns:p14="http://schemas.microsoft.com/office/powerpoint/2010/main" val="3099432927"/>
+        <p14:creationId xmlns:p14="http://schemas.microsoft.com/office/powerpoint/2010/main" val="1542444999"/>
       </p:ext>
     </p:extLst>
   </p:cSld>
@@ -10184,88 +10202,10 @@
       </p:grpSpPr>
       <p:sp>
         <p:nvSpPr>
-          <p:cNvPr id="4" name="Title 3">
-            <a:extLst>
-              <a:ext uri="{FF2B5EF4-FFF2-40B4-BE49-F238E27FC236}">
-                <a16:creationId xmlns:a16="http://schemas.microsoft.com/office/drawing/2014/main" id="{FD9E38B3-4686-8247-9625-49018D29F408}"/>
-              </a:ext>
-            </a:extLst>
-          </p:cNvPr>
-          <p:cNvSpPr>
-            <a:spLocks noGrp="1"/>
-          </p:cNvSpPr>
-          <p:nvPr>
-            <p:ph type="title"/>
-          </p:nvPr>
-        </p:nvSpPr>
-        <p:spPr/>
-        <p:txBody>
-          <a:bodyPr>
-            <a:normAutofit/>
-          </a:bodyPr>
-          <a:lstStyle/>
-          <a:p>
-            <a:pPr algn="ctr"/>
-            <a:r>
-              <a:rPr lang="en-US" sz="4000" b="1" dirty="0">
-                <a:solidFill>
-                  <a:schemeClr val="tx1"/>
-                </a:solidFill>
-              </a:rPr>
-              <a:t>Conclusion</a:t>
-            </a:r>
-            <a:endParaRPr lang="en-US" b="1" dirty="0">
-              <a:solidFill>
-                <a:schemeClr val="tx1"/>
-              </a:solidFill>
-            </a:endParaRPr>
-          </a:p>
-        </p:txBody>
-      </p:sp>
-      <p:sp>
-        <p:nvSpPr>
-          <p:cNvPr id="3" name="Text Placeholder 2">
-            <a:extLst>
-              <a:ext uri="{FF2B5EF4-FFF2-40B4-BE49-F238E27FC236}">
-                <a16:creationId xmlns:a16="http://schemas.microsoft.com/office/drawing/2014/main" id="{17155E1D-F4AD-41A7-B948-E2D246CCFE8A}"/>
-              </a:ext>
-            </a:extLst>
-          </p:cNvPr>
-          <p:cNvSpPr>
-            <a:spLocks noGrp="1"/>
-          </p:cNvSpPr>
-          <p:nvPr>
-            <p:ph type="body" sz="quarter" idx="12"/>
-          </p:nvPr>
-        </p:nvSpPr>
-        <p:spPr/>
-        <p:txBody>
-          <a:bodyPr/>
-          <a:lstStyle/>
-          <a:p>
-            <a:r>
-              <a:rPr lang="en-US" altLang="en-US" dirty="0"/>
-              <a:t>Provide a brief summary of your presentation. </a:t>
-            </a:r>
-            <a:br>
-              <a:rPr lang="en-US" altLang="en-US" dirty="0"/>
-            </a:br>
-            <a:r>
-              <a:rPr lang="en-US" altLang="en-US" dirty="0"/>
-              <a:t>Remind the audience what you covered in the previous slides.</a:t>
-            </a:r>
-          </a:p>
-          <a:p>
-            <a:endParaRPr lang="en-US" dirty="0"/>
-          </a:p>
-        </p:txBody>
-      </p:sp>
-      <p:sp>
-        <p:nvSpPr>
           <p:cNvPr id="2" name="Slide Number Placeholder 1">
             <a:extLst>
               <a:ext uri="{FF2B5EF4-FFF2-40B4-BE49-F238E27FC236}">
-                <a16:creationId xmlns:a16="http://schemas.microsoft.com/office/drawing/2014/main" id="{22DB36F5-5462-45A8-A30B-06396F0C0463}"/>
+                <a16:creationId xmlns:a16="http://schemas.microsoft.com/office/drawing/2014/main" id="{61ACCDB5-53AC-46A1-8477-D467E9D7623C}"/>
               </a:ext>
             </a:extLst>
           </p:cNvPr>
@@ -10290,10 +10230,128 @@
           </a:p>
         </p:txBody>
       </p:sp>
+      <p:sp>
+        <p:nvSpPr>
+          <p:cNvPr id="3" name="Title 2">
+            <a:extLst>
+              <a:ext uri="{FF2B5EF4-FFF2-40B4-BE49-F238E27FC236}">
+                <a16:creationId xmlns:a16="http://schemas.microsoft.com/office/drawing/2014/main" id="{DDD610BD-4711-4F31-B306-71451B84EFBD}"/>
+              </a:ext>
+            </a:extLst>
+          </p:cNvPr>
+          <p:cNvSpPr>
+            <a:spLocks noGrp="1"/>
+          </p:cNvSpPr>
+          <p:nvPr>
+            <p:ph type="title"/>
+          </p:nvPr>
+        </p:nvSpPr>
+        <p:spPr/>
+        <p:txBody>
+          <a:bodyPr/>
+          <a:lstStyle/>
+          <a:p>
+            <a:r>
+              <a:rPr lang="en-US" dirty="0"/>
+              <a:t>Pandas </a:t>
+            </a:r>
+            <a:r>
+              <a:rPr lang="en-US" sz="4000" b="1" dirty="0"/>
+              <a:t>DataFrames</a:t>
+            </a:r>
+            <a:endParaRPr lang="en-US" dirty="0"/>
+          </a:p>
+        </p:txBody>
+      </p:sp>
+      <p:sp>
+        <p:nvSpPr>
+          <p:cNvPr id="4" name="Text Placeholder 3">
+            <a:extLst>
+              <a:ext uri="{FF2B5EF4-FFF2-40B4-BE49-F238E27FC236}">
+                <a16:creationId xmlns:a16="http://schemas.microsoft.com/office/drawing/2014/main" id="{5A847452-27D3-4539-A56C-970E4B89FF98}"/>
+              </a:ext>
+            </a:extLst>
+          </p:cNvPr>
+          <p:cNvSpPr>
+            <a:spLocks noGrp="1"/>
+          </p:cNvSpPr>
+          <p:nvPr>
+            <p:ph type="body" sz="quarter" idx="13"/>
+          </p:nvPr>
+        </p:nvSpPr>
+        <p:spPr/>
+        <p:txBody>
+          <a:bodyPr/>
+          <a:lstStyle/>
+          <a:p>
+            <a:pPr algn="just"/>
+            <a:endParaRPr lang="en-US" sz="2000" b="1" dirty="0"/>
+          </a:p>
+          <a:p>
+            <a:pPr algn="just"/>
+            <a:endParaRPr lang="en-US" sz="2000" b="1" dirty="0"/>
+          </a:p>
+          <a:p>
+            <a:pPr algn="just"/>
+            <a:endParaRPr lang="en-US" sz="2000" b="1" dirty="0"/>
+          </a:p>
+          <a:p>
+            <a:pPr algn="just"/>
+            <a:endParaRPr lang="en-US" sz="2000" b="1" dirty="0"/>
+          </a:p>
+          <a:p>
+            <a:pPr algn="just"/>
+            <a:endParaRPr lang="en-US" sz="2000" b="1" dirty="0"/>
+          </a:p>
+          <a:p>
+            <a:pPr algn="just"/>
+            <a:r>
+              <a:rPr lang="en-US" sz="2000" b="1" dirty="0"/>
+              <a:t>Note</a:t>
+            </a:r>
+            <a:r>
+              <a:rPr lang="en-US" dirty="0"/>
+              <a:t>: When using [ ], the result is a Pandas DataFrame.</a:t>
+            </a:r>
+          </a:p>
+        </p:txBody>
+      </p:sp>
+      <p:pic>
+        <p:nvPicPr>
+          <p:cNvPr id="5" name="Picture 4">
+            <a:extLst>
+              <a:ext uri="{FF2B5EF4-FFF2-40B4-BE49-F238E27FC236}">
+                <a16:creationId xmlns:a16="http://schemas.microsoft.com/office/drawing/2014/main" id="{C41B54AB-C5AC-4353-B244-37FEF82D9827}"/>
+              </a:ext>
+            </a:extLst>
+          </p:cNvPr>
+          <p:cNvPicPr>
+            <a:picLocks noChangeAspect="1"/>
+          </p:cNvPicPr>
+          <p:nvPr/>
+        </p:nvPicPr>
+        <p:blipFill>
+          <a:blip r:embed="rId2"/>
+          <a:stretch>
+            <a:fillRect/>
+          </a:stretch>
+        </p:blipFill>
+        <p:spPr>
+          <a:xfrm>
+            <a:off x="7085093" y="1783952"/>
+            <a:ext cx="4096041" cy="4270588"/>
+          </a:xfrm>
+          <a:prstGeom prst="roundRect">
+            <a:avLst>
+              <a:gd name="adj" fmla="val 3100"/>
+            </a:avLst>
+          </a:prstGeom>
+        </p:spPr>
+      </p:pic>
     </p:spTree>
     <p:extLst>
       <p:ext uri="{BB962C8B-B14F-4D97-AF65-F5344CB8AC3E}">
-        <p14:creationId xmlns:p14="http://schemas.microsoft.com/office/powerpoint/2010/main" val="3724489121"/>
+        <p14:creationId xmlns:p14="http://schemas.microsoft.com/office/powerpoint/2010/main" val="1684994508"/>
       </p:ext>
     </p:extLst>
   </p:cSld>
@@ -10334,83 +10392,10 @@
       </p:grpSpPr>
       <p:sp>
         <p:nvSpPr>
-          <p:cNvPr id="4" name="Title 3">
-            <a:extLst>
-              <a:ext uri="{FF2B5EF4-FFF2-40B4-BE49-F238E27FC236}">
-                <a16:creationId xmlns:a16="http://schemas.microsoft.com/office/drawing/2014/main" id="{068DF32A-D165-40DA-AAE8-A6E9579E2F79}"/>
-              </a:ext>
-            </a:extLst>
-          </p:cNvPr>
-          <p:cNvSpPr>
-            <a:spLocks noGrp="1"/>
-          </p:cNvSpPr>
-          <p:nvPr>
-            <p:ph type="title"/>
-          </p:nvPr>
-        </p:nvSpPr>
-        <p:spPr/>
-        <p:txBody>
-          <a:bodyPr>
-            <a:normAutofit/>
-          </a:bodyPr>
-          <a:lstStyle/>
-          <a:p>
-            <a:r>
-              <a:rPr lang="en-US" dirty="0"/>
-              <a:t>Questions </a:t>
-            </a:r>
-            <a:r>
-              <a:rPr lang="en-US" dirty="0">
-                <a:solidFill>
-                  <a:schemeClr val="accent3"/>
-                </a:solidFill>
-              </a:rPr>
-              <a:t>&amp;</a:t>
-            </a:r>
-            <a:r>
-              <a:rPr lang="en-US" dirty="0"/>
-              <a:t> answers</a:t>
-            </a:r>
-          </a:p>
-        </p:txBody>
-      </p:sp>
-      <p:sp>
-        <p:nvSpPr>
-          <p:cNvPr id="7" name="Text Placeholder 6">
-            <a:extLst>
-              <a:ext uri="{FF2B5EF4-FFF2-40B4-BE49-F238E27FC236}">
-                <a16:creationId xmlns:a16="http://schemas.microsoft.com/office/drawing/2014/main" id="{C3BC92DE-1779-4A44-AED9-0261C2497DD9}"/>
-              </a:ext>
-            </a:extLst>
-          </p:cNvPr>
-          <p:cNvSpPr>
-            <a:spLocks noGrp="1"/>
-          </p:cNvSpPr>
-          <p:nvPr>
-            <p:ph type="body" sz="quarter" idx="12"/>
-          </p:nvPr>
-        </p:nvSpPr>
-        <p:spPr/>
-        <p:txBody>
-          <a:bodyPr/>
-          <a:lstStyle/>
-          <a:p>
-            <a:r>
-              <a:rPr lang="en-US" altLang="en-US" sz="1800" dirty="0"/>
-              <a:t>Invite questions from the audience</a:t>
-            </a:r>
-          </a:p>
-          <a:p>
-            <a:endParaRPr lang="en-US" dirty="0"/>
-          </a:p>
-        </p:txBody>
-      </p:sp>
-      <p:sp>
-        <p:nvSpPr>
           <p:cNvPr id="2" name="Slide Number Placeholder 1">
             <a:extLst>
               <a:ext uri="{FF2B5EF4-FFF2-40B4-BE49-F238E27FC236}">
-                <a16:creationId xmlns:a16="http://schemas.microsoft.com/office/drawing/2014/main" id="{F42CBD6A-0CC0-49D9-93EF-3FF4572AF22D}"/>
+                <a16:creationId xmlns:a16="http://schemas.microsoft.com/office/drawing/2014/main" id="{61ACCDB5-53AC-46A1-8477-D467E9D7623C}"/>
               </a:ext>
             </a:extLst>
           </p:cNvPr>
@@ -10435,10 +10420,161 @@
           </a:p>
         </p:txBody>
       </p:sp>
+      <p:sp>
+        <p:nvSpPr>
+          <p:cNvPr id="5" name="Title 4">
+            <a:extLst>
+              <a:ext uri="{FF2B5EF4-FFF2-40B4-BE49-F238E27FC236}">
+                <a16:creationId xmlns:a16="http://schemas.microsoft.com/office/drawing/2014/main" id="{AF9BAF8D-C931-4150-A45D-0B3F83543E48}"/>
+              </a:ext>
+            </a:extLst>
+          </p:cNvPr>
+          <p:cNvSpPr>
+            <a:spLocks noGrp="1"/>
+          </p:cNvSpPr>
+          <p:nvPr>
+            <p:ph type="title"/>
+          </p:nvPr>
+        </p:nvSpPr>
+        <p:spPr/>
+        <p:txBody>
+          <a:bodyPr/>
+          <a:lstStyle/>
+          <a:p>
+            <a:r>
+              <a:rPr lang="en-US" dirty="0"/>
+              <a:t>Pandas </a:t>
+            </a:r>
+            <a:r>
+              <a:rPr lang="en-US" sz="4000" b="1" dirty="0"/>
+              <a:t>DataFrames</a:t>
+            </a:r>
+            <a:endParaRPr lang="en-US" dirty="0"/>
+          </a:p>
+        </p:txBody>
+      </p:sp>
+      <p:sp>
+        <p:nvSpPr>
+          <p:cNvPr id="6" name="Text Placeholder 5">
+            <a:extLst>
+              <a:ext uri="{FF2B5EF4-FFF2-40B4-BE49-F238E27FC236}">
+                <a16:creationId xmlns:a16="http://schemas.microsoft.com/office/drawing/2014/main" id="{42AC9401-AD3D-4DCE-A51A-F39E4B9AFBE2}"/>
+              </a:ext>
+            </a:extLst>
+          </p:cNvPr>
+          <p:cNvSpPr>
+            <a:spLocks noGrp="1"/>
+          </p:cNvSpPr>
+          <p:nvPr>
+            <p:ph type="body" sz="quarter" idx="13"/>
+          </p:nvPr>
+        </p:nvSpPr>
+        <p:spPr>
+          <a:xfrm>
+            <a:off x="762000" y="1783952"/>
+            <a:ext cx="4988351" cy="4358084"/>
+          </a:xfrm>
+        </p:spPr>
+        <p:txBody>
+          <a:bodyPr/>
+          <a:lstStyle/>
+          <a:p>
+            <a:pPr algn="just"/>
+            <a:r>
+              <a:rPr lang="en-US" sz="2000" b="1" dirty="0"/>
+              <a:t>Named Indexes</a:t>
+            </a:r>
+          </a:p>
+          <a:p>
+            <a:pPr algn="just"/>
+            <a:r>
+              <a:rPr lang="en-US" dirty="0"/>
+              <a:t>With the </a:t>
+            </a:r>
+            <a:r>
+              <a:rPr lang="en-US" i="1" dirty="0"/>
+              <a:t>index</a:t>
+            </a:r>
+            <a:r>
+              <a:rPr lang="en-US" dirty="0"/>
+              <a:t> argument, you can name your own indexes.</a:t>
+            </a:r>
+          </a:p>
+          <a:p>
+            <a:pPr algn="just"/>
+            <a:endParaRPr lang="en-US" dirty="0"/>
+          </a:p>
+          <a:p>
+            <a:pPr algn="just"/>
+            <a:endParaRPr lang="en-US" dirty="0"/>
+          </a:p>
+          <a:p>
+            <a:pPr algn="just"/>
+            <a:r>
+              <a:rPr lang="en-US" sz="2000" b="1" dirty="0"/>
+              <a:t>Example</a:t>
+            </a:r>
+          </a:p>
+          <a:p>
+            <a:pPr algn="just"/>
+            <a:r>
+              <a:rPr lang="en-US" b="1" dirty="0"/>
+              <a:t>Add a list of names to give each row a name:</a:t>
+            </a:r>
+          </a:p>
+          <a:p>
+            <a:pPr algn="just"/>
+            <a:endParaRPr lang="en-US" b="1" dirty="0"/>
+          </a:p>
+          <a:p>
+            <a:pPr algn="just"/>
+            <a:r>
+              <a:rPr lang="en-US" b="1" dirty="0">
+                <a:solidFill>
+                  <a:srgbClr val="D6D734"/>
+                </a:solidFill>
+              </a:rPr>
+              <a:t>NOTE: Use the named index in the loc attribute to return the specified row(s).</a:t>
+            </a:r>
+          </a:p>
+        </p:txBody>
+      </p:sp>
+      <p:pic>
+        <p:nvPicPr>
+          <p:cNvPr id="10" name="Picture 9">
+            <a:extLst>
+              <a:ext uri="{FF2B5EF4-FFF2-40B4-BE49-F238E27FC236}">
+                <a16:creationId xmlns:a16="http://schemas.microsoft.com/office/drawing/2014/main" id="{6D590EF9-5127-49B8-A81D-1E03F30D9A5B}"/>
+              </a:ext>
+            </a:extLst>
+          </p:cNvPr>
+          <p:cNvPicPr>
+            <a:picLocks noChangeAspect="1"/>
+          </p:cNvPicPr>
+          <p:nvPr/>
+        </p:nvPicPr>
+        <p:blipFill>
+          <a:blip r:embed="rId2"/>
+          <a:stretch>
+            <a:fillRect/>
+          </a:stretch>
+        </p:blipFill>
+        <p:spPr>
+          <a:xfrm>
+            <a:off x="6199693" y="1539048"/>
+            <a:ext cx="5477510" cy="4230156"/>
+          </a:xfrm>
+          <a:prstGeom prst="roundRect">
+            <a:avLst>
+              <a:gd name="adj" fmla="val 4410"/>
+            </a:avLst>
+          </a:prstGeom>
+        </p:spPr>
+      </p:pic>
     </p:spTree>
     <p:extLst>
       <p:ext uri="{BB962C8B-B14F-4D97-AF65-F5344CB8AC3E}">
-        <p14:creationId xmlns:p14="http://schemas.microsoft.com/office/powerpoint/2010/main" val="2443785555"/>
+        <p14:creationId xmlns:p14="http://schemas.microsoft.com/office/powerpoint/2010/main" val="3082306357"/>
       </p:ext>
     </p:extLst>
   </p:cSld>
@@ -10463,14 +10599,6 @@
 <file path=ppt/slides/slide16.xml><?xml version="1.0" encoding="utf-8"?>
 <p:sld xmlns:a="http://schemas.openxmlformats.org/drawingml/2006/main" xmlns:r="http://schemas.openxmlformats.org/officeDocument/2006/relationships" xmlns:p="http://schemas.openxmlformats.org/presentationml/2006/main">
   <p:cSld>
-    <p:bg>
-      <p:bgPr>
-        <a:solidFill>
-          <a:schemeClr val="accent2"/>
-        </a:solidFill>
-        <a:effectLst/>
-      </p:bgPr>
-    </p:bg>
     <p:spTree>
       <p:nvGrpSpPr>
         <p:cNvPr id="1" name=""/>
@@ -10487,92 +10615,10 @@
       </p:grpSpPr>
       <p:sp>
         <p:nvSpPr>
-          <p:cNvPr id="6" name="Title 5">
-            <a:extLst>
-              <a:ext uri="{FF2B5EF4-FFF2-40B4-BE49-F238E27FC236}">
-                <a16:creationId xmlns:a16="http://schemas.microsoft.com/office/drawing/2014/main" id="{5B34254B-4837-4E59-8D24-19908000C6C3}"/>
-              </a:ext>
-            </a:extLst>
-          </p:cNvPr>
-          <p:cNvSpPr>
-            <a:spLocks noGrp="1"/>
-          </p:cNvSpPr>
-          <p:nvPr>
-            <p:ph type="title"/>
-          </p:nvPr>
-        </p:nvSpPr>
-        <p:spPr/>
-        <p:txBody>
-          <a:bodyPr/>
-          <a:lstStyle/>
-          <a:p>
-            <a:r>
-              <a:rPr lang="en-US" dirty="0"/>
-              <a:t>Resources</a:t>
-            </a:r>
-          </a:p>
-        </p:txBody>
-      </p:sp>
-      <p:sp>
-        <p:nvSpPr>
-          <p:cNvPr id="3" name="Text Placeholder 2">
-            <a:extLst>
-              <a:ext uri="{FF2B5EF4-FFF2-40B4-BE49-F238E27FC236}">
-                <a16:creationId xmlns:a16="http://schemas.microsoft.com/office/drawing/2014/main" id="{D3316BC9-7937-4417-B232-1B37F4796011}"/>
-              </a:ext>
-            </a:extLst>
-          </p:cNvPr>
-          <p:cNvSpPr>
-            <a:spLocks noGrp="1"/>
-          </p:cNvSpPr>
-          <p:nvPr>
-            <p:ph type="body" sz="quarter" idx="11"/>
-          </p:nvPr>
-        </p:nvSpPr>
-        <p:spPr/>
-        <p:txBody>
-          <a:bodyPr>
-            <a:normAutofit/>
-          </a:bodyPr>
-          <a:lstStyle/>
-          <a:p>
-            <a:r>
-              <a:rPr lang="en-US" altLang="en-US" dirty="0"/>
-              <a:t>List the resources you used for your research:</a:t>
-            </a:r>
-          </a:p>
-          <a:p>
-            <a:pPr lvl="1"/>
-            <a:r>
-              <a:rPr lang="fr-FR" dirty="0"/>
-              <a:t>Source #1</a:t>
-            </a:r>
-          </a:p>
-          <a:p>
-            <a:pPr lvl="1"/>
-            <a:r>
-              <a:rPr lang="fr-FR" dirty="0"/>
-              <a:t>Source #2</a:t>
-            </a:r>
-          </a:p>
-          <a:p>
-            <a:pPr lvl="1"/>
-            <a:r>
-              <a:rPr lang="fr-FR" dirty="0"/>
-              <a:t>Source #3</a:t>
-            </a:r>
-          </a:p>
-          <a:p>
-            <a:endParaRPr lang="en-US" dirty="0"/>
-          </a:p>
-        </p:txBody>
-      </p:sp>
-      <p:sp>
-        <p:nvSpPr>
           <p:cNvPr id="2" name="Slide Number Placeholder 1">
             <a:extLst>
               <a:ext uri="{FF2B5EF4-FFF2-40B4-BE49-F238E27FC236}">
-                <a16:creationId xmlns:a16="http://schemas.microsoft.com/office/drawing/2014/main" id="{0384AEC0-DF68-4ED4-8C40-FB2905C843D7}"/>
+                <a16:creationId xmlns:a16="http://schemas.microsoft.com/office/drawing/2014/main" id="{61ACCDB5-53AC-46A1-8477-D467E9D7623C}"/>
               </a:ext>
             </a:extLst>
           </p:cNvPr>
@@ -10597,10 +10643,506 @@
           </a:p>
         </p:txBody>
       </p:sp>
+      <p:sp>
+        <p:nvSpPr>
+          <p:cNvPr id="3" name="Title 2">
+            <a:extLst>
+              <a:ext uri="{FF2B5EF4-FFF2-40B4-BE49-F238E27FC236}">
+                <a16:creationId xmlns:a16="http://schemas.microsoft.com/office/drawing/2014/main" id="{DDD610BD-4711-4F31-B306-71451B84EFBD}"/>
+              </a:ext>
+            </a:extLst>
+          </p:cNvPr>
+          <p:cNvSpPr>
+            <a:spLocks noGrp="1"/>
+          </p:cNvSpPr>
+          <p:nvPr>
+            <p:ph type="title"/>
+          </p:nvPr>
+        </p:nvSpPr>
+        <p:spPr/>
+        <p:txBody>
+          <a:bodyPr/>
+          <a:lstStyle/>
+          <a:p>
+            <a:r>
+              <a:rPr lang="en-US" dirty="0"/>
+              <a:t>Pandas </a:t>
+            </a:r>
+            <a:r>
+              <a:rPr lang="en-US" sz="4000" b="1" dirty="0"/>
+              <a:t>DataFrames</a:t>
+            </a:r>
+            <a:endParaRPr lang="en-US" dirty="0"/>
+          </a:p>
+        </p:txBody>
+      </p:sp>
+      <p:sp>
+        <p:nvSpPr>
+          <p:cNvPr id="4" name="Text Placeholder 3">
+            <a:extLst>
+              <a:ext uri="{FF2B5EF4-FFF2-40B4-BE49-F238E27FC236}">
+                <a16:creationId xmlns:a16="http://schemas.microsoft.com/office/drawing/2014/main" id="{5A847452-27D3-4539-A56C-970E4B89FF98}"/>
+              </a:ext>
+            </a:extLst>
+          </p:cNvPr>
+          <p:cNvSpPr>
+            <a:spLocks noGrp="1"/>
+          </p:cNvSpPr>
+          <p:nvPr>
+            <p:ph type="body" sz="quarter" idx="13"/>
+          </p:nvPr>
+        </p:nvSpPr>
+        <p:spPr>
+          <a:xfrm>
+            <a:off x="762000" y="1783952"/>
+            <a:ext cx="4026327" cy="4358084"/>
+          </a:xfrm>
+        </p:spPr>
+        <p:txBody>
+          <a:bodyPr/>
+          <a:lstStyle/>
+          <a:p>
+            <a:pPr algn="just"/>
+            <a:r>
+              <a:rPr lang="en-US" sz="2000" b="1" dirty="0"/>
+              <a:t>Load Files Into a DataFrame</a:t>
+            </a:r>
+          </a:p>
+          <a:p>
+            <a:pPr algn="just"/>
+            <a:r>
+              <a:rPr lang="en-US" dirty="0"/>
+              <a:t>If your data sets are stored in a file, Pandas can load them into a DataFrame.</a:t>
+            </a:r>
+          </a:p>
+          <a:p>
+            <a:pPr algn="just"/>
+            <a:endParaRPr lang="en-US" dirty="0"/>
+          </a:p>
+          <a:p>
+            <a:pPr algn="just"/>
+            <a:r>
+              <a:rPr lang="en-US" sz="2000" b="1" dirty="0"/>
+              <a:t>Example</a:t>
+            </a:r>
+          </a:p>
+          <a:p>
+            <a:pPr algn="just"/>
+            <a:r>
+              <a:rPr lang="en-US" dirty="0"/>
+              <a:t>In our example we are importing BrutForce.csv. Load a comma separated file (CSV file) into a DataFrame:</a:t>
+            </a:r>
+          </a:p>
+        </p:txBody>
+      </p:sp>
+      <p:pic>
+        <p:nvPicPr>
+          <p:cNvPr id="6" name="Picture 5">
+            <a:extLst>
+              <a:ext uri="{FF2B5EF4-FFF2-40B4-BE49-F238E27FC236}">
+                <a16:creationId xmlns:a16="http://schemas.microsoft.com/office/drawing/2014/main" id="{B2B7517E-C770-47F6-918D-5358E0711B48}"/>
+              </a:ext>
+            </a:extLst>
+          </p:cNvPr>
+          <p:cNvPicPr>
+            <a:picLocks noChangeAspect="1"/>
+          </p:cNvPicPr>
+          <p:nvPr/>
+        </p:nvPicPr>
+        <p:blipFill>
+          <a:blip r:embed="rId2"/>
+          <a:stretch>
+            <a:fillRect/>
+          </a:stretch>
+        </p:blipFill>
+        <p:spPr>
+          <a:xfrm>
+            <a:off x="4882596" y="1659046"/>
+            <a:ext cx="7078792" cy="4223280"/>
+          </a:xfrm>
+          <a:prstGeom prst="roundRect">
+            <a:avLst>
+              <a:gd name="adj" fmla="val 4837"/>
+            </a:avLst>
+          </a:prstGeom>
+        </p:spPr>
+      </p:pic>
     </p:spTree>
     <p:extLst>
       <p:ext uri="{BB962C8B-B14F-4D97-AF65-F5344CB8AC3E}">
-        <p14:creationId xmlns:p14="http://schemas.microsoft.com/office/powerpoint/2010/main" val="132009874"/>
+        <p14:creationId xmlns:p14="http://schemas.microsoft.com/office/powerpoint/2010/main" val="2041775578"/>
+      </p:ext>
+    </p:extLst>
+  </p:cSld>
+  <p:clrMapOvr>
+    <a:masterClrMapping/>
+  </p:clrMapOvr>
+  <mc:AlternateContent xmlns:mc="http://schemas.openxmlformats.org/markup-compatibility/2006" xmlns:p14="http://schemas.microsoft.com/office/powerpoint/2010/main">
+    <mc:Choice Requires="p14">
+      <p:transition spd="med" p14:dur="700">
+        <p:fade/>
+      </p:transition>
+    </mc:Choice>
+    <mc:Fallback xmlns="">
+      <p:transition spd="med">
+        <p:fade/>
+      </p:transition>
+    </mc:Fallback>
+  </mc:AlternateContent>
+</p:sld>
+</file>
+
+<file path=ppt/slides/slide17.xml><?xml version="1.0" encoding="utf-8"?>
+<p:sld xmlns:a="http://schemas.openxmlformats.org/drawingml/2006/main" xmlns:r="http://schemas.openxmlformats.org/officeDocument/2006/relationships" xmlns:p="http://schemas.openxmlformats.org/presentationml/2006/main">
+  <p:cSld>
+    <p:spTree>
+      <p:nvGrpSpPr>
+        <p:cNvPr id="1" name=""/>
+        <p:cNvGrpSpPr/>
+        <p:nvPr/>
+      </p:nvGrpSpPr>
+      <p:grpSpPr>
+        <a:xfrm>
+          <a:off x="0" y="0"/>
+          <a:ext cx="0" cy="0"/>
+          <a:chOff x="0" y="0"/>
+          <a:chExt cx="0" cy="0"/>
+        </a:xfrm>
+      </p:grpSpPr>
+      <p:sp>
+        <p:nvSpPr>
+          <p:cNvPr id="2" name="Slide Number Placeholder 1">
+            <a:extLst>
+              <a:ext uri="{FF2B5EF4-FFF2-40B4-BE49-F238E27FC236}">
+                <a16:creationId xmlns:a16="http://schemas.microsoft.com/office/drawing/2014/main" id="{61ACCDB5-53AC-46A1-8477-D467E9D7623C}"/>
+              </a:ext>
+            </a:extLst>
+          </p:cNvPr>
+          <p:cNvSpPr>
+            <a:spLocks noGrp="1"/>
+          </p:cNvSpPr>
+          <p:nvPr>
+            <p:ph type="sldNum" sz="quarter" idx="4"/>
+          </p:nvPr>
+        </p:nvSpPr>
+        <p:spPr/>
+        <p:txBody>
+          <a:bodyPr/>
+          <a:lstStyle/>
+          <a:p>
+            <a:fld id="{8402A1B0-4691-41D9-84E0-69D594EAA3FE}" type="slidenum">
+              <a:rPr lang="en-US" altLang="en-US" smtClean="0"/>
+              <a:pPr/>
+              <a:t>17</a:t>
+            </a:fld>
+            <a:endParaRPr lang="en-US" altLang="en-US" dirty="0"/>
+          </a:p>
+        </p:txBody>
+      </p:sp>
+      <p:sp>
+        <p:nvSpPr>
+          <p:cNvPr id="5" name="Title 4">
+            <a:extLst>
+              <a:ext uri="{FF2B5EF4-FFF2-40B4-BE49-F238E27FC236}">
+                <a16:creationId xmlns:a16="http://schemas.microsoft.com/office/drawing/2014/main" id="{AF9BAF8D-C931-4150-A45D-0B3F83543E48}"/>
+              </a:ext>
+            </a:extLst>
+          </p:cNvPr>
+          <p:cNvSpPr>
+            <a:spLocks noGrp="1"/>
+          </p:cNvSpPr>
+          <p:nvPr>
+            <p:ph type="title"/>
+          </p:nvPr>
+        </p:nvSpPr>
+        <p:spPr/>
+        <p:txBody>
+          <a:bodyPr/>
+          <a:lstStyle/>
+          <a:p>
+            <a:endParaRPr lang="en-US"/>
+          </a:p>
+        </p:txBody>
+      </p:sp>
+      <p:sp>
+        <p:nvSpPr>
+          <p:cNvPr id="6" name="Text Placeholder 5">
+            <a:extLst>
+              <a:ext uri="{FF2B5EF4-FFF2-40B4-BE49-F238E27FC236}">
+                <a16:creationId xmlns:a16="http://schemas.microsoft.com/office/drawing/2014/main" id="{42AC9401-AD3D-4DCE-A51A-F39E4B9AFBE2}"/>
+              </a:ext>
+            </a:extLst>
+          </p:cNvPr>
+          <p:cNvSpPr>
+            <a:spLocks noGrp="1"/>
+          </p:cNvSpPr>
+          <p:nvPr>
+            <p:ph type="body" sz="quarter" idx="13"/>
+          </p:nvPr>
+        </p:nvSpPr>
+        <p:spPr/>
+        <p:txBody>
+          <a:bodyPr/>
+          <a:lstStyle/>
+          <a:p>
+            <a:pPr algn="just"/>
+            <a:r>
+              <a:rPr lang="en-US" dirty="0"/>
+              <a:t>https://www.w3schools.com/python/pandas/pandas_csv.asp</a:t>
+            </a:r>
+          </a:p>
+        </p:txBody>
+      </p:sp>
+    </p:spTree>
+    <p:extLst>
+      <p:ext uri="{BB962C8B-B14F-4D97-AF65-F5344CB8AC3E}">
+        <p14:creationId xmlns:p14="http://schemas.microsoft.com/office/powerpoint/2010/main" val="3864108688"/>
+      </p:ext>
+    </p:extLst>
+  </p:cSld>
+  <p:clrMapOvr>
+    <a:masterClrMapping/>
+  </p:clrMapOvr>
+  <mc:AlternateContent xmlns:mc="http://schemas.openxmlformats.org/markup-compatibility/2006" xmlns:p14="http://schemas.microsoft.com/office/powerpoint/2010/main">
+    <mc:Choice Requires="p14">
+      <p:transition spd="med" p14:dur="700">
+        <p:fade/>
+      </p:transition>
+    </mc:Choice>
+    <mc:Fallback xmlns="">
+      <p:transition spd="med">
+        <p:fade/>
+      </p:transition>
+    </mc:Fallback>
+  </mc:AlternateContent>
+</p:sld>
+</file>
+
+<file path=ppt/slides/slide18.xml><?xml version="1.0" encoding="utf-8"?>
+<p:sld xmlns:a="http://schemas.openxmlformats.org/drawingml/2006/main" xmlns:r="http://schemas.openxmlformats.org/officeDocument/2006/relationships" xmlns:p="http://schemas.openxmlformats.org/presentationml/2006/main">
+  <p:cSld>
+    <p:spTree>
+      <p:nvGrpSpPr>
+        <p:cNvPr id="1" name=""/>
+        <p:cNvGrpSpPr/>
+        <p:nvPr/>
+      </p:nvGrpSpPr>
+      <p:grpSpPr>
+        <a:xfrm>
+          <a:off x="0" y="0"/>
+          <a:ext cx="0" cy="0"/>
+          <a:chOff x="0" y="0"/>
+          <a:chExt cx="0" cy="0"/>
+        </a:xfrm>
+      </p:grpSpPr>
+      <p:sp>
+        <p:nvSpPr>
+          <p:cNvPr id="2" name="Slide Number Placeholder 1">
+            <a:extLst>
+              <a:ext uri="{FF2B5EF4-FFF2-40B4-BE49-F238E27FC236}">
+                <a16:creationId xmlns:a16="http://schemas.microsoft.com/office/drawing/2014/main" id="{61ACCDB5-53AC-46A1-8477-D467E9D7623C}"/>
+              </a:ext>
+            </a:extLst>
+          </p:cNvPr>
+          <p:cNvSpPr>
+            <a:spLocks noGrp="1"/>
+          </p:cNvSpPr>
+          <p:nvPr>
+            <p:ph type="sldNum" sz="quarter" idx="4"/>
+          </p:nvPr>
+        </p:nvSpPr>
+        <p:spPr/>
+        <p:txBody>
+          <a:bodyPr/>
+          <a:lstStyle/>
+          <a:p>
+            <a:fld id="{8402A1B0-4691-41D9-84E0-69D594EAA3FE}" type="slidenum">
+              <a:rPr lang="en-US" altLang="en-US" smtClean="0"/>
+              <a:pPr/>
+              <a:t>18</a:t>
+            </a:fld>
+            <a:endParaRPr lang="en-US" altLang="en-US" dirty="0"/>
+          </a:p>
+        </p:txBody>
+      </p:sp>
+      <p:sp>
+        <p:nvSpPr>
+          <p:cNvPr id="3" name="Title 2">
+            <a:extLst>
+              <a:ext uri="{FF2B5EF4-FFF2-40B4-BE49-F238E27FC236}">
+                <a16:creationId xmlns:a16="http://schemas.microsoft.com/office/drawing/2014/main" id="{DDD610BD-4711-4F31-B306-71451B84EFBD}"/>
+              </a:ext>
+            </a:extLst>
+          </p:cNvPr>
+          <p:cNvSpPr>
+            <a:spLocks noGrp="1"/>
+          </p:cNvSpPr>
+          <p:nvPr>
+            <p:ph type="title"/>
+          </p:nvPr>
+        </p:nvSpPr>
+        <p:spPr/>
+        <p:txBody>
+          <a:bodyPr/>
+          <a:lstStyle/>
+          <a:p>
+            <a:endParaRPr lang="en-US"/>
+          </a:p>
+        </p:txBody>
+      </p:sp>
+      <p:sp>
+        <p:nvSpPr>
+          <p:cNvPr id="4" name="Text Placeholder 3">
+            <a:extLst>
+              <a:ext uri="{FF2B5EF4-FFF2-40B4-BE49-F238E27FC236}">
+                <a16:creationId xmlns:a16="http://schemas.microsoft.com/office/drawing/2014/main" id="{5A847452-27D3-4539-A56C-970E4B89FF98}"/>
+              </a:ext>
+            </a:extLst>
+          </p:cNvPr>
+          <p:cNvSpPr>
+            <a:spLocks noGrp="1"/>
+          </p:cNvSpPr>
+          <p:nvPr>
+            <p:ph type="body" sz="quarter" idx="13"/>
+          </p:nvPr>
+        </p:nvSpPr>
+        <p:spPr/>
+        <p:txBody>
+          <a:bodyPr/>
+          <a:lstStyle/>
+          <a:p>
+            <a:pPr algn="just"/>
+            <a:endParaRPr lang="en-US" dirty="0"/>
+          </a:p>
+        </p:txBody>
+      </p:sp>
+    </p:spTree>
+    <p:extLst>
+      <p:ext uri="{BB962C8B-B14F-4D97-AF65-F5344CB8AC3E}">
+        <p14:creationId xmlns:p14="http://schemas.microsoft.com/office/powerpoint/2010/main" val="3987757828"/>
+      </p:ext>
+    </p:extLst>
+  </p:cSld>
+  <p:clrMapOvr>
+    <a:masterClrMapping/>
+  </p:clrMapOvr>
+  <mc:AlternateContent xmlns:mc="http://schemas.openxmlformats.org/markup-compatibility/2006" xmlns:p14="http://schemas.microsoft.com/office/powerpoint/2010/main">
+    <mc:Choice Requires="p14">
+      <p:transition spd="med" p14:dur="700">
+        <p:fade/>
+      </p:transition>
+    </mc:Choice>
+    <mc:Fallback xmlns="">
+      <p:transition spd="med">
+        <p:fade/>
+      </p:transition>
+    </mc:Fallback>
+  </mc:AlternateContent>
+</p:sld>
+</file>
+
+<file path=ppt/slides/slide19.xml><?xml version="1.0" encoding="utf-8"?>
+<p:sld xmlns:a="http://schemas.openxmlformats.org/drawingml/2006/main" xmlns:r="http://schemas.openxmlformats.org/officeDocument/2006/relationships" xmlns:p="http://schemas.openxmlformats.org/presentationml/2006/main">
+  <p:cSld>
+    <p:spTree>
+      <p:nvGrpSpPr>
+        <p:cNvPr id="1" name=""/>
+        <p:cNvGrpSpPr/>
+        <p:nvPr/>
+      </p:nvGrpSpPr>
+      <p:grpSpPr>
+        <a:xfrm>
+          <a:off x="0" y="0"/>
+          <a:ext cx="0" cy="0"/>
+          <a:chOff x="0" y="0"/>
+          <a:chExt cx="0" cy="0"/>
+        </a:xfrm>
+      </p:grpSpPr>
+      <p:sp>
+        <p:nvSpPr>
+          <p:cNvPr id="2" name="Slide Number Placeholder 1">
+            <a:extLst>
+              <a:ext uri="{FF2B5EF4-FFF2-40B4-BE49-F238E27FC236}">
+                <a16:creationId xmlns:a16="http://schemas.microsoft.com/office/drawing/2014/main" id="{61ACCDB5-53AC-46A1-8477-D467E9D7623C}"/>
+              </a:ext>
+            </a:extLst>
+          </p:cNvPr>
+          <p:cNvSpPr>
+            <a:spLocks noGrp="1"/>
+          </p:cNvSpPr>
+          <p:nvPr>
+            <p:ph type="sldNum" sz="quarter" idx="4"/>
+          </p:nvPr>
+        </p:nvSpPr>
+        <p:spPr/>
+        <p:txBody>
+          <a:bodyPr/>
+          <a:lstStyle/>
+          <a:p>
+            <a:fld id="{8402A1B0-4691-41D9-84E0-69D594EAA3FE}" type="slidenum">
+              <a:rPr lang="en-US" altLang="en-US" smtClean="0"/>
+              <a:pPr/>
+              <a:t>19</a:t>
+            </a:fld>
+            <a:endParaRPr lang="en-US" altLang="en-US" dirty="0"/>
+          </a:p>
+        </p:txBody>
+      </p:sp>
+      <p:sp>
+        <p:nvSpPr>
+          <p:cNvPr id="5" name="Title 4">
+            <a:extLst>
+              <a:ext uri="{FF2B5EF4-FFF2-40B4-BE49-F238E27FC236}">
+                <a16:creationId xmlns:a16="http://schemas.microsoft.com/office/drawing/2014/main" id="{AF9BAF8D-C931-4150-A45D-0B3F83543E48}"/>
+              </a:ext>
+            </a:extLst>
+          </p:cNvPr>
+          <p:cNvSpPr>
+            <a:spLocks noGrp="1"/>
+          </p:cNvSpPr>
+          <p:nvPr>
+            <p:ph type="title"/>
+          </p:nvPr>
+        </p:nvSpPr>
+        <p:spPr/>
+        <p:txBody>
+          <a:bodyPr/>
+          <a:lstStyle/>
+          <a:p>
+            <a:endParaRPr lang="en-US"/>
+          </a:p>
+        </p:txBody>
+      </p:sp>
+      <p:sp>
+        <p:nvSpPr>
+          <p:cNvPr id="6" name="Text Placeholder 5">
+            <a:extLst>
+              <a:ext uri="{FF2B5EF4-FFF2-40B4-BE49-F238E27FC236}">
+                <a16:creationId xmlns:a16="http://schemas.microsoft.com/office/drawing/2014/main" id="{42AC9401-AD3D-4DCE-A51A-F39E4B9AFBE2}"/>
+              </a:ext>
+            </a:extLst>
+          </p:cNvPr>
+          <p:cNvSpPr>
+            <a:spLocks noGrp="1"/>
+          </p:cNvSpPr>
+          <p:nvPr>
+            <p:ph type="body" sz="quarter" idx="13"/>
+          </p:nvPr>
+        </p:nvSpPr>
+        <p:spPr/>
+        <p:txBody>
+          <a:bodyPr/>
+          <a:lstStyle/>
+          <a:p>
+            <a:pPr algn="just"/>
+            <a:endParaRPr lang="en-US" dirty="0"/>
+          </a:p>
+        </p:txBody>
+      </p:sp>
+    </p:spTree>
+    <p:extLst>
+      <p:ext uri="{BB962C8B-B14F-4D97-AF65-F5344CB8AC3E}">
+        <p14:creationId xmlns:p14="http://schemas.microsoft.com/office/powerpoint/2010/main" val="1823914117"/>
       </p:ext>
     </p:extLst>
   </p:cSld>
@@ -10780,6 +11322,1236 @@
 </p:sld>
 </file>
 
+<file path=ppt/slides/slide20.xml><?xml version="1.0" encoding="utf-8"?>
+<p:sld xmlns:a="http://schemas.openxmlformats.org/drawingml/2006/main" xmlns:r="http://schemas.openxmlformats.org/officeDocument/2006/relationships" xmlns:p="http://schemas.openxmlformats.org/presentationml/2006/main">
+  <p:cSld>
+    <p:spTree>
+      <p:nvGrpSpPr>
+        <p:cNvPr id="1" name=""/>
+        <p:cNvGrpSpPr/>
+        <p:nvPr/>
+      </p:nvGrpSpPr>
+      <p:grpSpPr>
+        <a:xfrm>
+          <a:off x="0" y="0"/>
+          <a:ext cx="0" cy="0"/>
+          <a:chOff x="0" y="0"/>
+          <a:chExt cx="0" cy="0"/>
+        </a:xfrm>
+      </p:grpSpPr>
+      <p:sp>
+        <p:nvSpPr>
+          <p:cNvPr id="2" name="Slide Number Placeholder 1">
+            <a:extLst>
+              <a:ext uri="{FF2B5EF4-FFF2-40B4-BE49-F238E27FC236}">
+                <a16:creationId xmlns:a16="http://schemas.microsoft.com/office/drawing/2014/main" id="{61ACCDB5-53AC-46A1-8477-D467E9D7623C}"/>
+              </a:ext>
+            </a:extLst>
+          </p:cNvPr>
+          <p:cNvSpPr>
+            <a:spLocks noGrp="1"/>
+          </p:cNvSpPr>
+          <p:nvPr>
+            <p:ph type="sldNum" sz="quarter" idx="4"/>
+          </p:nvPr>
+        </p:nvSpPr>
+        <p:spPr/>
+        <p:txBody>
+          <a:bodyPr/>
+          <a:lstStyle/>
+          <a:p>
+            <a:fld id="{8402A1B0-4691-41D9-84E0-69D594EAA3FE}" type="slidenum">
+              <a:rPr lang="en-US" altLang="en-US" smtClean="0"/>
+              <a:pPr/>
+              <a:t>20</a:t>
+            </a:fld>
+            <a:endParaRPr lang="en-US" altLang="en-US" dirty="0"/>
+          </a:p>
+        </p:txBody>
+      </p:sp>
+      <p:sp>
+        <p:nvSpPr>
+          <p:cNvPr id="3" name="Title 2">
+            <a:extLst>
+              <a:ext uri="{FF2B5EF4-FFF2-40B4-BE49-F238E27FC236}">
+                <a16:creationId xmlns:a16="http://schemas.microsoft.com/office/drawing/2014/main" id="{DDD610BD-4711-4F31-B306-71451B84EFBD}"/>
+              </a:ext>
+            </a:extLst>
+          </p:cNvPr>
+          <p:cNvSpPr>
+            <a:spLocks noGrp="1"/>
+          </p:cNvSpPr>
+          <p:nvPr>
+            <p:ph type="title"/>
+          </p:nvPr>
+        </p:nvSpPr>
+        <p:spPr/>
+        <p:txBody>
+          <a:bodyPr/>
+          <a:lstStyle/>
+          <a:p>
+            <a:endParaRPr lang="en-US"/>
+          </a:p>
+        </p:txBody>
+      </p:sp>
+      <p:sp>
+        <p:nvSpPr>
+          <p:cNvPr id="4" name="Text Placeholder 3">
+            <a:extLst>
+              <a:ext uri="{FF2B5EF4-FFF2-40B4-BE49-F238E27FC236}">
+                <a16:creationId xmlns:a16="http://schemas.microsoft.com/office/drawing/2014/main" id="{5A847452-27D3-4539-A56C-970E4B89FF98}"/>
+              </a:ext>
+            </a:extLst>
+          </p:cNvPr>
+          <p:cNvSpPr>
+            <a:spLocks noGrp="1"/>
+          </p:cNvSpPr>
+          <p:nvPr>
+            <p:ph type="body" sz="quarter" idx="13"/>
+          </p:nvPr>
+        </p:nvSpPr>
+        <p:spPr/>
+        <p:txBody>
+          <a:bodyPr/>
+          <a:lstStyle/>
+          <a:p>
+            <a:pPr algn="just"/>
+            <a:endParaRPr lang="en-US" dirty="0"/>
+          </a:p>
+        </p:txBody>
+      </p:sp>
+    </p:spTree>
+    <p:extLst>
+      <p:ext uri="{BB962C8B-B14F-4D97-AF65-F5344CB8AC3E}">
+        <p14:creationId xmlns:p14="http://schemas.microsoft.com/office/powerpoint/2010/main" val="1745918852"/>
+      </p:ext>
+    </p:extLst>
+  </p:cSld>
+  <p:clrMapOvr>
+    <a:masterClrMapping/>
+  </p:clrMapOvr>
+  <mc:AlternateContent xmlns:mc="http://schemas.openxmlformats.org/markup-compatibility/2006" xmlns:p14="http://schemas.microsoft.com/office/powerpoint/2010/main">
+    <mc:Choice Requires="p14">
+      <p:transition spd="med" p14:dur="700">
+        <p:fade/>
+      </p:transition>
+    </mc:Choice>
+    <mc:Fallback xmlns="">
+      <p:transition spd="med">
+        <p:fade/>
+      </p:transition>
+    </mc:Fallback>
+  </mc:AlternateContent>
+</p:sld>
+</file>
+
+<file path=ppt/slides/slide21.xml><?xml version="1.0" encoding="utf-8"?>
+<p:sld xmlns:a="http://schemas.openxmlformats.org/drawingml/2006/main" xmlns:r="http://schemas.openxmlformats.org/officeDocument/2006/relationships" xmlns:p="http://schemas.openxmlformats.org/presentationml/2006/main">
+  <p:cSld>
+    <p:spTree>
+      <p:nvGrpSpPr>
+        <p:cNvPr id="1" name=""/>
+        <p:cNvGrpSpPr/>
+        <p:nvPr/>
+      </p:nvGrpSpPr>
+      <p:grpSpPr>
+        <a:xfrm>
+          <a:off x="0" y="0"/>
+          <a:ext cx="0" cy="0"/>
+          <a:chOff x="0" y="0"/>
+          <a:chExt cx="0" cy="0"/>
+        </a:xfrm>
+      </p:grpSpPr>
+      <p:sp>
+        <p:nvSpPr>
+          <p:cNvPr id="2" name="Slide Number Placeholder 1">
+            <a:extLst>
+              <a:ext uri="{FF2B5EF4-FFF2-40B4-BE49-F238E27FC236}">
+                <a16:creationId xmlns:a16="http://schemas.microsoft.com/office/drawing/2014/main" id="{61ACCDB5-53AC-46A1-8477-D467E9D7623C}"/>
+              </a:ext>
+            </a:extLst>
+          </p:cNvPr>
+          <p:cNvSpPr>
+            <a:spLocks noGrp="1"/>
+          </p:cNvSpPr>
+          <p:nvPr>
+            <p:ph type="sldNum" sz="quarter" idx="4"/>
+          </p:nvPr>
+        </p:nvSpPr>
+        <p:spPr/>
+        <p:txBody>
+          <a:bodyPr/>
+          <a:lstStyle/>
+          <a:p>
+            <a:fld id="{8402A1B0-4691-41D9-84E0-69D594EAA3FE}" type="slidenum">
+              <a:rPr lang="en-US" altLang="en-US" smtClean="0"/>
+              <a:pPr/>
+              <a:t>21</a:t>
+            </a:fld>
+            <a:endParaRPr lang="en-US" altLang="en-US" dirty="0"/>
+          </a:p>
+        </p:txBody>
+      </p:sp>
+      <p:sp>
+        <p:nvSpPr>
+          <p:cNvPr id="5" name="Title 4">
+            <a:extLst>
+              <a:ext uri="{FF2B5EF4-FFF2-40B4-BE49-F238E27FC236}">
+                <a16:creationId xmlns:a16="http://schemas.microsoft.com/office/drawing/2014/main" id="{AF9BAF8D-C931-4150-A45D-0B3F83543E48}"/>
+              </a:ext>
+            </a:extLst>
+          </p:cNvPr>
+          <p:cNvSpPr>
+            <a:spLocks noGrp="1"/>
+          </p:cNvSpPr>
+          <p:nvPr>
+            <p:ph type="title"/>
+          </p:nvPr>
+        </p:nvSpPr>
+        <p:spPr/>
+        <p:txBody>
+          <a:bodyPr/>
+          <a:lstStyle/>
+          <a:p>
+            <a:endParaRPr lang="en-US"/>
+          </a:p>
+        </p:txBody>
+      </p:sp>
+      <p:sp>
+        <p:nvSpPr>
+          <p:cNvPr id="6" name="Text Placeholder 5">
+            <a:extLst>
+              <a:ext uri="{FF2B5EF4-FFF2-40B4-BE49-F238E27FC236}">
+                <a16:creationId xmlns:a16="http://schemas.microsoft.com/office/drawing/2014/main" id="{42AC9401-AD3D-4DCE-A51A-F39E4B9AFBE2}"/>
+              </a:ext>
+            </a:extLst>
+          </p:cNvPr>
+          <p:cNvSpPr>
+            <a:spLocks noGrp="1"/>
+          </p:cNvSpPr>
+          <p:nvPr>
+            <p:ph type="body" sz="quarter" idx="13"/>
+          </p:nvPr>
+        </p:nvSpPr>
+        <p:spPr/>
+        <p:txBody>
+          <a:bodyPr/>
+          <a:lstStyle/>
+          <a:p>
+            <a:pPr algn="just"/>
+            <a:endParaRPr lang="en-US" dirty="0"/>
+          </a:p>
+        </p:txBody>
+      </p:sp>
+    </p:spTree>
+    <p:extLst>
+      <p:ext uri="{BB962C8B-B14F-4D97-AF65-F5344CB8AC3E}">
+        <p14:creationId xmlns:p14="http://schemas.microsoft.com/office/powerpoint/2010/main" val="323933812"/>
+      </p:ext>
+    </p:extLst>
+  </p:cSld>
+  <p:clrMapOvr>
+    <a:masterClrMapping/>
+  </p:clrMapOvr>
+  <mc:AlternateContent xmlns:mc="http://schemas.openxmlformats.org/markup-compatibility/2006" xmlns:p14="http://schemas.microsoft.com/office/powerpoint/2010/main">
+    <mc:Choice Requires="p14">
+      <p:transition spd="med" p14:dur="700">
+        <p:fade/>
+      </p:transition>
+    </mc:Choice>
+    <mc:Fallback xmlns="">
+      <p:transition spd="med">
+        <p:fade/>
+      </p:transition>
+    </mc:Fallback>
+  </mc:AlternateContent>
+</p:sld>
+</file>
+
+<file path=ppt/slides/slide22.xml><?xml version="1.0" encoding="utf-8"?>
+<p:sld xmlns:a="http://schemas.openxmlformats.org/drawingml/2006/main" xmlns:r="http://schemas.openxmlformats.org/officeDocument/2006/relationships" xmlns:p="http://schemas.openxmlformats.org/presentationml/2006/main">
+  <p:cSld>
+    <p:spTree>
+      <p:nvGrpSpPr>
+        <p:cNvPr id="1" name=""/>
+        <p:cNvGrpSpPr/>
+        <p:nvPr/>
+      </p:nvGrpSpPr>
+      <p:grpSpPr>
+        <a:xfrm>
+          <a:off x="0" y="0"/>
+          <a:ext cx="0" cy="0"/>
+          <a:chOff x="0" y="0"/>
+          <a:chExt cx="0" cy="0"/>
+        </a:xfrm>
+      </p:grpSpPr>
+      <p:sp>
+        <p:nvSpPr>
+          <p:cNvPr id="2" name="Slide Number Placeholder 1">
+            <a:extLst>
+              <a:ext uri="{FF2B5EF4-FFF2-40B4-BE49-F238E27FC236}">
+                <a16:creationId xmlns:a16="http://schemas.microsoft.com/office/drawing/2014/main" id="{61ACCDB5-53AC-46A1-8477-D467E9D7623C}"/>
+              </a:ext>
+            </a:extLst>
+          </p:cNvPr>
+          <p:cNvSpPr>
+            <a:spLocks noGrp="1"/>
+          </p:cNvSpPr>
+          <p:nvPr>
+            <p:ph type="sldNum" sz="quarter" idx="4"/>
+          </p:nvPr>
+        </p:nvSpPr>
+        <p:spPr/>
+        <p:txBody>
+          <a:bodyPr/>
+          <a:lstStyle/>
+          <a:p>
+            <a:fld id="{8402A1B0-4691-41D9-84E0-69D594EAA3FE}" type="slidenum">
+              <a:rPr lang="en-US" altLang="en-US" smtClean="0"/>
+              <a:pPr/>
+              <a:t>22</a:t>
+            </a:fld>
+            <a:endParaRPr lang="en-US" altLang="en-US" dirty="0"/>
+          </a:p>
+        </p:txBody>
+      </p:sp>
+      <p:sp>
+        <p:nvSpPr>
+          <p:cNvPr id="3" name="Title 2">
+            <a:extLst>
+              <a:ext uri="{FF2B5EF4-FFF2-40B4-BE49-F238E27FC236}">
+                <a16:creationId xmlns:a16="http://schemas.microsoft.com/office/drawing/2014/main" id="{DDD610BD-4711-4F31-B306-71451B84EFBD}"/>
+              </a:ext>
+            </a:extLst>
+          </p:cNvPr>
+          <p:cNvSpPr>
+            <a:spLocks noGrp="1"/>
+          </p:cNvSpPr>
+          <p:nvPr>
+            <p:ph type="title"/>
+          </p:nvPr>
+        </p:nvSpPr>
+        <p:spPr/>
+        <p:txBody>
+          <a:bodyPr/>
+          <a:lstStyle/>
+          <a:p>
+            <a:endParaRPr lang="en-US"/>
+          </a:p>
+        </p:txBody>
+      </p:sp>
+      <p:sp>
+        <p:nvSpPr>
+          <p:cNvPr id="4" name="Text Placeholder 3">
+            <a:extLst>
+              <a:ext uri="{FF2B5EF4-FFF2-40B4-BE49-F238E27FC236}">
+                <a16:creationId xmlns:a16="http://schemas.microsoft.com/office/drawing/2014/main" id="{5A847452-27D3-4539-A56C-970E4B89FF98}"/>
+              </a:ext>
+            </a:extLst>
+          </p:cNvPr>
+          <p:cNvSpPr>
+            <a:spLocks noGrp="1"/>
+          </p:cNvSpPr>
+          <p:nvPr>
+            <p:ph type="body" sz="quarter" idx="13"/>
+          </p:nvPr>
+        </p:nvSpPr>
+        <p:spPr/>
+        <p:txBody>
+          <a:bodyPr/>
+          <a:lstStyle/>
+          <a:p>
+            <a:pPr algn="just"/>
+            <a:endParaRPr lang="en-US" dirty="0"/>
+          </a:p>
+        </p:txBody>
+      </p:sp>
+    </p:spTree>
+    <p:extLst>
+      <p:ext uri="{BB962C8B-B14F-4D97-AF65-F5344CB8AC3E}">
+        <p14:creationId xmlns:p14="http://schemas.microsoft.com/office/powerpoint/2010/main" val="3532036662"/>
+      </p:ext>
+    </p:extLst>
+  </p:cSld>
+  <p:clrMapOvr>
+    <a:masterClrMapping/>
+  </p:clrMapOvr>
+  <mc:AlternateContent xmlns:mc="http://schemas.openxmlformats.org/markup-compatibility/2006" xmlns:p14="http://schemas.microsoft.com/office/powerpoint/2010/main">
+    <mc:Choice Requires="p14">
+      <p:transition spd="med" p14:dur="700">
+        <p:fade/>
+      </p:transition>
+    </mc:Choice>
+    <mc:Fallback xmlns="">
+      <p:transition spd="med">
+        <p:fade/>
+      </p:transition>
+    </mc:Fallback>
+  </mc:AlternateContent>
+</p:sld>
+</file>
+
+<file path=ppt/slides/slide23.xml><?xml version="1.0" encoding="utf-8"?>
+<p:sld xmlns:a="http://schemas.openxmlformats.org/drawingml/2006/main" xmlns:r="http://schemas.openxmlformats.org/officeDocument/2006/relationships" xmlns:p="http://schemas.openxmlformats.org/presentationml/2006/main">
+  <p:cSld>
+    <p:spTree>
+      <p:nvGrpSpPr>
+        <p:cNvPr id="1" name=""/>
+        <p:cNvGrpSpPr/>
+        <p:nvPr/>
+      </p:nvGrpSpPr>
+      <p:grpSpPr>
+        <a:xfrm>
+          <a:off x="0" y="0"/>
+          <a:ext cx="0" cy="0"/>
+          <a:chOff x="0" y="0"/>
+          <a:chExt cx="0" cy="0"/>
+        </a:xfrm>
+      </p:grpSpPr>
+      <p:sp>
+        <p:nvSpPr>
+          <p:cNvPr id="2" name="Slide Number Placeholder 1">
+            <a:extLst>
+              <a:ext uri="{FF2B5EF4-FFF2-40B4-BE49-F238E27FC236}">
+                <a16:creationId xmlns:a16="http://schemas.microsoft.com/office/drawing/2014/main" id="{61ACCDB5-53AC-46A1-8477-D467E9D7623C}"/>
+              </a:ext>
+            </a:extLst>
+          </p:cNvPr>
+          <p:cNvSpPr>
+            <a:spLocks noGrp="1"/>
+          </p:cNvSpPr>
+          <p:nvPr>
+            <p:ph type="sldNum" sz="quarter" idx="4"/>
+          </p:nvPr>
+        </p:nvSpPr>
+        <p:spPr/>
+        <p:txBody>
+          <a:bodyPr/>
+          <a:lstStyle/>
+          <a:p>
+            <a:fld id="{8402A1B0-4691-41D9-84E0-69D594EAA3FE}" type="slidenum">
+              <a:rPr lang="en-US" altLang="en-US" smtClean="0"/>
+              <a:pPr/>
+              <a:t>23</a:t>
+            </a:fld>
+            <a:endParaRPr lang="en-US" altLang="en-US" dirty="0"/>
+          </a:p>
+        </p:txBody>
+      </p:sp>
+      <p:sp>
+        <p:nvSpPr>
+          <p:cNvPr id="5" name="Title 4">
+            <a:extLst>
+              <a:ext uri="{FF2B5EF4-FFF2-40B4-BE49-F238E27FC236}">
+                <a16:creationId xmlns:a16="http://schemas.microsoft.com/office/drawing/2014/main" id="{AF9BAF8D-C931-4150-A45D-0B3F83543E48}"/>
+              </a:ext>
+            </a:extLst>
+          </p:cNvPr>
+          <p:cNvSpPr>
+            <a:spLocks noGrp="1"/>
+          </p:cNvSpPr>
+          <p:nvPr>
+            <p:ph type="title"/>
+          </p:nvPr>
+        </p:nvSpPr>
+        <p:spPr/>
+        <p:txBody>
+          <a:bodyPr/>
+          <a:lstStyle/>
+          <a:p>
+            <a:endParaRPr lang="en-US"/>
+          </a:p>
+        </p:txBody>
+      </p:sp>
+      <p:sp>
+        <p:nvSpPr>
+          <p:cNvPr id="6" name="Text Placeholder 5">
+            <a:extLst>
+              <a:ext uri="{FF2B5EF4-FFF2-40B4-BE49-F238E27FC236}">
+                <a16:creationId xmlns:a16="http://schemas.microsoft.com/office/drawing/2014/main" id="{42AC9401-AD3D-4DCE-A51A-F39E4B9AFBE2}"/>
+              </a:ext>
+            </a:extLst>
+          </p:cNvPr>
+          <p:cNvSpPr>
+            <a:spLocks noGrp="1"/>
+          </p:cNvSpPr>
+          <p:nvPr>
+            <p:ph type="body" sz="quarter" idx="13"/>
+          </p:nvPr>
+        </p:nvSpPr>
+        <p:spPr/>
+        <p:txBody>
+          <a:bodyPr/>
+          <a:lstStyle/>
+          <a:p>
+            <a:pPr algn="just"/>
+            <a:endParaRPr lang="en-US" dirty="0"/>
+          </a:p>
+        </p:txBody>
+      </p:sp>
+    </p:spTree>
+    <p:extLst>
+      <p:ext uri="{BB962C8B-B14F-4D97-AF65-F5344CB8AC3E}">
+        <p14:creationId xmlns:p14="http://schemas.microsoft.com/office/powerpoint/2010/main" val="3568989068"/>
+      </p:ext>
+    </p:extLst>
+  </p:cSld>
+  <p:clrMapOvr>
+    <a:masterClrMapping/>
+  </p:clrMapOvr>
+  <mc:AlternateContent xmlns:mc="http://schemas.openxmlformats.org/markup-compatibility/2006" xmlns:p14="http://schemas.microsoft.com/office/powerpoint/2010/main">
+    <mc:Choice Requires="p14">
+      <p:transition spd="med" p14:dur="700">
+        <p:fade/>
+      </p:transition>
+    </mc:Choice>
+    <mc:Fallback xmlns="">
+      <p:transition spd="med">
+        <p:fade/>
+      </p:transition>
+    </mc:Fallback>
+  </mc:AlternateContent>
+</p:sld>
+</file>
+
+<file path=ppt/slides/slide24.xml><?xml version="1.0" encoding="utf-8"?>
+<p:sld xmlns:a="http://schemas.openxmlformats.org/drawingml/2006/main" xmlns:r="http://schemas.openxmlformats.org/officeDocument/2006/relationships" xmlns:p="http://schemas.openxmlformats.org/presentationml/2006/main">
+  <p:cSld>
+    <p:spTree>
+      <p:nvGrpSpPr>
+        <p:cNvPr id="1" name=""/>
+        <p:cNvGrpSpPr/>
+        <p:nvPr/>
+      </p:nvGrpSpPr>
+      <p:grpSpPr>
+        <a:xfrm>
+          <a:off x="0" y="0"/>
+          <a:ext cx="0" cy="0"/>
+          <a:chOff x="0" y="0"/>
+          <a:chExt cx="0" cy="0"/>
+        </a:xfrm>
+      </p:grpSpPr>
+      <p:sp>
+        <p:nvSpPr>
+          <p:cNvPr id="2" name="Slide Number Placeholder 1">
+            <a:extLst>
+              <a:ext uri="{FF2B5EF4-FFF2-40B4-BE49-F238E27FC236}">
+                <a16:creationId xmlns:a16="http://schemas.microsoft.com/office/drawing/2014/main" id="{61ACCDB5-53AC-46A1-8477-D467E9D7623C}"/>
+              </a:ext>
+            </a:extLst>
+          </p:cNvPr>
+          <p:cNvSpPr>
+            <a:spLocks noGrp="1"/>
+          </p:cNvSpPr>
+          <p:nvPr>
+            <p:ph type="sldNum" sz="quarter" idx="4"/>
+          </p:nvPr>
+        </p:nvSpPr>
+        <p:spPr/>
+        <p:txBody>
+          <a:bodyPr/>
+          <a:lstStyle/>
+          <a:p>
+            <a:fld id="{8402A1B0-4691-41D9-84E0-69D594EAA3FE}" type="slidenum">
+              <a:rPr lang="en-US" altLang="en-US" smtClean="0"/>
+              <a:pPr/>
+              <a:t>24</a:t>
+            </a:fld>
+            <a:endParaRPr lang="en-US" altLang="en-US" dirty="0"/>
+          </a:p>
+        </p:txBody>
+      </p:sp>
+      <p:sp>
+        <p:nvSpPr>
+          <p:cNvPr id="3" name="Title 2">
+            <a:extLst>
+              <a:ext uri="{FF2B5EF4-FFF2-40B4-BE49-F238E27FC236}">
+                <a16:creationId xmlns:a16="http://schemas.microsoft.com/office/drawing/2014/main" id="{DDD610BD-4711-4F31-B306-71451B84EFBD}"/>
+              </a:ext>
+            </a:extLst>
+          </p:cNvPr>
+          <p:cNvSpPr>
+            <a:spLocks noGrp="1"/>
+          </p:cNvSpPr>
+          <p:nvPr>
+            <p:ph type="title"/>
+          </p:nvPr>
+        </p:nvSpPr>
+        <p:spPr/>
+        <p:txBody>
+          <a:bodyPr/>
+          <a:lstStyle/>
+          <a:p>
+            <a:endParaRPr lang="en-US"/>
+          </a:p>
+        </p:txBody>
+      </p:sp>
+      <p:sp>
+        <p:nvSpPr>
+          <p:cNvPr id="4" name="Text Placeholder 3">
+            <a:extLst>
+              <a:ext uri="{FF2B5EF4-FFF2-40B4-BE49-F238E27FC236}">
+                <a16:creationId xmlns:a16="http://schemas.microsoft.com/office/drawing/2014/main" id="{5A847452-27D3-4539-A56C-970E4B89FF98}"/>
+              </a:ext>
+            </a:extLst>
+          </p:cNvPr>
+          <p:cNvSpPr>
+            <a:spLocks noGrp="1"/>
+          </p:cNvSpPr>
+          <p:nvPr>
+            <p:ph type="body" sz="quarter" idx="13"/>
+          </p:nvPr>
+        </p:nvSpPr>
+        <p:spPr/>
+        <p:txBody>
+          <a:bodyPr/>
+          <a:lstStyle/>
+          <a:p>
+            <a:pPr algn="just"/>
+            <a:endParaRPr lang="en-US" dirty="0"/>
+          </a:p>
+        </p:txBody>
+      </p:sp>
+    </p:spTree>
+    <p:extLst>
+      <p:ext uri="{BB962C8B-B14F-4D97-AF65-F5344CB8AC3E}">
+        <p14:creationId xmlns:p14="http://schemas.microsoft.com/office/powerpoint/2010/main" val="1721016188"/>
+      </p:ext>
+    </p:extLst>
+  </p:cSld>
+  <p:clrMapOvr>
+    <a:masterClrMapping/>
+  </p:clrMapOvr>
+  <mc:AlternateContent xmlns:mc="http://schemas.openxmlformats.org/markup-compatibility/2006" xmlns:p14="http://schemas.microsoft.com/office/powerpoint/2010/main">
+    <mc:Choice Requires="p14">
+      <p:transition spd="med" p14:dur="700">
+        <p:fade/>
+      </p:transition>
+    </mc:Choice>
+    <mc:Fallback xmlns="">
+      <p:transition spd="med">
+        <p:fade/>
+      </p:transition>
+    </mc:Fallback>
+  </mc:AlternateContent>
+</p:sld>
+</file>
+
+<file path=ppt/slides/slide25.xml><?xml version="1.0" encoding="utf-8"?>
+<p:sld xmlns:a="http://schemas.openxmlformats.org/drawingml/2006/main" xmlns:r="http://schemas.openxmlformats.org/officeDocument/2006/relationships" xmlns:p="http://schemas.openxmlformats.org/presentationml/2006/main">
+  <p:cSld>
+    <p:spTree>
+      <p:nvGrpSpPr>
+        <p:cNvPr id="1" name=""/>
+        <p:cNvGrpSpPr/>
+        <p:nvPr/>
+      </p:nvGrpSpPr>
+      <p:grpSpPr>
+        <a:xfrm>
+          <a:off x="0" y="0"/>
+          <a:ext cx="0" cy="0"/>
+          <a:chOff x="0" y="0"/>
+          <a:chExt cx="0" cy="0"/>
+        </a:xfrm>
+      </p:grpSpPr>
+      <p:sp>
+        <p:nvSpPr>
+          <p:cNvPr id="2" name="Slide Number Placeholder 1">
+            <a:extLst>
+              <a:ext uri="{FF2B5EF4-FFF2-40B4-BE49-F238E27FC236}">
+                <a16:creationId xmlns:a16="http://schemas.microsoft.com/office/drawing/2014/main" id="{61ACCDB5-53AC-46A1-8477-D467E9D7623C}"/>
+              </a:ext>
+            </a:extLst>
+          </p:cNvPr>
+          <p:cNvSpPr>
+            <a:spLocks noGrp="1"/>
+          </p:cNvSpPr>
+          <p:nvPr>
+            <p:ph type="sldNum" sz="quarter" idx="4"/>
+          </p:nvPr>
+        </p:nvSpPr>
+        <p:spPr/>
+        <p:txBody>
+          <a:bodyPr/>
+          <a:lstStyle/>
+          <a:p>
+            <a:fld id="{8402A1B0-4691-41D9-84E0-69D594EAA3FE}" type="slidenum">
+              <a:rPr lang="en-US" altLang="en-US" smtClean="0"/>
+              <a:pPr/>
+              <a:t>25</a:t>
+            </a:fld>
+            <a:endParaRPr lang="en-US" altLang="en-US" dirty="0"/>
+          </a:p>
+        </p:txBody>
+      </p:sp>
+      <p:sp>
+        <p:nvSpPr>
+          <p:cNvPr id="5" name="Title 4">
+            <a:extLst>
+              <a:ext uri="{FF2B5EF4-FFF2-40B4-BE49-F238E27FC236}">
+                <a16:creationId xmlns:a16="http://schemas.microsoft.com/office/drawing/2014/main" id="{AF9BAF8D-C931-4150-A45D-0B3F83543E48}"/>
+              </a:ext>
+            </a:extLst>
+          </p:cNvPr>
+          <p:cNvSpPr>
+            <a:spLocks noGrp="1"/>
+          </p:cNvSpPr>
+          <p:nvPr>
+            <p:ph type="title"/>
+          </p:nvPr>
+        </p:nvSpPr>
+        <p:spPr/>
+        <p:txBody>
+          <a:bodyPr/>
+          <a:lstStyle/>
+          <a:p>
+            <a:endParaRPr lang="en-US"/>
+          </a:p>
+        </p:txBody>
+      </p:sp>
+      <p:sp>
+        <p:nvSpPr>
+          <p:cNvPr id="6" name="Text Placeholder 5">
+            <a:extLst>
+              <a:ext uri="{FF2B5EF4-FFF2-40B4-BE49-F238E27FC236}">
+                <a16:creationId xmlns:a16="http://schemas.microsoft.com/office/drawing/2014/main" id="{42AC9401-AD3D-4DCE-A51A-F39E4B9AFBE2}"/>
+              </a:ext>
+            </a:extLst>
+          </p:cNvPr>
+          <p:cNvSpPr>
+            <a:spLocks noGrp="1"/>
+          </p:cNvSpPr>
+          <p:nvPr>
+            <p:ph type="body" sz="quarter" idx="13"/>
+          </p:nvPr>
+        </p:nvSpPr>
+        <p:spPr/>
+        <p:txBody>
+          <a:bodyPr/>
+          <a:lstStyle/>
+          <a:p>
+            <a:pPr algn="just"/>
+            <a:endParaRPr lang="en-US" dirty="0"/>
+          </a:p>
+        </p:txBody>
+      </p:sp>
+    </p:spTree>
+    <p:extLst>
+      <p:ext uri="{BB962C8B-B14F-4D97-AF65-F5344CB8AC3E}">
+        <p14:creationId xmlns:p14="http://schemas.microsoft.com/office/powerpoint/2010/main" val="2988002985"/>
+      </p:ext>
+    </p:extLst>
+  </p:cSld>
+  <p:clrMapOvr>
+    <a:masterClrMapping/>
+  </p:clrMapOvr>
+  <mc:AlternateContent xmlns:mc="http://schemas.openxmlformats.org/markup-compatibility/2006" xmlns:p14="http://schemas.microsoft.com/office/powerpoint/2010/main">
+    <mc:Choice Requires="p14">
+      <p:transition spd="med" p14:dur="700">
+        <p:fade/>
+      </p:transition>
+    </mc:Choice>
+    <mc:Fallback xmlns="">
+      <p:transition spd="med">
+        <p:fade/>
+      </p:transition>
+    </mc:Fallback>
+  </mc:AlternateContent>
+</p:sld>
+</file>
+
+<file path=ppt/slides/slide26.xml><?xml version="1.0" encoding="utf-8"?>
+<p:sld xmlns:a="http://schemas.openxmlformats.org/drawingml/2006/main" xmlns:r="http://schemas.openxmlformats.org/officeDocument/2006/relationships" xmlns:p="http://schemas.openxmlformats.org/presentationml/2006/main">
+  <p:cSld>
+    <p:spTree>
+      <p:nvGrpSpPr>
+        <p:cNvPr id="1" name=""/>
+        <p:cNvGrpSpPr/>
+        <p:nvPr/>
+      </p:nvGrpSpPr>
+      <p:grpSpPr>
+        <a:xfrm>
+          <a:off x="0" y="0"/>
+          <a:ext cx="0" cy="0"/>
+          <a:chOff x="0" y="0"/>
+          <a:chExt cx="0" cy="0"/>
+        </a:xfrm>
+      </p:grpSpPr>
+      <p:sp>
+        <p:nvSpPr>
+          <p:cNvPr id="2" name="Slide Number Placeholder 1">
+            <a:extLst>
+              <a:ext uri="{FF2B5EF4-FFF2-40B4-BE49-F238E27FC236}">
+                <a16:creationId xmlns:a16="http://schemas.microsoft.com/office/drawing/2014/main" id="{61ACCDB5-53AC-46A1-8477-D467E9D7623C}"/>
+              </a:ext>
+            </a:extLst>
+          </p:cNvPr>
+          <p:cNvSpPr>
+            <a:spLocks noGrp="1"/>
+          </p:cNvSpPr>
+          <p:nvPr>
+            <p:ph type="sldNum" sz="quarter" idx="4"/>
+          </p:nvPr>
+        </p:nvSpPr>
+        <p:spPr/>
+        <p:txBody>
+          <a:bodyPr/>
+          <a:lstStyle/>
+          <a:p>
+            <a:fld id="{8402A1B0-4691-41D9-84E0-69D594EAA3FE}" type="slidenum">
+              <a:rPr lang="en-US" altLang="en-US" smtClean="0"/>
+              <a:pPr/>
+              <a:t>26</a:t>
+            </a:fld>
+            <a:endParaRPr lang="en-US" altLang="en-US" dirty="0"/>
+          </a:p>
+        </p:txBody>
+      </p:sp>
+      <p:sp>
+        <p:nvSpPr>
+          <p:cNvPr id="3" name="Title 2">
+            <a:extLst>
+              <a:ext uri="{FF2B5EF4-FFF2-40B4-BE49-F238E27FC236}">
+                <a16:creationId xmlns:a16="http://schemas.microsoft.com/office/drawing/2014/main" id="{DDD610BD-4711-4F31-B306-71451B84EFBD}"/>
+              </a:ext>
+            </a:extLst>
+          </p:cNvPr>
+          <p:cNvSpPr>
+            <a:spLocks noGrp="1"/>
+          </p:cNvSpPr>
+          <p:nvPr>
+            <p:ph type="title"/>
+          </p:nvPr>
+        </p:nvSpPr>
+        <p:spPr/>
+        <p:txBody>
+          <a:bodyPr/>
+          <a:lstStyle/>
+          <a:p>
+            <a:endParaRPr lang="en-US"/>
+          </a:p>
+        </p:txBody>
+      </p:sp>
+      <p:sp>
+        <p:nvSpPr>
+          <p:cNvPr id="4" name="Text Placeholder 3">
+            <a:extLst>
+              <a:ext uri="{FF2B5EF4-FFF2-40B4-BE49-F238E27FC236}">
+                <a16:creationId xmlns:a16="http://schemas.microsoft.com/office/drawing/2014/main" id="{5A847452-27D3-4539-A56C-970E4B89FF98}"/>
+              </a:ext>
+            </a:extLst>
+          </p:cNvPr>
+          <p:cNvSpPr>
+            <a:spLocks noGrp="1"/>
+          </p:cNvSpPr>
+          <p:nvPr>
+            <p:ph type="body" sz="quarter" idx="13"/>
+          </p:nvPr>
+        </p:nvSpPr>
+        <p:spPr/>
+        <p:txBody>
+          <a:bodyPr/>
+          <a:lstStyle/>
+          <a:p>
+            <a:pPr algn="just"/>
+            <a:endParaRPr lang="en-US" dirty="0"/>
+          </a:p>
+        </p:txBody>
+      </p:sp>
+    </p:spTree>
+    <p:extLst>
+      <p:ext uri="{BB962C8B-B14F-4D97-AF65-F5344CB8AC3E}">
+        <p14:creationId xmlns:p14="http://schemas.microsoft.com/office/powerpoint/2010/main" val="3175291277"/>
+      </p:ext>
+    </p:extLst>
+  </p:cSld>
+  <p:clrMapOvr>
+    <a:masterClrMapping/>
+  </p:clrMapOvr>
+  <mc:AlternateContent xmlns:mc="http://schemas.openxmlformats.org/markup-compatibility/2006" xmlns:p14="http://schemas.microsoft.com/office/powerpoint/2010/main">
+    <mc:Choice Requires="p14">
+      <p:transition spd="med" p14:dur="700">
+        <p:fade/>
+      </p:transition>
+    </mc:Choice>
+    <mc:Fallback xmlns="">
+      <p:transition spd="med">
+        <p:fade/>
+      </p:transition>
+    </mc:Fallback>
+  </mc:AlternateContent>
+</p:sld>
+</file>
+
+<file path=ppt/slides/slide27.xml><?xml version="1.0" encoding="utf-8"?>
+<p:sld xmlns:a="http://schemas.openxmlformats.org/drawingml/2006/main" xmlns:r="http://schemas.openxmlformats.org/officeDocument/2006/relationships" xmlns:p="http://schemas.openxmlformats.org/presentationml/2006/main">
+  <p:cSld>
+    <p:spTree>
+      <p:nvGrpSpPr>
+        <p:cNvPr id="1" name=""/>
+        <p:cNvGrpSpPr/>
+        <p:nvPr/>
+      </p:nvGrpSpPr>
+      <p:grpSpPr>
+        <a:xfrm>
+          <a:off x="0" y="0"/>
+          <a:ext cx="0" cy="0"/>
+          <a:chOff x="0" y="0"/>
+          <a:chExt cx="0" cy="0"/>
+        </a:xfrm>
+      </p:grpSpPr>
+      <p:sp>
+        <p:nvSpPr>
+          <p:cNvPr id="2" name="Slide Number Placeholder 1">
+            <a:extLst>
+              <a:ext uri="{FF2B5EF4-FFF2-40B4-BE49-F238E27FC236}">
+                <a16:creationId xmlns:a16="http://schemas.microsoft.com/office/drawing/2014/main" id="{61ACCDB5-53AC-46A1-8477-D467E9D7623C}"/>
+              </a:ext>
+            </a:extLst>
+          </p:cNvPr>
+          <p:cNvSpPr>
+            <a:spLocks noGrp="1"/>
+          </p:cNvSpPr>
+          <p:nvPr>
+            <p:ph type="sldNum" sz="quarter" idx="4"/>
+          </p:nvPr>
+        </p:nvSpPr>
+        <p:spPr/>
+        <p:txBody>
+          <a:bodyPr/>
+          <a:lstStyle/>
+          <a:p>
+            <a:fld id="{8402A1B0-4691-41D9-84E0-69D594EAA3FE}" type="slidenum">
+              <a:rPr lang="en-US" altLang="en-US" smtClean="0"/>
+              <a:pPr/>
+              <a:t>27</a:t>
+            </a:fld>
+            <a:endParaRPr lang="en-US" altLang="en-US" dirty="0"/>
+          </a:p>
+        </p:txBody>
+      </p:sp>
+      <p:sp>
+        <p:nvSpPr>
+          <p:cNvPr id="5" name="Title 4">
+            <a:extLst>
+              <a:ext uri="{FF2B5EF4-FFF2-40B4-BE49-F238E27FC236}">
+                <a16:creationId xmlns:a16="http://schemas.microsoft.com/office/drawing/2014/main" id="{AF9BAF8D-C931-4150-A45D-0B3F83543E48}"/>
+              </a:ext>
+            </a:extLst>
+          </p:cNvPr>
+          <p:cNvSpPr>
+            <a:spLocks noGrp="1"/>
+          </p:cNvSpPr>
+          <p:nvPr>
+            <p:ph type="title"/>
+          </p:nvPr>
+        </p:nvSpPr>
+        <p:spPr/>
+        <p:txBody>
+          <a:bodyPr/>
+          <a:lstStyle/>
+          <a:p>
+            <a:endParaRPr lang="en-US"/>
+          </a:p>
+        </p:txBody>
+      </p:sp>
+      <p:sp>
+        <p:nvSpPr>
+          <p:cNvPr id="6" name="Text Placeholder 5">
+            <a:extLst>
+              <a:ext uri="{FF2B5EF4-FFF2-40B4-BE49-F238E27FC236}">
+                <a16:creationId xmlns:a16="http://schemas.microsoft.com/office/drawing/2014/main" id="{42AC9401-AD3D-4DCE-A51A-F39E4B9AFBE2}"/>
+              </a:ext>
+            </a:extLst>
+          </p:cNvPr>
+          <p:cNvSpPr>
+            <a:spLocks noGrp="1"/>
+          </p:cNvSpPr>
+          <p:nvPr>
+            <p:ph type="body" sz="quarter" idx="13"/>
+          </p:nvPr>
+        </p:nvSpPr>
+        <p:spPr/>
+        <p:txBody>
+          <a:bodyPr/>
+          <a:lstStyle/>
+          <a:p>
+            <a:pPr algn="just"/>
+            <a:endParaRPr lang="en-US" dirty="0"/>
+          </a:p>
+        </p:txBody>
+      </p:sp>
+    </p:spTree>
+    <p:extLst>
+      <p:ext uri="{BB962C8B-B14F-4D97-AF65-F5344CB8AC3E}">
+        <p14:creationId xmlns:p14="http://schemas.microsoft.com/office/powerpoint/2010/main" val="217900158"/>
+      </p:ext>
+    </p:extLst>
+  </p:cSld>
+  <p:clrMapOvr>
+    <a:masterClrMapping/>
+  </p:clrMapOvr>
+  <mc:AlternateContent xmlns:mc="http://schemas.openxmlformats.org/markup-compatibility/2006" xmlns:p14="http://schemas.microsoft.com/office/powerpoint/2010/main">
+    <mc:Choice Requires="p14">
+      <p:transition spd="med" p14:dur="700">
+        <p:fade/>
+      </p:transition>
+    </mc:Choice>
+    <mc:Fallback xmlns="">
+      <p:transition spd="med">
+        <p:fade/>
+      </p:transition>
+    </mc:Fallback>
+  </mc:AlternateContent>
+</p:sld>
+</file>
+
+<file path=ppt/slides/slide28.xml><?xml version="1.0" encoding="utf-8"?>
+<p:sld xmlns:a="http://schemas.openxmlformats.org/drawingml/2006/main" xmlns:r="http://schemas.openxmlformats.org/officeDocument/2006/relationships" xmlns:p="http://schemas.openxmlformats.org/presentationml/2006/main">
+  <p:cSld>
+    <p:spTree>
+      <p:nvGrpSpPr>
+        <p:cNvPr id="1" name=""/>
+        <p:cNvGrpSpPr/>
+        <p:nvPr/>
+      </p:nvGrpSpPr>
+      <p:grpSpPr>
+        <a:xfrm>
+          <a:off x="0" y="0"/>
+          <a:ext cx="0" cy="0"/>
+          <a:chOff x="0" y="0"/>
+          <a:chExt cx="0" cy="0"/>
+        </a:xfrm>
+      </p:grpSpPr>
+      <p:sp>
+        <p:nvSpPr>
+          <p:cNvPr id="2" name="Slide Number Placeholder 1">
+            <a:extLst>
+              <a:ext uri="{FF2B5EF4-FFF2-40B4-BE49-F238E27FC236}">
+                <a16:creationId xmlns:a16="http://schemas.microsoft.com/office/drawing/2014/main" id="{61ACCDB5-53AC-46A1-8477-D467E9D7623C}"/>
+              </a:ext>
+            </a:extLst>
+          </p:cNvPr>
+          <p:cNvSpPr>
+            <a:spLocks noGrp="1"/>
+          </p:cNvSpPr>
+          <p:nvPr>
+            <p:ph type="sldNum" sz="quarter" idx="4"/>
+          </p:nvPr>
+        </p:nvSpPr>
+        <p:spPr/>
+        <p:txBody>
+          <a:bodyPr/>
+          <a:lstStyle/>
+          <a:p>
+            <a:fld id="{8402A1B0-4691-41D9-84E0-69D594EAA3FE}" type="slidenum">
+              <a:rPr lang="en-US" altLang="en-US" smtClean="0"/>
+              <a:pPr/>
+              <a:t>28</a:t>
+            </a:fld>
+            <a:endParaRPr lang="en-US" altLang="en-US" dirty="0"/>
+          </a:p>
+        </p:txBody>
+      </p:sp>
+      <p:sp>
+        <p:nvSpPr>
+          <p:cNvPr id="3" name="Title 2">
+            <a:extLst>
+              <a:ext uri="{FF2B5EF4-FFF2-40B4-BE49-F238E27FC236}">
+                <a16:creationId xmlns:a16="http://schemas.microsoft.com/office/drawing/2014/main" id="{DDD610BD-4711-4F31-B306-71451B84EFBD}"/>
+              </a:ext>
+            </a:extLst>
+          </p:cNvPr>
+          <p:cNvSpPr>
+            <a:spLocks noGrp="1"/>
+          </p:cNvSpPr>
+          <p:nvPr>
+            <p:ph type="title"/>
+          </p:nvPr>
+        </p:nvSpPr>
+        <p:spPr/>
+        <p:txBody>
+          <a:bodyPr/>
+          <a:lstStyle/>
+          <a:p>
+            <a:endParaRPr lang="en-US"/>
+          </a:p>
+        </p:txBody>
+      </p:sp>
+      <p:sp>
+        <p:nvSpPr>
+          <p:cNvPr id="4" name="Text Placeholder 3">
+            <a:extLst>
+              <a:ext uri="{FF2B5EF4-FFF2-40B4-BE49-F238E27FC236}">
+                <a16:creationId xmlns:a16="http://schemas.microsoft.com/office/drawing/2014/main" id="{5A847452-27D3-4539-A56C-970E4B89FF98}"/>
+              </a:ext>
+            </a:extLst>
+          </p:cNvPr>
+          <p:cNvSpPr>
+            <a:spLocks noGrp="1"/>
+          </p:cNvSpPr>
+          <p:nvPr>
+            <p:ph type="body" sz="quarter" idx="13"/>
+          </p:nvPr>
+        </p:nvSpPr>
+        <p:spPr/>
+        <p:txBody>
+          <a:bodyPr/>
+          <a:lstStyle/>
+          <a:p>
+            <a:pPr algn="just"/>
+            <a:endParaRPr lang="en-US" dirty="0"/>
+          </a:p>
+        </p:txBody>
+      </p:sp>
+    </p:spTree>
+    <p:extLst>
+      <p:ext uri="{BB962C8B-B14F-4D97-AF65-F5344CB8AC3E}">
+        <p14:creationId xmlns:p14="http://schemas.microsoft.com/office/powerpoint/2010/main" val="2800101884"/>
+      </p:ext>
+    </p:extLst>
+  </p:cSld>
+  <p:clrMapOvr>
+    <a:masterClrMapping/>
+  </p:clrMapOvr>
+  <mc:AlternateContent xmlns:mc="http://schemas.openxmlformats.org/markup-compatibility/2006" xmlns:p14="http://schemas.microsoft.com/office/powerpoint/2010/main">
+    <mc:Choice Requires="p14">
+      <p:transition spd="med" p14:dur="700">
+        <p:fade/>
+      </p:transition>
+    </mc:Choice>
+    <mc:Fallback xmlns="">
+      <p:transition spd="med">
+        <p:fade/>
+      </p:transition>
+    </mc:Fallback>
+  </mc:AlternateContent>
+</p:sld>
+</file>
+
+<file path=ppt/slides/slide29.xml><?xml version="1.0" encoding="utf-8"?>
+<p:sld xmlns:a="http://schemas.openxmlformats.org/drawingml/2006/main" xmlns:r="http://schemas.openxmlformats.org/officeDocument/2006/relationships" xmlns:p="http://schemas.openxmlformats.org/presentationml/2006/main">
+  <p:cSld>
+    <p:spTree>
+      <p:nvGrpSpPr>
+        <p:cNvPr id="1" name=""/>
+        <p:cNvGrpSpPr/>
+        <p:nvPr/>
+      </p:nvGrpSpPr>
+      <p:grpSpPr>
+        <a:xfrm>
+          <a:off x="0" y="0"/>
+          <a:ext cx="0" cy="0"/>
+          <a:chOff x="0" y="0"/>
+          <a:chExt cx="0" cy="0"/>
+        </a:xfrm>
+      </p:grpSpPr>
+      <p:sp>
+        <p:nvSpPr>
+          <p:cNvPr id="2" name="Slide Number Placeholder 1">
+            <a:extLst>
+              <a:ext uri="{FF2B5EF4-FFF2-40B4-BE49-F238E27FC236}">
+                <a16:creationId xmlns:a16="http://schemas.microsoft.com/office/drawing/2014/main" id="{61ACCDB5-53AC-46A1-8477-D467E9D7623C}"/>
+              </a:ext>
+            </a:extLst>
+          </p:cNvPr>
+          <p:cNvSpPr>
+            <a:spLocks noGrp="1"/>
+          </p:cNvSpPr>
+          <p:nvPr>
+            <p:ph type="sldNum" sz="quarter" idx="4"/>
+          </p:nvPr>
+        </p:nvSpPr>
+        <p:spPr/>
+        <p:txBody>
+          <a:bodyPr/>
+          <a:lstStyle/>
+          <a:p>
+            <a:fld id="{8402A1B0-4691-41D9-84E0-69D594EAA3FE}" type="slidenum">
+              <a:rPr lang="en-US" altLang="en-US" smtClean="0"/>
+              <a:pPr/>
+              <a:t>29</a:t>
+            </a:fld>
+            <a:endParaRPr lang="en-US" altLang="en-US" dirty="0"/>
+          </a:p>
+        </p:txBody>
+      </p:sp>
+      <p:sp>
+        <p:nvSpPr>
+          <p:cNvPr id="5" name="Title 4">
+            <a:extLst>
+              <a:ext uri="{FF2B5EF4-FFF2-40B4-BE49-F238E27FC236}">
+                <a16:creationId xmlns:a16="http://schemas.microsoft.com/office/drawing/2014/main" id="{AF9BAF8D-C931-4150-A45D-0B3F83543E48}"/>
+              </a:ext>
+            </a:extLst>
+          </p:cNvPr>
+          <p:cNvSpPr>
+            <a:spLocks noGrp="1"/>
+          </p:cNvSpPr>
+          <p:nvPr>
+            <p:ph type="title"/>
+          </p:nvPr>
+        </p:nvSpPr>
+        <p:spPr/>
+        <p:txBody>
+          <a:bodyPr/>
+          <a:lstStyle/>
+          <a:p>
+            <a:endParaRPr lang="en-US"/>
+          </a:p>
+        </p:txBody>
+      </p:sp>
+      <p:sp>
+        <p:nvSpPr>
+          <p:cNvPr id="6" name="Text Placeholder 5">
+            <a:extLst>
+              <a:ext uri="{FF2B5EF4-FFF2-40B4-BE49-F238E27FC236}">
+                <a16:creationId xmlns:a16="http://schemas.microsoft.com/office/drawing/2014/main" id="{42AC9401-AD3D-4DCE-A51A-F39E4B9AFBE2}"/>
+              </a:ext>
+            </a:extLst>
+          </p:cNvPr>
+          <p:cNvSpPr>
+            <a:spLocks noGrp="1"/>
+          </p:cNvSpPr>
+          <p:nvPr>
+            <p:ph type="body" sz="quarter" idx="13"/>
+          </p:nvPr>
+        </p:nvSpPr>
+        <p:spPr/>
+        <p:txBody>
+          <a:bodyPr/>
+          <a:lstStyle/>
+          <a:p>
+            <a:pPr algn="just"/>
+            <a:endParaRPr lang="en-US" dirty="0"/>
+          </a:p>
+        </p:txBody>
+      </p:sp>
+    </p:spTree>
+    <p:extLst>
+      <p:ext uri="{BB962C8B-B14F-4D97-AF65-F5344CB8AC3E}">
+        <p14:creationId xmlns:p14="http://schemas.microsoft.com/office/powerpoint/2010/main" val="3788739055"/>
+      </p:ext>
+    </p:extLst>
+  </p:cSld>
+  <p:clrMapOvr>
+    <a:masterClrMapping/>
+  </p:clrMapOvr>
+  <mc:AlternateContent xmlns:mc="http://schemas.openxmlformats.org/markup-compatibility/2006" xmlns:p14="http://schemas.microsoft.com/office/powerpoint/2010/main">
+    <mc:Choice Requires="p14">
+      <p:transition spd="med" p14:dur="700">
+        <p:fade/>
+      </p:transition>
+    </mc:Choice>
+    <mc:Fallback xmlns="">
+      <p:transition spd="med">
+        <p:fade/>
+      </p:transition>
+    </mc:Fallback>
+  </mc:AlternateContent>
+</p:sld>
+</file>
+
 <file path=ppt/slides/slide3.xml><?xml version="1.0" encoding="utf-8"?>
 <p:sld xmlns:a="http://schemas.openxmlformats.org/drawingml/2006/main" xmlns:r="http://schemas.openxmlformats.org/officeDocument/2006/relationships" xmlns:p="http://schemas.openxmlformats.org/presentationml/2006/main">
   <p:cSld>
@@ -10908,6 +12680,1236 @@
     <p:extLst>
       <p:ext uri="{BB962C8B-B14F-4D97-AF65-F5344CB8AC3E}">
         <p14:creationId xmlns:p14="http://schemas.microsoft.com/office/powerpoint/2010/main" val="1051515329"/>
+      </p:ext>
+    </p:extLst>
+  </p:cSld>
+  <p:clrMapOvr>
+    <a:masterClrMapping/>
+  </p:clrMapOvr>
+  <mc:AlternateContent xmlns:mc="http://schemas.openxmlformats.org/markup-compatibility/2006" xmlns:p14="http://schemas.microsoft.com/office/powerpoint/2010/main">
+    <mc:Choice Requires="p14">
+      <p:transition spd="med" p14:dur="700">
+        <p:fade/>
+      </p:transition>
+    </mc:Choice>
+    <mc:Fallback xmlns="">
+      <p:transition spd="med">
+        <p:fade/>
+      </p:transition>
+    </mc:Fallback>
+  </mc:AlternateContent>
+</p:sld>
+</file>
+
+<file path=ppt/slides/slide30.xml><?xml version="1.0" encoding="utf-8"?>
+<p:sld xmlns:a="http://schemas.openxmlformats.org/drawingml/2006/main" xmlns:r="http://schemas.openxmlformats.org/officeDocument/2006/relationships" xmlns:p="http://schemas.openxmlformats.org/presentationml/2006/main">
+  <p:cSld>
+    <p:spTree>
+      <p:nvGrpSpPr>
+        <p:cNvPr id="1" name=""/>
+        <p:cNvGrpSpPr/>
+        <p:nvPr/>
+      </p:nvGrpSpPr>
+      <p:grpSpPr>
+        <a:xfrm>
+          <a:off x="0" y="0"/>
+          <a:ext cx="0" cy="0"/>
+          <a:chOff x="0" y="0"/>
+          <a:chExt cx="0" cy="0"/>
+        </a:xfrm>
+      </p:grpSpPr>
+      <p:sp>
+        <p:nvSpPr>
+          <p:cNvPr id="2" name="Slide Number Placeholder 1">
+            <a:extLst>
+              <a:ext uri="{FF2B5EF4-FFF2-40B4-BE49-F238E27FC236}">
+                <a16:creationId xmlns:a16="http://schemas.microsoft.com/office/drawing/2014/main" id="{61ACCDB5-53AC-46A1-8477-D467E9D7623C}"/>
+              </a:ext>
+            </a:extLst>
+          </p:cNvPr>
+          <p:cNvSpPr>
+            <a:spLocks noGrp="1"/>
+          </p:cNvSpPr>
+          <p:nvPr>
+            <p:ph type="sldNum" sz="quarter" idx="4"/>
+          </p:nvPr>
+        </p:nvSpPr>
+        <p:spPr/>
+        <p:txBody>
+          <a:bodyPr/>
+          <a:lstStyle/>
+          <a:p>
+            <a:fld id="{8402A1B0-4691-41D9-84E0-69D594EAA3FE}" type="slidenum">
+              <a:rPr lang="en-US" altLang="en-US" smtClean="0"/>
+              <a:pPr/>
+              <a:t>30</a:t>
+            </a:fld>
+            <a:endParaRPr lang="en-US" altLang="en-US" dirty="0"/>
+          </a:p>
+        </p:txBody>
+      </p:sp>
+      <p:sp>
+        <p:nvSpPr>
+          <p:cNvPr id="3" name="Title 2">
+            <a:extLst>
+              <a:ext uri="{FF2B5EF4-FFF2-40B4-BE49-F238E27FC236}">
+                <a16:creationId xmlns:a16="http://schemas.microsoft.com/office/drawing/2014/main" id="{DDD610BD-4711-4F31-B306-71451B84EFBD}"/>
+              </a:ext>
+            </a:extLst>
+          </p:cNvPr>
+          <p:cNvSpPr>
+            <a:spLocks noGrp="1"/>
+          </p:cNvSpPr>
+          <p:nvPr>
+            <p:ph type="title"/>
+          </p:nvPr>
+        </p:nvSpPr>
+        <p:spPr/>
+        <p:txBody>
+          <a:bodyPr/>
+          <a:lstStyle/>
+          <a:p>
+            <a:endParaRPr lang="en-US"/>
+          </a:p>
+        </p:txBody>
+      </p:sp>
+      <p:sp>
+        <p:nvSpPr>
+          <p:cNvPr id="4" name="Text Placeholder 3">
+            <a:extLst>
+              <a:ext uri="{FF2B5EF4-FFF2-40B4-BE49-F238E27FC236}">
+                <a16:creationId xmlns:a16="http://schemas.microsoft.com/office/drawing/2014/main" id="{5A847452-27D3-4539-A56C-970E4B89FF98}"/>
+              </a:ext>
+            </a:extLst>
+          </p:cNvPr>
+          <p:cNvSpPr>
+            <a:spLocks noGrp="1"/>
+          </p:cNvSpPr>
+          <p:nvPr>
+            <p:ph type="body" sz="quarter" idx="13"/>
+          </p:nvPr>
+        </p:nvSpPr>
+        <p:spPr/>
+        <p:txBody>
+          <a:bodyPr/>
+          <a:lstStyle/>
+          <a:p>
+            <a:pPr algn="just"/>
+            <a:endParaRPr lang="en-US" dirty="0"/>
+          </a:p>
+        </p:txBody>
+      </p:sp>
+    </p:spTree>
+    <p:extLst>
+      <p:ext uri="{BB962C8B-B14F-4D97-AF65-F5344CB8AC3E}">
+        <p14:creationId xmlns:p14="http://schemas.microsoft.com/office/powerpoint/2010/main" val="2866459652"/>
+      </p:ext>
+    </p:extLst>
+  </p:cSld>
+  <p:clrMapOvr>
+    <a:masterClrMapping/>
+  </p:clrMapOvr>
+  <mc:AlternateContent xmlns:mc="http://schemas.openxmlformats.org/markup-compatibility/2006" xmlns:p14="http://schemas.microsoft.com/office/powerpoint/2010/main">
+    <mc:Choice Requires="p14">
+      <p:transition spd="med" p14:dur="700">
+        <p:fade/>
+      </p:transition>
+    </mc:Choice>
+    <mc:Fallback xmlns="">
+      <p:transition spd="med">
+        <p:fade/>
+      </p:transition>
+    </mc:Fallback>
+  </mc:AlternateContent>
+</p:sld>
+</file>
+
+<file path=ppt/slides/slide31.xml><?xml version="1.0" encoding="utf-8"?>
+<p:sld xmlns:a="http://schemas.openxmlformats.org/drawingml/2006/main" xmlns:r="http://schemas.openxmlformats.org/officeDocument/2006/relationships" xmlns:p="http://schemas.openxmlformats.org/presentationml/2006/main">
+  <p:cSld>
+    <p:spTree>
+      <p:nvGrpSpPr>
+        <p:cNvPr id="1" name=""/>
+        <p:cNvGrpSpPr/>
+        <p:nvPr/>
+      </p:nvGrpSpPr>
+      <p:grpSpPr>
+        <a:xfrm>
+          <a:off x="0" y="0"/>
+          <a:ext cx="0" cy="0"/>
+          <a:chOff x="0" y="0"/>
+          <a:chExt cx="0" cy="0"/>
+        </a:xfrm>
+      </p:grpSpPr>
+      <p:sp>
+        <p:nvSpPr>
+          <p:cNvPr id="2" name="Slide Number Placeholder 1">
+            <a:extLst>
+              <a:ext uri="{FF2B5EF4-FFF2-40B4-BE49-F238E27FC236}">
+                <a16:creationId xmlns:a16="http://schemas.microsoft.com/office/drawing/2014/main" id="{61ACCDB5-53AC-46A1-8477-D467E9D7623C}"/>
+              </a:ext>
+            </a:extLst>
+          </p:cNvPr>
+          <p:cNvSpPr>
+            <a:spLocks noGrp="1"/>
+          </p:cNvSpPr>
+          <p:nvPr>
+            <p:ph type="sldNum" sz="quarter" idx="4"/>
+          </p:nvPr>
+        </p:nvSpPr>
+        <p:spPr/>
+        <p:txBody>
+          <a:bodyPr/>
+          <a:lstStyle/>
+          <a:p>
+            <a:fld id="{8402A1B0-4691-41D9-84E0-69D594EAA3FE}" type="slidenum">
+              <a:rPr lang="en-US" altLang="en-US" smtClean="0"/>
+              <a:pPr/>
+              <a:t>31</a:t>
+            </a:fld>
+            <a:endParaRPr lang="en-US" altLang="en-US" dirty="0"/>
+          </a:p>
+        </p:txBody>
+      </p:sp>
+      <p:sp>
+        <p:nvSpPr>
+          <p:cNvPr id="5" name="Title 4">
+            <a:extLst>
+              <a:ext uri="{FF2B5EF4-FFF2-40B4-BE49-F238E27FC236}">
+                <a16:creationId xmlns:a16="http://schemas.microsoft.com/office/drawing/2014/main" id="{AF9BAF8D-C931-4150-A45D-0B3F83543E48}"/>
+              </a:ext>
+            </a:extLst>
+          </p:cNvPr>
+          <p:cNvSpPr>
+            <a:spLocks noGrp="1"/>
+          </p:cNvSpPr>
+          <p:nvPr>
+            <p:ph type="title"/>
+          </p:nvPr>
+        </p:nvSpPr>
+        <p:spPr/>
+        <p:txBody>
+          <a:bodyPr/>
+          <a:lstStyle/>
+          <a:p>
+            <a:endParaRPr lang="en-US"/>
+          </a:p>
+        </p:txBody>
+      </p:sp>
+      <p:sp>
+        <p:nvSpPr>
+          <p:cNvPr id="6" name="Text Placeholder 5">
+            <a:extLst>
+              <a:ext uri="{FF2B5EF4-FFF2-40B4-BE49-F238E27FC236}">
+                <a16:creationId xmlns:a16="http://schemas.microsoft.com/office/drawing/2014/main" id="{42AC9401-AD3D-4DCE-A51A-F39E4B9AFBE2}"/>
+              </a:ext>
+            </a:extLst>
+          </p:cNvPr>
+          <p:cNvSpPr>
+            <a:spLocks noGrp="1"/>
+          </p:cNvSpPr>
+          <p:nvPr>
+            <p:ph type="body" sz="quarter" idx="13"/>
+          </p:nvPr>
+        </p:nvSpPr>
+        <p:spPr/>
+        <p:txBody>
+          <a:bodyPr/>
+          <a:lstStyle/>
+          <a:p>
+            <a:pPr algn="just"/>
+            <a:endParaRPr lang="en-US" dirty="0"/>
+          </a:p>
+        </p:txBody>
+      </p:sp>
+    </p:spTree>
+    <p:extLst>
+      <p:ext uri="{BB962C8B-B14F-4D97-AF65-F5344CB8AC3E}">
+        <p14:creationId xmlns:p14="http://schemas.microsoft.com/office/powerpoint/2010/main" val="3011097364"/>
+      </p:ext>
+    </p:extLst>
+  </p:cSld>
+  <p:clrMapOvr>
+    <a:masterClrMapping/>
+  </p:clrMapOvr>
+  <mc:AlternateContent xmlns:mc="http://schemas.openxmlformats.org/markup-compatibility/2006" xmlns:p14="http://schemas.microsoft.com/office/powerpoint/2010/main">
+    <mc:Choice Requires="p14">
+      <p:transition spd="med" p14:dur="700">
+        <p:fade/>
+      </p:transition>
+    </mc:Choice>
+    <mc:Fallback xmlns="">
+      <p:transition spd="med">
+        <p:fade/>
+      </p:transition>
+    </mc:Fallback>
+  </mc:AlternateContent>
+</p:sld>
+</file>
+
+<file path=ppt/slides/slide32.xml><?xml version="1.0" encoding="utf-8"?>
+<p:sld xmlns:a="http://schemas.openxmlformats.org/drawingml/2006/main" xmlns:r="http://schemas.openxmlformats.org/officeDocument/2006/relationships" xmlns:p="http://schemas.openxmlformats.org/presentationml/2006/main">
+  <p:cSld>
+    <p:spTree>
+      <p:nvGrpSpPr>
+        <p:cNvPr id="1" name=""/>
+        <p:cNvGrpSpPr/>
+        <p:nvPr/>
+      </p:nvGrpSpPr>
+      <p:grpSpPr>
+        <a:xfrm>
+          <a:off x="0" y="0"/>
+          <a:ext cx="0" cy="0"/>
+          <a:chOff x="0" y="0"/>
+          <a:chExt cx="0" cy="0"/>
+        </a:xfrm>
+      </p:grpSpPr>
+      <p:sp>
+        <p:nvSpPr>
+          <p:cNvPr id="2" name="Slide Number Placeholder 1">
+            <a:extLst>
+              <a:ext uri="{FF2B5EF4-FFF2-40B4-BE49-F238E27FC236}">
+                <a16:creationId xmlns:a16="http://schemas.microsoft.com/office/drawing/2014/main" id="{61ACCDB5-53AC-46A1-8477-D467E9D7623C}"/>
+              </a:ext>
+            </a:extLst>
+          </p:cNvPr>
+          <p:cNvSpPr>
+            <a:spLocks noGrp="1"/>
+          </p:cNvSpPr>
+          <p:nvPr>
+            <p:ph type="sldNum" sz="quarter" idx="4"/>
+          </p:nvPr>
+        </p:nvSpPr>
+        <p:spPr/>
+        <p:txBody>
+          <a:bodyPr/>
+          <a:lstStyle/>
+          <a:p>
+            <a:fld id="{8402A1B0-4691-41D9-84E0-69D594EAA3FE}" type="slidenum">
+              <a:rPr lang="en-US" altLang="en-US" smtClean="0"/>
+              <a:pPr/>
+              <a:t>32</a:t>
+            </a:fld>
+            <a:endParaRPr lang="en-US" altLang="en-US" dirty="0"/>
+          </a:p>
+        </p:txBody>
+      </p:sp>
+      <p:sp>
+        <p:nvSpPr>
+          <p:cNvPr id="3" name="Title 2">
+            <a:extLst>
+              <a:ext uri="{FF2B5EF4-FFF2-40B4-BE49-F238E27FC236}">
+                <a16:creationId xmlns:a16="http://schemas.microsoft.com/office/drawing/2014/main" id="{DDD610BD-4711-4F31-B306-71451B84EFBD}"/>
+              </a:ext>
+            </a:extLst>
+          </p:cNvPr>
+          <p:cNvSpPr>
+            <a:spLocks noGrp="1"/>
+          </p:cNvSpPr>
+          <p:nvPr>
+            <p:ph type="title"/>
+          </p:nvPr>
+        </p:nvSpPr>
+        <p:spPr/>
+        <p:txBody>
+          <a:bodyPr/>
+          <a:lstStyle/>
+          <a:p>
+            <a:endParaRPr lang="en-US"/>
+          </a:p>
+        </p:txBody>
+      </p:sp>
+      <p:sp>
+        <p:nvSpPr>
+          <p:cNvPr id="4" name="Text Placeholder 3">
+            <a:extLst>
+              <a:ext uri="{FF2B5EF4-FFF2-40B4-BE49-F238E27FC236}">
+                <a16:creationId xmlns:a16="http://schemas.microsoft.com/office/drawing/2014/main" id="{5A847452-27D3-4539-A56C-970E4B89FF98}"/>
+              </a:ext>
+            </a:extLst>
+          </p:cNvPr>
+          <p:cNvSpPr>
+            <a:spLocks noGrp="1"/>
+          </p:cNvSpPr>
+          <p:nvPr>
+            <p:ph type="body" sz="quarter" idx="13"/>
+          </p:nvPr>
+        </p:nvSpPr>
+        <p:spPr/>
+        <p:txBody>
+          <a:bodyPr/>
+          <a:lstStyle/>
+          <a:p>
+            <a:pPr algn="just"/>
+            <a:endParaRPr lang="en-US" dirty="0"/>
+          </a:p>
+        </p:txBody>
+      </p:sp>
+    </p:spTree>
+    <p:extLst>
+      <p:ext uri="{BB962C8B-B14F-4D97-AF65-F5344CB8AC3E}">
+        <p14:creationId xmlns:p14="http://schemas.microsoft.com/office/powerpoint/2010/main" val="3156516446"/>
+      </p:ext>
+    </p:extLst>
+  </p:cSld>
+  <p:clrMapOvr>
+    <a:masterClrMapping/>
+  </p:clrMapOvr>
+  <mc:AlternateContent xmlns:mc="http://schemas.openxmlformats.org/markup-compatibility/2006" xmlns:p14="http://schemas.microsoft.com/office/powerpoint/2010/main">
+    <mc:Choice Requires="p14">
+      <p:transition spd="med" p14:dur="700">
+        <p:fade/>
+      </p:transition>
+    </mc:Choice>
+    <mc:Fallback xmlns="">
+      <p:transition spd="med">
+        <p:fade/>
+      </p:transition>
+    </mc:Fallback>
+  </mc:AlternateContent>
+</p:sld>
+</file>
+
+<file path=ppt/slides/slide33.xml><?xml version="1.0" encoding="utf-8"?>
+<p:sld xmlns:a="http://schemas.openxmlformats.org/drawingml/2006/main" xmlns:r="http://schemas.openxmlformats.org/officeDocument/2006/relationships" xmlns:p="http://schemas.openxmlformats.org/presentationml/2006/main">
+  <p:cSld>
+    <p:spTree>
+      <p:nvGrpSpPr>
+        <p:cNvPr id="1" name=""/>
+        <p:cNvGrpSpPr/>
+        <p:nvPr/>
+      </p:nvGrpSpPr>
+      <p:grpSpPr>
+        <a:xfrm>
+          <a:off x="0" y="0"/>
+          <a:ext cx="0" cy="0"/>
+          <a:chOff x="0" y="0"/>
+          <a:chExt cx="0" cy="0"/>
+        </a:xfrm>
+      </p:grpSpPr>
+      <p:sp>
+        <p:nvSpPr>
+          <p:cNvPr id="2" name="Slide Number Placeholder 1">
+            <a:extLst>
+              <a:ext uri="{FF2B5EF4-FFF2-40B4-BE49-F238E27FC236}">
+                <a16:creationId xmlns:a16="http://schemas.microsoft.com/office/drawing/2014/main" id="{61ACCDB5-53AC-46A1-8477-D467E9D7623C}"/>
+              </a:ext>
+            </a:extLst>
+          </p:cNvPr>
+          <p:cNvSpPr>
+            <a:spLocks noGrp="1"/>
+          </p:cNvSpPr>
+          <p:nvPr>
+            <p:ph type="sldNum" sz="quarter" idx="4"/>
+          </p:nvPr>
+        </p:nvSpPr>
+        <p:spPr/>
+        <p:txBody>
+          <a:bodyPr/>
+          <a:lstStyle/>
+          <a:p>
+            <a:fld id="{8402A1B0-4691-41D9-84E0-69D594EAA3FE}" type="slidenum">
+              <a:rPr lang="en-US" altLang="en-US" smtClean="0"/>
+              <a:pPr/>
+              <a:t>33</a:t>
+            </a:fld>
+            <a:endParaRPr lang="en-US" altLang="en-US" dirty="0"/>
+          </a:p>
+        </p:txBody>
+      </p:sp>
+      <p:sp>
+        <p:nvSpPr>
+          <p:cNvPr id="5" name="Title 4">
+            <a:extLst>
+              <a:ext uri="{FF2B5EF4-FFF2-40B4-BE49-F238E27FC236}">
+                <a16:creationId xmlns:a16="http://schemas.microsoft.com/office/drawing/2014/main" id="{AF9BAF8D-C931-4150-A45D-0B3F83543E48}"/>
+              </a:ext>
+            </a:extLst>
+          </p:cNvPr>
+          <p:cNvSpPr>
+            <a:spLocks noGrp="1"/>
+          </p:cNvSpPr>
+          <p:nvPr>
+            <p:ph type="title"/>
+          </p:nvPr>
+        </p:nvSpPr>
+        <p:spPr/>
+        <p:txBody>
+          <a:bodyPr/>
+          <a:lstStyle/>
+          <a:p>
+            <a:endParaRPr lang="en-US"/>
+          </a:p>
+        </p:txBody>
+      </p:sp>
+      <p:sp>
+        <p:nvSpPr>
+          <p:cNvPr id="6" name="Text Placeholder 5">
+            <a:extLst>
+              <a:ext uri="{FF2B5EF4-FFF2-40B4-BE49-F238E27FC236}">
+                <a16:creationId xmlns:a16="http://schemas.microsoft.com/office/drawing/2014/main" id="{42AC9401-AD3D-4DCE-A51A-F39E4B9AFBE2}"/>
+              </a:ext>
+            </a:extLst>
+          </p:cNvPr>
+          <p:cNvSpPr>
+            <a:spLocks noGrp="1"/>
+          </p:cNvSpPr>
+          <p:nvPr>
+            <p:ph type="body" sz="quarter" idx="13"/>
+          </p:nvPr>
+        </p:nvSpPr>
+        <p:spPr/>
+        <p:txBody>
+          <a:bodyPr/>
+          <a:lstStyle/>
+          <a:p>
+            <a:pPr algn="just"/>
+            <a:endParaRPr lang="en-US" dirty="0"/>
+          </a:p>
+        </p:txBody>
+      </p:sp>
+    </p:spTree>
+    <p:extLst>
+      <p:ext uri="{BB962C8B-B14F-4D97-AF65-F5344CB8AC3E}">
+        <p14:creationId xmlns:p14="http://schemas.microsoft.com/office/powerpoint/2010/main" val="4196748280"/>
+      </p:ext>
+    </p:extLst>
+  </p:cSld>
+  <p:clrMapOvr>
+    <a:masterClrMapping/>
+  </p:clrMapOvr>
+  <mc:AlternateContent xmlns:mc="http://schemas.openxmlformats.org/markup-compatibility/2006" xmlns:p14="http://schemas.microsoft.com/office/powerpoint/2010/main">
+    <mc:Choice Requires="p14">
+      <p:transition spd="med" p14:dur="700">
+        <p:fade/>
+      </p:transition>
+    </mc:Choice>
+    <mc:Fallback xmlns="">
+      <p:transition spd="med">
+        <p:fade/>
+      </p:transition>
+    </mc:Fallback>
+  </mc:AlternateContent>
+</p:sld>
+</file>
+
+<file path=ppt/slides/slide34.xml><?xml version="1.0" encoding="utf-8"?>
+<p:sld xmlns:a="http://schemas.openxmlformats.org/drawingml/2006/main" xmlns:r="http://schemas.openxmlformats.org/officeDocument/2006/relationships" xmlns:p="http://schemas.openxmlformats.org/presentationml/2006/main">
+  <p:cSld>
+    <p:spTree>
+      <p:nvGrpSpPr>
+        <p:cNvPr id="1" name=""/>
+        <p:cNvGrpSpPr/>
+        <p:nvPr/>
+      </p:nvGrpSpPr>
+      <p:grpSpPr>
+        <a:xfrm>
+          <a:off x="0" y="0"/>
+          <a:ext cx="0" cy="0"/>
+          <a:chOff x="0" y="0"/>
+          <a:chExt cx="0" cy="0"/>
+        </a:xfrm>
+      </p:grpSpPr>
+      <p:sp>
+        <p:nvSpPr>
+          <p:cNvPr id="2" name="Slide Number Placeholder 1">
+            <a:extLst>
+              <a:ext uri="{FF2B5EF4-FFF2-40B4-BE49-F238E27FC236}">
+                <a16:creationId xmlns:a16="http://schemas.microsoft.com/office/drawing/2014/main" id="{61ACCDB5-53AC-46A1-8477-D467E9D7623C}"/>
+              </a:ext>
+            </a:extLst>
+          </p:cNvPr>
+          <p:cNvSpPr>
+            <a:spLocks noGrp="1"/>
+          </p:cNvSpPr>
+          <p:nvPr>
+            <p:ph type="sldNum" sz="quarter" idx="4"/>
+          </p:nvPr>
+        </p:nvSpPr>
+        <p:spPr/>
+        <p:txBody>
+          <a:bodyPr/>
+          <a:lstStyle/>
+          <a:p>
+            <a:fld id="{8402A1B0-4691-41D9-84E0-69D594EAA3FE}" type="slidenum">
+              <a:rPr lang="en-US" altLang="en-US" smtClean="0"/>
+              <a:pPr/>
+              <a:t>34</a:t>
+            </a:fld>
+            <a:endParaRPr lang="en-US" altLang="en-US" dirty="0"/>
+          </a:p>
+        </p:txBody>
+      </p:sp>
+      <p:sp>
+        <p:nvSpPr>
+          <p:cNvPr id="3" name="Title 2">
+            <a:extLst>
+              <a:ext uri="{FF2B5EF4-FFF2-40B4-BE49-F238E27FC236}">
+                <a16:creationId xmlns:a16="http://schemas.microsoft.com/office/drawing/2014/main" id="{DDD610BD-4711-4F31-B306-71451B84EFBD}"/>
+              </a:ext>
+            </a:extLst>
+          </p:cNvPr>
+          <p:cNvSpPr>
+            <a:spLocks noGrp="1"/>
+          </p:cNvSpPr>
+          <p:nvPr>
+            <p:ph type="title"/>
+          </p:nvPr>
+        </p:nvSpPr>
+        <p:spPr/>
+        <p:txBody>
+          <a:bodyPr/>
+          <a:lstStyle/>
+          <a:p>
+            <a:endParaRPr lang="en-US"/>
+          </a:p>
+        </p:txBody>
+      </p:sp>
+      <p:sp>
+        <p:nvSpPr>
+          <p:cNvPr id="4" name="Text Placeholder 3">
+            <a:extLst>
+              <a:ext uri="{FF2B5EF4-FFF2-40B4-BE49-F238E27FC236}">
+                <a16:creationId xmlns:a16="http://schemas.microsoft.com/office/drawing/2014/main" id="{5A847452-27D3-4539-A56C-970E4B89FF98}"/>
+              </a:ext>
+            </a:extLst>
+          </p:cNvPr>
+          <p:cNvSpPr>
+            <a:spLocks noGrp="1"/>
+          </p:cNvSpPr>
+          <p:nvPr>
+            <p:ph type="body" sz="quarter" idx="13"/>
+          </p:nvPr>
+        </p:nvSpPr>
+        <p:spPr/>
+        <p:txBody>
+          <a:bodyPr/>
+          <a:lstStyle/>
+          <a:p>
+            <a:pPr algn="just"/>
+            <a:endParaRPr lang="en-US" dirty="0"/>
+          </a:p>
+        </p:txBody>
+      </p:sp>
+    </p:spTree>
+    <p:extLst>
+      <p:ext uri="{BB962C8B-B14F-4D97-AF65-F5344CB8AC3E}">
+        <p14:creationId xmlns:p14="http://schemas.microsoft.com/office/powerpoint/2010/main" val="1523645980"/>
+      </p:ext>
+    </p:extLst>
+  </p:cSld>
+  <p:clrMapOvr>
+    <a:masterClrMapping/>
+  </p:clrMapOvr>
+  <mc:AlternateContent xmlns:mc="http://schemas.openxmlformats.org/markup-compatibility/2006" xmlns:p14="http://schemas.microsoft.com/office/powerpoint/2010/main">
+    <mc:Choice Requires="p14">
+      <p:transition spd="med" p14:dur="700">
+        <p:fade/>
+      </p:transition>
+    </mc:Choice>
+    <mc:Fallback xmlns="">
+      <p:transition spd="med">
+        <p:fade/>
+      </p:transition>
+    </mc:Fallback>
+  </mc:AlternateContent>
+</p:sld>
+</file>
+
+<file path=ppt/slides/slide35.xml><?xml version="1.0" encoding="utf-8"?>
+<p:sld xmlns:a="http://schemas.openxmlformats.org/drawingml/2006/main" xmlns:r="http://schemas.openxmlformats.org/officeDocument/2006/relationships" xmlns:p="http://schemas.openxmlformats.org/presentationml/2006/main">
+  <p:cSld>
+    <p:spTree>
+      <p:nvGrpSpPr>
+        <p:cNvPr id="1" name=""/>
+        <p:cNvGrpSpPr/>
+        <p:nvPr/>
+      </p:nvGrpSpPr>
+      <p:grpSpPr>
+        <a:xfrm>
+          <a:off x="0" y="0"/>
+          <a:ext cx="0" cy="0"/>
+          <a:chOff x="0" y="0"/>
+          <a:chExt cx="0" cy="0"/>
+        </a:xfrm>
+      </p:grpSpPr>
+      <p:sp>
+        <p:nvSpPr>
+          <p:cNvPr id="2" name="Slide Number Placeholder 1">
+            <a:extLst>
+              <a:ext uri="{FF2B5EF4-FFF2-40B4-BE49-F238E27FC236}">
+                <a16:creationId xmlns:a16="http://schemas.microsoft.com/office/drawing/2014/main" id="{61ACCDB5-53AC-46A1-8477-D467E9D7623C}"/>
+              </a:ext>
+            </a:extLst>
+          </p:cNvPr>
+          <p:cNvSpPr>
+            <a:spLocks noGrp="1"/>
+          </p:cNvSpPr>
+          <p:nvPr>
+            <p:ph type="sldNum" sz="quarter" idx="4"/>
+          </p:nvPr>
+        </p:nvSpPr>
+        <p:spPr/>
+        <p:txBody>
+          <a:bodyPr/>
+          <a:lstStyle/>
+          <a:p>
+            <a:fld id="{8402A1B0-4691-41D9-84E0-69D594EAA3FE}" type="slidenum">
+              <a:rPr lang="en-US" altLang="en-US" smtClean="0"/>
+              <a:pPr/>
+              <a:t>35</a:t>
+            </a:fld>
+            <a:endParaRPr lang="en-US" altLang="en-US" dirty="0"/>
+          </a:p>
+        </p:txBody>
+      </p:sp>
+      <p:sp>
+        <p:nvSpPr>
+          <p:cNvPr id="5" name="Title 4">
+            <a:extLst>
+              <a:ext uri="{FF2B5EF4-FFF2-40B4-BE49-F238E27FC236}">
+                <a16:creationId xmlns:a16="http://schemas.microsoft.com/office/drawing/2014/main" id="{AF9BAF8D-C931-4150-A45D-0B3F83543E48}"/>
+              </a:ext>
+            </a:extLst>
+          </p:cNvPr>
+          <p:cNvSpPr>
+            <a:spLocks noGrp="1"/>
+          </p:cNvSpPr>
+          <p:nvPr>
+            <p:ph type="title"/>
+          </p:nvPr>
+        </p:nvSpPr>
+        <p:spPr/>
+        <p:txBody>
+          <a:bodyPr/>
+          <a:lstStyle/>
+          <a:p>
+            <a:endParaRPr lang="en-US"/>
+          </a:p>
+        </p:txBody>
+      </p:sp>
+      <p:sp>
+        <p:nvSpPr>
+          <p:cNvPr id="6" name="Text Placeholder 5">
+            <a:extLst>
+              <a:ext uri="{FF2B5EF4-FFF2-40B4-BE49-F238E27FC236}">
+                <a16:creationId xmlns:a16="http://schemas.microsoft.com/office/drawing/2014/main" id="{42AC9401-AD3D-4DCE-A51A-F39E4B9AFBE2}"/>
+              </a:ext>
+            </a:extLst>
+          </p:cNvPr>
+          <p:cNvSpPr>
+            <a:spLocks noGrp="1"/>
+          </p:cNvSpPr>
+          <p:nvPr>
+            <p:ph type="body" sz="quarter" idx="13"/>
+          </p:nvPr>
+        </p:nvSpPr>
+        <p:spPr/>
+        <p:txBody>
+          <a:bodyPr/>
+          <a:lstStyle/>
+          <a:p>
+            <a:pPr algn="just"/>
+            <a:endParaRPr lang="en-US" dirty="0"/>
+          </a:p>
+        </p:txBody>
+      </p:sp>
+    </p:spTree>
+    <p:extLst>
+      <p:ext uri="{BB962C8B-B14F-4D97-AF65-F5344CB8AC3E}">
+        <p14:creationId xmlns:p14="http://schemas.microsoft.com/office/powerpoint/2010/main" val="816122511"/>
+      </p:ext>
+    </p:extLst>
+  </p:cSld>
+  <p:clrMapOvr>
+    <a:masterClrMapping/>
+  </p:clrMapOvr>
+  <mc:AlternateContent xmlns:mc="http://schemas.openxmlformats.org/markup-compatibility/2006" xmlns:p14="http://schemas.microsoft.com/office/powerpoint/2010/main">
+    <mc:Choice Requires="p14">
+      <p:transition spd="med" p14:dur="700">
+        <p:fade/>
+      </p:transition>
+    </mc:Choice>
+    <mc:Fallback xmlns="">
+      <p:transition spd="med">
+        <p:fade/>
+      </p:transition>
+    </mc:Fallback>
+  </mc:AlternateContent>
+</p:sld>
+</file>
+
+<file path=ppt/slides/slide36.xml><?xml version="1.0" encoding="utf-8"?>
+<p:sld xmlns:a="http://schemas.openxmlformats.org/drawingml/2006/main" xmlns:r="http://schemas.openxmlformats.org/officeDocument/2006/relationships" xmlns:p="http://schemas.openxmlformats.org/presentationml/2006/main">
+  <p:cSld>
+    <p:spTree>
+      <p:nvGrpSpPr>
+        <p:cNvPr id="1" name=""/>
+        <p:cNvGrpSpPr/>
+        <p:nvPr/>
+      </p:nvGrpSpPr>
+      <p:grpSpPr>
+        <a:xfrm>
+          <a:off x="0" y="0"/>
+          <a:ext cx="0" cy="0"/>
+          <a:chOff x="0" y="0"/>
+          <a:chExt cx="0" cy="0"/>
+        </a:xfrm>
+      </p:grpSpPr>
+      <p:sp>
+        <p:nvSpPr>
+          <p:cNvPr id="2" name="Slide Number Placeholder 1">
+            <a:extLst>
+              <a:ext uri="{FF2B5EF4-FFF2-40B4-BE49-F238E27FC236}">
+                <a16:creationId xmlns:a16="http://schemas.microsoft.com/office/drawing/2014/main" id="{61ACCDB5-53AC-46A1-8477-D467E9D7623C}"/>
+              </a:ext>
+            </a:extLst>
+          </p:cNvPr>
+          <p:cNvSpPr>
+            <a:spLocks noGrp="1"/>
+          </p:cNvSpPr>
+          <p:nvPr>
+            <p:ph type="sldNum" sz="quarter" idx="4"/>
+          </p:nvPr>
+        </p:nvSpPr>
+        <p:spPr/>
+        <p:txBody>
+          <a:bodyPr/>
+          <a:lstStyle/>
+          <a:p>
+            <a:fld id="{8402A1B0-4691-41D9-84E0-69D594EAA3FE}" type="slidenum">
+              <a:rPr lang="en-US" altLang="en-US" smtClean="0"/>
+              <a:pPr/>
+              <a:t>36</a:t>
+            </a:fld>
+            <a:endParaRPr lang="en-US" altLang="en-US" dirty="0"/>
+          </a:p>
+        </p:txBody>
+      </p:sp>
+      <p:sp>
+        <p:nvSpPr>
+          <p:cNvPr id="3" name="Title 2">
+            <a:extLst>
+              <a:ext uri="{FF2B5EF4-FFF2-40B4-BE49-F238E27FC236}">
+                <a16:creationId xmlns:a16="http://schemas.microsoft.com/office/drawing/2014/main" id="{DDD610BD-4711-4F31-B306-71451B84EFBD}"/>
+              </a:ext>
+            </a:extLst>
+          </p:cNvPr>
+          <p:cNvSpPr>
+            <a:spLocks noGrp="1"/>
+          </p:cNvSpPr>
+          <p:nvPr>
+            <p:ph type="title"/>
+          </p:nvPr>
+        </p:nvSpPr>
+        <p:spPr/>
+        <p:txBody>
+          <a:bodyPr/>
+          <a:lstStyle/>
+          <a:p>
+            <a:endParaRPr lang="en-US"/>
+          </a:p>
+        </p:txBody>
+      </p:sp>
+      <p:sp>
+        <p:nvSpPr>
+          <p:cNvPr id="4" name="Text Placeholder 3">
+            <a:extLst>
+              <a:ext uri="{FF2B5EF4-FFF2-40B4-BE49-F238E27FC236}">
+                <a16:creationId xmlns:a16="http://schemas.microsoft.com/office/drawing/2014/main" id="{5A847452-27D3-4539-A56C-970E4B89FF98}"/>
+              </a:ext>
+            </a:extLst>
+          </p:cNvPr>
+          <p:cNvSpPr>
+            <a:spLocks noGrp="1"/>
+          </p:cNvSpPr>
+          <p:nvPr>
+            <p:ph type="body" sz="quarter" idx="13"/>
+          </p:nvPr>
+        </p:nvSpPr>
+        <p:spPr/>
+        <p:txBody>
+          <a:bodyPr/>
+          <a:lstStyle/>
+          <a:p>
+            <a:pPr algn="just"/>
+            <a:endParaRPr lang="en-US" dirty="0"/>
+          </a:p>
+        </p:txBody>
+      </p:sp>
+    </p:spTree>
+    <p:extLst>
+      <p:ext uri="{BB962C8B-B14F-4D97-AF65-F5344CB8AC3E}">
+        <p14:creationId xmlns:p14="http://schemas.microsoft.com/office/powerpoint/2010/main" val="2543819614"/>
+      </p:ext>
+    </p:extLst>
+  </p:cSld>
+  <p:clrMapOvr>
+    <a:masterClrMapping/>
+  </p:clrMapOvr>
+  <mc:AlternateContent xmlns:mc="http://schemas.openxmlformats.org/markup-compatibility/2006" xmlns:p14="http://schemas.microsoft.com/office/powerpoint/2010/main">
+    <mc:Choice Requires="p14">
+      <p:transition spd="med" p14:dur="700">
+        <p:fade/>
+      </p:transition>
+    </mc:Choice>
+    <mc:Fallback xmlns="">
+      <p:transition spd="med">
+        <p:fade/>
+      </p:transition>
+    </mc:Fallback>
+  </mc:AlternateContent>
+</p:sld>
+</file>
+
+<file path=ppt/slides/slide37.xml><?xml version="1.0" encoding="utf-8"?>
+<p:sld xmlns:a="http://schemas.openxmlformats.org/drawingml/2006/main" xmlns:r="http://schemas.openxmlformats.org/officeDocument/2006/relationships" xmlns:p="http://schemas.openxmlformats.org/presentationml/2006/main">
+  <p:cSld>
+    <p:spTree>
+      <p:nvGrpSpPr>
+        <p:cNvPr id="1" name=""/>
+        <p:cNvGrpSpPr/>
+        <p:nvPr/>
+      </p:nvGrpSpPr>
+      <p:grpSpPr>
+        <a:xfrm>
+          <a:off x="0" y="0"/>
+          <a:ext cx="0" cy="0"/>
+          <a:chOff x="0" y="0"/>
+          <a:chExt cx="0" cy="0"/>
+        </a:xfrm>
+      </p:grpSpPr>
+      <p:sp>
+        <p:nvSpPr>
+          <p:cNvPr id="2" name="Slide Number Placeholder 1">
+            <a:extLst>
+              <a:ext uri="{FF2B5EF4-FFF2-40B4-BE49-F238E27FC236}">
+                <a16:creationId xmlns:a16="http://schemas.microsoft.com/office/drawing/2014/main" id="{61ACCDB5-53AC-46A1-8477-D467E9D7623C}"/>
+              </a:ext>
+            </a:extLst>
+          </p:cNvPr>
+          <p:cNvSpPr>
+            <a:spLocks noGrp="1"/>
+          </p:cNvSpPr>
+          <p:nvPr>
+            <p:ph type="sldNum" sz="quarter" idx="4"/>
+          </p:nvPr>
+        </p:nvSpPr>
+        <p:spPr/>
+        <p:txBody>
+          <a:bodyPr/>
+          <a:lstStyle/>
+          <a:p>
+            <a:fld id="{8402A1B0-4691-41D9-84E0-69D594EAA3FE}" type="slidenum">
+              <a:rPr lang="en-US" altLang="en-US" smtClean="0"/>
+              <a:pPr/>
+              <a:t>37</a:t>
+            </a:fld>
+            <a:endParaRPr lang="en-US" altLang="en-US" dirty="0"/>
+          </a:p>
+        </p:txBody>
+      </p:sp>
+      <p:sp>
+        <p:nvSpPr>
+          <p:cNvPr id="5" name="Title 4">
+            <a:extLst>
+              <a:ext uri="{FF2B5EF4-FFF2-40B4-BE49-F238E27FC236}">
+                <a16:creationId xmlns:a16="http://schemas.microsoft.com/office/drawing/2014/main" id="{AF9BAF8D-C931-4150-A45D-0B3F83543E48}"/>
+              </a:ext>
+            </a:extLst>
+          </p:cNvPr>
+          <p:cNvSpPr>
+            <a:spLocks noGrp="1"/>
+          </p:cNvSpPr>
+          <p:nvPr>
+            <p:ph type="title"/>
+          </p:nvPr>
+        </p:nvSpPr>
+        <p:spPr/>
+        <p:txBody>
+          <a:bodyPr/>
+          <a:lstStyle/>
+          <a:p>
+            <a:endParaRPr lang="en-US"/>
+          </a:p>
+        </p:txBody>
+      </p:sp>
+      <p:sp>
+        <p:nvSpPr>
+          <p:cNvPr id="6" name="Text Placeholder 5">
+            <a:extLst>
+              <a:ext uri="{FF2B5EF4-FFF2-40B4-BE49-F238E27FC236}">
+                <a16:creationId xmlns:a16="http://schemas.microsoft.com/office/drawing/2014/main" id="{42AC9401-AD3D-4DCE-A51A-F39E4B9AFBE2}"/>
+              </a:ext>
+            </a:extLst>
+          </p:cNvPr>
+          <p:cNvSpPr>
+            <a:spLocks noGrp="1"/>
+          </p:cNvSpPr>
+          <p:nvPr>
+            <p:ph type="body" sz="quarter" idx="13"/>
+          </p:nvPr>
+        </p:nvSpPr>
+        <p:spPr/>
+        <p:txBody>
+          <a:bodyPr/>
+          <a:lstStyle/>
+          <a:p>
+            <a:pPr algn="just"/>
+            <a:endParaRPr lang="en-US" dirty="0"/>
+          </a:p>
+        </p:txBody>
+      </p:sp>
+    </p:spTree>
+    <p:extLst>
+      <p:ext uri="{BB962C8B-B14F-4D97-AF65-F5344CB8AC3E}">
+        <p14:creationId xmlns:p14="http://schemas.microsoft.com/office/powerpoint/2010/main" val="994887022"/>
+      </p:ext>
+    </p:extLst>
+  </p:cSld>
+  <p:clrMapOvr>
+    <a:masterClrMapping/>
+  </p:clrMapOvr>
+  <mc:AlternateContent xmlns:mc="http://schemas.openxmlformats.org/markup-compatibility/2006" xmlns:p14="http://schemas.microsoft.com/office/powerpoint/2010/main">
+    <mc:Choice Requires="p14">
+      <p:transition spd="med" p14:dur="700">
+        <p:fade/>
+      </p:transition>
+    </mc:Choice>
+    <mc:Fallback xmlns="">
+      <p:transition spd="med">
+        <p:fade/>
+      </p:transition>
+    </mc:Fallback>
+  </mc:AlternateContent>
+</p:sld>
+</file>
+
+<file path=ppt/slides/slide38.xml><?xml version="1.0" encoding="utf-8"?>
+<p:sld xmlns:a="http://schemas.openxmlformats.org/drawingml/2006/main" xmlns:r="http://schemas.openxmlformats.org/officeDocument/2006/relationships" xmlns:p="http://schemas.openxmlformats.org/presentationml/2006/main">
+  <p:cSld>
+    <p:spTree>
+      <p:nvGrpSpPr>
+        <p:cNvPr id="1" name=""/>
+        <p:cNvGrpSpPr/>
+        <p:nvPr/>
+      </p:nvGrpSpPr>
+      <p:grpSpPr>
+        <a:xfrm>
+          <a:off x="0" y="0"/>
+          <a:ext cx="0" cy="0"/>
+          <a:chOff x="0" y="0"/>
+          <a:chExt cx="0" cy="0"/>
+        </a:xfrm>
+      </p:grpSpPr>
+      <p:sp>
+        <p:nvSpPr>
+          <p:cNvPr id="2" name="Slide Number Placeholder 1">
+            <a:extLst>
+              <a:ext uri="{FF2B5EF4-FFF2-40B4-BE49-F238E27FC236}">
+                <a16:creationId xmlns:a16="http://schemas.microsoft.com/office/drawing/2014/main" id="{61ACCDB5-53AC-46A1-8477-D467E9D7623C}"/>
+              </a:ext>
+            </a:extLst>
+          </p:cNvPr>
+          <p:cNvSpPr>
+            <a:spLocks noGrp="1"/>
+          </p:cNvSpPr>
+          <p:nvPr>
+            <p:ph type="sldNum" sz="quarter" idx="4"/>
+          </p:nvPr>
+        </p:nvSpPr>
+        <p:spPr/>
+        <p:txBody>
+          <a:bodyPr/>
+          <a:lstStyle/>
+          <a:p>
+            <a:fld id="{8402A1B0-4691-41D9-84E0-69D594EAA3FE}" type="slidenum">
+              <a:rPr lang="en-US" altLang="en-US" smtClean="0"/>
+              <a:pPr/>
+              <a:t>38</a:t>
+            </a:fld>
+            <a:endParaRPr lang="en-US" altLang="en-US" dirty="0"/>
+          </a:p>
+        </p:txBody>
+      </p:sp>
+      <p:sp>
+        <p:nvSpPr>
+          <p:cNvPr id="3" name="Title 2">
+            <a:extLst>
+              <a:ext uri="{FF2B5EF4-FFF2-40B4-BE49-F238E27FC236}">
+                <a16:creationId xmlns:a16="http://schemas.microsoft.com/office/drawing/2014/main" id="{DDD610BD-4711-4F31-B306-71451B84EFBD}"/>
+              </a:ext>
+            </a:extLst>
+          </p:cNvPr>
+          <p:cNvSpPr>
+            <a:spLocks noGrp="1"/>
+          </p:cNvSpPr>
+          <p:nvPr>
+            <p:ph type="title"/>
+          </p:nvPr>
+        </p:nvSpPr>
+        <p:spPr/>
+        <p:txBody>
+          <a:bodyPr/>
+          <a:lstStyle/>
+          <a:p>
+            <a:endParaRPr lang="en-US"/>
+          </a:p>
+        </p:txBody>
+      </p:sp>
+      <p:sp>
+        <p:nvSpPr>
+          <p:cNvPr id="4" name="Text Placeholder 3">
+            <a:extLst>
+              <a:ext uri="{FF2B5EF4-FFF2-40B4-BE49-F238E27FC236}">
+                <a16:creationId xmlns:a16="http://schemas.microsoft.com/office/drawing/2014/main" id="{5A847452-27D3-4539-A56C-970E4B89FF98}"/>
+              </a:ext>
+            </a:extLst>
+          </p:cNvPr>
+          <p:cNvSpPr>
+            <a:spLocks noGrp="1"/>
+          </p:cNvSpPr>
+          <p:nvPr>
+            <p:ph type="body" sz="quarter" idx="13"/>
+          </p:nvPr>
+        </p:nvSpPr>
+        <p:spPr/>
+        <p:txBody>
+          <a:bodyPr/>
+          <a:lstStyle/>
+          <a:p>
+            <a:pPr algn="just"/>
+            <a:endParaRPr lang="en-US" dirty="0"/>
+          </a:p>
+        </p:txBody>
+      </p:sp>
+    </p:spTree>
+    <p:extLst>
+      <p:ext uri="{BB962C8B-B14F-4D97-AF65-F5344CB8AC3E}">
+        <p14:creationId xmlns:p14="http://schemas.microsoft.com/office/powerpoint/2010/main" val="2876418248"/>
+      </p:ext>
+    </p:extLst>
+  </p:cSld>
+  <p:clrMapOvr>
+    <a:masterClrMapping/>
+  </p:clrMapOvr>
+  <mc:AlternateContent xmlns:mc="http://schemas.openxmlformats.org/markup-compatibility/2006" xmlns:p14="http://schemas.microsoft.com/office/powerpoint/2010/main">
+    <mc:Choice Requires="p14">
+      <p:transition spd="med" p14:dur="700">
+        <p:fade/>
+      </p:transition>
+    </mc:Choice>
+    <mc:Fallback xmlns="">
+      <p:transition spd="med">
+        <p:fade/>
+      </p:transition>
+    </mc:Fallback>
+  </mc:AlternateContent>
+</p:sld>
+</file>
+
+<file path=ppt/slides/slide39.xml><?xml version="1.0" encoding="utf-8"?>
+<p:sld xmlns:a="http://schemas.openxmlformats.org/drawingml/2006/main" xmlns:r="http://schemas.openxmlformats.org/officeDocument/2006/relationships" xmlns:p="http://schemas.openxmlformats.org/presentationml/2006/main">
+  <p:cSld>
+    <p:spTree>
+      <p:nvGrpSpPr>
+        <p:cNvPr id="1" name=""/>
+        <p:cNvGrpSpPr/>
+        <p:nvPr/>
+      </p:nvGrpSpPr>
+      <p:grpSpPr>
+        <a:xfrm>
+          <a:off x="0" y="0"/>
+          <a:ext cx="0" cy="0"/>
+          <a:chOff x="0" y="0"/>
+          <a:chExt cx="0" cy="0"/>
+        </a:xfrm>
+      </p:grpSpPr>
+      <p:sp>
+        <p:nvSpPr>
+          <p:cNvPr id="2" name="Slide Number Placeholder 1">
+            <a:extLst>
+              <a:ext uri="{FF2B5EF4-FFF2-40B4-BE49-F238E27FC236}">
+                <a16:creationId xmlns:a16="http://schemas.microsoft.com/office/drawing/2014/main" id="{61ACCDB5-53AC-46A1-8477-D467E9D7623C}"/>
+              </a:ext>
+            </a:extLst>
+          </p:cNvPr>
+          <p:cNvSpPr>
+            <a:spLocks noGrp="1"/>
+          </p:cNvSpPr>
+          <p:nvPr>
+            <p:ph type="sldNum" sz="quarter" idx="4"/>
+          </p:nvPr>
+        </p:nvSpPr>
+        <p:spPr/>
+        <p:txBody>
+          <a:bodyPr/>
+          <a:lstStyle/>
+          <a:p>
+            <a:fld id="{8402A1B0-4691-41D9-84E0-69D594EAA3FE}" type="slidenum">
+              <a:rPr lang="en-US" altLang="en-US" smtClean="0"/>
+              <a:pPr/>
+              <a:t>39</a:t>
+            </a:fld>
+            <a:endParaRPr lang="en-US" altLang="en-US" dirty="0"/>
+          </a:p>
+        </p:txBody>
+      </p:sp>
+      <p:sp>
+        <p:nvSpPr>
+          <p:cNvPr id="5" name="Title 4">
+            <a:extLst>
+              <a:ext uri="{FF2B5EF4-FFF2-40B4-BE49-F238E27FC236}">
+                <a16:creationId xmlns:a16="http://schemas.microsoft.com/office/drawing/2014/main" id="{AF9BAF8D-C931-4150-A45D-0B3F83543E48}"/>
+              </a:ext>
+            </a:extLst>
+          </p:cNvPr>
+          <p:cNvSpPr>
+            <a:spLocks noGrp="1"/>
+          </p:cNvSpPr>
+          <p:nvPr>
+            <p:ph type="title"/>
+          </p:nvPr>
+        </p:nvSpPr>
+        <p:spPr/>
+        <p:txBody>
+          <a:bodyPr/>
+          <a:lstStyle/>
+          <a:p>
+            <a:endParaRPr lang="en-US"/>
+          </a:p>
+        </p:txBody>
+      </p:sp>
+      <p:sp>
+        <p:nvSpPr>
+          <p:cNvPr id="6" name="Text Placeholder 5">
+            <a:extLst>
+              <a:ext uri="{FF2B5EF4-FFF2-40B4-BE49-F238E27FC236}">
+                <a16:creationId xmlns:a16="http://schemas.microsoft.com/office/drawing/2014/main" id="{42AC9401-AD3D-4DCE-A51A-F39E4B9AFBE2}"/>
+              </a:ext>
+            </a:extLst>
+          </p:cNvPr>
+          <p:cNvSpPr>
+            <a:spLocks noGrp="1"/>
+          </p:cNvSpPr>
+          <p:nvPr>
+            <p:ph type="body" sz="quarter" idx="13"/>
+          </p:nvPr>
+        </p:nvSpPr>
+        <p:spPr/>
+        <p:txBody>
+          <a:bodyPr/>
+          <a:lstStyle/>
+          <a:p>
+            <a:pPr algn="just"/>
+            <a:endParaRPr lang="en-US" dirty="0"/>
+          </a:p>
+        </p:txBody>
+      </p:sp>
+    </p:spTree>
+    <p:extLst>
+      <p:ext uri="{BB962C8B-B14F-4D97-AF65-F5344CB8AC3E}">
+        <p14:creationId xmlns:p14="http://schemas.microsoft.com/office/powerpoint/2010/main" val="2664979204"/>
       </p:ext>
     </p:extLst>
   </p:cSld>
@@ -10964,7 +13966,9 @@
         </p:nvSpPr>
         <p:spPr/>
         <p:txBody>
-          <a:bodyPr/>
+          <a:bodyPr>
+            <a:normAutofit lnSpcReduction="10000"/>
+          </a:bodyPr>
           <a:lstStyle/>
           <a:p>
             <a:r>
@@ -11106,7 +14110,7 @@
 </p:sld>
 </file>
 
-<file path=ppt/slides/slide5.xml><?xml version="1.0" encoding="utf-8"?>
+<file path=ppt/slides/slide40.xml><?xml version="1.0" encoding="utf-8"?>
 <p:sld xmlns:a="http://schemas.openxmlformats.org/drawingml/2006/main" xmlns:r="http://schemas.openxmlformats.org/officeDocument/2006/relationships" xmlns:p="http://schemas.openxmlformats.org/presentationml/2006/main">
   <p:cSld>
     <p:spTree>
@@ -11125,76 +14129,10 @@
       </p:grpSpPr>
       <p:sp>
         <p:nvSpPr>
-          <p:cNvPr id="5" name="Text Placeholder 4">
-            <a:extLst>
-              <a:ext uri="{FF2B5EF4-FFF2-40B4-BE49-F238E27FC236}">
-                <a16:creationId xmlns:a16="http://schemas.microsoft.com/office/drawing/2014/main" id="{62E74AB9-F4DE-40A8-869C-C738FCA966EB}"/>
-              </a:ext>
-            </a:extLst>
-          </p:cNvPr>
-          <p:cNvSpPr>
-            <a:spLocks noGrp="1"/>
-          </p:cNvSpPr>
-          <p:nvPr>
-            <p:ph type="body" sz="quarter" idx="11"/>
-          </p:nvPr>
-        </p:nvSpPr>
-        <p:spPr/>
-        <p:txBody>
-          <a:bodyPr/>
-          <a:lstStyle/>
-          <a:p>
-            <a:r>
-              <a:rPr lang="en-US" dirty="0"/>
-              <a:t>The source code for Pandas is located at this GitHub repository </a:t>
-            </a:r>
-            <a:r>
-              <a:rPr lang="en-US" dirty="0">
-                <a:hlinkClick r:id="rId2"/>
-              </a:rPr>
-              <a:t>https://github.com/pandas-dev/pandas</a:t>
-            </a:r>
-            <a:endParaRPr lang="en-US" dirty="0"/>
-          </a:p>
-          <a:p>
-            <a:endParaRPr lang="en-US" dirty="0"/>
-          </a:p>
-        </p:txBody>
-      </p:sp>
-      <p:sp>
-        <p:nvSpPr>
-          <p:cNvPr id="4" name="Title 3">
-            <a:extLst>
-              <a:ext uri="{FF2B5EF4-FFF2-40B4-BE49-F238E27FC236}">
-                <a16:creationId xmlns:a16="http://schemas.microsoft.com/office/drawing/2014/main" id="{E07D329B-FE82-489C-ABEF-41351E002FAA}"/>
-              </a:ext>
-            </a:extLst>
-          </p:cNvPr>
-          <p:cNvSpPr>
-            <a:spLocks noGrp="1"/>
-          </p:cNvSpPr>
-          <p:nvPr>
-            <p:ph type="title"/>
-          </p:nvPr>
-        </p:nvSpPr>
-        <p:spPr/>
-        <p:txBody>
-          <a:bodyPr/>
-          <a:lstStyle/>
-          <a:p>
-            <a:r>
-              <a:rPr lang="en-US" dirty="0"/>
-              <a:t>Where is the Pandas Codebase?</a:t>
-            </a:r>
-          </a:p>
-        </p:txBody>
-      </p:sp>
-      <p:sp>
-        <p:nvSpPr>
-          <p:cNvPr id="6" name="Slide Number Placeholder 5">
-            <a:extLst>
-              <a:ext uri="{FF2B5EF4-FFF2-40B4-BE49-F238E27FC236}">
-                <a16:creationId xmlns:a16="http://schemas.microsoft.com/office/drawing/2014/main" id="{575F3F05-F1BE-4F64-8A69-DEA6A2436E4C}"/>
+          <p:cNvPr id="2" name="Slide Number Placeholder 1">
+            <a:extLst>
+              <a:ext uri="{FF2B5EF4-FFF2-40B4-BE49-F238E27FC236}">
+                <a16:creationId xmlns:a16="http://schemas.microsoft.com/office/drawing/2014/main" id="{61ACCDB5-53AC-46A1-8477-D467E9D7623C}"/>
               </a:ext>
             </a:extLst>
           </p:cNvPr>
@@ -11213,16 +14151,67 @@
             <a:fld id="{8402A1B0-4691-41D9-84E0-69D594EAA3FE}" type="slidenum">
               <a:rPr lang="en-US" altLang="en-US" smtClean="0"/>
               <a:pPr/>
-              <a:t>5</a:t>
+              <a:t>40</a:t>
             </a:fld>
             <a:endParaRPr lang="en-US" altLang="en-US" dirty="0"/>
+          </a:p>
+        </p:txBody>
+      </p:sp>
+      <p:sp>
+        <p:nvSpPr>
+          <p:cNvPr id="3" name="Title 2">
+            <a:extLst>
+              <a:ext uri="{FF2B5EF4-FFF2-40B4-BE49-F238E27FC236}">
+                <a16:creationId xmlns:a16="http://schemas.microsoft.com/office/drawing/2014/main" id="{DDD610BD-4711-4F31-B306-71451B84EFBD}"/>
+              </a:ext>
+            </a:extLst>
+          </p:cNvPr>
+          <p:cNvSpPr>
+            <a:spLocks noGrp="1"/>
+          </p:cNvSpPr>
+          <p:nvPr>
+            <p:ph type="title"/>
+          </p:nvPr>
+        </p:nvSpPr>
+        <p:spPr/>
+        <p:txBody>
+          <a:bodyPr/>
+          <a:lstStyle/>
+          <a:p>
+            <a:endParaRPr lang="en-US"/>
+          </a:p>
+        </p:txBody>
+      </p:sp>
+      <p:sp>
+        <p:nvSpPr>
+          <p:cNvPr id="4" name="Text Placeholder 3">
+            <a:extLst>
+              <a:ext uri="{FF2B5EF4-FFF2-40B4-BE49-F238E27FC236}">
+                <a16:creationId xmlns:a16="http://schemas.microsoft.com/office/drawing/2014/main" id="{5A847452-27D3-4539-A56C-970E4B89FF98}"/>
+              </a:ext>
+            </a:extLst>
+          </p:cNvPr>
+          <p:cNvSpPr>
+            <a:spLocks noGrp="1"/>
+          </p:cNvSpPr>
+          <p:nvPr>
+            <p:ph type="body" sz="quarter" idx="13"/>
+          </p:nvPr>
+        </p:nvSpPr>
+        <p:spPr/>
+        <p:txBody>
+          <a:bodyPr/>
+          <a:lstStyle/>
+          <a:p>
+            <a:pPr algn="just"/>
+            <a:endParaRPr lang="en-US" dirty="0"/>
           </a:p>
         </p:txBody>
       </p:sp>
     </p:spTree>
     <p:extLst>
       <p:ext uri="{BB962C8B-B14F-4D97-AF65-F5344CB8AC3E}">
-        <p14:creationId xmlns:p14="http://schemas.microsoft.com/office/powerpoint/2010/main" val="4286281563"/>
+        <p14:creationId xmlns:p14="http://schemas.microsoft.com/office/powerpoint/2010/main" val="3425942183"/>
       </p:ext>
     </p:extLst>
   </p:cSld>
@@ -11244,7 +14233,7 @@
 </p:sld>
 </file>
 
-<file path=ppt/slides/slide6.xml><?xml version="1.0" encoding="utf-8"?>
+<file path=ppt/slides/slide41.xml><?xml version="1.0" encoding="utf-8"?>
 <p:sld xmlns:a="http://schemas.openxmlformats.org/drawingml/2006/main" xmlns:r="http://schemas.openxmlformats.org/officeDocument/2006/relationships" xmlns:p="http://schemas.openxmlformats.org/presentationml/2006/main">
   <p:cSld>
     <p:spTree>
@@ -11263,10 +14252,10 @@
       </p:grpSpPr>
       <p:sp>
         <p:nvSpPr>
-          <p:cNvPr id="4" name="Slide Number Placeholder 3">
-            <a:extLst>
-              <a:ext uri="{FF2B5EF4-FFF2-40B4-BE49-F238E27FC236}">
-                <a16:creationId xmlns:a16="http://schemas.microsoft.com/office/drawing/2014/main" id="{A0FD4227-E013-4D21-A98C-26220AEBFC0D}"/>
+          <p:cNvPr id="2" name="Slide Number Placeholder 1">
+            <a:extLst>
+              <a:ext uri="{FF2B5EF4-FFF2-40B4-BE49-F238E27FC236}">
+                <a16:creationId xmlns:a16="http://schemas.microsoft.com/office/drawing/2014/main" id="{61ACCDB5-53AC-46A1-8477-D467E9D7623C}"/>
               </a:ext>
             </a:extLst>
           </p:cNvPr>
@@ -11285,7 +14274,7 @@
             <a:fld id="{8402A1B0-4691-41D9-84E0-69D594EAA3FE}" type="slidenum">
               <a:rPr lang="en-US" altLang="en-US" smtClean="0"/>
               <a:pPr/>
-              <a:t>6</a:t>
+              <a:t>41</a:t>
             </a:fld>
             <a:endParaRPr lang="en-US" altLang="en-US" dirty="0"/>
           </a:p>
@@ -11296,7 +14285,7 @@
           <p:cNvPr id="5" name="Title 4">
             <a:extLst>
               <a:ext uri="{FF2B5EF4-FFF2-40B4-BE49-F238E27FC236}">
-                <a16:creationId xmlns:a16="http://schemas.microsoft.com/office/drawing/2014/main" id="{A16B2302-A74A-41A5-A491-848F0F107B76}"/>
+                <a16:creationId xmlns:a16="http://schemas.microsoft.com/office/drawing/2014/main" id="{AF9BAF8D-C931-4150-A45D-0B3F83543E48}"/>
               </a:ext>
             </a:extLst>
           </p:cNvPr>
@@ -11312,10 +14301,7 @@
           <a:bodyPr/>
           <a:lstStyle/>
           <a:p>
-            <a:r>
-              <a:rPr lang="en-US" dirty="0"/>
-              <a:t>Let’s get into coding</a:t>
-            </a:r>
+            <a:endParaRPr lang="en-US"/>
           </a:p>
         </p:txBody>
       </p:sp>
@@ -11324,7 +14310,7 @@
           <p:cNvPr id="6" name="Text Placeholder 5">
             <a:extLst>
               <a:ext uri="{FF2B5EF4-FFF2-40B4-BE49-F238E27FC236}">
-                <a16:creationId xmlns:a16="http://schemas.microsoft.com/office/drawing/2014/main" id="{94C82863-FD12-48AF-9173-D0BDC235C787}"/>
+                <a16:creationId xmlns:a16="http://schemas.microsoft.com/office/drawing/2014/main" id="{42AC9401-AD3D-4DCE-A51A-F39E4B9AFBE2}"/>
               </a:ext>
             </a:extLst>
           </p:cNvPr>
@@ -11335,65 +14321,20 @@
             <p:ph type="body" sz="quarter" idx="13"/>
           </p:nvPr>
         </p:nvSpPr>
-        <p:spPr>
-          <a:xfrm>
-            <a:off x="762000" y="1783952"/>
-            <a:ext cx="6091287" cy="4358084"/>
-          </a:xfrm>
-        </p:spPr>
+        <p:spPr/>
         <p:txBody>
           <a:bodyPr/>
           <a:lstStyle/>
           <a:p>
-            <a:r>
-              <a:rPr lang="en-US" dirty="0"/>
-              <a:t>Look at the front example</a:t>
-            </a:r>
-          </a:p>
-          <a:p>
-            <a:r>
-              <a:rPr lang="en-US" dirty="0"/>
-              <a:t>alias: In Python alias are an alternate name for referring to the same thing.</a:t>
-            </a:r>
-          </a:p>
-        </p:txBody>
-      </p:sp>
-      <p:pic>
-        <p:nvPicPr>
-          <p:cNvPr id="8" name="Picture 7">
-            <a:extLst>
-              <a:ext uri="{FF2B5EF4-FFF2-40B4-BE49-F238E27FC236}">
-                <a16:creationId xmlns:a16="http://schemas.microsoft.com/office/drawing/2014/main" id="{C0F62FE8-23D9-49AE-8072-0BA9933A9C05}"/>
-              </a:ext>
-            </a:extLst>
-          </p:cNvPr>
-          <p:cNvPicPr>
-            <a:picLocks noChangeAspect="1"/>
-          </p:cNvPicPr>
-          <p:nvPr/>
-        </p:nvPicPr>
-        <p:blipFill>
-          <a:blip r:embed="rId2"/>
-          <a:stretch>
-            <a:fillRect/>
-          </a:stretch>
-        </p:blipFill>
-        <p:spPr>
-          <a:xfrm>
-            <a:off x="6960235" y="1783952"/>
-            <a:ext cx="4345758" cy="4432242"/>
-          </a:xfrm>
-          <a:prstGeom prst="roundRect">
-            <a:avLst>
-              <a:gd name="adj" fmla="val 3869"/>
-            </a:avLst>
-          </a:prstGeom>
-        </p:spPr>
-      </p:pic>
+            <a:pPr algn="just"/>
+            <a:endParaRPr lang="en-US" dirty="0"/>
+          </a:p>
+        </p:txBody>
+      </p:sp>
     </p:spTree>
     <p:extLst>
       <p:ext uri="{BB962C8B-B14F-4D97-AF65-F5344CB8AC3E}">
-        <p14:creationId xmlns:p14="http://schemas.microsoft.com/office/powerpoint/2010/main" val="1269727280"/>
+        <p14:creationId xmlns:p14="http://schemas.microsoft.com/office/powerpoint/2010/main" val="3352193999"/>
       </p:ext>
     </p:extLst>
   </p:cSld>
@@ -11415,7 +14356,7 @@
 </p:sld>
 </file>
 
-<file path=ppt/slides/slide7.xml><?xml version="1.0" encoding="utf-8"?>
+<file path=ppt/slides/slide42.xml><?xml version="1.0" encoding="utf-8"?>
 <p:sld xmlns:a="http://schemas.openxmlformats.org/drawingml/2006/main" xmlns:r="http://schemas.openxmlformats.org/officeDocument/2006/relationships" xmlns:p="http://schemas.openxmlformats.org/presentationml/2006/main">
   <p:cSld>
     <p:spTree>
@@ -11437,7 +14378,7 @@
           <p:cNvPr id="2" name="Slide Number Placeholder 1">
             <a:extLst>
               <a:ext uri="{FF2B5EF4-FFF2-40B4-BE49-F238E27FC236}">
-                <a16:creationId xmlns:a16="http://schemas.microsoft.com/office/drawing/2014/main" id="{6B233420-F662-4A50-93DB-BADFC46526ED}"/>
+                <a16:creationId xmlns:a16="http://schemas.microsoft.com/office/drawing/2014/main" id="{61ACCDB5-53AC-46A1-8477-D467E9D7623C}"/>
               </a:ext>
             </a:extLst>
           </p:cNvPr>
@@ -11456,7 +14397,7 @@
             <a:fld id="{8402A1B0-4691-41D9-84E0-69D594EAA3FE}" type="slidenum">
               <a:rPr lang="en-US" altLang="en-US" smtClean="0"/>
               <a:pPr/>
-              <a:t>7</a:t>
+              <a:t>42</a:t>
             </a:fld>
             <a:endParaRPr lang="en-US" altLang="en-US" dirty="0"/>
           </a:p>
@@ -11467,7 +14408,7 @@
           <p:cNvPr id="3" name="Title 2">
             <a:extLst>
               <a:ext uri="{FF2B5EF4-FFF2-40B4-BE49-F238E27FC236}">
-                <a16:creationId xmlns:a16="http://schemas.microsoft.com/office/drawing/2014/main" id="{7546A243-57CE-4E0A-B7C1-E7F00E70940D}"/>
+                <a16:creationId xmlns:a16="http://schemas.microsoft.com/office/drawing/2014/main" id="{DDD610BD-4711-4F31-B306-71451B84EFBD}"/>
               </a:ext>
             </a:extLst>
           </p:cNvPr>
@@ -11492,7 +14433,7 @@
           <p:cNvPr id="4" name="Text Placeholder 3">
             <a:extLst>
               <a:ext uri="{FF2B5EF4-FFF2-40B4-BE49-F238E27FC236}">
-                <a16:creationId xmlns:a16="http://schemas.microsoft.com/office/drawing/2014/main" id="{71B0B1D1-6735-4275-823B-0A0A5DBC4516}"/>
+                <a16:creationId xmlns:a16="http://schemas.microsoft.com/office/drawing/2014/main" id="{5A847452-27D3-4539-A56C-970E4B89FF98}"/>
               </a:ext>
             </a:extLst>
           </p:cNvPr>
@@ -11508,14 +14449,15 @@
           <a:bodyPr/>
           <a:lstStyle/>
           <a:p>
-            <a:endParaRPr lang="en-US"/>
+            <a:pPr algn="just"/>
+            <a:endParaRPr lang="en-US" dirty="0"/>
           </a:p>
         </p:txBody>
       </p:sp>
     </p:spTree>
     <p:extLst>
       <p:ext uri="{BB962C8B-B14F-4D97-AF65-F5344CB8AC3E}">
-        <p14:creationId xmlns:p14="http://schemas.microsoft.com/office/powerpoint/2010/main" val="4184087630"/>
+        <p14:creationId xmlns:p14="http://schemas.microsoft.com/office/powerpoint/2010/main" val="2256126872"/>
       </p:ext>
     </p:extLst>
   </p:cSld>
@@ -11537,7 +14479,7 @@
 </p:sld>
 </file>
 
-<file path=ppt/slides/slide8.xml><?xml version="1.0" encoding="utf-8"?>
+<file path=ppt/slides/slide43.xml><?xml version="1.0" encoding="utf-8"?>
 <p:sld xmlns:a="http://schemas.openxmlformats.org/drawingml/2006/main" xmlns:r="http://schemas.openxmlformats.org/officeDocument/2006/relationships" xmlns:p="http://schemas.openxmlformats.org/presentationml/2006/main">
   <p:cSld>
     <p:spTree>
@@ -11649,7 +14591,7 @@
             <a:fld id="{8402A1B0-4691-41D9-84E0-69D594EAA3FE}" type="slidenum">
               <a:rPr lang="en-US" altLang="en-US" smtClean="0"/>
               <a:pPr/>
-              <a:t>8</a:t>
+              <a:t>43</a:t>
             </a:fld>
             <a:endParaRPr lang="en-US" altLang="en-US" dirty="0"/>
           </a:p>
@@ -11680,7 +14622,7 @@
 </p:sld>
 </file>
 
-<file path=ppt/slides/slide9.xml><?xml version="1.0" encoding="utf-8"?>
+<file path=ppt/slides/slide44.xml><?xml version="1.0" encoding="utf-8"?>
 <p:sld xmlns:a="http://schemas.openxmlformats.org/drawingml/2006/main" xmlns:r="http://schemas.openxmlformats.org/officeDocument/2006/relationships" xmlns:p="http://schemas.openxmlformats.org/presentationml/2006/main">
   <p:cSld>
     <p:spTree>
@@ -13528,6 +16470,2235 @@
 </p:sld>
 </file>
 
+<file path=ppt/slides/slide45.xml><?xml version="1.0" encoding="utf-8"?>
+<p:sld xmlns:a="http://schemas.openxmlformats.org/drawingml/2006/main" xmlns:r="http://schemas.openxmlformats.org/officeDocument/2006/relationships" xmlns:p="http://schemas.openxmlformats.org/presentationml/2006/main">
+  <p:cSld>
+    <p:spTree>
+      <p:nvGrpSpPr>
+        <p:cNvPr id="1" name=""/>
+        <p:cNvGrpSpPr/>
+        <p:nvPr/>
+      </p:nvGrpSpPr>
+      <p:grpSpPr>
+        <a:xfrm>
+          <a:off x="0" y="0"/>
+          <a:ext cx="0" cy="0"/>
+          <a:chOff x="0" y="0"/>
+          <a:chExt cx="0" cy="0"/>
+        </a:xfrm>
+      </p:grpSpPr>
+      <p:sp>
+        <p:nvSpPr>
+          <p:cNvPr id="5" name="Title 4">
+            <a:extLst>
+              <a:ext uri="{FF2B5EF4-FFF2-40B4-BE49-F238E27FC236}">
+                <a16:creationId xmlns:a16="http://schemas.microsoft.com/office/drawing/2014/main" id="{1D4BA618-BF38-4C66-A054-AA45BAEA1C44}"/>
+              </a:ext>
+            </a:extLst>
+          </p:cNvPr>
+          <p:cNvSpPr>
+            <a:spLocks noGrp="1"/>
+          </p:cNvSpPr>
+          <p:nvPr>
+            <p:ph type="title"/>
+          </p:nvPr>
+        </p:nvSpPr>
+        <p:spPr/>
+        <p:txBody>
+          <a:bodyPr/>
+          <a:lstStyle/>
+          <a:p>
+            <a:r>
+              <a:rPr lang="en-US" dirty="0"/>
+              <a:t>Interesting facts</a:t>
+            </a:r>
+            <a:br>
+              <a:rPr lang="en-US" dirty="0"/>
+            </a:br>
+            <a:endParaRPr lang="en-US" dirty="0"/>
+          </a:p>
+        </p:txBody>
+      </p:sp>
+      <p:sp>
+        <p:nvSpPr>
+          <p:cNvPr id="3" name="Text Placeholder 2">
+            <a:extLst>
+              <a:ext uri="{FF2B5EF4-FFF2-40B4-BE49-F238E27FC236}">
+                <a16:creationId xmlns:a16="http://schemas.microsoft.com/office/drawing/2014/main" id="{EF99585A-5E1F-40FA-8E64-BB4F04611657}"/>
+              </a:ext>
+            </a:extLst>
+          </p:cNvPr>
+          <p:cNvSpPr>
+            <a:spLocks noGrp="1"/>
+          </p:cNvSpPr>
+          <p:nvPr>
+            <p:ph type="body" sz="quarter" idx="11"/>
+          </p:nvPr>
+        </p:nvSpPr>
+        <p:spPr>
+          <a:xfrm>
+            <a:off x="4533900" y="1905000"/>
+            <a:ext cx="6955734" cy="3276600"/>
+          </a:xfrm>
+        </p:spPr>
+        <p:txBody>
+          <a:bodyPr vert="horz" lIns="91440" tIns="45720" rIns="91440" bIns="45720" rtlCol="0" anchor="t">
+            <a:normAutofit/>
+          </a:bodyPr>
+          <a:lstStyle/>
+          <a:p>
+            <a:r>
+              <a:rPr lang="en-US" dirty="0"/>
+              <a:t>List some interesting facts about Black History Month. Here are a few examples:</a:t>
+            </a:r>
+          </a:p>
+          <a:p>
+            <a:pPr lvl="1"/>
+            <a:r>
+              <a:rPr lang="en-US" dirty="0"/>
+              <a:t>In 1926, Carter G. Woodson launched a weeklong celebration of black history in the United States. </a:t>
+            </a:r>
+          </a:p>
+          <a:p>
+            <a:pPr lvl="1"/>
+            <a:r>
+              <a:rPr lang="en-US" dirty="0"/>
+              <a:t>In 1976, President Gerald Ford officially recognizes Black History Month.</a:t>
+            </a:r>
+          </a:p>
+          <a:p>
+            <a:pPr lvl="1"/>
+            <a:r>
+              <a:rPr lang="en-US" dirty="0"/>
+              <a:t>Black History Month is also celebrated by Canada, Ireland, The Netherlands, and the United Kingdom. </a:t>
+            </a:r>
+          </a:p>
+        </p:txBody>
+      </p:sp>
+      <p:sp>
+        <p:nvSpPr>
+          <p:cNvPr id="2" name="Slide Number Placeholder 1">
+            <a:extLst>
+              <a:ext uri="{FF2B5EF4-FFF2-40B4-BE49-F238E27FC236}">
+                <a16:creationId xmlns:a16="http://schemas.microsoft.com/office/drawing/2014/main" id="{98357CFB-1920-43C8-A03D-6856CF97509A}"/>
+              </a:ext>
+            </a:extLst>
+          </p:cNvPr>
+          <p:cNvSpPr>
+            <a:spLocks noGrp="1"/>
+          </p:cNvSpPr>
+          <p:nvPr>
+            <p:ph type="sldNum" sz="quarter" idx="4"/>
+          </p:nvPr>
+        </p:nvSpPr>
+        <p:spPr/>
+        <p:txBody>
+          <a:bodyPr/>
+          <a:lstStyle/>
+          <a:p>
+            <a:fld id="{8402A1B0-4691-41D9-84E0-69D594EAA3FE}" type="slidenum">
+              <a:rPr lang="en-US" altLang="en-US" smtClean="0"/>
+              <a:pPr/>
+              <a:t>45</a:t>
+            </a:fld>
+            <a:endParaRPr lang="en-US" altLang="en-US" dirty="0"/>
+          </a:p>
+        </p:txBody>
+      </p:sp>
+    </p:spTree>
+    <p:extLst>
+      <p:ext uri="{BB962C8B-B14F-4D97-AF65-F5344CB8AC3E}">
+        <p14:creationId xmlns:p14="http://schemas.microsoft.com/office/powerpoint/2010/main" val="1840677120"/>
+      </p:ext>
+    </p:extLst>
+  </p:cSld>
+  <p:clrMapOvr>
+    <a:masterClrMapping/>
+  </p:clrMapOvr>
+  <mc:AlternateContent xmlns:mc="http://schemas.openxmlformats.org/markup-compatibility/2006" xmlns:p14="http://schemas.microsoft.com/office/powerpoint/2010/main">
+    <mc:Choice Requires="p14">
+      <p:transition spd="med" p14:dur="700">
+        <p:fade/>
+      </p:transition>
+    </mc:Choice>
+    <mc:Fallback xmlns="">
+      <p:transition spd="med">
+        <p:fade/>
+      </p:transition>
+    </mc:Fallback>
+  </mc:AlternateContent>
+</p:sld>
+</file>
+
+<file path=ppt/slides/slide46.xml><?xml version="1.0" encoding="utf-8"?>
+<p:sld xmlns:a="http://schemas.openxmlformats.org/drawingml/2006/main" xmlns:r="http://schemas.openxmlformats.org/officeDocument/2006/relationships" xmlns:p="http://schemas.openxmlformats.org/presentationml/2006/main">
+  <p:cSld>
+    <p:spTree>
+      <p:nvGrpSpPr>
+        <p:cNvPr id="1" name=""/>
+        <p:cNvGrpSpPr/>
+        <p:nvPr/>
+      </p:nvGrpSpPr>
+      <p:grpSpPr>
+        <a:xfrm>
+          <a:off x="0" y="0"/>
+          <a:ext cx="0" cy="0"/>
+          <a:chOff x="0" y="0"/>
+          <a:chExt cx="0" cy="0"/>
+        </a:xfrm>
+      </p:grpSpPr>
+      <p:sp>
+        <p:nvSpPr>
+          <p:cNvPr id="4" name="Title 3">
+            <a:extLst>
+              <a:ext uri="{FF2B5EF4-FFF2-40B4-BE49-F238E27FC236}">
+                <a16:creationId xmlns:a16="http://schemas.microsoft.com/office/drawing/2014/main" id="{267F19C7-A729-492B-8603-0651B356C0B1}"/>
+              </a:ext>
+            </a:extLst>
+          </p:cNvPr>
+          <p:cNvSpPr>
+            <a:spLocks noGrp="1"/>
+          </p:cNvSpPr>
+          <p:nvPr>
+            <p:ph type="title"/>
+          </p:nvPr>
+        </p:nvSpPr>
+        <p:spPr/>
+        <p:txBody>
+          <a:bodyPr/>
+          <a:lstStyle/>
+          <a:p>
+            <a:r>
+              <a:rPr lang="en-US" dirty="0"/>
+              <a:t>Key people</a:t>
+            </a:r>
+          </a:p>
+        </p:txBody>
+      </p:sp>
+      <p:sp>
+        <p:nvSpPr>
+          <p:cNvPr id="16" name="Text Placeholder 15">
+            <a:extLst>
+              <a:ext uri="{FF2B5EF4-FFF2-40B4-BE49-F238E27FC236}">
+                <a16:creationId xmlns:a16="http://schemas.microsoft.com/office/drawing/2014/main" id="{82B839A9-BE4F-40C7-ABA3-682B626FFB08}"/>
+              </a:ext>
+            </a:extLst>
+          </p:cNvPr>
+          <p:cNvSpPr>
+            <a:spLocks noGrp="1"/>
+          </p:cNvSpPr>
+          <p:nvPr>
+            <p:ph type="body" sz="quarter" idx="13"/>
+          </p:nvPr>
+        </p:nvSpPr>
+        <p:spPr>
+          <a:xfrm>
+            <a:off x="876300" y="1905000"/>
+            <a:ext cx="10553700" cy="1111648"/>
+          </a:xfrm>
+        </p:spPr>
+        <p:txBody>
+          <a:bodyPr>
+            <a:normAutofit/>
+          </a:bodyPr>
+          <a:lstStyle/>
+          <a:p>
+            <a:r>
+              <a:rPr lang="en-US" altLang="en-US" dirty="0"/>
+              <a:t>Choose three leaders for Black History Month using </a:t>
+            </a:r>
+            <a:r>
+              <a:rPr lang="en-US" altLang="en-US" b="1" dirty="0">
+                <a:hlinkClick r:id="rId3"/>
+              </a:rPr>
+              <a:t>Bing.com</a:t>
+            </a:r>
+            <a:r>
+              <a:rPr lang="en-US" altLang="en-US" b="1" dirty="0"/>
+              <a:t> </a:t>
+            </a:r>
+            <a:r>
+              <a:rPr lang="en-US" altLang="en-US" dirty="0"/>
+              <a:t>and discuss their lives and accomplishments. Here are some examples:</a:t>
+            </a:r>
+            <a:endParaRPr lang="en-US" dirty="0"/>
+          </a:p>
+        </p:txBody>
+      </p:sp>
+      <p:graphicFrame>
+        <p:nvGraphicFramePr>
+          <p:cNvPr id="5" name="Content Placeholder 6" descr="smart art graphic">
+            <a:extLst>
+              <a:ext uri="{FF2B5EF4-FFF2-40B4-BE49-F238E27FC236}">
+                <a16:creationId xmlns:a16="http://schemas.microsoft.com/office/drawing/2014/main" id="{58BC2774-0387-4C12-835D-5AA8B2A1FDA5}"/>
+              </a:ext>
+            </a:extLst>
+          </p:cNvPr>
+          <p:cNvGraphicFramePr>
+            <a:graphicFrameLocks/>
+          </p:cNvGraphicFramePr>
+          <p:nvPr>
+            <p:extLst>
+              <p:ext uri="{D42A27DB-BD31-4B8C-83A1-F6EECF244321}">
+                <p14:modId xmlns:p14="http://schemas.microsoft.com/office/powerpoint/2010/main" val="1228173796"/>
+              </p:ext>
+            </p:extLst>
+          </p:nvPr>
+        </p:nvGraphicFramePr>
+        <p:xfrm>
+          <a:off x="762000" y="2895600"/>
+          <a:ext cx="11181080" cy="3352800"/>
+        </p:xfrm>
+        <a:graphic>
+          <a:graphicData uri="http://schemas.openxmlformats.org/drawingml/2006/diagram">
+            <dgm:relIds xmlns:dgm="http://schemas.openxmlformats.org/drawingml/2006/diagram" xmlns:r="http://schemas.openxmlformats.org/officeDocument/2006/relationships" r:dm="rId4" r:lo="rId5" r:qs="rId6" r:cs="rId7"/>
+          </a:graphicData>
+        </a:graphic>
+      </p:graphicFrame>
+    </p:spTree>
+    <p:extLst>
+      <p:ext uri="{BB962C8B-B14F-4D97-AF65-F5344CB8AC3E}">
+        <p14:creationId xmlns:p14="http://schemas.microsoft.com/office/powerpoint/2010/main" val="2670795895"/>
+      </p:ext>
+    </p:extLst>
+  </p:cSld>
+  <p:clrMapOvr>
+    <a:masterClrMapping/>
+  </p:clrMapOvr>
+  <mc:AlternateContent xmlns:mc="http://schemas.openxmlformats.org/markup-compatibility/2006" xmlns:p14="http://schemas.microsoft.com/office/powerpoint/2010/main">
+    <mc:Choice Requires="p14">
+      <p:transition spd="med" p14:dur="700">
+        <p:fade/>
+      </p:transition>
+    </mc:Choice>
+    <mc:Fallback xmlns="">
+      <p:transition spd="med">
+        <p:fade/>
+      </p:transition>
+    </mc:Fallback>
+  </mc:AlternateContent>
+</p:sld>
+</file>
+
+<file path=ppt/slides/slide47.xml><?xml version="1.0" encoding="utf-8"?>
+<p:sld xmlns:a="http://schemas.openxmlformats.org/drawingml/2006/main" xmlns:r="http://schemas.openxmlformats.org/officeDocument/2006/relationships" xmlns:p="http://schemas.openxmlformats.org/presentationml/2006/main">
+  <p:cSld>
+    <p:bg>
+      <p:bgPr>
+        <a:solidFill>
+          <a:schemeClr val="accent3"/>
+        </a:solidFill>
+        <a:effectLst/>
+      </p:bgPr>
+    </p:bg>
+    <p:spTree>
+      <p:nvGrpSpPr>
+        <p:cNvPr id="1" name=""/>
+        <p:cNvGrpSpPr/>
+        <p:nvPr/>
+      </p:nvGrpSpPr>
+      <p:grpSpPr>
+        <a:xfrm>
+          <a:off x="0" y="0"/>
+          <a:ext cx="0" cy="0"/>
+          <a:chOff x="0" y="0"/>
+          <a:chExt cx="0" cy="0"/>
+        </a:xfrm>
+      </p:grpSpPr>
+      <p:sp>
+        <p:nvSpPr>
+          <p:cNvPr id="3" name="Title 2">
+            <a:extLst>
+              <a:ext uri="{FF2B5EF4-FFF2-40B4-BE49-F238E27FC236}">
+                <a16:creationId xmlns:a16="http://schemas.microsoft.com/office/drawing/2014/main" id="{87A081DA-4028-4204-A51C-7F62D45B6450}"/>
+              </a:ext>
+            </a:extLst>
+          </p:cNvPr>
+          <p:cNvSpPr>
+            <a:spLocks noGrp="1"/>
+          </p:cNvSpPr>
+          <p:nvPr>
+            <p:ph type="title"/>
+          </p:nvPr>
+        </p:nvSpPr>
+        <p:spPr/>
+        <p:txBody>
+          <a:bodyPr/>
+          <a:lstStyle/>
+          <a:p>
+            <a:r>
+              <a:rPr lang="en-US" dirty="0"/>
+              <a:t>Arts and literature</a:t>
+            </a:r>
+          </a:p>
+        </p:txBody>
+      </p:sp>
+      <p:sp>
+        <p:nvSpPr>
+          <p:cNvPr id="9219" name="Rectangle 8">
+            <a:extLst>
+              <a:ext uri="{FF2B5EF4-FFF2-40B4-BE49-F238E27FC236}">
+                <a16:creationId xmlns:a16="http://schemas.microsoft.com/office/drawing/2014/main" id="{A17D04F1-4318-4DD6-B27E-D66AE4D426B2}"/>
+              </a:ext>
+            </a:extLst>
+          </p:cNvPr>
+          <p:cNvSpPr>
+            <a:spLocks noGrp="1" noChangeArrowheads="1"/>
+          </p:cNvSpPr>
+          <p:nvPr>
+            <p:ph type="body" sz="quarter" idx="11"/>
+          </p:nvPr>
+        </p:nvSpPr>
+        <p:spPr>
+          <a:xfrm>
+            <a:off x="762000" y="1905000"/>
+            <a:ext cx="5334000" cy="3276600"/>
+          </a:xfrm>
+        </p:spPr>
+        <p:txBody>
+          <a:bodyPr wrap="square" anchor="t">
+            <a:normAutofit/>
+          </a:bodyPr>
+          <a:lstStyle/>
+          <a:p>
+            <a:r>
+              <a:rPr lang="en-US" altLang="en-US" dirty="0"/>
+              <a:t>Provide examples of art and literature that are significant to Black History Month. Here are a few examples:</a:t>
+            </a:r>
+          </a:p>
+          <a:p>
+            <a:pPr lvl="1"/>
+            <a:r>
+              <a:rPr lang="en-US" altLang="en-US" dirty="0"/>
+              <a:t>The writing of </a:t>
+            </a:r>
+            <a:r>
+              <a:rPr lang="en-US" altLang="en-US" b="1" dirty="0">
+                <a:hlinkClick r:id="rId3">
+                  <a:extLst>
+                    <a:ext uri="{A12FA001-AC4F-418D-AE19-62706E023703}">
+                      <ahyp:hlinkClr xmlns:ahyp="http://schemas.microsoft.com/office/drawing/2018/hyperlinkcolor" val="tx"/>
+                    </a:ext>
+                  </a:extLst>
+                </a:hlinkClick>
+              </a:rPr>
+              <a:t>James Baldwin</a:t>
+            </a:r>
+            <a:r>
+              <a:rPr lang="en-US" altLang="en-US" b="1" dirty="0"/>
+              <a:t> </a:t>
+            </a:r>
+          </a:p>
+          <a:p>
+            <a:pPr lvl="1"/>
+            <a:r>
+              <a:rPr lang="en-US" altLang="en-US" dirty="0"/>
+              <a:t>The music of </a:t>
+            </a:r>
+            <a:r>
+              <a:rPr lang="en-US" altLang="en-US" b="1" dirty="0">
+                <a:hlinkClick r:id="rId4">
+                  <a:extLst>
+                    <a:ext uri="{A12FA001-AC4F-418D-AE19-62706E023703}">
+                      <ahyp:hlinkClr xmlns:ahyp="http://schemas.microsoft.com/office/drawing/2018/hyperlinkcolor" val="tx"/>
+                    </a:ext>
+                  </a:extLst>
+                </a:hlinkClick>
+              </a:rPr>
+              <a:t>Miles Davis</a:t>
+            </a:r>
+            <a:endParaRPr lang="en-US" altLang="en-US" b="1" dirty="0"/>
+          </a:p>
+          <a:p>
+            <a:pPr lvl="1"/>
+            <a:r>
+              <a:rPr lang="en-US" altLang="en-US" dirty="0"/>
+              <a:t>The artwork of </a:t>
+            </a:r>
+            <a:r>
+              <a:rPr lang="en-US" altLang="en-US" b="1" dirty="0">
+                <a:hlinkClick r:id="rId5">
+                  <a:extLst>
+                    <a:ext uri="{A12FA001-AC4F-418D-AE19-62706E023703}">
+                      <ahyp:hlinkClr xmlns:ahyp="http://schemas.microsoft.com/office/drawing/2018/hyperlinkcolor" val="tx"/>
+                    </a:ext>
+                  </a:extLst>
+                </a:hlinkClick>
+              </a:rPr>
+              <a:t>Alma Thomas</a:t>
+            </a:r>
+            <a:endParaRPr lang="en-US" altLang="en-US" b="1" dirty="0"/>
+          </a:p>
+          <a:p>
+            <a:endParaRPr lang="en-US" altLang="en-US" dirty="0"/>
+          </a:p>
+        </p:txBody>
+      </p:sp>
+      <p:sp>
+        <p:nvSpPr>
+          <p:cNvPr id="5" name="Picture Placeholder 4" descr="picture placeholder">
+            <a:extLst>
+              <a:ext uri="{FF2B5EF4-FFF2-40B4-BE49-F238E27FC236}">
+                <a16:creationId xmlns:a16="http://schemas.microsoft.com/office/drawing/2014/main" id="{9EEAAEA5-07F2-4368-BAEF-9182E6651EBD}"/>
+              </a:ext>
+            </a:extLst>
+          </p:cNvPr>
+          <p:cNvSpPr>
+            <a:spLocks noGrp="1"/>
+          </p:cNvSpPr>
+          <p:nvPr>
+            <p:ph type="pic" sz="quarter" idx="14"/>
+          </p:nvPr>
+        </p:nvSpPr>
+        <p:spPr/>
+      </p:sp>
+      <p:sp>
+        <p:nvSpPr>
+          <p:cNvPr id="4" name="Picture Placeholder 3" descr="picture placeholder">
+            <a:extLst>
+              <a:ext uri="{FF2B5EF4-FFF2-40B4-BE49-F238E27FC236}">
+                <a16:creationId xmlns:a16="http://schemas.microsoft.com/office/drawing/2014/main" id="{E84F491E-FC00-4DFF-B5E5-9022A349136A}"/>
+              </a:ext>
+            </a:extLst>
+          </p:cNvPr>
+          <p:cNvSpPr>
+            <a:spLocks noGrp="1"/>
+          </p:cNvSpPr>
+          <p:nvPr>
+            <p:ph type="pic" sz="quarter" idx="13"/>
+          </p:nvPr>
+        </p:nvSpPr>
+        <p:spPr/>
+      </p:sp>
+      <p:sp>
+        <p:nvSpPr>
+          <p:cNvPr id="2" name="Slide Number Placeholder 1">
+            <a:extLst>
+              <a:ext uri="{FF2B5EF4-FFF2-40B4-BE49-F238E27FC236}">
+                <a16:creationId xmlns:a16="http://schemas.microsoft.com/office/drawing/2014/main" id="{4AC0F9B5-7793-4329-907A-85C1A1B580AE}"/>
+              </a:ext>
+            </a:extLst>
+          </p:cNvPr>
+          <p:cNvSpPr>
+            <a:spLocks noGrp="1"/>
+          </p:cNvSpPr>
+          <p:nvPr>
+            <p:ph type="sldNum" sz="quarter" idx="4"/>
+          </p:nvPr>
+        </p:nvSpPr>
+        <p:spPr/>
+        <p:txBody>
+          <a:bodyPr/>
+          <a:lstStyle/>
+          <a:p>
+            <a:fld id="{8402A1B0-4691-41D9-84E0-69D594EAA3FE}" type="slidenum">
+              <a:rPr lang="en-US" altLang="en-US" smtClean="0"/>
+              <a:pPr/>
+              <a:t>47</a:t>
+            </a:fld>
+            <a:endParaRPr lang="en-US" altLang="en-US" dirty="0"/>
+          </a:p>
+        </p:txBody>
+      </p:sp>
+    </p:spTree>
+    <p:extLst>
+      <p:ext uri="{BB962C8B-B14F-4D97-AF65-F5344CB8AC3E}">
+        <p14:creationId xmlns:p14="http://schemas.microsoft.com/office/powerpoint/2010/main" val="668663576"/>
+      </p:ext>
+    </p:extLst>
+  </p:cSld>
+  <p:clrMapOvr>
+    <a:masterClrMapping/>
+  </p:clrMapOvr>
+  <mc:AlternateContent xmlns:mc="http://schemas.openxmlformats.org/markup-compatibility/2006" xmlns:p14="http://schemas.microsoft.com/office/powerpoint/2010/main">
+    <mc:Choice Requires="p14">
+      <p:transition spd="med" p14:dur="700">
+        <p:fade/>
+      </p:transition>
+    </mc:Choice>
+    <mc:Fallback xmlns="">
+      <p:transition spd="med">
+        <p:fade/>
+      </p:transition>
+    </mc:Fallback>
+  </mc:AlternateContent>
+</p:sld>
+</file>
+
+<file path=ppt/slides/slide48.xml><?xml version="1.0" encoding="utf-8"?>
+<p:sld xmlns:a="http://schemas.openxmlformats.org/drawingml/2006/main" xmlns:r="http://schemas.openxmlformats.org/officeDocument/2006/relationships" xmlns:p="http://schemas.openxmlformats.org/presentationml/2006/main">
+  <p:cSld>
+    <p:bg>
+      <p:bgPr>
+        <a:solidFill>
+          <a:schemeClr val="accent3"/>
+        </a:solidFill>
+        <a:effectLst/>
+      </p:bgPr>
+    </p:bg>
+    <p:spTree>
+      <p:nvGrpSpPr>
+        <p:cNvPr id="1" name=""/>
+        <p:cNvGrpSpPr/>
+        <p:nvPr/>
+      </p:nvGrpSpPr>
+      <p:grpSpPr>
+        <a:xfrm>
+          <a:off x="0" y="0"/>
+          <a:ext cx="0" cy="0"/>
+          <a:chOff x="0" y="0"/>
+          <a:chExt cx="0" cy="0"/>
+        </a:xfrm>
+      </p:grpSpPr>
+      <p:sp>
+        <p:nvSpPr>
+          <p:cNvPr id="6" name="Title 5">
+            <a:extLst>
+              <a:ext uri="{FF2B5EF4-FFF2-40B4-BE49-F238E27FC236}">
+                <a16:creationId xmlns:a16="http://schemas.microsoft.com/office/drawing/2014/main" id="{66839344-185E-41C8-994C-A1BD976EF113}"/>
+              </a:ext>
+            </a:extLst>
+          </p:cNvPr>
+          <p:cNvSpPr>
+            <a:spLocks noGrp="1"/>
+          </p:cNvSpPr>
+          <p:nvPr>
+            <p:ph type="title"/>
+          </p:nvPr>
+        </p:nvSpPr>
+        <p:spPr/>
+        <p:txBody>
+          <a:bodyPr/>
+          <a:lstStyle/>
+          <a:p>
+            <a:r>
+              <a:rPr lang="en-US" dirty="0"/>
+              <a:t>How to celebrate</a:t>
+            </a:r>
+          </a:p>
+        </p:txBody>
+      </p:sp>
+      <p:sp>
+        <p:nvSpPr>
+          <p:cNvPr id="2" name="Text Placeholder 1">
+            <a:extLst>
+              <a:ext uri="{FF2B5EF4-FFF2-40B4-BE49-F238E27FC236}">
+                <a16:creationId xmlns:a16="http://schemas.microsoft.com/office/drawing/2014/main" id="{9B8BBDC7-B590-43B7-BBD0-3A247210E1AC}"/>
+              </a:ext>
+            </a:extLst>
+          </p:cNvPr>
+          <p:cNvSpPr>
+            <a:spLocks noGrp="1"/>
+          </p:cNvSpPr>
+          <p:nvPr>
+            <p:ph type="body" sz="quarter" idx="11"/>
+          </p:nvPr>
+        </p:nvSpPr>
+        <p:spPr/>
+        <p:txBody>
+          <a:bodyPr/>
+          <a:lstStyle/>
+          <a:p>
+            <a:pPr marL="0" indent="0" fontAlgn="auto">
+              <a:spcAft>
+                <a:spcPts val="0"/>
+              </a:spcAft>
+              <a:buNone/>
+            </a:pPr>
+            <a:r>
+              <a:rPr lang="en-US" altLang="en-US" b="1" dirty="0">
+                <a:solidFill>
+                  <a:schemeClr val="accent1"/>
+                </a:solidFill>
+              </a:rPr>
+              <a:t>List some ways you can celebrate Black History Month. Here are a few examples:</a:t>
+            </a:r>
+          </a:p>
+          <a:p>
+            <a:pPr lvl="1"/>
+            <a:r>
+              <a:rPr lang="en-US" dirty="0"/>
+              <a:t>Discover </a:t>
+            </a:r>
+            <a:r>
+              <a:rPr lang="en-US" altLang="en-US" b="1" dirty="0">
+                <a:hlinkClick r:id="rId2">
+                  <a:extLst>
+                    <a:ext uri="{A12FA001-AC4F-418D-AE19-62706E023703}">
+                      <ahyp:hlinkClr xmlns:ahyp="http://schemas.microsoft.com/office/drawing/2018/hyperlinkcolor" val="tx"/>
+                    </a:ext>
+                  </a:extLst>
+                </a:hlinkClick>
+              </a:rPr>
+              <a:t>African American artists</a:t>
+            </a:r>
+            <a:endParaRPr lang="en-US" b="1" dirty="0"/>
+          </a:p>
+          <a:p>
+            <a:pPr lvl="1"/>
+            <a:r>
+              <a:rPr lang="en-US" dirty="0"/>
+              <a:t>Read </a:t>
+            </a:r>
+            <a:r>
+              <a:rPr lang="en-US" altLang="en-US" b="1" dirty="0">
+                <a:hlinkClick r:id="rId3">
+                  <a:extLst>
+                    <a:ext uri="{A12FA001-AC4F-418D-AE19-62706E023703}">
+                      <ahyp:hlinkClr xmlns:ahyp="http://schemas.microsoft.com/office/drawing/2018/hyperlinkcolor" val="tx"/>
+                    </a:ext>
+                  </a:extLst>
+                </a:hlinkClick>
+              </a:rPr>
+              <a:t>African American </a:t>
+            </a:r>
+            <a:r>
+              <a:rPr lang="en-US" b="1" dirty="0">
+                <a:hlinkClick r:id="rId3">
+                  <a:extLst>
+                    <a:ext uri="{A12FA001-AC4F-418D-AE19-62706E023703}">
+                      <ahyp:hlinkClr xmlns:ahyp="http://schemas.microsoft.com/office/drawing/2018/hyperlinkcolor" val="tx"/>
+                    </a:ext>
+                  </a:extLst>
+                </a:hlinkClick>
+              </a:rPr>
+              <a:t>authors</a:t>
+            </a:r>
+            <a:endParaRPr lang="en-US" b="1" dirty="0"/>
+          </a:p>
+          <a:p>
+            <a:pPr lvl="1"/>
+            <a:r>
+              <a:rPr lang="en-US" dirty="0"/>
+              <a:t>Listen to </a:t>
+            </a:r>
+            <a:r>
+              <a:rPr lang="en-US" altLang="en-US" b="1" dirty="0">
+                <a:hlinkClick r:id="rId4">
+                  <a:extLst>
+                    <a:ext uri="{A12FA001-AC4F-418D-AE19-62706E023703}">
+                      <ahyp:hlinkClr xmlns:ahyp="http://schemas.microsoft.com/office/drawing/2018/hyperlinkcolor" val="tx"/>
+                    </a:ext>
+                  </a:extLst>
+                </a:hlinkClick>
+              </a:rPr>
+              <a:t>African American </a:t>
+            </a:r>
+            <a:r>
+              <a:rPr lang="en-US" b="1" dirty="0">
+                <a:hlinkClick r:id="rId4">
+                  <a:extLst>
+                    <a:ext uri="{A12FA001-AC4F-418D-AE19-62706E023703}">
+                      <ahyp:hlinkClr xmlns:ahyp="http://schemas.microsoft.com/office/drawing/2018/hyperlinkcolor" val="tx"/>
+                    </a:ext>
+                  </a:extLst>
+                </a:hlinkClick>
+              </a:rPr>
+              <a:t>musicians</a:t>
+            </a:r>
+            <a:endParaRPr lang="en-US" b="1" dirty="0"/>
+          </a:p>
+          <a:p>
+            <a:pPr lvl="1"/>
+            <a:r>
+              <a:rPr lang="en-US" dirty="0"/>
+              <a:t>Learn </a:t>
+            </a:r>
+            <a:r>
+              <a:rPr lang="en-US" altLang="en-US" dirty="0"/>
+              <a:t>important moments of </a:t>
+            </a:r>
+            <a:r>
+              <a:rPr lang="en-US" altLang="en-US" b="1" dirty="0">
+                <a:hlinkClick r:id="rId5">
+                  <a:extLst>
+                    <a:ext uri="{A12FA001-AC4F-418D-AE19-62706E023703}">
+                      <ahyp:hlinkClr xmlns:ahyp="http://schemas.microsoft.com/office/drawing/2018/hyperlinkcolor" val="tx"/>
+                    </a:ext>
+                  </a:extLst>
+                </a:hlinkClick>
+              </a:rPr>
+              <a:t>African American </a:t>
+            </a:r>
+            <a:r>
+              <a:rPr lang="en-US" b="1" dirty="0">
+                <a:hlinkClick r:id="rId5">
+                  <a:extLst>
+                    <a:ext uri="{A12FA001-AC4F-418D-AE19-62706E023703}">
+                      <ahyp:hlinkClr xmlns:ahyp="http://schemas.microsoft.com/office/drawing/2018/hyperlinkcolor" val="tx"/>
+                    </a:ext>
+                  </a:extLst>
+                </a:hlinkClick>
+              </a:rPr>
+              <a:t>history</a:t>
+            </a:r>
+            <a:endParaRPr lang="en-US" b="1" dirty="0"/>
+          </a:p>
+          <a:p>
+            <a:endParaRPr lang="en-US" dirty="0">
+              <a:solidFill>
+                <a:schemeClr val="accent1"/>
+              </a:solidFill>
+            </a:endParaRPr>
+          </a:p>
+        </p:txBody>
+      </p:sp>
+      <p:sp>
+        <p:nvSpPr>
+          <p:cNvPr id="3" name="Slide Number Placeholder 2">
+            <a:extLst>
+              <a:ext uri="{FF2B5EF4-FFF2-40B4-BE49-F238E27FC236}">
+                <a16:creationId xmlns:a16="http://schemas.microsoft.com/office/drawing/2014/main" id="{A7234DE0-EA45-458D-BE07-A469B20BA809}"/>
+              </a:ext>
+            </a:extLst>
+          </p:cNvPr>
+          <p:cNvSpPr>
+            <a:spLocks noGrp="1"/>
+          </p:cNvSpPr>
+          <p:nvPr>
+            <p:ph type="sldNum" sz="quarter" idx="4"/>
+          </p:nvPr>
+        </p:nvSpPr>
+        <p:spPr/>
+        <p:txBody>
+          <a:bodyPr/>
+          <a:lstStyle/>
+          <a:p>
+            <a:fld id="{8402A1B0-4691-41D9-84E0-69D594EAA3FE}" type="slidenum">
+              <a:rPr lang="en-US" altLang="en-US" smtClean="0"/>
+              <a:pPr/>
+              <a:t>48</a:t>
+            </a:fld>
+            <a:endParaRPr lang="en-US" altLang="en-US" dirty="0"/>
+          </a:p>
+        </p:txBody>
+      </p:sp>
+    </p:spTree>
+    <p:extLst>
+      <p:ext uri="{BB962C8B-B14F-4D97-AF65-F5344CB8AC3E}">
+        <p14:creationId xmlns:p14="http://schemas.microsoft.com/office/powerpoint/2010/main" val="3099432927"/>
+      </p:ext>
+    </p:extLst>
+  </p:cSld>
+  <p:clrMapOvr>
+    <a:masterClrMapping/>
+  </p:clrMapOvr>
+  <mc:AlternateContent xmlns:mc="http://schemas.openxmlformats.org/markup-compatibility/2006" xmlns:p14="http://schemas.microsoft.com/office/powerpoint/2010/main">
+    <mc:Choice Requires="p14">
+      <p:transition spd="med" p14:dur="700">
+        <p:fade/>
+      </p:transition>
+    </mc:Choice>
+    <mc:Fallback xmlns="">
+      <p:transition spd="med">
+        <p:fade/>
+      </p:transition>
+    </mc:Fallback>
+  </mc:AlternateContent>
+</p:sld>
+</file>
+
+<file path=ppt/slides/slide49.xml><?xml version="1.0" encoding="utf-8"?>
+<p:sld xmlns:a="http://schemas.openxmlformats.org/drawingml/2006/main" xmlns:r="http://schemas.openxmlformats.org/officeDocument/2006/relationships" xmlns:p="http://schemas.openxmlformats.org/presentationml/2006/main">
+  <p:cSld>
+    <p:spTree>
+      <p:nvGrpSpPr>
+        <p:cNvPr id="1" name=""/>
+        <p:cNvGrpSpPr/>
+        <p:nvPr/>
+      </p:nvGrpSpPr>
+      <p:grpSpPr>
+        <a:xfrm>
+          <a:off x="0" y="0"/>
+          <a:ext cx="0" cy="0"/>
+          <a:chOff x="0" y="0"/>
+          <a:chExt cx="0" cy="0"/>
+        </a:xfrm>
+      </p:grpSpPr>
+      <p:sp>
+        <p:nvSpPr>
+          <p:cNvPr id="4" name="Title 3">
+            <a:extLst>
+              <a:ext uri="{FF2B5EF4-FFF2-40B4-BE49-F238E27FC236}">
+                <a16:creationId xmlns:a16="http://schemas.microsoft.com/office/drawing/2014/main" id="{FD9E38B3-4686-8247-9625-49018D29F408}"/>
+              </a:ext>
+            </a:extLst>
+          </p:cNvPr>
+          <p:cNvSpPr>
+            <a:spLocks noGrp="1"/>
+          </p:cNvSpPr>
+          <p:nvPr>
+            <p:ph type="title"/>
+          </p:nvPr>
+        </p:nvSpPr>
+        <p:spPr/>
+        <p:txBody>
+          <a:bodyPr>
+            <a:normAutofit/>
+          </a:bodyPr>
+          <a:lstStyle/>
+          <a:p>
+            <a:pPr algn="ctr"/>
+            <a:r>
+              <a:rPr lang="en-US" sz="4000" b="1" dirty="0">
+                <a:solidFill>
+                  <a:schemeClr val="tx1"/>
+                </a:solidFill>
+              </a:rPr>
+              <a:t>Conclusion</a:t>
+            </a:r>
+            <a:endParaRPr lang="en-US" b="1" dirty="0">
+              <a:solidFill>
+                <a:schemeClr val="tx1"/>
+              </a:solidFill>
+            </a:endParaRPr>
+          </a:p>
+        </p:txBody>
+      </p:sp>
+      <p:sp>
+        <p:nvSpPr>
+          <p:cNvPr id="3" name="Text Placeholder 2">
+            <a:extLst>
+              <a:ext uri="{FF2B5EF4-FFF2-40B4-BE49-F238E27FC236}">
+                <a16:creationId xmlns:a16="http://schemas.microsoft.com/office/drawing/2014/main" id="{17155E1D-F4AD-41A7-B948-E2D246CCFE8A}"/>
+              </a:ext>
+            </a:extLst>
+          </p:cNvPr>
+          <p:cNvSpPr>
+            <a:spLocks noGrp="1"/>
+          </p:cNvSpPr>
+          <p:nvPr>
+            <p:ph type="body" sz="quarter" idx="12"/>
+          </p:nvPr>
+        </p:nvSpPr>
+        <p:spPr/>
+        <p:txBody>
+          <a:bodyPr/>
+          <a:lstStyle/>
+          <a:p>
+            <a:r>
+              <a:rPr lang="en-US" altLang="en-US" dirty="0"/>
+              <a:t>Provide a brief summary of your presentation. </a:t>
+            </a:r>
+            <a:br>
+              <a:rPr lang="en-US" altLang="en-US" dirty="0"/>
+            </a:br>
+            <a:r>
+              <a:rPr lang="en-US" altLang="en-US" dirty="0"/>
+              <a:t>Remind the audience what you covered in the previous slides.</a:t>
+            </a:r>
+          </a:p>
+          <a:p>
+            <a:endParaRPr lang="en-US" dirty="0"/>
+          </a:p>
+        </p:txBody>
+      </p:sp>
+      <p:sp>
+        <p:nvSpPr>
+          <p:cNvPr id="2" name="Slide Number Placeholder 1">
+            <a:extLst>
+              <a:ext uri="{FF2B5EF4-FFF2-40B4-BE49-F238E27FC236}">
+                <a16:creationId xmlns:a16="http://schemas.microsoft.com/office/drawing/2014/main" id="{22DB36F5-5462-45A8-A30B-06396F0C0463}"/>
+              </a:ext>
+            </a:extLst>
+          </p:cNvPr>
+          <p:cNvSpPr>
+            <a:spLocks noGrp="1"/>
+          </p:cNvSpPr>
+          <p:nvPr>
+            <p:ph type="sldNum" sz="quarter" idx="4"/>
+          </p:nvPr>
+        </p:nvSpPr>
+        <p:spPr/>
+        <p:txBody>
+          <a:bodyPr/>
+          <a:lstStyle/>
+          <a:p>
+            <a:fld id="{8402A1B0-4691-41D9-84E0-69D594EAA3FE}" type="slidenum">
+              <a:rPr lang="en-US" altLang="en-US" smtClean="0"/>
+              <a:pPr/>
+              <a:t>49</a:t>
+            </a:fld>
+            <a:endParaRPr lang="en-US" altLang="en-US" dirty="0"/>
+          </a:p>
+        </p:txBody>
+      </p:sp>
+    </p:spTree>
+    <p:extLst>
+      <p:ext uri="{BB962C8B-B14F-4D97-AF65-F5344CB8AC3E}">
+        <p14:creationId xmlns:p14="http://schemas.microsoft.com/office/powerpoint/2010/main" val="3724489121"/>
+      </p:ext>
+    </p:extLst>
+  </p:cSld>
+  <p:clrMapOvr>
+    <a:masterClrMapping/>
+  </p:clrMapOvr>
+  <mc:AlternateContent xmlns:mc="http://schemas.openxmlformats.org/markup-compatibility/2006" xmlns:p14="http://schemas.microsoft.com/office/powerpoint/2010/main">
+    <mc:Choice Requires="p14">
+      <p:transition spd="med" p14:dur="700">
+        <p:fade/>
+      </p:transition>
+    </mc:Choice>
+    <mc:Fallback xmlns="">
+      <p:transition spd="med">
+        <p:fade/>
+      </p:transition>
+    </mc:Fallback>
+  </mc:AlternateContent>
+</p:sld>
+</file>
+
+<file path=ppt/slides/slide5.xml><?xml version="1.0" encoding="utf-8"?>
+<p:sld xmlns:a="http://schemas.openxmlformats.org/drawingml/2006/main" xmlns:r="http://schemas.openxmlformats.org/officeDocument/2006/relationships" xmlns:p="http://schemas.openxmlformats.org/presentationml/2006/main">
+  <p:cSld>
+    <p:spTree>
+      <p:nvGrpSpPr>
+        <p:cNvPr id="1" name=""/>
+        <p:cNvGrpSpPr/>
+        <p:nvPr/>
+      </p:nvGrpSpPr>
+      <p:grpSpPr>
+        <a:xfrm>
+          <a:off x="0" y="0"/>
+          <a:ext cx="0" cy="0"/>
+          <a:chOff x="0" y="0"/>
+          <a:chExt cx="0" cy="0"/>
+        </a:xfrm>
+      </p:grpSpPr>
+      <p:sp>
+        <p:nvSpPr>
+          <p:cNvPr id="5" name="Text Placeholder 4">
+            <a:extLst>
+              <a:ext uri="{FF2B5EF4-FFF2-40B4-BE49-F238E27FC236}">
+                <a16:creationId xmlns:a16="http://schemas.microsoft.com/office/drawing/2014/main" id="{62E74AB9-F4DE-40A8-869C-C738FCA966EB}"/>
+              </a:ext>
+            </a:extLst>
+          </p:cNvPr>
+          <p:cNvSpPr>
+            <a:spLocks noGrp="1"/>
+          </p:cNvSpPr>
+          <p:nvPr>
+            <p:ph type="body" sz="quarter" idx="11"/>
+          </p:nvPr>
+        </p:nvSpPr>
+        <p:spPr/>
+        <p:txBody>
+          <a:bodyPr/>
+          <a:lstStyle/>
+          <a:p>
+            <a:r>
+              <a:rPr lang="en-US" dirty="0"/>
+              <a:t>The source code for Pandas is located at this GitHub repository </a:t>
+            </a:r>
+            <a:r>
+              <a:rPr lang="en-US" dirty="0">
+                <a:hlinkClick r:id="rId2"/>
+              </a:rPr>
+              <a:t>https://github.com/pandas-dev/pandas</a:t>
+            </a:r>
+            <a:endParaRPr lang="en-US" dirty="0"/>
+          </a:p>
+          <a:p>
+            <a:endParaRPr lang="en-US" dirty="0"/>
+          </a:p>
+        </p:txBody>
+      </p:sp>
+      <p:sp>
+        <p:nvSpPr>
+          <p:cNvPr id="4" name="Title 3">
+            <a:extLst>
+              <a:ext uri="{FF2B5EF4-FFF2-40B4-BE49-F238E27FC236}">
+                <a16:creationId xmlns:a16="http://schemas.microsoft.com/office/drawing/2014/main" id="{E07D329B-FE82-489C-ABEF-41351E002FAA}"/>
+              </a:ext>
+            </a:extLst>
+          </p:cNvPr>
+          <p:cNvSpPr>
+            <a:spLocks noGrp="1"/>
+          </p:cNvSpPr>
+          <p:nvPr>
+            <p:ph type="title"/>
+          </p:nvPr>
+        </p:nvSpPr>
+        <p:spPr/>
+        <p:txBody>
+          <a:bodyPr/>
+          <a:lstStyle/>
+          <a:p>
+            <a:r>
+              <a:rPr lang="en-US" dirty="0"/>
+              <a:t>Where is the Pandas Codebase?</a:t>
+            </a:r>
+          </a:p>
+        </p:txBody>
+      </p:sp>
+      <p:sp>
+        <p:nvSpPr>
+          <p:cNvPr id="6" name="Slide Number Placeholder 5">
+            <a:extLst>
+              <a:ext uri="{FF2B5EF4-FFF2-40B4-BE49-F238E27FC236}">
+                <a16:creationId xmlns:a16="http://schemas.microsoft.com/office/drawing/2014/main" id="{575F3F05-F1BE-4F64-8A69-DEA6A2436E4C}"/>
+              </a:ext>
+            </a:extLst>
+          </p:cNvPr>
+          <p:cNvSpPr>
+            <a:spLocks noGrp="1"/>
+          </p:cNvSpPr>
+          <p:nvPr>
+            <p:ph type="sldNum" sz="quarter" idx="4"/>
+          </p:nvPr>
+        </p:nvSpPr>
+        <p:spPr/>
+        <p:txBody>
+          <a:bodyPr/>
+          <a:lstStyle/>
+          <a:p>
+            <a:fld id="{8402A1B0-4691-41D9-84E0-69D594EAA3FE}" type="slidenum">
+              <a:rPr lang="en-US" altLang="en-US" smtClean="0"/>
+              <a:pPr/>
+              <a:t>5</a:t>
+            </a:fld>
+            <a:endParaRPr lang="en-US" altLang="en-US" dirty="0"/>
+          </a:p>
+        </p:txBody>
+      </p:sp>
+    </p:spTree>
+    <p:extLst>
+      <p:ext uri="{BB962C8B-B14F-4D97-AF65-F5344CB8AC3E}">
+        <p14:creationId xmlns:p14="http://schemas.microsoft.com/office/powerpoint/2010/main" val="4286281563"/>
+      </p:ext>
+    </p:extLst>
+  </p:cSld>
+  <p:clrMapOvr>
+    <a:masterClrMapping/>
+  </p:clrMapOvr>
+  <mc:AlternateContent xmlns:mc="http://schemas.openxmlformats.org/markup-compatibility/2006" xmlns:p14="http://schemas.microsoft.com/office/powerpoint/2010/main">
+    <mc:Choice Requires="p14">
+      <p:transition spd="med" p14:dur="700">
+        <p:fade/>
+      </p:transition>
+    </mc:Choice>
+    <mc:Fallback xmlns="">
+      <p:transition spd="med">
+        <p:fade/>
+      </p:transition>
+    </mc:Fallback>
+  </mc:AlternateContent>
+</p:sld>
+</file>
+
+<file path=ppt/slides/slide50.xml><?xml version="1.0" encoding="utf-8"?>
+<p:sld xmlns:a="http://schemas.openxmlformats.org/drawingml/2006/main" xmlns:r="http://schemas.openxmlformats.org/officeDocument/2006/relationships" xmlns:p="http://schemas.openxmlformats.org/presentationml/2006/main">
+  <p:cSld>
+    <p:spTree>
+      <p:nvGrpSpPr>
+        <p:cNvPr id="1" name=""/>
+        <p:cNvGrpSpPr/>
+        <p:nvPr/>
+      </p:nvGrpSpPr>
+      <p:grpSpPr>
+        <a:xfrm>
+          <a:off x="0" y="0"/>
+          <a:ext cx="0" cy="0"/>
+          <a:chOff x="0" y="0"/>
+          <a:chExt cx="0" cy="0"/>
+        </a:xfrm>
+      </p:grpSpPr>
+      <p:sp>
+        <p:nvSpPr>
+          <p:cNvPr id="4" name="Title 3">
+            <a:extLst>
+              <a:ext uri="{FF2B5EF4-FFF2-40B4-BE49-F238E27FC236}">
+                <a16:creationId xmlns:a16="http://schemas.microsoft.com/office/drawing/2014/main" id="{068DF32A-D165-40DA-AAE8-A6E9579E2F79}"/>
+              </a:ext>
+            </a:extLst>
+          </p:cNvPr>
+          <p:cNvSpPr>
+            <a:spLocks noGrp="1"/>
+          </p:cNvSpPr>
+          <p:nvPr>
+            <p:ph type="title"/>
+          </p:nvPr>
+        </p:nvSpPr>
+        <p:spPr/>
+        <p:txBody>
+          <a:bodyPr>
+            <a:normAutofit/>
+          </a:bodyPr>
+          <a:lstStyle/>
+          <a:p>
+            <a:r>
+              <a:rPr lang="en-US" dirty="0"/>
+              <a:t>Questions </a:t>
+            </a:r>
+            <a:r>
+              <a:rPr lang="en-US" dirty="0">
+                <a:solidFill>
+                  <a:schemeClr val="accent3"/>
+                </a:solidFill>
+              </a:rPr>
+              <a:t>&amp;</a:t>
+            </a:r>
+            <a:r>
+              <a:rPr lang="en-US" dirty="0"/>
+              <a:t> answers</a:t>
+            </a:r>
+          </a:p>
+        </p:txBody>
+      </p:sp>
+      <p:sp>
+        <p:nvSpPr>
+          <p:cNvPr id="7" name="Text Placeholder 6">
+            <a:extLst>
+              <a:ext uri="{FF2B5EF4-FFF2-40B4-BE49-F238E27FC236}">
+                <a16:creationId xmlns:a16="http://schemas.microsoft.com/office/drawing/2014/main" id="{C3BC92DE-1779-4A44-AED9-0261C2497DD9}"/>
+              </a:ext>
+            </a:extLst>
+          </p:cNvPr>
+          <p:cNvSpPr>
+            <a:spLocks noGrp="1"/>
+          </p:cNvSpPr>
+          <p:nvPr>
+            <p:ph type="body" sz="quarter" idx="12"/>
+          </p:nvPr>
+        </p:nvSpPr>
+        <p:spPr/>
+        <p:txBody>
+          <a:bodyPr/>
+          <a:lstStyle/>
+          <a:p>
+            <a:r>
+              <a:rPr lang="en-US" altLang="en-US" sz="1800" dirty="0"/>
+              <a:t>Invite questions from the audience</a:t>
+            </a:r>
+          </a:p>
+          <a:p>
+            <a:endParaRPr lang="en-US" dirty="0"/>
+          </a:p>
+        </p:txBody>
+      </p:sp>
+      <p:sp>
+        <p:nvSpPr>
+          <p:cNvPr id="2" name="Slide Number Placeholder 1">
+            <a:extLst>
+              <a:ext uri="{FF2B5EF4-FFF2-40B4-BE49-F238E27FC236}">
+                <a16:creationId xmlns:a16="http://schemas.microsoft.com/office/drawing/2014/main" id="{F42CBD6A-0CC0-49D9-93EF-3FF4572AF22D}"/>
+              </a:ext>
+            </a:extLst>
+          </p:cNvPr>
+          <p:cNvSpPr>
+            <a:spLocks noGrp="1"/>
+          </p:cNvSpPr>
+          <p:nvPr>
+            <p:ph type="sldNum" sz="quarter" idx="4"/>
+          </p:nvPr>
+        </p:nvSpPr>
+        <p:spPr/>
+        <p:txBody>
+          <a:bodyPr/>
+          <a:lstStyle/>
+          <a:p>
+            <a:fld id="{8402A1B0-4691-41D9-84E0-69D594EAA3FE}" type="slidenum">
+              <a:rPr lang="en-US" altLang="en-US" smtClean="0"/>
+              <a:pPr/>
+              <a:t>50</a:t>
+            </a:fld>
+            <a:endParaRPr lang="en-US" altLang="en-US" dirty="0"/>
+          </a:p>
+        </p:txBody>
+      </p:sp>
+    </p:spTree>
+    <p:extLst>
+      <p:ext uri="{BB962C8B-B14F-4D97-AF65-F5344CB8AC3E}">
+        <p14:creationId xmlns:p14="http://schemas.microsoft.com/office/powerpoint/2010/main" val="2443785555"/>
+      </p:ext>
+    </p:extLst>
+  </p:cSld>
+  <p:clrMapOvr>
+    <a:masterClrMapping/>
+  </p:clrMapOvr>
+  <mc:AlternateContent xmlns:mc="http://schemas.openxmlformats.org/markup-compatibility/2006" xmlns:p14="http://schemas.microsoft.com/office/powerpoint/2010/main">
+    <mc:Choice Requires="p14">
+      <p:transition spd="med" p14:dur="700">
+        <p:fade/>
+      </p:transition>
+    </mc:Choice>
+    <mc:Fallback xmlns="">
+      <p:transition spd="med">
+        <p:fade/>
+      </p:transition>
+    </mc:Fallback>
+  </mc:AlternateContent>
+</p:sld>
+</file>
+
+<file path=ppt/slides/slide51.xml><?xml version="1.0" encoding="utf-8"?>
+<p:sld xmlns:a="http://schemas.openxmlformats.org/drawingml/2006/main" xmlns:r="http://schemas.openxmlformats.org/officeDocument/2006/relationships" xmlns:p="http://schemas.openxmlformats.org/presentationml/2006/main">
+  <p:cSld>
+    <p:bg>
+      <p:bgPr>
+        <a:solidFill>
+          <a:schemeClr val="accent2"/>
+        </a:solidFill>
+        <a:effectLst/>
+      </p:bgPr>
+    </p:bg>
+    <p:spTree>
+      <p:nvGrpSpPr>
+        <p:cNvPr id="1" name=""/>
+        <p:cNvGrpSpPr/>
+        <p:nvPr/>
+      </p:nvGrpSpPr>
+      <p:grpSpPr>
+        <a:xfrm>
+          <a:off x="0" y="0"/>
+          <a:ext cx="0" cy="0"/>
+          <a:chOff x="0" y="0"/>
+          <a:chExt cx="0" cy="0"/>
+        </a:xfrm>
+      </p:grpSpPr>
+      <p:sp>
+        <p:nvSpPr>
+          <p:cNvPr id="6" name="Title 5">
+            <a:extLst>
+              <a:ext uri="{FF2B5EF4-FFF2-40B4-BE49-F238E27FC236}">
+                <a16:creationId xmlns:a16="http://schemas.microsoft.com/office/drawing/2014/main" id="{5B34254B-4837-4E59-8D24-19908000C6C3}"/>
+              </a:ext>
+            </a:extLst>
+          </p:cNvPr>
+          <p:cNvSpPr>
+            <a:spLocks noGrp="1"/>
+          </p:cNvSpPr>
+          <p:nvPr>
+            <p:ph type="title"/>
+          </p:nvPr>
+        </p:nvSpPr>
+        <p:spPr/>
+        <p:txBody>
+          <a:bodyPr/>
+          <a:lstStyle/>
+          <a:p>
+            <a:r>
+              <a:rPr lang="en-US" dirty="0"/>
+              <a:t>Resources</a:t>
+            </a:r>
+          </a:p>
+        </p:txBody>
+      </p:sp>
+      <p:sp>
+        <p:nvSpPr>
+          <p:cNvPr id="3" name="Text Placeholder 2">
+            <a:extLst>
+              <a:ext uri="{FF2B5EF4-FFF2-40B4-BE49-F238E27FC236}">
+                <a16:creationId xmlns:a16="http://schemas.microsoft.com/office/drawing/2014/main" id="{D3316BC9-7937-4417-B232-1B37F4796011}"/>
+              </a:ext>
+            </a:extLst>
+          </p:cNvPr>
+          <p:cNvSpPr>
+            <a:spLocks noGrp="1"/>
+          </p:cNvSpPr>
+          <p:nvPr>
+            <p:ph type="body" sz="quarter" idx="11"/>
+          </p:nvPr>
+        </p:nvSpPr>
+        <p:spPr/>
+        <p:txBody>
+          <a:bodyPr>
+            <a:normAutofit/>
+          </a:bodyPr>
+          <a:lstStyle/>
+          <a:p>
+            <a:r>
+              <a:rPr lang="en-US" altLang="en-US" dirty="0"/>
+              <a:t>List the resources you used for your research:</a:t>
+            </a:r>
+          </a:p>
+          <a:p>
+            <a:pPr lvl="1"/>
+            <a:r>
+              <a:rPr lang="fr-FR" dirty="0"/>
+              <a:t>Source #1</a:t>
+            </a:r>
+          </a:p>
+          <a:p>
+            <a:pPr lvl="1"/>
+            <a:r>
+              <a:rPr lang="fr-FR" dirty="0"/>
+              <a:t>Source #2</a:t>
+            </a:r>
+          </a:p>
+          <a:p>
+            <a:pPr lvl="1"/>
+            <a:r>
+              <a:rPr lang="fr-FR" dirty="0"/>
+              <a:t>Source #3</a:t>
+            </a:r>
+          </a:p>
+          <a:p>
+            <a:endParaRPr lang="en-US" dirty="0"/>
+          </a:p>
+        </p:txBody>
+      </p:sp>
+      <p:sp>
+        <p:nvSpPr>
+          <p:cNvPr id="2" name="Slide Number Placeholder 1">
+            <a:extLst>
+              <a:ext uri="{FF2B5EF4-FFF2-40B4-BE49-F238E27FC236}">
+                <a16:creationId xmlns:a16="http://schemas.microsoft.com/office/drawing/2014/main" id="{0384AEC0-DF68-4ED4-8C40-FB2905C843D7}"/>
+              </a:ext>
+            </a:extLst>
+          </p:cNvPr>
+          <p:cNvSpPr>
+            <a:spLocks noGrp="1"/>
+          </p:cNvSpPr>
+          <p:nvPr>
+            <p:ph type="sldNum" sz="quarter" idx="4"/>
+          </p:nvPr>
+        </p:nvSpPr>
+        <p:spPr/>
+        <p:txBody>
+          <a:bodyPr/>
+          <a:lstStyle/>
+          <a:p>
+            <a:fld id="{8402A1B0-4691-41D9-84E0-69D594EAA3FE}" type="slidenum">
+              <a:rPr lang="en-US" altLang="en-US" smtClean="0"/>
+              <a:pPr/>
+              <a:t>51</a:t>
+            </a:fld>
+            <a:endParaRPr lang="en-US" altLang="en-US" dirty="0"/>
+          </a:p>
+        </p:txBody>
+      </p:sp>
+    </p:spTree>
+    <p:extLst>
+      <p:ext uri="{BB962C8B-B14F-4D97-AF65-F5344CB8AC3E}">
+        <p14:creationId xmlns:p14="http://schemas.microsoft.com/office/powerpoint/2010/main" val="132009874"/>
+      </p:ext>
+    </p:extLst>
+  </p:cSld>
+  <p:clrMapOvr>
+    <a:masterClrMapping/>
+  </p:clrMapOvr>
+  <mc:AlternateContent xmlns:mc="http://schemas.openxmlformats.org/markup-compatibility/2006" xmlns:p14="http://schemas.microsoft.com/office/powerpoint/2010/main">
+    <mc:Choice Requires="p14">
+      <p:transition spd="med" p14:dur="700">
+        <p:fade/>
+      </p:transition>
+    </mc:Choice>
+    <mc:Fallback xmlns="">
+      <p:transition spd="med">
+        <p:fade/>
+      </p:transition>
+    </mc:Fallback>
+  </mc:AlternateContent>
+</p:sld>
+</file>
+
+<file path=ppt/slides/slide6.xml><?xml version="1.0" encoding="utf-8"?>
+<p:sld xmlns:a="http://schemas.openxmlformats.org/drawingml/2006/main" xmlns:r="http://schemas.openxmlformats.org/officeDocument/2006/relationships" xmlns:p="http://schemas.openxmlformats.org/presentationml/2006/main">
+  <p:cSld>
+    <p:spTree>
+      <p:nvGrpSpPr>
+        <p:cNvPr id="1" name=""/>
+        <p:cNvGrpSpPr/>
+        <p:nvPr/>
+      </p:nvGrpSpPr>
+      <p:grpSpPr>
+        <a:xfrm>
+          <a:off x="0" y="0"/>
+          <a:ext cx="0" cy="0"/>
+          <a:chOff x="0" y="0"/>
+          <a:chExt cx="0" cy="0"/>
+        </a:xfrm>
+      </p:grpSpPr>
+      <p:sp>
+        <p:nvSpPr>
+          <p:cNvPr id="4" name="Slide Number Placeholder 3">
+            <a:extLst>
+              <a:ext uri="{FF2B5EF4-FFF2-40B4-BE49-F238E27FC236}">
+                <a16:creationId xmlns:a16="http://schemas.microsoft.com/office/drawing/2014/main" id="{A0FD4227-E013-4D21-A98C-26220AEBFC0D}"/>
+              </a:ext>
+            </a:extLst>
+          </p:cNvPr>
+          <p:cNvSpPr>
+            <a:spLocks noGrp="1"/>
+          </p:cNvSpPr>
+          <p:nvPr>
+            <p:ph type="sldNum" sz="quarter" idx="4"/>
+          </p:nvPr>
+        </p:nvSpPr>
+        <p:spPr/>
+        <p:txBody>
+          <a:bodyPr/>
+          <a:lstStyle/>
+          <a:p>
+            <a:fld id="{8402A1B0-4691-41D9-84E0-69D594EAA3FE}" type="slidenum">
+              <a:rPr lang="en-US" altLang="en-US" smtClean="0"/>
+              <a:pPr/>
+              <a:t>6</a:t>
+            </a:fld>
+            <a:endParaRPr lang="en-US" altLang="en-US" dirty="0"/>
+          </a:p>
+        </p:txBody>
+      </p:sp>
+      <p:sp>
+        <p:nvSpPr>
+          <p:cNvPr id="5" name="Title 4">
+            <a:extLst>
+              <a:ext uri="{FF2B5EF4-FFF2-40B4-BE49-F238E27FC236}">
+                <a16:creationId xmlns:a16="http://schemas.microsoft.com/office/drawing/2014/main" id="{A16B2302-A74A-41A5-A491-848F0F107B76}"/>
+              </a:ext>
+            </a:extLst>
+          </p:cNvPr>
+          <p:cNvSpPr>
+            <a:spLocks noGrp="1"/>
+          </p:cNvSpPr>
+          <p:nvPr>
+            <p:ph type="title"/>
+          </p:nvPr>
+        </p:nvSpPr>
+        <p:spPr/>
+        <p:txBody>
+          <a:bodyPr/>
+          <a:lstStyle/>
+          <a:p>
+            <a:r>
+              <a:rPr lang="en-US" dirty="0"/>
+              <a:t>Let’s get into coding</a:t>
+            </a:r>
+          </a:p>
+        </p:txBody>
+      </p:sp>
+      <p:sp>
+        <p:nvSpPr>
+          <p:cNvPr id="6" name="Text Placeholder 5">
+            <a:extLst>
+              <a:ext uri="{FF2B5EF4-FFF2-40B4-BE49-F238E27FC236}">
+                <a16:creationId xmlns:a16="http://schemas.microsoft.com/office/drawing/2014/main" id="{94C82863-FD12-48AF-9173-D0BDC235C787}"/>
+              </a:ext>
+            </a:extLst>
+          </p:cNvPr>
+          <p:cNvSpPr>
+            <a:spLocks noGrp="1"/>
+          </p:cNvSpPr>
+          <p:nvPr>
+            <p:ph type="body" sz="quarter" idx="13"/>
+          </p:nvPr>
+        </p:nvSpPr>
+        <p:spPr>
+          <a:xfrm>
+            <a:off x="762000" y="1783952"/>
+            <a:ext cx="6091287" cy="4358084"/>
+          </a:xfrm>
+        </p:spPr>
+        <p:txBody>
+          <a:bodyPr/>
+          <a:lstStyle/>
+          <a:p>
+            <a:r>
+              <a:rPr lang="en-US" dirty="0"/>
+              <a:t>Look at the front example:</a:t>
+            </a:r>
+          </a:p>
+          <a:p>
+            <a:endParaRPr lang="en-US" dirty="0"/>
+          </a:p>
+          <a:p>
+            <a:endParaRPr lang="en-US" dirty="0"/>
+          </a:p>
+          <a:p>
+            <a:r>
+              <a:rPr lang="en-US" sz="2000" b="1" dirty="0"/>
+              <a:t>alias</a:t>
+            </a:r>
+            <a:r>
+              <a:rPr lang="en-US" dirty="0"/>
+              <a:t>: In Python alias are an alternate name for referring to the same thing.</a:t>
+            </a:r>
+          </a:p>
+          <a:p>
+            <a:endParaRPr lang="en-US" dirty="0"/>
+          </a:p>
+          <a:p>
+            <a:endParaRPr lang="en-US" dirty="0"/>
+          </a:p>
+          <a:p>
+            <a:r>
+              <a:rPr lang="en-US" dirty="0"/>
+              <a:t>Now the Pandas package can be referred to as pd instead of pandas.</a:t>
+            </a:r>
+          </a:p>
+          <a:p>
+            <a:endParaRPr lang="en-US" dirty="0"/>
+          </a:p>
+          <a:p>
+            <a:endParaRPr lang="en-US" dirty="0"/>
+          </a:p>
+          <a:p>
+            <a:r>
+              <a:rPr lang="en-US" dirty="0"/>
+              <a:t>The version string is stored under __version__ attribute, So</a:t>
+            </a:r>
+          </a:p>
+          <a:p>
+            <a:endParaRPr lang="en-US" dirty="0"/>
+          </a:p>
+        </p:txBody>
+      </p:sp>
+      <p:pic>
+        <p:nvPicPr>
+          <p:cNvPr id="8" name="Picture 7">
+            <a:extLst>
+              <a:ext uri="{FF2B5EF4-FFF2-40B4-BE49-F238E27FC236}">
+                <a16:creationId xmlns:a16="http://schemas.microsoft.com/office/drawing/2014/main" id="{C0F62FE8-23D9-49AE-8072-0BA9933A9C05}"/>
+              </a:ext>
+            </a:extLst>
+          </p:cNvPr>
+          <p:cNvPicPr>
+            <a:picLocks noChangeAspect="1"/>
+          </p:cNvPicPr>
+          <p:nvPr/>
+        </p:nvPicPr>
+        <p:blipFill>
+          <a:blip r:embed="rId2"/>
+          <a:stretch>
+            <a:fillRect/>
+          </a:stretch>
+        </p:blipFill>
+        <p:spPr>
+          <a:xfrm>
+            <a:off x="7214759" y="1546227"/>
+            <a:ext cx="4345758" cy="4432242"/>
+          </a:xfrm>
+          <a:prstGeom prst="roundRect">
+            <a:avLst>
+              <a:gd name="adj" fmla="val 3869"/>
+            </a:avLst>
+          </a:prstGeom>
+        </p:spPr>
+      </p:pic>
+      <p:pic>
+        <p:nvPicPr>
+          <p:cNvPr id="10" name="Picture 9">
+            <a:extLst>
+              <a:ext uri="{FF2B5EF4-FFF2-40B4-BE49-F238E27FC236}">
+                <a16:creationId xmlns:a16="http://schemas.microsoft.com/office/drawing/2014/main" id="{A94F012F-CCD0-492F-B01F-01F3A77049BC}"/>
+              </a:ext>
+            </a:extLst>
+          </p:cNvPr>
+          <p:cNvPicPr>
+            <a:picLocks noChangeAspect="1"/>
+          </p:cNvPicPr>
+          <p:nvPr/>
+        </p:nvPicPr>
+        <p:blipFill rotWithShape="1">
+          <a:blip r:embed="rId3"/>
+          <a:srcRect t="3837"/>
+          <a:stretch/>
+        </p:blipFill>
+        <p:spPr>
+          <a:xfrm>
+            <a:off x="761999" y="3287914"/>
+            <a:ext cx="4192489" cy="380939"/>
+          </a:xfrm>
+          <a:prstGeom prst="roundRect">
+            <a:avLst/>
+          </a:prstGeom>
+        </p:spPr>
+      </p:pic>
+      <p:pic>
+        <p:nvPicPr>
+          <p:cNvPr id="13" name="Picture 12">
+            <a:extLst>
+              <a:ext uri="{FF2B5EF4-FFF2-40B4-BE49-F238E27FC236}">
+                <a16:creationId xmlns:a16="http://schemas.microsoft.com/office/drawing/2014/main" id="{319662BE-5DB0-4B17-B2BF-02C4B07B9DBA}"/>
+              </a:ext>
+            </a:extLst>
+          </p:cNvPr>
+          <p:cNvPicPr>
+            <a:picLocks noChangeAspect="1"/>
+          </p:cNvPicPr>
+          <p:nvPr/>
+        </p:nvPicPr>
+        <p:blipFill rotWithShape="1">
+          <a:blip r:embed="rId4"/>
+          <a:srcRect t="4621"/>
+          <a:stretch/>
+        </p:blipFill>
+        <p:spPr>
+          <a:xfrm>
+            <a:off x="761999" y="5233752"/>
+            <a:ext cx="3759705" cy="744717"/>
+          </a:xfrm>
+          <a:prstGeom prst="roundRect">
+            <a:avLst/>
+          </a:prstGeom>
+        </p:spPr>
+      </p:pic>
+    </p:spTree>
+    <p:extLst>
+      <p:ext uri="{BB962C8B-B14F-4D97-AF65-F5344CB8AC3E}">
+        <p14:creationId xmlns:p14="http://schemas.microsoft.com/office/powerpoint/2010/main" val="1269727280"/>
+      </p:ext>
+    </p:extLst>
+  </p:cSld>
+  <p:clrMapOvr>
+    <a:masterClrMapping/>
+  </p:clrMapOvr>
+  <mc:AlternateContent xmlns:mc="http://schemas.openxmlformats.org/markup-compatibility/2006" xmlns:p14="http://schemas.microsoft.com/office/powerpoint/2010/main">
+    <mc:Choice Requires="p14">
+      <p:transition spd="med" p14:dur="700">
+        <p:fade/>
+      </p:transition>
+    </mc:Choice>
+    <mc:Fallback xmlns="">
+      <p:transition spd="med">
+        <p:fade/>
+      </p:transition>
+    </mc:Fallback>
+  </mc:AlternateContent>
+</p:sld>
+</file>
+
+<file path=ppt/slides/slide7.xml><?xml version="1.0" encoding="utf-8"?>
+<p:sld xmlns:a="http://schemas.openxmlformats.org/drawingml/2006/main" xmlns:r="http://schemas.openxmlformats.org/officeDocument/2006/relationships" xmlns:p="http://schemas.openxmlformats.org/presentationml/2006/main">
+  <p:cSld>
+    <p:spTree>
+      <p:nvGrpSpPr>
+        <p:cNvPr id="1" name=""/>
+        <p:cNvGrpSpPr/>
+        <p:nvPr/>
+      </p:nvGrpSpPr>
+      <p:grpSpPr>
+        <a:xfrm>
+          <a:off x="0" y="0"/>
+          <a:ext cx="0" cy="0"/>
+          <a:chOff x="0" y="0"/>
+          <a:chExt cx="0" cy="0"/>
+        </a:xfrm>
+      </p:grpSpPr>
+      <p:sp>
+        <p:nvSpPr>
+          <p:cNvPr id="2" name="Slide Number Placeholder 1">
+            <a:extLst>
+              <a:ext uri="{FF2B5EF4-FFF2-40B4-BE49-F238E27FC236}">
+                <a16:creationId xmlns:a16="http://schemas.microsoft.com/office/drawing/2014/main" id="{6B233420-F662-4A50-93DB-BADFC46526ED}"/>
+              </a:ext>
+            </a:extLst>
+          </p:cNvPr>
+          <p:cNvSpPr>
+            <a:spLocks noGrp="1"/>
+          </p:cNvSpPr>
+          <p:nvPr>
+            <p:ph type="sldNum" sz="quarter" idx="4"/>
+          </p:nvPr>
+        </p:nvSpPr>
+        <p:spPr/>
+        <p:txBody>
+          <a:bodyPr/>
+          <a:lstStyle/>
+          <a:p>
+            <a:fld id="{8402A1B0-4691-41D9-84E0-69D594EAA3FE}" type="slidenum">
+              <a:rPr lang="en-US" altLang="en-US" smtClean="0"/>
+              <a:pPr/>
+              <a:t>7</a:t>
+            </a:fld>
+            <a:endParaRPr lang="en-US" altLang="en-US" dirty="0"/>
+          </a:p>
+        </p:txBody>
+      </p:sp>
+      <p:sp>
+        <p:nvSpPr>
+          <p:cNvPr id="3" name="Title 2">
+            <a:extLst>
+              <a:ext uri="{FF2B5EF4-FFF2-40B4-BE49-F238E27FC236}">
+                <a16:creationId xmlns:a16="http://schemas.microsoft.com/office/drawing/2014/main" id="{7546A243-57CE-4E0A-B7C1-E7F00E70940D}"/>
+              </a:ext>
+            </a:extLst>
+          </p:cNvPr>
+          <p:cNvSpPr>
+            <a:spLocks noGrp="1"/>
+          </p:cNvSpPr>
+          <p:nvPr>
+            <p:ph type="title"/>
+          </p:nvPr>
+        </p:nvSpPr>
+        <p:spPr/>
+        <p:txBody>
+          <a:bodyPr/>
+          <a:lstStyle/>
+          <a:p>
+            <a:r>
+              <a:rPr lang="en-US" dirty="0"/>
+              <a:t>Pandas Series</a:t>
+            </a:r>
+          </a:p>
+        </p:txBody>
+      </p:sp>
+      <p:sp>
+        <p:nvSpPr>
+          <p:cNvPr id="4" name="Text Placeholder 3">
+            <a:extLst>
+              <a:ext uri="{FF2B5EF4-FFF2-40B4-BE49-F238E27FC236}">
+                <a16:creationId xmlns:a16="http://schemas.microsoft.com/office/drawing/2014/main" id="{71B0B1D1-6735-4275-823B-0A0A5DBC4516}"/>
+              </a:ext>
+            </a:extLst>
+          </p:cNvPr>
+          <p:cNvSpPr>
+            <a:spLocks noGrp="1"/>
+          </p:cNvSpPr>
+          <p:nvPr>
+            <p:ph type="body" sz="quarter" idx="13"/>
+          </p:nvPr>
+        </p:nvSpPr>
+        <p:spPr>
+          <a:xfrm>
+            <a:off x="762000" y="1783952"/>
+            <a:ext cx="6260969" cy="4358084"/>
+          </a:xfrm>
+        </p:spPr>
+        <p:txBody>
+          <a:bodyPr/>
+          <a:lstStyle/>
+          <a:p>
+            <a:pPr algn="just"/>
+            <a:r>
+              <a:rPr lang="en-US" sz="2000" b="1" dirty="0"/>
+              <a:t>What is a Series?</a:t>
+            </a:r>
+            <a:endParaRPr lang="en-US" sz="2000" dirty="0"/>
+          </a:p>
+          <a:p>
+            <a:pPr marL="285750" indent="-285750" algn="just">
+              <a:buFont typeface="Arial" panose="020B0604020202020204" pitchFamily="34" charset="0"/>
+              <a:buChar char="•"/>
+            </a:pPr>
+            <a:r>
+              <a:rPr lang="en-US" dirty="0"/>
+              <a:t>A Pandas Series is like a column in a table. It is a one-dimensional array holding data of any type.</a:t>
+            </a:r>
+          </a:p>
+          <a:p>
+            <a:pPr marL="285750" indent="-285750" algn="just">
+              <a:buFont typeface="Arial" panose="020B0604020202020204" pitchFamily="34" charset="0"/>
+              <a:buChar char="•"/>
+            </a:pPr>
+            <a:endParaRPr lang="en-US" dirty="0"/>
+          </a:p>
+          <a:p>
+            <a:pPr algn="just"/>
+            <a:endParaRPr lang="en-US" dirty="0"/>
+          </a:p>
+          <a:p>
+            <a:pPr algn="just"/>
+            <a:endParaRPr lang="en-US" dirty="0"/>
+          </a:p>
+        </p:txBody>
+      </p:sp>
+      <p:pic>
+        <p:nvPicPr>
+          <p:cNvPr id="6" name="Picture 5">
+            <a:extLst>
+              <a:ext uri="{FF2B5EF4-FFF2-40B4-BE49-F238E27FC236}">
+                <a16:creationId xmlns:a16="http://schemas.microsoft.com/office/drawing/2014/main" id="{A1E5DB12-7631-43DD-A308-AA0908A16760}"/>
+              </a:ext>
+            </a:extLst>
+          </p:cNvPr>
+          <p:cNvPicPr>
+            <a:picLocks noChangeAspect="1"/>
+          </p:cNvPicPr>
+          <p:nvPr/>
+        </p:nvPicPr>
+        <p:blipFill>
+          <a:blip r:embed="rId2"/>
+          <a:stretch>
+            <a:fillRect/>
+          </a:stretch>
+        </p:blipFill>
+        <p:spPr>
+          <a:xfrm>
+            <a:off x="7160559" y="1548185"/>
+            <a:ext cx="4368421" cy="4622275"/>
+          </a:xfrm>
+          <a:prstGeom prst="roundRect">
+            <a:avLst>
+              <a:gd name="adj" fmla="val 6347"/>
+            </a:avLst>
+          </a:prstGeom>
+        </p:spPr>
+      </p:pic>
+    </p:spTree>
+    <p:extLst>
+      <p:ext uri="{BB962C8B-B14F-4D97-AF65-F5344CB8AC3E}">
+        <p14:creationId xmlns:p14="http://schemas.microsoft.com/office/powerpoint/2010/main" val="4184087630"/>
+      </p:ext>
+    </p:extLst>
+  </p:cSld>
+  <p:clrMapOvr>
+    <a:masterClrMapping/>
+  </p:clrMapOvr>
+  <mc:AlternateContent xmlns:mc="http://schemas.openxmlformats.org/markup-compatibility/2006" xmlns:p14="http://schemas.microsoft.com/office/powerpoint/2010/main">
+    <mc:Choice Requires="p14">
+      <p:transition spd="med" p14:dur="700">
+        <p:fade/>
+      </p:transition>
+    </mc:Choice>
+    <mc:Fallback xmlns="">
+      <p:transition spd="med">
+        <p:fade/>
+      </p:transition>
+    </mc:Fallback>
+  </mc:AlternateContent>
+</p:sld>
+</file>
+
+<file path=ppt/slides/slide8.xml><?xml version="1.0" encoding="utf-8"?>
+<p:sld xmlns:a="http://schemas.openxmlformats.org/drawingml/2006/main" xmlns:r="http://schemas.openxmlformats.org/officeDocument/2006/relationships" xmlns:p="http://schemas.openxmlformats.org/presentationml/2006/main">
+  <p:cSld>
+    <p:spTree>
+      <p:nvGrpSpPr>
+        <p:cNvPr id="1" name=""/>
+        <p:cNvGrpSpPr/>
+        <p:nvPr/>
+      </p:nvGrpSpPr>
+      <p:grpSpPr>
+        <a:xfrm>
+          <a:off x="0" y="0"/>
+          <a:ext cx="0" cy="0"/>
+          <a:chOff x="0" y="0"/>
+          <a:chExt cx="0" cy="0"/>
+        </a:xfrm>
+      </p:grpSpPr>
+      <p:sp>
+        <p:nvSpPr>
+          <p:cNvPr id="2" name="Slide Number Placeholder 1">
+            <a:extLst>
+              <a:ext uri="{FF2B5EF4-FFF2-40B4-BE49-F238E27FC236}">
+                <a16:creationId xmlns:a16="http://schemas.microsoft.com/office/drawing/2014/main" id="{82F37032-8535-46BA-9657-5B566B62DE1A}"/>
+              </a:ext>
+            </a:extLst>
+          </p:cNvPr>
+          <p:cNvSpPr>
+            <a:spLocks noGrp="1"/>
+          </p:cNvSpPr>
+          <p:nvPr>
+            <p:ph type="sldNum" sz="quarter" idx="4"/>
+          </p:nvPr>
+        </p:nvSpPr>
+        <p:spPr/>
+        <p:txBody>
+          <a:bodyPr/>
+          <a:lstStyle/>
+          <a:p>
+            <a:fld id="{8402A1B0-4691-41D9-84E0-69D594EAA3FE}" type="slidenum">
+              <a:rPr lang="en-US" altLang="en-US" smtClean="0"/>
+              <a:pPr/>
+              <a:t>8</a:t>
+            </a:fld>
+            <a:endParaRPr lang="en-US" altLang="en-US" dirty="0"/>
+          </a:p>
+        </p:txBody>
+      </p:sp>
+      <p:sp>
+        <p:nvSpPr>
+          <p:cNvPr id="3" name="Title 2">
+            <a:extLst>
+              <a:ext uri="{FF2B5EF4-FFF2-40B4-BE49-F238E27FC236}">
+                <a16:creationId xmlns:a16="http://schemas.microsoft.com/office/drawing/2014/main" id="{D9503F8A-3E9E-401A-BB94-FD35EE00185C}"/>
+              </a:ext>
+            </a:extLst>
+          </p:cNvPr>
+          <p:cNvSpPr>
+            <a:spLocks noGrp="1"/>
+          </p:cNvSpPr>
+          <p:nvPr>
+            <p:ph type="title"/>
+          </p:nvPr>
+        </p:nvSpPr>
+        <p:spPr/>
+        <p:txBody>
+          <a:bodyPr>
+            <a:normAutofit/>
+          </a:bodyPr>
+          <a:lstStyle/>
+          <a:p>
+            <a:r>
+              <a:rPr lang="en-US" dirty="0"/>
+              <a:t>Pandas Series</a:t>
+            </a:r>
+          </a:p>
+        </p:txBody>
+      </p:sp>
+      <p:sp>
+        <p:nvSpPr>
+          <p:cNvPr id="4" name="Text Placeholder 3">
+            <a:extLst>
+              <a:ext uri="{FF2B5EF4-FFF2-40B4-BE49-F238E27FC236}">
+                <a16:creationId xmlns:a16="http://schemas.microsoft.com/office/drawing/2014/main" id="{87D6045C-2315-4E1F-A497-C9FAD83AB874}"/>
+              </a:ext>
+            </a:extLst>
+          </p:cNvPr>
+          <p:cNvSpPr>
+            <a:spLocks noGrp="1"/>
+          </p:cNvSpPr>
+          <p:nvPr>
+            <p:ph type="body" sz="quarter" idx="13"/>
+          </p:nvPr>
+        </p:nvSpPr>
+        <p:spPr>
+          <a:xfrm>
+            <a:off x="762000" y="1783952"/>
+            <a:ext cx="6647468" cy="4358084"/>
+          </a:xfrm>
+        </p:spPr>
+        <p:txBody>
+          <a:bodyPr/>
+          <a:lstStyle/>
+          <a:p>
+            <a:r>
+              <a:rPr lang="en-US" sz="2000" b="1" dirty="0"/>
+              <a:t>Labels</a:t>
+            </a:r>
+            <a:endParaRPr lang="en-US" b="1" dirty="0"/>
+          </a:p>
+          <a:p>
+            <a:r>
+              <a:rPr lang="en-US" dirty="0"/>
+              <a:t>If nothing else is specified, the values are labeled with their index number. First value has index 0, second value has index 1 etc. This label can be used to access a specified value.</a:t>
+            </a:r>
+          </a:p>
+        </p:txBody>
+      </p:sp>
+      <p:pic>
+        <p:nvPicPr>
+          <p:cNvPr id="6" name="Picture 5">
+            <a:extLst>
+              <a:ext uri="{FF2B5EF4-FFF2-40B4-BE49-F238E27FC236}">
+                <a16:creationId xmlns:a16="http://schemas.microsoft.com/office/drawing/2014/main" id="{3F3A8701-0286-41C5-A56D-46856EC2F982}"/>
+              </a:ext>
+            </a:extLst>
+          </p:cNvPr>
+          <p:cNvPicPr>
+            <a:picLocks noChangeAspect="1"/>
+          </p:cNvPicPr>
+          <p:nvPr/>
+        </p:nvPicPr>
+        <p:blipFill rotWithShape="1">
+          <a:blip r:embed="rId2"/>
+          <a:srcRect t="122"/>
+          <a:stretch/>
+        </p:blipFill>
+        <p:spPr>
+          <a:xfrm>
+            <a:off x="7598005" y="1548281"/>
+            <a:ext cx="3601037" cy="4575019"/>
+          </a:xfrm>
+          <a:prstGeom prst="roundRect">
+            <a:avLst>
+              <a:gd name="adj" fmla="val 8204"/>
+            </a:avLst>
+          </a:prstGeom>
+        </p:spPr>
+      </p:pic>
+    </p:spTree>
+    <p:extLst>
+      <p:ext uri="{BB962C8B-B14F-4D97-AF65-F5344CB8AC3E}">
+        <p14:creationId xmlns:p14="http://schemas.microsoft.com/office/powerpoint/2010/main" val="521940148"/>
+      </p:ext>
+    </p:extLst>
+  </p:cSld>
+  <p:clrMapOvr>
+    <a:masterClrMapping/>
+  </p:clrMapOvr>
+  <mc:AlternateContent xmlns:mc="http://schemas.openxmlformats.org/markup-compatibility/2006" xmlns:p14="http://schemas.microsoft.com/office/powerpoint/2010/main">
+    <mc:Choice Requires="p14">
+      <p:transition spd="med" p14:dur="700">
+        <p:fade/>
+      </p:transition>
+    </mc:Choice>
+    <mc:Fallback xmlns="">
+      <p:transition spd="med">
+        <p:fade/>
+      </p:transition>
+    </mc:Fallback>
+  </mc:AlternateContent>
+</p:sld>
+</file>
+
+<file path=ppt/slides/slide9.xml><?xml version="1.0" encoding="utf-8"?>
+<p:sld xmlns:a="http://schemas.openxmlformats.org/drawingml/2006/main" xmlns:r="http://schemas.openxmlformats.org/officeDocument/2006/relationships" xmlns:p="http://schemas.openxmlformats.org/presentationml/2006/main">
+  <p:cSld>
+    <p:spTree>
+      <p:nvGrpSpPr>
+        <p:cNvPr id="1" name=""/>
+        <p:cNvGrpSpPr/>
+        <p:nvPr/>
+      </p:nvGrpSpPr>
+      <p:grpSpPr>
+        <a:xfrm>
+          <a:off x="0" y="0"/>
+          <a:ext cx="0" cy="0"/>
+          <a:chOff x="0" y="0"/>
+          <a:chExt cx="0" cy="0"/>
+        </a:xfrm>
+      </p:grpSpPr>
+      <p:sp>
+        <p:nvSpPr>
+          <p:cNvPr id="2" name="Slide Number Placeholder 1">
+            <a:extLst>
+              <a:ext uri="{FF2B5EF4-FFF2-40B4-BE49-F238E27FC236}">
+                <a16:creationId xmlns:a16="http://schemas.microsoft.com/office/drawing/2014/main" id="{82F37032-8535-46BA-9657-5B566B62DE1A}"/>
+              </a:ext>
+            </a:extLst>
+          </p:cNvPr>
+          <p:cNvSpPr>
+            <a:spLocks noGrp="1"/>
+          </p:cNvSpPr>
+          <p:nvPr>
+            <p:ph type="sldNum" sz="quarter" idx="4"/>
+          </p:nvPr>
+        </p:nvSpPr>
+        <p:spPr/>
+        <p:txBody>
+          <a:bodyPr/>
+          <a:lstStyle/>
+          <a:p>
+            <a:fld id="{8402A1B0-4691-41D9-84E0-69D594EAA3FE}" type="slidenum">
+              <a:rPr lang="en-US" altLang="en-US" smtClean="0"/>
+              <a:pPr/>
+              <a:t>9</a:t>
+            </a:fld>
+            <a:endParaRPr lang="en-US" altLang="en-US" dirty="0"/>
+          </a:p>
+        </p:txBody>
+      </p:sp>
+      <p:sp>
+        <p:nvSpPr>
+          <p:cNvPr id="3" name="Title 2">
+            <a:extLst>
+              <a:ext uri="{FF2B5EF4-FFF2-40B4-BE49-F238E27FC236}">
+                <a16:creationId xmlns:a16="http://schemas.microsoft.com/office/drawing/2014/main" id="{D9503F8A-3E9E-401A-BB94-FD35EE00185C}"/>
+              </a:ext>
+            </a:extLst>
+          </p:cNvPr>
+          <p:cNvSpPr>
+            <a:spLocks noGrp="1"/>
+          </p:cNvSpPr>
+          <p:nvPr>
+            <p:ph type="title"/>
+          </p:nvPr>
+        </p:nvSpPr>
+        <p:spPr/>
+        <p:txBody>
+          <a:bodyPr/>
+          <a:lstStyle/>
+          <a:p>
+            <a:r>
+              <a:rPr lang="en-US" dirty="0"/>
+              <a:t>Pandas Series</a:t>
+            </a:r>
+          </a:p>
+        </p:txBody>
+      </p:sp>
+      <p:sp>
+        <p:nvSpPr>
+          <p:cNvPr id="4" name="Text Placeholder 3">
+            <a:extLst>
+              <a:ext uri="{FF2B5EF4-FFF2-40B4-BE49-F238E27FC236}">
+                <a16:creationId xmlns:a16="http://schemas.microsoft.com/office/drawing/2014/main" id="{87D6045C-2315-4E1F-A497-C9FAD83AB874}"/>
+              </a:ext>
+            </a:extLst>
+          </p:cNvPr>
+          <p:cNvSpPr>
+            <a:spLocks noGrp="1"/>
+          </p:cNvSpPr>
+          <p:nvPr>
+            <p:ph type="body" sz="quarter" idx="13"/>
+          </p:nvPr>
+        </p:nvSpPr>
+        <p:spPr>
+          <a:xfrm>
+            <a:off x="762000" y="1783952"/>
+            <a:ext cx="6119567" cy="4358084"/>
+          </a:xfrm>
+        </p:spPr>
+        <p:txBody>
+          <a:bodyPr/>
+          <a:lstStyle/>
+          <a:p>
+            <a:r>
+              <a:rPr lang="en-US" sz="2000" b="1" dirty="0"/>
+              <a:t>Create Labels</a:t>
+            </a:r>
+            <a:endParaRPr lang="en-US" dirty="0"/>
+          </a:p>
+          <a:p>
+            <a:r>
+              <a:rPr lang="en-US" dirty="0"/>
+              <a:t>With the index argument, you can name your own labels. When you have created labels, you can access an item by referring to the label.</a:t>
+            </a:r>
+          </a:p>
+          <a:p>
+            <a:endParaRPr lang="en-US" dirty="0"/>
+          </a:p>
+        </p:txBody>
+      </p:sp>
+      <p:pic>
+        <p:nvPicPr>
+          <p:cNvPr id="6" name="Picture 5">
+            <a:extLst>
+              <a:ext uri="{FF2B5EF4-FFF2-40B4-BE49-F238E27FC236}">
+                <a16:creationId xmlns:a16="http://schemas.microsoft.com/office/drawing/2014/main" id="{D648072D-E30A-4F9C-9C9A-2B1C34B87F23}"/>
+              </a:ext>
+            </a:extLst>
+          </p:cNvPr>
+          <p:cNvPicPr>
+            <a:picLocks noChangeAspect="1"/>
+          </p:cNvPicPr>
+          <p:nvPr/>
+        </p:nvPicPr>
+        <p:blipFill>
+          <a:blip r:embed="rId2"/>
+          <a:stretch>
+            <a:fillRect/>
+          </a:stretch>
+        </p:blipFill>
+        <p:spPr>
+          <a:xfrm>
+            <a:off x="6975430" y="1536454"/>
+            <a:ext cx="4781055" cy="4492460"/>
+          </a:xfrm>
+          <a:prstGeom prst="roundRect">
+            <a:avLst>
+              <a:gd name="adj" fmla="val 4497"/>
+            </a:avLst>
+          </a:prstGeom>
+        </p:spPr>
+      </p:pic>
+    </p:spTree>
+    <p:extLst>
+      <p:ext uri="{BB962C8B-B14F-4D97-AF65-F5344CB8AC3E}">
+        <p14:creationId xmlns:p14="http://schemas.microsoft.com/office/powerpoint/2010/main" val="2183940276"/>
+      </p:ext>
+    </p:extLst>
+  </p:cSld>
+  <p:clrMapOvr>
+    <a:masterClrMapping/>
+  </p:clrMapOvr>
+  <mc:AlternateContent xmlns:mc="http://schemas.openxmlformats.org/markup-compatibility/2006" xmlns:p14="http://schemas.microsoft.com/office/powerpoint/2010/main">
+    <mc:Choice Requires="p14">
+      <p:transition spd="med" p14:dur="700">
+        <p:fade/>
+      </p:transition>
+    </mc:Choice>
+    <mc:Fallback xmlns="">
+      <p:transition spd="med">
+        <p:fade/>
+      </p:transition>
+    </mc:Fallback>
+  </mc:AlternateContent>
+</p:sld>
+</file>
+
 <file path=ppt/theme/theme1.xml><?xml version="1.0" encoding="utf-8"?>
 <a:theme xmlns:a="http://schemas.openxmlformats.org/drawingml/2006/main" name="2_Office Theme">
   <a:themeElements>
@@ -14308,6 +19479,15 @@
 </file>
 
 <file path=customXml/item1.xml><?xml version="1.0" encoding="utf-8"?>
+<?mso-contentType ?>
+<FormTemplates xmlns="http://schemas.microsoft.com/sharepoint/v3/contenttype/forms">
+  <Display>DocumentLibraryForm</Display>
+  <Edit>DocumentLibraryForm</Edit>
+  <New>DocumentLibraryForm</New>
+</FormTemplates>
+</file>
+
+<file path=customXml/item2.xml><?xml version="1.0" encoding="utf-8"?>
 <ct:contentTypeSchema xmlns:ct="http://schemas.microsoft.com/office/2006/metadata/contentType" xmlns:ma="http://schemas.microsoft.com/office/2006/metadata/properties/metaAttributes" ct:_="" ma:_="" ma:contentTypeName="Document" ma:contentTypeID="0x01010079F111ED35F8CC479449609E8A0923A6" ma:contentTypeVersion="18" ma:contentTypeDescription="Create a new document." ma:contentTypeScope="" ma:versionID="22a266b9fa9a230c5a512669d8b298c3">
   <xsd:schema xmlns:xsd="http://www.w3.org/2001/XMLSchema" xmlns:xs="http://www.w3.org/2001/XMLSchema" xmlns:p="http://schemas.microsoft.com/office/2006/metadata/properties" xmlns:ns1="http://schemas.microsoft.com/sharepoint/v3" xmlns:ns2="71af3243-3dd4-4a8d-8c0d-dd76da1f02a5" xmlns:ns3="16c05727-aa75-4e4a-9b5f-8a80a1165891" xmlns:ns4="230e9df3-be65-4c73-a93b-d1236ebd677e" targetNamespace="http://schemas.microsoft.com/office/2006/metadata/properties" ma:root="true" ma:fieldsID="eddc33fff6b14141ee5c74a0d29ea6a1" ns1:_="" ns2:_="" ns3:_="" ns4:_="">
     <xsd:import namespace="http://schemas.microsoft.com/sharepoint/v3"/>
@@ -14583,15 +19763,6 @@
 </ct:contentTypeSchema>
 </file>
 
-<file path=customXml/item2.xml><?xml version="1.0" encoding="utf-8"?>
-<?mso-contentType ?>
-<FormTemplates xmlns="http://schemas.microsoft.com/sharepoint/v3/contenttype/forms">
-  <Display>DocumentLibraryForm</Display>
-  <Edit>DocumentLibraryForm</Edit>
-  <New>DocumentLibraryForm</New>
-</FormTemplates>
-</file>
-
 <file path=customXml/item3.xml><?xml version="1.0" encoding="utf-8"?>
 <p:properties xmlns:p="http://schemas.microsoft.com/office/2006/metadata/properties" xmlns:xsi="http://www.w3.org/2001/XMLSchema-instance" xmlns:pc="http://schemas.microsoft.com/office/infopath/2007/PartnerControls">
   <documentManagement>
@@ -14612,6 +19783,14 @@
 </file>
 
 <file path=customXml/itemProps1.xml><?xml version="1.0" encoding="utf-8"?>
+<ds:datastoreItem xmlns:ds="http://schemas.openxmlformats.org/officeDocument/2006/customXml" ds:itemID="{3CFAAC47-BD84-465D-B982-7A75BCC08F7D}">
+  <ds:schemaRefs>
+    <ds:schemaRef ds:uri="http://schemas.microsoft.com/sharepoint/v3/contenttype/forms"/>
+  </ds:schemaRefs>
+</ds:datastoreItem>
+</file>
+
+<file path=customXml/itemProps2.xml><?xml version="1.0" encoding="utf-8"?>
 <ds:datastoreItem xmlns:ds="http://schemas.openxmlformats.org/officeDocument/2006/customXml" ds:itemID="{A8A967B1-A0A0-415E-82CC-A85AEE3A6791}">
   <ds:schemaRefs>
     <ds:schemaRef ds:uri="http://schemas.microsoft.com/office/2006/metadata/contentType"/>
@@ -14632,14 +19811,6 @@
 </ds:datastoreItem>
 </file>
 
-<file path=customXml/itemProps2.xml><?xml version="1.0" encoding="utf-8"?>
-<ds:datastoreItem xmlns:ds="http://schemas.openxmlformats.org/officeDocument/2006/customXml" ds:itemID="{3CFAAC47-BD84-465D-B982-7A75BCC08F7D}">
-  <ds:schemaRefs>
-    <ds:schemaRef ds:uri="http://schemas.microsoft.com/sharepoint/v3/contenttype/forms"/>
-  </ds:schemaRefs>
-</ds:datastoreItem>
-</file>
-
 <file path=customXml/itemProps3.xml><?xml version="1.0" encoding="utf-8"?>
 <ds:datastoreItem xmlns:ds="http://schemas.openxmlformats.org/officeDocument/2006/customXml" ds:itemID="{0F89EEA4-141F-4066-B57B-E44468FB3D6E}">
   <ds:schemaRefs>

--- a/Pandas Tutorials.pptx
+++ b/Pandas Tutorials.pptx
@@ -5,10 +5,10 @@
     <p:sldMasterId id="2147483717" r:id="rId4"/>
   </p:sldMasterIdLst>
   <p:notesMasterIdLst>
-    <p:notesMasterId r:id="rId56"/>
+    <p:notesMasterId r:id="rId27"/>
   </p:notesMasterIdLst>
   <p:handoutMasterIdLst>
-    <p:handoutMasterId r:id="rId57"/>
+    <p:handoutMasterId r:id="rId28"/>
   </p:handoutMasterIdLst>
   <p:sldIdLst>
     <p:sldId id="1865" r:id="rId5"/>
@@ -32,36 +32,7 @@
     <p:sldId id="1895" r:id="rId23"/>
     <p:sldId id="1896" r:id="rId24"/>
     <p:sldId id="1897" r:id="rId25"/>
-    <p:sldId id="1898" r:id="rId26"/>
-    <p:sldId id="1899" r:id="rId27"/>
-    <p:sldId id="1900" r:id="rId28"/>
-    <p:sldId id="1901" r:id="rId29"/>
-    <p:sldId id="1902" r:id="rId30"/>
-    <p:sldId id="1903" r:id="rId31"/>
-    <p:sldId id="1904" r:id="rId32"/>
-    <p:sldId id="1905" r:id="rId33"/>
-    <p:sldId id="1906" r:id="rId34"/>
-    <p:sldId id="1907" r:id="rId35"/>
-    <p:sldId id="1908" r:id="rId36"/>
-    <p:sldId id="1909" r:id="rId37"/>
-    <p:sldId id="1910" r:id="rId38"/>
-    <p:sldId id="1911" r:id="rId39"/>
-    <p:sldId id="1912" r:id="rId40"/>
-    <p:sldId id="1913" r:id="rId41"/>
-    <p:sldId id="1914" r:id="rId42"/>
-    <p:sldId id="1915" r:id="rId43"/>
-    <p:sldId id="1916" r:id="rId44"/>
-    <p:sldId id="1917" r:id="rId45"/>
-    <p:sldId id="1918" r:id="rId46"/>
-    <p:sldId id="1867" r:id="rId47"/>
-    <p:sldId id="1869" r:id="rId48"/>
-    <p:sldId id="1870" r:id="rId49"/>
-    <p:sldId id="1871" r:id="rId50"/>
-    <p:sldId id="1872" r:id="rId51"/>
-    <p:sldId id="1873" r:id="rId52"/>
-    <p:sldId id="1874" r:id="rId53"/>
-    <p:sldId id="1875" r:id="rId54"/>
-    <p:sldId id="1876" r:id="rId55"/>
+    <p:sldId id="1876" r:id="rId26"/>
   </p:sldIdLst>
   <p:sldSz cx="12192000" cy="6858000"/>
   <p:notesSz cx="6858000" cy="9144000"/>
@@ -216,35 +187,6 @@
             <p14:sldId id="1895"/>
             <p14:sldId id="1896"/>
             <p14:sldId id="1897"/>
-            <p14:sldId id="1898"/>
-            <p14:sldId id="1899"/>
-            <p14:sldId id="1900"/>
-            <p14:sldId id="1901"/>
-            <p14:sldId id="1902"/>
-            <p14:sldId id="1903"/>
-            <p14:sldId id="1904"/>
-            <p14:sldId id="1905"/>
-            <p14:sldId id="1906"/>
-            <p14:sldId id="1907"/>
-            <p14:sldId id="1908"/>
-            <p14:sldId id="1909"/>
-            <p14:sldId id="1910"/>
-            <p14:sldId id="1911"/>
-            <p14:sldId id="1912"/>
-            <p14:sldId id="1913"/>
-            <p14:sldId id="1914"/>
-            <p14:sldId id="1915"/>
-            <p14:sldId id="1916"/>
-            <p14:sldId id="1917"/>
-            <p14:sldId id="1918"/>
-            <p14:sldId id="1867"/>
-            <p14:sldId id="1869"/>
-            <p14:sldId id="1870"/>
-            <p14:sldId id="1871"/>
-            <p14:sldId id="1872"/>
-            <p14:sldId id="1873"/>
-            <p14:sldId id="1874"/>
-            <p14:sldId id="1875"/>
             <p14:sldId id="1876"/>
           </p14:sldIdLst>
         </p14:section>
@@ -281,2841 +223,6 @@
 </p:presentation>
 </file>
 
-<file path=ppt/diagrams/colors1.xml><?xml version="1.0" encoding="utf-8"?>
-<dgm:colorsDef xmlns:dgm="http://schemas.openxmlformats.org/drawingml/2006/diagram" xmlns:a="http://schemas.openxmlformats.org/drawingml/2006/main" uniqueId="urn:microsoft.com/office/officeart/2005/8/colors/accent2_1">
-  <dgm:title val=""/>
-  <dgm:desc val=""/>
-  <dgm:catLst>
-    <dgm:cat type="accent2" pri="11100"/>
-  </dgm:catLst>
-  <dgm:styleLbl name="node0">
-    <dgm:fillClrLst meth="repeat">
-      <a:schemeClr val="lt1"/>
-    </dgm:fillClrLst>
-    <dgm:linClrLst meth="repeat">
-      <a:schemeClr val="accent2">
-        <a:shade val="80000"/>
-      </a:schemeClr>
-    </dgm:linClrLst>
-    <dgm:effectClrLst/>
-    <dgm:txLinClrLst/>
-    <dgm:txFillClrLst meth="repeat">
-      <a:schemeClr val="dk1"/>
-    </dgm:txFillClrLst>
-    <dgm:txEffectClrLst/>
-  </dgm:styleLbl>
-  <dgm:styleLbl name="node1">
-    <dgm:fillClrLst meth="repeat">
-      <a:schemeClr val="lt1"/>
-    </dgm:fillClrLst>
-    <dgm:linClrLst meth="repeat">
-      <a:schemeClr val="accent2">
-        <a:shade val="80000"/>
-      </a:schemeClr>
-    </dgm:linClrLst>
-    <dgm:effectClrLst/>
-    <dgm:txLinClrLst/>
-    <dgm:txFillClrLst meth="repeat">
-      <a:schemeClr val="dk1"/>
-    </dgm:txFillClrLst>
-    <dgm:txEffectClrLst/>
-  </dgm:styleLbl>
-  <dgm:styleLbl name="alignNode1">
-    <dgm:fillClrLst meth="repeat">
-      <a:schemeClr val="lt1"/>
-    </dgm:fillClrLst>
-    <dgm:linClrLst meth="repeat">
-      <a:schemeClr val="accent2">
-        <a:shade val="80000"/>
-      </a:schemeClr>
-    </dgm:linClrLst>
-    <dgm:effectClrLst/>
-    <dgm:txLinClrLst/>
-    <dgm:txFillClrLst meth="repeat">
-      <a:schemeClr val="dk1"/>
-    </dgm:txFillClrLst>
-    <dgm:txEffectClrLst/>
-  </dgm:styleLbl>
-  <dgm:styleLbl name="lnNode1">
-    <dgm:fillClrLst meth="repeat">
-      <a:schemeClr val="lt1"/>
-    </dgm:fillClrLst>
-    <dgm:linClrLst meth="repeat">
-      <a:schemeClr val="accent2">
-        <a:shade val="80000"/>
-      </a:schemeClr>
-    </dgm:linClrLst>
-    <dgm:effectClrLst/>
-    <dgm:txLinClrLst/>
-    <dgm:txFillClrLst meth="repeat">
-      <a:schemeClr val="dk1"/>
-    </dgm:txFillClrLst>
-    <dgm:txEffectClrLst/>
-  </dgm:styleLbl>
-  <dgm:styleLbl name="vennNode1">
-    <dgm:fillClrLst meth="repeat">
-      <a:schemeClr val="lt1">
-        <a:alpha val="50000"/>
-      </a:schemeClr>
-    </dgm:fillClrLst>
-    <dgm:linClrLst meth="repeat">
-      <a:schemeClr val="accent2">
-        <a:shade val="80000"/>
-      </a:schemeClr>
-    </dgm:linClrLst>
-    <dgm:effectClrLst/>
-    <dgm:txLinClrLst/>
-    <dgm:txFillClrLst/>
-    <dgm:txEffectClrLst/>
-  </dgm:styleLbl>
-  <dgm:styleLbl name="node2">
-    <dgm:fillClrLst meth="repeat">
-      <a:schemeClr val="lt1"/>
-    </dgm:fillClrLst>
-    <dgm:linClrLst meth="repeat">
-      <a:schemeClr val="accent2">
-        <a:shade val="80000"/>
-      </a:schemeClr>
-    </dgm:linClrLst>
-    <dgm:effectClrLst/>
-    <dgm:txLinClrLst/>
-    <dgm:txFillClrLst meth="repeat">
-      <a:schemeClr val="dk1"/>
-    </dgm:txFillClrLst>
-    <dgm:txEffectClrLst/>
-  </dgm:styleLbl>
-  <dgm:styleLbl name="node3">
-    <dgm:fillClrLst meth="repeat">
-      <a:schemeClr val="lt1"/>
-    </dgm:fillClrLst>
-    <dgm:linClrLst meth="repeat">
-      <a:schemeClr val="accent2">
-        <a:shade val="80000"/>
-      </a:schemeClr>
-    </dgm:linClrLst>
-    <dgm:effectClrLst/>
-    <dgm:txLinClrLst/>
-    <dgm:txFillClrLst meth="repeat">
-      <a:schemeClr val="dk1"/>
-    </dgm:txFillClrLst>
-    <dgm:txEffectClrLst/>
-  </dgm:styleLbl>
-  <dgm:styleLbl name="node4">
-    <dgm:fillClrLst meth="repeat">
-      <a:schemeClr val="lt1"/>
-    </dgm:fillClrLst>
-    <dgm:linClrLst meth="repeat">
-      <a:schemeClr val="accent2">
-        <a:shade val="80000"/>
-      </a:schemeClr>
-    </dgm:linClrLst>
-    <dgm:effectClrLst/>
-    <dgm:txLinClrLst/>
-    <dgm:txFillClrLst meth="repeat">
-      <a:schemeClr val="dk1"/>
-    </dgm:txFillClrLst>
-    <dgm:txEffectClrLst/>
-  </dgm:styleLbl>
-  <dgm:styleLbl name="fgImgPlace1">
-    <dgm:fillClrLst meth="repeat">
-      <a:schemeClr val="accent2">
-        <a:tint val="40000"/>
-      </a:schemeClr>
-    </dgm:fillClrLst>
-    <dgm:linClrLst meth="repeat">
-      <a:schemeClr val="accent2">
-        <a:shade val="80000"/>
-      </a:schemeClr>
-    </dgm:linClrLst>
-    <dgm:effectClrLst/>
-    <dgm:txLinClrLst/>
-    <dgm:txFillClrLst meth="repeat">
-      <a:schemeClr val="lt1"/>
-    </dgm:txFillClrLst>
-    <dgm:txEffectClrLst/>
-  </dgm:styleLbl>
-  <dgm:styleLbl name="alignImgPlace1">
-    <dgm:fillClrLst meth="repeat">
-      <a:schemeClr val="accent2">
-        <a:tint val="40000"/>
-      </a:schemeClr>
-    </dgm:fillClrLst>
-    <dgm:linClrLst meth="repeat">
-      <a:schemeClr val="accent2">
-        <a:shade val="80000"/>
-      </a:schemeClr>
-    </dgm:linClrLst>
-    <dgm:effectClrLst/>
-    <dgm:txLinClrLst/>
-    <dgm:txFillClrLst meth="repeat">
-      <a:schemeClr val="lt1"/>
-    </dgm:txFillClrLst>
-    <dgm:txEffectClrLst/>
-  </dgm:styleLbl>
-  <dgm:styleLbl name="bgImgPlace1">
-    <dgm:fillClrLst meth="repeat">
-      <a:schemeClr val="accent2">
-        <a:tint val="40000"/>
-      </a:schemeClr>
-    </dgm:fillClrLst>
-    <dgm:linClrLst meth="repeat">
-      <a:schemeClr val="accent2">
-        <a:shade val="80000"/>
-      </a:schemeClr>
-    </dgm:linClrLst>
-    <dgm:effectClrLst/>
-    <dgm:txLinClrLst/>
-    <dgm:txFillClrLst meth="repeat">
-      <a:schemeClr val="lt1"/>
-    </dgm:txFillClrLst>
-    <dgm:txEffectClrLst/>
-  </dgm:styleLbl>
-  <dgm:styleLbl name="sibTrans2D1">
-    <dgm:fillClrLst meth="repeat">
-      <a:schemeClr val="accent2">
-        <a:tint val="60000"/>
-      </a:schemeClr>
-    </dgm:fillClrLst>
-    <dgm:linClrLst meth="repeat">
-      <a:schemeClr val="accent2">
-        <a:tint val="60000"/>
-      </a:schemeClr>
-    </dgm:linClrLst>
-    <dgm:effectClrLst/>
-    <dgm:txLinClrLst/>
-    <dgm:txFillClrLst meth="repeat">
-      <a:schemeClr val="dk1"/>
-    </dgm:txFillClrLst>
-    <dgm:txEffectClrLst/>
-  </dgm:styleLbl>
-  <dgm:styleLbl name="fgSibTrans2D1">
-    <dgm:fillClrLst meth="repeat">
-      <a:schemeClr val="accent2">
-        <a:tint val="60000"/>
-      </a:schemeClr>
-    </dgm:fillClrLst>
-    <dgm:linClrLst meth="repeat">
-      <a:schemeClr val="accent2">
-        <a:tint val="60000"/>
-      </a:schemeClr>
-    </dgm:linClrLst>
-    <dgm:effectClrLst/>
-    <dgm:txLinClrLst/>
-    <dgm:txFillClrLst meth="repeat">
-      <a:schemeClr val="dk1"/>
-    </dgm:txFillClrLst>
-    <dgm:txEffectClrLst/>
-  </dgm:styleLbl>
-  <dgm:styleLbl name="bgSibTrans2D1">
-    <dgm:fillClrLst meth="repeat">
-      <a:schemeClr val="accent2">
-        <a:tint val="60000"/>
-      </a:schemeClr>
-    </dgm:fillClrLst>
-    <dgm:linClrLst meth="repeat">
-      <a:schemeClr val="accent2">
-        <a:tint val="60000"/>
-      </a:schemeClr>
-    </dgm:linClrLst>
-    <dgm:effectClrLst/>
-    <dgm:txLinClrLst/>
-    <dgm:txFillClrLst meth="repeat">
-      <a:schemeClr val="dk1"/>
-    </dgm:txFillClrLst>
-    <dgm:txEffectClrLst/>
-  </dgm:styleLbl>
-  <dgm:styleLbl name="sibTrans1D1">
-    <dgm:fillClrLst meth="repeat">
-      <a:schemeClr val="accent2"/>
-    </dgm:fillClrLst>
-    <dgm:linClrLst meth="repeat">
-      <a:schemeClr val="accent2"/>
-    </dgm:linClrLst>
-    <dgm:effectClrLst/>
-    <dgm:txLinClrLst/>
-    <dgm:txFillClrLst meth="repeat">
-      <a:schemeClr val="tx1"/>
-    </dgm:txFillClrLst>
-    <dgm:txEffectClrLst/>
-  </dgm:styleLbl>
-  <dgm:styleLbl name="callout">
-    <dgm:fillClrLst meth="repeat">
-      <a:schemeClr val="accent2"/>
-    </dgm:fillClrLst>
-    <dgm:linClrLst meth="repeat">
-      <a:schemeClr val="accent2"/>
-    </dgm:linClrLst>
-    <dgm:effectClrLst/>
-    <dgm:txLinClrLst/>
-    <dgm:txFillClrLst meth="repeat">
-      <a:schemeClr val="tx1"/>
-    </dgm:txFillClrLst>
-    <dgm:txEffectClrLst/>
-  </dgm:styleLbl>
-  <dgm:styleLbl name="asst0">
-    <dgm:fillClrLst meth="repeat">
-      <a:schemeClr val="lt1"/>
-    </dgm:fillClrLst>
-    <dgm:linClrLst meth="repeat">
-      <a:schemeClr val="accent2">
-        <a:shade val="80000"/>
-      </a:schemeClr>
-    </dgm:linClrLst>
-    <dgm:effectClrLst/>
-    <dgm:txLinClrLst/>
-    <dgm:txFillClrLst meth="repeat">
-      <a:schemeClr val="dk1"/>
-    </dgm:txFillClrLst>
-    <dgm:txEffectClrLst/>
-  </dgm:styleLbl>
-  <dgm:styleLbl name="asst1">
-    <dgm:fillClrLst meth="repeat">
-      <a:schemeClr val="lt1"/>
-    </dgm:fillClrLst>
-    <dgm:linClrLst meth="repeat">
-      <a:schemeClr val="accent2">
-        <a:shade val="80000"/>
-      </a:schemeClr>
-    </dgm:linClrLst>
-    <dgm:effectClrLst/>
-    <dgm:txLinClrLst/>
-    <dgm:txFillClrLst meth="repeat">
-      <a:schemeClr val="dk1"/>
-    </dgm:txFillClrLst>
-    <dgm:txEffectClrLst/>
-  </dgm:styleLbl>
-  <dgm:styleLbl name="asst2">
-    <dgm:fillClrLst meth="repeat">
-      <a:schemeClr val="lt1"/>
-    </dgm:fillClrLst>
-    <dgm:linClrLst meth="repeat">
-      <a:schemeClr val="accent2">
-        <a:shade val="80000"/>
-      </a:schemeClr>
-    </dgm:linClrLst>
-    <dgm:effectClrLst/>
-    <dgm:txLinClrLst/>
-    <dgm:txFillClrLst meth="repeat">
-      <a:schemeClr val="dk1"/>
-    </dgm:txFillClrLst>
-    <dgm:txEffectClrLst/>
-  </dgm:styleLbl>
-  <dgm:styleLbl name="asst3">
-    <dgm:fillClrLst meth="repeat">
-      <a:schemeClr val="lt1"/>
-    </dgm:fillClrLst>
-    <dgm:linClrLst meth="repeat">
-      <a:schemeClr val="accent2">
-        <a:shade val="80000"/>
-      </a:schemeClr>
-    </dgm:linClrLst>
-    <dgm:effectClrLst/>
-    <dgm:txLinClrLst/>
-    <dgm:txFillClrLst meth="repeat">
-      <a:schemeClr val="dk1"/>
-    </dgm:txFillClrLst>
-    <dgm:txEffectClrLst/>
-  </dgm:styleLbl>
-  <dgm:styleLbl name="asst4">
-    <dgm:fillClrLst meth="repeat">
-      <a:schemeClr val="lt1"/>
-    </dgm:fillClrLst>
-    <dgm:linClrLst meth="repeat">
-      <a:schemeClr val="accent2">
-        <a:shade val="80000"/>
-      </a:schemeClr>
-    </dgm:linClrLst>
-    <dgm:effectClrLst/>
-    <dgm:txLinClrLst/>
-    <dgm:txFillClrLst meth="repeat">
-      <a:schemeClr val="dk1"/>
-    </dgm:txFillClrLst>
-    <dgm:txEffectClrLst/>
-  </dgm:styleLbl>
-  <dgm:styleLbl name="parChTrans2D1">
-    <dgm:fillClrLst meth="repeat">
-      <a:schemeClr val="accent2">
-        <a:tint val="60000"/>
-      </a:schemeClr>
-    </dgm:fillClrLst>
-    <dgm:linClrLst meth="repeat">
-      <a:schemeClr val="accent2">
-        <a:tint val="60000"/>
-      </a:schemeClr>
-    </dgm:linClrLst>
-    <dgm:effectClrLst/>
-    <dgm:txLinClrLst/>
-    <dgm:txFillClrLst/>
-    <dgm:txEffectClrLst/>
-  </dgm:styleLbl>
-  <dgm:styleLbl name="parChTrans2D2">
-    <dgm:fillClrLst meth="repeat">
-      <a:schemeClr val="accent2"/>
-    </dgm:fillClrLst>
-    <dgm:linClrLst meth="repeat">
-      <a:schemeClr val="accent2"/>
-    </dgm:linClrLst>
-    <dgm:effectClrLst/>
-    <dgm:txLinClrLst/>
-    <dgm:txFillClrLst/>
-    <dgm:txEffectClrLst/>
-  </dgm:styleLbl>
-  <dgm:styleLbl name="parChTrans2D3">
-    <dgm:fillClrLst meth="repeat">
-      <a:schemeClr val="accent2"/>
-    </dgm:fillClrLst>
-    <dgm:linClrLst meth="repeat">
-      <a:schemeClr val="accent2"/>
-    </dgm:linClrLst>
-    <dgm:effectClrLst/>
-    <dgm:txLinClrLst/>
-    <dgm:txFillClrLst/>
-    <dgm:txEffectClrLst/>
-  </dgm:styleLbl>
-  <dgm:styleLbl name="parChTrans2D4">
-    <dgm:fillClrLst meth="repeat">
-      <a:schemeClr val="accent2"/>
-    </dgm:fillClrLst>
-    <dgm:linClrLst meth="repeat">
-      <a:schemeClr val="accent2"/>
-    </dgm:linClrLst>
-    <dgm:effectClrLst/>
-    <dgm:txLinClrLst/>
-    <dgm:txFillClrLst meth="repeat">
-      <a:schemeClr val="lt1"/>
-    </dgm:txFillClrLst>
-    <dgm:txEffectClrLst/>
-  </dgm:styleLbl>
-  <dgm:styleLbl name="parChTrans1D1">
-    <dgm:fillClrLst meth="repeat">
-      <a:schemeClr val="accent2"/>
-    </dgm:fillClrLst>
-    <dgm:linClrLst meth="repeat">
-      <a:schemeClr val="accent2">
-        <a:shade val="60000"/>
-      </a:schemeClr>
-    </dgm:linClrLst>
-    <dgm:effectClrLst/>
-    <dgm:txLinClrLst/>
-    <dgm:txFillClrLst meth="repeat">
-      <a:schemeClr val="tx1"/>
-    </dgm:txFillClrLst>
-    <dgm:txEffectClrLst/>
-  </dgm:styleLbl>
-  <dgm:styleLbl name="parChTrans1D2">
-    <dgm:fillClrLst meth="repeat">
-      <a:schemeClr val="accent2"/>
-    </dgm:fillClrLst>
-    <dgm:linClrLst meth="repeat">
-      <a:schemeClr val="accent2">
-        <a:shade val="60000"/>
-      </a:schemeClr>
-    </dgm:linClrLst>
-    <dgm:effectClrLst/>
-    <dgm:txLinClrLst/>
-    <dgm:txFillClrLst meth="repeat">
-      <a:schemeClr val="tx1"/>
-    </dgm:txFillClrLst>
-    <dgm:txEffectClrLst/>
-  </dgm:styleLbl>
-  <dgm:styleLbl name="parChTrans1D3">
-    <dgm:fillClrLst meth="repeat">
-      <a:schemeClr val="accent2"/>
-    </dgm:fillClrLst>
-    <dgm:linClrLst meth="repeat">
-      <a:schemeClr val="accent2">
-        <a:shade val="80000"/>
-      </a:schemeClr>
-    </dgm:linClrLst>
-    <dgm:effectClrLst/>
-    <dgm:txLinClrLst/>
-    <dgm:txFillClrLst meth="repeat">
-      <a:schemeClr val="tx1"/>
-    </dgm:txFillClrLst>
-    <dgm:txEffectClrLst/>
-  </dgm:styleLbl>
-  <dgm:styleLbl name="parChTrans1D4">
-    <dgm:fillClrLst meth="repeat">
-      <a:schemeClr val="accent2"/>
-    </dgm:fillClrLst>
-    <dgm:linClrLst meth="repeat">
-      <a:schemeClr val="accent2">
-        <a:shade val="80000"/>
-      </a:schemeClr>
-    </dgm:linClrLst>
-    <dgm:effectClrLst/>
-    <dgm:txLinClrLst/>
-    <dgm:txFillClrLst meth="repeat">
-      <a:schemeClr val="tx1"/>
-    </dgm:txFillClrLst>
-    <dgm:txEffectClrLst/>
-  </dgm:styleLbl>
-  <dgm:styleLbl name="fgAcc1">
-    <dgm:fillClrLst meth="repeat">
-      <a:schemeClr val="accent2">
-        <a:alpha val="90000"/>
-        <a:tint val="40000"/>
-      </a:schemeClr>
-    </dgm:fillClrLst>
-    <dgm:linClrLst meth="repeat">
-      <a:schemeClr val="accent2"/>
-    </dgm:linClrLst>
-    <dgm:effectClrLst/>
-    <dgm:txLinClrLst/>
-    <dgm:txFillClrLst meth="repeat">
-      <a:schemeClr val="dk1"/>
-    </dgm:txFillClrLst>
-    <dgm:txEffectClrLst/>
-  </dgm:styleLbl>
-  <dgm:styleLbl name="conFgAcc1">
-    <dgm:fillClrLst meth="repeat">
-      <a:schemeClr val="accent2">
-        <a:alpha val="90000"/>
-        <a:tint val="40000"/>
-      </a:schemeClr>
-    </dgm:fillClrLst>
-    <dgm:linClrLst meth="repeat">
-      <a:schemeClr val="accent2"/>
-    </dgm:linClrLst>
-    <dgm:effectClrLst/>
-    <dgm:txLinClrLst/>
-    <dgm:txFillClrLst meth="repeat">
-      <a:schemeClr val="dk1"/>
-    </dgm:txFillClrLst>
-    <dgm:txEffectClrLst/>
-  </dgm:styleLbl>
-  <dgm:styleLbl name="alignAcc1">
-    <dgm:fillClrLst meth="repeat">
-      <a:schemeClr val="accent2">
-        <a:alpha val="90000"/>
-        <a:tint val="40000"/>
-      </a:schemeClr>
-    </dgm:fillClrLst>
-    <dgm:linClrLst meth="repeat">
-      <a:schemeClr val="accent2"/>
-    </dgm:linClrLst>
-    <dgm:effectClrLst/>
-    <dgm:txLinClrLst/>
-    <dgm:txFillClrLst meth="repeat">
-      <a:schemeClr val="dk1"/>
-    </dgm:txFillClrLst>
-    <dgm:txEffectClrLst/>
-  </dgm:styleLbl>
-  <dgm:styleLbl name="trAlignAcc1">
-    <dgm:fillClrLst meth="repeat">
-      <a:schemeClr val="accent2">
-        <a:alpha val="40000"/>
-        <a:tint val="40000"/>
-      </a:schemeClr>
-    </dgm:fillClrLst>
-    <dgm:linClrLst meth="repeat">
-      <a:schemeClr val="accent2"/>
-    </dgm:linClrLst>
-    <dgm:effectClrLst/>
-    <dgm:txLinClrLst/>
-    <dgm:txFillClrLst meth="repeat">
-      <a:schemeClr val="dk1"/>
-    </dgm:txFillClrLst>
-    <dgm:txEffectClrLst/>
-  </dgm:styleLbl>
-  <dgm:styleLbl name="bgAcc1">
-    <dgm:fillClrLst meth="repeat">
-      <a:schemeClr val="accent2">
-        <a:alpha val="90000"/>
-        <a:tint val="40000"/>
-      </a:schemeClr>
-    </dgm:fillClrLst>
-    <dgm:linClrLst meth="repeat">
-      <a:schemeClr val="accent2"/>
-    </dgm:linClrLst>
-    <dgm:effectClrLst/>
-    <dgm:txLinClrLst/>
-    <dgm:txFillClrLst meth="repeat">
-      <a:schemeClr val="dk1"/>
-    </dgm:txFillClrLst>
-    <dgm:txEffectClrLst/>
-  </dgm:styleLbl>
-  <dgm:styleLbl name="solidFgAcc1">
-    <dgm:fillClrLst meth="repeat">
-      <a:schemeClr val="lt1"/>
-    </dgm:fillClrLst>
-    <dgm:linClrLst meth="repeat">
-      <a:schemeClr val="accent2"/>
-    </dgm:linClrLst>
-    <dgm:effectClrLst/>
-    <dgm:txLinClrLst/>
-    <dgm:txFillClrLst meth="repeat">
-      <a:schemeClr val="dk1"/>
-    </dgm:txFillClrLst>
-    <dgm:txEffectClrLst/>
-  </dgm:styleLbl>
-  <dgm:styleLbl name="solidAlignAcc1">
-    <dgm:fillClrLst meth="repeat">
-      <a:schemeClr val="lt1"/>
-    </dgm:fillClrLst>
-    <dgm:linClrLst meth="repeat">
-      <a:schemeClr val="accent2"/>
-    </dgm:linClrLst>
-    <dgm:effectClrLst/>
-    <dgm:txLinClrLst/>
-    <dgm:txFillClrLst meth="repeat">
-      <a:schemeClr val="dk1"/>
-    </dgm:txFillClrLst>
-    <dgm:txEffectClrLst/>
-  </dgm:styleLbl>
-  <dgm:styleLbl name="solidBgAcc1">
-    <dgm:fillClrLst meth="repeat">
-      <a:schemeClr val="lt1"/>
-    </dgm:fillClrLst>
-    <dgm:linClrLst meth="repeat">
-      <a:schemeClr val="accent2"/>
-    </dgm:linClrLst>
-    <dgm:effectClrLst/>
-    <dgm:txLinClrLst/>
-    <dgm:txFillClrLst meth="repeat">
-      <a:schemeClr val="dk1"/>
-    </dgm:txFillClrLst>
-    <dgm:txEffectClrLst/>
-  </dgm:styleLbl>
-  <dgm:styleLbl name="fgAccFollowNode1">
-    <dgm:fillClrLst meth="repeat">
-      <a:schemeClr val="lt1">
-        <a:alpha val="90000"/>
-        <a:tint val="40000"/>
-      </a:schemeClr>
-    </dgm:fillClrLst>
-    <dgm:linClrLst meth="repeat">
-      <a:schemeClr val="accent2">
-        <a:alpha val="90000"/>
-      </a:schemeClr>
-    </dgm:linClrLst>
-    <dgm:effectClrLst/>
-    <dgm:txLinClrLst/>
-    <dgm:txFillClrLst meth="repeat">
-      <a:schemeClr val="dk1"/>
-    </dgm:txFillClrLst>
-    <dgm:txEffectClrLst/>
-  </dgm:styleLbl>
-  <dgm:styleLbl name="alignAccFollowNode1">
-    <dgm:fillClrLst meth="repeat">
-      <a:schemeClr val="lt1">
-        <a:alpha val="90000"/>
-        <a:tint val="40000"/>
-      </a:schemeClr>
-    </dgm:fillClrLst>
-    <dgm:linClrLst meth="repeat">
-      <a:schemeClr val="accent2">
-        <a:alpha val="90000"/>
-      </a:schemeClr>
-    </dgm:linClrLst>
-    <dgm:effectClrLst/>
-    <dgm:txLinClrLst/>
-    <dgm:txFillClrLst meth="repeat">
-      <a:schemeClr val="dk1"/>
-    </dgm:txFillClrLst>
-    <dgm:txEffectClrLst/>
-  </dgm:styleLbl>
-  <dgm:styleLbl name="bgAccFollowNode1">
-    <dgm:fillClrLst meth="repeat">
-      <a:schemeClr val="lt1">
-        <a:alpha val="90000"/>
-        <a:tint val="40000"/>
-      </a:schemeClr>
-    </dgm:fillClrLst>
-    <dgm:linClrLst meth="repeat">
-      <a:schemeClr val="accent2">
-        <a:alpha val="90000"/>
-      </a:schemeClr>
-    </dgm:linClrLst>
-    <dgm:effectClrLst/>
-    <dgm:txLinClrLst/>
-    <dgm:txFillClrLst meth="repeat">
-      <a:schemeClr val="dk1"/>
-    </dgm:txFillClrLst>
-    <dgm:txEffectClrLst/>
-  </dgm:styleLbl>
-  <dgm:styleLbl name="fgAcc0">
-    <dgm:fillClrLst meth="repeat">
-      <a:schemeClr val="accent2">
-        <a:alpha val="90000"/>
-        <a:tint val="40000"/>
-      </a:schemeClr>
-    </dgm:fillClrLst>
-    <dgm:linClrLst meth="repeat">
-      <a:schemeClr val="accent2"/>
-    </dgm:linClrLst>
-    <dgm:effectClrLst/>
-    <dgm:txLinClrLst/>
-    <dgm:txFillClrLst meth="repeat">
-      <a:schemeClr val="dk1"/>
-    </dgm:txFillClrLst>
-    <dgm:txEffectClrLst/>
-  </dgm:styleLbl>
-  <dgm:styleLbl name="fgAcc2">
-    <dgm:fillClrLst meth="repeat">
-      <a:schemeClr val="accent2">
-        <a:alpha val="90000"/>
-        <a:tint val="40000"/>
-      </a:schemeClr>
-    </dgm:fillClrLst>
-    <dgm:linClrLst meth="repeat">
-      <a:schemeClr val="accent2"/>
-    </dgm:linClrLst>
-    <dgm:effectClrLst/>
-    <dgm:txLinClrLst/>
-    <dgm:txFillClrLst meth="repeat">
-      <a:schemeClr val="dk1"/>
-    </dgm:txFillClrLst>
-    <dgm:txEffectClrLst/>
-  </dgm:styleLbl>
-  <dgm:styleLbl name="fgAcc3">
-    <dgm:fillClrLst meth="repeat">
-      <a:schemeClr val="accent2">
-        <a:alpha val="90000"/>
-        <a:tint val="40000"/>
-      </a:schemeClr>
-    </dgm:fillClrLst>
-    <dgm:linClrLst meth="repeat">
-      <a:schemeClr val="accent2"/>
-    </dgm:linClrLst>
-    <dgm:effectClrLst/>
-    <dgm:txLinClrLst/>
-    <dgm:txFillClrLst meth="repeat">
-      <a:schemeClr val="dk1"/>
-    </dgm:txFillClrLst>
-    <dgm:txEffectClrLst/>
-  </dgm:styleLbl>
-  <dgm:styleLbl name="fgAcc4">
-    <dgm:fillClrLst meth="repeat">
-      <a:schemeClr val="accent2">
-        <a:alpha val="90000"/>
-        <a:tint val="40000"/>
-      </a:schemeClr>
-    </dgm:fillClrLst>
-    <dgm:linClrLst meth="repeat">
-      <a:schemeClr val="accent2"/>
-    </dgm:linClrLst>
-    <dgm:effectClrLst/>
-    <dgm:txLinClrLst/>
-    <dgm:txFillClrLst meth="repeat">
-      <a:schemeClr val="dk1"/>
-    </dgm:txFillClrLst>
-    <dgm:txEffectClrLst/>
-  </dgm:styleLbl>
-  <dgm:styleLbl name="bgShp">
-    <dgm:fillClrLst meth="repeat">
-      <a:schemeClr val="accent2">
-        <a:tint val="40000"/>
-      </a:schemeClr>
-    </dgm:fillClrLst>
-    <dgm:linClrLst meth="repeat">
-      <a:schemeClr val="accent2"/>
-    </dgm:linClrLst>
-    <dgm:effectClrLst/>
-    <dgm:txLinClrLst/>
-    <dgm:txFillClrLst meth="repeat">
-      <a:schemeClr val="dk1"/>
-    </dgm:txFillClrLst>
-    <dgm:txEffectClrLst/>
-  </dgm:styleLbl>
-  <dgm:styleLbl name="dkBgShp">
-    <dgm:fillClrLst meth="repeat">
-      <a:schemeClr val="accent2">
-        <a:shade val="80000"/>
-      </a:schemeClr>
-    </dgm:fillClrLst>
-    <dgm:linClrLst meth="repeat">
-      <a:schemeClr val="accent2"/>
-    </dgm:linClrLst>
-    <dgm:effectClrLst/>
-    <dgm:txLinClrLst/>
-    <dgm:txFillClrLst meth="repeat">
-      <a:schemeClr val="lt1"/>
-    </dgm:txFillClrLst>
-    <dgm:txEffectClrLst/>
-  </dgm:styleLbl>
-  <dgm:styleLbl name="trBgShp">
-    <dgm:fillClrLst meth="repeat">
-      <a:schemeClr val="accent2">
-        <a:tint val="50000"/>
-        <a:alpha val="40000"/>
-      </a:schemeClr>
-    </dgm:fillClrLst>
-    <dgm:linClrLst meth="repeat">
-      <a:schemeClr val="accent2"/>
-    </dgm:linClrLst>
-    <dgm:effectClrLst/>
-    <dgm:txLinClrLst/>
-    <dgm:txFillClrLst meth="repeat">
-      <a:schemeClr val="lt1"/>
-    </dgm:txFillClrLst>
-    <dgm:txEffectClrLst/>
-  </dgm:styleLbl>
-  <dgm:styleLbl name="fgShp">
-    <dgm:fillClrLst meth="repeat">
-      <a:schemeClr val="accent2">
-        <a:tint val="60000"/>
-      </a:schemeClr>
-    </dgm:fillClrLst>
-    <dgm:linClrLst meth="repeat">
-      <a:schemeClr val="lt1"/>
-    </dgm:linClrLst>
-    <dgm:effectClrLst/>
-    <dgm:txLinClrLst/>
-    <dgm:txFillClrLst meth="repeat">
-      <a:schemeClr val="dk1"/>
-    </dgm:txFillClrLst>
-    <dgm:txEffectClrLst/>
-  </dgm:styleLbl>
-  <dgm:styleLbl name="revTx">
-    <dgm:fillClrLst meth="repeat">
-      <a:schemeClr val="lt1">
-        <a:alpha val="0"/>
-      </a:schemeClr>
-    </dgm:fillClrLst>
-    <dgm:linClrLst meth="repeat">
-      <a:schemeClr val="dk1">
-        <a:alpha val="0"/>
-      </a:schemeClr>
-    </dgm:linClrLst>
-    <dgm:effectClrLst/>
-    <dgm:txLinClrLst/>
-    <dgm:txFillClrLst meth="repeat">
-      <a:schemeClr val="tx1"/>
-    </dgm:txFillClrLst>
-    <dgm:txEffectClrLst/>
-  </dgm:styleLbl>
-</dgm:colorsDef>
-</file>
-
-<file path=ppt/diagrams/data1.xml><?xml version="1.0" encoding="utf-8"?>
-<dgm:dataModel xmlns:dgm="http://schemas.openxmlformats.org/drawingml/2006/diagram" xmlns:a="http://schemas.openxmlformats.org/drawingml/2006/main">
-  <dgm:ptLst>
-    <dgm:pt modelId="{3137DF2B-DECF-44A7-8971-07475E2BCFC3}" type="doc">
-      <dgm:prSet loTypeId="urn:microsoft.com/office/officeart/2018/2/layout/IconLabelList#2" loCatId="other" qsTypeId="urn:microsoft.com/office/officeart/2005/8/quickstyle/simple1" qsCatId="simple" csTypeId="urn:microsoft.com/office/officeart/2005/8/colors/accent2_1" csCatId="accent2" phldr="1"/>
-      <dgm:spPr/>
-      <dgm:t>
-        <a:bodyPr/>
-        <a:lstStyle/>
-        <a:p>
-          <a:endParaRPr lang="en-US"/>
-        </a:p>
-      </dgm:t>
-    </dgm:pt>
-    <dgm:pt modelId="{C8710C11-6766-4B48-9562-4B0C7B3F28D6}">
-      <dgm:prSet phldrT="[Text]" custT="1"/>
-      <dgm:spPr/>
-      <dgm:t>
-        <a:bodyPr/>
-        <a:lstStyle/>
-        <a:p>
-          <a:pPr>
-            <a:lnSpc>
-              <a:spcPct val="100000"/>
-            </a:lnSpc>
-          </a:pPr>
-          <a:r>
-            <a:rPr lang="en-US" sz="1400" b="1" dirty="0">
-              <a:solidFill>
-                <a:schemeClr val="tx1"/>
-              </a:solidFill>
-              <a:hlinkClick xmlns:r="http://schemas.openxmlformats.org/officeDocument/2006/relationships" r:id="rId1">
-                <a:extLst>
-                  <a:ext uri="{A12FA001-AC4F-418D-AE19-62706E023703}">
-                    <ahyp:hlinkClr xmlns:ahyp="http://schemas.microsoft.com/office/drawing/2018/hyperlinkcolor" val="tx"/>
-                  </a:ext>
-                </a:extLst>
-              </a:hlinkClick>
-            </a:rPr>
-            <a:t>Bayard Rustin</a:t>
-          </a:r>
-          <a:r>
-            <a:rPr lang="en-US" sz="1400" b="1" dirty="0">
-              <a:solidFill>
-                <a:schemeClr val="tx1"/>
-              </a:solidFill>
-            </a:rPr>
-            <a:t>  </a:t>
-          </a:r>
-          <a:r>
-            <a:rPr lang="en-US" sz="1400" dirty="0">
-              <a:solidFill>
-                <a:schemeClr val="tx1"/>
-              </a:solidFill>
-            </a:rPr>
-            <a:t>was a close advisor to Martin Luther King and an American leader of the civil rights movement. Rustin organized and led several protests, including the 1963 March on Washington.</a:t>
-          </a:r>
-        </a:p>
-      </dgm:t>
-    </dgm:pt>
-    <dgm:pt modelId="{6F9BADAF-DEBF-4CC2-B392-F7E0CD538B78}" type="parTrans" cxnId="{E28F4DE8-1F7F-4CC4-B4F7-5167A5B9E0BA}">
-      <dgm:prSet/>
-      <dgm:spPr/>
-      <dgm:t>
-        <a:bodyPr/>
-        <a:lstStyle/>
-        <a:p>
-          <a:endParaRPr lang="en-US" sz="1400">
-            <a:solidFill>
-              <a:schemeClr val="tx1"/>
-            </a:solidFill>
-          </a:endParaRPr>
-        </a:p>
-      </dgm:t>
-    </dgm:pt>
-    <dgm:pt modelId="{CEEC8625-83FA-4202-826E-84C1185A8E32}" type="sibTrans" cxnId="{E28F4DE8-1F7F-4CC4-B4F7-5167A5B9E0BA}">
-      <dgm:prSet/>
-      <dgm:spPr/>
-      <dgm:t>
-        <a:bodyPr/>
-        <a:lstStyle/>
-        <a:p>
-          <a:endParaRPr lang="en-US" sz="1400">
-            <a:solidFill>
-              <a:schemeClr val="tx1"/>
-            </a:solidFill>
-          </a:endParaRPr>
-        </a:p>
-      </dgm:t>
-    </dgm:pt>
-    <dgm:pt modelId="{8EE3C8DC-7BA8-479C-A581-E9DA099939F2}">
-      <dgm:prSet phldrT="[Text]" custT="1"/>
-      <dgm:spPr/>
-      <dgm:t>
-        <a:bodyPr/>
-        <a:lstStyle/>
-        <a:p>
-          <a:pPr>
-            <a:lnSpc>
-              <a:spcPct val="100000"/>
-            </a:lnSpc>
-          </a:pPr>
-          <a:r>
-            <a:rPr lang="en-US" altLang="en-US" sz="1400" b="1" dirty="0">
-              <a:solidFill>
-                <a:schemeClr val="tx1"/>
-              </a:solidFill>
-              <a:hlinkClick xmlns:r="http://schemas.openxmlformats.org/officeDocument/2006/relationships" r:id="rId2">
-                <a:extLst>
-                  <a:ext uri="{A12FA001-AC4F-418D-AE19-62706E023703}">
-                    <ahyp:hlinkClr xmlns:ahyp="http://schemas.microsoft.com/office/drawing/2018/hyperlinkcolor" val="tx"/>
-                  </a:ext>
-                </a:extLst>
-              </a:hlinkClick>
-            </a:rPr>
-            <a:t>Jesse Owens</a:t>
-          </a:r>
-          <a:r>
-            <a:rPr lang="en-US" altLang="en-US" sz="1400" b="1" dirty="0">
-              <a:solidFill>
-                <a:schemeClr val="tx1"/>
-              </a:solidFill>
-            </a:rPr>
-            <a:t> </a:t>
-          </a:r>
-          <a:r>
-            <a:rPr lang="en-US" altLang="en-US" sz="1400" dirty="0">
-              <a:solidFill>
-                <a:schemeClr val="tx1"/>
-              </a:solidFill>
-            </a:rPr>
-            <a:t>was an American track and field athlete and four-time gold medalist in the 1936 Olympic Games in Germany. Owens specialized in the sprints and the long jump. </a:t>
-          </a:r>
-          <a:endParaRPr lang="en-US" sz="1400" dirty="0">
-            <a:solidFill>
-              <a:schemeClr val="tx1"/>
-            </a:solidFill>
-          </a:endParaRPr>
-        </a:p>
-      </dgm:t>
-    </dgm:pt>
-    <dgm:pt modelId="{60ABFDD0-D409-4824-8102-DEA984738144}" type="parTrans" cxnId="{6E8797D1-3A1C-4879-9FDC-A7D2EC6197EA}">
-      <dgm:prSet/>
-      <dgm:spPr/>
-      <dgm:t>
-        <a:bodyPr/>
-        <a:lstStyle/>
-        <a:p>
-          <a:endParaRPr lang="en-US" sz="1400">
-            <a:solidFill>
-              <a:schemeClr val="tx1"/>
-            </a:solidFill>
-          </a:endParaRPr>
-        </a:p>
-      </dgm:t>
-    </dgm:pt>
-    <dgm:pt modelId="{DAC4EAD7-53AC-40F0-BA2F-8B2633CEAE11}" type="sibTrans" cxnId="{6E8797D1-3A1C-4879-9FDC-A7D2EC6197EA}">
-      <dgm:prSet/>
-      <dgm:spPr/>
-      <dgm:t>
-        <a:bodyPr/>
-        <a:lstStyle/>
-        <a:p>
-          <a:endParaRPr lang="en-US" sz="1400">
-            <a:solidFill>
-              <a:schemeClr val="tx1"/>
-            </a:solidFill>
-          </a:endParaRPr>
-        </a:p>
-      </dgm:t>
-    </dgm:pt>
-    <dgm:pt modelId="{8865AC6C-44E0-4174-AB02-044A78D94DE3}">
-      <dgm:prSet phldrT="[Text]" custT="1"/>
-      <dgm:spPr/>
-      <dgm:t>
-        <a:bodyPr/>
-        <a:lstStyle/>
-        <a:p>
-          <a:pPr>
-            <a:lnSpc>
-              <a:spcPct val="100000"/>
-            </a:lnSpc>
-          </a:pPr>
-          <a:r>
-            <a:rPr lang="en-US" altLang="en-US" sz="1400" b="1" dirty="0">
-              <a:solidFill>
-                <a:schemeClr val="tx1"/>
-              </a:solidFill>
-              <a:hlinkClick xmlns:r="http://schemas.openxmlformats.org/officeDocument/2006/relationships" r:id="rId3"/>
-            </a:rPr>
-            <a:t>Zora Neale Hurston</a:t>
-          </a:r>
-          <a:r>
-            <a:rPr lang="en-US" altLang="en-US" sz="1400" b="1" dirty="0">
-              <a:solidFill>
-                <a:schemeClr val="tx1"/>
-              </a:solidFill>
-            </a:rPr>
-            <a:t> </a:t>
-          </a:r>
-          <a:r>
-            <a:rPr lang="en-US" altLang="en-US" sz="1400" dirty="0">
-              <a:solidFill>
-                <a:schemeClr val="tx1"/>
-              </a:solidFill>
-            </a:rPr>
-            <a:t>was an American author, anthropologist, and filmmaker. In 1937, she published her famous novel, Their Eyes Were Watching God. </a:t>
-          </a:r>
-          <a:endParaRPr lang="en-US" sz="1400" dirty="0">
-            <a:solidFill>
-              <a:schemeClr val="tx1"/>
-            </a:solidFill>
-          </a:endParaRPr>
-        </a:p>
-      </dgm:t>
-    </dgm:pt>
-    <dgm:pt modelId="{3FF598BD-2671-4ECB-AD79-D0E600EEC84F}" type="parTrans" cxnId="{E5875C5E-8817-4707-AA33-E7DDCAC19481}">
-      <dgm:prSet/>
-      <dgm:spPr/>
-      <dgm:t>
-        <a:bodyPr/>
-        <a:lstStyle/>
-        <a:p>
-          <a:endParaRPr lang="en-US" sz="1400">
-            <a:solidFill>
-              <a:schemeClr val="tx1"/>
-            </a:solidFill>
-          </a:endParaRPr>
-        </a:p>
-      </dgm:t>
-    </dgm:pt>
-    <dgm:pt modelId="{258DC239-2C60-44C0-830B-87DE5EB56A01}" type="sibTrans" cxnId="{E5875C5E-8817-4707-AA33-E7DDCAC19481}">
-      <dgm:prSet/>
-      <dgm:spPr/>
-      <dgm:t>
-        <a:bodyPr/>
-        <a:lstStyle/>
-        <a:p>
-          <a:endParaRPr lang="en-US" sz="1400">
-            <a:solidFill>
-              <a:schemeClr val="tx1"/>
-            </a:solidFill>
-          </a:endParaRPr>
-        </a:p>
-      </dgm:t>
-    </dgm:pt>
-    <dgm:pt modelId="{F365F799-91C6-467E-8005-77142388ADA7}" type="pres">
-      <dgm:prSet presAssocID="{3137DF2B-DECF-44A7-8971-07475E2BCFC3}" presName="root" presStyleCnt="0">
-        <dgm:presLayoutVars>
-          <dgm:dir/>
-          <dgm:resizeHandles val="exact"/>
-        </dgm:presLayoutVars>
-      </dgm:prSet>
-      <dgm:spPr/>
-    </dgm:pt>
-    <dgm:pt modelId="{CA712F04-4B2E-4073-826D-66E0748C08F8}" type="pres">
-      <dgm:prSet presAssocID="{C8710C11-6766-4B48-9562-4B0C7B3F28D6}" presName="compNode" presStyleCnt="0"/>
-      <dgm:spPr/>
-    </dgm:pt>
-    <dgm:pt modelId="{9A755B31-6174-4948-8B32-7FECC02D6991}" type="pres">
-      <dgm:prSet presAssocID="{C8710C11-6766-4B48-9562-4B0C7B3F28D6}" presName="iconRect" presStyleLbl="node1" presStyleIdx="0" presStyleCnt="3" custScaleX="207746" custScaleY="207746" custLinFactNeighborX="-46518" custLinFactNeighborY="-32295"/>
-      <dgm:spPr>
-        <a:solidFill>
-          <a:schemeClr val="accent2">
-            <a:lumMod val="75000"/>
-          </a:schemeClr>
-        </a:solidFill>
-      </dgm:spPr>
-    </dgm:pt>
-    <dgm:pt modelId="{6AE71D8A-2F35-4756-A4AD-A549FB035E3F}" type="pres">
-      <dgm:prSet presAssocID="{C8710C11-6766-4B48-9562-4B0C7B3F28D6}" presName="spaceRect" presStyleCnt="0"/>
-      <dgm:spPr/>
-    </dgm:pt>
-    <dgm:pt modelId="{5CD563F8-B6A7-4F66-B65C-7F1D3844F472}" type="pres">
-      <dgm:prSet presAssocID="{C8710C11-6766-4B48-9562-4B0C7B3F28D6}" presName="textRect" presStyleLbl="revTx" presStyleIdx="0" presStyleCnt="3" custScaleX="201195" custLinFactNeighborX="-32687" custLinFactNeighborY="-3862">
-        <dgm:presLayoutVars>
-          <dgm:chMax val="1"/>
-          <dgm:chPref val="1"/>
-        </dgm:presLayoutVars>
-      </dgm:prSet>
-      <dgm:spPr/>
-    </dgm:pt>
-    <dgm:pt modelId="{114DEDBD-1AAB-4DDF-B848-DA92D960826E}" type="pres">
-      <dgm:prSet presAssocID="{CEEC8625-83FA-4202-826E-84C1185A8E32}" presName="sibTrans" presStyleCnt="0"/>
-      <dgm:spPr/>
-    </dgm:pt>
-    <dgm:pt modelId="{14161BF4-3B2E-4990-9AA5-1E7113657AFE}" type="pres">
-      <dgm:prSet presAssocID="{8EE3C8DC-7BA8-479C-A581-E9DA099939F2}" presName="compNode" presStyleCnt="0"/>
-      <dgm:spPr/>
-    </dgm:pt>
-    <dgm:pt modelId="{FCA6A723-3A73-458A-AE3C-15B86CF5C55D}" type="pres">
-      <dgm:prSet presAssocID="{8EE3C8DC-7BA8-479C-A581-E9DA099939F2}" presName="iconRect" presStyleLbl="node1" presStyleIdx="1" presStyleCnt="3" custScaleX="207746" custScaleY="207746" custLinFactNeighborX="-567" custLinFactNeighborY="-29145"/>
-      <dgm:spPr>
-        <a:solidFill>
-          <a:schemeClr val="accent2">
-            <a:lumMod val="75000"/>
-          </a:schemeClr>
-        </a:solidFill>
-      </dgm:spPr>
-    </dgm:pt>
-    <dgm:pt modelId="{E9430B85-543F-4592-A6DD-AEEA4B48C6A1}" type="pres">
-      <dgm:prSet presAssocID="{8EE3C8DC-7BA8-479C-A581-E9DA099939F2}" presName="spaceRect" presStyleCnt="0"/>
-      <dgm:spPr/>
-    </dgm:pt>
-    <dgm:pt modelId="{2D06D90C-4774-439F-8532-60F8B9D1D8A7}" type="pres">
-      <dgm:prSet presAssocID="{8EE3C8DC-7BA8-479C-A581-E9DA099939F2}" presName="textRect" presStyleLbl="revTx" presStyleIdx="1" presStyleCnt="3" custScaleX="202363" custLinFactNeighborX="-1569" custLinFactNeighborY="772">
-        <dgm:presLayoutVars>
-          <dgm:chMax val="1"/>
-          <dgm:chPref val="1"/>
-        </dgm:presLayoutVars>
-      </dgm:prSet>
-      <dgm:spPr/>
-    </dgm:pt>
-    <dgm:pt modelId="{6AB9F53E-D91E-4E48-8AD8-05932101491C}" type="pres">
-      <dgm:prSet presAssocID="{DAC4EAD7-53AC-40F0-BA2F-8B2633CEAE11}" presName="sibTrans" presStyleCnt="0"/>
-      <dgm:spPr/>
-    </dgm:pt>
-    <dgm:pt modelId="{ED8AE489-0CC0-4251-92FB-1AC032073F86}" type="pres">
-      <dgm:prSet presAssocID="{8865AC6C-44E0-4174-AB02-044A78D94DE3}" presName="compNode" presStyleCnt="0"/>
-      <dgm:spPr/>
-    </dgm:pt>
-    <dgm:pt modelId="{5326D40B-04B6-4401-91A7-8A4487EDC6FC}" type="pres">
-      <dgm:prSet presAssocID="{8865AC6C-44E0-4174-AB02-044A78D94DE3}" presName="iconRect" presStyleLbl="node1" presStyleIdx="2" presStyleCnt="3" custScaleX="207746" custScaleY="207746" custLinFactNeighborX="16977" custLinFactNeighborY="-25042"/>
-      <dgm:spPr>
-        <a:solidFill>
-          <a:schemeClr val="accent2">
-            <a:lumMod val="75000"/>
-          </a:schemeClr>
-        </a:solidFill>
-      </dgm:spPr>
-    </dgm:pt>
-    <dgm:pt modelId="{45C20058-83ED-45AC-83B6-B4CEEE13D9F9}" type="pres">
-      <dgm:prSet presAssocID="{8865AC6C-44E0-4174-AB02-044A78D94DE3}" presName="spaceRect" presStyleCnt="0"/>
-      <dgm:spPr/>
-    </dgm:pt>
-    <dgm:pt modelId="{1DCFB9CF-BB76-4BDC-932B-A329BC03E697}" type="pres">
-      <dgm:prSet presAssocID="{8865AC6C-44E0-4174-AB02-044A78D94DE3}" presName="textRect" presStyleLbl="revTx" presStyleIdx="2" presStyleCnt="3" custScaleX="198057" custLinFactNeighborX="4851" custLinFactNeighborY="1623">
-        <dgm:presLayoutVars>
-          <dgm:chMax val="1"/>
-          <dgm:chPref val="1"/>
-        </dgm:presLayoutVars>
-      </dgm:prSet>
-      <dgm:spPr/>
-    </dgm:pt>
-  </dgm:ptLst>
-  <dgm:cxnLst>
-    <dgm:cxn modelId="{1A89CB18-8B09-4590-A761-274BEAAD8172}" type="presOf" srcId="{8EE3C8DC-7BA8-479C-A581-E9DA099939F2}" destId="{2D06D90C-4774-439F-8532-60F8B9D1D8A7}" srcOrd="0" destOrd="0" presId="urn:microsoft.com/office/officeart/2018/2/layout/IconLabelList#2"/>
-    <dgm:cxn modelId="{E5875C5E-8817-4707-AA33-E7DDCAC19481}" srcId="{3137DF2B-DECF-44A7-8971-07475E2BCFC3}" destId="{8865AC6C-44E0-4174-AB02-044A78D94DE3}" srcOrd="2" destOrd="0" parTransId="{3FF598BD-2671-4ECB-AD79-D0E600EEC84F}" sibTransId="{258DC239-2C60-44C0-830B-87DE5EB56A01}"/>
-    <dgm:cxn modelId="{8B07B579-2924-4601-907B-DC2D84F91335}" type="presOf" srcId="{C8710C11-6766-4B48-9562-4B0C7B3F28D6}" destId="{5CD563F8-B6A7-4F66-B65C-7F1D3844F472}" srcOrd="0" destOrd="0" presId="urn:microsoft.com/office/officeart/2018/2/layout/IconLabelList#2"/>
-    <dgm:cxn modelId="{65A961CC-3B95-4066-B70A-466BC535A8B1}" type="presOf" srcId="{8865AC6C-44E0-4174-AB02-044A78D94DE3}" destId="{1DCFB9CF-BB76-4BDC-932B-A329BC03E697}" srcOrd="0" destOrd="0" presId="urn:microsoft.com/office/officeart/2018/2/layout/IconLabelList#2"/>
-    <dgm:cxn modelId="{6E8797D1-3A1C-4879-9FDC-A7D2EC6197EA}" srcId="{3137DF2B-DECF-44A7-8971-07475E2BCFC3}" destId="{8EE3C8DC-7BA8-479C-A581-E9DA099939F2}" srcOrd="1" destOrd="0" parTransId="{60ABFDD0-D409-4824-8102-DEA984738144}" sibTransId="{DAC4EAD7-53AC-40F0-BA2F-8B2633CEAE11}"/>
-    <dgm:cxn modelId="{E28F4DE8-1F7F-4CC4-B4F7-5167A5B9E0BA}" srcId="{3137DF2B-DECF-44A7-8971-07475E2BCFC3}" destId="{C8710C11-6766-4B48-9562-4B0C7B3F28D6}" srcOrd="0" destOrd="0" parTransId="{6F9BADAF-DEBF-4CC2-B392-F7E0CD538B78}" sibTransId="{CEEC8625-83FA-4202-826E-84C1185A8E32}"/>
-    <dgm:cxn modelId="{02F767F8-F42A-4F3B-A329-DEC0D12CD806}" type="presOf" srcId="{3137DF2B-DECF-44A7-8971-07475E2BCFC3}" destId="{F365F799-91C6-467E-8005-77142388ADA7}" srcOrd="0" destOrd="0" presId="urn:microsoft.com/office/officeart/2018/2/layout/IconLabelList#2"/>
-    <dgm:cxn modelId="{80A490A9-8618-4D89-B253-C4B2425A15D0}" type="presParOf" srcId="{F365F799-91C6-467E-8005-77142388ADA7}" destId="{CA712F04-4B2E-4073-826D-66E0748C08F8}" srcOrd="0" destOrd="0" presId="urn:microsoft.com/office/officeart/2018/2/layout/IconLabelList#2"/>
-    <dgm:cxn modelId="{484F421F-4E99-48D3-AE36-608B91CC5346}" type="presParOf" srcId="{CA712F04-4B2E-4073-826D-66E0748C08F8}" destId="{9A755B31-6174-4948-8B32-7FECC02D6991}" srcOrd="0" destOrd="0" presId="urn:microsoft.com/office/officeart/2018/2/layout/IconLabelList#2"/>
-    <dgm:cxn modelId="{0EED1B20-3FF9-4C70-ADD9-4DE2CCE6D9DD}" type="presParOf" srcId="{CA712F04-4B2E-4073-826D-66E0748C08F8}" destId="{6AE71D8A-2F35-4756-A4AD-A549FB035E3F}" srcOrd="1" destOrd="0" presId="urn:microsoft.com/office/officeart/2018/2/layout/IconLabelList#2"/>
-    <dgm:cxn modelId="{56B7F5F9-3AD0-4879-BD8D-FB3362B818E9}" type="presParOf" srcId="{CA712F04-4B2E-4073-826D-66E0748C08F8}" destId="{5CD563F8-B6A7-4F66-B65C-7F1D3844F472}" srcOrd="2" destOrd="0" presId="urn:microsoft.com/office/officeart/2018/2/layout/IconLabelList#2"/>
-    <dgm:cxn modelId="{B8FA11BD-8E20-4882-9D4D-DF2BBE04B958}" type="presParOf" srcId="{F365F799-91C6-467E-8005-77142388ADA7}" destId="{114DEDBD-1AAB-4DDF-B848-DA92D960826E}" srcOrd="1" destOrd="0" presId="urn:microsoft.com/office/officeart/2018/2/layout/IconLabelList#2"/>
-    <dgm:cxn modelId="{A377F2C4-8774-4B04-BECB-EB51AC2353E5}" type="presParOf" srcId="{F365F799-91C6-467E-8005-77142388ADA7}" destId="{14161BF4-3B2E-4990-9AA5-1E7113657AFE}" srcOrd="2" destOrd="0" presId="urn:microsoft.com/office/officeart/2018/2/layout/IconLabelList#2"/>
-    <dgm:cxn modelId="{DC4C4434-0D6A-4AED-9A2E-CC7C5B063571}" type="presParOf" srcId="{14161BF4-3B2E-4990-9AA5-1E7113657AFE}" destId="{FCA6A723-3A73-458A-AE3C-15B86CF5C55D}" srcOrd="0" destOrd="0" presId="urn:microsoft.com/office/officeart/2018/2/layout/IconLabelList#2"/>
-    <dgm:cxn modelId="{89B5121F-9599-4794-9AA1-DD6EF55DE189}" type="presParOf" srcId="{14161BF4-3B2E-4990-9AA5-1E7113657AFE}" destId="{E9430B85-543F-4592-A6DD-AEEA4B48C6A1}" srcOrd="1" destOrd="0" presId="urn:microsoft.com/office/officeart/2018/2/layout/IconLabelList#2"/>
-    <dgm:cxn modelId="{AB2BC4E4-5B33-4C26-8C3F-E77225D58E3E}" type="presParOf" srcId="{14161BF4-3B2E-4990-9AA5-1E7113657AFE}" destId="{2D06D90C-4774-439F-8532-60F8B9D1D8A7}" srcOrd="2" destOrd="0" presId="urn:microsoft.com/office/officeart/2018/2/layout/IconLabelList#2"/>
-    <dgm:cxn modelId="{23BAA7AF-17F0-4F65-9E90-273EF7D3B929}" type="presParOf" srcId="{F365F799-91C6-467E-8005-77142388ADA7}" destId="{6AB9F53E-D91E-4E48-8AD8-05932101491C}" srcOrd="3" destOrd="0" presId="urn:microsoft.com/office/officeart/2018/2/layout/IconLabelList#2"/>
-    <dgm:cxn modelId="{5CAA210B-19EB-4E1B-A954-8ECCD13D15D2}" type="presParOf" srcId="{F365F799-91C6-467E-8005-77142388ADA7}" destId="{ED8AE489-0CC0-4251-92FB-1AC032073F86}" srcOrd="4" destOrd="0" presId="urn:microsoft.com/office/officeart/2018/2/layout/IconLabelList#2"/>
-    <dgm:cxn modelId="{D02AAB89-D273-4A42-BD22-FC8E4FBD89B6}" type="presParOf" srcId="{ED8AE489-0CC0-4251-92FB-1AC032073F86}" destId="{5326D40B-04B6-4401-91A7-8A4487EDC6FC}" srcOrd="0" destOrd="0" presId="urn:microsoft.com/office/officeart/2018/2/layout/IconLabelList#2"/>
-    <dgm:cxn modelId="{D277A401-05A8-428C-89F2-F5C3F0254AF4}" type="presParOf" srcId="{ED8AE489-0CC0-4251-92FB-1AC032073F86}" destId="{45C20058-83ED-45AC-83B6-B4CEEE13D9F9}" srcOrd="1" destOrd="0" presId="urn:microsoft.com/office/officeart/2018/2/layout/IconLabelList#2"/>
-    <dgm:cxn modelId="{321AE61B-556D-4E47-8A54-9BC14D9E1263}" type="presParOf" srcId="{ED8AE489-0CC0-4251-92FB-1AC032073F86}" destId="{1DCFB9CF-BB76-4BDC-932B-A329BC03E697}" srcOrd="2" destOrd="0" presId="urn:microsoft.com/office/officeart/2018/2/layout/IconLabelList#2"/>
-  </dgm:cxnLst>
-  <dgm:bg>
-    <a:noFill/>
-  </dgm:bg>
-  <dgm:whole/>
-  <dgm:extLst>
-    <a:ext uri="http://schemas.microsoft.com/office/drawing/2008/diagram">
-      <dsp:dataModelExt xmlns:dsp="http://schemas.microsoft.com/office/drawing/2008/diagram" relId="rId8" minVer="http://schemas.openxmlformats.org/drawingml/2006/diagram"/>
-    </a:ext>
-    <a:ext uri="{C62137D5-CB1D-491B-B009-E17868A290BF}">
-      <dgm14:recolorImg xmlns:dgm14="http://schemas.microsoft.com/office/drawing/2010/diagram" val="1"/>
-    </a:ext>
-  </dgm:extLst>
-</dgm:dataModel>
-</file>
-
-<file path=ppt/diagrams/drawing1.xml><?xml version="1.0" encoding="utf-8"?>
-<dsp:drawing xmlns:dgm="http://schemas.openxmlformats.org/drawingml/2006/diagram" xmlns:dsp="http://schemas.microsoft.com/office/drawing/2008/diagram" xmlns:a="http://schemas.openxmlformats.org/drawingml/2006/main">
-  <dsp:spTree>
-    <dsp:nvGrpSpPr>
-      <dsp:cNvPr id="0" name=""/>
-      <dsp:cNvGrpSpPr/>
-    </dsp:nvGrpSpPr>
-    <dsp:grpSpPr/>
-    <dsp:sp modelId="{9A755B31-6174-4948-8B32-7FECC02D6991}">
-      <dsp:nvSpPr>
-        <dsp:cNvPr id="0" name=""/>
-        <dsp:cNvSpPr/>
-      </dsp:nvSpPr>
-      <dsp:spPr>
-        <a:xfrm>
-          <a:off x="879999" y="97459"/>
-          <a:ext cx="1543061" cy="1543061"/>
-        </a:xfrm>
-        <a:prstGeom prst="rect">
-          <a:avLst/>
-        </a:prstGeom>
-        <a:solidFill>
-          <a:schemeClr val="accent2">
-            <a:lumMod val="75000"/>
-          </a:schemeClr>
-        </a:solidFill>
-        <a:ln w="12700" cap="flat" cmpd="sng" algn="ctr">
-          <a:solidFill>
-            <a:schemeClr val="accent2">
-              <a:shade val="80000"/>
-              <a:hueOff val="0"/>
-              <a:satOff val="0"/>
-              <a:lumOff val="0"/>
-              <a:alphaOff val="0"/>
-            </a:schemeClr>
-          </a:solidFill>
-          <a:prstDash val="solid"/>
-          <a:miter lim="800000"/>
-        </a:ln>
-        <a:effectLst/>
-      </dsp:spPr>
-      <dsp:style>
-        <a:lnRef idx="2">
-          <a:scrgbClr r="0" g="0" b="0"/>
-        </a:lnRef>
-        <a:fillRef idx="1">
-          <a:scrgbClr r="0" g="0" b="0"/>
-        </a:fillRef>
-        <a:effectRef idx="0">
-          <a:scrgbClr r="0" g="0" b="0"/>
-        </a:effectRef>
-        <a:fontRef idx="minor">
-          <a:schemeClr val="lt1"/>
-        </a:fontRef>
-      </dsp:style>
-    </dsp:sp>
-    <dsp:sp modelId="{5CD563F8-B6A7-4F66-B65C-7F1D3844F472}">
-      <dsp:nvSpPr>
-        <dsp:cNvPr id="0" name=""/>
-        <dsp:cNvSpPr/>
-      </dsp:nvSpPr>
-      <dsp:spPr>
-        <a:xfrm>
-          <a:off x="0" y="1775879"/>
-          <a:ext cx="3320896" cy="1193493"/>
-        </a:xfrm>
-        <a:prstGeom prst="rect">
-          <a:avLst/>
-        </a:prstGeom>
-        <a:noFill/>
-        <a:ln>
-          <a:noFill/>
-        </a:ln>
-        <a:effectLst/>
-      </dsp:spPr>
-      <dsp:style>
-        <a:lnRef idx="0">
-          <a:scrgbClr r="0" g="0" b="0"/>
-        </a:lnRef>
-        <a:fillRef idx="0">
-          <a:scrgbClr r="0" g="0" b="0"/>
-        </a:fillRef>
-        <a:effectRef idx="0">
-          <a:scrgbClr r="0" g="0" b="0"/>
-        </a:effectRef>
-        <a:fontRef idx="minor"/>
-      </dsp:style>
-      <dsp:txBody>
-        <a:bodyPr spcFirstLastPara="0" vert="horz" wrap="square" lIns="0" tIns="0" rIns="0" bIns="0" numCol="1" spcCol="1270" anchor="t" anchorCtr="0">
-          <a:noAutofit/>
-        </a:bodyPr>
-        <a:lstStyle/>
-        <a:p>
-          <a:pPr marL="0" lvl="0" indent="0" algn="ctr" defTabSz="622300">
-            <a:lnSpc>
-              <a:spcPct val="100000"/>
-            </a:lnSpc>
-            <a:spcBef>
-              <a:spcPct val="0"/>
-            </a:spcBef>
-            <a:spcAft>
-              <a:spcPct val="35000"/>
-            </a:spcAft>
-            <a:buNone/>
-          </a:pPr>
-          <a:r>
-            <a:rPr lang="en-US" sz="1400" b="1" kern="1200" dirty="0">
-              <a:solidFill>
-                <a:schemeClr val="tx1"/>
-              </a:solidFill>
-              <a:hlinkClick xmlns:r="http://schemas.openxmlformats.org/officeDocument/2006/relationships" r:id="rId1">
-                <a:extLst>
-                  <a:ext uri="{A12FA001-AC4F-418D-AE19-62706E023703}">
-                    <ahyp:hlinkClr xmlns:ahyp="http://schemas.microsoft.com/office/drawing/2018/hyperlinkcolor" val="tx"/>
-                  </a:ext>
-                </a:extLst>
-              </a:hlinkClick>
-            </a:rPr>
-            <a:t>Bayard Rustin</a:t>
-          </a:r>
-          <a:r>
-            <a:rPr lang="en-US" sz="1400" b="1" kern="1200" dirty="0">
-              <a:solidFill>
-                <a:schemeClr val="tx1"/>
-              </a:solidFill>
-            </a:rPr>
-            <a:t>  </a:t>
-          </a:r>
-          <a:r>
-            <a:rPr lang="en-US" sz="1400" kern="1200" dirty="0">
-              <a:solidFill>
-                <a:schemeClr val="tx1"/>
-              </a:solidFill>
-            </a:rPr>
-            <a:t>was a close advisor to Martin Luther King and an American leader of the civil rights movement. Rustin organized and led several protests, including the 1963 March on Washington.</a:t>
-          </a:r>
-        </a:p>
-      </dsp:txBody>
-      <dsp:txXfrm>
-        <a:off x="0" y="1775879"/>
-        <a:ext cx="3320896" cy="1193493"/>
-      </dsp:txXfrm>
-    </dsp:sp>
-    <dsp:sp modelId="{FCA6A723-3A73-458A-AE3C-15B86CF5C55D}">
-      <dsp:nvSpPr>
-        <dsp:cNvPr id="0" name=""/>
-        <dsp:cNvSpPr/>
-      </dsp:nvSpPr>
-      <dsp:spPr>
-        <a:xfrm>
-          <a:off x="4840695" y="120765"/>
-          <a:ext cx="1543061" cy="1543061"/>
-        </a:xfrm>
-        <a:prstGeom prst="rect">
-          <a:avLst/>
-        </a:prstGeom>
-        <a:solidFill>
-          <a:schemeClr val="accent2">
-            <a:lumMod val="75000"/>
-          </a:schemeClr>
-        </a:solidFill>
-        <a:ln w="12700" cap="flat" cmpd="sng" algn="ctr">
-          <a:solidFill>
-            <a:schemeClr val="accent2">
-              <a:shade val="80000"/>
-              <a:hueOff val="0"/>
-              <a:satOff val="0"/>
-              <a:lumOff val="0"/>
-              <a:alphaOff val="0"/>
-            </a:schemeClr>
-          </a:solidFill>
-          <a:prstDash val="solid"/>
-          <a:miter lim="800000"/>
-        </a:ln>
-        <a:effectLst/>
-      </dsp:spPr>
-      <dsp:style>
-        <a:lnRef idx="2">
-          <a:scrgbClr r="0" g="0" b="0"/>
-        </a:lnRef>
-        <a:fillRef idx="1">
-          <a:scrgbClr r="0" g="0" b="0"/>
-        </a:fillRef>
-        <a:effectRef idx="0">
-          <a:scrgbClr r="0" g="0" b="0"/>
-        </a:effectRef>
-        <a:fontRef idx="minor">
-          <a:schemeClr val="lt1"/>
-        </a:fontRef>
-      </dsp:style>
-    </dsp:sp>
-    <dsp:sp modelId="{2D06D90C-4774-439F-8532-60F8B9D1D8A7}">
-      <dsp:nvSpPr>
-        <dsp:cNvPr id="0" name=""/>
-        <dsp:cNvSpPr/>
-      </dsp:nvSpPr>
-      <dsp:spPr>
-        <a:xfrm>
-          <a:off x="3920452" y="1831097"/>
-          <a:ext cx="3340175" cy="1193673"/>
-        </a:xfrm>
-        <a:prstGeom prst="rect">
-          <a:avLst/>
-        </a:prstGeom>
-        <a:noFill/>
-        <a:ln>
-          <a:noFill/>
-        </a:ln>
-        <a:effectLst/>
-      </dsp:spPr>
-      <dsp:style>
-        <a:lnRef idx="0">
-          <a:scrgbClr r="0" g="0" b="0"/>
-        </a:lnRef>
-        <a:fillRef idx="0">
-          <a:scrgbClr r="0" g="0" b="0"/>
-        </a:fillRef>
-        <a:effectRef idx="0">
-          <a:scrgbClr r="0" g="0" b="0"/>
-        </a:effectRef>
-        <a:fontRef idx="minor"/>
-      </dsp:style>
-      <dsp:txBody>
-        <a:bodyPr spcFirstLastPara="0" vert="horz" wrap="square" lIns="0" tIns="0" rIns="0" bIns="0" numCol="1" spcCol="1270" anchor="t" anchorCtr="0">
-          <a:noAutofit/>
-        </a:bodyPr>
-        <a:lstStyle/>
-        <a:p>
-          <a:pPr marL="0" lvl="0" indent="0" algn="ctr" defTabSz="622300">
-            <a:lnSpc>
-              <a:spcPct val="100000"/>
-            </a:lnSpc>
-            <a:spcBef>
-              <a:spcPct val="0"/>
-            </a:spcBef>
-            <a:spcAft>
-              <a:spcPct val="35000"/>
-            </a:spcAft>
-            <a:buNone/>
-          </a:pPr>
-          <a:r>
-            <a:rPr lang="en-US" altLang="en-US" sz="1400" b="1" kern="1200" dirty="0">
-              <a:solidFill>
-                <a:schemeClr val="tx1"/>
-              </a:solidFill>
-              <a:hlinkClick xmlns:r="http://schemas.openxmlformats.org/officeDocument/2006/relationships" r:id="rId2">
-                <a:extLst>
-                  <a:ext uri="{A12FA001-AC4F-418D-AE19-62706E023703}">
-                    <ahyp:hlinkClr xmlns:ahyp="http://schemas.microsoft.com/office/drawing/2018/hyperlinkcolor" val="tx"/>
-                  </a:ext>
-                </a:extLst>
-              </a:hlinkClick>
-            </a:rPr>
-            <a:t>Jesse Owens</a:t>
-          </a:r>
-          <a:r>
-            <a:rPr lang="en-US" altLang="en-US" sz="1400" b="1" kern="1200" dirty="0">
-              <a:solidFill>
-                <a:schemeClr val="tx1"/>
-              </a:solidFill>
-            </a:rPr>
-            <a:t> </a:t>
-          </a:r>
-          <a:r>
-            <a:rPr lang="en-US" altLang="en-US" sz="1400" kern="1200" dirty="0">
-              <a:solidFill>
-                <a:schemeClr val="tx1"/>
-              </a:solidFill>
-            </a:rPr>
-            <a:t>was an American track and field athlete and four-time gold medalist in the 1936 Olympic Games in Germany. Owens specialized in the sprints and the long jump. </a:t>
-          </a:r>
-          <a:endParaRPr lang="en-US" sz="1400" kern="1200" dirty="0">
-            <a:solidFill>
-              <a:schemeClr val="tx1"/>
-            </a:solidFill>
-          </a:endParaRPr>
-        </a:p>
-      </dsp:txBody>
-      <dsp:txXfrm>
-        <a:off x="3920452" y="1831097"/>
-        <a:ext cx="3340175" cy="1193673"/>
-      </dsp:txXfrm>
-    </dsp:sp>
-    <dsp:sp modelId="{5326D40B-04B6-4401-91A7-8A4487EDC6FC}">
-      <dsp:nvSpPr>
-        <dsp:cNvPr id="0" name=""/>
-        <dsp:cNvSpPr/>
-      </dsp:nvSpPr>
-      <dsp:spPr>
-        <a:xfrm>
-          <a:off x="8564496" y="151023"/>
-          <a:ext cx="1543061" cy="1543061"/>
-        </a:xfrm>
-        <a:prstGeom prst="rect">
-          <a:avLst/>
-        </a:prstGeom>
-        <a:solidFill>
-          <a:schemeClr val="accent2">
-            <a:lumMod val="75000"/>
-          </a:schemeClr>
-        </a:solidFill>
-        <a:ln w="12700" cap="flat" cmpd="sng" algn="ctr">
-          <a:solidFill>
-            <a:schemeClr val="accent2">
-              <a:shade val="80000"/>
-              <a:hueOff val="0"/>
-              <a:satOff val="0"/>
-              <a:lumOff val="0"/>
-              <a:alphaOff val="0"/>
-            </a:schemeClr>
-          </a:solidFill>
-          <a:prstDash val="solid"/>
-          <a:miter lim="800000"/>
-        </a:ln>
-        <a:effectLst/>
-      </dsp:spPr>
-      <dsp:style>
-        <a:lnRef idx="2">
-          <a:scrgbClr r="0" g="0" b="0"/>
-        </a:lnRef>
-        <a:fillRef idx="1">
-          <a:scrgbClr r="0" g="0" b="0"/>
-        </a:fillRef>
-        <a:effectRef idx="0">
-          <a:scrgbClr r="0" g="0" b="0"/>
-        </a:effectRef>
-        <a:fontRef idx="minor">
-          <a:schemeClr val="lt1"/>
-        </a:fontRef>
-      </dsp:style>
-    </dsp:sp>
-    <dsp:sp modelId="{1DCFB9CF-BB76-4BDC-932B-A329BC03E697}">
-      <dsp:nvSpPr>
-        <dsp:cNvPr id="0" name=""/>
-        <dsp:cNvSpPr/>
-      </dsp:nvSpPr>
-      <dsp:spPr>
-        <a:xfrm>
-          <a:off x="7655447" y="1841135"/>
-          <a:ext cx="3269100" cy="1194017"/>
-        </a:xfrm>
-        <a:prstGeom prst="rect">
-          <a:avLst/>
-        </a:prstGeom>
-        <a:noFill/>
-        <a:ln>
-          <a:noFill/>
-        </a:ln>
-        <a:effectLst/>
-      </dsp:spPr>
-      <dsp:style>
-        <a:lnRef idx="0">
-          <a:scrgbClr r="0" g="0" b="0"/>
-        </a:lnRef>
-        <a:fillRef idx="0">
-          <a:scrgbClr r="0" g="0" b="0"/>
-        </a:fillRef>
-        <a:effectRef idx="0">
-          <a:scrgbClr r="0" g="0" b="0"/>
-        </a:effectRef>
-        <a:fontRef idx="minor"/>
-      </dsp:style>
-      <dsp:txBody>
-        <a:bodyPr spcFirstLastPara="0" vert="horz" wrap="square" lIns="0" tIns="0" rIns="0" bIns="0" numCol="1" spcCol="1270" anchor="t" anchorCtr="0">
-          <a:noAutofit/>
-        </a:bodyPr>
-        <a:lstStyle/>
-        <a:p>
-          <a:pPr marL="0" lvl="0" indent="0" algn="ctr" defTabSz="622300">
-            <a:lnSpc>
-              <a:spcPct val="100000"/>
-            </a:lnSpc>
-            <a:spcBef>
-              <a:spcPct val="0"/>
-            </a:spcBef>
-            <a:spcAft>
-              <a:spcPct val="35000"/>
-            </a:spcAft>
-            <a:buNone/>
-          </a:pPr>
-          <a:r>
-            <a:rPr lang="en-US" altLang="en-US" sz="1400" b="1" kern="1200" dirty="0">
-              <a:solidFill>
-                <a:schemeClr val="tx1"/>
-              </a:solidFill>
-              <a:hlinkClick xmlns:r="http://schemas.openxmlformats.org/officeDocument/2006/relationships" r:id="rId3"/>
-            </a:rPr>
-            <a:t>Zora Neale Hurston</a:t>
-          </a:r>
-          <a:r>
-            <a:rPr lang="en-US" altLang="en-US" sz="1400" b="1" kern="1200" dirty="0">
-              <a:solidFill>
-                <a:schemeClr val="tx1"/>
-              </a:solidFill>
-            </a:rPr>
-            <a:t> </a:t>
-          </a:r>
-          <a:r>
-            <a:rPr lang="en-US" altLang="en-US" sz="1400" kern="1200" dirty="0">
-              <a:solidFill>
-                <a:schemeClr val="tx1"/>
-              </a:solidFill>
-            </a:rPr>
-            <a:t>was an American author, anthropologist, and filmmaker. In 1937, she published her famous novel, Their Eyes Were Watching God. </a:t>
-          </a:r>
-          <a:endParaRPr lang="en-US" sz="1400" kern="1200" dirty="0">
-            <a:solidFill>
-              <a:schemeClr val="tx1"/>
-            </a:solidFill>
-          </a:endParaRPr>
-        </a:p>
-      </dsp:txBody>
-      <dsp:txXfrm>
-        <a:off x="7655447" y="1841135"/>
-        <a:ext cx="3269100" cy="1194017"/>
-      </dsp:txXfrm>
-    </dsp:sp>
-  </dsp:spTree>
-</dsp:drawing>
-</file>
-
-<file path=ppt/diagrams/layout1.xml><?xml version="1.0" encoding="utf-8"?>
-<dgm:layoutDef xmlns:dgm="http://schemas.openxmlformats.org/drawingml/2006/diagram" xmlns:a="http://schemas.openxmlformats.org/drawingml/2006/main" uniqueId="urn:microsoft.com/office/officeart/2018/2/layout/IconLabelList#2">
-  <dgm:title val="Icon Label List"/>
-  <dgm:desc val="Use to show non-sequential or grouped chunks of information accompanied by a related visuals. Works best with icons or small pictures with short text captions."/>
-  <dgm:catLst>
-    <dgm:cat type="icon" pri="500"/>
-  </dgm:catLst>
-  <dgm:sampData useDef="1">
-    <dgm:dataModel>
-      <dgm:ptLst/>
-      <dgm:bg/>
-      <dgm:whole/>
-    </dgm:dataModel>
-  </dgm:sampData>
-  <dgm:styleData useDef="1">
-    <dgm:dataModel>
-      <dgm:ptLst/>
-      <dgm:bg/>
-      <dgm:whole/>
-    </dgm:dataModel>
-  </dgm:styleData>
-  <dgm:clrData useDef="1">
-    <dgm:dataModel>
-      <dgm:ptLst/>
-      <dgm:bg/>
-      <dgm:whole/>
-    </dgm:dataModel>
-  </dgm:clrData>
-  <dgm:layoutNode name="root">
-    <dgm:varLst>
-      <dgm:dir/>
-      <dgm:resizeHandles val="exact"/>
-    </dgm:varLst>
-    <dgm:choose name="Name0">
-      <dgm:if name="Name1" axis="self" func="var" arg="dir" op="equ" val="norm">
-        <dgm:alg type="snake">
-          <dgm:param type="grDir" val="tL"/>
-          <dgm:param type="flowDir" val="row"/>
-          <dgm:param type="contDir" val="sameDir"/>
-          <dgm:param type="off" val="ctr"/>
-          <dgm:param type="vertAlign" val="mid"/>
-          <dgm:param type="horzAlign" val="ctr"/>
-        </dgm:alg>
-      </dgm:if>
-      <dgm:else name="Name2">
-        <dgm:alg type="snake">
-          <dgm:param type="grDir" val="tR"/>
-          <dgm:param type="flowDir" val="row"/>
-          <dgm:param type="contDir" val="sameDir"/>
-          <dgm:param type="off" val="ctr"/>
-          <dgm:param type="vertAlign" val="mid"/>
-          <dgm:param type="horzAlign" val="ctr"/>
-        </dgm:alg>
-      </dgm:else>
-    </dgm:choose>
-    <dgm:shape xmlns:r="http://schemas.openxmlformats.org/officeDocument/2006/relationships" r:blip="">
-      <dgm:adjLst/>
-    </dgm:shape>
-    <dgm:presOf/>
-    <dgm:choose name="Name3">
-      <dgm:if name="Name4" axis="ch" ptType="node" func="cnt" op="lte" val="2">
-        <dgm:constrLst>
-          <dgm:constr type="h" for="ch" forName="compNode" refType="h" fact="0.4"/>
-          <dgm:constr type="w" for="ch" forName="compNode" val="120"/>
-          <dgm:constr type="w" for="ch" forName="sibTrans" refType="w" refFor="ch" refForName="compNode" fact="0.175"/>
-          <dgm:constr type="sp" refType="w" refFor="ch" refForName="compNode" op="equ" fact="0.25"/>
-          <dgm:constr type="primFontSz" for="des" ptType="node" op="equ" val="50"/>
-          <dgm:constr type="h" for="des" forName="compNode" op="equ"/>
-          <dgm:constr type="h" for="des" forName="textRect" op="equ"/>
-        </dgm:constrLst>
-      </dgm:if>
-      <dgm:if name="Name5" axis="ch" ptType="node" func="cnt" op="lte" val="4">
-        <dgm:constrLst>
-          <dgm:constr type="h" for="ch" forName="compNode" refType="h" fact="0.4"/>
-          <dgm:constr type="w" for="ch" forName="compNode" refType="w"/>
-          <dgm:constr type="w" for="ch" forName="sibTrans" refType="w" refFor="ch" refForName="compNode" fact="0.175"/>
-          <dgm:constr type="sp" refType="w" refFor="ch" refForName="compNode" op="equ" fact="0.25"/>
-          <dgm:constr type="primFontSz" for="des" ptType="node" op="equ" val="36"/>
-          <dgm:constr type="h" for="des" forName="compNode" op="equ"/>
-          <dgm:constr type="h" for="des" forName="textRect" op="equ"/>
-        </dgm:constrLst>
-      </dgm:if>
-      <dgm:else name="Name6">
-        <dgm:constrLst>
-          <dgm:constr type="h" for="ch" forName="compNode" refType="h" fact="0.4"/>
-          <dgm:constr type="w" for="ch" forName="compNode" refType="w"/>
-          <dgm:constr type="w" for="ch" forName="sibTrans" refType="w" refFor="ch" refForName="compNode" fact="0.175"/>
-          <dgm:constr type="sp" refType="w" refFor="ch" refForName="compNode" op="equ" fact="0.25"/>
-          <dgm:constr type="primFontSz" for="des" ptType="node" op="equ" val="24"/>
-          <dgm:constr type="h" for="des" forName="compNode" op="equ"/>
-          <dgm:constr type="h" for="des" forName="textRect" op="equ"/>
-        </dgm:constrLst>
-      </dgm:else>
-    </dgm:choose>
-    <dgm:ruleLst>
-      <dgm:rule type="w" for="ch" forName="compNode" val="50" fact="NaN" max="NaN"/>
-    </dgm:ruleLst>
-    <dgm:forEach name="Name7" axis="ch" ptType="node">
-      <dgm:layoutNode name="compNode">
-        <dgm:alg type="composite"/>
-        <dgm:shape xmlns:r="http://schemas.openxmlformats.org/officeDocument/2006/relationships" r:blip="">
-          <dgm:adjLst/>
-        </dgm:shape>
-        <dgm:presOf axis="self"/>
-        <dgm:constrLst>
-          <dgm:constr type="w" for="ch" forName="iconRect" refType="w" fact="0.45"/>
-          <dgm:constr type="h" for="ch" forName="iconRect" refType="w" refFor="ch" refForName="iconRect"/>
-          <dgm:constr type="ctrX" for="ch" forName="iconRect" refType="w" fact="0.5"/>
-          <dgm:constr type="t" for="ch" forName="iconRect"/>
-          <dgm:constr type="h" for="ch" forName="spaceRect" refType="h" fact="0.15"/>
-          <dgm:constr type="w" for="ch" forName="spaceRect" refType="w"/>
-          <dgm:constr type="l" for="ch" forName="spaceRect"/>
-          <dgm:constr type="t" for="ch" forName="spaceRect" refType="b" refFor="ch" refForName="iconRect"/>
-          <dgm:constr type="h" for="ch" forName="textRect" val="20"/>
-          <dgm:constr type="w" for="ch" forName="textRect" refType="w"/>
-          <dgm:constr type="l" for="ch" forName="textRect"/>
-          <dgm:constr type="t" for="ch" forName="textRect" refType="b" refFor="ch" refForName="spaceRect"/>
-        </dgm:constrLst>
-        <dgm:ruleLst>
-          <dgm:rule type="h" val="INF" fact="NaN" max="NaN"/>
-        </dgm:ruleLst>
-        <dgm:layoutNode name="iconRect">
-          <dgm:alg type="sp"/>
-          <dgm:shape xmlns:r="http://schemas.openxmlformats.org/officeDocument/2006/relationships" type="rect" r:blip="" blipPhldr="1">
-            <dgm:adjLst/>
-          </dgm:shape>
-          <dgm:presOf/>
-          <dgm:constrLst/>
-          <dgm:ruleLst/>
-        </dgm:layoutNode>
-        <dgm:layoutNode name="spaceRect">
-          <dgm:alg type="sp"/>
-          <dgm:shape xmlns:r="http://schemas.openxmlformats.org/officeDocument/2006/relationships" r:blip="">
-            <dgm:adjLst/>
-          </dgm:shape>
-          <dgm:presOf/>
-          <dgm:constrLst/>
-          <dgm:ruleLst/>
-        </dgm:layoutNode>
-        <dgm:layoutNode name="textRect" styleLbl="revTx">
-          <dgm:varLst>
-            <dgm:chMax val="1"/>
-            <dgm:chPref val="1"/>
-          </dgm:varLst>
-          <dgm:alg type="tx">
-            <dgm:param type="txAnchorVert" val="t"/>
-          </dgm:alg>
-          <dgm:shape xmlns:r="http://schemas.openxmlformats.org/officeDocument/2006/relationships" type="rect" r:blip="">
-            <dgm:adjLst/>
-          </dgm:shape>
-          <dgm:presOf axis="self" ptType="node"/>
-          <dgm:constrLst>
-            <dgm:constr type="lMarg"/>
-            <dgm:constr type="rMarg"/>
-            <dgm:constr type="tMarg"/>
-            <dgm:constr type="bMarg"/>
-          </dgm:constrLst>
-          <dgm:ruleLst>
-            <dgm:rule type="primFontSz" val="14" fact="NaN" max="NaN"/>
-            <dgm:rule type="h" val="INF" fact="NaN" max="NaN"/>
-          </dgm:ruleLst>
-        </dgm:layoutNode>
-      </dgm:layoutNode>
-      <dgm:forEach name="Name8" axis="followSib" ptType="sibTrans" cnt="1">
-        <dgm:layoutNode name="sibTrans">
-          <dgm:alg type="sp"/>
-          <dgm:shape xmlns:r="http://schemas.openxmlformats.org/officeDocument/2006/relationships" r:blip="">
-            <dgm:adjLst/>
-          </dgm:shape>
-          <dgm:presOf axis="self"/>
-          <dgm:constrLst/>
-          <dgm:ruleLst/>
-        </dgm:layoutNode>
-      </dgm:forEach>
-    </dgm:forEach>
-  </dgm:layoutNode>
-  <dgm:extLst>
-    <a:ext uri="{68A01E43-0DF5-4B5B-8FA6-DAF915123BFB}">
-      <dgm1612:lstStyle xmlns:dgm1612="http://schemas.microsoft.com/office/drawing/2016/12/diagram">
-        <a:lvl1pPr>
-          <a:lnSpc>
-            <a:spcPct val="100000"/>
-          </a:lnSpc>
-        </a:lvl1pPr>
-      </dgm1612:lstStyle>
-    </a:ext>
-  </dgm:extLst>
-</dgm:layoutDef>
-</file>
-
-<file path=ppt/diagrams/quickStyle1.xml><?xml version="1.0" encoding="utf-8"?>
-<dgm:styleDef xmlns:dgm="http://schemas.openxmlformats.org/drawingml/2006/diagram" xmlns:a="http://schemas.openxmlformats.org/drawingml/2006/main" uniqueId="urn:microsoft.com/office/officeart/2005/8/quickstyle/simple1">
-  <dgm:title val=""/>
-  <dgm:desc val=""/>
-  <dgm:catLst>
-    <dgm:cat type="simple" pri="10100"/>
-  </dgm:catLst>
-  <dgm:scene3d>
-    <a:camera prst="orthographicFront"/>
-    <a:lightRig rig="threePt" dir="t"/>
-  </dgm:scene3d>
-  <dgm:styleLbl name="node0">
-    <dgm:scene3d>
-      <a:camera prst="orthographicFront"/>
-      <a:lightRig rig="threePt" dir="t"/>
-    </dgm:scene3d>
-    <dgm:sp3d/>
-    <dgm:txPr/>
-    <dgm:style>
-      <a:lnRef idx="2">
-        <a:scrgbClr r="0" g="0" b="0"/>
-      </a:lnRef>
-      <a:fillRef idx="1">
-        <a:scrgbClr r="0" g="0" b="0"/>
-      </a:fillRef>
-      <a:effectRef idx="0">
-        <a:scrgbClr r="0" g="0" b="0"/>
-      </a:effectRef>
-      <a:fontRef idx="minor">
-        <a:schemeClr val="lt1"/>
-      </a:fontRef>
-    </dgm:style>
-  </dgm:styleLbl>
-  <dgm:styleLbl name="lnNode1">
-    <dgm:scene3d>
-      <a:camera prst="orthographicFront"/>
-      <a:lightRig rig="threePt" dir="t"/>
-    </dgm:scene3d>
-    <dgm:sp3d/>
-    <dgm:txPr/>
-    <dgm:style>
-      <a:lnRef idx="2">
-        <a:scrgbClr r="0" g="0" b="0"/>
-      </a:lnRef>
-      <a:fillRef idx="1">
-        <a:scrgbClr r="0" g="0" b="0"/>
-      </a:fillRef>
-      <a:effectRef idx="0">
-        <a:scrgbClr r="0" g="0" b="0"/>
-      </a:effectRef>
-      <a:fontRef idx="minor">
-        <a:schemeClr val="lt1"/>
-      </a:fontRef>
-    </dgm:style>
-  </dgm:styleLbl>
-  <dgm:styleLbl name="vennNode1">
-    <dgm:scene3d>
-      <a:camera prst="orthographicFront"/>
-      <a:lightRig rig="threePt" dir="t"/>
-    </dgm:scene3d>
-    <dgm:sp3d/>
-    <dgm:txPr/>
-    <dgm:style>
-      <a:lnRef idx="2">
-        <a:scrgbClr r="0" g="0" b="0"/>
-      </a:lnRef>
-      <a:fillRef idx="1">
-        <a:scrgbClr r="0" g="0" b="0"/>
-      </a:fillRef>
-      <a:effectRef idx="0">
-        <a:scrgbClr r="0" g="0" b="0"/>
-      </a:effectRef>
-      <a:fontRef idx="minor">
-        <a:schemeClr val="tx1"/>
-      </a:fontRef>
-    </dgm:style>
-  </dgm:styleLbl>
-  <dgm:styleLbl name="alignNode1">
-    <dgm:scene3d>
-      <a:camera prst="orthographicFront"/>
-      <a:lightRig rig="threePt" dir="t"/>
-    </dgm:scene3d>
-    <dgm:sp3d/>
-    <dgm:txPr/>
-    <dgm:style>
-      <a:lnRef idx="2">
-        <a:scrgbClr r="0" g="0" b="0"/>
-      </a:lnRef>
-      <a:fillRef idx="1">
-        <a:scrgbClr r="0" g="0" b="0"/>
-      </a:fillRef>
-      <a:effectRef idx="0">
-        <a:scrgbClr r="0" g="0" b="0"/>
-      </a:effectRef>
-      <a:fontRef idx="minor">
-        <a:schemeClr val="lt1"/>
-      </a:fontRef>
-    </dgm:style>
-  </dgm:styleLbl>
-  <dgm:styleLbl name="node1">
-    <dgm:scene3d>
-      <a:camera prst="orthographicFront"/>
-      <a:lightRig rig="threePt" dir="t"/>
-    </dgm:scene3d>
-    <dgm:sp3d/>
-    <dgm:txPr/>
-    <dgm:style>
-      <a:lnRef idx="2">
-        <a:scrgbClr r="0" g="0" b="0"/>
-      </a:lnRef>
-      <a:fillRef idx="1">
-        <a:scrgbClr r="0" g="0" b="0"/>
-      </a:fillRef>
-      <a:effectRef idx="0">
-        <a:scrgbClr r="0" g="0" b="0"/>
-      </a:effectRef>
-      <a:fontRef idx="minor">
-        <a:schemeClr val="lt1"/>
-      </a:fontRef>
-    </dgm:style>
-  </dgm:styleLbl>
-  <dgm:styleLbl name="node2">
-    <dgm:scene3d>
-      <a:camera prst="orthographicFront"/>
-      <a:lightRig rig="threePt" dir="t"/>
-    </dgm:scene3d>
-    <dgm:sp3d/>
-    <dgm:txPr/>
-    <dgm:style>
-      <a:lnRef idx="2">
-        <a:scrgbClr r="0" g="0" b="0"/>
-      </a:lnRef>
-      <a:fillRef idx="1">
-        <a:scrgbClr r="0" g="0" b="0"/>
-      </a:fillRef>
-      <a:effectRef idx="0">
-        <a:scrgbClr r="0" g="0" b="0"/>
-      </a:effectRef>
-      <a:fontRef idx="minor">
-        <a:schemeClr val="lt1"/>
-      </a:fontRef>
-    </dgm:style>
-  </dgm:styleLbl>
-  <dgm:styleLbl name="node3">
-    <dgm:scene3d>
-      <a:camera prst="orthographicFront"/>
-      <a:lightRig rig="threePt" dir="t"/>
-    </dgm:scene3d>
-    <dgm:sp3d/>
-    <dgm:txPr/>
-    <dgm:style>
-      <a:lnRef idx="2">
-        <a:scrgbClr r="0" g="0" b="0"/>
-      </a:lnRef>
-      <a:fillRef idx="1">
-        <a:scrgbClr r="0" g="0" b="0"/>
-      </a:fillRef>
-      <a:effectRef idx="0">
-        <a:scrgbClr r="0" g="0" b="0"/>
-      </a:effectRef>
-      <a:fontRef idx="minor">
-        <a:schemeClr val="lt1"/>
-      </a:fontRef>
-    </dgm:style>
-  </dgm:styleLbl>
-  <dgm:styleLbl name="node4">
-    <dgm:scene3d>
-      <a:camera prst="orthographicFront"/>
-      <a:lightRig rig="threePt" dir="t"/>
-    </dgm:scene3d>
-    <dgm:sp3d/>
-    <dgm:txPr/>
-    <dgm:style>
-      <a:lnRef idx="2">
-        <a:scrgbClr r="0" g="0" b="0"/>
-      </a:lnRef>
-      <a:fillRef idx="1">
-        <a:scrgbClr r="0" g="0" b="0"/>
-      </a:fillRef>
-      <a:effectRef idx="0">
-        <a:scrgbClr r="0" g="0" b="0"/>
-      </a:effectRef>
-      <a:fontRef idx="minor">
-        <a:schemeClr val="lt1"/>
-      </a:fontRef>
-    </dgm:style>
-  </dgm:styleLbl>
-  <dgm:styleLbl name="fgImgPlace1">
-    <dgm:scene3d>
-      <a:camera prst="orthographicFront"/>
-      <a:lightRig rig="threePt" dir="t"/>
-    </dgm:scene3d>
-    <dgm:sp3d/>
-    <dgm:txPr/>
-    <dgm:style>
-      <a:lnRef idx="2">
-        <a:scrgbClr r="0" g="0" b="0"/>
-      </a:lnRef>
-      <a:fillRef idx="1">
-        <a:scrgbClr r="0" g="0" b="0"/>
-      </a:fillRef>
-      <a:effectRef idx="0">
-        <a:scrgbClr r="0" g="0" b="0"/>
-      </a:effectRef>
-      <a:fontRef idx="minor"/>
-    </dgm:style>
-  </dgm:styleLbl>
-  <dgm:styleLbl name="alignImgPlace1">
-    <dgm:scene3d>
-      <a:camera prst="orthographicFront"/>
-      <a:lightRig rig="threePt" dir="t"/>
-    </dgm:scene3d>
-    <dgm:sp3d/>
-    <dgm:txPr/>
-    <dgm:style>
-      <a:lnRef idx="2">
-        <a:scrgbClr r="0" g="0" b="0"/>
-      </a:lnRef>
-      <a:fillRef idx="1">
-        <a:scrgbClr r="0" g="0" b="0"/>
-      </a:fillRef>
-      <a:effectRef idx="0">
-        <a:scrgbClr r="0" g="0" b="0"/>
-      </a:effectRef>
-      <a:fontRef idx="minor"/>
-    </dgm:style>
-  </dgm:styleLbl>
-  <dgm:styleLbl name="bgImgPlace1">
-    <dgm:scene3d>
-      <a:camera prst="orthographicFront"/>
-      <a:lightRig rig="threePt" dir="t"/>
-    </dgm:scene3d>
-    <dgm:sp3d/>
-    <dgm:txPr/>
-    <dgm:style>
-      <a:lnRef idx="2">
-        <a:scrgbClr r="0" g="0" b="0"/>
-      </a:lnRef>
-      <a:fillRef idx="1">
-        <a:scrgbClr r="0" g="0" b="0"/>
-      </a:fillRef>
-      <a:effectRef idx="0">
-        <a:scrgbClr r="0" g="0" b="0"/>
-      </a:effectRef>
-      <a:fontRef idx="minor"/>
-    </dgm:style>
-  </dgm:styleLbl>
-  <dgm:styleLbl name="sibTrans2D1">
-    <dgm:scene3d>
-      <a:camera prst="orthographicFront"/>
-      <a:lightRig rig="threePt" dir="t"/>
-    </dgm:scene3d>
-    <dgm:sp3d/>
-    <dgm:txPr/>
-    <dgm:style>
-      <a:lnRef idx="0">
-        <a:scrgbClr r="0" g="0" b="0"/>
-      </a:lnRef>
-      <a:fillRef idx="1">
-        <a:scrgbClr r="0" g="0" b="0"/>
-      </a:fillRef>
-      <a:effectRef idx="0">
-        <a:scrgbClr r="0" g="0" b="0"/>
-      </a:effectRef>
-      <a:fontRef idx="minor">
-        <a:schemeClr val="lt1"/>
-      </a:fontRef>
-    </dgm:style>
-  </dgm:styleLbl>
-  <dgm:styleLbl name="fgSibTrans2D1">
-    <dgm:scene3d>
-      <a:camera prst="orthographicFront"/>
-      <a:lightRig rig="threePt" dir="t"/>
-    </dgm:scene3d>
-    <dgm:sp3d/>
-    <dgm:txPr/>
-    <dgm:style>
-      <a:lnRef idx="0">
-        <a:scrgbClr r="0" g="0" b="0"/>
-      </a:lnRef>
-      <a:fillRef idx="1">
-        <a:scrgbClr r="0" g="0" b="0"/>
-      </a:fillRef>
-      <a:effectRef idx="0">
-        <a:scrgbClr r="0" g="0" b="0"/>
-      </a:effectRef>
-      <a:fontRef idx="minor">
-        <a:schemeClr val="lt1"/>
-      </a:fontRef>
-    </dgm:style>
-  </dgm:styleLbl>
-  <dgm:styleLbl name="bgSibTrans2D1">
-    <dgm:scene3d>
-      <a:camera prst="orthographicFront"/>
-      <a:lightRig rig="threePt" dir="t"/>
-    </dgm:scene3d>
-    <dgm:sp3d/>
-    <dgm:txPr/>
-    <dgm:style>
-      <a:lnRef idx="0">
-        <a:scrgbClr r="0" g="0" b="0"/>
-      </a:lnRef>
-      <a:fillRef idx="1">
-        <a:scrgbClr r="0" g="0" b="0"/>
-      </a:fillRef>
-      <a:effectRef idx="0">
-        <a:scrgbClr r="0" g="0" b="0"/>
-      </a:effectRef>
-      <a:fontRef idx="minor">
-        <a:schemeClr val="lt1"/>
-      </a:fontRef>
-    </dgm:style>
-  </dgm:styleLbl>
-  <dgm:styleLbl name="sibTrans1D1">
-    <dgm:scene3d>
-      <a:camera prst="orthographicFront"/>
-      <a:lightRig rig="threePt" dir="t"/>
-    </dgm:scene3d>
-    <dgm:sp3d/>
-    <dgm:txPr/>
-    <dgm:style>
-      <a:lnRef idx="1">
-        <a:scrgbClr r="0" g="0" b="0"/>
-      </a:lnRef>
-      <a:fillRef idx="0">
-        <a:scrgbClr r="0" g="0" b="0"/>
-      </a:fillRef>
-      <a:effectRef idx="0">
-        <a:scrgbClr r="0" g="0" b="0"/>
-      </a:effectRef>
-      <a:fontRef idx="minor"/>
-    </dgm:style>
-  </dgm:styleLbl>
-  <dgm:styleLbl name="callout">
-    <dgm:scene3d>
-      <a:camera prst="orthographicFront"/>
-      <a:lightRig rig="threePt" dir="t"/>
-    </dgm:scene3d>
-    <dgm:sp3d/>
-    <dgm:txPr/>
-    <dgm:style>
-      <a:lnRef idx="2">
-        <a:scrgbClr r="0" g="0" b="0"/>
-      </a:lnRef>
-      <a:fillRef idx="1">
-        <a:scrgbClr r="0" g="0" b="0"/>
-      </a:fillRef>
-      <a:effectRef idx="0">
-        <a:scrgbClr r="0" g="0" b="0"/>
-      </a:effectRef>
-      <a:fontRef idx="minor"/>
-    </dgm:style>
-  </dgm:styleLbl>
-  <dgm:styleLbl name="asst0">
-    <dgm:scene3d>
-      <a:camera prst="orthographicFront"/>
-      <a:lightRig rig="threePt" dir="t"/>
-    </dgm:scene3d>
-    <dgm:sp3d/>
-    <dgm:txPr/>
-    <dgm:style>
-      <a:lnRef idx="2">
-        <a:scrgbClr r="0" g="0" b="0"/>
-      </a:lnRef>
-      <a:fillRef idx="1">
-        <a:scrgbClr r="0" g="0" b="0"/>
-      </a:fillRef>
-      <a:effectRef idx="0">
-        <a:scrgbClr r="0" g="0" b="0"/>
-      </a:effectRef>
-      <a:fontRef idx="minor">
-        <a:schemeClr val="lt1"/>
-      </a:fontRef>
-    </dgm:style>
-  </dgm:styleLbl>
-  <dgm:styleLbl name="asst1">
-    <dgm:scene3d>
-      <a:camera prst="orthographicFront"/>
-      <a:lightRig rig="threePt" dir="t"/>
-    </dgm:scene3d>
-    <dgm:sp3d/>
-    <dgm:txPr/>
-    <dgm:style>
-      <a:lnRef idx="2">
-        <a:scrgbClr r="0" g="0" b="0"/>
-      </a:lnRef>
-      <a:fillRef idx="1">
-        <a:scrgbClr r="0" g="0" b="0"/>
-      </a:fillRef>
-      <a:effectRef idx="0">
-        <a:scrgbClr r="0" g="0" b="0"/>
-      </a:effectRef>
-      <a:fontRef idx="minor">
-        <a:schemeClr val="lt1"/>
-      </a:fontRef>
-    </dgm:style>
-  </dgm:styleLbl>
-  <dgm:styleLbl name="asst2">
-    <dgm:scene3d>
-      <a:camera prst="orthographicFront"/>
-      <a:lightRig rig="threePt" dir="t"/>
-    </dgm:scene3d>
-    <dgm:sp3d/>
-    <dgm:txPr/>
-    <dgm:style>
-      <a:lnRef idx="2">
-        <a:scrgbClr r="0" g="0" b="0"/>
-      </a:lnRef>
-      <a:fillRef idx="1">
-        <a:scrgbClr r="0" g="0" b="0"/>
-      </a:fillRef>
-      <a:effectRef idx="0">
-        <a:scrgbClr r="0" g="0" b="0"/>
-      </a:effectRef>
-      <a:fontRef idx="minor">
-        <a:schemeClr val="lt1"/>
-      </a:fontRef>
-    </dgm:style>
-  </dgm:styleLbl>
-  <dgm:styleLbl name="asst3">
-    <dgm:scene3d>
-      <a:camera prst="orthographicFront"/>
-      <a:lightRig rig="threePt" dir="t"/>
-    </dgm:scene3d>
-    <dgm:sp3d/>
-    <dgm:txPr/>
-    <dgm:style>
-      <a:lnRef idx="2">
-        <a:scrgbClr r="0" g="0" b="0"/>
-      </a:lnRef>
-      <a:fillRef idx="1">
-        <a:scrgbClr r="0" g="0" b="0"/>
-      </a:fillRef>
-      <a:effectRef idx="0">
-        <a:scrgbClr r="0" g="0" b="0"/>
-      </a:effectRef>
-      <a:fontRef idx="minor">
-        <a:schemeClr val="lt1"/>
-      </a:fontRef>
-    </dgm:style>
-  </dgm:styleLbl>
-  <dgm:styleLbl name="asst4">
-    <dgm:scene3d>
-      <a:camera prst="orthographicFront"/>
-      <a:lightRig rig="threePt" dir="t"/>
-    </dgm:scene3d>
-    <dgm:sp3d/>
-    <dgm:txPr/>
-    <dgm:style>
-      <a:lnRef idx="2">
-        <a:scrgbClr r="0" g="0" b="0"/>
-      </a:lnRef>
-      <a:fillRef idx="1">
-        <a:scrgbClr r="0" g="0" b="0"/>
-      </a:fillRef>
-      <a:effectRef idx="0">
-        <a:scrgbClr r="0" g="0" b="0"/>
-      </a:effectRef>
-      <a:fontRef idx="minor">
-        <a:schemeClr val="lt1"/>
-      </a:fontRef>
-    </dgm:style>
-  </dgm:styleLbl>
-  <dgm:styleLbl name="parChTrans2D1">
-    <dgm:scene3d>
-      <a:camera prst="orthographicFront"/>
-      <a:lightRig rig="threePt" dir="t"/>
-    </dgm:scene3d>
-    <dgm:sp3d/>
-    <dgm:txPr/>
-    <dgm:style>
-      <a:lnRef idx="2">
-        <a:scrgbClr r="0" g="0" b="0"/>
-      </a:lnRef>
-      <a:fillRef idx="1">
-        <a:scrgbClr r="0" g="0" b="0"/>
-      </a:fillRef>
-      <a:effectRef idx="0">
-        <a:scrgbClr r="0" g="0" b="0"/>
-      </a:effectRef>
-      <a:fontRef idx="minor">
-        <a:schemeClr val="lt1"/>
-      </a:fontRef>
-    </dgm:style>
-  </dgm:styleLbl>
-  <dgm:styleLbl name="parChTrans2D2">
-    <dgm:scene3d>
-      <a:camera prst="orthographicFront"/>
-      <a:lightRig rig="threePt" dir="t"/>
-    </dgm:scene3d>
-    <dgm:sp3d/>
-    <dgm:txPr/>
-    <dgm:style>
-      <a:lnRef idx="2">
-        <a:scrgbClr r="0" g="0" b="0"/>
-      </a:lnRef>
-      <a:fillRef idx="1">
-        <a:scrgbClr r="0" g="0" b="0"/>
-      </a:fillRef>
-      <a:effectRef idx="0">
-        <a:scrgbClr r="0" g="0" b="0"/>
-      </a:effectRef>
-      <a:fontRef idx="minor">
-        <a:schemeClr val="lt1"/>
-      </a:fontRef>
-    </dgm:style>
-  </dgm:styleLbl>
-  <dgm:styleLbl name="parChTrans2D3">
-    <dgm:scene3d>
-      <a:camera prst="orthographicFront"/>
-      <a:lightRig rig="threePt" dir="t"/>
-    </dgm:scene3d>
-    <dgm:sp3d/>
-    <dgm:txPr/>
-    <dgm:style>
-      <a:lnRef idx="2">
-        <a:scrgbClr r="0" g="0" b="0"/>
-      </a:lnRef>
-      <a:fillRef idx="1">
-        <a:scrgbClr r="0" g="0" b="0"/>
-      </a:fillRef>
-      <a:effectRef idx="0">
-        <a:scrgbClr r="0" g="0" b="0"/>
-      </a:effectRef>
-      <a:fontRef idx="minor">
-        <a:schemeClr val="lt1"/>
-      </a:fontRef>
-    </dgm:style>
-  </dgm:styleLbl>
-  <dgm:styleLbl name="parChTrans2D4">
-    <dgm:scene3d>
-      <a:camera prst="orthographicFront"/>
-      <a:lightRig rig="threePt" dir="t"/>
-    </dgm:scene3d>
-    <dgm:sp3d/>
-    <dgm:txPr/>
-    <dgm:style>
-      <a:lnRef idx="2">
-        <a:scrgbClr r="0" g="0" b="0"/>
-      </a:lnRef>
-      <a:fillRef idx="1">
-        <a:scrgbClr r="0" g="0" b="0"/>
-      </a:fillRef>
-      <a:effectRef idx="0">
-        <a:scrgbClr r="0" g="0" b="0"/>
-      </a:effectRef>
-      <a:fontRef idx="minor">
-        <a:schemeClr val="lt1"/>
-      </a:fontRef>
-    </dgm:style>
-  </dgm:styleLbl>
-  <dgm:styleLbl name="parChTrans1D1">
-    <dgm:scene3d>
-      <a:camera prst="orthographicFront"/>
-      <a:lightRig rig="threePt" dir="t"/>
-    </dgm:scene3d>
-    <dgm:sp3d/>
-    <dgm:txPr/>
-    <dgm:style>
-      <a:lnRef idx="2">
-        <a:scrgbClr r="0" g="0" b="0"/>
-      </a:lnRef>
-      <a:fillRef idx="0">
-        <a:scrgbClr r="0" g="0" b="0"/>
-      </a:fillRef>
-      <a:effectRef idx="0">
-        <a:scrgbClr r="0" g="0" b="0"/>
-      </a:effectRef>
-      <a:fontRef idx="minor"/>
-    </dgm:style>
-  </dgm:styleLbl>
-  <dgm:styleLbl name="parChTrans1D2">
-    <dgm:scene3d>
-      <a:camera prst="orthographicFront"/>
-      <a:lightRig rig="threePt" dir="t"/>
-    </dgm:scene3d>
-    <dgm:sp3d/>
-    <dgm:txPr/>
-    <dgm:style>
-      <a:lnRef idx="2">
-        <a:scrgbClr r="0" g="0" b="0"/>
-      </a:lnRef>
-      <a:fillRef idx="0">
-        <a:scrgbClr r="0" g="0" b="0"/>
-      </a:fillRef>
-      <a:effectRef idx="0">
-        <a:scrgbClr r="0" g="0" b="0"/>
-      </a:effectRef>
-      <a:fontRef idx="minor"/>
-    </dgm:style>
-  </dgm:styleLbl>
-  <dgm:styleLbl name="parChTrans1D3">
-    <dgm:scene3d>
-      <a:camera prst="orthographicFront"/>
-      <a:lightRig rig="threePt" dir="t"/>
-    </dgm:scene3d>
-    <dgm:sp3d/>
-    <dgm:txPr/>
-    <dgm:style>
-      <a:lnRef idx="2">
-        <a:scrgbClr r="0" g="0" b="0"/>
-      </a:lnRef>
-      <a:fillRef idx="0">
-        <a:scrgbClr r="0" g="0" b="0"/>
-      </a:fillRef>
-      <a:effectRef idx="0">
-        <a:scrgbClr r="0" g="0" b="0"/>
-      </a:effectRef>
-      <a:fontRef idx="minor"/>
-    </dgm:style>
-  </dgm:styleLbl>
-  <dgm:styleLbl name="parChTrans1D4">
-    <dgm:scene3d>
-      <a:camera prst="orthographicFront"/>
-      <a:lightRig rig="threePt" dir="t"/>
-    </dgm:scene3d>
-    <dgm:sp3d/>
-    <dgm:txPr/>
-    <dgm:style>
-      <a:lnRef idx="2">
-        <a:scrgbClr r="0" g="0" b="0"/>
-      </a:lnRef>
-      <a:fillRef idx="0">
-        <a:scrgbClr r="0" g="0" b="0"/>
-      </a:fillRef>
-      <a:effectRef idx="0">
-        <a:scrgbClr r="0" g="0" b="0"/>
-      </a:effectRef>
-      <a:fontRef idx="minor"/>
-    </dgm:style>
-  </dgm:styleLbl>
-  <dgm:styleLbl name="fgAcc1">
-    <dgm:scene3d>
-      <a:camera prst="orthographicFront"/>
-      <a:lightRig rig="threePt" dir="t"/>
-    </dgm:scene3d>
-    <dgm:sp3d/>
-    <dgm:txPr/>
-    <dgm:style>
-      <a:lnRef idx="2">
-        <a:scrgbClr r="0" g="0" b="0"/>
-      </a:lnRef>
-      <a:fillRef idx="1">
-        <a:scrgbClr r="0" g="0" b="0"/>
-      </a:fillRef>
-      <a:effectRef idx="0">
-        <a:scrgbClr r="0" g="0" b="0"/>
-      </a:effectRef>
-      <a:fontRef idx="minor"/>
-    </dgm:style>
-  </dgm:styleLbl>
-  <dgm:styleLbl name="conFgAcc1">
-    <dgm:scene3d>
-      <a:camera prst="orthographicFront"/>
-      <a:lightRig rig="threePt" dir="t"/>
-    </dgm:scene3d>
-    <dgm:sp3d/>
-    <dgm:txPr/>
-    <dgm:style>
-      <a:lnRef idx="2">
-        <a:scrgbClr r="0" g="0" b="0"/>
-      </a:lnRef>
-      <a:fillRef idx="1">
-        <a:scrgbClr r="0" g="0" b="0"/>
-      </a:fillRef>
-      <a:effectRef idx="0">
-        <a:scrgbClr r="0" g="0" b="0"/>
-      </a:effectRef>
-      <a:fontRef idx="minor"/>
-    </dgm:style>
-  </dgm:styleLbl>
-  <dgm:styleLbl name="alignAcc1">
-    <dgm:scene3d>
-      <a:camera prst="orthographicFront"/>
-      <a:lightRig rig="threePt" dir="t"/>
-    </dgm:scene3d>
-    <dgm:sp3d/>
-    <dgm:txPr/>
-    <dgm:style>
-      <a:lnRef idx="2">
-        <a:scrgbClr r="0" g="0" b="0"/>
-      </a:lnRef>
-      <a:fillRef idx="1">
-        <a:scrgbClr r="0" g="0" b="0"/>
-      </a:fillRef>
-      <a:effectRef idx="0">
-        <a:scrgbClr r="0" g="0" b="0"/>
-      </a:effectRef>
-      <a:fontRef idx="minor"/>
-    </dgm:style>
-  </dgm:styleLbl>
-  <dgm:styleLbl name="trAlignAcc1">
-    <dgm:scene3d>
-      <a:camera prst="orthographicFront"/>
-      <a:lightRig rig="threePt" dir="t"/>
-    </dgm:scene3d>
-    <dgm:sp3d/>
-    <dgm:txPr/>
-    <dgm:style>
-      <a:lnRef idx="1">
-        <a:scrgbClr r="0" g="0" b="0"/>
-      </a:lnRef>
-      <a:fillRef idx="1">
-        <a:scrgbClr r="0" g="0" b="0"/>
-      </a:fillRef>
-      <a:effectRef idx="0">
-        <a:scrgbClr r="0" g="0" b="0"/>
-      </a:effectRef>
-      <a:fontRef idx="minor"/>
-    </dgm:style>
-  </dgm:styleLbl>
-  <dgm:styleLbl name="bgAcc1">
-    <dgm:scene3d>
-      <a:camera prst="orthographicFront"/>
-      <a:lightRig rig="threePt" dir="t"/>
-    </dgm:scene3d>
-    <dgm:sp3d/>
-    <dgm:txPr/>
-    <dgm:style>
-      <a:lnRef idx="2">
-        <a:scrgbClr r="0" g="0" b="0"/>
-      </a:lnRef>
-      <a:fillRef idx="1">
-        <a:scrgbClr r="0" g="0" b="0"/>
-      </a:fillRef>
-      <a:effectRef idx="0">
-        <a:scrgbClr r="0" g="0" b="0"/>
-      </a:effectRef>
-      <a:fontRef idx="minor"/>
-    </dgm:style>
-  </dgm:styleLbl>
-  <dgm:styleLbl name="solidFgAcc1">
-    <dgm:scene3d>
-      <a:camera prst="orthographicFront"/>
-      <a:lightRig rig="threePt" dir="t"/>
-    </dgm:scene3d>
-    <dgm:sp3d/>
-    <dgm:txPr/>
-    <dgm:style>
-      <a:lnRef idx="2">
-        <a:scrgbClr r="0" g="0" b="0"/>
-      </a:lnRef>
-      <a:fillRef idx="1">
-        <a:scrgbClr r="0" g="0" b="0"/>
-      </a:fillRef>
-      <a:effectRef idx="0">
-        <a:scrgbClr r="0" g="0" b="0"/>
-      </a:effectRef>
-      <a:fontRef idx="minor"/>
-    </dgm:style>
-  </dgm:styleLbl>
-  <dgm:styleLbl name="solidAlignAcc1">
-    <dgm:scene3d>
-      <a:camera prst="orthographicFront"/>
-      <a:lightRig rig="threePt" dir="t"/>
-    </dgm:scene3d>
-    <dgm:sp3d/>
-    <dgm:txPr/>
-    <dgm:style>
-      <a:lnRef idx="2">
-        <a:scrgbClr r="0" g="0" b="0"/>
-      </a:lnRef>
-      <a:fillRef idx="1">
-        <a:scrgbClr r="0" g="0" b="0"/>
-      </a:fillRef>
-      <a:effectRef idx="0">
-        <a:scrgbClr r="0" g="0" b="0"/>
-      </a:effectRef>
-      <a:fontRef idx="minor"/>
-    </dgm:style>
-  </dgm:styleLbl>
-  <dgm:styleLbl name="solidBgAcc1">
-    <dgm:scene3d>
-      <a:camera prst="orthographicFront"/>
-      <a:lightRig rig="threePt" dir="t"/>
-    </dgm:scene3d>
-    <dgm:sp3d/>
-    <dgm:txPr/>
-    <dgm:style>
-      <a:lnRef idx="2">
-        <a:scrgbClr r="0" g="0" b="0"/>
-      </a:lnRef>
-      <a:fillRef idx="1">
-        <a:scrgbClr r="0" g="0" b="0"/>
-      </a:fillRef>
-      <a:effectRef idx="0">
-        <a:scrgbClr r="0" g="0" b="0"/>
-      </a:effectRef>
-      <a:fontRef idx="minor"/>
-    </dgm:style>
-  </dgm:styleLbl>
-  <dgm:styleLbl name="fgAccFollowNode1">
-    <dgm:scene3d>
-      <a:camera prst="orthographicFront"/>
-      <a:lightRig rig="threePt" dir="t"/>
-    </dgm:scene3d>
-    <dgm:sp3d/>
-    <dgm:txPr/>
-    <dgm:style>
-      <a:lnRef idx="2">
-        <a:scrgbClr r="0" g="0" b="0"/>
-      </a:lnRef>
-      <a:fillRef idx="1">
-        <a:scrgbClr r="0" g="0" b="0"/>
-      </a:fillRef>
-      <a:effectRef idx="0">
-        <a:scrgbClr r="0" g="0" b="0"/>
-      </a:effectRef>
-      <a:fontRef idx="minor"/>
-    </dgm:style>
-  </dgm:styleLbl>
-  <dgm:styleLbl name="alignAccFollowNode1">
-    <dgm:scene3d>
-      <a:camera prst="orthographicFront"/>
-      <a:lightRig rig="threePt" dir="t"/>
-    </dgm:scene3d>
-    <dgm:sp3d/>
-    <dgm:txPr/>
-    <dgm:style>
-      <a:lnRef idx="2">
-        <a:scrgbClr r="0" g="0" b="0"/>
-      </a:lnRef>
-      <a:fillRef idx="1">
-        <a:scrgbClr r="0" g="0" b="0"/>
-      </a:fillRef>
-      <a:effectRef idx="0">
-        <a:scrgbClr r="0" g="0" b="0"/>
-      </a:effectRef>
-      <a:fontRef idx="minor"/>
-    </dgm:style>
-  </dgm:styleLbl>
-  <dgm:styleLbl name="bgAccFollowNode1">
-    <dgm:scene3d>
-      <a:camera prst="orthographicFront"/>
-      <a:lightRig rig="threePt" dir="t"/>
-    </dgm:scene3d>
-    <dgm:sp3d/>
-    <dgm:txPr/>
-    <dgm:style>
-      <a:lnRef idx="2">
-        <a:scrgbClr r="0" g="0" b="0"/>
-      </a:lnRef>
-      <a:fillRef idx="1">
-        <a:scrgbClr r="0" g="0" b="0"/>
-      </a:fillRef>
-      <a:effectRef idx="0">
-        <a:scrgbClr r="0" g="0" b="0"/>
-      </a:effectRef>
-      <a:fontRef idx="minor"/>
-    </dgm:style>
-  </dgm:styleLbl>
-  <dgm:styleLbl name="fgAcc0">
-    <dgm:scene3d>
-      <a:camera prst="orthographicFront"/>
-      <a:lightRig rig="threePt" dir="t"/>
-    </dgm:scene3d>
-    <dgm:sp3d/>
-    <dgm:txPr/>
-    <dgm:style>
-      <a:lnRef idx="2">
-        <a:scrgbClr r="0" g="0" b="0"/>
-      </a:lnRef>
-      <a:fillRef idx="1">
-        <a:scrgbClr r="0" g="0" b="0"/>
-      </a:fillRef>
-      <a:effectRef idx="0">
-        <a:scrgbClr r="0" g="0" b="0"/>
-      </a:effectRef>
-      <a:fontRef idx="minor"/>
-    </dgm:style>
-  </dgm:styleLbl>
-  <dgm:styleLbl name="fgAcc2">
-    <dgm:scene3d>
-      <a:camera prst="orthographicFront"/>
-      <a:lightRig rig="threePt" dir="t"/>
-    </dgm:scene3d>
-    <dgm:sp3d/>
-    <dgm:txPr/>
-    <dgm:style>
-      <a:lnRef idx="2">
-        <a:scrgbClr r="0" g="0" b="0"/>
-      </a:lnRef>
-      <a:fillRef idx="1">
-        <a:scrgbClr r="0" g="0" b="0"/>
-      </a:fillRef>
-      <a:effectRef idx="0">
-        <a:scrgbClr r="0" g="0" b="0"/>
-      </a:effectRef>
-      <a:fontRef idx="minor"/>
-    </dgm:style>
-  </dgm:styleLbl>
-  <dgm:styleLbl name="fgAcc3">
-    <dgm:scene3d>
-      <a:camera prst="orthographicFront"/>
-      <a:lightRig rig="threePt" dir="t"/>
-    </dgm:scene3d>
-    <dgm:sp3d/>
-    <dgm:txPr/>
-    <dgm:style>
-      <a:lnRef idx="2">
-        <a:scrgbClr r="0" g="0" b="0"/>
-      </a:lnRef>
-      <a:fillRef idx="1">
-        <a:scrgbClr r="0" g="0" b="0"/>
-      </a:fillRef>
-      <a:effectRef idx="0">
-        <a:scrgbClr r="0" g="0" b="0"/>
-      </a:effectRef>
-      <a:fontRef idx="minor"/>
-    </dgm:style>
-  </dgm:styleLbl>
-  <dgm:styleLbl name="fgAcc4">
-    <dgm:scene3d>
-      <a:camera prst="orthographicFront"/>
-      <a:lightRig rig="threePt" dir="t"/>
-    </dgm:scene3d>
-    <dgm:sp3d/>
-    <dgm:txPr/>
-    <dgm:style>
-      <a:lnRef idx="2">
-        <a:scrgbClr r="0" g="0" b="0"/>
-      </a:lnRef>
-      <a:fillRef idx="1">
-        <a:scrgbClr r="0" g="0" b="0"/>
-      </a:fillRef>
-      <a:effectRef idx="0">
-        <a:scrgbClr r="0" g="0" b="0"/>
-      </a:effectRef>
-      <a:fontRef idx="minor"/>
-    </dgm:style>
-  </dgm:styleLbl>
-  <dgm:styleLbl name="bgShp">
-    <dgm:scene3d>
-      <a:camera prst="orthographicFront"/>
-      <a:lightRig rig="threePt" dir="t"/>
-    </dgm:scene3d>
-    <dgm:sp3d/>
-    <dgm:txPr/>
-    <dgm:style>
-      <a:lnRef idx="0">
-        <a:scrgbClr r="0" g="0" b="0"/>
-      </a:lnRef>
-      <a:fillRef idx="1">
-        <a:scrgbClr r="0" g="0" b="0"/>
-      </a:fillRef>
-      <a:effectRef idx="0">
-        <a:scrgbClr r="0" g="0" b="0"/>
-      </a:effectRef>
-      <a:fontRef idx="minor"/>
-    </dgm:style>
-  </dgm:styleLbl>
-  <dgm:styleLbl name="dkBgShp">
-    <dgm:scene3d>
-      <a:camera prst="orthographicFront"/>
-      <a:lightRig rig="threePt" dir="t"/>
-    </dgm:scene3d>
-    <dgm:sp3d/>
-    <dgm:txPr/>
-    <dgm:style>
-      <a:lnRef idx="0">
-        <a:scrgbClr r="0" g="0" b="0"/>
-      </a:lnRef>
-      <a:fillRef idx="1">
-        <a:scrgbClr r="0" g="0" b="0"/>
-      </a:fillRef>
-      <a:effectRef idx="0">
-        <a:scrgbClr r="0" g="0" b="0"/>
-      </a:effectRef>
-      <a:fontRef idx="minor"/>
-    </dgm:style>
-  </dgm:styleLbl>
-  <dgm:styleLbl name="trBgShp">
-    <dgm:scene3d>
-      <a:camera prst="orthographicFront"/>
-      <a:lightRig rig="threePt" dir="t"/>
-    </dgm:scene3d>
-    <dgm:sp3d/>
-    <dgm:txPr/>
-    <dgm:style>
-      <a:lnRef idx="0">
-        <a:scrgbClr r="0" g="0" b="0"/>
-      </a:lnRef>
-      <a:fillRef idx="1">
-        <a:scrgbClr r="0" g="0" b="0"/>
-      </a:fillRef>
-      <a:effectRef idx="0">
-        <a:scrgbClr r="0" g="0" b="0"/>
-      </a:effectRef>
-      <a:fontRef idx="minor"/>
-    </dgm:style>
-  </dgm:styleLbl>
-  <dgm:styleLbl name="fgShp">
-    <dgm:scene3d>
-      <a:camera prst="orthographicFront"/>
-      <a:lightRig rig="threePt" dir="t"/>
-    </dgm:scene3d>
-    <dgm:sp3d/>
-    <dgm:txPr/>
-    <dgm:style>
-      <a:lnRef idx="2">
-        <a:scrgbClr r="0" g="0" b="0"/>
-      </a:lnRef>
-      <a:fillRef idx="1">
-        <a:scrgbClr r="0" g="0" b="0"/>
-      </a:fillRef>
-      <a:effectRef idx="0">
-        <a:scrgbClr r="0" g="0" b="0"/>
-      </a:effectRef>
-      <a:fontRef idx="minor"/>
-    </dgm:style>
-  </dgm:styleLbl>
-  <dgm:styleLbl name="revTx">
-    <dgm:scene3d>
-      <a:camera prst="orthographicFront"/>
-      <a:lightRig rig="threePt" dir="t"/>
-    </dgm:scene3d>
-    <dgm:sp3d/>
-    <dgm:txPr/>
-    <dgm:style>
-      <a:lnRef idx="0">
-        <a:scrgbClr r="0" g="0" b="0"/>
-      </a:lnRef>
-      <a:fillRef idx="0">
-        <a:scrgbClr r="0" g="0" b="0"/>
-      </a:fillRef>
-      <a:effectRef idx="0">
-        <a:scrgbClr r="0" g="0" b="0"/>
-      </a:effectRef>
-      <a:fontRef idx="minor"/>
-    </dgm:style>
-  </dgm:styleLbl>
-</dgm:styleDef>
-</file>
-
 <file path=ppt/handoutMasters/handoutMaster1.xml><?xml version="1.0" encoding="utf-8"?>
 <p:handoutMaster xmlns:a="http://schemas.openxmlformats.org/drawingml/2006/main" xmlns:r="http://schemas.openxmlformats.org/officeDocument/2006/relationships" xmlns:p="http://schemas.openxmlformats.org/presentationml/2006/main">
   <p:cSld>
@@ -3210,7 +317,7 @@
           <a:p>
             <a:fld id="{78E40A2C-D4F8-447C-8646-65B623846323}" type="datetimeFigureOut">
               <a:rPr lang="en-US" smtClean="0"/>
-              <a:t>12/7/2021</a:t>
+              <a:t>12/12/2021</a:t>
             </a:fld>
             <a:endParaRPr lang="en-US" dirty="0"/>
           </a:p>
@@ -4036,321 +1143,6 @@
     <p:extLst>
       <p:ext uri="{BB962C8B-B14F-4D97-AF65-F5344CB8AC3E}">
         <p14:creationId xmlns:p14="http://schemas.microsoft.com/office/powerpoint/2010/main" val="3193350447"/>
-      </p:ext>
-    </p:extLst>
-  </p:cSld>
-  <p:clrMapOvr>
-    <a:masterClrMapping/>
-  </p:clrMapOvr>
-</p:notes>
-</file>
-
-<file path=ppt/notesSlides/notesSlide2.xml><?xml version="1.0" encoding="utf-8"?>
-<p:notes xmlns:a="http://schemas.openxmlformats.org/drawingml/2006/main" xmlns:r="http://schemas.openxmlformats.org/officeDocument/2006/relationships" xmlns:p="http://schemas.openxmlformats.org/presentationml/2006/main">
-  <p:cSld>
-    <p:spTree>
-      <p:nvGrpSpPr>
-        <p:cNvPr id="1" name=""/>
-        <p:cNvGrpSpPr/>
-        <p:nvPr/>
-      </p:nvGrpSpPr>
-      <p:grpSpPr>
-        <a:xfrm>
-          <a:off x="0" y="0"/>
-          <a:ext cx="0" cy="0"/>
-          <a:chOff x="0" y="0"/>
-          <a:chExt cx="0" cy="0"/>
-        </a:xfrm>
-      </p:grpSpPr>
-      <p:sp>
-        <p:nvSpPr>
-          <p:cNvPr id="2" name="Slide Image Placeholder 1"/>
-          <p:cNvSpPr>
-            <a:spLocks noGrp="1" noRot="1" noChangeAspect="1"/>
-          </p:cNvSpPr>
-          <p:nvPr>
-            <p:ph type="sldImg"/>
-          </p:nvPr>
-        </p:nvSpPr>
-        <p:spPr/>
-      </p:sp>
-      <p:sp>
-        <p:nvSpPr>
-          <p:cNvPr id="3" name="Notes Placeholder 2"/>
-          <p:cNvSpPr>
-            <a:spLocks noGrp="1"/>
-          </p:cNvSpPr>
-          <p:nvPr>
-            <p:ph type="body" idx="1"/>
-          </p:nvPr>
-        </p:nvSpPr>
-        <p:spPr/>
-        <p:txBody>
-          <a:bodyPr/>
-          <a:lstStyle/>
-          <a:p>
-            <a:endParaRPr lang="en-US" dirty="0"/>
-          </a:p>
-        </p:txBody>
-      </p:sp>
-      <p:sp>
-        <p:nvSpPr>
-          <p:cNvPr id="4" name="Slide Number Placeholder 3"/>
-          <p:cNvSpPr>
-            <a:spLocks noGrp="1"/>
-          </p:cNvSpPr>
-          <p:nvPr>
-            <p:ph type="sldNum" sz="quarter" idx="5"/>
-          </p:nvPr>
-        </p:nvSpPr>
-        <p:spPr/>
-        <p:txBody>
-          <a:bodyPr/>
-          <a:lstStyle/>
-          <a:p>
-            <a:fld id="{6DEB7EE2-04A2-4FB2-9625-C9C73AC4D32F}" type="slidenum">
-              <a:rPr lang="en-US" altLang="en-US" smtClean="0"/>
-              <a:pPr/>
-              <a:t>43</a:t>
-            </a:fld>
-            <a:endParaRPr lang="en-US" altLang="en-US" dirty="0"/>
-          </a:p>
-        </p:txBody>
-      </p:sp>
-    </p:spTree>
-    <p:extLst>
-      <p:ext uri="{BB962C8B-B14F-4D97-AF65-F5344CB8AC3E}">
-        <p14:creationId xmlns:p14="http://schemas.microsoft.com/office/powerpoint/2010/main" val="570672244"/>
-      </p:ext>
-    </p:extLst>
-  </p:cSld>
-  <p:clrMapOvr>
-    <a:masterClrMapping/>
-  </p:clrMapOvr>
-</p:notes>
-</file>
-
-<file path=ppt/notesSlides/notesSlide3.xml><?xml version="1.0" encoding="utf-8"?>
-<p:notes xmlns:a="http://schemas.openxmlformats.org/drawingml/2006/main" xmlns:r="http://schemas.openxmlformats.org/officeDocument/2006/relationships" xmlns:p="http://schemas.openxmlformats.org/presentationml/2006/main">
-  <p:cSld>
-    <p:spTree>
-      <p:nvGrpSpPr>
-        <p:cNvPr id="1" name=""/>
-        <p:cNvGrpSpPr/>
-        <p:nvPr/>
-      </p:nvGrpSpPr>
-      <p:grpSpPr>
-        <a:xfrm>
-          <a:off x="0" y="0"/>
-          <a:ext cx="0" cy="0"/>
-          <a:chOff x="0" y="0"/>
-          <a:chExt cx="0" cy="0"/>
-        </a:xfrm>
-      </p:grpSpPr>
-      <p:sp>
-        <p:nvSpPr>
-          <p:cNvPr id="2" name="Slide Image Placeholder 1"/>
-          <p:cNvSpPr>
-            <a:spLocks noGrp="1" noRot="1" noChangeAspect="1"/>
-          </p:cNvSpPr>
-          <p:nvPr>
-            <p:ph type="sldImg"/>
-          </p:nvPr>
-        </p:nvSpPr>
-        <p:spPr/>
-      </p:sp>
-      <p:sp>
-        <p:nvSpPr>
-          <p:cNvPr id="3" name="Notes Placeholder 2"/>
-          <p:cNvSpPr>
-            <a:spLocks noGrp="1"/>
-          </p:cNvSpPr>
-          <p:nvPr>
-            <p:ph type="body" idx="1"/>
-          </p:nvPr>
-        </p:nvSpPr>
-        <p:spPr/>
-        <p:txBody>
-          <a:bodyPr/>
-          <a:lstStyle/>
-          <a:p>
-            <a:endParaRPr lang="en-US" dirty="0"/>
-          </a:p>
-        </p:txBody>
-      </p:sp>
-      <p:sp>
-        <p:nvSpPr>
-          <p:cNvPr id="4" name="Slide Number Placeholder 3"/>
-          <p:cNvSpPr>
-            <a:spLocks noGrp="1"/>
-          </p:cNvSpPr>
-          <p:nvPr>
-            <p:ph type="sldNum" sz="quarter" idx="5"/>
-          </p:nvPr>
-        </p:nvSpPr>
-        <p:spPr/>
-        <p:txBody>
-          <a:bodyPr/>
-          <a:lstStyle/>
-          <a:p>
-            <a:fld id="{6DEB7EE2-04A2-4FB2-9625-C9C73AC4D32F}" type="slidenum">
-              <a:rPr lang="en-US" altLang="en-US" smtClean="0"/>
-              <a:pPr/>
-              <a:t>44</a:t>
-            </a:fld>
-            <a:endParaRPr lang="en-US" altLang="en-US" dirty="0"/>
-          </a:p>
-        </p:txBody>
-      </p:sp>
-    </p:spTree>
-    <p:extLst>
-      <p:ext uri="{BB962C8B-B14F-4D97-AF65-F5344CB8AC3E}">
-        <p14:creationId xmlns:p14="http://schemas.microsoft.com/office/powerpoint/2010/main" val="3187737072"/>
-      </p:ext>
-    </p:extLst>
-  </p:cSld>
-  <p:clrMapOvr>
-    <a:masterClrMapping/>
-  </p:clrMapOvr>
-</p:notes>
-</file>
-
-<file path=ppt/notesSlides/notesSlide4.xml><?xml version="1.0" encoding="utf-8"?>
-<p:notes xmlns:a="http://schemas.openxmlformats.org/drawingml/2006/main" xmlns:r="http://schemas.openxmlformats.org/officeDocument/2006/relationships" xmlns:p="http://schemas.openxmlformats.org/presentationml/2006/main">
-  <p:cSld>
-    <p:spTree>
-      <p:nvGrpSpPr>
-        <p:cNvPr id="1" name=""/>
-        <p:cNvGrpSpPr/>
-        <p:nvPr/>
-      </p:nvGrpSpPr>
-      <p:grpSpPr>
-        <a:xfrm>
-          <a:off x="0" y="0"/>
-          <a:ext cx="0" cy="0"/>
-          <a:chOff x="0" y="0"/>
-          <a:chExt cx="0" cy="0"/>
-        </a:xfrm>
-      </p:grpSpPr>
-    </p:spTree>
-    <p:extLst>
-      <p:ext uri="{BB962C8B-B14F-4D97-AF65-F5344CB8AC3E}">
-        <p14:creationId xmlns:p14="http://schemas.microsoft.com/office/powerpoint/2010/main" val="3014878716"/>
-      </p:ext>
-    </p:extLst>
-  </p:cSld>
-  <p:clrMapOvr>
-    <a:masterClrMapping/>
-  </p:clrMapOvr>
-</p:notes>
-</file>
-
-<file path=ppt/notesSlides/notesSlide5.xml><?xml version="1.0" encoding="utf-8"?>
-<p:notes xmlns:a="http://schemas.openxmlformats.org/drawingml/2006/main" xmlns:r="http://schemas.openxmlformats.org/officeDocument/2006/relationships" xmlns:p="http://schemas.openxmlformats.org/presentationml/2006/main">
-  <p:cSld>
-    <p:spTree>
-      <p:nvGrpSpPr>
-        <p:cNvPr id="1" name=""/>
-        <p:cNvGrpSpPr/>
-        <p:nvPr/>
-      </p:nvGrpSpPr>
-      <p:grpSpPr>
-        <a:xfrm>
-          <a:off x="0" y="0"/>
-          <a:ext cx="0" cy="0"/>
-          <a:chOff x="0" y="0"/>
-          <a:chExt cx="0" cy="0"/>
-        </a:xfrm>
-      </p:grpSpPr>
-    </p:spTree>
-    <p:extLst>
-      <p:ext uri="{BB962C8B-B14F-4D97-AF65-F5344CB8AC3E}">
-        <p14:creationId xmlns:p14="http://schemas.microsoft.com/office/powerpoint/2010/main" val="4236441020"/>
-      </p:ext>
-    </p:extLst>
-  </p:cSld>
-  <p:clrMapOvr>
-    <a:masterClrMapping/>
-  </p:clrMapOvr>
-</p:notes>
-</file>
-
-<file path=ppt/notesSlides/notesSlide6.xml><?xml version="1.0" encoding="utf-8"?>
-<p:notes xmlns:a="http://schemas.openxmlformats.org/drawingml/2006/main" xmlns:r="http://schemas.openxmlformats.org/officeDocument/2006/relationships" xmlns:p="http://schemas.openxmlformats.org/presentationml/2006/main">
-  <p:cSld>
-    <p:spTree>
-      <p:nvGrpSpPr>
-        <p:cNvPr id="1" name=""/>
-        <p:cNvGrpSpPr/>
-        <p:nvPr/>
-      </p:nvGrpSpPr>
-      <p:grpSpPr>
-        <a:xfrm>
-          <a:off x="0" y="0"/>
-          <a:ext cx="0" cy="0"/>
-          <a:chOff x="0" y="0"/>
-          <a:chExt cx="0" cy="0"/>
-        </a:xfrm>
-      </p:grpSpPr>
-      <p:sp>
-        <p:nvSpPr>
-          <p:cNvPr id="2" name="Slide Image Placeholder 1"/>
-          <p:cNvSpPr>
-            <a:spLocks noGrp="1" noRot="1" noChangeAspect="1"/>
-          </p:cNvSpPr>
-          <p:nvPr>
-            <p:ph type="sldImg"/>
-          </p:nvPr>
-        </p:nvSpPr>
-        <p:spPr/>
-      </p:sp>
-      <p:sp>
-        <p:nvSpPr>
-          <p:cNvPr id="3" name="Notes Placeholder 2"/>
-          <p:cNvSpPr>
-            <a:spLocks noGrp="1"/>
-          </p:cNvSpPr>
-          <p:nvPr>
-            <p:ph type="body" idx="1"/>
-          </p:nvPr>
-        </p:nvSpPr>
-        <p:spPr/>
-        <p:txBody>
-          <a:bodyPr/>
-          <a:lstStyle/>
-          <a:p>
-            <a:endParaRPr lang="en-US" dirty="0"/>
-          </a:p>
-        </p:txBody>
-      </p:sp>
-      <p:sp>
-        <p:nvSpPr>
-          <p:cNvPr id="4" name="Slide Number Placeholder 3"/>
-          <p:cNvSpPr>
-            <a:spLocks noGrp="1"/>
-          </p:cNvSpPr>
-          <p:nvPr>
-            <p:ph type="sldNum" sz="quarter" idx="5"/>
-          </p:nvPr>
-        </p:nvSpPr>
-        <p:spPr/>
-        <p:txBody>
-          <a:bodyPr/>
-          <a:lstStyle/>
-          <a:p>
-            <a:fld id="{6DEB7EE2-04A2-4FB2-9625-C9C73AC4D32F}" type="slidenum">
-              <a:rPr lang="en-US" altLang="en-US" smtClean="0"/>
-              <a:pPr/>
-              <a:t>50</a:t>
-            </a:fld>
-            <a:endParaRPr lang="en-US" altLang="en-US" dirty="0"/>
-          </a:p>
-        </p:txBody>
-      </p:sp>
-    </p:spTree>
-    <p:extLst>
-      <p:ext uri="{BB962C8B-B14F-4D97-AF65-F5344CB8AC3E}">
-        <p14:creationId xmlns:p14="http://schemas.microsoft.com/office/powerpoint/2010/main" val="1393910874"/>
       </p:ext>
     </p:extLst>
   </p:cSld>
@@ -10148,8 +6940,8 @@
         </p:blipFill>
         <p:spPr>
           <a:xfrm>
-            <a:off x="7471076" y="1783952"/>
-            <a:ext cx="3958922" cy="4002546"/>
+            <a:off x="7062107" y="1651312"/>
+            <a:ext cx="4367891" cy="4416021"/>
           </a:xfrm>
           <a:prstGeom prst="roundRect">
             <a:avLst>
@@ -10860,7 +7652,15 @@
           <a:bodyPr/>
           <a:lstStyle/>
           <a:p>
-            <a:endParaRPr lang="en-US"/>
+            <a:r>
+              <a:rPr lang="en-US" dirty="0"/>
+              <a:t>Pandas </a:t>
+            </a:r>
+            <a:r>
+              <a:rPr lang="en-US" sz="4000" b="1" dirty="0"/>
+              <a:t>Read JSON</a:t>
+            </a:r>
+            <a:endParaRPr lang="en-US" dirty="0"/>
           </a:p>
         </p:txBody>
       </p:sp>
@@ -10880,7 +7680,12 @@
             <p:ph type="body" sz="quarter" idx="13"/>
           </p:nvPr>
         </p:nvSpPr>
-        <p:spPr/>
+        <p:spPr>
+          <a:xfrm>
+            <a:off x="762000" y="1783952"/>
+            <a:ext cx="5723641" cy="4358084"/>
+          </a:xfrm>
+        </p:spPr>
         <p:txBody>
           <a:bodyPr/>
           <a:lstStyle/>
@@ -10888,7 +7693,112 @@
             <a:pPr algn="just"/>
             <a:r>
               <a:rPr lang="en-US" dirty="0"/>
-              <a:t>https://www.w3schools.com/python/pandas/pandas_csv.asp</a:t>
+              <a:t>Big data sets are often stored, or extracted as JSON.</a:t>
+            </a:r>
+          </a:p>
+          <a:p>
+            <a:pPr algn="just"/>
+            <a:endParaRPr lang="en-US" dirty="0"/>
+          </a:p>
+          <a:p>
+            <a:pPr algn="just"/>
+            <a:r>
+              <a:rPr lang="en-US" dirty="0"/>
+              <a:t>JSON is plain text, but has the format of an object, and is well known in the world of programming, including Pandas.</a:t>
+            </a:r>
+          </a:p>
+          <a:p>
+            <a:pPr algn="just"/>
+            <a:endParaRPr lang="en-US" dirty="0"/>
+          </a:p>
+          <a:p>
+            <a:pPr algn="just"/>
+            <a:r>
+              <a:rPr lang="en-US" dirty="0"/>
+              <a:t>In our examples we will be using a JSON file called ‘</a:t>
+            </a:r>
+            <a:r>
+              <a:rPr lang="en-US" dirty="0" err="1"/>
+              <a:t>JSONTest.json</a:t>
+            </a:r>
+            <a:r>
+              <a:rPr lang="en-US" dirty="0"/>
+              <a:t>'.</a:t>
+            </a:r>
+          </a:p>
+        </p:txBody>
+      </p:sp>
+      <p:pic>
+        <p:nvPicPr>
+          <p:cNvPr id="4" name="Picture 3">
+            <a:extLst>
+              <a:ext uri="{FF2B5EF4-FFF2-40B4-BE49-F238E27FC236}">
+                <a16:creationId xmlns:a16="http://schemas.microsoft.com/office/drawing/2014/main" id="{A7E071D0-2D42-48D8-990E-F6E77369D48C}"/>
+              </a:ext>
+            </a:extLst>
+          </p:cNvPr>
+          <p:cNvPicPr>
+            <a:picLocks noChangeAspect="1"/>
+          </p:cNvPicPr>
+          <p:nvPr/>
+        </p:nvPicPr>
+        <p:blipFill>
+          <a:blip r:embed="rId2"/>
+          <a:stretch>
+            <a:fillRect/>
+          </a:stretch>
+        </p:blipFill>
+        <p:spPr>
+          <a:xfrm>
+            <a:off x="7845963" y="503683"/>
+            <a:ext cx="2834886" cy="5852667"/>
+          </a:xfrm>
+          <a:prstGeom prst="roundRect">
+            <a:avLst>
+              <a:gd name="adj" fmla="val 7689"/>
+            </a:avLst>
+          </a:prstGeom>
+        </p:spPr>
+      </p:pic>
+      <p:sp>
+        <p:nvSpPr>
+          <p:cNvPr id="8" name="TextBox 7">
+            <a:extLst>
+              <a:ext uri="{FF2B5EF4-FFF2-40B4-BE49-F238E27FC236}">
+                <a16:creationId xmlns:a16="http://schemas.microsoft.com/office/drawing/2014/main" id="{D045CDA0-55F6-4810-A2C3-DBDE65E0E524}"/>
+              </a:ext>
+            </a:extLst>
+          </p:cNvPr>
+          <p:cNvSpPr txBox="1"/>
+          <p:nvPr/>
+        </p:nvSpPr>
+        <p:spPr>
+          <a:xfrm>
+            <a:off x="690514" y="4849247"/>
+            <a:ext cx="6094428" cy="369332"/>
+          </a:xfrm>
+          <a:prstGeom prst="rect">
+            <a:avLst/>
+          </a:prstGeom>
+          <a:noFill/>
+        </p:spPr>
+        <p:txBody>
+          <a:bodyPr wrap="square">
+            <a:spAutoFit/>
+          </a:bodyPr>
+          <a:lstStyle/>
+          <a:p>
+            <a:r>
+              <a:rPr lang="en-US" dirty="0"/>
+              <a:t>Note: use </a:t>
+            </a:r>
+            <a:r>
+              <a:rPr lang="en-US" i="1" dirty="0"/>
+              <a:t>to_string() </a:t>
+            </a:r>
+            <a:r>
+              <a:rPr lang="en-US" dirty="0"/>
+              <a:t>to print the entire DataFrame.</a:t>
             </a:r>
           </a:p>
         </p:txBody>
@@ -10986,7 +7896,10 @@
           <a:bodyPr/>
           <a:lstStyle/>
           <a:p>
-            <a:endParaRPr lang="en-US"/>
+            <a:r>
+              <a:rPr lang="en-US" dirty="0"/>
+              <a:t>JSON</a:t>
+            </a:r>
           </a:p>
         </p:txBody>
       </p:sp>
@@ -11006,13 +7919,39 @@
             <p:ph type="body" sz="quarter" idx="13"/>
           </p:nvPr>
         </p:nvSpPr>
-        <p:spPr/>
+        <p:spPr>
+          <a:xfrm>
+            <a:off x="762000" y="1783952"/>
+            <a:ext cx="5582239" cy="4358084"/>
+          </a:xfrm>
+        </p:spPr>
         <p:txBody>
           <a:bodyPr/>
           <a:lstStyle/>
           <a:p>
             <a:pPr algn="just"/>
+            <a:r>
+              <a:rPr lang="en-US" dirty="0"/>
+              <a:t>JSON = Python Dictionary </a:t>
+            </a:r>
+            <a:r>
+              <a:rPr lang="en-US" dirty="0">
+                <a:sym typeface="Wingdings" panose="05000000000000000000" pitchFamily="2" charset="2"/>
+              </a:rPr>
+              <a:t></a:t>
+            </a:r>
             <a:endParaRPr lang="en-US" dirty="0"/>
+          </a:p>
+          <a:p>
+            <a:pPr algn="just"/>
+            <a:endParaRPr lang="en-US" dirty="0"/>
+          </a:p>
+          <a:p>
+            <a:pPr algn="just"/>
+            <a:r>
+              <a:rPr lang="en-US" dirty="0"/>
+              <a:t>JSON objects have the same format as Python dictionaries, So If your JSON code is not in a file, but in a Python Dictionary, you can load it into a DataFrame directly:</a:t>
+            </a:r>
           </a:p>
         </p:txBody>
       </p:sp>
@@ -11109,7 +8048,10 @@
           <a:bodyPr/>
           <a:lstStyle/>
           <a:p>
-            <a:endParaRPr lang="en-US"/>
+            <a:r>
+              <a:rPr lang="en-US" dirty="0"/>
+              <a:t>Pandas - Analyzing DataFrames</a:t>
+            </a:r>
           </a:p>
         </p:txBody>
       </p:sp>
@@ -11129,16 +8071,89 @@
             <p:ph type="body" sz="quarter" idx="13"/>
           </p:nvPr>
         </p:nvSpPr>
-        <p:spPr/>
+        <p:spPr>
+          <a:xfrm>
+            <a:off x="762000" y="1783952"/>
+            <a:ext cx="5403130" cy="4358084"/>
+          </a:xfrm>
+        </p:spPr>
         <p:txBody>
           <a:bodyPr/>
           <a:lstStyle/>
           <a:p>
             <a:pPr algn="just"/>
+            <a:r>
+              <a:rPr lang="en-US" sz="2000" b="1" dirty="0"/>
+              <a:t>Viewing the Data</a:t>
+            </a:r>
+          </a:p>
+          <a:p>
+            <a:pPr algn="just"/>
+            <a:r>
+              <a:rPr lang="en-US" dirty="0"/>
+              <a:t>One of the most used method for getting a quick overview of the DataFrame, is the head() method. The head() method returns the headers and a specified number of rows, starting from the top.</a:t>
+            </a:r>
+          </a:p>
+          <a:p>
+            <a:pPr algn="just"/>
             <a:endParaRPr lang="en-US" dirty="0"/>
           </a:p>
-        </p:txBody>
-      </p:sp>
+          <a:p>
+            <a:pPr algn="just"/>
+            <a:r>
+              <a:rPr lang="en-US" b="1" dirty="0"/>
+              <a:t>Note: </a:t>
+            </a:r>
+            <a:r>
+              <a:rPr lang="en-US" dirty="0"/>
+              <a:t>if the number of rows is not specified, the head() method will return the top 5 rows.</a:t>
+            </a:r>
+          </a:p>
+          <a:p>
+            <a:pPr algn="just"/>
+            <a:endParaRPr lang="en-US" dirty="0"/>
+          </a:p>
+          <a:p>
+            <a:pPr algn="just"/>
+            <a:r>
+              <a:rPr lang="en-US" dirty="0"/>
+              <a:t>There is also a tail() method for viewing the last rows of the DataFrame. The tail() method returns the headers and a specified number of rows, starting from the bottom.</a:t>
+            </a:r>
+          </a:p>
+        </p:txBody>
+      </p:sp>
+      <p:pic>
+        <p:nvPicPr>
+          <p:cNvPr id="4" name="Picture 3">
+            <a:extLst>
+              <a:ext uri="{FF2B5EF4-FFF2-40B4-BE49-F238E27FC236}">
+                <a16:creationId xmlns:a16="http://schemas.microsoft.com/office/drawing/2014/main" id="{CC4E1647-1242-4E1C-AD0E-0CC1265B515A}"/>
+              </a:ext>
+            </a:extLst>
+          </p:cNvPr>
+          <p:cNvPicPr>
+            <a:picLocks noChangeAspect="1"/>
+          </p:cNvPicPr>
+          <p:nvPr/>
+        </p:nvPicPr>
+        <p:blipFill>
+          <a:blip r:embed="rId2"/>
+          <a:stretch>
+            <a:fillRect/>
+          </a:stretch>
+        </p:blipFill>
+        <p:spPr>
+          <a:xfrm>
+            <a:off x="6288668" y="1909117"/>
+            <a:ext cx="5688892" cy="3900411"/>
+          </a:xfrm>
+          <a:prstGeom prst="roundRect">
+            <a:avLst>
+              <a:gd name="adj" fmla="val 6758"/>
+            </a:avLst>
+          </a:prstGeom>
+        </p:spPr>
+      </p:pic>
     </p:spTree>
     <p:extLst>
       <p:ext uri="{BB962C8B-B14F-4D97-AF65-F5344CB8AC3E}">
@@ -11390,7 +8405,10 @@
           <a:bodyPr/>
           <a:lstStyle/>
           <a:p>
-            <a:endParaRPr lang="en-US"/>
+            <a:r>
+              <a:rPr lang="en-US" dirty="0"/>
+              <a:t>Info About the Data</a:t>
+            </a:r>
           </a:p>
         </p:txBody>
       </p:sp>
@@ -11416,7 +8434,18 @@
           <a:lstStyle/>
           <a:p>
             <a:pPr algn="just"/>
-            <a:endParaRPr lang="en-US" dirty="0"/>
+            <a:r>
+              <a:rPr lang="en-US" dirty="0"/>
+              <a:t>The DataFrames object has a method called </a:t>
+            </a:r>
+            <a:r>
+              <a:rPr lang="en-US" i="1" dirty="0"/>
+              <a:t>info()</a:t>
+            </a:r>
+            <a:r>
+              <a:rPr lang="en-US" dirty="0"/>
+              <a:t>, that gives you more information about the data set.</a:t>
+            </a:r>
           </a:p>
         </p:txBody>
       </p:sp>
@@ -11539,7 +8568,10 @@
           <a:lstStyle/>
           <a:p>
             <a:pPr algn="just"/>
-            <a:endParaRPr lang="en-US" dirty="0"/>
+            <a:r>
+              <a:rPr lang="en-US" dirty="0"/>
+              <a:t>Continue here https://www.w3schools.com/python/pandas/pandas_cleaning.asp</a:t>
+            </a:r>
           </a:p>
         </p:txBody>
       </p:sp>
@@ -11571,6 +8603,14 @@
 <file path=ppt/slides/slide22.xml><?xml version="1.0" encoding="utf-8"?>
 <p:sld xmlns:a="http://schemas.openxmlformats.org/drawingml/2006/main" xmlns:r="http://schemas.openxmlformats.org/officeDocument/2006/relationships" xmlns:p="http://schemas.openxmlformats.org/presentationml/2006/main">
   <p:cSld>
+    <p:bg>
+      <p:bgPr>
+        <a:solidFill>
+          <a:schemeClr val="accent2"/>
+        </a:solidFill>
+        <a:effectLst/>
+      </p:bgPr>
+    </p:bg>
     <p:spTree>
       <p:nvGrpSpPr>
         <p:cNvPr id="1" name=""/>
@@ -11587,10 +8627,69 @@
       </p:grpSpPr>
       <p:sp>
         <p:nvSpPr>
+          <p:cNvPr id="6" name="Title 5">
+            <a:extLst>
+              <a:ext uri="{FF2B5EF4-FFF2-40B4-BE49-F238E27FC236}">
+                <a16:creationId xmlns:a16="http://schemas.microsoft.com/office/drawing/2014/main" id="{5B34254B-4837-4E59-8D24-19908000C6C3}"/>
+              </a:ext>
+            </a:extLst>
+          </p:cNvPr>
+          <p:cNvSpPr>
+            <a:spLocks noGrp="1"/>
+          </p:cNvSpPr>
+          <p:nvPr>
+            <p:ph type="title"/>
+          </p:nvPr>
+        </p:nvSpPr>
+        <p:spPr/>
+        <p:txBody>
+          <a:bodyPr/>
+          <a:lstStyle/>
+          <a:p>
+            <a:r>
+              <a:rPr lang="en-US" dirty="0"/>
+              <a:t>Resources</a:t>
+            </a:r>
+          </a:p>
+        </p:txBody>
+      </p:sp>
+      <p:sp>
+        <p:nvSpPr>
+          <p:cNvPr id="3" name="Text Placeholder 2">
+            <a:extLst>
+              <a:ext uri="{FF2B5EF4-FFF2-40B4-BE49-F238E27FC236}">
+                <a16:creationId xmlns:a16="http://schemas.microsoft.com/office/drawing/2014/main" id="{D3316BC9-7937-4417-B232-1B37F4796011}"/>
+              </a:ext>
+            </a:extLst>
+          </p:cNvPr>
+          <p:cNvSpPr>
+            <a:spLocks noGrp="1"/>
+          </p:cNvSpPr>
+          <p:nvPr>
+            <p:ph type="body" sz="quarter" idx="11"/>
+          </p:nvPr>
+        </p:nvSpPr>
+        <p:spPr/>
+        <p:txBody>
+          <a:bodyPr>
+            <a:normAutofit/>
+          </a:bodyPr>
+          <a:lstStyle/>
+          <a:p>
+            <a:r>
+              <a:rPr lang="en-US" altLang="en-US" dirty="0"/>
+              <a:t>W3Schools</a:t>
+            </a:r>
+            <a:endParaRPr lang="en-US" dirty="0"/>
+          </a:p>
+        </p:txBody>
+      </p:sp>
+      <p:sp>
+        <p:nvSpPr>
           <p:cNvPr id="2" name="Slide Number Placeholder 1">
             <a:extLst>
               <a:ext uri="{FF2B5EF4-FFF2-40B4-BE49-F238E27FC236}">
-                <a16:creationId xmlns:a16="http://schemas.microsoft.com/office/drawing/2014/main" id="{61ACCDB5-53AC-46A1-8477-D467E9D7623C}"/>
+                <a16:creationId xmlns:a16="http://schemas.microsoft.com/office/drawing/2014/main" id="{0384AEC0-DF68-4ED4-8C40-FB2905C843D7}"/>
               </a:ext>
             </a:extLst>
           </p:cNvPr>
@@ -11615,922 +8714,10 @@
           </a:p>
         </p:txBody>
       </p:sp>
-      <p:sp>
-        <p:nvSpPr>
-          <p:cNvPr id="3" name="Title 2">
-            <a:extLst>
-              <a:ext uri="{FF2B5EF4-FFF2-40B4-BE49-F238E27FC236}">
-                <a16:creationId xmlns:a16="http://schemas.microsoft.com/office/drawing/2014/main" id="{DDD610BD-4711-4F31-B306-71451B84EFBD}"/>
-              </a:ext>
-            </a:extLst>
-          </p:cNvPr>
-          <p:cNvSpPr>
-            <a:spLocks noGrp="1"/>
-          </p:cNvSpPr>
-          <p:nvPr>
-            <p:ph type="title"/>
-          </p:nvPr>
-        </p:nvSpPr>
-        <p:spPr/>
-        <p:txBody>
-          <a:bodyPr/>
-          <a:lstStyle/>
-          <a:p>
-            <a:endParaRPr lang="en-US"/>
-          </a:p>
-        </p:txBody>
-      </p:sp>
-      <p:sp>
-        <p:nvSpPr>
-          <p:cNvPr id="4" name="Text Placeholder 3">
-            <a:extLst>
-              <a:ext uri="{FF2B5EF4-FFF2-40B4-BE49-F238E27FC236}">
-                <a16:creationId xmlns:a16="http://schemas.microsoft.com/office/drawing/2014/main" id="{5A847452-27D3-4539-A56C-970E4B89FF98}"/>
-              </a:ext>
-            </a:extLst>
-          </p:cNvPr>
-          <p:cNvSpPr>
-            <a:spLocks noGrp="1"/>
-          </p:cNvSpPr>
-          <p:nvPr>
-            <p:ph type="body" sz="quarter" idx="13"/>
-          </p:nvPr>
-        </p:nvSpPr>
-        <p:spPr/>
-        <p:txBody>
-          <a:bodyPr/>
-          <a:lstStyle/>
-          <a:p>
-            <a:pPr algn="just"/>
-            <a:endParaRPr lang="en-US" dirty="0"/>
-          </a:p>
-        </p:txBody>
-      </p:sp>
     </p:spTree>
     <p:extLst>
       <p:ext uri="{BB962C8B-B14F-4D97-AF65-F5344CB8AC3E}">
-        <p14:creationId xmlns:p14="http://schemas.microsoft.com/office/powerpoint/2010/main" val="3532036662"/>
-      </p:ext>
-    </p:extLst>
-  </p:cSld>
-  <p:clrMapOvr>
-    <a:masterClrMapping/>
-  </p:clrMapOvr>
-  <mc:AlternateContent xmlns:mc="http://schemas.openxmlformats.org/markup-compatibility/2006" xmlns:p14="http://schemas.microsoft.com/office/powerpoint/2010/main">
-    <mc:Choice Requires="p14">
-      <p:transition spd="med" p14:dur="700">
-        <p:fade/>
-      </p:transition>
-    </mc:Choice>
-    <mc:Fallback xmlns="">
-      <p:transition spd="med">
-        <p:fade/>
-      </p:transition>
-    </mc:Fallback>
-  </mc:AlternateContent>
-</p:sld>
-</file>
-
-<file path=ppt/slides/slide23.xml><?xml version="1.0" encoding="utf-8"?>
-<p:sld xmlns:a="http://schemas.openxmlformats.org/drawingml/2006/main" xmlns:r="http://schemas.openxmlformats.org/officeDocument/2006/relationships" xmlns:p="http://schemas.openxmlformats.org/presentationml/2006/main">
-  <p:cSld>
-    <p:spTree>
-      <p:nvGrpSpPr>
-        <p:cNvPr id="1" name=""/>
-        <p:cNvGrpSpPr/>
-        <p:nvPr/>
-      </p:nvGrpSpPr>
-      <p:grpSpPr>
-        <a:xfrm>
-          <a:off x="0" y="0"/>
-          <a:ext cx="0" cy="0"/>
-          <a:chOff x="0" y="0"/>
-          <a:chExt cx="0" cy="0"/>
-        </a:xfrm>
-      </p:grpSpPr>
-      <p:sp>
-        <p:nvSpPr>
-          <p:cNvPr id="2" name="Slide Number Placeholder 1">
-            <a:extLst>
-              <a:ext uri="{FF2B5EF4-FFF2-40B4-BE49-F238E27FC236}">
-                <a16:creationId xmlns:a16="http://schemas.microsoft.com/office/drawing/2014/main" id="{61ACCDB5-53AC-46A1-8477-D467E9D7623C}"/>
-              </a:ext>
-            </a:extLst>
-          </p:cNvPr>
-          <p:cNvSpPr>
-            <a:spLocks noGrp="1"/>
-          </p:cNvSpPr>
-          <p:nvPr>
-            <p:ph type="sldNum" sz="quarter" idx="4"/>
-          </p:nvPr>
-        </p:nvSpPr>
-        <p:spPr/>
-        <p:txBody>
-          <a:bodyPr/>
-          <a:lstStyle/>
-          <a:p>
-            <a:fld id="{8402A1B0-4691-41D9-84E0-69D594EAA3FE}" type="slidenum">
-              <a:rPr lang="en-US" altLang="en-US" smtClean="0"/>
-              <a:pPr/>
-              <a:t>23</a:t>
-            </a:fld>
-            <a:endParaRPr lang="en-US" altLang="en-US" dirty="0"/>
-          </a:p>
-        </p:txBody>
-      </p:sp>
-      <p:sp>
-        <p:nvSpPr>
-          <p:cNvPr id="5" name="Title 4">
-            <a:extLst>
-              <a:ext uri="{FF2B5EF4-FFF2-40B4-BE49-F238E27FC236}">
-                <a16:creationId xmlns:a16="http://schemas.microsoft.com/office/drawing/2014/main" id="{AF9BAF8D-C931-4150-A45D-0B3F83543E48}"/>
-              </a:ext>
-            </a:extLst>
-          </p:cNvPr>
-          <p:cNvSpPr>
-            <a:spLocks noGrp="1"/>
-          </p:cNvSpPr>
-          <p:nvPr>
-            <p:ph type="title"/>
-          </p:nvPr>
-        </p:nvSpPr>
-        <p:spPr/>
-        <p:txBody>
-          <a:bodyPr/>
-          <a:lstStyle/>
-          <a:p>
-            <a:endParaRPr lang="en-US"/>
-          </a:p>
-        </p:txBody>
-      </p:sp>
-      <p:sp>
-        <p:nvSpPr>
-          <p:cNvPr id="6" name="Text Placeholder 5">
-            <a:extLst>
-              <a:ext uri="{FF2B5EF4-FFF2-40B4-BE49-F238E27FC236}">
-                <a16:creationId xmlns:a16="http://schemas.microsoft.com/office/drawing/2014/main" id="{42AC9401-AD3D-4DCE-A51A-F39E4B9AFBE2}"/>
-              </a:ext>
-            </a:extLst>
-          </p:cNvPr>
-          <p:cNvSpPr>
-            <a:spLocks noGrp="1"/>
-          </p:cNvSpPr>
-          <p:nvPr>
-            <p:ph type="body" sz="quarter" idx="13"/>
-          </p:nvPr>
-        </p:nvSpPr>
-        <p:spPr/>
-        <p:txBody>
-          <a:bodyPr/>
-          <a:lstStyle/>
-          <a:p>
-            <a:pPr algn="just"/>
-            <a:endParaRPr lang="en-US" dirty="0"/>
-          </a:p>
-        </p:txBody>
-      </p:sp>
-    </p:spTree>
-    <p:extLst>
-      <p:ext uri="{BB962C8B-B14F-4D97-AF65-F5344CB8AC3E}">
-        <p14:creationId xmlns:p14="http://schemas.microsoft.com/office/powerpoint/2010/main" val="3568989068"/>
-      </p:ext>
-    </p:extLst>
-  </p:cSld>
-  <p:clrMapOvr>
-    <a:masterClrMapping/>
-  </p:clrMapOvr>
-  <mc:AlternateContent xmlns:mc="http://schemas.openxmlformats.org/markup-compatibility/2006" xmlns:p14="http://schemas.microsoft.com/office/powerpoint/2010/main">
-    <mc:Choice Requires="p14">
-      <p:transition spd="med" p14:dur="700">
-        <p:fade/>
-      </p:transition>
-    </mc:Choice>
-    <mc:Fallback xmlns="">
-      <p:transition spd="med">
-        <p:fade/>
-      </p:transition>
-    </mc:Fallback>
-  </mc:AlternateContent>
-</p:sld>
-</file>
-
-<file path=ppt/slides/slide24.xml><?xml version="1.0" encoding="utf-8"?>
-<p:sld xmlns:a="http://schemas.openxmlformats.org/drawingml/2006/main" xmlns:r="http://schemas.openxmlformats.org/officeDocument/2006/relationships" xmlns:p="http://schemas.openxmlformats.org/presentationml/2006/main">
-  <p:cSld>
-    <p:spTree>
-      <p:nvGrpSpPr>
-        <p:cNvPr id="1" name=""/>
-        <p:cNvGrpSpPr/>
-        <p:nvPr/>
-      </p:nvGrpSpPr>
-      <p:grpSpPr>
-        <a:xfrm>
-          <a:off x="0" y="0"/>
-          <a:ext cx="0" cy="0"/>
-          <a:chOff x="0" y="0"/>
-          <a:chExt cx="0" cy="0"/>
-        </a:xfrm>
-      </p:grpSpPr>
-      <p:sp>
-        <p:nvSpPr>
-          <p:cNvPr id="2" name="Slide Number Placeholder 1">
-            <a:extLst>
-              <a:ext uri="{FF2B5EF4-FFF2-40B4-BE49-F238E27FC236}">
-                <a16:creationId xmlns:a16="http://schemas.microsoft.com/office/drawing/2014/main" id="{61ACCDB5-53AC-46A1-8477-D467E9D7623C}"/>
-              </a:ext>
-            </a:extLst>
-          </p:cNvPr>
-          <p:cNvSpPr>
-            <a:spLocks noGrp="1"/>
-          </p:cNvSpPr>
-          <p:nvPr>
-            <p:ph type="sldNum" sz="quarter" idx="4"/>
-          </p:nvPr>
-        </p:nvSpPr>
-        <p:spPr/>
-        <p:txBody>
-          <a:bodyPr/>
-          <a:lstStyle/>
-          <a:p>
-            <a:fld id="{8402A1B0-4691-41D9-84E0-69D594EAA3FE}" type="slidenum">
-              <a:rPr lang="en-US" altLang="en-US" smtClean="0"/>
-              <a:pPr/>
-              <a:t>24</a:t>
-            </a:fld>
-            <a:endParaRPr lang="en-US" altLang="en-US" dirty="0"/>
-          </a:p>
-        </p:txBody>
-      </p:sp>
-      <p:sp>
-        <p:nvSpPr>
-          <p:cNvPr id="3" name="Title 2">
-            <a:extLst>
-              <a:ext uri="{FF2B5EF4-FFF2-40B4-BE49-F238E27FC236}">
-                <a16:creationId xmlns:a16="http://schemas.microsoft.com/office/drawing/2014/main" id="{DDD610BD-4711-4F31-B306-71451B84EFBD}"/>
-              </a:ext>
-            </a:extLst>
-          </p:cNvPr>
-          <p:cNvSpPr>
-            <a:spLocks noGrp="1"/>
-          </p:cNvSpPr>
-          <p:nvPr>
-            <p:ph type="title"/>
-          </p:nvPr>
-        </p:nvSpPr>
-        <p:spPr/>
-        <p:txBody>
-          <a:bodyPr/>
-          <a:lstStyle/>
-          <a:p>
-            <a:endParaRPr lang="en-US"/>
-          </a:p>
-        </p:txBody>
-      </p:sp>
-      <p:sp>
-        <p:nvSpPr>
-          <p:cNvPr id="4" name="Text Placeholder 3">
-            <a:extLst>
-              <a:ext uri="{FF2B5EF4-FFF2-40B4-BE49-F238E27FC236}">
-                <a16:creationId xmlns:a16="http://schemas.microsoft.com/office/drawing/2014/main" id="{5A847452-27D3-4539-A56C-970E4B89FF98}"/>
-              </a:ext>
-            </a:extLst>
-          </p:cNvPr>
-          <p:cNvSpPr>
-            <a:spLocks noGrp="1"/>
-          </p:cNvSpPr>
-          <p:nvPr>
-            <p:ph type="body" sz="quarter" idx="13"/>
-          </p:nvPr>
-        </p:nvSpPr>
-        <p:spPr/>
-        <p:txBody>
-          <a:bodyPr/>
-          <a:lstStyle/>
-          <a:p>
-            <a:pPr algn="just"/>
-            <a:endParaRPr lang="en-US" dirty="0"/>
-          </a:p>
-        </p:txBody>
-      </p:sp>
-    </p:spTree>
-    <p:extLst>
-      <p:ext uri="{BB962C8B-B14F-4D97-AF65-F5344CB8AC3E}">
-        <p14:creationId xmlns:p14="http://schemas.microsoft.com/office/powerpoint/2010/main" val="1721016188"/>
-      </p:ext>
-    </p:extLst>
-  </p:cSld>
-  <p:clrMapOvr>
-    <a:masterClrMapping/>
-  </p:clrMapOvr>
-  <mc:AlternateContent xmlns:mc="http://schemas.openxmlformats.org/markup-compatibility/2006" xmlns:p14="http://schemas.microsoft.com/office/powerpoint/2010/main">
-    <mc:Choice Requires="p14">
-      <p:transition spd="med" p14:dur="700">
-        <p:fade/>
-      </p:transition>
-    </mc:Choice>
-    <mc:Fallback xmlns="">
-      <p:transition spd="med">
-        <p:fade/>
-      </p:transition>
-    </mc:Fallback>
-  </mc:AlternateContent>
-</p:sld>
-</file>
-
-<file path=ppt/slides/slide25.xml><?xml version="1.0" encoding="utf-8"?>
-<p:sld xmlns:a="http://schemas.openxmlformats.org/drawingml/2006/main" xmlns:r="http://schemas.openxmlformats.org/officeDocument/2006/relationships" xmlns:p="http://schemas.openxmlformats.org/presentationml/2006/main">
-  <p:cSld>
-    <p:spTree>
-      <p:nvGrpSpPr>
-        <p:cNvPr id="1" name=""/>
-        <p:cNvGrpSpPr/>
-        <p:nvPr/>
-      </p:nvGrpSpPr>
-      <p:grpSpPr>
-        <a:xfrm>
-          <a:off x="0" y="0"/>
-          <a:ext cx="0" cy="0"/>
-          <a:chOff x="0" y="0"/>
-          <a:chExt cx="0" cy="0"/>
-        </a:xfrm>
-      </p:grpSpPr>
-      <p:sp>
-        <p:nvSpPr>
-          <p:cNvPr id="2" name="Slide Number Placeholder 1">
-            <a:extLst>
-              <a:ext uri="{FF2B5EF4-FFF2-40B4-BE49-F238E27FC236}">
-                <a16:creationId xmlns:a16="http://schemas.microsoft.com/office/drawing/2014/main" id="{61ACCDB5-53AC-46A1-8477-D467E9D7623C}"/>
-              </a:ext>
-            </a:extLst>
-          </p:cNvPr>
-          <p:cNvSpPr>
-            <a:spLocks noGrp="1"/>
-          </p:cNvSpPr>
-          <p:nvPr>
-            <p:ph type="sldNum" sz="quarter" idx="4"/>
-          </p:nvPr>
-        </p:nvSpPr>
-        <p:spPr/>
-        <p:txBody>
-          <a:bodyPr/>
-          <a:lstStyle/>
-          <a:p>
-            <a:fld id="{8402A1B0-4691-41D9-84E0-69D594EAA3FE}" type="slidenum">
-              <a:rPr lang="en-US" altLang="en-US" smtClean="0"/>
-              <a:pPr/>
-              <a:t>25</a:t>
-            </a:fld>
-            <a:endParaRPr lang="en-US" altLang="en-US" dirty="0"/>
-          </a:p>
-        </p:txBody>
-      </p:sp>
-      <p:sp>
-        <p:nvSpPr>
-          <p:cNvPr id="5" name="Title 4">
-            <a:extLst>
-              <a:ext uri="{FF2B5EF4-FFF2-40B4-BE49-F238E27FC236}">
-                <a16:creationId xmlns:a16="http://schemas.microsoft.com/office/drawing/2014/main" id="{AF9BAF8D-C931-4150-A45D-0B3F83543E48}"/>
-              </a:ext>
-            </a:extLst>
-          </p:cNvPr>
-          <p:cNvSpPr>
-            <a:spLocks noGrp="1"/>
-          </p:cNvSpPr>
-          <p:nvPr>
-            <p:ph type="title"/>
-          </p:nvPr>
-        </p:nvSpPr>
-        <p:spPr/>
-        <p:txBody>
-          <a:bodyPr/>
-          <a:lstStyle/>
-          <a:p>
-            <a:endParaRPr lang="en-US"/>
-          </a:p>
-        </p:txBody>
-      </p:sp>
-      <p:sp>
-        <p:nvSpPr>
-          <p:cNvPr id="6" name="Text Placeholder 5">
-            <a:extLst>
-              <a:ext uri="{FF2B5EF4-FFF2-40B4-BE49-F238E27FC236}">
-                <a16:creationId xmlns:a16="http://schemas.microsoft.com/office/drawing/2014/main" id="{42AC9401-AD3D-4DCE-A51A-F39E4B9AFBE2}"/>
-              </a:ext>
-            </a:extLst>
-          </p:cNvPr>
-          <p:cNvSpPr>
-            <a:spLocks noGrp="1"/>
-          </p:cNvSpPr>
-          <p:nvPr>
-            <p:ph type="body" sz="quarter" idx="13"/>
-          </p:nvPr>
-        </p:nvSpPr>
-        <p:spPr/>
-        <p:txBody>
-          <a:bodyPr/>
-          <a:lstStyle/>
-          <a:p>
-            <a:pPr algn="just"/>
-            <a:endParaRPr lang="en-US" dirty="0"/>
-          </a:p>
-        </p:txBody>
-      </p:sp>
-    </p:spTree>
-    <p:extLst>
-      <p:ext uri="{BB962C8B-B14F-4D97-AF65-F5344CB8AC3E}">
-        <p14:creationId xmlns:p14="http://schemas.microsoft.com/office/powerpoint/2010/main" val="2988002985"/>
-      </p:ext>
-    </p:extLst>
-  </p:cSld>
-  <p:clrMapOvr>
-    <a:masterClrMapping/>
-  </p:clrMapOvr>
-  <mc:AlternateContent xmlns:mc="http://schemas.openxmlformats.org/markup-compatibility/2006" xmlns:p14="http://schemas.microsoft.com/office/powerpoint/2010/main">
-    <mc:Choice Requires="p14">
-      <p:transition spd="med" p14:dur="700">
-        <p:fade/>
-      </p:transition>
-    </mc:Choice>
-    <mc:Fallback xmlns="">
-      <p:transition spd="med">
-        <p:fade/>
-      </p:transition>
-    </mc:Fallback>
-  </mc:AlternateContent>
-</p:sld>
-</file>
-
-<file path=ppt/slides/slide26.xml><?xml version="1.0" encoding="utf-8"?>
-<p:sld xmlns:a="http://schemas.openxmlformats.org/drawingml/2006/main" xmlns:r="http://schemas.openxmlformats.org/officeDocument/2006/relationships" xmlns:p="http://schemas.openxmlformats.org/presentationml/2006/main">
-  <p:cSld>
-    <p:spTree>
-      <p:nvGrpSpPr>
-        <p:cNvPr id="1" name=""/>
-        <p:cNvGrpSpPr/>
-        <p:nvPr/>
-      </p:nvGrpSpPr>
-      <p:grpSpPr>
-        <a:xfrm>
-          <a:off x="0" y="0"/>
-          <a:ext cx="0" cy="0"/>
-          <a:chOff x="0" y="0"/>
-          <a:chExt cx="0" cy="0"/>
-        </a:xfrm>
-      </p:grpSpPr>
-      <p:sp>
-        <p:nvSpPr>
-          <p:cNvPr id="2" name="Slide Number Placeholder 1">
-            <a:extLst>
-              <a:ext uri="{FF2B5EF4-FFF2-40B4-BE49-F238E27FC236}">
-                <a16:creationId xmlns:a16="http://schemas.microsoft.com/office/drawing/2014/main" id="{61ACCDB5-53AC-46A1-8477-D467E9D7623C}"/>
-              </a:ext>
-            </a:extLst>
-          </p:cNvPr>
-          <p:cNvSpPr>
-            <a:spLocks noGrp="1"/>
-          </p:cNvSpPr>
-          <p:nvPr>
-            <p:ph type="sldNum" sz="quarter" idx="4"/>
-          </p:nvPr>
-        </p:nvSpPr>
-        <p:spPr/>
-        <p:txBody>
-          <a:bodyPr/>
-          <a:lstStyle/>
-          <a:p>
-            <a:fld id="{8402A1B0-4691-41D9-84E0-69D594EAA3FE}" type="slidenum">
-              <a:rPr lang="en-US" altLang="en-US" smtClean="0"/>
-              <a:pPr/>
-              <a:t>26</a:t>
-            </a:fld>
-            <a:endParaRPr lang="en-US" altLang="en-US" dirty="0"/>
-          </a:p>
-        </p:txBody>
-      </p:sp>
-      <p:sp>
-        <p:nvSpPr>
-          <p:cNvPr id="3" name="Title 2">
-            <a:extLst>
-              <a:ext uri="{FF2B5EF4-FFF2-40B4-BE49-F238E27FC236}">
-                <a16:creationId xmlns:a16="http://schemas.microsoft.com/office/drawing/2014/main" id="{DDD610BD-4711-4F31-B306-71451B84EFBD}"/>
-              </a:ext>
-            </a:extLst>
-          </p:cNvPr>
-          <p:cNvSpPr>
-            <a:spLocks noGrp="1"/>
-          </p:cNvSpPr>
-          <p:nvPr>
-            <p:ph type="title"/>
-          </p:nvPr>
-        </p:nvSpPr>
-        <p:spPr/>
-        <p:txBody>
-          <a:bodyPr/>
-          <a:lstStyle/>
-          <a:p>
-            <a:endParaRPr lang="en-US"/>
-          </a:p>
-        </p:txBody>
-      </p:sp>
-      <p:sp>
-        <p:nvSpPr>
-          <p:cNvPr id="4" name="Text Placeholder 3">
-            <a:extLst>
-              <a:ext uri="{FF2B5EF4-FFF2-40B4-BE49-F238E27FC236}">
-                <a16:creationId xmlns:a16="http://schemas.microsoft.com/office/drawing/2014/main" id="{5A847452-27D3-4539-A56C-970E4B89FF98}"/>
-              </a:ext>
-            </a:extLst>
-          </p:cNvPr>
-          <p:cNvSpPr>
-            <a:spLocks noGrp="1"/>
-          </p:cNvSpPr>
-          <p:nvPr>
-            <p:ph type="body" sz="quarter" idx="13"/>
-          </p:nvPr>
-        </p:nvSpPr>
-        <p:spPr/>
-        <p:txBody>
-          <a:bodyPr/>
-          <a:lstStyle/>
-          <a:p>
-            <a:pPr algn="just"/>
-            <a:endParaRPr lang="en-US" dirty="0"/>
-          </a:p>
-        </p:txBody>
-      </p:sp>
-    </p:spTree>
-    <p:extLst>
-      <p:ext uri="{BB962C8B-B14F-4D97-AF65-F5344CB8AC3E}">
-        <p14:creationId xmlns:p14="http://schemas.microsoft.com/office/powerpoint/2010/main" val="3175291277"/>
-      </p:ext>
-    </p:extLst>
-  </p:cSld>
-  <p:clrMapOvr>
-    <a:masterClrMapping/>
-  </p:clrMapOvr>
-  <mc:AlternateContent xmlns:mc="http://schemas.openxmlformats.org/markup-compatibility/2006" xmlns:p14="http://schemas.microsoft.com/office/powerpoint/2010/main">
-    <mc:Choice Requires="p14">
-      <p:transition spd="med" p14:dur="700">
-        <p:fade/>
-      </p:transition>
-    </mc:Choice>
-    <mc:Fallback xmlns="">
-      <p:transition spd="med">
-        <p:fade/>
-      </p:transition>
-    </mc:Fallback>
-  </mc:AlternateContent>
-</p:sld>
-</file>
-
-<file path=ppt/slides/slide27.xml><?xml version="1.0" encoding="utf-8"?>
-<p:sld xmlns:a="http://schemas.openxmlformats.org/drawingml/2006/main" xmlns:r="http://schemas.openxmlformats.org/officeDocument/2006/relationships" xmlns:p="http://schemas.openxmlformats.org/presentationml/2006/main">
-  <p:cSld>
-    <p:spTree>
-      <p:nvGrpSpPr>
-        <p:cNvPr id="1" name=""/>
-        <p:cNvGrpSpPr/>
-        <p:nvPr/>
-      </p:nvGrpSpPr>
-      <p:grpSpPr>
-        <a:xfrm>
-          <a:off x="0" y="0"/>
-          <a:ext cx="0" cy="0"/>
-          <a:chOff x="0" y="0"/>
-          <a:chExt cx="0" cy="0"/>
-        </a:xfrm>
-      </p:grpSpPr>
-      <p:sp>
-        <p:nvSpPr>
-          <p:cNvPr id="2" name="Slide Number Placeholder 1">
-            <a:extLst>
-              <a:ext uri="{FF2B5EF4-FFF2-40B4-BE49-F238E27FC236}">
-                <a16:creationId xmlns:a16="http://schemas.microsoft.com/office/drawing/2014/main" id="{61ACCDB5-53AC-46A1-8477-D467E9D7623C}"/>
-              </a:ext>
-            </a:extLst>
-          </p:cNvPr>
-          <p:cNvSpPr>
-            <a:spLocks noGrp="1"/>
-          </p:cNvSpPr>
-          <p:nvPr>
-            <p:ph type="sldNum" sz="quarter" idx="4"/>
-          </p:nvPr>
-        </p:nvSpPr>
-        <p:spPr/>
-        <p:txBody>
-          <a:bodyPr/>
-          <a:lstStyle/>
-          <a:p>
-            <a:fld id="{8402A1B0-4691-41D9-84E0-69D594EAA3FE}" type="slidenum">
-              <a:rPr lang="en-US" altLang="en-US" smtClean="0"/>
-              <a:pPr/>
-              <a:t>27</a:t>
-            </a:fld>
-            <a:endParaRPr lang="en-US" altLang="en-US" dirty="0"/>
-          </a:p>
-        </p:txBody>
-      </p:sp>
-      <p:sp>
-        <p:nvSpPr>
-          <p:cNvPr id="5" name="Title 4">
-            <a:extLst>
-              <a:ext uri="{FF2B5EF4-FFF2-40B4-BE49-F238E27FC236}">
-                <a16:creationId xmlns:a16="http://schemas.microsoft.com/office/drawing/2014/main" id="{AF9BAF8D-C931-4150-A45D-0B3F83543E48}"/>
-              </a:ext>
-            </a:extLst>
-          </p:cNvPr>
-          <p:cNvSpPr>
-            <a:spLocks noGrp="1"/>
-          </p:cNvSpPr>
-          <p:nvPr>
-            <p:ph type="title"/>
-          </p:nvPr>
-        </p:nvSpPr>
-        <p:spPr/>
-        <p:txBody>
-          <a:bodyPr/>
-          <a:lstStyle/>
-          <a:p>
-            <a:endParaRPr lang="en-US"/>
-          </a:p>
-        </p:txBody>
-      </p:sp>
-      <p:sp>
-        <p:nvSpPr>
-          <p:cNvPr id="6" name="Text Placeholder 5">
-            <a:extLst>
-              <a:ext uri="{FF2B5EF4-FFF2-40B4-BE49-F238E27FC236}">
-                <a16:creationId xmlns:a16="http://schemas.microsoft.com/office/drawing/2014/main" id="{42AC9401-AD3D-4DCE-A51A-F39E4B9AFBE2}"/>
-              </a:ext>
-            </a:extLst>
-          </p:cNvPr>
-          <p:cNvSpPr>
-            <a:spLocks noGrp="1"/>
-          </p:cNvSpPr>
-          <p:nvPr>
-            <p:ph type="body" sz="quarter" idx="13"/>
-          </p:nvPr>
-        </p:nvSpPr>
-        <p:spPr/>
-        <p:txBody>
-          <a:bodyPr/>
-          <a:lstStyle/>
-          <a:p>
-            <a:pPr algn="just"/>
-            <a:endParaRPr lang="en-US" dirty="0"/>
-          </a:p>
-        </p:txBody>
-      </p:sp>
-    </p:spTree>
-    <p:extLst>
-      <p:ext uri="{BB962C8B-B14F-4D97-AF65-F5344CB8AC3E}">
-        <p14:creationId xmlns:p14="http://schemas.microsoft.com/office/powerpoint/2010/main" val="217900158"/>
-      </p:ext>
-    </p:extLst>
-  </p:cSld>
-  <p:clrMapOvr>
-    <a:masterClrMapping/>
-  </p:clrMapOvr>
-  <mc:AlternateContent xmlns:mc="http://schemas.openxmlformats.org/markup-compatibility/2006" xmlns:p14="http://schemas.microsoft.com/office/powerpoint/2010/main">
-    <mc:Choice Requires="p14">
-      <p:transition spd="med" p14:dur="700">
-        <p:fade/>
-      </p:transition>
-    </mc:Choice>
-    <mc:Fallback xmlns="">
-      <p:transition spd="med">
-        <p:fade/>
-      </p:transition>
-    </mc:Fallback>
-  </mc:AlternateContent>
-</p:sld>
-</file>
-
-<file path=ppt/slides/slide28.xml><?xml version="1.0" encoding="utf-8"?>
-<p:sld xmlns:a="http://schemas.openxmlformats.org/drawingml/2006/main" xmlns:r="http://schemas.openxmlformats.org/officeDocument/2006/relationships" xmlns:p="http://schemas.openxmlformats.org/presentationml/2006/main">
-  <p:cSld>
-    <p:spTree>
-      <p:nvGrpSpPr>
-        <p:cNvPr id="1" name=""/>
-        <p:cNvGrpSpPr/>
-        <p:nvPr/>
-      </p:nvGrpSpPr>
-      <p:grpSpPr>
-        <a:xfrm>
-          <a:off x="0" y="0"/>
-          <a:ext cx="0" cy="0"/>
-          <a:chOff x="0" y="0"/>
-          <a:chExt cx="0" cy="0"/>
-        </a:xfrm>
-      </p:grpSpPr>
-      <p:sp>
-        <p:nvSpPr>
-          <p:cNvPr id="2" name="Slide Number Placeholder 1">
-            <a:extLst>
-              <a:ext uri="{FF2B5EF4-FFF2-40B4-BE49-F238E27FC236}">
-                <a16:creationId xmlns:a16="http://schemas.microsoft.com/office/drawing/2014/main" id="{61ACCDB5-53AC-46A1-8477-D467E9D7623C}"/>
-              </a:ext>
-            </a:extLst>
-          </p:cNvPr>
-          <p:cNvSpPr>
-            <a:spLocks noGrp="1"/>
-          </p:cNvSpPr>
-          <p:nvPr>
-            <p:ph type="sldNum" sz="quarter" idx="4"/>
-          </p:nvPr>
-        </p:nvSpPr>
-        <p:spPr/>
-        <p:txBody>
-          <a:bodyPr/>
-          <a:lstStyle/>
-          <a:p>
-            <a:fld id="{8402A1B0-4691-41D9-84E0-69D594EAA3FE}" type="slidenum">
-              <a:rPr lang="en-US" altLang="en-US" smtClean="0"/>
-              <a:pPr/>
-              <a:t>28</a:t>
-            </a:fld>
-            <a:endParaRPr lang="en-US" altLang="en-US" dirty="0"/>
-          </a:p>
-        </p:txBody>
-      </p:sp>
-      <p:sp>
-        <p:nvSpPr>
-          <p:cNvPr id="3" name="Title 2">
-            <a:extLst>
-              <a:ext uri="{FF2B5EF4-FFF2-40B4-BE49-F238E27FC236}">
-                <a16:creationId xmlns:a16="http://schemas.microsoft.com/office/drawing/2014/main" id="{DDD610BD-4711-4F31-B306-71451B84EFBD}"/>
-              </a:ext>
-            </a:extLst>
-          </p:cNvPr>
-          <p:cNvSpPr>
-            <a:spLocks noGrp="1"/>
-          </p:cNvSpPr>
-          <p:nvPr>
-            <p:ph type="title"/>
-          </p:nvPr>
-        </p:nvSpPr>
-        <p:spPr/>
-        <p:txBody>
-          <a:bodyPr/>
-          <a:lstStyle/>
-          <a:p>
-            <a:endParaRPr lang="en-US"/>
-          </a:p>
-        </p:txBody>
-      </p:sp>
-      <p:sp>
-        <p:nvSpPr>
-          <p:cNvPr id="4" name="Text Placeholder 3">
-            <a:extLst>
-              <a:ext uri="{FF2B5EF4-FFF2-40B4-BE49-F238E27FC236}">
-                <a16:creationId xmlns:a16="http://schemas.microsoft.com/office/drawing/2014/main" id="{5A847452-27D3-4539-A56C-970E4B89FF98}"/>
-              </a:ext>
-            </a:extLst>
-          </p:cNvPr>
-          <p:cNvSpPr>
-            <a:spLocks noGrp="1"/>
-          </p:cNvSpPr>
-          <p:nvPr>
-            <p:ph type="body" sz="quarter" idx="13"/>
-          </p:nvPr>
-        </p:nvSpPr>
-        <p:spPr/>
-        <p:txBody>
-          <a:bodyPr/>
-          <a:lstStyle/>
-          <a:p>
-            <a:pPr algn="just"/>
-            <a:endParaRPr lang="en-US" dirty="0"/>
-          </a:p>
-        </p:txBody>
-      </p:sp>
-    </p:spTree>
-    <p:extLst>
-      <p:ext uri="{BB962C8B-B14F-4D97-AF65-F5344CB8AC3E}">
-        <p14:creationId xmlns:p14="http://schemas.microsoft.com/office/powerpoint/2010/main" val="2800101884"/>
-      </p:ext>
-    </p:extLst>
-  </p:cSld>
-  <p:clrMapOvr>
-    <a:masterClrMapping/>
-  </p:clrMapOvr>
-  <mc:AlternateContent xmlns:mc="http://schemas.openxmlformats.org/markup-compatibility/2006" xmlns:p14="http://schemas.microsoft.com/office/powerpoint/2010/main">
-    <mc:Choice Requires="p14">
-      <p:transition spd="med" p14:dur="700">
-        <p:fade/>
-      </p:transition>
-    </mc:Choice>
-    <mc:Fallback xmlns="">
-      <p:transition spd="med">
-        <p:fade/>
-      </p:transition>
-    </mc:Fallback>
-  </mc:AlternateContent>
-</p:sld>
-</file>
-
-<file path=ppt/slides/slide29.xml><?xml version="1.0" encoding="utf-8"?>
-<p:sld xmlns:a="http://schemas.openxmlformats.org/drawingml/2006/main" xmlns:r="http://schemas.openxmlformats.org/officeDocument/2006/relationships" xmlns:p="http://schemas.openxmlformats.org/presentationml/2006/main">
-  <p:cSld>
-    <p:spTree>
-      <p:nvGrpSpPr>
-        <p:cNvPr id="1" name=""/>
-        <p:cNvGrpSpPr/>
-        <p:nvPr/>
-      </p:nvGrpSpPr>
-      <p:grpSpPr>
-        <a:xfrm>
-          <a:off x="0" y="0"/>
-          <a:ext cx="0" cy="0"/>
-          <a:chOff x="0" y="0"/>
-          <a:chExt cx="0" cy="0"/>
-        </a:xfrm>
-      </p:grpSpPr>
-      <p:sp>
-        <p:nvSpPr>
-          <p:cNvPr id="2" name="Slide Number Placeholder 1">
-            <a:extLst>
-              <a:ext uri="{FF2B5EF4-FFF2-40B4-BE49-F238E27FC236}">
-                <a16:creationId xmlns:a16="http://schemas.microsoft.com/office/drawing/2014/main" id="{61ACCDB5-53AC-46A1-8477-D467E9D7623C}"/>
-              </a:ext>
-            </a:extLst>
-          </p:cNvPr>
-          <p:cNvSpPr>
-            <a:spLocks noGrp="1"/>
-          </p:cNvSpPr>
-          <p:nvPr>
-            <p:ph type="sldNum" sz="quarter" idx="4"/>
-          </p:nvPr>
-        </p:nvSpPr>
-        <p:spPr/>
-        <p:txBody>
-          <a:bodyPr/>
-          <a:lstStyle/>
-          <a:p>
-            <a:fld id="{8402A1B0-4691-41D9-84E0-69D594EAA3FE}" type="slidenum">
-              <a:rPr lang="en-US" altLang="en-US" smtClean="0"/>
-              <a:pPr/>
-              <a:t>29</a:t>
-            </a:fld>
-            <a:endParaRPr lang="en-US" altLang="en-US" dirty="0"/>
-          </a:p>
-        </p:txBody>
-      </p:sp>
-      <p:sp>
-        <p:nvSpPr>
-          <p:cNvPr id="5" name="Title 4">
-            <a:extLst>
-              <a:ext uri="{FF2B5EF4-FFF2-40B4-BE49-F238E27FC236}">
-                <a16:creationId xmlns:a16="http://schemas.microsoft.com/office/drawing/2014/main" id="{AF9BAF8D-C931-4150-A45D-0B3F83543E48}"/>
-              </a:ext>
-            </a:extLst>
-          </p:cNvPr>
-          <p:cNvSpPr>
-            <a:spLocks noGrp="1"/>
-          </p:cNvSpPr>
-          <p:nvPr>
-            <p:ph type="title"/>
-          </p:nvPr>
-        </p:nvSpPr>
-        <p:spPr/>
-        <p:txBody>
-          <a:bodyPr/>
-          <a:lstStyle/>
-          <a:p>
-            <a:endParaRPr lang="en-US"/>
-          </a:p>
-        </p:txBody>
-      </p:sp>
-      <p:sp>
-        <p:nvSpPr>
-          <p:cNvPr id="6" name="Text Placeholder 5">
-            <a:extLst>
-              <a:ext uri="{FF2B5EF4-FFF2-40B4-BE49-F238E27FC236}">
-                <a16:creationId xmlns:a16="http://schemas.microsoft.com/office/drawing/2014/main" id="{42AC9401-AD3D-4DCE-A51A-F39E4B9AFBE2}"/>
-              </a:ext>
-            </a:extLst>
-          </p:cNvPr>
-          <p:cNvSpPr>
-            <a:spLocks noGrp="1"/>
-          </p:cNvSpPr>
-          <p:nvPr>
-            <p:ph type="body" sz="quarter" idx="13"/>
-          </p:nvPr>
-        </p:nvSpPr>
-        <p:spPr/>
-        <p:txBody>
-          <a:bodyPr/>
-          <a:lstStyle/>
-          <a:p>
-            <a:pPr algn="just"/>
-            <a:endParaRPr lang="en-US" dirty="0"/>
-          </a:p>
-        </p:txBody>
-      </p:sp>
-    </p:spTree>
-    <p:extLst>
-      <p:ext uri="{BB962C8B-B14F-4D97-AF65-F5344CB8AC3E}">
-        <p14:creationId xmlns:p14="http://schemas.microsoft.com/office/powerpoint/2010/main" val="3788739055"/>
+        <p14:creationId xmlns:p14="http://schemas.microsoft.com/office/powerpoint/2010/main" val="132009874"/>
       </p:ext>
     </p:extLst>
   </p:cSld>
@@ -12701,1236 +8888,6 @@
 </p:sld>
 </file>
 
-<file path=ppt/slides/slide30.xml><?xml version="1.0" encoding="utf-8"?>
-<p:sld xmlns:a="http://schemas.openxmlformats.org/drawingml/2006/main" xmlns:r="http://schemas.openxmlformats.org/officeDocument/2006/relationships" xmlns:p="http://schemas.openxmlformats.org/presentationml/2006/main">
-  <p:cSld>
-    <p:spTree>
-      <p:nvGrpSpPr>
-        <p:cNvPr id="1" name=""/>
-        <p:cNvGrpSpPr/>
-        <p:nvPr/>
-      </p:nvGrpSpPr>
-      <p:grpSpPr>
-        <a:xfrm>
-          <a:off x="0" y="0"/>
-          <a:ext cx="0" cy="0"/>
-          <a:chOff x="0" y="0"/>
-          <a:chExt cx="0" cy="0"/>
-        </a:xfrm>
-      </p:grpSpPr>
-      <p:sp>
-        <p:nvSpPr>
-          <p:cNvPr id="2" name="Slide Number Placeholder 1">
-            <a:extLst>
-              <a:ext uri="{FF2B5EF4-FFF2-40B4-BE49-F238E27FC236}">
-                <a16:creationId xmlns:a16="http://schemas.microsoft.com/office/drawing/2014/main" id="{61ACCDB5-53AC-46A1-8477-D467E9D7623C}"/>
-              </a:ext>
-            </a:extLst>
-          </p:cNvPr>
-          <p:cNvSpPr>
-            <a:spLocks noGrp="1"/>
-          </p:cNvSpPr>
-          <p:nvPr>
-            <p:ph type="sldNum" sz="quarter" idx="4"/>
-          </p:nvPr>
-        </p:nvSpPr>
-        <p:spPr/>
-        <p:txBody>
-          <a:bodyPr/>
-          <a:lstStyle/>
-          <a:p>
-            <a:fld id="{8402A1B0-4691-41D9-84E0-69D594EAA3FE}" type="slidenum">
-              <a:rPr lang="en-US" altLang="en-US" smtClean="0"/>
-              <a:pPr/>
-              <a:t>30</a:t>
-            </a:fld>
-            <a:endParaRPr lang="en-US" altLang="en-US" dirty="0"/>
-          </a:p>
-        </p:txBody>
-      </p:sp>
-      <p:sp>
-        <p:nvSpPr>
-          <p:cNvPr id="3" name="Title 2">
-            <a:extLst>
-              <a:ext uri="{FF2B5EF4-FFF2-40B4-BE49-F238E27FC236}">
-                <a16:creationId xmlns:a16="http://schemas.microsoft.com/office/drawing/2014/main" id="{DDD610BD-4711-4F31-B306-71451B84EFBD}"/>
-              </a:ext>
-            </a:extLst>
-          </p:cNvPr>
-          <p:cNvSpPr>
-            <a:spLocks noGrp="1"/>
-          </p:cNvSpPr>
-          <p:nvPr>
-            <p:ph type="title"/>
-          </p:nvPr>
-        </p:nvSpPr>
-        <p:spPr/>
-        <p:txBody>
-          <a:bodyPr/>
-          <a:lstStyle/>
-          <a:p>
-            <a:endParaRPr lang="en-US"/>
-          </a:p>
-        </p:txBody>
-      </p:sp>
-      <p:sp>
-        <p:nvSpPr>
-          <p:cNvPr id="4" name="Text Placeholder 3">
-            <a:extLst>
-              <a:ext uri="{FF2B5EF4-FFF2-40B4-BE49-F238E27FC236}">
-                <a16:creationId xmlns:a16="http://schemas.microsoft.com/office/drawing/2014/main" id="{5A847452-27D3-4539-A56C-970E4B89FF98}"/>
-              </a:ext>
-            </a:extLst>
-          </p:cNvPr>
-          <p:cNvSpPr>
-            <a:spLocks noGrp="1"/>
-          </p:cNvSpPr>
-          <p:nvPr>
-            <p:ph type="body" sz="quarter" idx="13"/>
-          </p:nvPr>
-        </p:nvSpPr>
-        <p:spPr/>
-        <p:txBody>
-          <a:bodyPr/>
-          <a:lstStyle/>
-          <a:p>
-            <a:pPr algn="just"/>
-            <a:endParaRPr lang="en-US" dirty="0"/>
-          </a:p>
-        </p:txBody>
-      </p:sp>
-    </p:spTree>
-    <p:extLst>
-      <p:ext uri="{BB962C8B-B14F-4D97-AF65-F5344CB8AC3E}">
-        <p14:creationId xmlns:p14="http://schemas.microsoft.com/office/powerpoint/2010/main" val="2866459652"/>
-      </p:ext>
-    </p:extLst>
-  </p:cSld>
-  <p:clrMapOvr>
-    <a:masterClrMapping/>
-  </p:clrMapOvr>
-  <mc:AlternateContent xmlns:mc="http://schemas.openxmlformats.org/markup-compatibility/2006" xmlns:p14="http://schemas.microsoft.com/office/powerpoint/2010/main">
-    <mc:Choice Requires="p14">
-      <p:transition spd="med" p14:dur="700">
-        <p:fade/>
-      </p:transition>
-    </mc:Choice>
-    <mc:Fallback xmlns="">
-      <p:transition spd="med">
-        <p:fade/>
-      </p:transition>
-    </mc:Fallback>
-  </mc:AlternateContent>
-</p:sld>
-</file>
-
-<file path=ppt/slides/slide31.xml><?xml version="1.0" encoding="utf-8"?>
-<p:sld xmlns:a="http://schemas.openxmlformats.org/drawingml/2006/main" xmlns:r="http://schemas.openxmlformats.org/officeDocument/2006/relationships" xmlns:p="http://schemas.openxmlformats.org/presentationml/2006/main">
-  <p:cSld>
-    <p:spTree>
-      <p:nvGrpSpPr>
-        <p:cNvPr id="1" name=""/>
-        <p:cNvGrpSpPr/>
-        <p:nvPr/>
-      </p:nvGrpSpPr>
-      <p:grpSpPr>
-        <a:xfrm>
-          <a:off x="0" y="0"/>
-          <a:ext cx="0" cy="0"/>
-          <a:chOff x="0" y="0"/>
-          <a:chExt cx="0" cy="0"/>
-        </a:xfrm>
-      </p:grpSpPr>
-      <p:sp>
-        <p:nvSpPr>
-          <p:cNvPr id="2" name="Slide Number Placeholder 1">
-            <a:extLst>
-              <a:ext uri="{FF2B5EF4-FFF2-40B4-BE49-F238E27FC236}">
-                <a16:creationId xmlns:a16="http://schemas.microsoft.com/office/drawing/2014/main" id="{61ACCDB5-53AC-46A1-8477-D467E9D7623C}"/>
-              </a:ext>
-            </a:extLst>
-          </p:cNvPr>
-          <p:cNvSpPr>
-            <a:spLocks noGrp="1"/>
-          </p:cNvSpPr>
-          <p:nvPr>
-            <p:ph type="sldNum" sz="quarter" idx="4"/>
-          </p:nvPr>
-        </p:nvSpPr>
-        <p:spPr/>
-        <p:txBody>
-          <a:bodyPr/>
-          <a:lstStyle/>
-          <a:p>
-            <a:fld id="{8402A1B0-4691-41D9-84E0-69D594EAA3FE}" type="slidenum">
-              <a:rPr lang="en-US" altLang="en-US" smtClean="0"/>
-              <a:pPr/>
-              <a:t>31</a:t>
-            </a:fld>
-            <a:endParaRPr lang="en-US" altLang="en-US" dirty="0"/>
-          </a:p>
-        </p:txBody>
-      </p:sp>
-      <p:sp>
-        <p:nvSpPr>
-          <p:cNvPr id="5" name="Title 4">
-            <a:extLst>
-              <a:ext uri="{FF2B5EF4-FFF2-40B4-BE49-F238E27FC236}">
-                <a16:creationId xmlns:a16="http://schemas.microsoft.com/office/drawing/2014/main" id="{AF9BAF8D-C931-4150-A45D-0B3F83543E48}"/>
-              </a:ext>
-            </a:extLst>
-          </p:cNvPr>
-          <p:cNvSpPr>
-            <a:spLocks noGrp="1"/>
-          </p:cNvSpPr>
-          <p:nvPr>
-            <p:ph type="title"/>
-          </p:nvPr>
-        </p:nvSpPr>
-        <p:spPr/>
-        <p:txBody>
-          <a:bodyPr/>
-          <a:lstStyle/>
-          <a:p>
-            <a:endParaRPr lang="en-US"/>
-          </a:p>
-        </p:txBody>
-      </p:sp>
-      <p:sp>
-        <p:nvSpPr>
-          <p:cNvPr id="6" name="Text Placeholder 5">
-            <a:extLst>
-              <a:ext uri="{FF2B5EF4-FFF2-40B4-BE49-F238E27FC236}">
-                <a16:creationId xmlns:a16="http://schemas.microsoft.com/office/drawing/2014/main" id="{42AC9401-AD3D-4DCE-A51A-F39E4B9AFBE2}"/>
-              </a:ext>
-            </a:extLst>
-          </p:cNvPr>
-          <p:cNvSpPr>
-            <a:spLocks noGrp="1"/>
-          </p:cNvSpPr>
-          <p:nvPr>
-            <p:ph type="body" sz="quarter" idx="13"/>
-          </p:nvPr>
-        </p:nvSpPr>
-        <p:spPr/>
-        <p:txBody>
-          <a:bodyPr/>
-          <a:lstStyle/>
-          <a:p>
-            <a:pPr algn="just"/>
-            <a:endParaRPr lang="en-US" dirty="0"/>
-          </a:p>
-        </p:txBody>
-      </p:sp>
-    </p:spTree>
-    <p:extLst>
-      <p:ext uri="{BB962C8B-B14F-4D97-AF65-F5344CB8AC3E}">
-        <p14:creationId xmlns:p14="http://schemas.microsoft.com/office/powerpoint/2010/main" val="3011097364"/>
-      </p:ext>
-    </p:extLst>
-  </p:cSld>
-  <p:clrMapOvr>
-    <a:masterClrMapping/>
-  </p:clrMapOvr>
-  <mc:AlternateContent xmlns:mc="http://schemas.openxmlformats.org/markup-compatibility/2006" xmlns:p14="http://schemas.microsoft.com/office/powerpoint/2010/main">
-    <mc:Choice Requires="p14">
-      <p:transition spd="med" p14:dur="700">
-        <p:fade/>
-      </p:transition>
-    </mc:Choice>
-    <mc:Fallback xmlns="">
-      <p:transition spd="med">
-        <p:fade/>
-      </p:transition>
-    </mc:Fallback>
-  </mc:AlternateContent>
-</p:sld>
-</file>
-
-<file path=ppt/slides/slide32.xml><?xml version="1.0" encoding="utf-8"?>
-<p:sld xmlns:a="http://schemas.openxmlformats.org/drawingml/2006/main" xmlns:r="http://schemas.openxmlformats.org/officeDocument/2006/relationships" xmlns:p="http://schemas.openxmlformats.org/presentationml/2006/main">
-  <p:cSld>
-    <p:spTree>
-      <p:nvGrpSpPr>
-        <p:cNvPr id="1" name=""/>
-        <p:cNvGrpSpPr/>
-        <p:nvPr/>
-      </p:nvGrpSpPr>
-      <p:grpSpPr>
-        <a:xfrm>
-          <a:off x="0" y="0"/>
-          <a:ext cx="0" cy="0"/>
-          <a:chOff x="0" y="0"/>
-          <a:chExt cx="0" cy="0"/>
-        </a:xfrm>
-      </p:grpSpPr>
-      <p:sp>
-        <p:nvSpPr>
-          <p:cNvPr id="2" name="Slide Number Placeholder 1">
-            <a:extLst>
-              <a:ext uri="{FF2B5EF4-FFF2-40B4-BE49-F238E27FC236}">
-                <a16:creationId xmlns:a16="http://schemas.microsoft.com/office/drawing/2014/main" id="{61ACCDB5-53AC-46A1-8477-D467E9D7623C}"/>
-              </a:ext>
-            </a:extLst>
-          </p:cNvPr>
-          <p:cNvSpPr>
-            <a:spLocks noGrp="1"/>
-          </p:cNvSpPr>
-          <p:nvPr>
-            <p:ph type="sldNum" sz="quarter" idx="4"/>
-          </p:nvPr>
-        </p:nvSpPr>
-        <p:spPr/>
-        <p:txBody>
-          <a:bodyPr/>
-          <a:lstStyle/>
-          <a:p>
-            <a:fld id="{8402A1B0-4691-41D9-84E0-69D594EAA3FE}" type="slidenum">
-              <a:rPr lang="en-US" altLang="en-US" smtClean="0"/>
-              <a:pPr/>
-              <a:t>32</a:t>
-            </a:fld>
-            <a:endParaRPr lang="en-US" altLang="en-US" dirty="0"/>
-          </a:p>
-        </p:txBody>
-      </p:sp>
-      <p:sp>
-        <p:nvSpPr>
-          <p:cNvPr id="3" name="Title 2">
-            <a:extLst>
-              <a:ext uri="{FF2B5EF4-FFF2-40B4-BE49-F238E27FC236}">
-                <a16:creationId xmlns:a16="http://schemas.microsoft.com/office/drawing/2014/main" id="{DDD610BD-4711-4F31-B306-71451B84EFBD}"/>
-              </a:ext>
-            </a:extLst>
-          </p:cNvPr>
-          <p:cNvSpPr>
-            <a:spLocks noGrp="1"/>
-          </p:cNvSpPr>
-          <p:nvPr>
-            <p:ph type="title"/>
-          </p:nvPr>
-        </p:nvSpPr>
-        <p:spPr/>
-        <p:txBody>
-          <a:bodyPr/>
-          <a:lstStyle/>
-          <a:p>
-            <a:endParaRPr lang="en-US"/>
-          </a:p>
-        </p:txBody>
-      </p:sp>
-      <p:sp>
-        <p:nvSpPr>
-          <p:cNvPr id="4" name="Text Placeholder 3">
-            <a:extLst>
-              <a:ext uri="{FF2B5EF4-FFF2-40B4-BE49-F238E27FC236}">
-                <a16:creationId xmlns:a16="http://schemas.microsoft.com/office/drawing/2014/main" id="{5A847452-27D3-4539-A56C-970E4B89FF98}"/>
-              </a:ext>
-            </a:extLst>
-          </p:cNvPr>
-          <p:cNvSpPr>
-            <a:spLocks noGrp="1"/>
-          </p:cNvSpPr>
-          <p:nvPr>
-            <p:ph type="body" sz="quarter" idx="13"/>
-          </p:nvPr>
-        </p:nvSpPr>
-        <p:spPr/>
-        <p:txBody>
-          <a:bodyPr/>
-          <a:lstStyle/>
-          <a:p>
-            <a:pPr algn="just"/>
-            <a:endParaRPr lang="en-US" dirty="0"/>
-          </a:p>
-        </p:txBody>
-      </p:sp>
-    </p:spTree>
-    <p:extLst>
-      <p:ext uri="{BB962C8B-B14F-4D97-AF65-F5344CB8AC3E}">
-        <p14:creationId xmlns:p14="http://schemas.microsoft.com/office/powerpoint/2010/main" val="3156516446"/>
-      </p:ext>
-    </p:extLst>
-  </p:cSld>
-  <p:clrMapOvr>
-    <a:masterClrMapping/>
-  </p:clrMapOvr>
-  <mc:AlternateContent xmlns:mc="http://schemas.openxmlformats.org/markup-compatibility/2006" xmlns:p14="http://schemas.microsoft.com/office/powerpoint/2010/main">
-    <mc:Choice Requires="p14">
-      <p:transition spd="med" p14:dur="700">
-        <p:fade/>
-      </p:transition>
-    </mc:Choice>
-    <mc:Fallback xmlns="">
-      <p:transition spd="med">
-        <p:fade/>
-      </p:transition>
-    </mc:Fallback>
-  </mc:AlternateContent>
-</p:sld>
-</file>
-
-<file path=ppt/slides/slide33.xml><?xml version="1.0" encoding="utf-8"?>
-<p:sld xmlns:a="http://schemas.openxmlformats.org/drawingml/2006/main" xmlns:r="http://schemas.openxmlformats.org/officeDocument/2006/relationships" xmlns:p="http://schemas.openxmlformats.org/presentationml/2006/main">
-  <p:cSld>
-    <p:spTree>
-      <p:nvGrpSpPr>
-        <p:cNvPr id="1" name=""/>
-        <p:cNvGrpSpPr/>
-        <p:nvPr/>
-      </p:nvGrpSpPr>
-      <p:grpSpPr>
-        <a:xfrm>
-          <a:off x="0" y="0"/>
-          <a:ext cx="0" cy="0"/>
-          <a:chOff x="0" y="0"/>
-          <a:chExt cx="0" cy="0"/>
-        </a:xfrm>
-      </p:grpSpPr>
-      <p:sp>
-        <p:nvSpPr>
-          <p:cNvPr id="2" name="Slide Number Placeholder 1">
-            <a:extLst>
-              <a:ext uri="{FF2B5EF4-FFF2-40B4-BE49-F238E27FC236}">
-                <a16:creationId xmlns:a16="http://schemas.microsoft.com/office/drawing/2014/main" id="{61ACCDB5-53AC-46A1-8477-D467E9D7623C}"/>
-              </a:ext>
-            </a:extLst>
-          </p:cNvPr>
-          <p:cNvSpPr>
-            <a:spLocks noGrp="1"/>
-          </p:cNvSpPr>
-          <p:nvPr>
-            <p:ph type="sldNum" sz="quarter" idx="4"/>
-          </p:nvPr>
-        </p:nvSpPr>
-        <p:spPr/>
-        <p:txBody>
-          <a:bodyPr/>
-          <a:lstStyle/>
-          <a:p>
-            <a:fld id="{8402A1B0-4691-41D9-84E0-69D594EAA3FE}" type="slidenum">
-              <a:rPr lang="en-US" altLang="en-US" smtClean="0"/>
-              <a:pPr/>
-              <a:t>33</a:t>
-            </a:fld>
-            <a:endParaRPr lang="en-US" altLang="en-US" dirty="0"/>
-          </a:p>
-        </p:txBody>
-      </p:sp>
-      <p:sp>
-        <p:nvSpPr>
-          <p:cNvPr id="5" name="Title 4">
-            <a:extLst>
-              <a:ext uri="{FF2B5EF4-FFF2-40B4-BE49-F238E27FC236}">
-                <a16:creationId xmlns:a16="http://schemas.microsoft.com/office/drawing/2014/main" id="{AF9BAF8D-C931-4150-A45D-0B3F83543E48}"/>
-              </a:ext>
-            </a:extLst>
-          </p:cNvPr>
-          <p:cNvSpPr>
-            <a:spLocks noGrp="1"/>
-          </p:cNvSpPr>
-          <p:nvPr>
-            <p:ph type="title"/>
-          </p:nvPr>
-        </p:nvSpPr>
-        <p:spPr/>
-        <p:txBody>
-          <a:bodyPr/>
-          <a:lstStyle/>
-          <a:p>
-            <a:endParaRPr lang="en-US"/>
-          </a:p>
-        </p:txBody>
-      </p:sp>
-      <p:sp>
-        <p:nvSpPr>
-          <p:cNvPr id="6" name="Text Placeholder 5">
-            <a:extLst>
-              <a:ext uri="{FF2B5EF4-FFF2-40B4-BE49-F238E27FC236}">
-                <a16:creationId xmlns:a16="http://schemas.microsoft.com/office/drawing/2014/main" id="{42AC9401-AD3D-4DCE-A51A-F39E4B9AFBE2}"/>
-              </a:ext>
-            </a:extLst>
-          </p:cNvPr>
-          <p:cNvSpPr>
-            <a:spLocks noGrp="1"/>
-          </p:cNvSpPr>
-          <p:nvPr>
-            <p:ph type="body" sz="quarter" idx="13"/>
-          </p:nvPr>
-        </p:nvSpPr>
-        <p:spPr/>
-        <p:txBody>
-          <a:bodyPr/>
-          <a:lstStyle/>
-          <a:p>
-            <a:pPr algn="just"/>
-            <a:endParaRPr lang="en-US" dirty="0"/>
-          </a:p>
-        </p:txBody>
-      </p:sp>
-    </p:spTree>
-    <p:extLst>
-      <p:ext uri="{BB962C8B-B14F-4D97-AF65-F5344CB8AC3E}">
-        <p14:creationId xmlns:p14="http://schemas.microsoft.com/office/powerpoint/2010/main" val="4196748280"/>
-      </p:ext>
-    </p:extLst>
-  </p:cSld>
-  <p:clrMapOvr>
-    <a:masterClrMapping/>
-  </p:clrMapOvr>
-  <mc:AlternateContent xmlns:mc="http://schemas.openxmlformats.org/markup-compatibility/2006" xmlns:p14="http://schemas.microsoft.com/office/powerpoint/2010/main">
-    <mc:Choice Requires="p14">
-      <p:transition spd="med" p14:dur="700">
-        <p:fade/>
-      </p:transition>
-    </mc:Choice>
-    <mc:Fallback xmlns="">
-      <p:transition spd="med">
-        <p:fade/>
-      </p:transition>
-    </mc:Fallback>
-  </mc:AlternateContent>
-</p:sld>
-</file>
-
-<file path=ppt/slides/slide34.xml><?xml version="1.0" encoding="utf-8"?>
-<p:sld xmlns:a="http://schemas.openxmlformats.org/drawingml/2006/main" xmlns:r="http://schemas.openxmlformats.org/officeDocument/2006/relationships" xmlns:p="http://schemas.openxmlformats.org/presentationml/2006/main">
-  <p:cSld>
-    <p:spTree>
-      <p:nvGrpSpPr>
-        <p:cNvPr id="1" name=""/>
-        <p:cNvGrpSpPr/>
-        <p:nvPr/>
-      </p:nvGrpSpPr>
-      <p:grpSpPr>
-        <a:xfrm>
-          <a:off x="0" y="0"/>
-          <a:ext cx="0" cy="0"/>
-          <a:chOff x="0" y="0"/>
-          <a:chExt cx="0" cy="0"/>
-        </a:xfrm>
-      </p:grpSpPr>
-      <p:sp>
-        <p:nvSpPr>
-          <p:cNvPr id="2" name="Slide Number Placeholder 1">
-            <a:extLst>
-              <a:ext uri="{FF2B5EF4-FFF2-40B4-BE49-F238E27FC236}">
-                <a16:creationId xmlns:a16="http://schemas.microsoft.com/office/drawing/2014/main" id="{61ACCDB5-53AC-46A1-8477-D467E9D7623C}"/>
-              </a:ext>
-            </a:extLst>
-          </p:cNvPr>
-          <p:cNvSpPr>
-            <a:spLocks noGrp="1"/>
-          </p:cNvSpPr>
-          <p:nvPr>
-            <p:ph type="sldNum" sz="quarter" idx="4"/>
-          </p:nvPr>
-        </p:nvSpPr>
-        <p:spPr/>
-        <p:txBody>
-          <a:bodyPr/>
-          <a:lstStyle/>
-          <a:p>
-            <a:fld id="{8402A1B0-4691-41D9-84E0-69D594EAA3FE}" type="slidenum">
-              <a:rPr lang="en-US" altLang="en-US" smtClean="0"/>
-              <a:pPr/>
-              <a:t>34</a:t>
-            </a:fld>
-            <a:endParaRPr lang="en-US" altLang="en-US" dirty="0"/>
-          </a:p>
-        </p:txBody>
-      </p:sp>
-      <p:sp>
-        <p:nvSpPr>
-          <p:cNvPr id="3" name="Title 2">
-            <a:extLst>
-              <a:ext uri="{FF2B5EF4-FFF2-40B4-BE49-F238E27FC236}">
-                <a16:creationId xmlns:a16="http://schemas.microsoft.com/office/drawing/2014/main" id="{DDD610BD-4711-4F31-B306-71451B84EFBD}"/>
-              </a:ext>
-            </a:extLst>
-          </p:cNvPr>
-          <p:cNvSpPr>
-            <a:spLocks noGrp="1"/>
-          </p:cNvSpPr>
-          <p:nvPr>
-            <p:ph type="title"/>
-          </p:nvPr>
-        </p:nvSpPr>
-        <p:spPr/>
-        <p:txBody>
-          <a:bodyPr/>
-          <a:lstStyle/>
-          <a:p>
-            <a:endParaRPr lang="en-US"/>
-          </a:p>
-        </p:txBody>
-      </p:sp>
-      <p:sp>
-        <p:nvSpPr>
-          <p:cNvPr id="4" name="Text Placeholder 3">
-            <a:extLst>
-              <a:ext uri="{FF2B5EF4-FFF2-40B4-BE49-F238E27FC236}">
-                <a16:creationId xmlns:a16="http://schemas.microsoft.com/office/drawing/2014/main" id="{5A847452-27D3-4539-A56C-970E4B89FF98}"/>
-              </a:ext>
-            </a:extLst>
-          </p:cNvPr>
-          <p:cNvSpPr>
-            <a:spLocks noGrp="1"/>
-          </p:cNvSpPr>
-          <p:nvPr>
-            <p:ph type="body" sz="quarter" idx="13"/>
-          </p:nvPr>
-        </p:nvSpPr>
-        <p:spPr/>
-        <p:txBody>
-          <a:bodyPr/>
-          <a:lstStyle/>
-          <a:p>
-            <a:pPr algn="just"/>
-            <a:endParaRPr lang="en-US" dirty="0"/>
-          </a:p>
-        </p:txBody>
-      </p:sp>
-    </p:spTree>
-    <p:extLst>
-      <p:ext uri="{BB962C8B-B14F-4D97-AF65-F5344CB8AC3E}">
-        <p14:creationId xmlns:p14="http://schemas.microsoft.com/office/powerpoint/2010/main" val="1523645980"/>
-      </p:ext>
-    </p:extLst>
-  </p:cSld>
-  <p:clrMapOvr>
-    <a:masterClrMapping/>
-  </p:clrMapOvr>
-  <mc:AlternateContent xmlns:mc="http://schemas.openxmlformats.org/markup-compatibility/2006" xmlns:p14="http://schemas.microsoft.com/office/powerpoint/2010/main">
-    <mc:Choice Requires="p14">
-      <p:transition spd="med" p14:dur="700">
-        <p:fade/>
-      </p:transition>
-    </mc:Choice>
-    <mc:Fallback xmlns="">
-      <p:transition spd="med">
-        <p:fade/>
-      </p:transition>
-    </mc:Fallback>
-  </mc:AlternateContent>
-</p:sld>
-</file>
-
-<file path=ppt/slides/slide35.xml><?xml version="1.0" encoding="utf-8"?>
-<p:sld xmlns:a="http://schemas.openxmlformats.org/drawingml/2006/main" xmlns:r="http://schemas.openxmlformats.org/officeDocument/2006/relationships" xmlns:p="http://schemas.openxmlformats.org/presentationml/2006/main">
-  <p:cSld>
-    <p:spTree>
-      <p:nvGrpSpPr>
-        <p:cNvPr id="1" name=""/>
-        <p:cNvGrpSpPr/>
-        <p:nvPr/>
-      </p:nvGrpSpPr>
-      <p:grpSpPr>
-        <a:xfrm>
-          <a:off x="0" y="0"/>
-          <a:ext cx="0" cy="0"/>
-          <a:chOff x="0" y="0"/>
-          <a:chExt cx="0" cy="0"/>
-        </a:xfrm>
-      </p:grpSpPr>
-      <p:sp>
-        <p:nvSpPr>
-          <p:cNvPr id="2" name="Slide Number Placeholder 1">
-            <a:extLst>
-              <a:ext uri="{FF2B5EF4-FFF2-40B4-BE49-F238E27FC236}">
-                <a16:creationId xmlns:a16="http://schemas.microsoft.com/office/drawing/2014/main" id="{61ACCDB5-53AC-46A1-8477-D467E9D7623C}"/>
-              </a:ext>
-            </a:extLst>
-          </p:cNvPr>
-          <p:cNvSpPr>
-            <a:spLocks noGrp="1"/>
-          </p:cNvSpPr>
-          <p:nvPr>
-            <p:ph type="sldNum" sz="quarter" idx="4"/>
-          </p:nvPr>
-        </p:nvSpPr>
-        <p:spPr/>
-        <p:txBody>
-          <a:bodyPr/>
-          <a:lstStyle/>
-          <a:p>
-            <a:fld id="{8402A1B0-4691-41D9-84E0-69D594EAA3FE}" type="slidenum">
-              <a:rPr lang="en-US" altLang="en-US" smtClean="0"/>
-              <a:pPr/>
-              <a:t>35</a:t>
-            </a:fld>
-            <a:endParaRPr lang="en-US" altLang="en-US" dirty="0"/>
-          </a:p>
-        </p:txBody>
-      </p:sp>
-      <p:sp>
-        <p:nvSpPr>
-          <p:cNvPr id="5" name="Title 4">
-            <a:extLst>
-              <a:ext uri="{FF2B5EF4-FFF2-40B4-BE49-F238E27FC236}">
-                <a16:creationId xmlns:a16="http://schemas.microsoft.com/office/drawing/2014/main" id="{AF9BAF8D-C931-4150-A45D-0B3F83543E48}"/>
-              </a:ext>
-            </a:extLst>
-          </p:cNvPr>
-          <p:cNvSpPr>
-            <a:spLocks noGrp="1"/>
-          </p:cNvSpPr>
-          <p:nvPr>
-            <p:ph type="title"/>
-          </p:nvPr>
-        </p:nvSpPr>
-        <p:spPr/>
-        <p:txBody>
-          <a:bodyPr/>
-          <a:lstStyle/>
-          <a:p>
-            <a:endParaRPr lang="en-US"/>
-          </a:p>
-        </p:txBody>
-      </p:sp>
-      <p:sp>
-        <p:nvSpPr>
-          <p:cNvPr id="6" name="Text Placeholder 5">
-            <a:extLst>
-              <a:ext uri="{FF2B5EF4-FFF2-40B4-BE49-F238E27FC236}">
-                <a16:creationId xmlns:a16="http://schemas.microsoft.com/office/drawing/2014/main" id="{42AC9401-AD3D-4DCE-A51A-F39E4B9AFBE2}"/>
-              </a:ext>
-            </a:extLst>
-          </p:cNvPr>
-          <p:cNvSpPr>
-            <a:spLocks noGrp="1"/>
-          </p:cNvSpPr>
-          <p:nvPr>
-            <p:ph type="body" sz="quarter" idx="13"/>
-          </p:nvPr>
-        </p:nvSpPr>
-        <p:spPr/>
-        <p:txBody>
-          <a:bodyPr/>
-          <a:lstStyle/>
-          <a:p>
-            <a:pPr algn="just"/>
-            <a:endParaRPr lang="en-US" dirty="0"/>
-          </a:p>
-        </p:txBody>
-      </p:sp>
-    </p:spTree>
-    <p:extLst>
-      <p:ext uri="{BB962C8B-B14F-4D97-AF65-F5344CB8AC3E}">
-        <p14:creationId xmlns:p14="http://schemas.microsoft.com/office/powerpoint/2010/main" val="816122511"/>
-      </p:ext>
-    </p:extLst>
-  </p:cSld>
-  <p:clrMapOvr>
-    <a:masterClrMapping/>
-  </p:clrMapOvr>
-  <mc:AlternateContent xmlns:mc="http://schemas.openxmlformats.org/markup-compatibility/2006" xmlns:p14="http://schemas.microsoft.com/office/powerpoint/2010/main">
-    <mc:Choice Requires="p14">
-      <p:transition spd="med" p14:dur="700">
-        <p:fade/>
-      </p:transition>
-    </mc:Choice>
-    <mc:Fallback xmlns="">
-      <p:transition spd="med">
-        <p:fade/>
-      </p:transition>
-    </mc:Fallback>
-  </mc:AlternateContent>
-</p:sld>
-</file>
-
-<file path=ppt/slides/slide36.xml><?xml version="1.0" encoding="utf-8"?>
-<p:sld xmlns:a="http://schemas.openxmlformats.org/drawingml/2006/main" xmlns:r="http://schemas.openxmlformats.org/officeDocument/2006/relationships" xmlns:p="http://schemas.openxmlformats.org/presentationml/2006/main">
-  <p:cSld>
-    <p:spTree>
-      <p:nvGrpSpPr>
-        <p:cNvPr id="1" name=""/>
-        <p:cNvGrpSpPr/>
-        <p:nvPr/>
-      </p:nvGrpSpPr>
-      <p:grpSpPr>
-        <a:xfrm>
-          <a:off x="0" y="0"/>
-          <a:ext cx="0" cy="0"/>
-          <a:chOff x="0" y="0"/>
-          <a:chExt cx="0" cy="0"/>
-        </a:xfrm>
-      </p:grpSpPr>
-      <p:sp>
-        <p:nvSpPr>
-          <p:cNvPr id="2" name="Slide Number Placeholder 1">
-            <a:extLst>
-              <a:ext uri="{FF2B5EF4-FFF2-40B4-BE49-F238E27FC236}">
-                <a16:creationId xmlns:a16="http://schemas.microsoft.com/office/drawing/2014/main" id="{61ACCDB5-53AC-46A1-8477-D467E9D7623C}"/>
-              </a:ext>
-            </a:extLst>
-          </p:cNvPr>
-          <p:cNvSpPr>
-            <a:spLocks noGrp="1"/>
-          </p:cNvSpPr>
-          <p:nvPr>
-            <p:ph type="sldNum" sz="quarter" idx="4"/>
-          </p:nvPr>
-        </p:nvSpPr>
-        <p:spPr/>
-        <p:txBody>
-          <a:bodyPr/>
-          <a:lstStyle/>
-          <a:p>
-            <a:fld id="{8402A1B0-4691-41D9-84E0-69D594EAA3FE}" type="slidenum">
-              <a:rPr lang="en-US" altLang="en-US" smtClean="0"/>
-              <a:pPr/>
-              <a:t>36</a:t>
-            </a:fld>
-            <a:endParaRPr lang="en-US" altLang="en-US" dirty="0"/>
-          </a:p>
-        </p:txBody>
-      </p:sp>
-      <p:sp>
-        <p:nvSpPr>
-          <p:cNvPr id="3" name="Title 2">
-            <a:extLst>
-              <a:ext uri="{FF2B5EF4-FFF2-40B4-BE49-F238E27FC236}">
-                <a16:creationId xmlns:a16="http://schemas.microsoft.com/office/drawing/2014/main" id="{DDD610BD-4711-4F31-B306-71451B84EFBD}"/>
-              </a:ext>
-            </a:extLst>
-          </p:cNvPr>
-          <p:cNvSpPr>
-            <a:spLocks noGrp="1"/>
-          </p:cNvSpPr>
-          <p:nvPr>
-            <p:ph type="title"/>
-          </p:nvPr>
-        </p:nvSpPr>
-        <p:spPr/>
-        <p:txBody>
-          <a:bodyPr/>
-          <a:lstStyle/>
-          <a:p>
-            <a:endParaRPr lang="en-US"/>
-          </a:p>
-        </p:txBody>
-      </p:sp>
-      <p:sp>
-        <p:nvSpPr>
-          <p:cNvPr id="4" name="Text Placeholder 3">
-            <a:extLst>
-              <a:ext uri="{FF2B5EF4-FFF2-40B4-BE49-F238E27FC236}">
-                <a16:creationId xmlns:a16="http://schemas.microsoft.com/office/drawing/2014/main" id="{5A847452-27D3-4539-A56C-970E4B89FF98}"/>
-              </a:ext>
-            </a:extLst>
-          </p:cNvPr>
-          <p:cNvSpPr>
-            <a:spLocks noGrp="1"/>
-          </p:cNvSpPr>
-          <p:nvPr>
-            <p:ph type="body" sz="quarter" idx="13"/>
-          </p:nvPr>
-        </p:nvSpPr>
-        <p:spPr/>
-        <p:txBody>
-          <a:bodyPr/>
-          <a:lstStyle/>
-          <a:p>
-            <a:pPr algn="just"/>
-            <a:endParaRPr lang="en-US" dirty="0"/>
-          </a:p>
-        </p:txBody>
-      </p:sp>
-    </p:spTree>
-    <p:extLst>
-      <p:ext uri="{BB962C8B-B14F-4D97-AF65-F5344CB8AC3E}">
-        <p14:creationId xmlns:p14="http://schemas.microsoft.com/office/powerpoint/2010/main" val="2543819614"/>
-      </p:ext>
-    </p:extLst>
-  </p:cSld>
-  <p:clrMapOvr>
-    <a:masterClrMapping/>
-  </p:clrMapOvr>
-  <mc:AlternateContent xmlns:mc="http://schemas.openxmlformats.org/markup-compatibility/2006" xmlns:p14="http://schemas.microsoft.com/office/powerpoint/2010/main">
-    <mc:Choice Requires="p14">
-      <p:transition spd="med" p14:dur="700">
-        <p:fade/>
-      </p:transition>
-    </mc:Choice>
-    <mc:Fallback xmlns="">
-      <p:transition spd="med">
-        <p:fade/>
-      </p:transition>
-    </mc:Fallback>
-  </mc:AlternateContent>
-</p:sld>
-</file>
-
-<file path=ppt/slides/slide37.xml><?xml version="1.0" encoding="utf-8"?>
-<p:sld xmlns:a="http://schemas.openxmlformats.org/drawingml/2006/main" xmlns:r="http://schemas.openxmlformats.org/officeDocument/2006/relationships" xmlns:p="http://schemas.openxmlformats.org/presentationml/2006/main">
-  <p:cSld>
-    <p:spTree>
-      <p:nvGrpSpPr>
-        <p:cNvPr id="1" name=""/>
-        <p:cNvGrpSpPr/>
-        <p:nvPr/>
-      </p:nvGrpSpPr>
-      <p:grpSpPr>
-        <a:xfrm>
-          <a:off x="0" y="0"/>
-          <a:ext cx="0" cy="0"/>
-          <a:chOff x="0" y="0"/>
-          <a:chExt cx="0" cy="0"/>
-        </a:xfrm>
-      </p:grpSpPr>
-      <p:sp>
-        <p:nvSpPr>
-          <p:cNvPr id="2" name="Slide Number Placeholder 1">
-            <a:extLst>
-              <a:ext uri="{FF2B5EF4-FFF2-40B4-BE49-F238E27FC236}">
-                <a16:creationId xmlns:a16="http://schemas.microsoft.com/office/drawing/2014/main" id="{61ACCDB5-53AC-46A1-8477-D467E9D7623C}"/>
-              </a:ext>
-            </a:extLst>
-          </p:cNvPr>
-          <p:cNvSpPr>
-            <a:spLocks noGrp="1"/>
-          </p:cNvSpPr>
-          <p:nvPr>
-            <p:ph type="sldNum" sz="quarter" idx="4"/>
-          </p:nvPr>
-        </p:nvSpPr>
-        <p:spPr/>
-        <p:txBody>
-          <a:bodyPr/>
-          <a:lstStyle/>
-          <a:p>
-            <a:fld id="{8402A1B0-4691-41D9-84E0-69D594EAA3FE}" type="slidenum">
-              <a:rPr lang="en-US" altLang="en-US" smtClean="0"/>
-              <a:pPr/>
-              <a:t>37</a:t>
-            </a:fld>
-            <a:endParaRPr lang="en-US" altLang="en-US" dirty="0"/>
-          </a:p>
-        </p:txBody>
-      </p:sp>
-      <p:sp>
-        <p:nvSpPr>
-          <p:cNvPr id="5" name="Title 4">
-            <a:extLst>
-              <a:ext uri="{FF2B5EF4-FFF2-40B4-BE49-F238E27FC236}">
-                <a16:creationId xmlns:a16="http://schemas.microsoft.com/office/drawing/2014/main" id="{AF9BAF8D-C931-4150-A45D-0B3F83543E48}"/>
-              </a:ext>
-            </a:extLst>
-          </p:cNvPr>
-          <p:cNvSpPr>
-            <a:spLocks noGrp="1"/>
-          </p:cNvSpPr>
-          <p:nvPr>
-            <p:ph type="title"/>
-          </p:nvPr>
-        </p:nvSpPr>
-        <p:spPr/>
-        <p:txBody>
-          <a:bodyPr/>
-          <a:lstStyle/>
-          <a:p>
-            <a:endParaRPr lang="en-US"/>
-          </a:p>
-        </p:txBody>
-      </p:sp>
-      <p:sp>
-        <p:nvSpPr>
-          <p:cNvPr id="6" name="Text Placeholder 5">
-            <a:extLst>
-              <a:ext uri="{FF2B5EF4-FFF2-40B4-BE49-F238E27FC236}">
-                <a16:creationId xmlns:a16="http://schemas.microsoft.com/office/drawing/2014/main" id="{42AC9401-AD3D-4DCE-A51A-F39E4B9AFBE2}"/>
-              </a:ext>
-            </a:extLst>
-          </p:cNvPr>
-          <p:cNvSpPr>
-            <a:spLocks noGrp="1"/>
-          </p:cNvSpPr>
-          <p:nvPr>
-            <p:ph type="body" sz="quarter" idx="13"/>
-          </p:nvPr>
-        </p:nvSpPr>
-        <p:spPr/>
-        <p:txBody>
-          <a:bodyPr/>
-          <a:lstStyle/>
-          <a:p>
-            <a:pPr algn="just"/>
-            <a:endParaRPr lang="en-US" dirty="0"/>
-          </a:p>
-        </p:txBody>
-      </p:sp>
-    </p:spTree>
-    <p:extLst>
-      <p:ext uri="{BB962C8B-B14F-4D97-AF65-F5344CB8AC3E}">
-        <p14:creationId xmlns:p14="http://schemas.microsoft.com/office/powerpoint/2010/main" val="994887022"/>
-      </p:ext>
-    </p:extLst>
-  </p:cSld>
-  <p:clrMapOvr>
-    <a:masterClrMapping/>
-  </p:clrMapOvr>
-  <mc:AlternateContent xmlns:mc="http://schemas.openxmlformats.org/markup-compatibility/2006" xmlns:p14="http://schemas.microsoft.com/office/powerpoint/2010/main">
-    <mc:Choice Requires="p14">
-      <p:transition spd="med" p14:dur="700">
-        <p:fade/>
-      </p:transition>
-    </mc:Choice>
-    <mc:Fallback xmlns="">
-      <p:transition spd="med">
-        <p:fade/>
-      </p:transition>
-    </mc:Fallback>
-  </mc:AlternateContent>
-</p:sld>
-</file>
-
-<file path=ppt/slides/slide38.xml><?xml version="1.0" encoding="utf-8"?>
-<p:sld xmlns:a="http://schemas.openxmlformats.org/drawingml/2006/main" xmlns:r="http://schemas.openxmlformats.org/officeDocument/2006/relationships" xmlns:p="http://schemas.openxmlformats.org/presentationml/2006/main">
-  <p:cSld>
-    <p:spTree>
-      <p:nvGrpSpPr>
-        <p:cNvPr id="1" name=""/>
-        <p:cNvGrpSpPr/>
-        <p:nvPr/>
-      </p:nvGrpSpPr>
-      <p:grpSpPr>
-        <a:xfrm>
-          <a:off x="0" y="0"/>
-          <a:ext cx="0" cy="0"/>
-          <a:chOff x="0" y="0"/>
-          <a:chExt cx="0" cy="0"/>
-        </a:xfrm>
-      </p:grpSpPr>
-      <p:sp>
-        <p:nvSpPr>
-          <p:cNvPr id="2" name="Slide Number Placeholder 1">
-            <a:extLst>
-              <a:ext uri="{FF2B5EF4-FFF2-40B4-BE49-F238E27FC236}">
-                <a16:creationId xmlns:a16="http://schemas.microsoft.com/office/drawing/2014/main" id="{61ACCDB5-53AC-46A1-8477-D467E9D7623C}"/>
-              </a:ext>
-            </a:extLst>
-          </p:cNvPr>
-          <p:cNvSpPr>
-            <a:spLocks noGrp="1"/>
-          </p:cNvSpPr>
-          <p:nvPr>
-            <p:ph type="sldNum" sz="quarter" idx="4"/>
-          </p:nvPr>
-        </p:nvSpPr>
-        <p:spPr/>
-        <p:txBody>
-          <a:bodyPr/>
-          <a:lstStyle/>
-          <a:p>
-            <a:fld id="{8402A1B0-4691-41D9-84E0-69D594EAA3FE}" type="slidenum">
-              <a:rPr lang="en-US" altLang="en-US" smtClean="0"/>
-              <a:pPr/>
-              <a:t>38</a:t>
-            </a:fld>
-            <a:endParaRPr lang="en-US" altLang="en-US" dirty="0"/>
-          </a:p>
-        </p:txBody>
-      </p:sp>
-      <p:sp>
-        <p:nvSpPr>
-          <p:cNvPr id="3" name="Title 2">
-            <a:extLst>
-              <a:ext uri="{FF2B5EF4-FFF2-40B4-BE49-F238E27FC236}">
-                <a16:creationId xmlns:a16="http://schemas.microsoft.com/office/drawing/2014/main" id="{DDD610BD-4711-4F31-B306-71451B84EFBD}"/>
-              </a:ext>
-            </a:extLst>
-          </p:cNvPr>
-          <p:cNvSpPr>
-            <a:spLocks noGrp="1"/>
-          </p:cNvSpPr>
-          <p:nvPr>
-            <p:ph type="title"/>
-          </p:nvPr>
-        </p:nvSpPr>
-        <p:spPr/>
-        <p:txBody>
-          <a:bodyPr/>
-          <a:lstStyle/>
-          <a:p>
-            <a:endParaRPr lang="en-US"/>
-          </a:p>
-        </p:txBody>
-      </p:sp>
-      <p:sp>
-        <p:nvSpPr>
-          <p:cNvPr id="4" name="Text Placeholder 3">
-            <a:extLst>
-              <a:ext uri="{FF2B5EF4-FFF2-40B4-BE49-F238E27FC236}">
-                <a16:creationId xmlns:a16="http://schemas.microsoft.com/office/drawing/2014/main" id="{5A847452-27D3-4539-A56C-970E4B89FF98}"/>
-              </a:ext>
-            </a:extLst>
-          </p:cNvPr>
-          <p:cNvSpPr>
-            <a:spLocks noGrp="1"/>
-          </p:cNvSpPr>
-          <p:nvPr>
-            <p:ph type="body" sz="quarter" idx="13"/>
-          </p:nvPr>
-        </p:nvSpPr>
-        <p:spPr/>
-        <p:txBody>
-          <a:bodyPr/>
-          <a:lstStyle/>
-          <a:p>
-            <a:pPr algn="just"/>
-            <a:endParaRPr lang="en-US" dirty="0"/>
-          </a:p>
-        </p:txBody>
-      </p:sp>
-    </p:spTree>
-    <p:extLst>
-      <p:ext uri="{BB962C8B-B14F-4D97-AF65-F5344CB8AC3E}">
-        <p14:creationId xmlns:p14="http://schemas.microsoft.com/office/powerpoint/2010/main" val="2876418248"/>
-      </p:ext>
-    </p:extLst>
-  </p:cSld>
-  <p:clrMapOvr>
-    <a:masterClrMapping/>
-  </p:clrMapOvr>
-  <mc:AlternateContent xmlns:mc="http://schemas.openxmlformats.org/markup-compatibility/2006" xmlns:p14="http://schemas.microsoft.com/office/powerpoint/2010/main">
-    <mc:Choice Requires="p14">
-      <p:transition spd="med" p14:dur="700">
-        <p:fade/>
-      </p:transition>
-    </mc:Choice>
-    <mc:Fallback xmlns="">
-      <p:transition spd="med">
-        <p:fade/>
-      </p:transition>
-    </mc:Fallback>
-  </mc:AlternateContent>
-</p:sld>
-</file>
-
-<file path=ppt/slides/slide39.xml><?xml version="1.0" encoding="utf-8"?>
-<p:sld xmlns:a="http://schemas.openxmlformats.org/drawingml/2006/main" xmlns:r="http://schemas.openxmlformats.org/officeDocument/2006/relationships" xmlns:p="http://schemas.openxmlformats.org/presentationml/2006/main">
-  <p:cSld>
-    <p:spTree>
-      <p:nvGrpSpPr>
-        <p:cNvPr id="1" name=""/>
-        <p:cNvGrpSpPr/>
-        <p:nvPr/>
-      </p:nvGrpSpPr>
-      <p:grpSpPr>
-        <a:xfrm>
-          <a:off x="0" y="0"/>
-          <a:ext cx="0" cy="0"/>
-          <a:chOff x="0" y="0"/>
-          <a:chExt cx="0" cy="0"/>
-        </a:xfrm>
-      </p:grpSpPr>
-      <p:sp>
-        <p:nvSpPr>
-          <p:cNvPr id="2" name="Slide Number Placeholder 1">
-            <a:extLst>
-              <a:ext uri="{FF2B5EF4-FFF2-40B4-BE49-F238E27FC236}">
-                <a16:creationId xmlns:a16="http://schemas.microsoft.com/office/drawing/2014/main" id="{61ACCDB5-53AC-46A1-8477-D467E9D7623C}"/>
-              </a:ext>
-            </a:extLst>
-          </p:cNvPr>
-          <p:cNvSpPr>
-            <a:spLocks noGrp="1"/>
-          </p:cNvSpPr>
-          <p:nvPr>
-            <p:ph type="sldNum" sz="quarter" idx="4"/>
-          </p:nvPr>
-        </p:nvSpPr>
-        <p:spPr/>
-        <p:txBody>
-          <a:bodyPr/>
-          <a:lstStyle/>
-          <a:p>
-            <a:fld id="{8402A1B0-4691-41D9-84E0-69D594EAA3FE}" type="slidenum">
-              <a:rPr lang="en-US" altLang="en-US" smtClean="0"/>
-              <a:pPr/>
-              <a:t>39</a:t>
-            </a:fld>
-            <a:endParaRPr lang="en-US" altLang="en-US" dirty="0"/>
-          </a:p>
-        </p:txBody>
-      </p:sp>
-      <p:sp>
-        <p:nvSpPr>
-          <p:cNvPr id="5" name="Title 4">
-            <a:extLst>
-              <a:ext uri="{FF2B5EF4-FFF2-40B4-BE49-F238E27FC236}">
-                <a16:creationId xmlns:a16="http://schemas.microsoft.com/office/drawing/2014/main" id="{AF9BAF8D-C931-4150-A45D-0B3F83543E48}"/>
-              </a:ext>
-            </a:extLst>
-          </p:cNvPr>
-          <p:cNvSpPr>
-            <a:spLocks noGrp="1"/>
-          </p:cNvSpPr>
-          <p:nvPr>
-            <p:ph type="title"/>
-          </p:nvPr>
-        </p:nvSpPr>
-        <p:spPr/>
-        <p:txBody>
-          <a:bodyPr/>
-          <a:lstStyle/>
-          <a:p>
-            <a:endParaRPr lang="en-US"/>
-          </a:p>
-        </p:txBody>
-      </p:sp>
-      <p:sp>
-        <p:nvSpPr>
-          <p:cNvPr id="6" name="Text Placeholder 5">
-            <a:extLst>
-              <a:ext uri="{FF2B5EF4-FFF2-40B4-BE49-F238E27FC236}">
-                <a16:creationId xmlns:a16="http://schemas.microsoft.com/office/drawing/2014/main" id="{42AC9401-AD3D-4DCE-A51A-F39E4B9AFBE2}"/>
-              </a:ext>
-            </a:extLst>
-          </p:cNvPr>
-          <p:cNvSpPr>
-            <a:spLocks noGrp="1"/>
-          </p:cNvSpPr>
-          <p:nvPr>
-            <p:ph type="body" sz="quarter" idx="13"/>
-          </p:nvPr>
-        </p:nvSpPr>
-        <p:spPr/>
-        <p:txBody>
-          <a:bodyPr/>
-          <a:lstStyle/>
-          <a:p>
-            <a:pPr algn="just"/>
-            <a:endParaRPr lang="en-US" dirty="0"/>
-          </a:p>
-        </p:txBody>
-      </p:sp>
-    </p:spTree>
-    <p:extLst>
-      <p:ext uri="{BB962C8B-B14F-4D97-AF65-F5344CB8AC3E}">
-        <p14:creationId xmlns:p14="http://schemas.microsoft.com/office/powerpoint/2010/main" val="2664979204"/>
-      </p:ext>
-    </p:extLst>
-  </p:cSld>
-  <p:clrMapOvr>
-    <a:masterClrMapping/>
-  </p:clrMapOvr>
-  <mc:AlternateContent xmlns:mc="http://schemas.openxmlformats.org/markup-compatibility/2006" xmlns:p14="http://schemas.microsoft.com/office/powerpoint/2010/main">
-    <mc:Choice Requires="p14">
-      <p:transition spd="med" p14:dur="700">
-        <p:fade/>
-      </p:transition>
-    </mc:Choice>
-    <mc:Fallback xmlns="">
-      <p:transition spd="med">
-        <p:fade/>
-      </p:transition>
-    </mc:Fallback>
-  </mc:AlternateContent>
-</p:sld>
-</file>
-
 <file path=ppt/slides/slide4.xml><?xml version="1.0" encoding="utf-8"?>
 <p:sld xmlns:a="http://schemas.openxmlformats.org/drawingml/2006/main" xmlns:r="http://schemas.openxmlformats.org/officeDocument/2006/relationships" xmlns:p="http://schemas.openxmlformats.org/presentationml/2006/main">
   <p:cSld>
@@ -14089,3344 +9046,6 @@
     <p:extLst>
       <p:ext uri="{BB962C8B-B14F-4D97-AF65-F5344CB8AC3E}">
         <p14:creationId xmlns:p14="http://schemas.microsoft.com/office/powerpoint/2010/main" val="1043903848"/>
-      </p:ext>
-    </p:extLst>
-  </p:cSld>
-  <p:clrMapOvr>
-    <a:masterClrMapping/>
-  </p:clrMapOvr>
-  <mc:AlternateContent xmlns:mc="http://schemas.openxmlformats.org/markup-compatibility/2006" xmlns:p14="http://schemas.microsoft.com/office/powerpoint/2010/main">
-    <mc:Choice Requires="p14">
-      <p:transition spd="med" p14:dur="700">
-        <p:fade/>
-      </p:transition>
-    </mc:Choice>
-    <mc:Fallback xmlns="">
-      <p:transition spd="med">
-        <p:fade/>
-      </p:transition>
-    </mc:Fallback>
-  </mc:AlternateContent>
-</p:sld>
-</file>
-
-<file path=ppt/slides/slide40.xml><?xml version="1.0" encoding="utf-8"?>
-<p:sld xmlns:a="http://schemas.openxmlformats.org/drawingml/2006/main" xmlns:r="http://schemas.openxmlformats.org/officeDocument/2006/relationships" xmlns:p="http://schemas.openxmlformats.org/presentationml/2006/main">
-  <p:cSld>
-    <p:spTree>
-      <p:nvGrpSpPr>
-        <p:cNvPr id="1" name=""/>
-        <p:cNvGrpSpPr/>
-        <p:nvPr/>
-      </p:nvGrpSpPr>
-      <p:grpSpPr>
-        <a:xfrm>
-          <a:off x="0" y="0"/>
-          <a:ext cx="0" cy="0"/>
-          <a:chOff x="0" y="0"/>
-          <a:chExt cx="0" cy="0"/>
-        </a:xfrm>
-      </p:grpSpPr>
-      <p:sp>
-        <p:nvSpPr>
-          <p:cNvPr id="2" name="Slide Number Placeholder 1">
-            <a:extLst>
-              <a:ext uri="{FF2B5EF4-FFF2-40B4-BE49-F238E27FC236}">
-                <a16:creationId xmlns:a16="http://schemas.microsoft.com/office/drawing/2014/main" id="{61ACCDB5-53AC-46A1-8477-D467E9D7623C}"/>
-              </a:ext>
-            </a:extLst>
-          </p:cNvPr>
-          <p:cNvSpPr>
-            <a:spLocks noGrp="1"/>
-          </p:cNvSpPr>
-          <p:nvPr>
-            <p:ph type="sldNum" sz="quarter" idx="4"/>
-          </p:nvPr>
-        </p:nvSpPr>
-        <p:spPr/>
-        <p:txBody>
-          <a:bodyPr/>
-          <a:lstStyle/>
-          <a:p>
-            <a:fld id="{8402A1B0-4691-41D9-84E0-69D594EAA3FE}" type="slidenum">
-              <a:rPr lang="en-US" altLang="en-US" smtClean="0"/>
-              <a:pPr/>
-              <a:t>40</a:t>
-            </a:fld>
-            <a:endParaRPr lang="en-US" altLang="en-US" dirty="0"/>
-          </a:p>
-        </p:txBody>
-      </p:sp>
-      <p:sp>
-        <p:nvSpPr>
-          <p:cNvPr id="3" name="Title 2">
-            <a:extLst>
-              <a:ext uri="{FF2B5EF4-FFF2-40B4-BE49-F238E27FC236}">
-                <a16:creationId xmlns:a16="http://schemas.microsoft.com/office/drawing/2014/main" id="{DDD610BD-4711-4F31-B306-71451B84EFBD}"/>
-              </a:ext>
-            </a:extLst>
-          </p:cNvPr>
-          <p:cNvSpPr>
-            <a:spLocks noGrp="1"/>
-          </p:cNvSpPr>
-          <p:nvPr>
-            <p:ph type="title"/>
-          </p:nvPr>
-        </p:nvSpPr>
-        <p:spPr/>
-        <p:txBody>
-          <a:bodyPr/>
-          <a:lstStyle/>
-          <a:p>
-            <a:endParaRPr lang="en-US"/>
-          </a:p>
-        </p:txBody>
-      </p:sp>
-      <p:sp>
-        <p:nvSpPr>
-          <p:cNvPr id="4" name="Text Placeholder 3">
-            <a:extLst>
-              <a:ext uri="{FF2B5EF4-FFF2-40B4-BE49-F238E27FC236}">
-                <a16:creationId xmlns:a16="http://schemas.microsoft.com/office/drawing/2014/main" id="{5A847452-27D3-4539-A56C-970E4B89FF98}"/>
-              </a:ext>
-            </a:extLst>
-          </p:cNvPr>
-          <p:cNvSpPr>
-            <a:spLocks noGrp="1"/>
-          </p:cNvSpPr>
-          <p:nvPr>
-            <p:ph type="body" sz="quarter" idx="13"/>
-          </p:nvPr>
-        </p:nvSpPr>
-        <p:spPr/>
-        <p:txBody>
-          <a:bodyPr/>
-          <a:lstStyle/>
-          <a:p>
-            <a:pPr algn="just"/>
-            <a:endParaRPr lang="en-US" dirty="0"/>
-          </a:p>
-        </p:txBody>
-      </p:sp>
-    </p:spTree>
-    <p:extLst>
-      <p:ext uri="{BB962C8B-B14F-4D97-AF65-F5344CB8AC3E}">
-        <p14:creationId xmlns:p14="http://schemas.microsoft.com/office/powerpoint/2010/main" val="3425942183"/>
-      </p:ext>
-    </p:extLst>
-  </p:cSld>
-  <p:clrMapOvr>
-    <a:masterClrMapping/>
-  </p:clrMapOvr>
-  <mc:AlternateContent xmlns:mc="http://schemas.openxmlformats.org/markup-compatibility/2006" xmlns:p14="http://schemas.microsoft.com/office/powerpoint/2010/main">
-    <mc:Choice Requires="p14">
-      <p:transition spd="med" p14:dur="700">
-        <p:fade/>
-      </p:transition>
-    </mc:Choice>
-    <mc:Fallback xmlns="">
-      <p:transition spd="med">
-        <p:fade/>
-      </p:transition>
-    </mc:Fallback>
-  </mc:AlternateContent>
-</p:sld>
-</file>
-
-<file path=ppt/slides/slide41.xml><?xml version="1.0" encoding="utf-8"?>
-<p:sld xmlns:a="http://schemas.openxmlformats.org/drawingml/2006/main" xmlns:r="http://schemas.openxmlformats.org/officeDocument/2006/relationships" xmlns:p="http://schemas.openxmlformats.org/presentationml/2006/main">
-  <p:cSld>
-    <p:spTree>
-      <p:nvGrpSpPr>
-        <p:cNvPr id="1" name=""/>
-        <p:cNvGrpSpPr/>
-        <p:nvPr/>
-      </p:nvGrpSpPr>
-      <p:grpSpPr>
-        <a:xfrm>
-          <a:off x="0" y="0"/>
-          <a:ext cx="0" cy="0"/>
-          <a:chOff x="0" y="0"/>
-          <a:chExt cx="0" cy="0"/>
-        </a:xfrm>
-      </p:grpSpPr>
-      <p:sp>
-        <p:nvSpPr>
-          <p:cNvPr id="2" name="Slide Number Placeholder 1">
-            <a:extLst>
-              <a:ext uri="{FF2B5EF4-FFF2-40B4-BE49-F238E27FC236}">
-                <a16:creationId xmlns:a16="http://schemas.microsoft.com/office/drawing/2014/main" id="{61ACCDB5-53AC-46A1-8477-D467E9D7623C}"/>
-              </a:ext>
-            </a:extLst>
-          </p:cNvPr>
-          <p:cNvSpPr>
-            <a:spLocks noGrp="1"/>
-          </p:cNvSpPr>
-          <p:nvPr>
-            <p:ph type="sldNum" sz="quarter" idx="4"/>
-          </p:nvPr>
-        </p:nvSpPr>
-        <p:spPr/>
-        <p:txBody>
-          <a:bodyPr/>
-          <a:lstStyle/>
-          <a:p>
-            <a:fld id="{8402A1B0-4691-41D9-84E0-69D594EAA3FE}" type="slidenum">
-              <a:rPr lang="en-US" altLang="en-US" smtClean="0"/>
-              <a:pPr/>
-              <a:t>41</a:t>
-            </a:fld>
-            <a:endParaRPr lang="en-US" altLang="en-US" dirty="0"/>
-          </a:p>
-        </p:txBody>
-      </p:sp>
-      <p:sp>
-        <p:nvSpPr>
-          <p:cNvPr id="5" name="Title 4">
-            <a:extLst>
-              <a:ext uri="{FF2B5EF4-FFF2-40B4-BE49-F238E27FC236}">
-                <a16:creationId xmlns:a16="http://schemas.microsoft.com/office/drawing/2014/main" id="{AF9BAF8D-C931-4150-A45D-0B3F83543E48}"/>
-              </a:ext>
-            </a:extLst>
-          </p:cNvPr>
-          <p:cNvSpPr>
-            <a:spLocks noGrp="1"/>
-          </p:cNvSpPr>
-          <p:nvPr>
-            <p:ph type="title"/>
-          </p:nvPr>
-        </p:nvSpPr>
-        <p:spPr/>
-        <p:txBody>
-          <a:bodyPr/>
-          <a:lstStyle/>
-          <a:p>
-            <a:endParaRPr lang="en-US"/>
-          </a:p>
-        </p:txBody>
-      </p:sp>
-      <p:sp>
-        <p:nvSpPr>
-          <p:cNvPr id="6" name="Text Placeholder 5">
-            <a:extLst>
-              <a:ext uri="{FF2B5EF4-FFF2-40B4-BE49-F238E27FC236}">
-                <a16:creationId xmlns:a16="http://schemas.microsoft.com/office/drawing/2014/main" id="{42AC9401-AD3D-4DCE-A51A-F39E4B9AFBE2}"/>
-              </a:ext>
-            </a:extLst>
-          </p:cNvPr>
-          <p:cNvSpPr>
-            <a:spLocks noGrp="1"/>
-          </p:cNvSpPr>
-          <p:nvPr>
-            <p:ph type="body" sz="quarter" idx="13"/>
-          </p:nvPr>
-        </p:nvSpPr>
-        <p:spPr/>
-        <p:txBody>
-          <a:bodyPr/>
-          <a:lstStyle/>
-          <a:p>
-            <a:pPr algn="just"/>
-            <a:endParaRPr lang="en-US" dirty="0"/>
-          </a:p>
-        </p:txBody>
-      </p:sp>
-    </p:spTree>
-    <p:extLst>
-      <p:ext uri="{BB962C8B-B14F-4D97-AF65-F5344CB8AC3E}">
-        <p14:creationId xmlns:p14="http://schemas.microsoft.com/office/powerpoint/2010/main" val="3352193999"/>
-      </p:ext>
-    </p:extLst>
-  </p:cSld>
-  <p:clrMapOvr>
-    <a:masterClrMapping/>
-  </p:clrMapOvr>
-  <mc:AlternateContent xmlns:mc="http://schemas.openxmlformats.org/markup-compatibility/2006" xmlns:p14="http://schemas.microsoft.com/office/powerpoint/2010/main">
-    <mc:Choice Requires="p14">
-      <p:transition spd="med" p14:dur="700">
-        <p:fade/>
-      </p:transition>
-    </mc:Choice>
-    <mc:Fallback xmlns="">
-      <p:transition spd="med">
-        <p:fade/>
-      </p:transition>
-    </mc:Fallback>
-  </mc:AlternateContent>
-</p:sld>
-</file>
-
-<file path=ppt/slides/slide42.xml><?xml version="1.0" encoding="utf-8"?>
-<p:sld xmlns:a="http://schemas.openxmlformats.org/drawingml/2006/main" xmlns:r="http://schemas.openxmlformats.org/officeDocument/2006/relationships" xmlns:p="http://schemas.openxmlformats.org/presentationml/2006/main">
-  <p:cSld>
-    <p:spTree>
-      <p:nvGrpSpPr>
-        <p:cNvPr id="1" name=""/>
-        <p:cNvGrpSpPr/>
-        <p:nvPr/>
-      </p:nvGrpSpPr>
-      <p:grpSpPr>
-        <a:xfrm>
-          <a:off x="0" y="0"/>
-          <a:ext cx="0" cy="0"/>
-          <a:chOff x="0" y="0"/>
-          <a:chExt cx="0" cy="0"/>
-        </a:xfrm>
-      </p:grpSpPr>
-      <p:sp>
-        <p:nvSpPr>
-          <p:cNvPr id="2" name="Slide Number Placeholder 1">
-            <a:extLst>
-              <a:ext uri="{FF2B5EF4-FFF2-40B4-BE49-F238E27FC236}">
-                <a16:creationId xmlns:a16="http://schemas.microsoft.com/office/drawing/2014/main" id="{61ACCDB5-53AC-46A1-8477-D467E9D7623C}"/>
-              </a:ext>
-            </a:extLst>
-          </p:cNvPr>
-          <p:cNvSpPr>
-            <a:spLocks noGrp="1"/>
-          </p:cNvSpPr>
-          <p:nvPr>
-            <p:ph type="sldNum" sz="quarter" idx="4"/>
-          </p:nvPr>
-        </p:nvSpPr>
-        <p:spPr/>
-        <p:txBody>
-          <a:bodyPr/>
-          <a:lstStyle/>
-          <a:p>
-            <a:fld id="{8402A1B0-4691-41D9-84E0-69D594EAA3FE}" type="slidenum">
-              <a:rPr lang="en-US" altLang="en-US" smtClean="0"/>
-              <a:pPr/>
-              <a:t>42</a:t>
-            </a:fld>
-            <a:endParaRPr lang="en-US" altLang="en-US" dirty="0"/>
-          </a:p>
-        </p:txBody>
-      </p:sp>
-      <p:sp>
-        <p:nvSpPr>
-          <p:cNvPr id="3" name="Title 2">
-            <a:extLst>
-              <a:ext uri="{FF2B5EF4-FFF2-40B4-BE49-F238E27FC236}">
-                <a16:creationId xmlns:a16="http://schemas.microsoft.com/office/drawing/2014/main" id="{DDD610BD-4711-4F31-B306-71451B84EFBD}"/>
-              </a:ext>
-            </a:extLst>
-          </p:cNvPr>
-          <p:cNvSpPr>
-            <a:spLocks noGrp="1"/>
-          </p:cNvSpPr>
-          <p:nvPr>
-            <p:ph type="title"/>
-          </p:nvPr>
-        </p:nvSpPr>
-        <p:spPr/>
-        <p:txBody>
-          <a:bodyPr/>
-          <a:lstStyle/>
-          <a:p>
-            <a:endParaRPr lang="en-US"/>
-          </a:p>
-        </p:txBody>
-      </p:sp>
-      <p:sp>
-        <p:nvSpPr>
-          <p:cNvPr id="4" name="Text Placeholder 3">
-            <a:extLst>
-              <a:ext uri="{FF2B5EF4-FFF2-40B4-BE49-F238E27FC236}">
-                <a16:creationId xmlns:a16="http://schemas.microsoft.com/office/drawing/2014/main" id="{5A847452-27D3-4539-A56C-970E4B89FF98}"/>
-              </a:ext>
-            </a:extLst>
-          </p:cNvPr>
-          <p:cNvSpPr>
-            <a:spLocks noGrp="1"/>
-          </p:cNvSpPr>
-          <p:nvPr>
-            <p:ph type="body" sz="quarter" idx="13"/>
-          </p:nvPr>
-        </p:nvSpPr>
-        <p:spPr/>
-        <p:txBody>
-          <a:bodyPr/>
-          <a:lstStyle/>
-          <a:p>
-            <a:pPr algn="just"/>
-            <a:endParaRPr lang="en-US" dirty="0"/>
-          </a:p>
-        </p:txBody>
-      </p:sp>
-    </p:spTree>
-    <p:extLst>
-      <p:ext uri="{BB962C8B-B14F-4D97-AF65-F5344CB8AC3E}">
-        <p14:creationId xmlns:p14="http://schemas.microsoft.com/office/powerpoint/2010/main" val="2256126872"/>
-      </p:ext>
-    </p:extLst>
-  </p:cSld>
-  <p:clrMapOvr>
-    <a:masterClrMapping/>
-  </p:clrMapOvr>
-  <mc:AlternateContent xmlns:mc="http://schemas.openxmlformats.org/markup-compatibility/2006" xmlns:p14="http://schemas.microsoft.com/office/powerpoint/2010/main">
-    <mc:Choice Requires="p14">
-      <p:transition spd="med" p14:dur="700">
-        <p:fade/>
-      </p:transition>
-    </mc:Choice>
-    <mc:Fallback xmlns="">
-      <p:transition spd="med">
-        <p:fade/>
-      </p:transition>
-    </mc:Fallback>
-  </mc:AlternateContent>
-</p:sld>
-</file>
-
-<file path=ppt/slides/slide43.xml><?xml version="1.0" encoding="utf-8"?>
-<p:sld xmlns:a="http://schemas.openxmlformats.org/drawingml/2006/main" xmlns:r="http://schemas.openxmlformats.org/officeDocument/2006/relationships" xmlns:p="http://schemas.openxmlformats.org/presentationml/2006/main">
-  <p:cSld>
-    <p:spTree>
-      <p:nvGrpSpPr>
-        <p:cNvPr id="1" name=""/>
-        <p:cNvGrpSpPr/>
-        <p:nvPr/>
-      </p:nvGrpSpPr>
-      <p:grpSpPr>
-        <a:xfrm>
-          <a:off x="0" y="0"/>
-          <a:ext cx="0" cy="0"/>
-          <a:chOff x="0" y="0"/>
-          <a:chExt cx="0" cy="0"/>
-        </a:xfrm>
-      </p:grpSpPr>
-      <p:sp>
-        <p:nvSpPr>
-          <p:cNvPr id="4" name="Title 3">
-            <a:extLst>
-              <a:ext uri="{FF2B5EF4-FFF2-40B4-BE49-F238E27FC236}">
-                <a16:creationId xmlns:a16="http://schemas.microsoft.com/office/drawing/2014/main" id="{FD9E38B3-4686-8247-9625-49018D29F408}"/>
-              </a:ext>
-            </a:extLst>
-          </p:cNvPr>
-          <p:cNvSpPr>
-            <a:spLocks noGrp="1"/>
-          </p:cNvSpPr>
-          <p:nvPr>
-            <p:ph type="title"/>
-          </p:nvPr>
-        </p:nvSpPr>
-        <p:spPr>
-          <a:xfrm>
-            <a:off x="1525301" y="1975104"/>
-            <a:ext cx="9141397" cy="615553"/>
-          </a:xfrm>
-        </p:spPr>
-        <p:txBody>
-          <a:bodyPr>
-            <a:normAutofit/>
-          </a:bodyPr>
-          <a:lstStyle/>
-          <a:p>
-            <a:r>
-              <a:rPr lang="en-US" dirty="0"/>
-              <a:t>Overview</a:t>
-            </a:r>
-          </a:p>
-        </p:txBody>
-      </p:sp>
-      <p:sp>
-        <p:nvSpPr>
-          <p:cNvPr id="6" name="Text Placeholder 5">
-            <a:extLst>
-              <a:ext uri="{FF2B5EF4-FFF2-40B4-BE49-F238E27FC236}">
-                <a16:creationId xmlns:a16="http://schemas.microsoft.com/office/drawing/2014/main" id="{7DCBA01B-ECA4-4938-872A-B38BEB13AC06}"/>
-              </a:ext>
-            </a:extLst>
-          </p:cNvPr>
-          <p:cNvSpPr>
-            <a:spLocks noGrp="1"/>
-          </p:cNvSpPr>
-          <p:nvPr>
-            <p:ph type="body" sz="quarter" idx="12"/>
-          </p:nvPr>
-        </p:nvSpPr>
-        <p:spPr>
-          <a:xfrm>
-            <a:off x="2196307" y="3260705"/>
-            <a:ext cx="7799387" cy="1534757"/>
-          </a:xfrm>
-        </p:spPr>
-        <p:txBody>
-          <a:bodyPr/>
-          <a:lstStyle/>
-          <a:p>
-            <a:r>
-              <a:rPr lang="en-US" dirty="0"/>
-              <a:t>Give a brief overview of what you’ll cover in your presentation. </a:t>
-            </a:r>
-          </a:p>
-          <a:p>
-            <a:endParaRPr lang="en-US" dirty="0"/>
-          </a:p>
-        </p:txBody>
-      </p:sp>
-      <p:sp>
-        <p:nvSpPr>
-          <p:cNvPr id="2" name="Slide Number Placeholder 1">
-            <a:extLst>
-              <a:ext uri="{FF2B5EF4-FFF2-40B4-BE49-F238E27FC236}">
-                <a16:creationId xmlns:a16="http://schemas.microsoft.com/office/drawing/2014/main" id="{C80DC6A3-926F-49B5-BD84-14CD40D7E2F1}"/>
-              </a:ext>
-            </a:extLst>
-          </p:cNvPr>
-          <p:cNvSpPr>
-            <a:spLocks noGrp="1"/>
-          </p:cNvSpPr>
-          <p:nvPr>
-            <p:ph type="sldNum" sz="quarter" idx="4"/>
-          </p:nvPr>
-        </p:nvSpPr>
-        <p:spPr/>
-        <p:txBody>
-          <a:bodyPr/>
-          <a:lstStyle/>
-          <a:p>
-            <a:fld id="{8402A1B0-4691-41D9-84E0-69D594EAA3FE}" type="slidenum">
-              <a:rPr lang="en-US" altLang="en-US" smtClean="0"/>
-              <a:pPr/>
-              <a:t>43</a:t>
-            </a:fld>
-            <a:endParaRPr lang="en-US" altLang="en-US" dirty="0"/>
-          </a:p>
-        </p:txBody>
-      </p:sp>
-    </p:spTree>
-    <p:extLst>
-      <p:ext uri="{BB962C8B-B14F-4D97-AF65-F5344CB8AC3E}">
-        <p14:creationId xmlns:p14="http://schemas.microsoft.com/office/powerpoint/2010/main" val="4251621541"/>
-      </p:ext>
-    </p:extLst>
-  </p:cSld>
-  <p:clrMapOvr>
-    <a:masterClrMapping/>
-  </p:clrMapOvr>
-  <mc:AlternateContent xmlns:mc="http://schemas.openxmlformats.org/markup-compatibility/2006" xmlns:p14="http://schemas.microsoft.com/office/powerpoint/2010/main">
-    <mc:Choice Requires="p14">
-      <p:transition spd="med" p14:dur="700">
-        <p:fade/>
-      </p:transition>
-    </mc:Choice>
-    <mc:Fallback xmlns="">
-      <p:transition spd="med">
-        <p:fade/>
-      </p:transition>
-    </mc:Fallback>
-  </mc:AlternateContent>
-</p:sld>
-</file>
-
-<file path=ppt/slides/slide44.xml><?xml version="1.0" encoding="utf-8"?>
-<p:sld xmlns:a="http://schemas.openxmlformats.org/drawingml/2006/main" xmlns:r="http://schemas.openxmlformats.org/officeDocument/2006/relationships" xmlns:p="http://schemas.openxmlformats.org/presentationml/2006/main">
-  <p:cSld>
-    <p:spTree>
-      <p:nvGrpSpPr>
-        <p:cNvPr id="1" name=""/>
-        <p:cNvGrpSpPr/>
-        <p:nvPr/>
-      </p:nvGrpSpPr>
-      <p:grpSpPr>
-        <a:xfrm>
-          <a:off x="0" y="0"/>
-          <a:ext cx="0" cy="0"/>
-          <a:chOff x="0" y="0"/>
-          <a:chExt cx="0" cy="0"/>
-        </a:xfrm>
-      </p:grpSpPr>
-      <p:sp>
-        <p:nvSpPr>
-          <p:cNvPr id="4" name="Title 3">
-            <a:extLst>
-              <a:ext uri="{FF2B5EF4-FFF2-40B4-BE49-F238E27FC236}">
-                <a16:creationId xmlns:a16="http://schemas.microsoft.com/office/drawing/2014/main" id="{048FBE6B-DC67-4E64-80F4-CADE978D2FE3}"/>
-              </a:ext>
-            </a:extLst>
-          </p:cNvPr>
-          <p:cNvSpPr>
-            <a:spLocks noGrp="1"/>
-          </p:cNvSpPr>
-          <p:nvPr>
-            <p:ph type="title"/>
-          </p:nvPr>
-        </p:nvSpPr>
-        <p:spPr>
-          <a:xfrm>
-            <a:off x="876300" y="692151"/>
-            <a:ext cx="10417629" cy="639979"/>
-          </a:xfrm>
-        </p:spPr>
-        <p:txBody>
-          <a:bodyPr>
-            <a:normAutofit/>
-          </a:bodyPr>
-          <a:lstStyle/>
-          <a:p>
-            <a:r>
-              <a:rPr lang="en-US" dirty="0">
-                <a:solidFill>
-                  <a:schemeClr val="accent3"/>
-                </a:solidFill>
-              </a:rPr>
-              <a:t>History</a:t>
-            </a:r>
-          </a:p>
-        </p:txBody>
-      </p:sp>
-      <p:sp>
-        <p:nvSpPr>
-          <p:cNvPr id="10" name="Text Placeholder 9">
-            <a:extLst>
-              <a:ext uri="{FF2B5EF4-FFF2-40B4-BE49-F238E27FC236}">
-                <a16:creationId xmlns:a16="http://schemas.microsoft.com/office/drawing/2014/main" id="{3E90A16C-1235-4DE1-9AE7-2F7599C83F90}"/>
-              </a:ext>
-            </a:extLst>
-          </p:cNvPr>
-          <p:cNvSpPr>
-            <a:spLocks noGrp="1"/>
-          </p:cNvSpPr>
-          <p:nvPr>
-            <p:ph type="body" sz="quarter" idx="4294967295"/>
-          </p:nvPr>
-        </p:nvSpPr>
-        <p:spPr>
-          <a:xfrm>
-            <a:off x="876300" y="1905000"/>
-            <a:ext cx="10417629" cy="713013"/>
-          </a:xfrm>
-        </p:spPr>
-        <p:txBody>
-          <a:bodyPr>
-            <a:normAutofit/>
-          </a:bodyPr>
-          <a:lstStyle/>
-          <a:p>
-            <a:pPr marL="0" indent="0">
-              <a:buNone/>
-            </a:pPr>
-            <a:r>
-              <a:rPr lang="en-US" altLang="en-US" sz="1800" b="0" dirty="0">
-                <a:latin typeface="+mj-lt"/>
-              </a:rPr>
-              <a:t>Make a timeline of the important historical events or list historical contributions made by people of </a:t>
-            </a:r>
-            <a:r>
-              <a:rPr lang="en-US" altLang="en-US" sz="1800" dirty="0">
-                <a:latin typeface="+mj-lt"/>
-              </a:rPr>
-              <a:t>African </a:t>
-            </a:r>
-            <a:r>
-              <a:rPr lang="en-US" altLang="en-US" sz="1800" b="0" dirty="0">
-                <a:latin typeface="+mj-lt"/>
-              </a:rPr>
-              <a:t>heritage.</a:t>
-            </a:r>
-          </a:p>
-        </p:txBody>
-      </p:sp>
-      <p:graphicFrame>
-        <p:nvGraphicFramePr>
-          <p:cNvPr id="7" name="Group 85">
-            <a:extLst>
-              <a:ext uri="{FF2B5EF4-FFF2-40B4-BE49-F238E27FC236}">
-                <a16:creationId xmlns:a16="http://schemas.microsoft.com/office/drawing/2014/main" id="{AD3D3348-39B0-440D-88BE-1A8FA9891931}"/>
-              </a:ext>
-            </a:extLst>
-          </p:cNvPr>
-          <p:cNvGraphicFramePr>
-            <a:graphicFrameLocks/>
-          </p:cNvGraphicFramePr>
-          <p:nvPr>
-            <p:extLst>
-              <p:ext uri="{D42A27DB-BD31-4B8C-83A1-F6EECF244321}">
-                <p14:modId xmlns:p14="http://schemas.microsoft.com/office/powerpoint/2010/main" val="3559113465"/>
-              </p:ext>
-            </p:extLst>
-          </p:nvPr>
-        </p:nvGraphicFramePr>
-        <p:xfrm>
-          <a:off x="762000" y="2590800"/>
-          <a:ext cx="10668000" cy="2834640"/>
-        </p:xfrm>
-        <a:graphic>
-          <a:graphicData uri="http://schemas.openxmlformats.org/drawingml/2006/table">
-            <a:tbl>
-              <a:tblPr firstRow="1"/>
-              <a:tblGrid>
-                <a:gridCol w="1778000">
-                  <a:extLst>
-                    <a:ext uri="{9D8B030D-6E8A-4147-A177-3AD203B41FA5}">
-                      <a16:colId xmlns:a16="http://schemas.microsoft.com/office/drawing/2014/main" val="20000"/>
-                    </a:ext>
-                  </a:extLst>
-                </a:gridCol>
-                <a:gridCol w="1778000">
-                  <a:extLst>
-                    <a:ext uri="{9D8B030D-6E8A-4147-A177-3AD203B41FA5}">
-                      <a16:colId xmlns:a16="http://schemas.microsoft.com/office/drawing/2014/main" val="20001"/>
-                    </a:ext>
-                  </a:extLst>
-                </a:gridCol>
-                <a:gridCol w="1778000">
-                  <a:extLst>
-                    <a:ext uri="{9D8B030D-6E8A-4147-A177-3AD203B41FA5}">
-                      <a16:colId xmlns:a16="http://schemas.microsoft.com/office/drawing/2014/main" val="20002"/>
-                    </a:ext>
-                  </a:extLst>
-                </a:gridCol>
-                <a:gridCol w="1778000">
-                  <a:extLst>
-                    <a:ext uri="{9D8B030D-6E8A-4147-A177-3AD203B41FA5}">
-                      <a16:colId xmlns:a16="http://schemas.microsoft.com/office/drawing/2014/main" val="20003"/>
-                    </a:ext>
-                  </a:extLst>
-                </a:gridCol>
-                <a:gridCol w="1778000">
-                  <a:extLst>
-                    <a:ext uri="{9D8B030D-6E8A-4147-A177-3AD203B41FA5}">
-                      <a16:colId xmlns:a16="http://schemas.microsoft.com/office/drawing/2014/main" val="20004"/>
-                    </a:ext>
-                  </a:extLst>
-                </a:gridCol>
-                <a:gridCol w="1778000">
-                  <a:extLst>
-                    <a:ext uri="{9D8B030D-6E8A-4147-A177-3AD203B41FA5}">
-                      <a16:colId xmlns:a16="http://schemas.microsoft.com/office/drawing/2014/main" val="20005"/>
-                    </a:ext>
-                  </a:extLst>
-                </a:gridCol>
-              </a:tblGrid>
-              <a:tr h="548640">
-                <a:tc>
-                  <a:txBody>
-                    <a:bodyPr/>
-                    <a:lstStyle/>
-                    <a:p>
-                      <a:pPr marL="0" marR="0" lvl="0" indent="0" algn="ctr" defTabSz="914400" rtl="0" eaLnBrk="1" fontAlgn="base" latinLnBrk="0" hangingPunct="1">
-                        <a:lnSpc>
-                          <a:spcPct val="100000"/>
-                        </a:lnSpc>
-                        <a:spcBef>
-                          <a:spcPct val="20000"/>
-                        </a:spcBef>
-                        <a:spcAft>
-                          <a:spcPct val="0"/>
-                        </a:spcAft>
-                        <a:buClr>
-                          <a:schemeClr val="tx1"/>
-                        </a:buClr>
-                        <a:buSzTx/>
-                        <a:buFontTx/>
-                        <a:buNone/>
-                        <a:tabLst/>
-                      </a:pPr>
-                      <a:r>
-                        <a:rPr kumimoji="0" lang="en-US" sz="1400" b="1" i="0" u="none" strike="noStrike" cap="none" normalizeH="0" baseline="0" dirty="0">
-                          <a:ln>
-                            <a:noFill/>
-                          </a:ln>
-                          <a:solidFill>
-                            <a:schemeClr val="accent3"/>
-                          </a:solidFill>
-                          <a:effectLst/>
-                          <a:latin typeface="+mn-lt"/>
-                        </a:rPr>
-                        <a:t>1</a:t>
-                      </a:r>
-                      <a:r>
-                        <a:rPr kumimoji="0" lang="en-US" sz="1400" b="1" i="0" u="none" strike="noStrike" cap="none" normalizeH="0" baseline="30000" dirty="0">
-                          <a:ln>
-                            <a:noFill/>
-                          </a:ln>
-                          <a:solidFill>
-                            <a:schemeClr val="accent3"/>
-                          </a:solidFill>
-                          <a:effectLst/>
-                          <a:latin typeface="+mn-lt"/>
-                        </a:rPr>
-                        <a:t>st</a:t>
-                      </a:r>
-                      <a:r>
-                        <a:rPr kumimoji="0" lang="en-US" sz="1400" b="1" i="0" u="none" strike="noStrike" cap="none" normalizeH="0" baseline="0" dirty="0">
-                          <a:ln>
-                            <a:noFill/>
-                          </a:ln>
-                          <a:solidFill>
-                            <a:schemeClr val="accent3"/>
-                          </a:solidFill>
-                          <a:effectLst/>
-                          <a:latin typeface="+mn-lt"/>
-                        </a:rPr>
-                        <a:t> Event</a:t>
-                      </a:r>
-                    </a:p>
-                  </a:txBody>
-                  <a:tcPr anchor="ctr" horzOverflow="overflow">
-                    <a:lnL w="28575" cap="flat" cmpd="sng" algn="ctr">
-                      <a:noFill/>
-                      <a:prstDash val="solid"/>
-                      <a:round/>
-                      <a:headEnd type="none" w="med" len="med"/>
-                      <a:tailEnd type="none" w="med" len="med"/>
-                    </a:lnL>
-                    <a:lnR w="6350" cap="flat" cmpd="sng" algn="ctr">
-                      <a:solidFill>
-                        <a:schemeClr val="tx2">
-                          <a:lumMod val="90000"/>
-                        </a:schemeClr>
-                      </a:solidFill>
-                      <a:prstDash val="solid"/>
-                      <a:round/>
-                      <a:headEnd type="none" w="med" len="med"/>
-                      <a:tailEnd type="none" w="med" len="med"/>
-                    </a:lnR>
-                    <a:lnT w="28575" cap="flat" cmpd="sng" algn="ctr">
-                      <a:noFill/>
-                      <a:prstDash val="solid"/>
-                      <a:round/>
-                      <a:headEnd type="none" w="med" len="med"/>
-                      <a:tailEnd type="none" w="med" len="med"/>
-                    </a:lnT>
-                    <a:lnB w="12700" cap="flat" cmpd="sng" algn="ctr">
-                      <a:noFill/>
-                      <a:prstDash val="solid"/>
-                      <a:round/>
-                      <a:headEnd type="none" w="med" len="med"/>
-                      <a:tailEnd type="none" w="med" len="med"/>
-                    </a:lnB>
-                    <a:lnTlToBr>
-                      <a:noFill/>
-                    </a:lnTlToBr>
-                    <a:lnBlToTr>
-                      <a:noFill/>
-                    </a:lnBlToTr>
-                    <a:noFill/>
-                  </a:tcPr>
-                </a:tc>
-                <a:tc>
-                  <a:txBody>
-                    <a:bodyPr/>
-                    <a:lstStyle/>
-                    <a:p>
-                      <a:pPr marL="0" marR="0" lvl="0" indent="0" algn="ctr" defTabSz="914400" rtl="0" eaLnBrk="1" fontAlgn="base" latinLnBrk="0" hangingPunct="1">
-                        <a:lnSpc>
-                          <a:spcPct val="100000"/>
-                        </a:lnSpc>
-                        <a:spcBef>
-                          <a:spcPct val="20000"/>
-                        </a:spcBef>
-                        <a:spcAft>
-                          <a:spcPct val="0"/>
-                        </a:spcAft>
-                        <a:buClr>
-                          <a:schemeClr val="tx1"/>
-                        </a:buClr>
-                        <a:buSzTx/>
-                        <a:buFontTx/>
-                        <a:buNone/>
-                        <a:tabLst/>
-                      </a:pPr>
-                      <a:r>
-                        <a:rPr kumimoji="0" lang="en-US" sz="1400" b="1" i="0" u="none" strike="noStrike" cap="none" normalizeH="0" baseline="0" dirty="0">
-                          <a:ln>
-                            <a:noFill/>
-                          </a:ln>
-                          <a:solidFill>
-                            <a:schemeClr val="accent3"/>
-                          </a:solidFill>
-                          <a:effectLst/>
-                          <a:latin typeface="+mn-lt"/>
-                        </a:rPr>
-                        <a:t>2</a:t>
-                      </a:r>
-                      <a:r>
-                        <a:rPr kumimoji="0" lang="en-US" sz="1400" b="1" i="0" u="none" strike="noStrike" cap="none" normalizeH="0" baseline="30000" dirty="0">
-                          <a:ln>
-                            <a:noFill/>
-                          </a:ln>
-                          <a:solidFill>
-                            <a:schemeClr val="accent3"/>
-                          </a:solidFill>
-                          <a:effectLst/>
-                          <a:latin typeface="+mn-lt"/>
-                        </a:rPr>
-                        <a:t>nd</a:t>
-                      </a:r>
-                      <a:r>
-                        <a:rPr kumimoji="0" lang="en-US" sz="1400" b="1" i="0" u="none" strike="noStrike" cap="none" normalizeH="0" baseline="0" dirty="0">
-                          <a:ln>
-                            <a:noFill/>
-                          </a:ln>
-                          <a:solidFill>
-                            <a:schemeClr val="accent3"/>
-                          </a:solidFill>
-                          <a:effectLst/>
-                          <a:latin typeface="+mn-lt"/>
-                        </a:rPr>
-                        <a:t> Event</a:t>
-                      </a:r>
-                    </a:p>
-                  </a:txBody>
-                  <a:tcPr anchor="ctr" horzOverflow="overflow">
-                    <a:lnL w="6350" cap="flat" cmpd="sng" algn="ctr">
-                      <a:solidFill>
-                        <a:schemeClr val="tx2">
-                          <a:lumMod val="90000"/>
-                        </a:schemeClr>
-                      </a:solidFill>
-                      <a:prstDash val="solid"/>
-                      <a:round/>
-                      <a:headEnd type="none" w="med" len="med"/>
-                      <a:tailEnd type="none" w="med" len="med"/>
-                    </a:lnL>
-                    <a:lnR w="6350" cap="flat" cmpd="sng" algn="ctr">
-                      <a:solidFill>
-                        <a:schemeClr val="tx2">
-                          <a:lumMod val="90000"/>
-                        </a:schemeClr>
-                      </a:solidFill>
-                      <a:prstDash val="solid"/>
-                      <a:round/>
-                      <a:headEnd type="none" w="med" len="med"/>
-                      <a:tailEnd type="none" w="med" len="med"/>
-                    </a:lnR>
-                    <a:lnT w="28575" cap="flat" cmpd="sng" algn="ctr">
-                      <a:noFill/>
-                      <a:prstDash val="solid"/>
-                      <a:round/>
-                      <a:headEnd type="none" w="med" len="med"/>
-                      <a:tailEnd type="none" w="med" len="med"/>
-                    </a:lnT>
-                    <a:lnB w="12700" cap="flat" cmpd="sng" algn="ctr">
-                      <a:noFill/>
-                      <a:prstDash val="solid"/>
-                      <a:round/>
-                      <a:headEnd type="none" w="med" len="med"/>
-                      <a:tailEnd type="none" w="med" len="med"/>
-                    </a:lnB>
-                    <a:lnTlToBr>
-                      <a:noFill/>
-                    </a:lnTlToBr>
-                    <a:lnBlToTr>
-                      <a:noFill/>
-                    </a:lnBlToTr>
-                    <a:noFill/>
-                  </a:tcPr>
-                </a:tc>
-                <a:tc>
-                  <a:txBody>
-                    <a:bodyPr/>
-                    <a:lstStyle/>
-                    <a:p>
-                      <a:pPr marL="0" marR="0" lvl="0" indent="0" algn="ctr" defTabSz="914400" rtl="0" eaLnBrk="1" fontAlgn="base" latinLnBrk="0" hangingPunct="1">
-                        <a:lnSpc>
-                          <a:spcPct val="100000"/>
-                        </a:lnSpc>
-                        <a:spcBef>
-                          <a:spcPct val="20000"/>
-                        </a:spcBef>
-                        <a:spcAft>
-                          <a:spcPct val="0"/>
-                        </a:spcAft>
-                        <a:buClr>
-                          <a:schemeClr val="tx1"/>
-                        </a:buClr>
-                        <a:buSzTx/>
-                        <a:buFontTx/>
-                        <a:buNone/>
-                        <a:tabLst/>
-                      </a:pPr>
-                      <a:r>
-                        <a:rPr kumimoji="0" lang="en-US" sz="1400" b="1" i="0" u="none" strike="noStrike" cap="none" normalizeH="0" baseline="0" dirty="0">
-                          <a:ln>
-                            <a:noFill/>
-                          </a:ln>
-                          <a:solidFill>
-                            <a:schemeClr val="accent3"/>
-                          </a:solidFill>
-                          <a:effectLst/>
-                          <a:latin typeface="+mn-lt"/>
-                        </a:rPr>
-                        <a:t>3rd Event</a:t>
-                      </a:r>
-                    </a:p>
-                  </a:txBody>
-                  <a:tcPr anchor="ctr" horzOverflow="overflow">
-                    <a:lnL w="6350" cap="flat" cmpd="sng" algn="ctr">
-                      <a:solidFill>
-                        <a:schemeClr val="tx2">
-                          <a:lumMod val="90000"/>
-                        </a:schemeClr>
-                      </a:solidFill>
-                      <a:prstDash val="solid"/>
-                      <a:round/>
-                      <a:headEnd type="none" w="med" len="med"/>
-                      <a:tailEnd type="none" w="med" len="med"/>
-                    </a:lnL>
-                    <a:lnR w="6350" cap="flat" cmpd="sng" algn="ctr">
-                      <a:solidFill>
-                        <a:schemeClr val="tx2">
-                          <a:lumMod val="90000"/>
-                        </a:schemeClr>
-                      </a:solidFill>
-                      <a:prstDash val="solid"/>
-                      <a:round/>
-                      <a:headEnd type="none" w="med" len="med"/>
-                      <a:tailEnd type="none" w="med" len="med"/>
-                    </a:lnR>
-                    <a:lnT w="28575" cap="flat" cmpd="sng" algn="ctr">
-                      <a:noFill/>
-                      <a:prstDash val="solid"/>
-                      <a:round/>
-                      <a:headEnd type="none" w="med" len="med"/>
-                      <a:tailEnd type="none" w="med" len="med"/>
-                    </a:lnT>
-                    <a:lnB w="12700" cap="flat" cmpd="sng" algn="ctr">
-                      <a:noFill/>
-                      <a:prstDash val="solid"/>
-                      <a:round/>
-                      <a:headEnd type="none" w="med" len="med"/>
-                      <a:tailEnd type="none" w="med" len="med"/>
-                    </a:lnB>
-                    <a:lnTlToBr>
-                      <a:noFill/>
-                    </a:lnTlToBr>
-                    <a:lnBlToTr>
-                      <a:noFill/>
-                    </a:lnBlToTr>
-                    <a:noFill/>
-                  </a:tcPr>
-                </a:tc>
-                <a:tc>
-                  <a:txBody>
-                    <a:bodyPr/>
-                    <a:lstStyle/>
-                    <a:p>
-                      <a:pPr marL="0" marR="0" lvl="0" indent="0" algn="ctr" defTabSz="914400" rtl="0" eaLnBrk="1" fontAlgn="base" latinLnBrk="0" hangingPunct="1">
-                        <a:lnSpc>
-                          <a:spcPct val="100000"/>
-                        </a:lnSpc>
-                        <a:spcBef>
-                          <a:spcPct val="20000"/>
-                        </a:spcBef>
-                        <a:spcAft>
-                          <a:spcPct val="0"/>
-                        </a:spcAft>
-                        <a:buClr>
-                          <a:schemeClr val="tx1"/>
-                        </a:buClr>
-                        <a:buSzTx/>
-                        <a:buFontTx/>
-                        <a:buNone/>
-                        <a:tabLst/>
-                      </a:pPr>
-                      <a:r>
-                        <a:rPr kumimoji="0" lang="en-US" sz="1400" b="1" i="0" u="none" strike="noStrike" cap="none" normalizeH="0" baseline="0" dirty="0">
-                          <a:ln>
-                            <a:noFill/>
-                          </a:ln>
-                          <a:solidFill>
-                            <a:schemeClr val="accent3"/>
-                          </a:solidFill>
-                          <a:effectLst/>
-                          <a:latin typeface="+mn-lt"/>
-                        </a:rPr>
-                        <a:t>4</a:t>
-                      </a:r>
-                      <a:r>
-                        <a:rPr kumimoji="0" lang="en-US" sz="1400" b="1" i="0" u="none" strike="noStrike" cap="none" normalizeH="0" baseline="30000" dirty="0">
-                          <a:ln>
-                            <a:noFill/>
-                          </a:ln>
-                          <a:solidFill>
-                            <a:schemeClr val="accent3"/>
-                          </a:solidFill>
-                          <a:effectLst/>
-                          <a:latin typeface="+mn-lt"/>
-                        </a:rPr>
-                        <a:t>th</a:t>
-                      </a:r>
-                      <a:r>
-                        <a:rPr kumimoji="0" lang="en-US" sz="1400" b="1" i="0" u="none" strike="noStrike" cap="none" normalizeH="0" baseline="0" dirty="0">
-                          <a:ln>
-                            <a:noFill/>
-                          </a:ln>
-                          <a:solidFill>
-                            <a:schemeClr val="accent3"/>
-                          </a:solidFill>
-                          <a:effectLst/>
-                          <a:latin typeface="+mn-lt"/>
-                        </a:rPr>
-                        <a:t> Event</a:t>
-                      </a:r>
-                    </a:p>
-                  </a:txBody>
-                  <a:tcPr anchor="ctr" horzOverflow="overflow">
-                    <a:lnL w="6350" cap="flat" cmpd="sng" algn="ctr">
-                      <a:solidFill>
-                        <a:schemeClr val="tx2">
-                          <a:lumMod val="90000"/>
-                        </a:schemeClr>
-                      </a:solidFill>
-                      <a:prstDash val="solid"/>
-                      <a:round/>
-                      <a:headEnd type="none" w="med" len="med"/>
-                      <a:tailEnd type="none" w="med" len="med"/>
-                    </a:lnL>
-                    <a:lnR w="6350" cap="flat" cmpd="sng" algn="ctr">
-                      <a:solidFill>
-                        <a:schemeClr val="tx2">
-                          <a:lumMod val="90000"/>
-                        </a:schemeClr>
-                      </a:solidFill>
-                      <a:prstDash val="solid"/>
-                      <a:round/>
-                      <a:headEnd type="none" w="med" len="med"/>
-                      <a:tailEnd type="none" w="med" len="med"/>
-                    </a:lnR>
-                    <a:lnT w="28575" cap="flat" cmpd="sng" algn="ctr">
-                      <a:noFill/>
-                      <a:prstDash val="solid"/>
-                      <a:round/>
-                      <a:headEnd type="none" w="med" len="med"/>
-                      <a:tailEnd type="none" w="med" len="med"/>
-                    </a:lnT>
-                    <a:lnB w="12700" cap="flat" cmpd="sng" algn="ctr">
-                      <a:noFill/>
-                      <a:prstDash val="solid"/>
-                      <a:round/>
-                      <a:headEnd type="none" w="med" len="med"/>
-                      <a:tailEnd type="none" w="med" len="med"/>
-                    </a:lnB>
-                    <a:lnTlToBr>
-                      <a:noFill/>
-                    </a:lnTlToBr>
-                    <a:lnBlToTr>
-                      <a:noFill/>
-                    </a:lnBlToTr>
-                    <a:noFill/>
-                  </a:tcPr>
-                </a:tc>
-                <a:tc>
-                  <a:txBody>
-                    <a:bodyPr/>
-                    <a:lstStyle/>
-                    <a:p>
-                      <a:pPr marL="0" marR="0" lvl="0" indent="0" algn="ctr" defTabSz="914400" rtl="0" eaLnBrk="1" fontAlgn="base" latinLnBrk="0" hangingPunct="1">
-                        <a:lnSpc>
-                          <a:spcPct val="100000"/>
-                        </a:lnSpc>
-                        <a:spcBef>
-                          <a:spcPct val="20000"/>
-                        </a:spcBef>
-                        <a:spcAft>
-                          <a:spcPct val="0"/>
-                        </a:spcAft>
-                        <a:buClr>
-                          <a:schemeClr val="tx1"/>
-                        </a:buClr>
-                        <a:buSzTx/>
-                        <a:buFontTx/>
-                        <a:buNone/>
-                        <a:tabLst/>
-                      </a:pPr>
-                      <a:r>
-                        <a:rPr kumimoji="0" lang="en-US" sz="1400" b="1" i="0" u="none" strike="noStrike" cap="none" normalizeH="0" baseline="0" dirty="0">
-                          <a:ln>
-                            <a:noFill/>
-                          </a:ln>
-                          <a:solidFill>
-                            <a:schemeClr val="accent3"/>
-                          </a:solidFill>
-                          <a:effectLst/>
-                          <a:latin typeface="+mn-lt"/>
-                        </a:rPr>
-                        <a:t>5</a:t>
-                      </a:r>
-                      <a:r>
-                        <a:rPr kumimoji="0" lang="en-US" sz="1400" b="1" i="0" u="none" strike="noStrike" cap="none" normalizeH="0" baseline="30000" dirty="0">
-                          <a:ln>
-                            <a:noFill/>
-                          </a:ln>
-                          <a:solidFill>
-                            <a:schemeClr val="accent3"/>
-                          </a:solidFill>
-                          <a:effectLst/>
-                          <a:latin typeface="+mn-lt"/>
-                        </a:rPr>
-                        <a:t>th</a:t>
-                      </a:r>
-                      <a:r>
-                        <a:rPr kumimoji="0" lang="en-US" sz="1400" b="1" i="0" u="none" strike="noStrike" cap="none" normalizeH="0" baseline="0" dirty="0">
-                          <a:ln>
-                            <a:noFill/>
-                          </a:ln>
-                          <a:solidFill>
-                            <a:schemeClr val="accent3"/>
-                          </a:solidFill>
-                          <a:effectLst/>
-                          <a:latin typeface="+mn-lt"/>
-                        </a:rPr>
-                        <a:t> Event</a:t>
-                      </a:r>
-                    </a:p>
-                  </a:txBody>
-                  <a:tcPr anchor="ctr" horzOverflow="overflow">
-                    <a:lnL w="6350" cap="flat" cmpd="sng" algn="ctr">
-                      <a:solidFill>
-                        <a:schemeClr val="tx2">
-                          <a:lumMod val="90000"/>
-                        </a:schemeClr>
-                      </a:solidFill>
-                      <a:prstDash val="solid"/>
-                      <a:round/>
-                      <a:headEnd type="none" w="med" len="med"/>
-                      <a:tailEnd type="none" w="med" len="med"/>
-                    </a:lnL>
-                    <a:lnR w="6350" cap="flat" cmpd="sng" algn="ctr">
-                      <a:solidFill>
-                        <a:schemeClr val="tx2">
-                          <a:lumMod val="90000"/>
-                        </a:schemeClr>
-                      </a:solidFill>
-                      <a:prstDash val="solid"/>
-                      <a:round/>
-                      <a:headEnd type="none" w="med" len="med"/>
-                      <a:tailEnd type="none" w="med" len="med"/>
-                    </a:lnR>
-                    <a:lnT w="28575" cap="flat" cmpd="sng" algn="ctr">
-                      <a:noFill/>
-                      <a:prstDash val="solid"/>
-                      <a:round/>
-                      <a:headEnd type="none" w="med" len="med"/>
-                      <a:tailEnd type="none" w="med" len="med"/>
-                    </a:lnT>
-                    <a:lnB w="12700" cap="flat" cmpd="sng" algn="ctr">
-                      <a:noFill/>
-                      <a:prstDash val="solid"/>
-                      <a:round/>
-                      <a:headEnd type="none" w="med" len="med"/>
-                      <a:tailEnd type="none" w="med" len="med"/>
-                    </a:lnB>
-                    <a:lnTlToBr>
-                      <a:noFill/>
-                    </a:lnTlToBr>
-                    <a:lnBlToTr>
-                      <a:noFill/>
-                    </a:lnBlToTr>
-                    <a:noFill/>
-                  </a:tcPr>
-                </a:tc>
-                <a:tc>
-                  <a:txBody>
-                    <a:bodyPr/>
-                    <a:lstStyle/>
-                    <a:p>
-                      <a:pPr marL="0" marR="0" lvl="0" indent="0" algn="ctr" defTabSz="914400" rtl="0" eaLnBrk="1" fontAlgn="base" latinLnBrk="0" hangingPunct="1">
-                        <a:lnSpc>
-                          <a:spcPct val="100000"/>
-                        </a:lnSpc>
-                        <a:spcBef>
-                          <a:spcPct val="20000"/>
-                        </a:spcBef>
-                        <a:spcAft>
-                          <a:spcPct val="0"/>
-                        </a:spcAft>
-                        <a:buClr>
-                          <a:schemeClr val="tx1"/>
-                        </a:buClr>
-                        <a:buSzTx/>
-                        <a:buFontTx/>
-                        <a:buNone/>
-                        <a:tabLst/>
-                      </a:pPr>
-                      <a:r>
-                        <a:rPr kumimoji="0" lang="en-US" sz="1400" b="1" i="0" u="none" strike="noStrike" cap="none" normalizeH="0" baseline="0" dirty="0">
-                          <a:ln>
-                            <a:noFill/>
-                          </a:ln>
-                          <a:solidFill>
-                            <a:schemeClr val="accent3"/>
-                          </a:solidFill>
-                          <a:effectLst/>
-                          <a:latin typeface="+mn-lt"/>
-                        </a:rPr>
-                        <a:t>6</a:t>
-                      </a:r>
-                      <a:r>
-                        <a:rPr kumimoji="0" lang="en-US" sz="1400" b="1" i="0" u="none" strike="noStrike" cap="none" normalizeH="0" baseline="30000" dirty="0">
-                          <a:ln>
-                            <a:noFill/>
-                          </a:ln>
-                          <a:solidFill>
-                            <a:schemeClr val="accent3"/>
-                          </a:solidFill>
-                          <a:effectLst/>
-                          <a:latin typeface="+mn-lt"/>
-                        </a:rPr>
-                        <a:t>th</a:t>
-                      </a:r>
-                      <a:r>
-                        <a:rPr kumimoji="0" lang="en-US" sz="1400" b="1" i="0" u="none" strike="noStrike" cap="none" normalizeH="0" baseline="0" dirty="0">
-                          <a:ln>
-                            <a:noFill/>
-                          </a:ln>
-                          <a:solidFill>
-                            <a:schemeClr val="accent3"/>
-                          </a:solidFill>
-                          <a:effectLst/>
-                          <a:latin typeface="+mn-lt"/>
-                        </a:rPr>
-                        <a:t> Event</a:t>
-                      </a:r>
-                    </a:p>
-                  </a:txBody>
-                  <a:tcPr anchor="ctr" horzOverflow="overflow">
-                    <a:lnL w="6350" cap="flat" cmpd="sng" algn="ctr">
-                      <a:solidFill>
-                        <a:schemeClr val="tx2">
-                          <a:lumMod val="90000"/>
-                        </a:schemeClr>
-                      </a:solidFill>
-                      <a:prstDash val="solid"/>
-                      <a:round/>
-                      <a:headEnd type="none" w="med" len="med"/>
-                      <a:tailEnd type="none" w="med" len="med"/>
-                    </a:lnL>
-                    <a:lnR w="28575" cap="flat" cmpd="sng" algn="ctr">
-                      <a:noFill/>
-                      <a:prstDash val="solid"/>
-                      <a:round/>
-                      <a:headEnd type="none" w="med" len="med"/>
-                      <a:tailEnd type="none" w="med" len="med"/>
-                    </a:lnR>
-                    <a:lnT w="28575" cap="flat" cmpd="sng" algn="ctr">
-                      <a:noFill/>
-                      <a:prstDash val="solid"/>
-                      <a:round/>
-                      <a:headEnd type="none" w="med" len="med"/>
-                      <a:tailEnd type="none" w="med" len="med"/>
-                    </a:lnT>
-                    <a:lnB w="12700" cap="flat" cmpd="sng" algn="ctr">
-                      <a:noFill/>
-                      <a:prstDash val="solid"/>
-                      <a:round/>
-                      <a:headEnd type="none" w="med" len="med"/>
-                      <a:tailEnd type="none" w="med" len="med"/>
-                    </a:lnB>
-                    <a:lnTlToBr>
-                      <a:noFill/>
-                    </a:lnTlToBr>
-                    <a:lnBlToTr>
-                      <a:noFill/>
-                    </a:lnBlToTr>
-                    <a:noFill/>
-                  </a:tcPr>
-                </a:tc>
-                <a:extLst>
-                  <a:ext uri="{0D108BD9-81ED-4DB2-BD59-A6C34878D82A}">
-                    <a16:rowId xmlns:a16="http://schemas.microsoft.com/office/drawing/2014/main" val="10000"/>
-                  </a:ext>
-                </a:extLst>
-              </a:tr>
-              <a:tr h="548640">
-                <a:tc>
-                  <a:txBody>
-                    <a:bodyPr/>
-                    <a:lstStyle/>
-                    <a:p>
-                      <a:pPr marL="0" marR="0" lvl="0" indent="0" algn="ctr" defTabSz="914400" rtl="0" eaLnBrk="1" fontAlgn="base" latinLnBrk="0" hangingPunct="1">
-                        <a:lnSpc>
-                          <a:spcPct val="100000"/>
-                        </a:lnSpc>
-                        <a:spcBef>
-                          <a:spcPct val="20000"/>
-                        </a:spcBef>
-                        <a:spcAft>
-                          <a:spcPct val="0"/>
-                        </a:spcAft>
-                        <a:buClr>
-                          <a:schemeClr val="tx1"/>
-                        </a:buClr>
-                        <a:buSzTx/>
-                        <a:buFontTx/>
-                        <a:buNone/>
-                        <a:tabLst/>
-                      </a:pPr>
-                      <a:r>
-                        <a:rPr kumimoji="0" lang="en-US" sz="1400" b="0" i="0" u="none" strike="noStrike" cap="none" normalizeH="0" baseline="0" dirty="0">
-                          <a:ln>
-                            <a:noFill/>
-                          </a:ln>
-                          <a:solidFill>
-                            <a:schemeClr val="tx1"/>
-                          </a:solidFill>
-                          <a:effectLst/>
-                          <a:latin typeface="+mn-lt"/>
-                        </a:rPr>
-                        <a:t>Date</a:t>
-                      </a:r>
-                    </a:p>
-                  </a:txBody>
-                  <a:tcPr anchor="ctr" horzOverflow="overflow">
-                    <a:lnL w="28575" cap="flat" cmpd="sng" algn="ctr">
-                      <a:noFill/>
-                      <a:prstDash val="solid"/>
-                      <a:round/>
-                      <a:headEnd type="none" w="med" len="med"/>
-                      <a:tailEnd type="none" w="med" len="med"/>
-                    </a:lnL>
-                    <a:lnR w="6350" cap="flat" cmpd="sng" algn="ctr">
-                      <a:solidFill>
-                        <a:schemeClr val="tx2">
-                          <a:lumMod val="90000"/>
-                        </a:schemeClr>
-                      </a:solidFill>
-                      <a:prstDash val="solid"/>
-                      <a:round/>
-                      <a:headEnd type="none" w="med" len="med"/>
-                      <a:tailEnd type="none" w="med" len="med"/>
-                    </a:lnR>
-                    <a:lnT w="12700" cap="flat" cmpd="sng" algn="ctr">
-                      <a:noFill/>
-                      <a:prstDash val="solid"/>
-                      <a:round/>
-                      <a:headEnd type="none" w="med" len="med"/>
-                      <a:tailEnd type="none" w="med" len="med"/>
-                    </a:lnT>
-                    <a:lnB w="12700" cap="flat" cmpd="sng" algn="ctr">
-                      <a:noFill/>
-                      <a:prstDash val="solid"/>
-                      <a:round/>
-                      <a:headEnd type="none" w="med" len="med"/>
-                      <a:tailEnd type="none" w="med" len="med"/>
-                    </a:lnB>
-                    <a:lnTlToBr>
-                      <a:noFill/>
-                    </a:lnTlToBr>
-                    <a:lnBlToTr>
-                      <a:noFill/>
-                    </a:lnBlToTr>
-                    <a:noFill/>
-                  </a:tcPr>
-                </a:tc>
-                <a:tc>
-                  <a:txBody>
-                    <a:bodyPr/>
-                    <a:lstStyle/>
-                    <a:p>
-                      <a:pPr marL="0" marR="0" lvl="0" indent="0" algn="ctr" defTabSz="914400" rtl="0" eaLnBrk="1" fontAlgn="base" latinLnBrk="0" hangingPunct="1">
-                        <a:lnSpc>
-                          <a:spcPct val="100000"/>
-                        </a:lnSpc>
-                        <a:spcBef>
-                          <a:spcPct val="20000"/>
-                        </a:spcBef>
-                        <a:spcAft>
-                          <a:spcPct val="0"/>
-                        </a:spcAft>
-                        <a:buClr>
-                          <a:schemeClr val="tx1"/>
-                        </a:buClr>
-                        <a:buSzTx/>
-                        <a:buFontTx/>
-                        <a:buNone/>
-                        <a:tabLst/>
-                      </a:pPr>
-                      <a:r>
-                        <a:rPr kumimoji="0" lang="en-US" sz="1400" b="0" i="0" u="none" strike="noStrike" cap="none" normalizeH="0" baseline="0" dirty="0">
-                          <a:ln>
-                            <a:noFill/>
-                          </a:ln>
-                          <a:solidFill>
-                            <a:schemeClr val="tx1"/>
-                          </a:solidFill>
-                          <a:effectLst/>
-                          <a:latin typeface="+mn-lt"/>
-                        </a:rPr>
-                        <a:t>Date</a:t>
-                      </a:r>
-                    </a:p>
-                  </a:txBody>
-                  <a:tcPr anchor="ctr" horzOverflow="overflow">
-                    <a:lnL w="6350" cap="flat" cmpd="sng" algn="ctr">
-                      <a:solidFill>
-                        <a:schemeClr val="tx2">
-                          <a:lumMod val="90000"/>
-                        </a:schemeClr>
-                      </a:solidFill>
-                      <a:prstDash val="solid"/>
-                      <a:round/>
-                      <a:headEnd type="none" w="med" len="med"/>
-                      <a:tailEnd type="none" w="med" len="med"/>
-                    </a:lnL>
-                    <a:lnR w="6350" cap="flat" cmpd="sng" algn="ctr">
-                      <a:solidFill>
-                        <a:schemeClr val="tx2">
-                          <a:lumMod val="90000"/>
-                        </a:schemeClr>
-                      </a:solidFill>
-                      <a:prstDash val="solid"/>
-                      <a:round/>
-                      <a:headEnd type="none" w="med" len="med"/>
-                      <a:tailEnd type="none" w="med" len="med"/>
-                    </a:lnR>
-                    <a:lnT w="12700" cap="flat" cmpd="sng" algn="ctr">
-                      <a:noFill/>
-                      <a:prstDash val="solid"/>
-                      <a:round/>
-                      <a:headEnd type="none" w="med" len="med"/>
-                      <a:tailEnd type="none" w="med" len="med"/>
-                    </a:lnT>
-                    <a:lnB w="12700" cap="flat" cmpd="sng" algn="ctr">
-                      <a:noFill/>
-                      <a:prstDash val="solid"/>
-                      <a:round/>
-                      <a:headEnd type="none" w="med" len="med"/>
-                      <a:tailEnd type="none" w="med" len="med"/>
-                    </a:lnB>
-                    <a:lnTlToBr>
-                      <a:noFill/>
-                    </a:lnTlToBr>
-                    <a:lnBlToTr>
-                      <a:noFill/>
-                    </a:lnBlToTr>
-                    <a:noFill/>
-                  </a:tcPr>
-                </a:tc>
-                <a:tc>
-                  <a:txBody>
-                    <a:bodyPr/>
-                    <a:lstStyle/>
-                    <a:p>
-                      <a:pPr marL="0" marR="0" lvl="0" indent="0" algn="ctr" defTabSz="914400" rtl="0" eaLnBrk="1" fontAlgn="base" latinLnBrk="0" hangingPunct="1">
-                        <a:lnSpc>
-                          <a:spcPct val="100000"/>
-                        </a:lnSpc>
-                        <a:spcBef>
-                          <a:spcPct val="20000"/>
-                        </a:spcBef>
-                        <a:spcAft>
-                          <a:spcPct val="0"/>
-                        </a:spcAft>
-                        <a:buClr>
-                          <a:schemeClr val="tx1"/>
-                        </a:buClr>
-                        <a:buSzTx/>
-                        <a:buFontTx/>
-                        <a:buNone/>
-                        <a:tabLst/>
-                      </a:pPr>
-                      <a:r>
-                        <a:rPr kumimoji="0" lang="en-US" sz="1400" b="0" i="0" u="none" strike="noStrike" cap="none" normalizeH="0" baseline="0" dirty="0">
-                          <a:ln>
-                            <a:noFill/>
-                          </a:ln>
-                          <a:solidFill>
-                            <a:schemeClr val="tx1"/>
-                          </a:solidFill>
-                          <a:effectLst/>
-                          <a:latin typeface="+mn-lt"/>
-                        </a:rPr>
-                        <a:t>Date</a:t>
-                      </a:r>
-                    </a:p>
-                  </a:txBody>
-                  <a:tcPr anchor="ctr" horzOverflow="overflow">
-                    <a:lnL w="6350" cap="flat" cmpd="sng" algn="ctr">
-                      <a:solidFill>
-                        <a:schemeClr val="tx2">
-                          <a:lumMod val="90000"/>
-                        </a:schemeClr>
-                      </a:solidFill>
-                      <a:prstDash val="solid"/>
-                      <a:round/>
-                      <a:headEnd type="none" w="med" len="med"/>
-                      <a:tailEnd type="none" w="med" len="med"/>
-                    </a:lnL>
-                    <a:lnR w="6350" cap="flat" cmpd="sng" algn="ctr">
-                      <a:solidFill>
-                        <a:schemeClr val="tx2">
-                          <a:lumMod val="90000"/>
-                        </a:schemeClr>
-                      </a:solidFill>
-                      <a:prstDash val="solid"/>
-                      <a:round/>
-                      <a:headEnd type="none" w="med" len="med"/>
-                      <a:tailEnd type="none" w="med" len="med"/>
-                    </a:lnR>
-                    <a:lnT w="12700" cap="flat" cmpd="sng" algn="ctr">
-                      <a:noFill/>
-                      <a:prstDash val="solid"/>
-                      <a:round/>
-                      <a:headEnd type="none" w="med" len="med"/>
-                      <a:tailEnd type="none" w="med" len="med"/>
-                    </a:lnT>
-                    <a:lnB w="12700" cap="flat" cmpd="sng" algn="ctr">
-                      <a:noFill/>
-                      <a:prstDash val="solid"/>
-                      <a:round/>
-                      <a:headEnd type="none" w="med" len="med"/>
-                      <a:tailEnd type="none" w="med" len="med"/>
-                    </a:lnB>
-                    <a:lnTlToBr>
-                      <a:noFill/>
-                    </a:lnTlToBr>
-                    <a:lnBlToTr>
-                      <a:noFill/>
-                    </a:lnBlToTr>
-                    <a:noFill/>
-                  </a:tcPr>
-                </a:tc>
-                <a:tc>
-                  <a:txBody>
-                    <a:bodyPr/>
-                    <a:lstStyle/>
-                    <a:p>
-                      <a:pPr marL="0" marR="0" lvl="0" indent="0" algn="ctr" defTabSz="914400" rtl="0" eaLnBrk="1" fontAlgn="base" latinLnBrk="0" hangingPunct="1">
-                        <a:lnSpc>
-                          <a:spcPct val="100000"/>
-                        </a:lnSpc>
-                        <a:spcBef>
-                          <a:spcPct val="20000"/>
-                        </a:spcBef>
-                        <a:spcAft>
-                          <a:spcPct val="0"/>
-                        </a:spcAft>
-                        <a:buClr>
-                          <a:schemeClr val="tx1"/>
-                        </a:buClr>
-                        <a:buSzTx/>
-                        <a:buFontTx/>
-                        <a:buNone/>
-                        <a:tabLst/>
-                      </a:pPr>
-                      <a:r>
-                        <a:rPr kumimoji="0" lang="en-US" sz="1400" b="0" i="0" u="none" strike="noStrike" cap="none" normalizeH="0" baseline="0" dirty="0">
-                          <a:ln>
-                            <a:noFill/>
-                          </a:ln>
-                          <a:solidFill>
-                            <a:schemeClr val="tx1"/>
-                          </a:solidFill>
-                          <a:effectLst/>
-                          <a:latin typeface="+mn-lt"/>
-                        </a:rPr>
-                        <a:t>Date</a:t>
-                      </a:r>
-                    </a:p>
-                  </a:txBody>
-                  <a:tcPr anchor="ctr" horzOverflow="overflow">
-                    <a:lnL w="6350" cap="flat" cmpd="sng" algn="ctr">
-                      <a:solidFill>
-                        <a:schemeClr val="tx2">
-                          <a:lumMod val="90000"/>
-                        </a:schemeClr>
-                      </a:solidFill>
-                      <a:prstDash val="solid"/>
-                      <a:round/>
-                      <a:headEnd type="none" w="med" len="med"/>
-                      <a:tailEnd type="none" w="med" len="med"/>
-                    </a:lnL>
-                    <a:lnR w="6350" cap="flat" cmpd="sng" algn="ctr">
-                      <a:solidFill>
-                        <a:schemeClr val="tx2">
-                          <a:lumMod val="90000"/>
-                        </a:schemeClr>
-                      </a:solidFill>
-                      <a:prstDash val="solid"/>
-                      <a:round/>
-                      <a:headEnd type="none" w="med" len="med"/>
-                      <a:tailEnd type="none" w="med" len="med"/>
-                    </a:lnR>
-                    <a:lnT w="12700" cap="flat" cmpd="sng" algn="ctr">
-                      <a:noFill/>
-                      <a:prstDash val="solid"/>
-                      <a:round/>
-                      <a:headEnd type="none" w="med" len="med"/>
-                      <a:tailEnd type="none" w="med" len="med"/>
-                    </a:lnT>
-                    <a:lnB w="12700" cap="flat" cmpd="sng" algn="ctr">
-                      <a:noFill/>
-                      <a:prstDash val="solid"/>
-                      <a:round/>
-                      <a:headEnd type="none" w="med" len="med"/>
-                      <a:tailEnd type="none" w="med" len="med"/>
-                    </a:lnB>
-                    <a:lnTlToBr>
-                      <a:noFill/>
-                    </a:lnTlToBr>
-                    <a:lnBlToTr>
-                      <a:noFill/>
-                    </a:lnBlToTr>
-                    <a:noFill/>
-                  </a:tcPr>
-                </a:tc>
-                <a:tc>
-                  <a:txBody>
-                    <a:bodyPr/>
-                    <a:lstStyle/>
-                    <a:p>
-                      <a:pPr marL="0" marR="0" lvl="0" indent="0" algn="ctr" defTabSz="914400" rtl="0" eaLnBrk="1" fontAlgn="base" latinLnBrk="0" hangingPunct="1">
-                        <a:lnSpc>
-                          <a:spcPct val="100000"/>
-                        </a:lnSpc>
-                        <a:spcBef>
-                          <a:spcPct val="20000"/>
-                        </a:spcBef>
-                        <a:spcAft>
-                          <a:spcPct val="0"/>
-                        </a:spcAft>
-                        <a:buClr>
-                          <a:schemeClr val="tx1"/>
-                        </a:buClr>
-                        <a:buSzTx/>
-                        <a:buFontTx/>
-                        <a:buNone/>
-                        <a:tabLst/>
-                      </a:pPr>
-                      <a:r>
-                        <a:rPr kumimoji="0" lang="en-US" sz="1400" b="0" i="0" u="none" strike="noStrike" cap="none" normalizeH="0" baseline="0" dirty="0">
-                          <a:ln>
-                            <a:noFill/>
-                          </a:ln>
-                          <a:solidFill>
-                            <a:schemeClr val="tx1"/>
-                          </a:solidFill>
-                          <a:effectLst/>
-                          <a:latin typeface="+mn-lt"/>
-                        </a:rPr>
-                        <a:t>Date</a:t>
-                      </a:r>
-                    </a:p>
-                  </a:txBody>
-                  <a:tcPr anchor="ctr" horzOverflow="overflow">
-                    <a:lnL w="6350" cap="flat" cmpd="sng" algn="ctr">
-                      <a:solidFill>
-                        <a:schemeClr val="tx2">
-                          <a:lumMod val="90000"/>
-                        </a:schemeClr>
-                      </a:solidFill>
-                      <a:prstDash val="solid"/>
-                      <a:round/>
-                      <a:headEnd type="none" w="med" len="med"/>
-                      <a:tailEnd type="none" w="med" len="med"/>
-                    </a:lnL>
-                    <a:lnR w="6350" cap="flat" cmpd="sng" algn="ctr">
-                      <a:solidFill>
-                        <a:schemeClr val="tx2">
-                          <a:lumMod val="90000"/>
-                        </a:schemeClr>
-                      </a:solidFill>
-                      <a:prstDash val="solid"/>
-                      <a:round/>
-                      <a:headEnd type="none" w="med" len="med"/>
-                      <a:tailEnd type="none" w="med" len="med"/>
-                    </a:lnR>
-                    <a:lnT w="12700" cap="flat" cmpd="sng" algn="ctr">
-                      <a:noFill/>
-                      <a:prstDash val="solid"/>
-                      <a:round/>
-                      <a:headEnd type="none" w="med" len="med"/>
-                      <a:tailEnd type="none" w="med" len="med"/>
-                    </a:lnT>
-                    <a:lnB w="12700" cap="flat" cmpd="sng" algn="ctr">
-                      <a:noFill/>
-                      <a:prstDash val="solid"/>
-                      <a:round/>
-                      <a:headEnd type="none" w="med" len="med"/>
-                      <a:tailEnd type="none" w="med" len="med"/>
-                    </a:lnB>
-                    <a:lnTlToBr>
-                      <a:noFill/>
-                    </a:lnTlToBr>
-                    <a:lnBlToTr>
-                      <a:noFill/>
-                    </a:lnBlToTr>
-                    <a:noFill/>
-                  </a:tcPr>
-                </a:tc>
-                <a:tc>
-                  <a:txBody>
-                    <a:bodyPr/>
-                    <a:lstStyle/>
-                    <a:p>
-                      <a:pPr marL="0" marR="0" lvl="0" indent="0" algn="ctr" defTabSz="914400" rtl="0" eaLnBrk="1" fontAlgn="base" latinLnBrk="0" hangingPunct="1">
-                        <a:lnSpc>
-                          <a:spcPct val="100000"/>
-                        </a:lnSpc>
-                        <a:spcBef>
-                          <a:spcPct val="20000"/>
-                        </a:spcBef>
-                        <a:spcAft>
-                          <a:spcPct val="0"/>
-                        </a:spcAft>
-                        <a:buClr>
-                          <a:schemeClr val="tx1"/>
-                        </a:buClr>
-                        <a:buSzTx/>
-                        <a:buFontTx/>
-                        <a:buNone/>
-                        <a:tabLst/>
-                      </a:pPr>
-                      <a:r>
-                        <a:rPr kumimoji="0" lang="en-US" sz="1400" b="0" i="0" u="none" strike="noStrike" cap="none" normalizeH="0" baseline="0" dirty="0">
-                          <a:ln>
-                            <a:noFill/>
-                          </a:ln>
-                          <a:solidFill>
-                            <a:schemeClr val="tx1"/>
-                          </a:solidFill>
-                          <a:effectLst/>
-                          <a:latin typeface="+mn-lt"/>
-                        </a:rPr>
-                        <a:t>Date</a:t>
-                      </a:r>
-                    </a:p>
-                  </a:txBody>
-                  <a:tcPr anchor="ctr" horzOverflow="overflow">
-                    <a:lnL w="6350" cap="flat" cmpd="sng" algn="ctr">
-                      <a:solidFill>
-                        <a:schemeClr val="tx2">
-                          <a:lumMod val="90000"/>
-                        </a:schemeClr>
-                      </a:solidFill>
-                      <a:prstDash val="solid"/>
-                      <a:round/>
-                      <a:headEnd type="none" w="med" len="med"/>
-                      <a:tailEnd type="none" w="med" len="med"/>
-                    </a:lnL>
-                    <a:lnR w="28575" cap="flat" cmpd="sng" algn="ctr">
-                      <a:noFill/>
-                      <a:prstDash val="solid"/>
-                      <a:round/>
-                      <a:headEnd type="none" w="med" len="med"/>
-                      <a:tailEnd type="none" w="med" len="med"/>
-                    </a:lnR>
-                    <a:lnT w="12700" cap="flat" cmpd="sng" algn="ctr">
-                      <a:noFill/>
-                      <a:prstDash val="solid"/>
-                      <a:round/>
-                      <a:headEnd type="none" w="med" len="med"/>
-                      <a:tailEnd type="none" w="med" len="med"/>
-                    </a:lnT>
-                    <a:lnB w="12700" cap="flat" cmpd="sng" algn="ctr">
-                      <a:noFill/>
-                      <a:prstDash val="solid"/>
-                      <a:round/>
-                      <a:headEnd type="none" w="med" len="med"/>
-                      <a:tailEnd type="none" w="med" len="med"/>
-                    </a:lnB>
-                    <a:lnTlToBr>
-                      <a:noFill/>
-                    </a:lnTlToBr>
-                    <a:lnBlToTr>
-                      <a:noFill/>
-                    </a:lnBlToTr>
-                    <a:noFill/>
-                  </a:tcPr>
-                </a:tc>
-                <a:extLst>
-                  <a:ext uri="{0D108BD9-81ED-4DB2-BD59-A6C34878D82A}">
-                    <a16:rowId xmlns:a16="http://schemas.microsoft.com/office/drawing/2014/main" val="10001"/>
-                  </a:ext>
-                </a:extLst>
-              </a:tr>
-              <a:tr h="1737360">
-                <a:tc>
-                  <a:txBody>
-                    <a:bodyPr/>
-                    <a:lstStyle/>
-                    <a:p>
-                      <a:pPr marL="0" marR="0" lvl="0" indent="0" algn="ctr" defTabSz="914400" rtl="0" eaLnBrk="1" fontAlgn="base" latinLnBrk="0" hangingPunct="1">
-                        <a:lnSpc>
-                          <a:spcPct val="100000"/>
-                        </a:lnSpc>
-                        <a:spcBef>
-                          <a:spcPct val="20000"/>
-                        </a:spcBef>
-                        <a:spcAft>
-                          <a:spcPct val="0"/>
-                        </a:spcAft>
-                        <a:buClr>
-                          <a:schemeClr val="tx1"/>
-                        </a:buClr>
-                        <a:buSzTx/>
-                        <a:buFontTx/>
-                        <a:buNone/>
-                        <a:tabLst/>
-                      </a:pPr>
-                      <a:r>
-                        <a:rPr kumimoji="0" lang="en-US" sz="1400" b="0" i="0" u="none" strike="noStrike" cap="none" normalizeH="0" baseline="0" dirty="0">
-                          <a:ln>
-                            <a:noFill/>
-                          </a:ln>
-                          <a:solidFill>
-                            <a:schemeClr val="tx1"/>
-                          </a:solidFill>
-                          <a:effectLst/>
-                          <a:latin typeface="+mn-lt"/>
-                        </a:rPr>
-                        <a:t>Description</a:t>
-                      </a:r>
-                    </a:p>
-                  </a:txBody>
-                  <a:tcPr marT="182880" horzOverflow="overflow">
-                    <a:lnL w="28575" cap="flat" cmpd="sng" algn="ctr">
-                      <a:noFill/>
-                      <a:prstDash val="solid"/>
-                      <a:round/>
-                      <a:headEnd type="none" w="med" len="med"/>
-                      <a:tailEnd type="none" w="med" len="med"/>
-                    </a:lnL>
-                    <a:lnR w="6350" cap="flat" cmpd="sng" algn="ctr">
-                      <a:solidFill>
-                        <a:schemeClr val="tx2">
-                          <a:lumMod val="90000"/>
-                        </a:schemeClr>
-                      </a:solidFill>
-                      <a:prstDash val="solid"/>
-                      <a:round/>
-                      <a:headEnd type="none" w="med" len="med"/>
-                      <a:tailEnd type="none" w="med" len="med"/>
-                    </a:lnR>
-                    <a:lnT w="12700" cap="flat" cmpd="sng" algn="ctr">
-                      <a:noFill/>
-                      <a:prstDash val="solid"/>
-                      <a:round/>
-                      <a:headEnd type="none" w="med" len="med"/>
-                      <a:tailEnd type="none" w="med" len="med"/>
-                    </a:lnT>
-                    <a:lnB w="28575" cap="flat" cmpd="sng" algn="ctr">
-                      <a:noFill/>
-                      <a:prstDash val="solid"/>
-                      <a:round/>
-                      <a:headEnd type="none" w="med" len="med"/>
-                      <a:tailEnd type="none" w="med" len="med"/>
-                    </a:lnB>
-                    <a:lnTlToBr>
-                      <a:noFill/>
-                    </a:lnTlToBr>
-                    <a:lnBlToTr>
-                      <a:noFill/>
-                    </a:lnBlToTr>
-                    <a:noFill/>
-                  </a:tcPr>
-                </a:tc>
-                <a:tc>
-                  <a:txBody>
-                    <a:bodyPr/>
-                    <a:lstStyle/>
-                    <a:p>
-                      <a:pPr marL="0" marR="0" lvl="0" indent="0" algn="ctr" defTabSz="914400" rtl="0" eaLnBrk="1" fontAlgn="base" latinLnBrk="0" hangingPunct="1">
-                        <a:lnSpc>
-                          <a:spcPct val="100000"/>
-                        </a:lnSpc>
-                        <a:spcBef>
-                          <a:spcPct val="20000"/>
-                        </a:spcBef>
-                        <a:spcAft>
-                          <a:spcPct val="0"/>
-                        </a:spcAft>
-                        <a:buClr>
-                          <a:schemeClr val="tx1"/>
-                        </a:buClr>
-                        <a:buSzTx/>
-                        <a:buFontTx/>
-                        <a:buNone/>
-                        <a:tabLst/>
-                      </a:pPr>
-                      <a:r>
-                        <a:rPr kumimoji="0" lang="en-US" sz="1400" b="0" i="0" u="none" strike="noStrike" cap="none" normalizeH="0" baseline="0" dirty="0">
-                          <a:ln>
-                            <a:noFill/>
-                          </a:ln>
-                          <a:solidFill>
-                            <a:schemeClr val="tx1"/>
-                          </a:solidFill>
-                          <a:effectLst/>
-                          <a:latin typeface="+mn-lt"/>
-                        </a:rPr>
-                        <a:t>Description</a:t>
-                      </a:r>
-                    </a:p>
-                  </a:txBody>
-                  <a:tcPr marT="182880" horzOverflow="overflow">
-                    <a:lnL w="6350" cap="flat" cmpd="sng" algn="ctr">
-                      <a:solidFill>
-                        <a:schemeClr val="tx2">
-                          <a:lumMod val="90000"/>
-                        </a:schemeClr>
-                      </a:solidFill>
-                      <a:prstDash val="solid"/>
-                      <a:round/>
-                      <a:headEnd type="none" w="med" len="med"/>
-                      <a:tailEnd type="none" w="med" len="med"/>
-                    </a:lnL>
-                    <a:lnR w="6350" cap="flat" cmpd="sng" algn="ctr">
-                      <a:solidFill>
-                        <a:schemeClr val="tx2">
-                          <a:lumMod val="90000"/>
-                        </a:schemeClr>
-                      </a:solidFill>
-                      <a:prstDash val="solid"/>
-                      <a:round/>
-                      <a:headEnd type="none" w="med" len="med"/>
-                      <a:tailEnd type="none" w="med" len="med"/>
-                    </a:lnR>
-                    <a:lnT w="12700" cap="flat" cmpd="sng" algn="ctr">
-                      <a:noFill/>
-                      <a:prstDash val="solid"/>
-                      <a:round/>
-                      <a:headEnd type="none" w="med" len="med"/>
-                      <a:tailEnd type="none" w="med" len="med"/>
-                    </a:lnT>
-                    <a:lnB w="28575" cap="flat" cmpd="sng" algn="ctr">
-                      <a:noFill/>
-                      <a:prstDash val="solid"/>
-                      <a:round/>
-                      <a:headEnd type="none" w="med" len="med"/>
-                      <a:tailEnd type="none" w="med" len="med"/>
-                    </a:lnB>
-                    <a:lnTlToBr>
-                      <a:noFill/>
-                    </a:lnTlToBr>
-                    <a:lnBlToTr>
-                      <a:noFill/>
-                    </a:lnBlToTr>
-                    <a:noFill/>
-                  </a:tcPr>
-                </a:tc>
-                <a:tc>
-                  <a:txBody>
-                    <a:bodyPr/>
-                    <a:lstStyle/>
-                    <a:p>
-                      <a:pPr marL="0" marR="0" lvl="0" indent="0" algn="ctr" defTabSz="914400" rtl="0" eaLnBrk="1" fontAlgn="base" latinLnBrk="0" hangingPunct="1">
-                        <a:lnSpc>
-                          <a:spcPct val="100000"/>
-                        </a:lnSpc>
-                        <a:spcBef>
-                          <a:spcPct val="20000"/>
-                        </a:spcBef>
-                        <a:spcAft>
-                          <a:spcPct val="0"/>
-                        </a:spcAft>
-                        <a:buClr>
-                          <a:schemeClr val="tx1"/>
-                        </a:buClr>
-                        <a:buSzTx/>
-                        <a:buFontTx/>
-                        <a:buNone/>
-                        <a:tabLst/>
-                      </a:pPr>
-                      <a:r>
-                        <a:rPr kumimoji="0" lang="en-US" sz="1400" b="0" i="0" u="none" strike="noStrike" cap="none" normalizeH="0" baseline="0" dirty="0">
-                          <a:ln>
-                            <a:noFill/>
-                          </a:ln>
-                          <a:solidFill>
-                            <a:schemeClr val="tx1"/>
-                          </a:solidFill>
-                          <a:effectLst/>
-                          <a:latin typeface="+mn-lt"/>
-                        </a:rPr>
-                        <a:t>Description</a:t>
-                      </a:r>
-                    </a:p>
-                  </a:txBody>
-                  <a:tcPr marT="182880" horzOverflow="overflow">
-                    <a:lnL w="6350" cap="flat" cmpd="sng" algn="ctr">
-                      <a:solidFill>
-                        <a:schemeClr val="tx2">
-                          <a:lumMod val="90000"/>
-                        </a:schemeClr>
-                      </a:solidFill>
-                      <a:prstDash val="solid"/>
-                      <a:round/>
-                      <a:headEnd type="none" w="med" len="med"/>
-                      <a:tailEnd type="none" w="med" len="med"/>
-                    </a:lnL>
-                    <a:lnR w="6350" cap="flat" cmpd="sng" algn="ctr">
-                      <a:solidFill>
-                        <a:schemeClr val="tx2">
-                          <a:lumMod val="90000"/>
-                        </a:schemeClr>
-                      </a:solidFill>
-                      <a:prstDash val="solid"/>
-                      <a:round/>
-                      <a:headEnd type="none" w="med" len="med"/>
-                      <a:tailEnd type="none" w="med" len="med"/>
-                    </a:lnR>
-                    <a:lnT w="12700" cap="flat" cmpd="sng" algn="ctr">
-                      <a:noFill/>
-                      <a:prstDash val="solid"/>
-                      <a:round/>
-                      <a:headEnd type="none" w="med" len="med"/>
-                      <a:tailEnd type="none" w="med" len="med"/>
-                    </a:lnT>
-                    <a:lnB w="28575" cap="flat" cmpd="sng" algn="ctr">
-                      <a:noFill/>
-                      <a:prstDash val="solid"/>
-                      <a:round/>
-                      <a:headEnd type="none" w="med" len="med"/>
-                      <a:tailEnd type="none" w="med" len="med"/>
-                    </a:lnB>
-                    <a:lnTlToBr>
-                      <a:noFill/>
-                    </a:lnTlToBr>
-                    <a:lnBlToTr>
-                      <a:noFill/>
-                    </a:lnBlToTr>
-                    <a:noFill/>
-                  </a:tcPr>
-                </a:tc>
-                <a:tc>
-                  <a:txBody>
-                    <a:bodyPr/>
-                    <a:lstStyle/>
-                    <a:p>
-                      <a:pPr marL="0" marR="0" lvl="0" indent="0" algn="ctr" defTabSz="914400" rtl="0" eaLnBrk="1" fontAlgn="base" latinLnBrk="0" hangingPunct="1">
-                        <a:lnSpc>
-                          <a:spcPct val="100000"/>
-                        </a:lnSpc>
-                        <a:spcBef>
-                          <a:spcPct val="20000"/>
-                        </a:spcBef>
-                        <a:spcAft>
-                          <a:spcPct val="0"/>
-                        </a:spcAft>
-                        <a:buClr>
-                          <a:schemeClr val="tx1"/>
-                        </a:buClr>
-                        <a:buSzTx/>
-                        <a:buFontTx/>
-                        <a:buNone/>
-                        <a:tabLst/>
-                      </a:pPr>
-                      <a:r>
-                        <a:rPr kumimoji="0" lang="en-US" sz="1400" b="0" i="0" u="none" strike="noStrike" cap="none" normalizeH="0" baseline="0" dirty="0">
-                          <a:ln>
-                            <a:noFill/>
-                          </a:ln>
-                          <a:solidFill>
-                            <a:schemeClr val="tx1"/>
-                          </a:solidFill>
-                          <a:effectLst/>
-                          <a:latin typeface="+mn-lt"/>
-                        </a:rPr>
-                        <a:t>Description</a:t>
-                      </a:r>
-                    </a:p>
-                  </a:txBody>
-                  <a:tcPr marT="182880" horzOverflow="overflow">
-                    <a:lnL w="6350" cap="flat" cmpd="sng" algn="ctr">
-                      <a:solidFill>
-                        <a:schemeClr val="tx2">
-                          <a:lumMod val="90000"/>
-                        </a:schemeClr>
-                      </a:solidFill>
-                      <a:prstDash val="solid"/>
-                      <a:round/>
-                      <a:headEnd type="none" w="med" len="med"/>
-                      <a:tailEnd type="none" w="med" len="med"/>
-                    </a:lnL>
-                    <a:lnR w="6350" cap="flat" cmpd="sng" algn="ctr">
-                      <a:solidFill>
-                        <a:schemeClr val="tx2">
-                          <a:lumMod val="90000"/>
-                        </a:schemeClr>
-                      </a:solidFill>
-                      <a:prstDash val="solid"/>
-                      <a:round/>
-                      <a:headEnd type="none" w="med" len="med"/>
-                      <a:tailEnd type="none" w="med" len="med"/>
-                    </a:lnR>
-                    <a:lnT w="12700" cap="flat" cmpd="sng" algn="ctr">
-                      <a:noFill/>
-                      <a:prstDash val="solid"/>
-                      <a:round/>
-                      <a:headEnd type="none" w="med" len="med"/>
-                      <a:tailEnd type="none" w="med" len="med"/>
-                    </a:lnT>
-                    <a:lnB w="28575" cap="flat" cmpd="sng" algn="ctr">
-                      <a:noFill/>
-                      <a:prstDash val="solid"/>
-                      <a:round/>
-                      <a:headEnd type="none" w="med" len="med"/>
-                      <a:tailEnd type="none" w="med" len="med"/>
-                    </a:lnB>
-                    <a:lnTlToBr>
-                      <a:noFill/>
-                    </a:lnTlToBr>
-                    <a:lnBlToTr>
-                      <a:noFill/>
-                    </a:lnBlToTr>
-                    <a:noFill/>
-                  </a:tcPr>
-                </a:tc>
-                <a:tc>
-                  <a:txBody>
-                    <a:bodyPr/>
-                    <a:lstStyle/>
-                    <a:p>
-                      <a:pPr marL="0" marR="0" lvl="0" indent="0" algn="ctr" defTabSz="914400" rtl="0" eaLnBrk="1" fontAlgn="base" latinLnBrk="0" hangingPunct="1">
-                        <a:lnSpc>
-                          <a:spcPct val="100000"/>
-                        </a:lnSpc>
-                        <a:spcBef>
-                          <a:spcPct val="20000"/>
-                        </a:spcBef>
-                        <a:spcAft>
-                          <a:spcPct val="0"/>
-                        </a:spcAft>
-                        <a:buClr>
-                          <a:schemeClr val="tx1"/>
-                        </a:buClr>
-                        <a:buSzTx/>
-                        <a:buFontTx/>
-                        <a:buNone/>
-                        <a:tabLst/>
-                      </a:pPr>
-                      <a:r>
-                        <a:rPr kumimoji="0" lang="en-US" sz="1400" b="0" i="0" u="none" strike="noStrike" cap="none" normalizeH="0" baseline="0" dirty="0">
-                          <a:ln>
-                            <a:noFill/>
-                          </a:ln>
-                          <a:solidFill>
-                            <a:schemeClr val="tx1"/>
-                          </a:solidFill>
-                          <a:effectLst/>
-                          <a:latin typeface="+mn-lt"/>
-                        </a:rPr>
-                        <a:t>Description</a:t>
-                      </a:r>
-                    </a:p>
-                  </a:txBody>
-                  <a:tcPr marT="182880" horzOverflow="overflow">
-                    <a:lnL w="6350" cap="flat" cmpd="sng" algn="ctr">
-                      <a:solidFill>
-                        <a:schemeClr val="tx2">
-                          <a:lumMod val="90000"/>
-                        </a:schemeClr>
-                      </a:solidFill>
-                      <a:prstDash val="solid"/>
-                      <a:round/>
-                      <a:headEnd type="none" w="med" len="med"/>
-                      <a:tailEnd type="none" w="med" len="med"/>
-                    </a:lnL>
-                    <a:lnR w="6350" cap="flat" cmpd="sng" algn="ctr">
-                      <a:solidFill>
-                        <a:schemeClr val="tx2">
-                          <a:lumMod val="90000"/>
-                        </a:schemeClr>
-                      </a:solidFill>
-                      <a:prstDash val="solid"/>
-                      <a:round/>
-                      <a:headEnd type="none" w="med" len="med"/>
-                      <a:tailEnd type="none" w="med" len="med"/>
-                    </a:lnR>
-                    <a:lnT w="12700" cap="flat" cmpd="sng" algn="ctr">
-                      <a:noFill/>
-                      <a:prstDash val="solid"/>
-                      <a:round/>
-                      <a:headEnd type="none" w="med" len="med"/>
-                      <a:tailEnd type="none" w="med" len="med"/>
-                    </a:lnT>
-                    <a:lnB w="28575" cap="flat" cmpd="sng" algn="ctr">
-                      <a:noFill/>
-                      <a:prstDash val="solid"/>
-                      <a:round/>
-                      <a:headEnd type="none" w="med" len="med"/>
-                      <a:tailEnd type="none" w="med" len="med"/>
-                    </a:lnB>
-                    <a:lnTlToBr>
-                      <a:noFill/>
-                    </a:lnTlToBr>
-                    <a:lnBlToTr>
-                      <a:noFill/>
-                    </a:lnBlToTr>
-                    <a:noFill/>
-                  </a:tcPr>
-                </a:tc>
-                <a:tc>
-                  <a:txBody>
-                    <a:bodyPr/>
-                    <a:lstStyle/>
-                    <a:p>
-                      <a:pPr marL="0" marR="0" lvl="0" indent="0" algn="ctr" defTabSz="914400" rtl="0" eaLnBrk="1" fontAlgn="base" latinLnBrk="0" hangingPunct="1">
-                        <a:lnSpc>
-                          <a:spcPct val="100000"/>
-                        </a:lnSpc>
-                        <a:spcBef>
-                          <a:spcPct val="20000"/>
-                        </a:spcBef>
-                        <a:spcAft>
-                          <a:spcPct val="0"/>
-                        </a:spcAft>
-                        <a:buClr>
-                          <a:schemeClr val="tx1"/>
-                        </a:buClr>
-                        <a:buSzTx/>
-                        <a:buFontTx/>
-                        <a:buNone/>
-                        <a:tabLst/>
-                      </a:pPr>
-                      <a:r>
-                        <a:rPr kumimoji="0" lang="en-US" sz="1400" b="0" i="0" u="none" strike="noStrike" cap="none" normalizeH="0" baseline="0" dirty="0">
-                          <a:ln>
-                            <a:noFill/>
-                          </a:ln>
-                          <a:solidFill>
-                            <a:schemeClr val="tx1"/>
-                          </a:solidFill>
-                          <a:effectLst/>
-                          <a:latin typeface="+mn-lt"/>
-                        </a:rPr>
-                        <a:t>Description</a:t>
-                      </a:r>
-                    </a:p>
-                  </a:txBody>
-                  <a:tcPr marT="182880" horzOverflow="overflow">
-                    <a:lnL w="6350" cap="flat" cmpd="sng" algn="ctr">
-                      <a:solidFill>
-                        <a:schemeClr val="tx2">
-                          <a:lumMod val="90000"/>
-                        </a:schemeClr>
-                      </a:solidFill>
-                      <a:prstDash val="solid"/>
-                      <a:round/>
-                      <a:headEnd type="none" w="med" len="med"/>
-                      <a:tailEnd type="none" w="med" len="med"/>
-                    </a:lnL>
-                    <a:lnR w="28575" cap="flat" cmpd="sng" algn="ctr">
-                      <a:noFill/>
-                      <a:prstDash val="solid"/>
-                      <a:round/>
-                      <a:headEnd type="none" w="med" len="med"/>
-                      <a:tailEnd type="none" w="med" len="med"/>
-                    </a:lnR>
-                    <a:lnT w="12700" cap="flat" cmpd="sng" algn="ctr">
-                      <a:noFill/>
-                      <a:prstDash val="solid"/>
-                      <a:round/>
-                      <a:headEnd type="none" w="med" len="med"/>
-                      <a:tailEnd type="none" w="med" len="med"/>
-                    </a:lnT>
-                    <a:lnB w="28575" cap="flat" cmpd="sng" algn="ctr">
-                      <a:noFill/>
-                      <a:prstDash val="solid"/>
-                      <a:round/>
-                      <a:headEnd type="none" w="med" len="med"/>
-                      <a:tailEnd type="none" w="med" len="med"/>
-                    </a:lnB>
-                    <a:lnTlToBr>
-                      <a:noFill/>
-                    </a:lnTlToBr>
-                    <a:lnBlToTr>
-                      <a:noFill/>
-                    </a:lnBlToTr>
-                    <a:noFill/>
-                  </a:tcPr>
-                </a:tc>
-                <a:extLst>
-                  <a:ext uri="{0D108BD9-81ED-4DB2-BD59-A6C34878D82A}">
-                    <a16:rowId xmlns:a16="http://schemas.microsoft.com/office/drawing/2014/main" val="10002"/>
-                  </a:ext>
-                </a:extLst>
-              </a:tr>
-            </a:tbl>
-          </a:graphicData>
-        </a:graphic>
-      </p:graphicFrame>
-    </p:spTree>
-    <p:extLst>
-      <p:ext uri="{BB962C8B-B14F-4D97-AF65-F5344CB8AC3E}">
-        <p14:creationId xmlns:p14="http://schemas.microsoft.com/office/powerpoint/2010/main" val="4169789031"/>
-      </p:ext>
-    </p:extLst>
-  </p:cSld>
-  <p:clrMapOvr>
-    <a:masterClrMapping/>
-  </p:clrMapOvr>
-  <mc:AlternateContent xmlns:mc="http://schemas.openxmlformats.org/markup-compatibility/2006" xmlns:p14="http://schemas.microsoft.com/office/powerpoint/2010/main">
-    <mc:Choice Requires="p14">
-      <p:transition spd="med" p14:dur="700">
-        <p:fade/>
-      </p:transition>
-    </mc:Choice>
-    <mc:Fallback xmlns="">
-      <p:transition spd="med">
-        <p:fade/>
-      </p:transition>
-    </mc:Fallback>
-  </mc:AlternateContent>
-</p:sld>
-</file>
-
-<file path=ppt/slides/slide45.xml><?xml version="1.0" encoding="utf-8"?>
-<p:sld xmlns:a="http://schemas.openxmlformats.org/drawingml/2006/main" xmlns:r="http://schemas.openxmlformats.org/officeDocument/2006/relationships" xmlns:p="http://schemas.openxmlformats.org/presentationml/2006/main">
-  <p:cSld>
-    <p:spTree>
-      <p:nvGrpSpPr>
-        <p:cNvPr id="1" name=""/>
-        <p:cNvGrpSpPr/>
-        <p:nvPr/>
-      </p:nvGrpSpPr>
-      <p:grpSpPr>
-        <a:xfrm>
-          <a:off x="0" y="0"/>
-          <a:ext cx="0" cy="0"/>
-          <a:chOff x="0" y="0"/>
-          <a:chExt cx="0" cy="0"/>
-        </a:xfrm>
-      </p:grpSpPr>
-      <p:sp>
-        <p:nvSpPr>
-          <p:cNvPr id="5" name="Title 4">
-            <a:extLst>
-              <a:ext uri="{FF2B5EF4-FFF2-40B4-BE49-F238E27FC236}">
-                <a16:creationId xmlns:a16="http://schemas.microsoft.com/office/drawing/2014/main" id="{1D4BA618-BF38-4C66-A054-AA45BAEA1C44}"/>
-              </a:ext>
-            </a:extLst>
-          </p:cNvPr>
-          <p:cNvSpPr>
-            <a:spLocks noGrp="1"/>
-          </p:cNvSpPr>
-          <p:nvPr>
-            <p:ph type="title"/>
-          </p:nvPr>
-        </p:nvSpPr>
-        <p:spPr/>
-        <p:txBody>
-          <a:bodyPr/>
-          <a:lstStyle/>
-          <a:p>
-            <a:r>
-              <a:rPr lang="en-US" dirty="0"/>
-              <a:t>Interesting facts</a:t>
-            </a:r>
-            <a:br>
-              <a:rPr lang="en-US" dirty="0"/>
-            </a:br>
-            <a:endParaRPr lang="en-US" dirty="0"/>
-          </a:p>
-        </p:txBody>
-      </p:sp>
-      <p:sp>
-        <p:nvSpPr>
-          <p:cNvPr id="3" name="Text Placeholder 2">
-            <a:extLst>
-              <a:ext uri="{FF2B5EF4-FFF2-40B4-BE49-F238E27FC236}">
-                <a16:creationId xmlns:a16="http://schemas.microsoft.com/office/drawing/2014/main" id="{EF99585A-5E1F-40FA-8E64-BB4F04611657}"/>
-              </a:ext>
-            </a:extLst>
-          </p:cNvPr>
-          <p:cNvSpPr>
-            <a:spLocks noGrp="1"/>
-          </p:cNvSpPr>
-          <p:nvPr>
-            <p:ph type="body" sz="quarter" idx="11"/>
-          </p:nvPr>
-        </p:nvSpPr>
-        <p:spPr>
-          <a:xfrm>
-            <a:off x="4533900" y="1905000"/>
-            <a:ext cx="6955734" cy="3276600"/>
-          </a:xfrm>
-        </p:spPr>
-        <p:txBody>
-          <a:bodyPr vert="horz" lIns="91440" tIns="45720" rIns="91440" bIns="45720" rtlCol="0" anchor="t">
-            <a:normAutofit/>
-          </a:bodyPr>
-          <a:lstStyle/>
-          <a:p>
-            <a:r>
-              <a:rPr lang="en-US" dirty="0"/>
-              <a:t>List some interesting facts about Black History Month. Here are a few examples:</a:t>
-            </a:r>
-          </a:p>
-          <a:p>
-            <a:pPr lvl="1"/>
-            <a:r>
-              <a:rPr lang="en-US" dirty="0"/>
-              <a:t>In 1926, Carter G. Woodson launched a weeklong celebration of black history in the United States. </a:t>
-            </a:r>
-          </a:p>
-          <a:p>
-            <a:pPr lvl="1"/>
-            <a:r>
-              <a:rPr lang="en-US" dirty="0"/>
-              <a:t>In 1976, President Gerald Ford officially recognizes Black History Month.</a:t>
-            </a:r>
-          </a:p>
-          <a:p>
-            <a:pPr lvl="1"/>
-            <a:r>
-              <a:rPr lang="en-US" dirty="0"/>
-              <a:t>Black History Month is also celebrated by Canada, Ireland, The Netherlands, and the United Kingdom. </a:t>
-            </a:r>
-          </a:p>
-        </p:txBody>
-      </p:sp>
-      <p:sp>
-        <p:nvSpPr>
-          <p:cNvPr id="2" name="Slide Number Placeholder 1">
-            <a:extLst>
-              <a:ext uri="{FF2B5EF4-FFF2-40B4-BE49-F238E27FC236}">
-                <a16:creationId xmlns:a16="http://schemas.microsoft.com/office/drawing/2014/main" id="{98357CFB-1920-43C8-A03D-6856CF97509A}"/>
-              </a:ext>
-            </a:extLst>
-          </p:cNvPr>
-          <p:cNvSpPr>
-            <a:spLocks noGrp="1"/>
-          </p:cNvSpPr>
-          <p:nvPr>
-            <p:ph type="sldNum" sz="quarter" idx="4"/>
-          </p:nvPr>
-        </p:nvSpPr>
-        <p:spPr/>
-        <p:txBody>
-          <a:bodyPr/>
-          <a:lstStyle/>
-          <a:p>
-            <a:fld id="{8402A1B0-4691-41D9-84E0-69D594EAA3FE}" type="slidenum">
-              <a:rPr lang="en-US" altLang="en-US" smtClean="0"/>
-              <a:pPr/>
-              <a:t>45</a:t>
-            </a:fld>
-            <a:endParaRPr lang="en-US" altLang="en-US" dirty="0"/>
-          </a:p>
-        </p:txBody>
-      </p:sp>
-    </p:spTree>
-    <p:extLst>
-      <p:ext uri="{BB962C8B-B14F-4D97-AF65-F5344CB8AC3E}">
-        <p14:creationId xmlns:p14="http://schemas.microsoft.com/office/powerpoint/2010/main" val="1840677120"/>
-      </p:ext>
-    </p:extLst>
-  </p:cSld>
-  <p:clrMapOvr>
-    <a:masterClrMapping/>
-  </p:clrMapOvr>
-  <mc:AlternateContent xmlns:mc="http://schemas.openxmlformats.org/markup-compatibility/2006" xmlns:p14="http://schemas.microsoft.com/office/powerpoint/2010/main">
-    <mc:Choice Requires="p14">
-      <p:transition spd="med" p14:dur="700">
-        <p:fade/>
-      </p:transition>
-    </mc:Choice>
-    <mc:Fallback xmlns="">
-      <p:transition spd="med">
-        <p:fade/>
-      </p:transition>
-    </mc:Fallback>
-  </mc:AlternateContent>
-</p:sld>
-</file>
-
-<file path=ppt/slides/slide46.xml><?xml version="1.0" encoding="utf-8"?>
-<p:sld xmlns:a="http://schemas.openxmlformats.org/drawingml/2006/main" xmlns:r="http://schemas.openxmlformats.org/officeDocument/2006/relationships" xmlns:p="http://schemas.openxmlformats.org/presentationml/2006/main">
-  <p:cSld>
-    <p:spTree>
-      <p:nvGrpSpPr>
-        <p:cNvPr id="1" name=""/>
-        <p:cNvGrpSpPr/>
-        <p:nvPr/>
-      </p:nvGrpSpPr>
-      <p:grpSpPr>
-        <a:xfrm>
-          <a:off x="0" y="0"/>
-          <a:ext cx="0" cy="0"/>
-          <a:chOff x="0" y="0"/>
-          <a:chExt cx="0" cy="0"/>
-        </a:xfrm>
-      </p:grpSpPr>
-      <p:sp>
-        <p:nvSpPr>
-          <p:cNvPr id="4" name="Title 3">
-            <a:extLst>
-              <a:ext uri="{FF2B5EF4-FFF2-40B4-BE49-F238E27FC236}">
-                <a16:creationId xmlns:a16="http://schemas.microsoft.com/office/drawing/2014/main" id="{267F19C7-A729-492B-8603-0651B356C0B1}"/>
-              </a:ext>
-            </a:extLst>
-          </p:cNvPr>
-          <p:cNvSpPr>
-            <a:spLocks noGrp="1"/>
-          </p:cNvSpPr>
-          <p:nvPr>
-            <p:ph type="title"/>
-          </p:nvPr>
-        </p:nvSpPr>
-        <p:spPr/>
-        <p:txBody>
-          <a:bodyPr/>
-          <a:lstStyle/>
-          <a:p>
-            <a:r>
-              <a:rPr lang="en-US" dirty="0"/>
-              <a:t>Key people</a:t>
-            </a:r>
-          </a:p>
-        </p:txBody>
-      </p:sp>
-      <p:sp>
-        <p:nvSpPr>
-          <p:cNvPr id="16" name="Text Placeholder 15">
-            <a:extLst>
-              <a:ext uri="{FF2B5EF4-FFF2-40B4-BE49-F238E27FC236}">
-                <a16:creationId xmlns:a16="http://schemas.microsoft.com/office/drawing/2014/main" id="{82B839A9-BE4F-40C7-ABA3-682B626FFB08}"/>
-              </a:ext>
-            </a:extLst>
-          </p:cNvPr>
-          <p:cNvSpPr>
-            <a:spLocks noGrp="1"/>
-          </p:cNvSpPr>
-          <p:nvPr>
-            <p:ph type="body" sz="quarter" idx="13"/>
-          </p:nvPr>
-        </p:nvSpPr>
-        <p:spPr>
-          <a:xfrm>
-            <a:off x="876300" y="1905000"/>
-            <a:ext cx="10553700" cy="1111648"/>
-          </a:xfrm>
-        </p:spPr>
-        <p:txBody>
-          <a:bodyPr>
-            <a:normAutofit/>
-          </a:bodyPr>
-          <a:lstStyle/>
-          <a:p>
-            <a:r>
-              <a:rPr lang="en-US" altLang="en-US" dirty="0"/>
-              <a:t>Choose three leaders for Black History Month using </a:t>
-            </a:r>
-            <a:r>
-              <a:rPr lang="en-US" altLang="en-US" b="1" dirty="0">
-                <a:hlinkClick r:id="rId3"/>
-              </a:rPr>
-              <a:t>Bing.com</a:t>
-            </a:r>
-            <a:r>
-              <a:rPr lang="en-US" altLang="en-US" b="1" dirty="0"/>
-              <a:t> </a:t>
-            </a:r>
-            <a:r>
-              <a:rPr lang="en-US" altLang="en-US" dirty="0"/>
-              <a:t>and discuss their lives and accomplishments. Here are some examples:</a:t>
-            </a:r>
-            <a:endParaRPr lang="en-US" dirty="0"/>
-          </a:p>
-        </p:txBody>
-      </p:sp>
-      <p:graphicFrame>
-        <p:nvGraphicFramePr>
-          <p:cNvPr id="5" name="Content Placeholder 6" descr="smart art graphic">
-            <a:extLst>
-              <a:ext uri="{FF2B5EF4-FFF2-40B4-BE49-F238E27FC236}">
-                <a16:creationId xmlns:a16="http://schemas.microsoft.com/office/drawing/2014/main" id="{58BC2774-0387-4C12-835D-5AA8B2A1FDA5}"/>
-              </a:ext>
-            </a:extLst>
-          </p:cNvPr>
-          <p:cNvGraphicFramePr>
-            <a:graphicFrameLocks/>
-          </p:cNvGraphicFramePr>
-          <p:nvPr>
-            <p:extLst>
-              <p:ext uri="{D42A27DB-BD31-4B8C-83A1-F6EECF244321}">
-                <p14:modId xmlns:p14="http://schemas.microsoft.com/office/powerpoint/2010/main" val="1228173796"/>
-              </p:ext>
-            </p:extLst>
-          </p:nvPr>
-        </p:nvGraphicFramePr>
-        <p:xfrm>
-          <a:off x="762000" y="2895600"/>
-          <a:ext cx="11181080" cy="3352800"/>
-        </p:xfrm>
-        <a:graphic>
-          <a:graphicData uri="http://schemas.openxmlformats.org/drawingml/2006/diagram">
-            <dgm:relIds xmlns:dgm="http://schemas.openxmlformats.org/drawingml/2006/diagram" xmlns:r="http://schemas.openxmlformats.org/officeDocument/2006/relationships" r:dm="rId4" r:lo="rId5" r:qs="rId6" r:cs="rId7"/>
-          </a:graphicData>
-        </a:graphic>
-      </p:graphicFrame>
-    </p:spTree>
-    <p:extLst>
-      <p:ext uri="{BB962C8B-B14F-4D97-AF65-F5344CB8AC3E}">
-        <p14:creationId xmlns:p14="http://schemas.microsoft.com/office/powerpoint/2010/main" val="2670795895"/>
-      </p:ext>
-    </p:extLst>
-  </p:cSld>
-  <p:clrMapOvr>
-    <a:masterClrMapping/>
-  </p:clrMapOvr>
-  <mc:AlternateContent xmlns:mc="http://schemas.openxmlformats.org/markup-compatibility/2006" xmlns:p14="http://schemas.microsoft.com/office/powerpoint/2010/main">
-    <mc:Choice Requires="p14">
-      <p:transition spd="med" p14:dur="700">
-        <p:fade/>
-      </p:transition>
-    </mc:Choice>
-    <mc:Fallback xmlns="">
-      <p:transition spd="med">
-        <p:fade/>
-      </p:transition>
-    </mc:Fallback>
-  </mc:AlternateContent>
-</p:sld>
-</file>
-
-<file path=ppt/slides/slide47.xml><?xml version="1.0" encoding="utf-8"?>
-<p:sld xmlns:a="http://schemas.openxmlformats.org/drawingml/2006/main" xmlns:r="http://schemas.openxmlformats.org/officeDocument/2006/relationships" xmlns:p="http://schemas.openxmlformats.org/presentationml/2006/main">
-  <p:cSld>
-    <p:bg>
-      <p:bgPr>
-        <a:solidFill>
-          <a:schemeClr val="accent3"/>
-        </a:solidFill>
-        <a:effectLst/>
-      </p:bgPr>
-    </p:bg>
-    <p:spTree>
-      <p:nvGrpSpPr>
-        <p:cNvPr id="1" name=""/>
-        <p:cNvGrpSpPr/>
-        <p:nvPr/>
-      </p:nvGrpSpPr>
-      <p:grpSpPr>
-        <a:xfrm>
-          <a:off x="0" y="0"/>
-          <a:ext cx="0" cy="0"/>
-          <a:chOff x="0" y="0"/>
-          <a:chExt cx="0" cy="0"/>
-        </a:xfrm>
-      </p:grpSpPr>
-      <p:sp>
-        <p:nvSpPr>
-          <p:cNvPr id="3" name="Title 2">
-            <a:extLst>
-              <a:ext uri="{FF2B5EF4-FFF2-40B4-BE49-F238E27FC236}">
-                <a16:creationId xmlns:a16="http://schemas.microsoft.com/office/drawing/2014/main" id="{87A081DA-4028-4204-A51C-7F62D45B6450}"/>
-              </a:ext>
-            </a:extLst>
-          </p:cNvPr>
-          <p:cNvSpPr>
-            <a:spLocks noGrp="1"/>
-          </p:cNvSpPr>
-          <p:nvPr>
-            <p:ph type="title"/>
-          </p:nvPr>
-        </p:nvSpPr>
-        <p:spPr/>
-        <p:txBody>
-          <a:bodyPr/>
-          <a:lstStyle/>
-          <a:p>
-            <a:r>
-              <a:rPr lang="en-US" dirty="0"/>
-              <a:t>Arts and literature</a:t>
-            </a:r>
-          </a:p>
-        </p:txBody>
-      </p:sp>
-      <p:sp>
-        <p:nvSpPr>
-          <p:cNvPr id="9219" name="Rectangle 8">
-            <a:extLst>
-              <a:ext uri="{FF2B5EF4-FFF2-40B4-BE49-F238E27FC236}">
-                <a16:creationId xmlns:a16="http://schemas.microsoft.com/office/drawing/2014/main" id="{A17D04F1-4318-4DD6-B27E-D66AE4D426B2}"/>
-              </a:ext>
-            </a:extLst>
-          </p:cNvPr>
-          <p:cNvSpPr>
-            <a:spLocks noGrp="1" noChangeArrowheads="1"/>
-          </p:cNvSpPr>
-          <p:nvPr>
-            <p:ph type="body" sz="quarter" idx="11"/>
-          </p:nvPr>
-        </p:nvSpPr>
-        <p:spPr>
-          <a:xfrm>
-            <a:off x="762000" y="1905000"/>
-            <a:ext cx="5334000" cy="3276600"/>
-          </a:xfrm>
-        </p:spPr>
-        <p:txBody>
-          <a:bodyPr wrap="square" anchor="t">
-            <a:normAutofit/>
-          </a:bodyPr>
-          <a:lstStyle/>
-          <a:p>
-            <a:r>
-              <a:rPr lang="en-US" altLang="en-US" dirty="0"/>
-              <a:t>Provide examples of art and literature that are significant to Black History Month. Here are a few examples:</a:t>
-            </a:r>
-          </a:p>
-          <a:p>
-            <a:pPr lvl="1"/>
-            <a:r>
-              <a:rPr lang="en-US" altLang="en-US" dirty="0"/>
-              <a:t>The writing of </a:t>
-            </a:r>
-            <a:r>
-              <a:rPr lang="en-US" altLang="en-US" b="1" dirty="0">
-                <a:hlinkClick r:id="rId3">
-                  <a:extLst>
-                    <a:ext uri="{A12FA001-AC4F-418D-AE19-62706E023703}">
-                      <ahyp:hlinkClr xmlns:ahyp="http://schemas.microsoft.com/office/drawing/2018/hyperlinkcolor" val="tx"/>
-                    </a:ext>
-                  </a:extLst>
-                </a:hlinkClick>
-              </a:rPr>
-              <a:t>James Baldwin</a:t>
-            </a:r>
-            <a:r>
-              <a:rPr lang="en-US" altLang="en-US" b="1" dirty="0"/>
-              <a:t> </a:t>
-            </a:r>
-          </a:p>
-          <a:p>
-            <a:pPr lvl="1"/>
-            <a:r>
-              <a:rPr lang="en-US" altLang="en-US" dirty="0"/>
-              <a:t>The music of </a:t>
-            </a:r>
-            <a:r>
-              <a:rPr lang="en-US" altLang="en-US" b="1" dirty="0">
-                <a:hlinkClick r:id="rId4">
-                  <a:extLst>
-                    <a:ext uri="{A12FA001-AC4F-418D-AE19-62706E023703}">
-                      <ahyp:hlinkClr xmlns:ahyp="http://schemas.microsoft.com/office/drawing/2018/hyperlinkcolor" val="tx"/>
-                    </a:ext>
-                  </a:extLst>
-                </a:hlinkClick>
-              </a:rPr>
-              <a:t>Miles Davis</a:t>
-            </a:r>
-            <a:endParaRPr lang="en-US" altLang="en-US" b="1" dirty="0"/>
-          </a:p>
-          <a:p>
-            <a:pPr lvl="1"/>
-            <a:r>
-              <a:rPr lang="en-US" altLang="en-US" dirty="0"/>
-              <a:t>The artwork of </a:t>
-            </a:r>
-            <a:r>
-              <a:rPr lang="en-US" altLang="en-US" b="1" dirty="0">
-                <a:hlinkClick r:id="rId5">
-                  <a:extLst>
-                    <a:ext uri="{A12FA001-AC4F-418D-AE19-62706E023703}">
-                      <ahyp:hlinkClr xmlns:ahyp="http://schemas.microsoft.com/office/drawing/2018/hyperlinkcolor" val="tx"/>
-                    </a:ext>
-                  </a:extLst>
-                </a:hlinkClick>
-              </a:rPr>
-              <a:t>Alma Thomas</a:t>
-            </a:r>
-            <a:endParaRPr lang="en-US" altLang="en-US" b="1" dirty="0"/>
-          </a:p>
-          <a:p>
-            <a:endParaRPr lang="en-US" altLang="en-US" dirty="0"/>
-          </a:p>
-        </p:txBody>
-      </p:sp>
-      <p:sp>
-        <p:nvSpPr>
-          <p:cNvPr id="5" name="Picture Placeholder 4" descr="picture placeholder">
-            <a:extLst>
-              <a:ext uri="{FF2B5EF4-FFF2-40B4-BE49-F238E27FC236}">
-                <a16:creationId xmlns:a16="http://schemas.microsoft.com/office/drawing/2014/main" id="{9EEAAEA5-07F2-4368-BAEF-9182E6651EBD}"/>
-              </a:ext>
-            </a:extLst>
-          </p:cNvPr>
-          <p:cNvSpPr>
-            <a:spLocks noGrp="1"/>
-          </p:cNvSpPr>
-          <p:nvPr>
-            <p:ph type="pic" sz="quarter" idx="14"/>
-          </p:nvPr>
-        </p:nvSpPr>
-        <p:spPr/>
-      </p:sp>
-      <p:sp>
-        <p:nvSpPr>
-          <p:cNvPr id="4" name="Picture Placeholder 3" descr="picture placeholder">
-            <a:extLst>
-              <a:ext uri="{FF2B5EF4-FFF2-40B4-BE49-F238E27FC236}">
-                <a16:creationId xmlns:a16="http://schemas.microsoft.com/office/drawing/2014/main" id="{E84F491E-FC00-4DFF-B5E5-9022A349136A}"/>
-              </a:ext>
-            </a:extLst>
-          </p:cNvPr>
-          <p:cNvSpPr>
-            <a:spLocks noGrp="1"/>
-          </p:cNvSpPr>
-          <p:nvPr>
-            <p:ph type="pic" sz="quarter" idx="13"/>
-          </p:nvPr>
-        </p:nvSpPr>
-        <p:spPr/>
-      </p:sp>
-      <p:sp>
-        <p:nvSpPr>
-          <p:cNvPr id="2" name="Slide Number Placeholder 1">
-            <a:extLst>
-              <a:ext uri="{FF2B5EF4-FFF2-40B4-BE49-F238E27FC236}">
-                <a16:creationId xmlns:a16="http://schemas.microsoft.com/office/drawing/2014/main" id="{4AC0F9B5-7793-4329-907A-85C1A1B580AE}"/>
-              </a:ext>
-            </a:extLst>
-          </p:cNvPr>
-          <p:cNvSpPr>
-            <a:spLocks noGrp="1"/>
-          </p:cNvSpPr>
-          <p:nvPr>
-            <p:ph type="sldNum" sz="quarter" idx="4"/>
-          </p:nvPr>
-        </p:nvSpPr>
-        <p:spPr/>
-        <p:txBody>
-          <a:bodyPr/>
-          <a:lstStyle/>
-          <a:p>
-            <a:fld id="{8402A1B0-4691-41D9-84E0-69D594EAA3FE}" type="slidenum">
-              <a:rPr lang="en-US" altLang="en-US" smtClean="0"/>
-              <a:pPr/>
-              <a:t>47</a:t>
-            </a:fld>
-            <a:endParaRPr lang="en-US" altLang="en-US" dirty="0"/>
-          </a:p>
-        </p:txBody>
-      </p:sp>
-    </p:spTree>
-    <p:extLst>
-      <p:ext uri="{BB962C8B-B14F-4D97-AF65-F5344CB8AC3E}">
-        <p14:creationId xmlns:p14="http://schemas.microsoft.com/office/powerpoint/2010/main" val="668663576"/>
-      </p:ext>
-    </p:extLst>
-  </p:cSld>
-  <p:clrMapOvr>
-    <a:masterClrMapping/>
-  </p:clrMapOvr>
-  <mc:AlternateContent xmlns:mc="http://schemas.openxmlformats.org/markup-compatibility/2006" xmlns:p14="http://schemas.microsoft.com/office/powerpoint/2010/main">
-    <mc:Choice Requires="p14">
-      <p:transition spd="med" p14:dur="700">
-        <p:fade/>
-      </p:transition>
-    </mc:Choice>
-    <mc:Fallback xmlns="">
-      <p:transition spd="med">
-        <p:fade/>
-      </p:transition>
-    </mc:Fallback>
-  </mc:AlternateContent>
-</p:sld>
-</file>
-
-<file path=ppt/slides/slide48.xml><?xml version="1.0" encoding="utf-8"?>
-<p:sld xmlns:a="http://schemas.openxmlformats.org/drawingml/2006/main" xmlns:r="http://schemas.openxmlformats.org/officeDocument/2006/relationships" xmlns:p="http://schemas.openxmlformats.org/presentationml/2006/main">
-  <p:cSld>
-    <p:bg>
-      <p:bgPr>
-        <a:solidFill>
-          <a:schemeClr val="accent3"/>
-        </a:solidFill>
-        <a:effectLst/>
-      </p:bgPr>
-    </p:bg>
-    <p:spTree>
-      <p:nvGrpSpPr>
-        <p:cNvPr id="1" name=""/>
-        <p:cNvGrpSpPr/>
-        <p:nvPr/>
-      </p:nvGrpSpPr>
-      <p:grpSpPr>
-        <a:xfrm>
-          <a:off x="0" y="0"/>
-          <a:ext cx="0" cy="0"/>
-          <a:chOff x="0" y="0"/>
-          <a:chExt cx="0" cy="0"/>
-        </a:xfrm>
-      </p:grpSpPr>
-      <p:sp>
-        <p:nvSpPr>
-          <p:cNvPr id="6" name="Title 5">
-            <a:extLst>
-              <a:ext uri="{FF2B5EF4-FFF2-40B4-BE49-F238E27FC236}">
-                <a16:creationId xmlns:a16="http://schemas.microsoft.com/office/drawing/2014/main" id="{66839344-185E-41C8-994C-A1BD976EF113}"/>
-              </a:ext>
-            </a:extLst>
-          </p:cNvPr>
-          <p:cNvSpPr>
-            <a:spLocks noGrp="1"/>
-          </p:cNvSpPr>
-          <p:nvPr>
-            <p:ph type="title"/>
-          </p:nvPr>
-        </p:nvSpPr>
-        <p:spPr/>
-        <p:txBody>
-          <a:bodyPr/>
-          <a:lstStyle/>
-          <a:p>
-            <a:r>
-              <a:rPr lang="en-US" dirty="0"/>
-              <a:t>How to celebrate</a:t>
-            </a:r>
-          </a:p>
-        </p:txBody>
-      </p:sp>
-      <p:sp>
-        <p:nvSpPr>
-          <p:cNvPr id="2" name="Text Placeholder 1">
-            <a:extLst>
-              <a:ext uri="{FF2B5EF4-FFF2-40B4-BE49-F238E27FC236}">
-                <a16:creationId xmlns:a16="http://schemas.microsoft.com/office/drawing/2014/main" id="{9B8BBDC7-B590-43B7-BBD0-3A247210E1AC}"/>
-              </a:ext>
-            </a:extLst>
-          </p:cNvPr>
-          <p:cNvSpPr>
-            <a:spLocks noGrp="1"/>
-          </p:cNvSpPr>
-          <p:nvPr>
-            <p:ph type="body" sz="quarter" idx="11"/>
-          </p:nvPr>
-        </p:nvSpPr>
-        <p:spPr/>
-        <p:txBody>
-          <a:bodyPr/>
-          <a:lstStyle/>
-          <a:p>
-            <a:pPr marL="0" indent="0" fontAlgn="auto">
-              <a:spcAft>
-                <a:spcPts val="0"/>
-              </a:spcAft>
-              <a:buNone/>
-            </a:pPr>
-            <a:r>
-              <a:rPr lang="en-US" altLang="en-US" b="1" dirty="0">
-                <a:solidFill>
-                  <a:schemeClr val="accent1"/>
-                </a:solidFill>
-              </a:rPr>
-              <a:t>List some ways you can celebrate Black History Month. Here are a few examples:</a:t>
-            </a:r>
-          </a:p>
-          <a:p>
-            <a:pPr lvl="1"/>
-            <a:r>
-              <a:rPr lang="en-US" dirty="0"/>
-              <a:t>Discover </a:t>
-            </a:r>
-            <a:r>
-              <a:rPr lang="en-US" altLang="en-US" b="1" dirty="0">
-                <a:hlinkClick r:id="rId2">
-                  <a:extLst>
-                    <a:ext uri="{A12FA001-AC4F-418D-AE19-62706E023703}">
-                      <ahyp:hlinkClr xmlns:ahyp="http://schemas.microsoft.com/office/drawing/2018/hyperlinkcolor" val="tx"/>
-                    </a:ext>
-                  </a:extLst>
-                </a:hlinkClick>
-              </a:rPr>
-              <a:t>African American artists</a:t>
-            </a:r>
-            <a:endParaRPr lang="en-US" b="1" dirty="0"/>
-          </a:p>
-          <a:p>
-            <a:pPr lvl="1"/>
-            <a:r>
-              <a:rPr lang="en-US" dirty="0"/>
-              <a:t>Read </a:t>
-            </a:r>
-            <a:r>
-              <a:rPr lang="en-US" altLang="en-US" b="1" dirty="0">
-                <a:hlinkClick r:id="rId3">
-                  <a:extLst>
-                    <a:ext uri="{A12FA001-AC4F-418D-AE19-62706E023703}">
-                      <ahyp:hlinkClr xmlns:ahyp="http://schemas.microsoft.com/office/drawing/2018/hyperlinkcolor" val="tx"/>
-                    </a:ext>
-                  </a:extLst>
-                </a:hlinkClick>
-              </a:rPr>
-              <a:t>African American </a:t>
-            </a:r>
-            <a:r>
-              <a:rPr lang="en-US" b="1" dirty="0">
-                <a:hlinkClick r:id="rId3">
-                  <a:extLst>
-                    <a:ext uri="{A12FA001-AC4F-418D-AE19-62706E023703}">
-                      <ahyp:hlinkClr xmlns:ahyp="http://schemas.microsoft.com/office/drawing/2018/hyperlinkcolor" val="tx"/>
-                    </a:ext>
-                  </a:extLst>
-                </a:hlinkClick>
-              </a:rPr>
-              <a:t>authors</a:t>
-            </a:r>
-            <a:endParaRPr lang="en-US" b="1" dirty="0"/>
-          </a:p>
-          <a:p>
-            <a:pPr lvl="1"/>
-            <a:r>
-              <a:rPr lang="en-US" dirty="0"/>
-              <a:t>Listen to </a:t>
-            </a:r>
-            <a:r>
-              <a:rPr lang="en-US" altLang="en-US" b="1" dirty="0">
-                <a:hlinkClick r:id="rId4">
-                  <a:extLst>
-                    <a:ext uri="{A12FA001-AC4F-418D-AE19-62706E023703}">
-                      <ahyp:hlinkClr xmlns:ahyp="http://schemas.microsoft.com/office/drawing/2018/hyperlinkcolor" val="tx"/>
-                    </a:ext>
-                  </a:extLst>
-                </a:hlinkClick>
-              </a:rPr>
-              <a:t>African American </a:t>
-            </a:r>
-            <a:r>
-              <a:rPr lang="en-US" b="1" dirty="0">
-                <a:hlinkClick r:id="rId4">
-                  <a:extLst>
-                    <a:ext uri="{A12FA001-AC4F-418D-AE19-62706E023703}">
-                      <ahyp:hlinkClr xmlns:ahyp="http://schemas.microsoft.com/office/drawing/2018/hyperlinkcolor" val="tx"/>
-                    </a:ext>
-                  </a:extLst>
-                </a:hlinkClick>
-              </a:rPr>
-              <a:t>musicians</a:t>
-            </a:r>
-            <a:endParaRPr lang="en-US" b="1" dirty="0"/>
-          </a:p>
-          <a:p>
-            <a:pPr lvl="1"/>
-            <a:r>
-              <a:rPr lang="en-US" dirty="0"/>
-              <a:t>Learn </a:t>
-            </a:r>
-            <a:r>
-              <a:rPr lang="en-US" altLang="en-US" dirty="0"/>
-              <a:t>important moments of </a:t>
-            </a:r>
-            <a:r>
-              <a:rPr lang="en-US" altLang="en-US" b="1" dirty="0">
-                <a:hlinkClick r:id="rId5">
-                  <a:extLst>
-                    <a:ext uri="{A12FA001-AC4F-418D-AE19-62706E023703}">
-                      <ahyp:hlinkClr xmlns:ahyp="http://schemas.microsoft.com/office/drawing/2018/hyperlinkcolor" val="tx"/>
-                    </a:ext>
-                  </a:extLst>
-                </a:hlinkClick>
-              </a:rPr>
-              <a:t>African American </a:t>
-            </a:r>
-            <a:r>
-              <a:rPr lang="en-US" b="1" dirty="0">
-                <a:hlinkClick r:id="rId5">
-                  <a:extLst>
-                    <a:ext uri="{A12FA001-AC4F-418D-AE19-62706E023703}">
-                      <ahyp:hlinkClr xmlns:ahyp="http://schemas.microsoft.com/office/drawing/2018/hyperlinkcolor" val="tx"/>
-                    </a:ext>
-                  </a:extLst>
-                </a:hlinkClick>
-              </a:rPr>
-              <a:t>history</a:t>
-            </a:r>
-            <a:endParaRPr lang="en-US" b="1" dirty="0"/>
-          </a:p>
-          <a:p>
-            <a:endParaRPr lang="en-US" dirty="0">
-              <a:solidFill>
-                <a:schemeClr val="accent1"/>
-              </a:solidFill>
-            </a:endParaRPr>
-          </a:p>
-        </p:txBody>
-      </p:sp>
-      <p:sp>
-        <p:nvSpPr>
-          <p:cNvPr id="3" name="Slide Number Placeholder 2">
-            <a:extLst>
-              <a:ext uri="{FF2B5EF4-FFF2-40B4-BE49-F238E27FC236}">
-                <a16:creationId xmlns:a16="http://schemas.microsoft.com/office/drawing/2014/main" id="{A7234DE0-EA45-458D-BE07-A469B20BA809}"/>
-              </a:ext>
-            </a:extLst>
-          </p:cNvPr>
-          <p:cNvSpPr>
-            <a:spLocks noGrp="1"/>
-          </p:cNvSpPr>
-          <p:nvPr>
-            <p:ph type="sldNum" sz="quarter" idx="4"/>
-          </p:nvPr>
-        </p:nvSpPr>
-        <p:spPr/>
-        <p:txBody>
-          <a:bodyPr/>
-          <a:lstStyle/>
-          <a:p>
-            <a:fld id="{8402A1B0-4691-41D9-84E0-69D594EAA3FE}" type="slidenum">
-              <a:rPr lang="en-US" altLang="en-US" smtClean="0"/>
-              <a:pPr/>
-              <a:t>48</a:t>
-            </a:fld>
-            <a:endParaRPr lang="en-US" altLang="en-US" dirty="0"/>
-          </a:p>
-        </p:txBody>
-      </p:sp>
-    </p:spTree>
-    <p:extLst>
-      <p:ext uri="{BB962C8B-B14F-4D97-AF65-F5344CB8AC3E}">
-        <p14:creationId xmlns:p14="http://schemas.microsoft.com/office/powerpoint/2010/main" val="3099432927"/>
-      </p:ext>
-    </p:extLst>
-  </p:cSld>
-  <p:clrMapOvr>
-    <a:masterClrMapping/>
-  </p:clrMapOvr>
-  <mc:AlternateContent xmlns:mc="http://schemas.openxmlformats.org/markup-compatibility/2006" xmlns:p14="http://schemas.microsoft.com/office/powerpoint/2010/main">
-    <mc:Choice Requires="p14">
-      <p:transition spd="med" p14:dur="700">
-        <p:fade/>
-      </p:transition>
-    </mc:Choice>
-    <mc:Fallback xmlns="">
-      <p:transition spd="med">
-        <p:fade/>
-      </p:transition>
-    </mc:Fallback>
-  </mc:AlternateContent>
-</p:sld>
-</file>
-
-<file path=ppt/slides/slide49.xml><?xml version="1.0" encoding="utf-8"?>
-<p:sld xmlns:a="http://schemas.openxmlformats.org/drawingml/2006/main" xmlns:r="http://schemas.openxmlformats.org/officeDocument/2006/relationships" xmlns:p="http://schemas.openxmlformats.org/presentationml/2006/main">
-  <p:cSld>
-    <p:spTree>
-      <p:nvGrpSpPr>
-        <p:cNvPr id="1" name=""/>
-        <p:cNvGrpSpPr/>
-        <p:nvPr/>
-      </p:nvGrpSpPr>
-      <p:grpSpPr>
-        <a:xfrm>
-          <a:off x="0" y="0"/>
-          <a:ext cx="0" cy="0"/>
-          <a:chOff x="0" y="0"/>
-          <a:chExt cx="0" cy="0"/>
-        </a:xfrm>
-      </p:grpSpPr>
-      <p:sp>
-        <p:nvSpPr>
-          <p:cNvPr id="4" name="Title 3">
-            <a:extLst>
-              <a:ext uri="{FF2B5EF4-FFF2-40B4-BE49-F238E27FC236}">
-                <a16:creationId xmlns:a16="http://schemas.microsoft.com/office/drawing/2014/main" id="{FD9E38B3-4686-8247-9625-49018D29F408}"/>
-              </a:ext>
-            </a:extLst>
-          </p:cNvPr>
-          <p:cNvSpPr>
-            <a:spLocks noGrp="1"/>
-          </p:cNvSpPr>
-          <p:nvPr>
-            <p:ph type="title"/>
-          </p:nvPr>
-        </p:nvSpPr>
-        <p:spPr/>
-        <p:txBody>
-          <a:bodyPr>
-            <a:normAutofit/>
-          </a:bodyPr>
-          <a:lstStyle/>
-          <a:p>
-            <a:pPr algn="ctr"/>
-            <a:r>
-              <a:rPr lang="en-US" sz="4000" b="1" dirty="0">
-                <a:solidFill>
-                  <a:schemeClr val="tx1"/>
-                </a:solidFill>
-              </a:rPr>
-              <a:t>Conclusion</a:t>
-            </a:r>
-            <a:endParaRPr lang="en-US" b="1" dirty="0">
-              <a:solidFill>
-                <a:schemeClr val="tx1"/>
-              </a:solidFill>
-            </a:endParaRPr>
-          </a:p>
-        </p:txBody>
-      </p:sp>
-      <p:sp>
-        <p:nvSpPr>
-          <p:cNvPr id="3" name="Text Placeholder 2">
-            <a:extLst>
-              <a:ext uri="{FF2B5EF4-FFF2-40B4-BE49-F238E27FC236}">
-                <a16:creationId xmlns:a16="http://schemas.microsoft.com/office/drawing/2014/main" id="{17155E1D-F4AD-41A7-B948-E2D246CCFE8A}"/>
-              </a:ext>
-            </a:extLst>
-          </p:cNvPr>
-          <p:cNvSpPr>
-            <a:spLocks noGrp="1"/>
-          </p:cNvSpPr>
-          <p:nvPr>
-            <p:ph type="body" sz="quarter" idx="12"/>
-          </p:nvPr>
-        </p:nvSpPr>
-        <p:spPr/>
-        <p:txBody>
-          <a:bodyPr/>
-          <a:lstStyle/>
-          <a:p>
-            <a:r>
-              <a:rPr lang="en-US" altLang="en-US" dirty="0"/>
-              <a:t>Provide a brief summary of your presentation. </a:t>
-            </a:r>
-            <a:br>
-              <a:rPr lang="en-US" altLang="en-US" dirty="0"/>
-            </a:br>
-            <a:r>
-              <a:rPr lang="en-US" altLang="en-US" dirty="0"/>
-              <a:t>Remind the audience what you covered in the previous slides.</a:t>
-            </a:r>
-          </a:p>
-          <a:p>
-            <a:endParaRPr lang="en-US" dirty="0"/>
-          </a:p>
-        </p:txBody>
-      </p:sp>
-      <p:sp>
-        <p:nvSpPr>
-          <p:cNvPr id="2" name="Slide Number Placeholder 1">
-            <a:extLst>
-              <a:ext uri="{FF2B5EF4-FFF2-40B4-BE49-F238E27FC236}">
-                <a16:creationId xmlns:a16="http://schemas.microsoft.com/office/drawing/2014/main" id="{22DB36F5-5462-45A8-A30B-06396F0C0463}"/>
-              </a:ext>
-            </a:extLst>
-          </p:cNvPr>
-          <p:cNvSpPr>
-            <a:spLocks noGrp="1"/>
-          </p:cNvSpPr>
-          <p:nvPr>
-            <p:ph type="sldNum" sz="quarter" idx="4"/>
-          </p:nvPr>
-        </p:nvSpPr>
-        <p:spPr/>
-        <p:txBody>
-          <a:bodyPr/>
-          <a:lstStyle/>
-          <a:p>
-            <a:fld id="{8402A1B0-4691-41D9-84E0-69D594EAA3FE}" type="slidenum">
-              <a:rPr lang="en-US" altLang="en-US" smtClean="0"/>
-              <a:pPr/>
-              <a:t>49</a:t>
-            </a:fld>
-            <a:endParaRPr lang="en-US" altLang="en-US" dirty="0"/>
-          </a:p>
-        </p:txBody>
-      </p:sp>
-    </p:spTree>
-    <p:extLst>
-      <p:ext uri="{BB962C8B-B14F-4D97-AF65-F5344CB8AC3E}">
-        <p14:creationId xmlns:p14="http://schemas.microsoft.com/office/powerpoint/2010/main" val="3724489121"/>
       </p:ext>
     </p:extLst>
   </p:cSld>
@@ -17565,313 +9184,6 @@
     <p:extLst>
       <p:ext uri="{BB962C8B-B14F-4D97-AF65-F5344CB8AC3E}">
         <p14:creationId xmlns:p14="http://schemas.microsoft.com/office/powerpoint/2010/main" val="4286281563"/>
-      </p:ext>
-    </p:extLst>
-  </p:cSld>
-  <p:clrMapOvr>
-    <a:masterClrMapping/>
-  </p:clrMapOvr>
-  <mc:AlternateContent xmlns:mc="http://schemas.openxmlformats.org/markup-compatibility/2006" xmlns:p14="http://schemas.microsoft.com/office/powerpoint/2010/main">
-    <mc:Choice Requires="p14">
-      <p:transition spd="med" p14:dur="700">
-        <p:fade/>
-      </p:transition>
-    </mc:Choice>
-    <mc:Fallback xmlns="">
-      <p:transition spd="med">
-        <p:fade/>
-      </p:transition>
-    </mc:Fallback>
-  </mc:AlternateContent>
-</p:sld>
-</file>
-
-<file path=ppt/slides/slide50.xml><?xml version="1.0" encoding="utf-8"?>
-<p:sld xmlns:a="http://schemas.openxmlformats.org/drawingml/2006/main" xmlns:r="http://schemas.openxmlformats.org/officeDocument/2006/relationships" xmlns:p="http://schemas.openxmlformats.org/presentationml/2006/main">
-  <p:cSld>
-    <p:spTree>
-      <p:nvGrpSpPr>
-        <p:cNvPr id="1" name=""/>
-        <p:cNvGrpSpPr/>
-        <p:nvPr/>
-      </p:nvGrpSpPr>
-      <p:grpSpPr>
-        <a:xfrm>
-          <a:off x="0" y="0"/>
-          <a:ext cx="0" cy="0"/>
-          <a:chOff x="0" y="0"/>
-          <a:chExt cx="0" cy="0"/>
-        </a:xfrm>
-      </p:grpSpPr>
-      <p:sp>
-        <p:nvSpPr>
-          <p:cNvPr id="4" name="Title 3">
-            <a:extLst>
-              <a:ext uri="{FF2B5EF4-FFF2-40B4-BE49-F238E27FC236}">
-                <a16:creationId xmlns:a16="http://schemas.microsoft.com/office/drawing/2014/main" id="{068DF32A-D165-40DA-AAE8-A6E9579E2F79}"/>
-              </a:ext>
-            </a:extLst>
-          </p:cNvPr>
-          <p:cNvSpPr>
-            <a:spLocks noGrp="1"/>
-          </p:cNvSpPr>
-          <p:nvPr>
-            <p:ph type="title"/>
-          </p:nvPr>
-        </p:nvSpPr>
-        <p:spPr/>
-        <p:txBody>
-          <a:bodyPr>
-            <a:normAutofit/>
-          </a:bodyPr>
-          <a:lstStyle/>
-          <a:p>
-            <a:r>
-              <a:rPr lang="en-US" dirty="0"/>
-              <a:t>Questions </a:t>
-            </a:r>
-            <a:r>
-              <a:rPr lang="en-US" dirty="0">
-                <a:solidFill>
-                  <a:schemeClr val="accent3"/>
-                </a:solidFill>
-              </a:rPr>
-              <a:t>&amp;</a:t>
-            </a:r>
-            <a:r>
-              <a:rPr lang="en-US" dirty="0"/>
-              <a:t> answers</a:t>
-            </a:r>
-          </a:p>
-        </p:txBody>
-      </p:sp>
-      <p:sp>
-        <p:nvSpPr>
-          <p:cNvPr id="7" name="Text Placeholder 6">
-            <a:extLst>
-              <a:ext uri="{FF2B5EF4-FFF2-40B4-BE49-F238E27FC236}">
-                <a16:creationId xmlns:a16="http://schemas.microsoft.com/office/drawing/2014/main" id="{C3BC92DE-1779-4A44-AED9-0261C2497DD9}"/>
-              </a:ext>
-            </a:extLst>
-          </p:cNvPr>
-          <p:cNvSpPr>
-            <a:spLocks noGrp="1"/>
-          </p:cNvSpPr>
-          <p:nvPr>
-            <p:ph type="body" sz="quarter" idx="12"/>
-          </p:nvPr>
-        </p:nvSpPr>
-        <p:spPr/>
-        <p:txBody>
-          <a:bodyPr/>
-          <a:lstStyle/>
-          <a:p>
-            <a:r>
-              <a:rPr lang="en-US" altLang="en-US" sz="1800" dirty="0"/>
-              <a:t>Invite questions from the audience</a:t>
-            </a:r>
-          </a:p>
-          <a:p>
-            <a:endParaRPr lang="en-US" dirty="0"/>
-          </a:p>
-        </p:txBody>
-      </p:sp>
-      <p:sp>
-        <p:nvSpPr>
-          <p:cNvPr id="2" name="Slide Number Placeholder 1">
-            <a:extLst>
-              <a:ext uri="{FF2B5EF4-FFF2-40B4-BE49-F238E27FC236}">
-                <a16:creationId xmlns:a16="http://schemas.microsoft.com/office/drawing/2014/main" id="{F42CBD6A-0CC0-49D9-93EF-3FF4572AF22D}"/>
-              </a:ext>
-            </a:extLst>
-          </p:cNvPr>
-          <p:cNvSpPr>
-            <a:spLocks noGrp="1"/>
-          </p:cNvSpPr>
-          <p:nvPr>
-            <p:ph type="sldNum" sz="quarter" idx="4"/>
-          </p:nvPr>
-        </p:nvSpPr>
-        <p:spPr/>
-        <p:txBody>
-          <a:bodyPr/>
-          <a:lstStyle/>
-          <a:p>
-            <a:fld id="{8402A1B0-4691-41D9-84E0-69D594EAA3FE}" type="slidenum">
-              <a:rPr lang="en-US" altLang="en-US" smtClean="0"/>
-              <a:pPr/>
-              <a:t>50</a:t>
-            </a:fld>
-            <a:endParaRPr lang="en-US" altLang="en-US" dirty="0"/>
-          </a:p>
-        </p:txBody>
-      </p:sp>
-    </p:spTree>
-    <p:extLst>
-      <p:ext uri="{BB962C8B-B14F-4D97-AF65-F5344CB8AC3E}">
-        <p14:creationId xmlns:p14="http://schemas.microsoft.com/office/powerpoint/2010/main" val="2443785555"/>
-      </p:ext>
-    </p:extLst>
-  </p:cSld>
-  <p:clrMapOvr>
-    <a:masterClrMapping/>
-  </p:clrMapOvr>
-  <mc:AlternateContent xmlns:mc="http://schemas.openxmlformats.org/markup-compatibility/2006" xmlns:p14="http://schemas.microsoft.com/office/powerpoint/2010/main">
-    <mc:Choice Requires="p14">
-      <p:transition spd="med" p14:dur="700">
-        <p:fade/>
-      </p:transition>
-    </mc:Choice>
-    <mc:Fallback xmlns="">
-      <p:transition spd="med">
-        <p:fade/>
-      </p:transition>
-    </mc:Fallback>
-  </mc:AlternateContent>
-</p:sld>
-</file>
-
-<file path=ppt/slides/slide51.xml><?xml version="1.0" encoding="utf-8"?>
-<p:sld xmlns:a="http://schemas.openxmlformats.org/drawingml/2006/main" xmlns:r="http://schemas.openxmlformats.org/officeDocument/2006/relationships" xmlns:p="http://schemas.openxmlformats.org/presentationml/2006/main">
-  <p:cSld>
-    <p:bg>
-      <p:bgPr>
-        <a:solidFill>
-          <a:schemeClr val="accent2"/>
-        </a:solidFill>
-        <a:effectLst/>
-      </p:bgPr>
-    </p:bg>
-    <p:spTree>
-      <p:nvGrpSpPr>
-        <p:cNvPr id="1" name=""/>
-        <p:cNvGrpSpPr/>
-        <p:nvPr/>
-      </p:nvGrpSpPr>
-      <p:grpSpPr>
-        <a:xfrm>
-          <a:off x="0" y="0"/>
-          <a:ext cx="0" cy="0"/>
-          <a:chOff x="0" y="0"/>
-          <a:chExt cx="0" cy="0"/>
-        </a:xfrm>
-      </p:grpSpPr>
-      <p:sp>
-        <p:nvSpPr>
-          <p:cNvPr id="6" name="Title 5">
-            <a:extLst>
-              <a:ext uri="{FF2B5EF4-FFF2-40B4-BE49-F238E27FC236}">
-                <a16:creationId xmlns:a16="http://schemas.microsoft.com/office/drawing/2014/main" id="{5B34254B-4837-4E59-8D24-19908000C6C3}"/>
-              </a:ext>
-            </a:extLst>
-          </p:cNvPr>
-          <p:cNvSpPr>
-            <a:spLocks noGrp="1"/>
-          </p:cNvSpPr>
-          <p:nvPr>
-            <p:ph type="title"/>
-          </p:nvPr>
-        </p:nvSpPr>
-        <p:spPr/>
-        <p:txBody>
-          <a:bodyPr/>
-          <a:lstStyle/>
-          <a:p>
-            <a:r>
-              <a:rPr lang="en-US" dirty="0"/>
-              <a:t>Resources</a:t>
-            </a:r>
-          </a:p>
-        </p:txBody>
-      </p:sp>
-      <p:sp>
-        <p:nvSpPr>
-          <p:cNvPr id="3" name="Text Placeholder 2">
-            <a:extLst>
-              <a:ext uri="{FF2B5EF4-FFF2-40B4-BE49-F238E27FC236}">
-                <a16:creationId xmlns:a16="http://schemas.microsoft.com/office/drawing/2014/main" id="{D3316BC9-7937-4417-B232-1B37F4796011}"/>
-              </a:ext>
-            </a:extLst>
-          </p:cNvPr>
-          <p:cNvSpPr>
-            <a:spLocks noGrp="1"/>
-          </p:cNvSpPr>
-          <p:nvPr>
-            <p:ph type="body" sz="quarter" idx="11"/>
-          </p:nvPr>
-        </p:nvSpPr>
-        <p:spPr/>
-        <p:txBody>
-          <a:bodyPr>
-            <a:normAutofit/>
-          </a:bodyPr>
-          <a:lstStyle/>
-          <a:p>
-            <a:r>
-              <a:rPr lang="en-US" altLang="en-US" dirty="0"/>
-              <a:t>List the resources you used for your research:</a:t>
-            </a:r>
-          </a:p>
-          <a:p>
-            <a:pPr lvl="1"/>
-            <a:r>
-              <a:rPr lang="fr-FR" dirty="0"/>
-              <a:t>Source #1</a:t>
-            </a:r>
-          </a:p>
-          <a:p>
-            <a:pPr lvl="1"/>
-            <a:r>
-              <a:rPr lang="fr-FR" dirty="0"/>
-              <a:t>Source #2</a:t>
-            </a:r>
-          </a:p>
-          <a:p>
-            <a:pPr lvl="1"/>
-            <a:r>
-              <a:rPr lang="fr-FR" dirty="0"/>
-              <a:t>Source #3</a:t>
-            </a:r>
-          </a:p>
-          <a:p>
-            <a:endParaRPr lang="en-US" dirty="0"/>
-          </a:p>
-        </p:txBody>
-      </p:sp>
-      <p:sp>
-        <p:nvSpPr>
-          <p:cNvPr id="2" name="Slide Number Placeholder 1">
-            <a:extLst>
-              <a:ext uri="{FF2B5EF4-FFF2-40B4-BE49-F238E27FC236}">
-                <a16:creationId xmlns:a16="http://schemas.microsoft.com/office/drawing/2014/main" id="{0384AEC0-DF68-4ED4-8C40-FB2905C843D7}"/>
-              </a:ext>
-            </a:extLst>
-          </p:cNvPr>
-          <p:cNvSpPr>
-            <a:spLocks noGrp="1"/>
-          </p:cNvSpPr>
-          <p:nvPr>
-            <p:ph type="sldNum" sz="quarter" idx="4"/>
-          </p:nvPr>
-        </p:nvSpPr>
-        <p:spPr/>
-        <p:txBody>
-          <a:bodyPr/>
-          <a:lstStyle/>
-          <a:p>
-            <a:fld id="{8402A1B0-4691-41D9-84E0-69D594EAA3FE}" type="slidenum">
-              <a:rPr lang="en-US" altLang="en-US" smtClean="0"/>
-              <a:pPr/>
-              <a:t>51</a:t>
-            </a:fld>
-            <a:endParaRPr lang="en-US" altLang="en-US" dirty="0"/>
-          </a:p>
-        </p:txBody>
-      </p:sp>
-    </p:spTree>
-    <p:extLst>
-      <p:ext uri="{BB962C8B-B14F-4D97-AF65-F5344CB8AC3E}">
-        <p14:creationId xmlns:p14="http://schemas.microsoft.com/office/powerpoint/2010/main" val="132009874"/>
       </p:ext>
     </p:extLst>
   </p:cSld>
@@ -19479,15 +10791,6 @@
 </file>
 
 <file path=customXml/item1.xml><?xml version="1.0" encoding="utf-8"?>
-<?mso-contentType ?>
-<FormTemplates xmlns="http://schemas.microsoft.com/sharepoint/v3/contenttype/forms">
-  <Display>DocumentLibraryForm</Display>
-  <Edit>DocumentLibraryForm</Edit>
-  <New>DocumentLibraryForm</New>
-</FormTemplates>
-</file>
-
-<file path=customXml/item2.xml><?xml version="1.0" encoding="utf-8"?>
 <ct:contentTypeSchema xmlns:ct="http://schemas.microsoft.com/office/2006/metadata/contentType" xmlns:ma="http://schemas.microsoft.com/office/2006/metadata/properties/metaAttributes" ct:_="" ma:_="" ma:contentTypeName="Document" ma:contentTypeID="0x01010079F111ED35F8CC479449609E8A0923A6" ma:contentTypeVersion="18" ma:contentTypeDescription="Create a new document." ma:contentTypeScope="" ma:versionID="22a266b9fa9a230c5a512669d8b298c3">
   <xsd:schema xmlns:xsd="http://www.w3.org/2001/XMLSchema" xmlns:xs="http://www.w3.org/2001/XMLSchema" xmlns:p="http://schemas.microsoft.com/office/2006/metadata/properties" xmlns:ns1="http://schemas.microsoft.com/sharepoint/v3" xmlns:ns2="71af3243-3dd4-4a8d-8c0d-dd76da1f02a5" xmlns:ns3="16c05727-aa75-4e4a-9b5f-8a80a1165891" xmlns:ns4="230e9df3-be65-4c73-a93b-d1236ebd677e" targetNamespace="http://schemas.microsoft.com/office/2006/metadata/properties" ma:root="true" ma:fieldsID="eddc33fff6b14141ee5c74a0d29ea6a1" ns1:_="" ns2:_="" ns3:_="" ns4:_="">
     <xsd:import namespace="http://schemas.microsoft.com/sharepoint/v3"/>
@@ -19763,7 +11066,7 @@
 </ct:contentTypeSchema>
 </file>
 
-<file path=customXml/item3.xml><?xml version="1.0" encoding="utf-8"?>
+<file path=customXml/item2.xml><?xml version="1.0" encoding="utf-8"?>
 <p:properties xmlns:p="http://schemas.microsoft.com/office/2006/metadata/properties" xmlns:xsi="http://www.w3.org/2001/XMLSchema-instance" xmlns:pc="http://schemas.microsoft.com/office/infopath/2007/PartnerControls">
   <documentManagement>
     <Status xmlns="71af3243-3dd4-4a8d-8c0d-dd76da1f02a5">Not started</Status>
@@ -19782,15 +11085,16 @@
 </p:properties>
 </file>
 
-<file path=customXml/itemProps1.xml><?xml version="1.0" encoding="utf-8"?>
-<ds:datastoreItem xmlns:ds="http://schemas.openxmlformats.org/officeDocument/2006/customXml" ds:itemID="{3CFAAC47-BD84-465D-B982-7A75BCC08F7D}">
-  <ds:schemaRefs>
-    <ds:schemaRef ds:uri="http://schemas.microsoft.com/sharepoint/v3/contenttype/forms"/>
-  </ds:schemaRefs>
-</ds:datastoreItem>
+<file path=customXml/item3.xml><?xml version="1.0" encoding="utf-8"?>
+<?mso-contentType ?>
+<FormTemplates xmlns="http://schemas.microsoft.com/sharepoint/v3/contenttype/forms">
+  <Display>DocumentLibraryForm</Display>
+  <Edit>DocumentLibraryForm</Edit>
+  <New>DocumentLibraryForm</New>
+</FormTemplates>
 </file>
 
-<file path=customXml/itemProps2.xml><?xml version="1.0" encoding="utf-8"?>
+<file path=customXml/itemProps1.xml><?xml version="1.0" encoding="utf-8"?>
 <ds:datastoreItem xmlns:ds="http://schemas.openxmlformats.org/officeDocument/2006/customXml" ds:itemID="{A8A967B1-A0A0-415E-82CC-A85AEE3A6791}">
   <ds:schemaRefs>
     <ds:schemaRef ds:uri="http://schemas.microsoft.com/office/2006/metadata/contentType"/>
@@ -19811,7 +11115,7 @@
 </ds:datastoreItem>
 </file>
 
-<file path=customXml/itemProps3.xml><?xml version="1.0" encoding="utf-8"?>
+<file path=customXml/itemProps2.xml><?xml version="1.0" encoding="utf-8"?>
 <ds:datastoreItem xmlns:ds="http://schemas.openxmlformats.org/officeDocument/2006/customXml" ds:itemID="{0F89EEA4-141F-4066-B57B-E44468FB3D6E}">
   <ds:schemaRefs>
     <ds:schemaRef ds:uri="http://schemas.microsoft.com/office/2006/metadata/properties"/>
@@ -19821,4 +11125,12 @@
     <ds:schemaRef ds:uri="230e9df3-be65-4c73-a93b-d1236ebd677e"/>
   </ds:schemaRefs>
 </ds:datastoreItem>
+</file>
+
+<file path=customXml/itemProps3.xml><?xml version="1.0" encoding="utf-8"?>
+<ds:datastoreItem xmlns:ds="http://schemas.openxmlformats.org/officeDocument/2006/customXml" ds:itemID="{3CFAAC47-BD84-465D-B982-7A75BCC08F7D}">
+  <ds:schemaRefs>
+    <ds:schemaRef ds:uri="http://schemas.microsoft.com/sharepoint/v3/contenttype/forms"/>
+  </ds:schemaRefs>
+</ds:datastoreItem>
 </file>
--- a/Pandas Tutorials.pptx
+++ b/Pandas Tutorials.pptx
@@ -5,10 +5,10 @@
     <p:sldMasterId id="2147483717" r:id="rId4"/>
   </p:sldMasterIdLst>
   <p:notesMasterIdLst>
-    <p:notesMasterId r:id="rId27"/>
+    <p:notesMasterId r:id="rId32"/>
   </p:notesMasterIdLst>
   <p:handoutMasterIdLst>
-    <p:handoutMasterId r:id="rId28"/>
+    <p:handoutMasterId r:id="rId33"/>
   </p:handoutMasterIdLst>
   <p:sldIdLst>
     <p:sldId id="1865" r:id="rId5"/>
@@ -31,8 +31,13 @@
     <p:sldId id="1891" r:id="rId22"/>
     <p:sldId id="1895" r:id="rId23"/>
     <p:sldId id="1896" r:id="rId24"/>
-    <p:sldId id="1897" r:id="rId25"/>
-    <p:sldId id="1876" r:id="rId26"/>
+    <p:sldId id="1899" r:id="rId25"/>
+    <p:sldId id="1898" r:id="rId26"/>
+    <p:sldId id="1900" r:id="rId27"/>
+    <p:sldId id="1901" r:id="rId28"/>
+    <p:sldId id="1897" r:id="rId29"/>
+    <p:sldId id="1902" r:id="rId30"/>
+    <p:sldId id="1876" r:id="rId31"/>
   </p:sldIdLst>
   <p:sldSz cx="12192000" cy="6858000"/>
   <p:notesSz cx="6858000" cy="9144000"/>
@@ -186,7 +191,12 @@
             <p14:sldId id="1891"/>
             <p14:sldId id="1895"/>
             <p14:sldId id="1896"/>
+            <p14:sldId id="1899"/>
+            <p14:sldId id="1898"/>
+            <p14:sldId id="1900"/>
+            <p14:sldId id="1901"/>
             <p14:sldId id="1897"/>
+            <p14:sldId id="1902"/>
             <p14:sldId id="1876"/>
           </p14:sldIdLst>
         </p14:section>
@@ -317,7 +327,7 @@
           <a:p>
             <a:fld id="{78E40A2C-D4F8-447C-8646-65B623846323}" type="datetimeFigureOut">
               <a:rPr lang="en-US" smtClean="0"/>
-              <a:t>12/12/2021</a:t>
+              <a:t>12/13/2021</a:t>
             </a:fld>
             <a:endParaRPr lang="en-US" dirty="0"/>
           </a:p>
@@ -7504,7 +7514,15 @@
             <a:pPr algn="just"/>
             <a:r>
               <a:rPr lang="en-US" dirty="0"/>
-              <a:t>If your data sets are stored in a file, Pandas can load them into a DataFrame.</a:t>
+              <a:t>If your data sets are stored in a file, Pandas can load them into a DataFrame with </a:t>
+            </a:r>
+            <a:r>
+              <a:rPr lang="en-US" i="1" dirty="0"/>
+              <a:t>read_csv()</a:t>
+            </a:r>
+            <a:r>
+              <a:rPr lang="en-US" dirty="0"/>
+              <a:t> method.</a:t>
             </a:r>
           </a:p>
           <a:p>
@@ -8050,7 +8068,7 @@
           <a:p>
             <a:r>
               <a:rPr lang="en-US" dirty="0"/>
-              <a:t>Pandas - Analyzing DataFrames</a:t>
+              <a:t>Pandas - Analyzing</a:t>
             </a:r>
           </a:p>
         </p:txBody>
@@ -8088,10 +8106,47 @@
             </a:r>
           </a:p>
           <a:p>
-            <a:pPr algn="just"/>
-            <a:r>
-              <a:rPr lang="en-US" dirty="0"/>
-              <a:t>One of the most used method for getting a quick overview of the DataFrame, is the head() method. The head() method returns the headers and a specified number of rows, starting from the top.</a:t>
+            <a:pPr marL="342900" indent="-342900" algn="just">
+              <a:buFont typeface="Arial" panose="020B0604020202020204" pitchFamily="34" charset="0"/>
+              <a:buChar char="•"/>
+            </a:pPr>
+            <a:r>
+              <a:rPr lang="en-US" sz="2000" b="1" i="1" dirty="0"/>
+              <a:t>head(n)</a:t>
+            </a:r>
+            <a:endParaRPr lang="en-US" sz="2000" b="1" dirty="0"/>
+          </a:p>
+          <a:p>
+            <a:pPr marL="457200" lvl="1" indent="0" algn="just">
+              <a:buNone/>
+            </a:pPr>
+            <a:r>
+              <a:rPr lang="en-US" sz="1600" dirty="0"/>
+              <a:t>One of the most used method for getting a quick overview of the DataFrame, is the </a:t>
+            </a:r>
+            <a:r>
+              <a:rPr lang="en-US" sz="1600" b="1" i="1" dirty="0"/>
+              <a:t>head() </a:t>
+            </a:r>
+            <a:r>
+              <a:rPr lang="en-US" sz="1600" dirty="0"/>
+              <a:t>method. The </a:t>
+            </a:r>
+            <a:r>
+              <a:rPr lang="en-US" sz="1600" b="1" i="1" dirty="0"/>
+              <a:t>head(n) </a:t>
+            </a:r>
+            <a:r>
+              <a:rPr lang="en-US" sz="1600" dirty="0"/>
+              <a:t>method returns the headers and a specified </a:t>
+            </a:r>
+            <a:r>
+              <a:rPr lang="en-US" sz="1600" b="1" dirty="0"/>
+              <a:t>n</a:t>
+            </a:r>
+            <a:r>
+              <a:rPr lang="en-US" sz="1600" dirty="0"/>
+              <a:t> number of rows, starting from the top.</a:t>
             </a:r>
           </a:p>
           <a:p>
@@ -8105,8 +8160,28 @@
               <a:t>Note: </a:t>
             </a:r>
             <a:r>
-              <a:rPr lang="en-US" dirty="0"/>
-              <a:t>if the number of rows is not specified, the head() method will return the top 5 rows.</a:t>
+              <a:rPr lang="en-US" dirty="0">
+                <a:solidFill>
+                  <a:srgbClr val="3B2E58"/>
+                </a:solidFill>
+              </a:rPr>
+              <a:t>if the number of rows is not specified, the </a:t>
+            </a:r>
+            <a:r>
+              <a:rPr lang="en-US" b="1" i="1" dirty="0">
+                <a:solidFill>
+                  <a:srgbClr val="3B2E58"/>
+                </a:solidFill>
+              </a:rPr>
+              <a:t>head() </a:t>
+            </a:r>
+            <a:r>
+              <a:rPr lang="en-US" dirty="0">
+                <a:solidFill>
+                  <a:srgbClr val="3B2E58"/>
+                </a:solidFill>
+              </a:rPr>
+              <a:t>method will return the top 5 rows.</a:t>
             </a:r>
           </a:p>
           <a:p>
@@ -8114,10 +8189,39 @@
             <a:endParaRPr lang="en-US" dirty="0"/>
           </a:p>
           <a:p>
-            <a:pPr algn="just"/>
-            <a:r>
-              <a:rPr lang="en-US" dirty="0"/>
-              <a:t>There is also a tail() method for viewing the last rows of the DataFrame. The tail() method returns the headers and a specified number of rows, starting from the bottom.</a:t>
+            <a:pPr marL="285750" indent="-285750" algn="just">
+              <a:buFont typeface="Arial" panose="020B0604020202020204" pitchFamily="34" charset="0"/>
+              <a:buChar char="•"/>
+            </a:pPr>
+            <a:r>
+              <a:rPr lang="en-US" b="1" i="1" dirty="0"/>
+              <a:t>tail()</a:t>
+            </a:r>
+            <a:endParaRPr lang="en-US" dirty="0"/>
+          </a:p>
+          <a:p>
+            <a:pPr marL="457200" lvl="1" indent="0" algn="just">
+              <a:buNone/>
+            </a:pPr>
+            <a:r>
+              <a:rPr lang="en-US" sz="1800" dirty="0"/>
+              <a:t>There is also a </a:t>
+            </a:r>
+            <a:r>
+              <a:rPr lang="en-US" sz="1800" b="1" i="1" dirty="0"/>
+              <a:t>tail() </a:t>
+            </a:r>
+            <a:r>
+              <a:rPr lang="en-US" sz="1800" dirty="0"/>
+              <a:t>method for viewing the last rows of the DataFrame. The </a:t>
+            </a:r>
+            <a:r>
+              <a:rPr lang="en-US" sz="1800" b="1" i="1" dirty="0"/>
+              <a:t>tail() </a:t>
+            </a:r>
+            <a:r>
+              <a:rPr lang="en-US" sz="1800" dirty="0"/>
+              <a:t>method returns the headers and a specified number of rows, starting from the bottom.</a:t>
             </a:r>
           </a:p>
         </p:txBody>
@@ -8407,7 +8511,7 @@
           <a:p>
             <a:r>
               <a:rPr lang="en-US" dirty="0"/>
-              <a:t>Info About the Data</a:t>
+              <a:t>Pandas - Analyzing</a:t>
             </a:r>
           </a:p>
         </p:txBody>
@@ -8428,27 +8532,76 @@
             <p:ph type="body" sz="quarter" idx="13"/>
           </p:nvPr>
         </p:nvSpPr>
-        <p:spPr/>
+        <p:spPr>
+          <a:xfrm>
+            <a:off x="762000" y="1783952"/>
+            <a:ext cx="6289249" cy="4358084"/>
+          </a:xfrm>
+        </p:spPr>
         <p:txBody>
           <a:bodyPr/>
           <a:lstStyle/>
           <a:p>
-            <a:pPr algn="just"/>
-            <a:r>
-              <a:rPr lang="en-US" dirty="0"/>
+            <a:pPr marL="285750" indent="-285750" algn="just">
+              <a:buFont typeface="Arial" panose="020B0604020202020204" pitchFamily="34" charset="0"/>
+              <a:buChar char="•"/>
+            </a:pPr>
+            <a:r>
+              <a:rPr lang="en-US" b="1" i="1" dirty="0"/>
+              <a:t>info()</a:t>
+            </a:r>
+          </a:p>
+          <a:p>
+            <a:pPr lvl="1" indent="0" algn="just">
+              <a:buNone/>
+            </a:pPr>
+            <a:r>
+              <a:rPr lang="en-US" sz="1800" dirty="0"/>
               <a:t>The DataFrames object has a method called </a:t>
             </a:r>
             <a:r>
-              <a:rPr lang="en-US" i="1" dirty="0"/>
+              <a:rPr lang="en-US" sz="1800" i="1" dirty="0"/>
               <a:t>info()</a:t>
             </a:r>
             <a:r>
-              <a:rPr lang="en-US" dirty="0"/>
+              <a:rPr lang="en-US" sz="1800" dirty="0"/>
               <a:t>, that gives you more information about the data set.</a:t>
             </a:r>
           </a:p>
         </p:txBody>
       </p:sp>
+      <p:pic>
+        <p:nvPicPr>
+          <p:cNvPr id="6" name="Picture 5">
+            <a:extLst>
+              <a:ext uri="{FF2B5EF4-FFF2-40B4-BE49-F238E27FC236}">
+                <a16:creationId xmlns:a16="http://schemas.microsoft.com/office/drawing/2014/main" id="{5DCEABF6-761F-4FA5-86FE-6330C076178D}"/>
+              </a:ext>
+            </a:extLst>
+          </p:cNvPr>
+          <p:cNvPicPr>
+            <a:picLocks noChangeAspect="1"/>
+          </p:cNvPicPr>
+          <p:nvPr/>
+        </p:nvPicPr>
+        <p:blipFill>
+          <a:blip r:embed="rId2"/>
+          <a:stretch>
+            <a:fillRect/>
+          </a:stretch>
+        </p:blipFill>
+        <p:spPr>
+          <a:xfrm>
+            <a:off x="7307842" y="1576610"/>
+            <a:ext cx="3806360" cy="4427806"/>
+          </a:xfrm>
+          <a:prstGeom prst="roundRect">
+            <a:avLst>
+              <a:gd name="adj" fmla="val 7831"/>
+            </a:avLst>
+          </a:prstGeom>
+        </p:spPr>
+      </p:pic>
     </p:spTree>
     <p:extLst>
       <p:ext uri="{BB962C8B-B14F-4D97-AF65-F5344CB8AC3E}">
@@ -8496,7 +8649,7 @@
           <p:cNvPr id="2" name="Slide Number Placeholder 1">
             <a:extLst>
               <a:ext uri="{FF2B5EF4-FFF2-40B4-BE49-F238E27FC236}">
-                <a16:creationId xmlns:a16="http://schemas.microsoft.com/office/drawing/2014/main" id="{61ACCDB5-53AC-46A1-8477-D467E9D7623C}"/>
+                <a16:creationId xmlns:a16="http://schemas.microsoft.com/office/drawing/2014/main" id="{98690B54-15C3-40AC-9793-870463704F5D}"/>
               </a:ext>
             </a:extLst>
           </p:cNvPr>
@@ -8516,6 +8669,714 @@
               <a:rPr lang="en-US" altLang="en-US" smtClean="0"/>
               <a:pPr/>
               <a:t>21</a:t>
+            </a:fld>
+            <a:endParaRPr lang="en-US" altLang="en-US" dirty="0"/>
+          </a:p>
+        </p:txBody>
+      </p:sp>
+      <p:sp>
+        <p:nvSpPr>
+          <p:cNvPr id="3" name="Title 2">
+            <a:extLst>
+              <a:ext uri="{FF2B5EF4-FFF2-40B4-BE49-F238E27FC236}">
+                <a16:creationId xmlns:a16="http://schemas.microsoft.com/office/drawing/2014/main" id="{02A4DC85-9E99-45F3-8E8E-427AA2B36C9A}"/>
+              </a:ext>
+            </a:extLst>
+          </p:cNvPr>
+          <p:cNvSpPr>
+            <a:spLocks noGrp="1"/>
+          </p:cNvSpPr>
+          <p:nvPr>
+            <p:ph type="title"/>
+          </p:nvPr>
+        </p:nvSpPr>
+        <p:spPr/>
+        <p:txBody>
+          <a:bodyPr/>
+          <a:lstStyle/>
+          <a:p>
+            <a:r>
+              <a:rPr lang="en-US" dirty="0"/>
+              <a:t>Pandas - Analyzing</a:t>
+            </a:r>
+          </a:p>
+        </p:txBody>
+      </p:sp>
+      <p:sp>
+        <p:nvSpPr>
+          <p:cNvPr id="4" name="Text Placeholder 3">
+            <a:extLst>
+              <a:ext uri="{FF2B5EF4-FFF2-40B4-BE49-F238E27FC236}">
+                <a16:creationId xmlns:a16="http://schemas.microsoft.com/office/drawing/2014/main" id="{2C6A0258-AA1C-4E2A-9D95-1CC39367E257}"/>
+              </a:ext>
+            </a:extLst>
+          </p:cNvPr>
+          <p:cNvSpPr>
+            <a:spLocks noGrp="1"/>
+          </p:cNvSpPr>
+          <p:nvPr>
+            <p:ph type="body" sz="quarter" idx="13"/>
+          </p:nvPr>
+        </p:nvSpPr>
+        <p:spPr>
+          <a:xfrm>
+            <a:off x="762000" y="1783952"/>
+            <a:ext cx="5921604" cy="4358084"/>
+          </a:xfrm>
+        </p:spPr>
+        <p:txBody>
+          <a:bodyPr/>
+          <a:lstStyle/>
+          <a:p>
+            <a:pPr marL="285750" indent="-285750">
+              <a:buFont typeface="Arial" panose="020B0604020202020204" pitchFamily="34" charset="0"/>
+              <a:buChar char="•"/>
+            </a:pPr>
+            <a:r>
+              <a:rPr lang="en-US" b="1" i="1" dirty="0"/>
+              <a:t>describe()</a:t>
+            </a:r>
+          </a:p>
+          <a:p>
+            <a:pPr lvl="1" indent="0">
+              <a:buNone/>
+            </a:pPr>
+            <a:r>
+              <a:rPr lang="en-US" sz="1800" i="1" dirty="0"/>
+              <a:t>describe() </a:t>
+            </a:r>
+            <a:r>
+              <a:rPr lang="en-US" sz="1800" dirty="0"/>
+              <a:t>is used to generate descriptive statistics of the data in a Pandas DataFrame or Series. It summarizes central tendency and dispersion of the dataset. </a:t>
+            </a:r>
+            <a:r>
+              <a:rPr lang="en-US" sz="1800" i="1" dirty="0"/>
+              <a:t>describe() </a:t>
+            </a:r>
+            <a:r>
+              <a:rPr lang="en-US" sz="1800" dirty="0"/>
+              <a:t>helps in getting a quick overview of the dataset. More details about describe() can be found here.</a:t>
+            </a:r>
+          </a:p>
+          <a:p>
+            <a:pPr marL="285750" indent="-285750"/>
+            <a:endParaRPr lang="en-US" dirty="0"/>
+          </a:p>
+        </p:txBody>
+      </p:sp>
+      <p:pic>
+        <p:nvPicPr>
+          <p:cNvPr id="6" name="Picture 5">
+            <a:extLst>
+              <a:ext uri="{FF2B5EF4-FFF2-40B4-BE49-F238E27FC236}">
+                <a16:creationId xmlns:a16="http://schemas.microsoft.com/office/drawing/2014/main" id="{47EF4142-C920-4D64-B9E7-5A9D7904F449}"/>
+              </a:ext>
+            </a:extLst>
+          </p:cNvPr>
+          <p:cNvPicPr>
+            <a:picLocks noChangeAspect="1"/>
+          </p:cNvPicPr>
+          <p:nvPr/>
+        </p:nvPicPr>
+        <p:blipFill rotWithShape="1">
+          <a:blip r:embed="rId2"/>
+          <a:srcRect/>
+          <a:stretch/>
+        </p:blipFill>
+        <p:spPr>
+          <a:xfrm>
+            <a:off x="6843090" y="1783952"/>
+            <a:ext cx="5033224" cy="4246176"/>
+          </a:xfrm>
+          <a:prstGeom prst="roundRect">
+            <a:avLst>
+              <a:gd name="adj" fmla="val 5567"/>
+            </a:avLst>
+          </a:prstGeom>
+        </p:spPr>
+      </p:pic>
+      <p:sp>
+        <p:nvSpPr>
+          <p:cNvPr id="8" name="TextBox 7">
+            <a:extLst>
+              <a:ext uri="{FF2B5EF4-FFF2-40B4-BE49-F238E27FC236}">
+                <a16:creationId xmlns:a16="http://schemas.microsoft.com/office/drawing/2014/main" id="{465755F0-B6DF-485E-9F9B-7351B51BC417}"/>
+              </a:ext>
+            </a:extLst>
+          </p:cNvPr>
+          <p:cNvSpPr txBox="1"/>
+          <p:nvPr/>
+        </p:nvSpPr>
+        <p:spPr>
+          <a:xfrm>
+            <a:off x="761999" y="3907040"/>
+            <a:ext cx="6094428" cy="1477328"/>
+          </a:xfrm>
+          <a:prstGeom prst="rect">
+            <a:avLst/>
+          </a:prstGeom>
+          <a:noFill/>
+        </p:spPr>
+        <p:txBody>
+          <a:bodyPr wrap="square">
+            <a:spAutoFit/>
+          </a:bodyPr>
+          <a:lstStyle/>
+          <a:p>
+            <a:pPr algn="just"/>
+            <a:r>
+              <a:rPr lang="en-US" b="1" i="1" dirty="0"/>
+              <a:t>describe() </a:t>
+            </a:r>
+            <a:r>
+              <a:rPr lang="en-US" dirty="0"/>
+              <a:t>lists out different descriptive statistical measures for all numerical columns in our dataset. By assigning the include attribute the value ‘all’, we can get the description to include all columns, including those containing categorical information.</a:t>
+            </a:r>
+          </a:p>
+        </p:txBody>
+      </p:sp>
+    </p:spTree>
+    <p:extLst>
+      <p:ext uri="{BB962C8B-B14F-4D97-AF65-F5344CB8AC3E}">
+        <p14:creationId xmlns:p14="http://schemas.microsoft.com/office/powerpoint/2010/main" val="3103327301"/>
+      </p:ext>
+    </p:extLst>
+  </p:cSld>
+  <p:clrMapOvr>
+    <a:masterClrMapping/>
+  </p:clrMapOvr>
+  <mc:AlternateContent xmlns:mc="http://schemas.openxmlformats.org/markup-compatibility/2006" xmlns:p14="http://schemas.microsoft.com/office/powerpoint/2010/main">
+    <mc:Choice Requires="p14">
+      <p:transition spd="med" p14:dur="700">
+        <p:fade/>
+      </p:transition>
+    </mc:Choice>
+    <mc:Fallback xmlns="">
+      <p:transition spd="med">
+        <p:fade/>
+      </p:transition>
+    </mc:Fallback>
+  </mc:AlternateContent>
+</p:sld>
+</file>
+
+<file path=ppt/slides/slide22.xml><?xml version="1.0" encoding="utf-8"?>
+<p:sld xmlns:a="http://schemas.openxmlformats.org/drawingml/2006/main" xmlns:r="http://schemas.openxmlformats.org/officeDocument/2006/relationships" xmlns:p="http://schemas.openxmlformats.org/presentationml/2006/main">
+  <p:cSld>
+    <p:spTree>
+      <p:nvGrpSpPr>
+        <p:cNvPr id="1" name=""/>
+        <p:cNvGrpSpPr/>
+        <p:nvPr/>
+      </p:nvGrpSpPr>
+      <p:grpSpPr>
+        <a:xfrm>
+          <a:off x="0" y="0"/>
+          <a:ext cx="0" cy="0"/>
+          <a:chOff x="0" y="0"/>
+          <a:chExt cx="0" cy="0"/>
+        </a:xfrm>
+      </p:grpSpPr>
+      <p:sp>
+        <p:nvSpPr>
+          <p:cNvPr id="2" name="Slide Number Placeholder 1">
+            <a:extLst>
+              <a:ext uri="{FF2B5EF4-FFF2-40B4-BE49-F238E27FC236}">
+                <a16:creationId xmlns:a16="http://schemas.microsoft.com/office/drawing/2014/main" id="{940BCDCF-DF05-44BA-945E-2BE55EFC1DD2}"/>
+              </a:ext>
+            </a:extLst>
+          </p:cNvPr>
+          <p:cNvSpPr>
+            <a:spLocks noGrp="1"/>
+          </p:cNvSpPr>
+          <p:nvPr>
+            <p:ph type="sldNum" sz="quarter" idx="4"/>
+          </p:nvPr>
+        </p:nvSpPr>
+        <p:spPr/>
+        <p:txBody>
+          <a:bodyPr/>
+          <a:lstStyle/>
+          <a:p>
+            <a:fld id="{8402A1B0-4691-41D9-84E0-69D594EAA3FE}" type="slidenum">
+              <a:rPr lang="en-US" altLang="en-US" smtClean="0"/>
+              <a:pPr/>
+              <a:t>22</a:t>
+            </a:fld>
+            <a:endParaRPr lang="en-US" altLang="en-US" dirty="0"/>
+          </a:p>
+        </p:txBody>
+      </p:sp>
+      <p:sp>
+        <p:nvSpPr>
+          <p:cNvPr id="3" name="Title 2">
+            <a:extLst>
+              <a:ext uri="{FF2B5EF4-FFF2-40B4-BE49-F238E27FC236}">
+                <a16:creationId xmlns:a16="http://schemas.microsoft.com/office/drawing/2014/main" id="{0CFB143D-0EE5-4B85-B8D8-5A480E0A132C}"/>
+              </a:ext>
+            </a:extLst>
+          </p:cNvPr>
+          <p:cNvSpPr>
+            <a:spLocks noGrp="1"/>
+          </p:cNvSpPr>
+          <p:nvPr>
+            <p:ph type="title"/>
+          </p:nvPr>
+        </p:nvSpPr>
+        <p:spPr/>
+        <p:txBody>
+          <a:bodyPr/>
+          <a:lstStyle/>
+          <a:p>
+            <a:r>
+              <a:rPr lang="en-US" dirty="0"/>
+              <a:t>Pandas - Analyzing</a:t>
+            </a:r>
+          </a:p>
+        </p:txBody>
+      </p:sp>
+      <p:sp>
+        <p:nvSpPr>
+          <p:cNvPr id="4" name="Text Placeholder 3">
+            <a:extLst>
+              <a:ext uri="{FF2B5EF4-FFF2-40B4-BE49-F238E27FC236}">
+                <a16:creationId xmlns:a16="http://schemas.microsoft.com/office/drawing/2014/main" id="{1B1FC7B3-1435-4B46-8122-E41EDAC26526}"/>
+              </a:ext>
+            </a:extLst>
+          </p:cNvPr>
+          <p:cNvSpPr>
+            <a:spLocks noGrp="1"/>
+          </p:cNvSpPr>
+          <p:nvPr>
+            <p:ph type="body" sz="quarter" idx="13"/>
+          </p:nvPr>
+        </p:nvSpPr>
+        <p:spPr>
+          <a:xfrm>
+            <a:off x="762000" y="1783952"/>
+            <a:ext cx="5780202" cy="4358084"/>
+          </a:xfrm>
+        </p:spPr>
+        <p:txBody>
+          <a:bodyPr/>
+          <a:lstStyle/>
+          <a:p>
+            <a:pPr marL="285750" indent="-285750">
+              <a:buFont typeface="Arial" panose="020B0604020202020204" pitchFamily="34" charset="0"/>
+              <a:buChar char="•"/>
+            </a:pPr>
+            <a:r>
+              <a:rPr lang="en-US" b="1" i="1" dirty="0"/>
+              <a:t>memory_usage()</a:t>
+            </a:r>
+          </a:p>
+          <a:p>
+            <a:pPr lvl="1" indent="0" algn="just">
+              <a:buNone/>
+            </a:pPr>
+            <a:r>
+              <a:rPr lang="en-US" sz="1800" i="1" dirty="0"/>
+              <a:t>memory_usage() </a:t>
+            </a:r>
+            <a:r>
+              <a:rPr lang="en-US" sz="1800" dirty="0"/>
+              <a:t>returns a Pandas Series having the memory usage of each column (in bytes) in a Pandas DataFrame. By specifying the deep attribute as True, we can get to know the actual space being taken by each column. More details on </a:t>
+            </a:r>
+            <a:r>
+              <a:rPr lang="en-US" sz="1800" i="1" dirty="0"/>
+              <a:t>memory_usage() </a:t>
+            </a:r>
+            <a:r>
+              <a:rPr lang="en-US" sz="1800" dirty="0"/>
+              <a:t>can be found here.</a:t>
+            </a:r>
+          </a:p>
+          <a:p>
+            <a:pPr lvl="1" indent="0">
+              <a:buNone/>
+            </a:pPr>
+            <a:endParaRPr lang="en-US" sz="1800" dirty="0"/>
+          </a:p>
+        </p:txBody>
+      </p:sp>
+      <p:pic>
+        <p:nvPicPr>
+          <p:cNvPr id="6" name="Picture 5">
+            <a:extLst>
+              <a:ext uri="{FF2B5EF4-FFF2-40B4-BE49-F238E27FC236}">
+                <a16:creationId xmlns:a16="http://schemas.microsoft.com/office/drawing/2014/main" id="{CF5A3435-651D-4C30-BBD6-B42188212A69}"/>
+              </a:ext>
+            </a:extLst>
+          </p:cNvPr>
+          <p:cNvPicPr>
+            <a:picLocks noChangeAspect="1"/>
+          </p:cNvPicPr>
+          <p:nvPr/>
+        </p:nvPicPr>
+        <p:blipFill>
+          <a:blip r:embed="rId2"/>
+          <a:stretch>
+            <a:fillRect/>
+          </a:stretch>
+        </p:blipFill>
+        <p:spPr>
+          <a:xfrm>
+            <a:off x="7568180" y="1462247"/>
+            <a:ext cx="4079234" cy="4794152"/>
+          </a:xfrm>
+          <a:prstGeom prst="roundRect">
+            <a:avLst>
+              <a:gd name="adj" fmla="val 7210"/>
+            </a:avLst>
+          </a:prstGeom>
+        </p:spPr>
+      </p:pic>
+      <p:sp>
+        <p:nvSpPr>
+          <p:cNvPr id="8" name="TextBox 7">
+            <a:extLst>
+              <a:ext uri="{FF2B5EF4-FFF2-40B4-BE49-F238E27FC236}">
+                <a16:creationId xmlns:a16="http://schemas.microsoft.com/office/drawing/2014/main" id="{3CF549D6-7258-4D66-89FC-08F2D9102F05}"/>
+              </a:ext>
+            </a:extLst>
+          </p:cNvPr>
+          <p:cNvSpPr txBox="1"/>
+          <p:nvPr/>
+        </p:nvSpPr>
+        <p:spPr>
+          <a:xfrm>
+            <a:off x="604887" y="3859323"/>
+            <a:ext cx="6094428" cy="1200329"/>
+          </a:xfrm>
+          <a:prstGeom prst="rect">
+            <a:avLst/>
+          </a:prstGeom>
+          <a:noFill/>
+        </p:spPr>
+        <p:txBody>
+          <a:bodyPr wrap="square">
+            <a:spAutoFit/>
+          </a:bodyPr>
+          <a:lstStyle/>
+          <a:p>
+            <a:r>
+              <a:rPr lang="en-US" dirty="0"/>
+              <a:t>The memory usage of each column has been given as output in a Pandas Series. It is important to know the memory usage of a DataFrame, so that you can tackle errors like MemoryError in Python.</a:t>
+            </a:r>
+          </a:p>
+        </p:txBody>
+      </p:sp>
+    </p:spTree>
+    <p:extLst>
+      <p:ext uri="{BB962C8B-B14F-4D97-AF65-F5344CB8AC3E}">
+        <p14:creationId xmlns:p14="http://schemas.microsoft.com/office/powerpoint/2010/main" val="3778210933"/>
+      </p:ext>
+    </p:extLst>
+  </p:cSld>
+  <p:clrMapOvr>
+    <a:masterClrMapping/>
+  </p:clrMapOvr>
+  <mc:AlternateContent xmlns:mc="http://schemas.openxmlformats.org/markup-compatibility/2006" xmlns:p14="http://schemas.microsoft.com/office/powerpoint/2010/main">
+    <mc:Choice Requires="p14">
+      <p:transition spd="med" p14:dur="700">
+        <p:fade/>
+      </p:transition>
+    </mc:Choice>
+    <mc:Fallback xmlns="">
+      <p:transition spd="med">
+        <p:fade/>
+      </p:transition>
+    </mc:Fallback>
+  </mc:AlternateContent>
+</p:sld>
+</file>
+
+<file path=ppt/slides/slide23.xml><?xml version="1.0" encoding="utf-8"?>
+<p:sld xmlns:a="http://schemas.openxmlformats.org/drawingml/2006/main" xmlns:r="http://schemas.openxmlformats.org/officeDocument/2006/relationships" xmlns:p="http://schemas.openxmlformats.org/presentationml/2006/main">
+  <p:cSld>
+    <p:spTree>
+      <p:nvGrpSpPr>
+        <p:cNvPr id="1" name=""/>
+        <p:cNvGrpSpPr/>
+        <p:nvPr/>
+      </p:nvGrpSpPr>
+      <p:grpSpPr>
+        <a:xfrm>
+          <a:off x="0" y="0"/>
+          <a:ext cx="0" cy="0"/>
+          <a:chOff x="0" y="0"/>
+          <a:chExt cx="0" cy="0"/>
+        </a:xfrm>
+      </p:grpSpPr>
+      <p:sp>
+        <p:nvSpPr>
+          <p:cNvPr id="2" name="Slide Number Placeholder 1">
+            <a:extLst>
+              <a:ext uri="{FF2B5EF4-FFF2-40B4-BE49-F238E27FC236}">
+                <a16:creationId xmlns:a16="http://schemas.microsoft.com/office/drawing/2014/main" id="{98690B54-15C3-40AC-9793-870463704F5D}"/>
+              </a:ext>
+            </a:extLst>
+          </p:cNvPr>
+          <p:cNvSpPr>
+            <a:spLocks noGrp="1"/>
+          </p:cNvSpPr>
+          <p:nvPr>
+            <p:ph type="sldNum" sz="quarter" idx="4"/>
+          </p:nvPr>
+        </p:nvSpPr>
+        <p:spPr/>
+        <p:txBody>
+          <a:bodyPr/>
+          <a:lstStyle/>
+          <a:p>
+            <a:fld id="{8402A1B0-4691-41D9-84E0-69D594EAA3FE}" type="slidenum">
+              <a:rPr lang="en-US" altLang="en-US" smtClean="0"/>
+              <a:pPr/>
+              <a:t>23</a:t>
+            </a:fld>
+            <a:endParaRPr lang="en-US" altLang="en-US" dirty="0"/>
+          </a:p>
+        </p:txBody>
+      </p:sp>
+      <p:sp>
+        <p:nvSpPr>
+          <p:cNvPr id="3" name="Title 2">
+            <a:extLst>
+              <a:ext uri="{FF2B5EF4-FFF2-40B4-BE49-F238E27FC236}">
+                <a16:creationId xmlns:a16="http://schemas.microsoft.com/office/drawing/2014/main" id="{02A4DC85-9E99-45F3-8E8E-427AA2B36C9A}"/>
+              </a:ext>
+            </a:extLst>
+          </p:cNvPr>
+          <p:cNvSpPr>
+            <a:spLocks noGrp="1"/>
+          </p:cNvSpPr>
+          <p:nvPr>
+            <p:ph type="title"/>
+          </p:nvPr>
+        </p:nvSpPr>
+        <p:spPr/>
+        <p:txBody>
+          <a:bodyPr/>
+          <a:lstStyle/>
+          <a:p>
+            <a:endParaRPr lang="en-US"/>
+          </a:p>
+        </p:txBody>
+      </p:sp>
+      <p:sp>
+        <p:nvSpPr>
+          <p:cNvPr id="4" name="Text Placeholder 3">
+            <a:extLst>
+              <a:ext uri="{FF2B5EF4-FFF2-40B4-BE49-F238E27FC236}">
+                <a16:creationId xmlns:a16="http://schemas.microsoft.com/office/drawing/2014/main" id="{2C6A0258-AA1C-4E2A-9D95-1CC39367E257}"/>
+              </a:ext>
+            </a:extLst>
+          </p:cNvPr>
+          <p:cNvSpPr>
+            <a:spLocks noGrp="1"/>
+          </p:cNvSpPr>
+          <p:nvPr>
+            <p:ph type="body" sz="quarter" idx="13"/>
+          </p:nvPr>
+        </p:nvSpPr>
+        <p:spPr/>
+        <p:txBody>
+          <a:bodyPr/>
+          <a:lstStyle/>
+          <a:p>
+            <a:endParaRPr lang="en-US"/>
+          </a:p>
+        </p:txBody>
+      </p:sp>
+    </p:spTree>
+    <p:extLst>
+      <p:ext uri="{BB962C8B-B14F-4D97-AF65-F5344CB8AC3E}">
+        <p14:creationId xmlns:p14="http://schemas.microsoft.com/office/powerpoint/2010/main" val="884569300"/>
+      </p:ext>
+    </p:extLst>
+  </p:cSld>
+  <p:clrMapOvr>
+    <a:masterClrMapping/>
+  </p:clrMapOvr>
+  <mc:AlternateContent xmlns:mc="http://schemas.openxmlformats.org/markup-compatibility/2006" xmlns:p14="http://schemas.microsoft.com/office/powerpoint/2010/main">
+    <mc:Choice Requires="p14">
+      <p:transition spd="med" p14:dur="700">
+        <p:fade/>
+      </p:transition>
+    </mc:Choice>
+    <mc:Fallback xmlns="">
+      <p:transition spd="med">
+        <p:fade/>
+      </p:transition>
+    </mc:Fallback>
+  </mc:AlternateContent>
+</p:sld>
+</file>
+
+<file path=ppt/slides/slide24.xml><?xml version="1.0" encoding="utf-8"?>
+<p:sld xmlns:a="http://schemas.openxmlformats.org/drawingml/2006/main" xmlns:r="http://schemas.openxmlformats.org/officeDocument/2006/relationships" xmlns:p="http://schemas.openxmlformats.org/presentationml/2006/main">
+  <p:cSld>
+    <p:spTree>
+      <p:nvGrpSpPr>
+        <p:cNvPr id="1" name=""/>
+        <p:cNvGrpSpPr/>
+        <p:nvPr/>
+      </p:nvGrpSpPr>
+      <p:grpSpPr>
+        <a:xfrm>
+          <a:off x="0" y="0"/>
+          <a:ext cx="0" cy="0"/>
+          <a:chOff x="0" y="0"/>
+          <a:chExt cx="0" cy="0"/>
+        </a:xfrm>
+      </p:grpSpPr>
+      <p:sp>
+        <p:nvSpPr>
+          <p:cNvPr id="2" name="Slide Number Placeholder 1">
+            <a:extLst>
+              <a:ext uri="{FF2B5EF4-FFF2-40B4-BE49-F238E27FC236}">
+                <a16:creationId xmlns:a16="http://schemas.microsoft.com/office/drawing/2014/main" id="{940BCDCF-DF05-44BA-945E-2BE55EFC1DD2}"/>
+              </a:ext>
+            </a:extLst>
+          </p:cNvPr>
+          <p:cNvSpPr>
+            <a:spLocks noGrp="1"/>
+          </p:cNvSpPr>
+          <p:nvPr>
+            <p:ph type="sldNum" sz="quarter" idx="4"/>
+          </p:nvPr>
+        </p:nvSpPr>
+        <p:spPr/>
+        <p:txBody>
+          <a:bodyPr/>
+          <a:lstStyle/>
+          <a:p>
+            <a:fld id="{8402A1B0-4691-41D9-84E0-69D594EAA3FE}" type="slidenum">
+              <a:rPr lang="en-US" altLang="en-US" smtClean="0"/>
+              <a:pPr/>
+              <a:t>24</a:t>
+            </a:fld>
+            <a:endParaRPr lang="en-US" altLang="en-US" dirty="0"/>
+          </a:p>
+        </p:txBody>
+      </p:sp>
+      <p:sp>
+        <p:nvSpPr>
+          <p:cNvPr id="3" name="Title 2">
+            <a:extLst>
+              <a:ext uri="{FF2B5EF4-FFF2-40B4-BE49-F238E27FC236}">
+                <a16:creationId xmlns:a16="http://schemas.microsoft.com/office/drawing/2014/main" id="{0CFB143D-0EE5-4B85-B8D8-5A480E0A132C}"/>
+              </a:ext>
+            </a:extLst>
+          </p:cNvPr>
+          <p:cNvSpPr>
+            <a:spLocks noGrp="1"/>
+          </p:cNvSpPr>
+          <p:nvPr>
+            <p:ph type="title"/>
+          </p:nvPr>
+        </p:nvSpPr>
+        <p:spPr/>
+        <p:txBody>
+          <a:bodyPr/>
+          <a:lstStyle/>
+          <a:p>
+            <a:endParaRPr lang="en-US"/>
+          </a:p>
+        </p:txBody>
+      </p:sp>
+      <p:sp>
+        <p:nvSpPr>
+          <p:cNvPr id="4" name="Text Placeholder 3">
+            <a:extLst>
+              <a:ext uri="{FF2B5EF4-FFF2-40B4-BE49-F238E27FC236}">
+                <a16:creationId xmlns:a16="http://schemas.microsoft.com/office/drawing/2014/main" id="{1B1FC7B3-1435-4B46-8122-E41EDAC26526}"/>
+              </a:ext>
+            </a:extLst>
+          </p:cNvPr>
+          <p:cNvSpPr>
+            <a:spLocks noGrp="1"/>
+          </p:cNvSpPr>
+          <p:nvPr>
+            <p:ph type="body" sz="quarter" idx="13"/>
+          </p:nvPr>
+        </p:nvSpPr>
+        <p:spPr/>
+        <p:txBody>
+          <a:bodyPr/>
+          <a:lstStyle/>
+          <a:p>
+            <a:endParaRPr lang="en-US"/>
+          </a:p>
+        </p:txBody>
+      </p:sp>
+    </p:spTree>
+    <p:extLst>
+      <p:ext uri="{BB962C8B-B14F-4D97-AF65-F5344CB8AC3E}">
+        <p14:creationId xmlns:p14="http://schemas.microsoft.com/office/powerpoint/2010/main" val="1009603486"/>
+      </p:ext>
+    </p:extLst>
+  </p:cSld>
+  <p:clrMapOvr>
+    <a:masterClrMapping/>
+  </p:clrMapOvr>
+  <mc:AlternateContent xmlns:mc="http://schemas.openxmlformats.org/markup-compatibility/2006" xmlns:p14="http://schemas.microsoft.com/office/powerpoint/2010/main">
+    <mc:Choice Requires="p14">
+      <p:transition spd="med" p14:dur="700">
+        <p:fade/>
+      </p:transition>
+    </mc:Choice>
+    <mc:Fallback xmlns="">
+      <p:transition spd="med">
+        <p:fade/>
+      </p:transition>
+    </mc:Fallback>
+  </mc:AlternateContent>
+</p:sld>
+</file>
+
+<file path=ppt/slides/slide25.xml><?xml version="1.0" encoding="utf-8"?>
+<p:sld xmlns:a="http://schemas.openxmlformats.org/drawingml/2006/main" xmlns:r="http://schemas.openxmlformats.org/officeDocument/2006/relationships" xmlns:p="http://schemas.openxmlformats.org/presentationml/2006/main">
+  <p:cSld>
+    <p:spTree>
+      <p:nvGrpSpPr>
+        <p:cNvPr id="1" name=""/>
+        <p:cNvGrpSpPr/>
+        <p:nvPr/>
+      </p:nvGrpSpPr>
+      <p:grpSpPr>
+        <a:xfrm>
+          <a:off x="0" y="0"/>
+          <a:ext cx="0" cy="0"/>
+          <a:chOff x="0" y="0"/>
+          <a:chExt cx="0" cy="0"/>
+        </a:xfrm>
+      </p:grpSpPr>
+      <p:sp>
+        <p:nvSpPr>
+          <p:cNvPr id="2" name="Slide Number Placeholder 1">
+            <a:extLst>
+              <a:ext uri="{FF2B5EF4-FFF2-40B4-BE49-F238E27FC236}">
+                <a16:creationId xmlns:a16="http://schemas.microsoft.com/office/drawing/2014/main" id="{61ACCDB5-53AC-46A1-8477-D467E9D7623C}"/>
+              </a:ext>
+            </a:extLst>
+          </p:cNvPr>
+          <p:cNvSpPr>
+            <a:spLocks noGrp="1"/>
+          </p:cNvSpPr>
+          <p:nvPr>
+            <p:ph type="sldNum" sz="quarter" idx="4"/>
+          </p:nvPr>
+        </p:nvSpPr>
+        <p:spPr/>
+        <p:txBody>
+          <a:bodyPr/>
+          <a:lstStyle/>
+          <a:p>
+            <a:fld id="{8402A1B0-4691-41D9-84E0-69D594EAA3FE}" type="slidenum">
+              <a:rPr lang="en-US" altLang="en-US" smtClean="0"/>
+              <a:pPr/>
+              <a:t>25</a:t>
             </a:fld>
             <a:endParaRPr lang="en-US" altLang="en-US" dirty="0"/>
           </a:p>
@@ -8600,7 +9461,129 @@
 </p:sld>
 </file>
 
-<file path=ppt/slides/slide22.xml><?xml version="1.0" encoding="utf-8"?>
+<file path=ppt/slides/slide26.xml><?xml version="1.0" encoding="utf-8"?>
+<p:sld xmlns:a="http://schemas.openxmlformats.org/drawingml/2006/main" xmlns:r="http://schemas.openxmlformats.org/officeDocument/2006/relationships" xmlns:p="http://schemas.openxmlformats.org/presentationml/2006/main">
+  <p:cSld>
+    <p:spTree>
+      <p:nvGrpSpPr>
+        <p:cNvPr id="1" name=""/>
+        <p:cNvGrpSpPr/>
+        <p:nvPr/>
+      </p:nvGrpSpPr>
+      <p:grpSpPr>
+        <a:xfrm>
+          <a:off x="0" y="0"/>
+          <a:ext cx="0" cy="0"/>
+          <a:chOff x="0" y="0"/>
+          <a:chExt cx="0" cy="0"/>
+        </a:xfrm>
+      </p:grpSpPr>
+      <p:sp>
+        <p:nvSpPr>
+          <p:cNvPr id="2" name="Slide Number Placeholder 1">
+            <a:extLst>
+              <a:ext uri="{FF2B5EF4-FFF2-40B4-BE49-F238E27FC236}">
+                <a16:creationId xmlns:a16="http://schemas.microsoft.com/office/drawing/2014/main" id="{940BCDCF-DF05-44BA-945E-2BE55EFC1DD2}"/>
+              </a:ext>
+            </a:extLst>
+          </p:cNvPr>
+          <p:cNvSpPr>
+            <a:spLocks noGrp="1"/>
+          </p:cNvSpPr>
+          <p:nvPr>
+            <p:ph type="sldNum" sz="quarter" idx="4"/>
+          </p:nvPr>
+        </p:nvSpPr>
+        <p:spPr/>
+        <p:txBody>
+          <a:bodyPr/>
+          <a:lstStyle/>
+          <a:p>
+            <a:fld id="{8402A1B0-4691-41D9-84E0-69D594EAA3FE}" type="slidenum">
+              <a:rPr lang="en-US" altLang="en-US" smtClean="0"/>
+              <a:pPr/>
+              <a:t>26</a:t>
+            </a:fld>
+            <a:endParaRPr lang="en-US" altLang="en-US" dirty="0"/>
+          </a:p>
+        </p:txBody>
+      </p:sp>
+      <p:sp>
+        <p:nvSpPr>
+          <p:cNvPr id="3" name="Title 2">
+            <a:extLst>
+              <a:ext uri="{FF2B5EF4-FFF2-40B4-BE49-F238E27FC236}">
+                <a16:creationId xmlns:a16="http://schemas.microsoft.com/office/drawing/2014/main" id="{0CFB143D-0EE5-4B85-B8D8-5A480E0A132C}"/>
+              </a:ext>
+            </a:extLst>
+          </p:cNvPr>
+          <p:cNvSpPr>
+            <a:spLocks noGrp="1"/>
+          </p:cNvSpPr>
+          <p:nvPr>
+            <p:ph type="title"/>
+          </p:nvPr>
+        </p:nvSpPr>
+        <p:spPr/>
+        <p:txBody>
+          <a:bodyPr/>
+          <a:lstStyle/>
+          <a:p>
+            <a:endParaRPr lang="en-US"/>
+          </a:p>
+        </p:txBody>
+      </p:sp>
+      <p:sp>
+        <p:nvSpPr>
+          <p:cNvPr id="4" name="Text Placeholder 3">
+            <a:extLst>
+              <a:ext uri="{FF2B5EF4-FFF2-40B4-BE49-F238E27FC236}">
+                <a16:creationId xmlns:a16="http://schemas.microsoft.com/office/drawing/2014/main" id="{1B1FC7B3-1435-4B46-8122-E41EDAC26526}"/>
+              </a:ext>
+            </a:extLst>
+          </p:cNvPr>
+          <p:cNvSpPr>
+            <a:spLocks noGrp="1"/>
+          </p:cNvSpPr>
+          <p:nvPr>
+            <p:ph type="body" sz="quarter" idx="13"/>
+          </p:nvPr>
+        </p:nvSpPr>
+        <p:spPr/>
+        <p:txBody>
+          <a:bodyPr/>
+          <a:lstStyle/>
+          <a:p>
+            <a:endParaRPr lang="en-US"/>
+          </a:p>
+        </p:txBody>
+      </p:sp>
+    </p:spTree>
+    <p:extLst>
+      <p:ext uri="{BB962C8B-B14F-4D97-AF65-F5344CB8AC3E}">
+        <p14:creationId xmlns:p14="http://schemas.microsoft.com/office/powerpoint/2010/main" val="2929083473"/>
+      </p:ext>
+    </p:extLst>
+  </p:cSld>
+  <p:clrMapOvr>
+    <a:masterClrMapping/>
+  </p:clrMapOvr>
+  <mc:AlternateContent xmlns:mc="http://schemas.openxmlformats.org/markup-compatibility/2006" xmlns:p14="http://schemas.microsoft.com/office/powerpoint/2010/main">
+    <mc:Choice Requires="p14">
+      <p:transition spd="med" p14:dur="700">
+        <p:fade/>
+      </p:transition>
+    </mc:Choice>
+    <mc:Fallback xmlns="">
+      <p:transition spd="med">
+        <p:fade/>
+      </p:transition>
+    </mc:Fallback>
+  </mc:AlternateContent>
+</p:sld>
+</file>
+
+<file path=ppt/slides/slide27.xml><?xml version="1.0" encoding="utf-8"?>
 <p:sld xmlns:a="http://schemas.openxmlformats.org/drawingml/2006/main" xmlns:r="http://schemas.openxmlformats.org/officeDocument/2006/relationships" xmlns:p="http://schemas.openxmlformats.org/presentationml/2006/main">
   <p:cSld>
     <p:bg>
@@ -8708,7 +9691,7 @@
             <a:fld id="{8402A1B0-4691-41D9-84E0-69D594EAA3FE}" type="slidenum">
               <a:rPr lang="en-US" altLang="en-US" smtClean="0"/>
               <a:pPr/>
-              <a:t>22</a:t>
+              <a:t>27</a:t>
             </a:fld>
             <a:endParaRPr lang="en-US" altLang="en-US" dirty="0"/>
           </a:p>

--- a/Pandas Tutorials.pptx
+++ b/Pandas Tutorials.pptx
@@ -5,10 +5,10 @@
     <p:sldMasterId id="2147483717" r:id="rId4"/>
   </p:sldMasterIdLst>
   <p:notesMasterIdLst>
-    <p:notesMasterId r:id="rId32"/>
+    <p:notesMasterId r:id="rId44"/>
   </p:notesMasterIdLst>
   <p:handoutMasterIdLst>
-    <p:handoutMasterId r:id="rId33"/>
+    <p:handoutMasterId r:id="rId45"/>
   </p:handoutMasterIdLst>
   <p:sldIdLst>
     <p:sldId id="1865" r:id="rId5"/>
@@ -35,9 +35,21 @@
     <p:sldId id="1898" r:id="rId26"/>
     <p:sldId id="1900" r:id="rId27"/>
     <p:sldId id="1901" r:id="rId28"/>
-    <p:sldId id="1897" r:id="rId29"/>
-    <p:sldId id="1902" r:id="rId30"/>
-    <p:sldId id="1876" r:id="rId31"/>
+    <p:sldId id="1903" r:id="rId29"/>
+    <p:sldId id="1904" r:id="rId30"/>
+    <p:sldId id="1905" r:id="rId31"/>
+    <p:sldId id="1906" r:id="rId32"/>
+    <p:sldId id="1907" r:id="rId33"/>
+    <p:sldId id="1908" r:id="rId34"/>
+    <p:sldId id="1909" r:id="rId35"/>
+    <p:sldId id="1910" r:id="rId36"/>
+    <p:sldId id="1911" r:id="rId37"/>
+    <p:sldId id="1912" r:id="rId38"/>
+    <p:sldId id="1913" r:id="rId39"/>
+    <p:sldId id="1914" r:id="rId40"/>
+    <p:sldId id="1897" r:id="rId41"/>
+    <p:sldId id="1902" r:id="rId42"/>
+    <p:sldId id="1876" r:id="rId43"/>
   </p:sldIdLst>
   <p:sldSz cx="12192000" cy="6858000"/>
   <p:notesSz cx="6858000" cy="9144000"/>
@@ -195,6 +207,18 @@
             <p14:sldId id="1898"/>
             <p14:sldId id="1900"/>
             <p14:sldId id="1901"/>
+            <p14:sldId id="1903"/>
+            <p14:sldId id="1904"/>
+            <p14:sldId id="1905"/>
+            <p14:sldId id="1906"/>
+            <p14:sldId id="1907"/>
+            <p14:sldId id="1908"/>
+            <p14:sldId id="1909"/>
+            <p14:sldId id="1910"/>
+            <p14:sldId id="1911"/>
+            <p14:sldId id="1912"/>
+            <p14:sldId id="1913"/>
+            <p14:sldId id="1914"/>
             <p14:sldId id="1897"/>
             <p14:sldId id="1902"/>
             <p14:sldId id="1876"/>
@@ -6901,24 +6925,36 @@
           </a:p>
           <a:p>
             <a:pPr algn="just"/>
-            <a:endParaRPr lang="en-US" dirty="0"/>
-          </a:p>
-          <a:p>
-            <a:pPr algn="just"/>
             <a:r>
               <a:rPr lang="en-US" b="1" dirty="0"/>
               <a:t>Note:</a:t>
             </a:r>
             <a:r>
               <a:rPr lang="en-US" dirty="0"/>
-              <a:t> This example returns a Pandas </a:t>
-            </a:r>
-            <a:r>
-              <a:rPr lang="en-US" b="1" dirty="0"/>
+              <a:t> </a:t>
+            </a:r>
+            <a:r>
+              <a:rPr lang="en-US" dirty="0">
+                <a:solidFill>
+                  <a:srgbClr val="3B2E58"/>
+                </a:solidFill>
+              </a:rPr>
+              <a:t>This example returns a Pandas </a:t>
+            </a:r>
+            <a:r>
+              <a:rPr lang="en-US" b="1" dirty="0">
+                <a:solidFill>
+                  <a:srgbClr val="3B2E58"/>
+                </a:solidFill>
+              </a:rPr>
               <a:t>Series</a:t>
             </a:r>
             <a:r>
-              <a:rPr lang="en-US" dirty="0"/>
+              <a:rPr lang="en-US" dirty="0">
+                <a:solidFill>
+                  <a:srgbClr val="3B2E58"/>
+                </a:solidFill>
+              </a:rPr>
               <a:t>.</a:t>
             </a:r>
           </a:p>
@@ -6950,7 +6986,7 @@
         </p:blipFill>
         <p:spPr>
           <a:xfrm>
-            <a:off x="7062107" y="1651312"/>
+            <a:off x="6949168" y="845534"/>
             <a:ext cx="4367891" cy="4416021"/>
           </a:xfrm>
           <a:prstGeom prst="roundRect">
@@ -6960,6 +6996,80 @@
           </a:prstGeom>
         </p:spPr>
       </p:pic>
+      <p:sp>
+        <p:nvSpPr>
+          <p:cNvPr id="7" name="TextBox 6">
+            <a:extLst>
+              <a:ext uri="{FF2B5EF4-FFF2-40B4-BE49-F238E27FC236}">
+                <a16:creationId xmlns:a16="http://schemas.microsoft.com/office/drawing/2014/main" id="{513060DE-A76B-4618-944D-CA54C2421B34}"/>
+              </a:ext>
+            </a:extLst>
+          </p:cNvPr>
+          <p:cNvSpPr txBox="1"/>
+          <p:nvPr/>
+        </p:nvSpPr>
+        <p:spPr>
+          <a:xfrm>
+            <a:off x="707727" y="3609996"/>
+            <a:ext cx="6094428" cy="1754326"/>
+          </a:xfrm>
+          <a:prstGeom prst="rect">
+            <a:avLst/>
+          </a:prstGeom>
+          <a:noFill/>
+        </p:spPr>
+        <p:txBody>
+          <a:bodyPr wrap="square">
+            <a:spAutoFit/>
+          </a:bodyPr>
+          <a:lstStyle/>
+          <a:p>
+            <a:r>
+              <a:rPr lang="en-US" dirty="0"/>
+              <a:t>loc[:] helps to access a group of rows and columns in a dataset, a slice of the dataset, as per our requirement. For instance, if we only want the last 2 rows and the first 3 columns of a dataset, we can access them with the help of loc[:]. We can also access rows and columns based on labels instead of row and column number.</a:t>
+            </a:r>
+          </a:p>
+        </p:txBody>
+      </p:sp>
+      <p:sp>
+        <p:nvSpPr>
+          <p:cNvPr id="9" name="TextBox 8">
+            <a:extLst>
+              <a:ext uri="{FF2B5EF4-FFF2-40B4-BE49-F238E27FC236}">
+                <a16:creationId xmlns:a16="http://schemas.microsoft.com/office/drawing/2014/main" id="{EC537CA0-E24A-4DA3-8A32-A6F6B7725A99}"/>
+              </a:ext>
+            </a:extLst>
+          </p:cNvPr>
+          <p:cNvSpPr txBox="1"/>
+          <p:nvPr/>
+        </p:nvSpPr>
+        <p:spPr>
+          <a:xfrm>
+            <a:off x="707726" y="5407816"/>
+            <a:ext cx="11292596" cy="923330"/>
+          </a:xfrm>
+          <a:prstGeom prst="rect">
+            <a:avLst/>
+          </a:prstGeom>
+          <a:noFill/>
+        </p:spPr>
+        <p:txBody>
+          <a:bodyPr wrap="square">
+            <a:spAutoFit/>
+          </a:bodyPr>
+          <a:lstStyle/>
+          <a:p>
+            <a:r>
+              <a:rPr lang="en-US" b="1" i="1" dirty="0"/>
+              <a:t>iloc[:] </a:t>
+            </a:r>
+            <a:r>
+              <a:rPr lang="en-US" dirty="0"/>
+              <a:t>works in a similar manner, just that iloc[:] is not inclusive on both values. So iloc[0:4] would return rows with index 0, 1, 2, and 3, while loc[0:4] would return rows with index 0, 1, 2, 3, and 4. The documentation for iloc[:] can be found here.</a:t>
+            </a:r>
+          </a:p>
+        </p:txBody>
+      </p:sp>
     </p:spTree>
     <p:extLst>
       <p:ext uri="{BB962C8B-B14F-4D97-AF65-F5344CB8AC3E}">
@@ -9159,7 +9269,10 @@
           <a:bodyPr/>
           <a:lstStyle/>
           <a:p>
-            <a:endParaRPr lang="en-US"/>
+            <a:r>
+              <a:rPr lang="en-US" dirty="0"/>
+              <a:t>Pandas - Analyzing</a:t>
+            </a:r>
           </a:p>
         </p:txBody>
       </p:sp>
@@ -9184,7 +9297,24 @@
           <a:bodyPr/>
           <a:lstStyle/>
           <a:p>
-            <a:endParaRPr lang="en-US"/>
+            <a:pPr marL="285750" indent="-285750">
+              <a:buFont typeface="Arial" panose="020B0604020202020204" pitchFamily="34" charset="0"/>
+              <a:buChar char="•"/>
+            </a:pPr>
+            <a:r>
+              <a:rPr lang="en-US" b="1" i="1" dirty="0"/>
+              <a:t>astype() </a:t>
+            </a:r>
+            <a:endParaRPr lang="fa-IR" b="1" i="1" dirty="0"/>
+          </a:p>
+          <a:p>
+            <a:pPr lvl="1" indent="0">
+              <a:buNone/>
+            </a:pPr>
+            <a:r>
+              <a:rPr lang="en-US" sz="1800" dirty="0"/>
+              <a:t>astype() is used to cast a Python object to a particular data type. It can be a very helpful function in case your data is not stored in the correct format (data type). For instance, if floating point numbers have somehow been misinterpreted by Python as strings, you can convert them back to floating point numbers with astype(). Or if you want to convert an object datatype to category, you can use astype().</a:t>
+            </a:r>
           </a:p>
         </p:txBody>
       </p:sp>
@@ -9281,7 +9411,10 @@
           <a:bodyPr/>
           <a:lstStyle/>
           <a:p>
-            <a:endParaRPr lang="en-US"/>
+            <a:r>
+              <a:rPr lang="en-US" dirty="0"/>
+              <a:t>Pandas - Analyzing</a:t>
+            </a:r>
           </a:p>
         </p:txBody>
       </p:sp>
@@ -9301,12 +9434,20 @@
             <p:ph type="body" sz="quarter" idx="13"/>
           </p:nvPr>
         </p:nvSpPr>
-        <p:spPr/>
+        <p:spPr>
+          <a:xfrm>
+            <a:off x="762000" y="1783952"/>
+            <a:ext cx="5865043" cy="4358084"/>
+          </a:xfrm>
+        </p:spPr>
         <p:txBody>
           <a:bodyPr/>
           <a:lstStyle/>
           <a:p>
-            <a:endParaRPr lang="en-US"/>
+            <a:r>
+              <a:rPr lang="en-US" dirty="0"/>
+              <a:t>value_counts() returns a Pandas Series containing the counts of unique values. Consider a dataset that contains customer information about 5,000 customers of a company. value_counts() will help us in identifying the number of occurrences of each unique value in a Series. It can be applied to columns containing data like State, Industry of employment, or age of customers.</a:t>
+            </a:r>
           </a:p>
         </p:txBody>
       </p:sp>
@@ -9357,7 +9498,7 @@
           <p:cNvPr id="2" name="Slide Number Placeholder 1">
             <a:extLst>
               <a:ext uri="{FF2B5EF4-FFF2-40B4-BE49-F238E27FC236}">
-                <a16:creationId xmlns:a16="http://schemas.microsoft.com/office/drawing/2014/main" id="{61ACCDB5-53AC-46A1-8477-D467E9D7623C}"/>
+                <a16:creationId xmlns:a16="http://schemas.microsoft.com/office/drawing/2014/main" id="{7CE8F52A-6426-47E9-9DF9-2ABA7440E3C8}"/>
               </a:ext>
             </a:extLst>
           </p:cNvPr>
@@ -9384,10 +9525,10 @@
       </p:sp>
       <p:sp>
         <p:nvSpPr>
-          <p:cNvPr id="5" name="Title 4">
-            <a:extLst>
-              <a:ext uri="{FF2B5EF4-FFF2-40B4-BE49-F238E27FC236}">
-                <a16:creationId xmlns:a16="http://schemas.microsoft.com/office/drawing/2014/main" id="{AF9BAF8D-C931-4150-A45D-0B3F83543E48}"/>
+          <p:cNvPr id="3" name="Title 2">
+            <a:extLst>
+              <a:ext uri="{FF2B5EF4-FFF2-40B4-BE49-F238E27FC236}">
+                <a16:creationId xmlns:a16="http://schemas.microsoft.com/office/drawing/2014/main" id="{E560DEDD-1E82-48E1-A593-07FA97F89386}"/>
               </a:ext>
             </a:extLst>
           </p:cNvPr>
@@ -9409,10 +9550,10 @@
       </p:sp>
       <p:sp>
         <p:nvSpPr>
-          <p:cNvPr id="6" name="Text Placeholder 5">
-            <a:extLst>
-              <a:ext uri="{FF2B5EF4-FFF2-40B4-BE49-F238E27FC236}">
-                <a16:creationId xmlns:a16="http://schemas.microsoft.com/office/drawing/2014/main" id="{42AC9401-AD3D-4DCE-A51A-F39E4B9AFBE2}"/>
+          <p:cNvPr id="4" name="Text Placeholder 3">
+            <a:extLst>
+              <a:ext uri="{FF2B5EF4-FFF2-40B4-BE49-F238E27FC236}">
+                <a16:creationId xmlns:a16="http://schemas.microsoft.com/office/drawing/2014/main" id="{EDD16AAC-4286-4DDA-A810-DC71CAAC1E2B}"/>
               </a:ext>
             </a:extLst>
           </p:cNvPr>
@@ -9428,18 +9569,14 @@
           <a:bodyPr/>
           <a:lstStyle/>
           <a:p>
-            <a:pPr algn="just"/>
-            <a:r>
-              <a:rPr lang="en-US" dirty="0"/>
-              <a:t>Continue here https://www.w3schools.com/python/pandas/pandas_cleaning.asp</a:t>
-            </a:r>
+            <a:endParaRPr lang="en-US"/>
           </a:p>
         </p:txBody>
       </p:sp>
     </p:spTree>
     <p:extLst>
       <p:ext uri="{BB962C8B-B14F-4D97-AF65-F5344CB8AC3E}">
-        <p14:creationId xmlns:p14="http://schemas.microsoft.com/office/powerpoint/2010/main" val="323933812"/>
+        <p14:creationId xmlns:p14="http://schemas.microsoft.com/office/powerpoint/2010/main" val="4206533334"/>
       </p:ext>
     </p:extLst>
   </p:cSld>
@@ -9561,7 +9698,7 @@
     </p:spTree>
     <p:extLst>
       <p:ext uri="{BB962C8B-B14F-4D97-AF65-F5344CB8AC3E}">
-        <p14:creationId xmlns:p14="http://schemas.microsoft.com/office/powerpoint/2010/main" val="2929083473"/>
+        <p14:creationId xmlns:p14="http://schemas.microsoft.com/office/powerpoint/2010/main" val="450323505"/>
       </p:ext>
     </p:extLst>
   </p:cSld>
@@ -9586,14 +9723,6 @@
 <file path=ppt/slides/slide27.xml><?xml version="1.0" encoding="utf-8"?>
 <p:sld xmlns:a="http://schemas.openxmlformats.org/drawingml/2006/main" xmlns:r="http://schemas.openxmlformats.org/officeDocument/2006/relationships" xmlns:p="http://schemas.openxmlformats.org/presentationml/2006/main">
   <p:cSld>
-    <p:bg>
-      <p:bgPr>
-        <a:solidFill>
-          <a:schemeClr val="accent2"/>
-        </a:solidFill>
-        <a:effectLst/>
-      </p:bgPr>
-    </p:bg>
     <p:spTree>
       <p:nvGrpSpPr>
         <p:cNvPr id="1" name=""/>
@@ -9610,69 +9739,10 @@
       </p:grpSpPr>
       <p:sp>
         <p:nvSpPr>
-          <p:cNvPr id="6" name="Title 5">
-            <a:extLst>
-              <a:ext uri="{FF2B5EF4-FFF2-40B4-BE49-F238E27FC236}">
-                <a16:creationId xmlns:a16="http://schemas.microsoft.com/office/drawing/2014/main" id="{5B34254B-4837-4E59-8D24-19908000C6C3}"/>
-              </a:ext>
-            </a:extLst>
-          </p:cNvPr>
-          <p:cNvSpPr>
-            <a:spLocks noGrp="1"/>
-          </p:cNvSpPr>
-          <p:nvPr>
-            <p:ph type="title"/>
-          </p:nvPr>
-        </p:nvSpPr>
-        <p:spPr/>
-        <p:txBody>
-          <a:bodyPr/>
-          <a:lstStyle/>
-          <a:p>
-            <a:r>
-              <a:rPr lang="en-US" dirty="0"/>
-              <a:t>Resources</a:t>
-            </a:r>
-          </a:p>
-        </p:txBody>
-      </p:sp>
-      <p:sp>
-        <p:nvSpPr>
-          <p:cNvPr id="3" name="Text Placeholder 2">
-            <a:extLst>
-              <a:ext uri="{FF2B5EF4-FFF2-40B4-BE49-F238E27FC236}">
-                <a16:creationId xmlns:a16="http://schemas.microsoft.com/office/drawing/2014/main" id="{D3316BC9-7937-4417-B232-1B37F4796011}"/>
-              </a:ext>
-            </a:extLst>
-          </p:cNvPr>
-          <p:cNvSpPr>
-            <a:spLocks noGrp="1"/>
-          </p:cNvSpPr>
-          <p:nvPr>
-            <p:ph type="body" sz="quarter" idx="11"/>
-          </p:nvPr>
-        </p:nvSpPr>
-        <p:spPr/>
-        <p:txBody>
-          <a:bodyPr>
-            <a:normAutofit/>
-          </a:bodyPr>
-          <a:lstStyle/>
-          <a:p>
-            <a:r>
-              <a:rPr lang="en-US" altLang="en-US" dirty="0"/>
-              <a:t>W3Schools</a:t>
-            </a:r>
-            <a:endParaRPr lang="en-US" dirty="0"/>
-          </a:p>
-        </p:txBody>
-      </p:sp>
-      <p:sp>
-        <p:nvSpPr>
           <p:cNvPr id="2" name="Slide Number Placeholder 1">
             <a:extLst>
               <a:ext uri="{FF2B5EF4-FFF2-40B4-BE49-F238E27FC236}">
-                <a16:creationId xmlns:a16="http://schemas.microsoft.com/office/drawing/2014/main" id="{0384AEC0-DF68-4ED4-8C40-FB2905C843D7}"/>
+                <a16:creationId xmlns:a16="http://schemas.microsoft.com/office/drawing/2014/main" id="{7CE8F52A-6426-47E9-9DF9-2ABA7440E3C8}"/>
               </a:ext>
             </a:extLst>
           </p:cNvPr>
@@ -9697,10 +9767,304 @@
           </a:p>
         </p:txBody>
       </p:sp>
+      <p:sp>
+        <p:nvSpPr>
+          <p:cNvPr id="3" name="Title 2">
+            <a:extLst>
+              <a:ext uri="{FF2B5EF4-FFF2-40B4-BE49-F238E27FC236}">
+                <a16:creationId xmlns:a16="http://schemas.microsoft.com/office/drawing/2014/main" id="{E560DEDD-1E82-48E1-A593-07FA97F89386}"/>
+              </a:ext>
+            </a:extLst>
+          </p:cNvPr>
+          <p:cNvSpPr>
+            <a:spLocks noGrp="1"/>
+          </p:cNvSpPr>
+          <p:nvPr>
+            <p:ph type="title"/>
+          </p:nvPr>
+        </p:nvSpPr>
+        <p:spPr/>
+        <p:txBody>
+          <a:bodyPr/>
+          <a:lstStyle/>
+          <a:p>
+            <a:endParaRPr lang="en-US"/>
+          </a:p>
+        </p:txBody>
+      </p:sp>
+      <p:sp>
+        <p:nvSpPr>
+          <p:cNvPr id="4" name="Text Placeholder 3">
+            <a:extLst>
+              <a:ext uri="{FF2B5EF4-FFF2-40B4-BE49-F238E27FC236}">
+                <a16:creationId xmlns:a16="http://schemas.microsoft.com/office/drawing/2014/main" id="{EDD16AAC-4286-4DDA-A810-DC71CAAC1E2B}"/>
+              </a:ext>
+            </a:extLst>
+          </p:cNvPr>
+          <p:cNvSpPr>
+            <a:spLocks noGrp="1"/>
+          </p:cNvSpPr>
+          <p:nvPr>
+            <p:ph type="body" sz="quarter" idx="13"/>
+          </p:nvPr>
+        </p:nvSpPr>
+        <p:spPr/>
+        <p:txBody>
+          <a:bodyPr/>
+          <a:lstStyle/>
+          <a:p>
+            <a:endParaRPr lang="en-US"/>
+          </a:p>
+        </p:txBody>
+      </p:sp>
     </p:spTree>
     <p:extLst>
       <p:ext uri="{BB962C8B-B14F-4D97-AF65-F5344CB8AC3E}">
-        <p14:creationId xmlns:p14="http://schemas.microsoft.com/office/powerpoint/2010/main" val="132009874"/>
+        <p14:creationId xmlns:p14="http://schemas.microsoft.com/office/powerpoint/2010/main" val="1224810187"/>
+      </p:ext>
+    </p:extLst>
+  </p:cSld>
+  <p:clrMapOvr>
+    <a:masterClrMapping/>
+  </p:clrMapOvr>
+  <mc:AlternateContent xmlns:mc="http://schemas.openxmlformats.org/markup-compatibility/2006" xmlns:p14="http://schemas.microsoft.com/office/powerpoint/2010/main">
+    <mc:Choice Requires="p14">
+      <p:transition spd="med" p14:dur="700">
+        <p:fade/>
+      </p:transition>
+    </mc:Choice>
+    <mc:Fallback xmlns="">
+      <p:transition spd="med">
+        <p:fade/>
+      </p:transition>
+    </mc:Fallback>
+  </mc:AlternateContent>
+</p:sld>
+</file>
+
+<file path=ppt/slides/slide28.xml><?xml version="1.0" encoding="utf-8"?>
+<p:sld xmlns:a="http://schemas.openxmlformats.org/drawingml/2006/main" xmlns:r="http://schemas.openxmlformats.org/officeDocument/2006/relationships" xmlns:p="http://schemas.openxmlformats.org/presentationml/2006/main">
+  <p:cSld>
+    <p:spTree>
+      <p:nvGrpSpPr>
+        <p:cNvPr id="1" name=""/>
+        <p:cNvGrpSpPr/>
+        <p:nvPr/>
+      </p:nvGrpSpPr>
+      <p:grpSpPr>
+        <a:xfrm>
+          <a:off x="0" y="0"/>
+          <a:ext cx="0" cy="0"/>
+          <a:chOff x="0" y="0"/>
+          <a:chExt cx="0" cy="0"/>
+        </a:xfrm>
+      </p:grpSpPr>
+      <p:sp>
+        <p:nvSpPr>
+          <p:cNvPr id="2" name="Slide Number Placeholder 1">
+            <a:extLst>
+              <a:ext uri="{FF2B5EF4-FFF2-40B4-BE49-F238E27FC236}">
+                <a16:creationId xmlns:a16="http://schemas.microsoft.com/office/drawing/2014/main" id="{940BCDCF-DF05-44BA-945E-2BE55EFC1DD2}"/>
+              </a:ext>
+            </a:extLst>
+          </p:cNvPr>
+          <p:cNvSpPr>
+            <a:spLocks noGrp="1"/>
+          </p:cNvSpPr>
+          <p:nvPr>
+            <p:ph type="sldNum" sz="quarter" idx="4"/>
+          </p:nvPr>
+        </p:nvSpPr>
+        <p:spPr/>
+        <p:txBody>
+          <a:bodyPr/>
+          <a:lstStyle/>
+          <a:p>
+            <a:fld id="{8402A1B0-4691-41D9-84E0-69D594EAA3FE}" type="slidenum">
+              <a:rPr lang="en-US" altLang="en-US" smtClean="0"/>
+              <a:pPr/>
+              <a:t>28</a:t>
+            </a:fld>
+            <a:endParaRPr lang="en-US" altLang="en-US" dirty="0"/>
+          </a:p>
+        </p:txBody>
+      </p:sp>
+      <p:sp>
+        <p:nvSpPr>
+          <p:cNvPr id="3" name="Title 2">
+            <a:extLst>
+              <a:ext uri="{FF2B5EF4-FFF2-40B4-BE49-F238E27FC236}">
+                <a16:creationId xmlns:a16="http://schemas.microsoft.com/office/drawing/2014/main" id="{0CFB143D-0EE5-4B85-B8D8-5A480E0A132C}"/>
+              </a:ext>
+            </a:extLst>
+          </p:cNvPr>
+          <p:cNvSpPr>
+            <a:spLocks noGrp="1"/>
+          </p:cNvSpPr>
+          <p:nvPr>
+            <p:ph type="title"/>
+          </p:nvPr>
+        </p:nvSpPr>
+        <p:spPr/>
+        <p:txBody>
+          <a:bodyPr/>
+          <a:lstStyle/>
+          <a:p>
+            <a:endParaRPr lang="en-US"/>
+          </a:p>
+        </p:txBody>
+      </p:sp>
+      <p:sp>
+        <p:nvSpPr>
+          <p:cNvPr id="4" name="Text Placeholder 3">
+            <a:extLst>
+              <a:ext uri="{FF2B5EF4-FFF2-40B4-BE49-F238E27FC236}">
+                <a16:creationId xmlns:a16="http://schemas.microsoft.com/office/drawing/2014/main" id="{1B1FC7B3-1435-4B46-8122-E41EDAC26526}"/>
+              </a:ext>
+            </a:extLst>
+          </p:cNvPr>
+          <p:cNvSpPr>
+            <a:spLocks noGrp="1"/>
+          </p:cNvSpPr>
+          <p:nvPr>
+            <p:ph type="body" sz="quarter" idx="13"/>
+          </p:nvPr>
+        </p:nvSpPr>
+        <p:spPr/>
+        <p:txBody>
+          <a:bodyPr/>
+          <a:lstStyle/>
+          <a:p>
+            <a:endParaRPr lang="en-US"/>
+          </a:p>
+        </p:txBody>
+      </p:sp>
+    </p:spTree>
+    <p:extLst>
+      <p:ext uri="{BB962C8B-B14F-4D97-AF65-F5344CB8AC3E}">
+        <p14:creationId xmlns:p14="http://schemas.microsoft.com/office/powerpoint/2010/main" val="1676433842"/>
+      </p:ext>
+    </p:extLst>
+  </p:cSld>
+  <p:clrMapOvr>
+    <a:masterClrMapping/>
+  </p:clrMapOvr>
+  <mc:AlternateContent xmlns:mc="http://schemas.openxmlformats.org/markup-compatibility/2006" xmlns:p14="http://schemas.microsoft.com/office/powerpoint/2010/main">
+    <mc:Choice Requires="p14">
+      <p:transition spd="med" p14:dur="700">
+        <p:fade/>
+      </p:transition>
+    </mc:Choice>
+    <mc:Fallback xmlns="">
+      <p:transition spd="med">
+        <p:fade/>
+      </p:transition>
+    </mc:Fallback>
+  </mc:AlternateContent>
+</p:sld>
+</file>
+
+<file path=ppt/slides/slide29.xml><?xml version="1.0" encoding="utf-8"?>
+<p:sld xmlns:a="http://schemas.openxmlformats.org/drawingml/2006/main" xmlns:r="http://schemas.openxmlformats.org/officeDocument/2006/relationships" xmlns:p="http://schemas.openxmlformats.org/presentationml/2006/main">
+  <p:cSld>
+    <p:spTree>
+      <p:nvGrpSpPr>
+        <p:cNvPr id="1" name=""/>
+        <p:cNvGrpSpPr/>
+        <p:nvPr/>
+      </p:nvGrpSpPr>
+      <p:grpSpPr>
+        <a:xfrm>
+          <a:off x="0" y="0"/>
+          <a:ext cx="0" cy="0"/>
+          <a:chOff x="0" y="0"/>
+          <a:chExt cx="0" cy="0"/>
+        </a:xfrm>
+      </p:grpSpPr>
+      <p:sp>
+        <p:nvSpPr>
+          <p:cNvPr id="2" name="Slide Number Placeholder 1">
+            <a:extLst>
+              <a:ext uri="{FF2B5EF4-FFF2-40B4-BE49-F238E27FC236}">
+                <a16:creationId xmlns:a16="http://schemas.microsoft.com/office/drawing/2014/main" id="{7CE8F52A-6426-47E9-9DF9-2ABA7440E3C8}"/>
+              </a:ext>
+            </a:extLst>
+          </p:cNvPr>
+          <p:cNvSpPr>
+            <a:spLocks noGrp="1"/>
+          </p:cNvSpPr>
+          <p:nvPr>
+            <p:ph type="sldNum" sz="quarter" idx="4"/>
+          </p:nvPr>
+        </p:nvSpPr>
+        <p:spPr/>
+        <p:txBody>
+          <a:bodyPr/>
+          <a:lstStyle/>
+          <a:p>
+            <a:fld id="{8402A1B0-4691-41D9-84E0-69D594EAA3FE}" type="slidenum">
+              <a:rPr lang="en-US" altLang="en-US" smtClean="0"/>
+              <a:pPr/>
+              <a:t>29</a:t>
+            </a:fld>
+            <a:endParaRPr lang="en-US" altLang="en-US" dirty="0"/>
+          </a:p>
+        </p:txBody>
+      </p:sp>
+      <p:sp>
+        <p:nvSpPr>
+          <p:cNvPr id="3" name="Title 2">
+            <a:extLst>
+              <a:ext uri="{FF2B5EF4-FFF2-40B4-BE49-F238E27FC236}">
+                <a16:creationId xmlns:a16="http://schemas.microsoft.com/office/drawing/2014/main" id="{E560DEDD-1E82-48E1-A593-07FA97F89386}"/>
+              </a:ext>
+            </a:extLst>
+          </p:cNvPr>
+          <p:cNvSpPr>
+            <a:spLocks noGrp="1"/>
+          </p:cNvSpPr>
+          <p:nvPr>
+            <p:ph type="title"/>
+          </p:nvPr>
+        </p:nvSpPr>
+        <p:spPr/>
+        <p:txBody>
+          <a:bodyPr/>
+          <a:lstStyle/>
+          <a:p>
+            <a:endParaRPr lang="en-US"/>
+          </a:p>
+        </p:txBody>
+      </p:sp>
+      <p:sp>
+        <p:nvSpPr>
+          <p:cNvPr id="4" name="Text Placeholder 3">
+            <a:extLst>
+              <a:ext uri="{FF2B5EF4-FFF2-40B4-BE49-F238E27FC236}">
+                <a16:creationId xmlns:a16="http://schemas.microsoft.com/office/drawing/2014/main" id="{EDD16AAC-4286-4DDA-A810-DC71CAAC1E2B}"/>
+              </a:ext>
+            </a:extLst>
+          </p:cNvPr>
+          <p:cNvSpPr>
+            <a:spLocks noGrp="1"/>
+          </p:cNvSpPr>
+          <p:nvPr>
+            <p:ph type="body" sz="quarter" idx="13"/>
+          </p:nvPr>
+        </p:nvSpPr>
+        <p:spPr/>
+        <p:txBody>
+          <a:bodyPr/>
+          <a:lstStyle/>
+          <a:p>
+            <a:endParaRPr lang="en-US"/>
+          </a:p>
+        </p:txBody>
+      </p:sp>
+    </p:spTree>
+    <p:extLst>
+      <p:ext uri="{BB962C8B-B14F-4D97-AF65-F5344CB8AC3E}">
+        <p14:creationId xmlns:p14="http://schemas.microsoft.com/office/powerpoint/2010/main" val="912696767"/>
       </p:ext>
     </p:extLst>
   </p:cSld>
@@ -9850,6 +10214,1247 @@
     <p:extLst>
       <p:ext uri="{BB962C8B-B14F-4D97-AF65-F5344CB8AC3E}">
         <p14:creationId xmlns:p14="http://schemas.microsoft.com/office/powerpoint/2010/main" val="1051515329"/>
+      </p:ext>
+    </p:extLst>
+  </p:cSld>
+  <p:clrMapOvr>
+    <a:masterClrMapping/>
+  </p:clrMapOvr>
+  <mc:AlternateContent xmlns:mc="http://schemas.openxmlformats.org/markup-compatibility/2006" xmlns:p14="http://schemas.microsoft.com/office/powerpoint/2010/main">
+    <mc:Choice Requires="p14">
+      <p:transition spd="med" p14:dur="700">
+        <p:fade/>
+      </p:transition>
+    </mc:Choice>
+    <mc:Fallback xmlns="">
+      <p:transition spd="med">
+        <p:fade/>
+      </p:transition>
+    </mc:Fallback>
+  </mc:AlternateContent>
+</p:sld>
+</file>
+
+<file path=ppt/slides/slide30.xml><?xml version="1.0" encoding="utf-8"?>
+<p:sld xmlns:a="http://schemas.openxmlformats.org/drawingml/2006/main" xmlns:r="http://schemas.openxmlformats.org/officeDocument/2006/relationships" xmlns:p="http://schemas.openxmlformats.org/presentationml/2006/main">
+  <p:cSld>
+    <p:spTree>
+      <p:nvGrpSpPr>
+        <p:cNvPr id="1" name=""/>
+        <p:cNvGrpSpPr/>
+        <p:nvPr/>
+      </p:nvGrpSpPr>
+      <p:grpSpPr>
+        <a:xfrm>
+          <a:off x="0" y="0"/>
+          <a:ext cx="0" cy="0"/>
+          <a:chOff x="0" y="0"/>
+          <a:chExt cx="0" cy="0"/>
+        </a:xfrm>
+      </p:grpSpPr>
+      <p:sp>
+        <p:nvSpPr>
+          <p:cNvPr id="2" name="Slide Number Placeholder 1">
+            <a:extLst>
+              <a:ext uri="{FF2B5EF4-FFF2-40B4-BE49-F238E27FC236}">
+                <a16:creationId xmlns:a16="http://schemas.microsoft.com/office/drawing/2014/main" id="{940BCDCF-DF05-44BA-945E-2BE55EFC1DD2}"/>
+              </a:ext>
+            </a:extLst>
+          </p:cNvPr>
+          <p:cNvSpPr>
+            <a:spLocks noGrp="1"/>
+          </p:cNvSpPr>
+          <p:nvPr>
+            <p:ph type="sldNum" sz="quarter" idx="4"/>
+          </p:nvPr>
+        </p:nvSpPr>
+        <p:spPr/>
+        <p:txBody>
+          <a:bodyPr/>
+          <a:lstStyle/>
+          <a:p>
+            <a:fld id="{8402A1B0-4691-41D9-84E0-69D594EAA3FE}" type="slidenum">
+              <a:rPr lang="en-US" altLang="en-US" smtClean="0"/>
+              <a:pPr/>
+              <a:t>30</a:t>
+            </a:fld>
+            <a:endParaRPr lang="en-US" altLang="en-US" dirty="0"/>
+          </a:p>
+        </p:txBody>
+      </p:sp>
+      <p:sp>
+        <p:nvSpPr>
+          <p:cNvPr id="3" name="Title 2">
+            <a:extLst>
+              <a:ext uri="{FF2B5EF4-FFF2-40B4-BE49-F238E27FC236}">
+                <a16:creationId xmlns:a16="http://schemas.microsoft.com/office/drawing/2014/main" id="{0CFB143D-0EE5-4B85-B8D8-5A480E0A132C}"/>
+              </a:ext>
+            </a:extLst>
+          </p:cNvPr>
+          <p:cNvSpPr>
+            <a:spLocks noGrp="1"/>
+          </p:cNvSpPr>
+          <p:nvPr>
+            <p:ph type="title"/>
+          </p:nvPr>
+        </p:nvSpPr>
+        <p:spPr/>
+        <p:txBody>
+          <a:bodyPr/>
+          <a:lstStyle/>
+          <a:p>
+            <a:endParaRPr lang="en-US"/>
+          </a:p>
+        </p:txBody>
+      </p:sp>
+      <p:sp>
+        <p:nvSpPr>
+          <p:cNvPr id="4" name="Text Placeholder 3">
+            <a:extLst>
+              <a:ext uri="{FF2B5EF4-FFF2-40B4-BE49-F238E27FC236}">
+                <a16:creationId xmlns:a16="http://schemas.microsoft.com/office/drawing/2014/main" id="{1B1FC7B3-1435-4B46-8122-E41EDAC26526}"/>
+              </a:ext>
+            </a:extLst>
+          </p:cNvPr>
+          <p:cNvSpPr>
+            <a:spLocks noGrp="1"/>
+          </p:cNvSpPr>
+          <p:nvPr>
+            <p:ph type="body" sz="quarter" idx="13"/>
+          </p:nvPr>
+        </p:nvSpPr>
+        <p:spPr/>
+        <p:txBody>
+          <a:bodyPr/>
+          <a:lstStyle/>
+          <a:p>
+            <a:endParaRPr lang="en-US"/>
+          </a:p>
+        </p:txBody>
+      </p:sp>
+    </p:spTree>
+    <p:extLst>
+      <p:ext uri="{BB962C8B-B14F-4D97-AF65-F5344CB8AC3E}">
+        <p14:creationId xmlns:p14="http://schemas.microsoft.com/office/powerpoint/2010/main" val="312149036"/>
+      </p:ext>
+    </p:extLst>
+  </p:cSld>
+  <p:clrMapOvr>
+    <a:masterClrMapping/>
+  </p:clrMapOvr>
+  <mc:AlternateContent xmlns:mc="http://schemas.openxmlformats.org/markup-compatibility/2006" xmlns:p14="http://schemas.microsoft.com/office/powerpoint/2010/main">
+    <mc:Choice Requires="p14">
+      <p:transition spd="med" p14:dur="700">
+        <p:fade/>
+      </p:transition>
+    </mc:Choice>
+    <mc:Fallback xmlns="">
+      <p:transition spd="med">
+        <p:fade/>
+      </p:transition>
+    </mc:Fallback>
+  </mc:AlternateContent>
+</p:sld>
+</file>
+
+<file path=ppt/slides/slide31.xml><?xml version="1.0" encoding="utf-8"?>
+<p:sld xmlns:a="http://schemas.openxmlformats.org/drawingml/2006/main" xmlns:r="http://schemas.openxmlformats.org/officeDocument/2006/relationships" xmlns:p="http://schemas.openxmlformats.org/presentationml/2006/main">
+  <p:cSld>
+    <p:spTree>
+      <p:nvGrpSpPr>
+        <p:cNvPr id="1" name=""/>
+        <p:cNvGrpSpPr/>
+        <p:nvPr/>
+      </p:nvGrpSpPr>
+      <p:grpSpPr>
+        <a:xfrm>
+          <a:off x="0" y="0"/>
+          <a:ext cx="0" cy="0"/>
+          <a:chOff x="0" y="0"/>
+          <a:chExt cx="0" cy="0"/>
+        </a:xfrm>
+      </p:grpSpPr>
+      <p:sp>
+        <p:nvSpPr>
+          <p:cNvPr id="2" name="Slide Number Placeholder 1">
+            <a:extLst>
+              <a:ext uri="{FF2B5EF4-FFF2-40B4-BE49-F238E27FC236}">
+                <a16:creationId xmlns:a16="http://schemas.microsoft.com/office/drawing/2014/main" id="{7CE8F52A-6426-47E9-9DF9-2ABA7440E3C8}"/>
+              </a:ext>
+            </a:extLst>
+          </p:cNvPr>
+          <p:cNvSpPr>
+            <a:spLocks noGrp="1"/>
+          </p:cNvSpPr>
+          <p:nvPr>
+            <p:ph type="sldNum" sz="quarter" idx="4"/>
+          </p:nvPr>
+        </p:nvSpPr>
+        <p:spPr/>
+        <p:txBody>
+          <a:bodyPr/>
+          <a:lstStyle/>
+          <a:p>
+            <a:fld id="{8402A1B0-4691-41D9-84E0-69D594EAA3FE}" type="slidenum">
+              <a:rPr lang="en-US" altLang="en-US" smtClean="0"/>
+              <a:pPr/>
+              <a:t>31</a:t>
+            </a:fld>
+            <a:endParaRPr lang="en-US" altLang="en-US" dirty="0"/>
+          </a:p>
+        </p:txBody>
+      </p:sp>
+      <p:sp>
+        <p:nvSpPr>
+          <p:cNvPr id="3" name="Title 2">
+            <a:extLst>
+              <a:ext uri="{FF2B5EF4-FFF2-40B4-BE49-F238E27FC236}">
+                <a16:creationId xmlns:a16="http://schemas.microsoft.com/office/drawing/2014/main" id="{E560DEDD-1E82-48E1-A593-07FA97F89386}"/>
+              </a:ext>
+            </a:extLst>
+          </p:cNvPr>
+          <p:cNvSpPr>
+            <a:spLocks noGrp="1"/>
+          </p:cNvSpPr>
+          <p:nvPr>
+            <p:ph type="title"/>
+          </p:nvPr>
+        </p:nvSpPr>
+        <p:spPr/>
+        <p:txBody>
+          <a:bodyPr/>
+          <a:lstStyle/>
+          <a:p>
+            <a:endParaRPr lang="en-US"/>
+          </a:p>
+        </p:txBody>
+      </p:sp>
+      <p:sp>
+        <p:nvSpPr>
+          <p:cNvPr id="4" name="Text Placeholder 3">
+            <a:extLst>
+              <a:ext uri="{FF2B5EF4-FFF2-40B4-BE49-F238E27FC236}">
+                <a16:creationId xmlns:a16="http://schemas.microsoft.com/office/drawing/2014/main" id="{EDD16AAC-4286-4DDA-A810-DC71CAAC1E2B}"/>
+              </a:ext>
+            </a:extLst>
+          </p:cNvPr>
+          <p:cNvSpPr>
+            <a:spLocks noGrp="1"/>
+          </p:cNvSpPr>
+          <p:nvPr>
+            <p:ph type="body" sz="quarter" idx="13"/>
+          </p:nvPr>
+        </p:nvSpPr>
+        <p:spPr/>
+        <p:txBody>
+          <a:bodyPr/>
+          <a:lstStyle/>
+          <a:p>
+            <a:endParaRPr lang="en-US"/>
+          </a:p>
+        </p:txBody>
+      </p:sp>
+    </p:spTree>
+    <p:extLst>
+      <p:ext uri="{BB962C8B-B14F-4D97-AF65-F5344CB8AC3E}">
+        <p14:creationId xmlns:p14="http://schemas.microsoft.com/office/powerpoint/2010/main" val="1835923180"/>
+      </p:ext>
+    </p:extLst>
+  </p:cSld>
+  <p:clrMapOvr>
+    <a:masterClrMapping/>
+  </p:clrMapOvr>
+  <mc:AlternateContent xmlns:mc="http://schemas.openxmlformats.org/markup-compatibility/2006" xmlns:p14="http://schemas.microsoft.com/office/powerpoint/2010/main">
+    <mc:Choice Requires="p14">
+      <p:transition spd="med" p14:dur="700">
+        <p:fade/>
+      </p:transition>
+    </mc:Choice>
+    <mc:Fallback xmlns="">
+      <p:transition spd="med">
+        <p:fade/>
+      </p:transition>
+    </mc:Fallback>
+  </mc:AlternateContent>
+</p:sld>
+</file>
+
+<file path=ppt/slides/slide32.xml><?xml version="1.0" encoding="utf-8"?>
+<p:sld xmlns:a="http://schemas.openxmlformats.org/drawingml/2006/main" xmlns:r="http://schemas.openxmlformats.org/officeDocument/2006/relationships" xmlns:p="http://schemas.openxmlformats.org/presentationml/2006/main">
+  <p:cSld>
+    <p:spTree>
+      <p:nvGrpSpPr>
+        <p:cNvPr id="1" name=""/>
+        <p:cNvGrpSpPr/>
+        <p:nvPr/>
+      </p:nvGrpSpPr>
+      <p:grpSpPr>
+        <a:xfrm>
+          <a:off x="0" y="0"/>
+          <a:ext cx="0" cy="0"/>
+          <a:chOff x="0" y="0"/>
+          <a:chExt cx="0" cy="0"/>
+        </a:xfrm>
+      </p:grpSpPr>
+      <p:sp>
+        <p:nvSpPr>
+          <p:cNvPr id="2" name="Slide Number Placeholder 1">
+            <a:extLst>
+              <a:ext uri="{FF2B5EF4-FFF2-40B4-BE49-F238E27FC236}">
+                <a16:creationId xmlns:a16="http://schemas.microsoft.com/office/drawing/2014/main" id="{940BCDCF-DF05-44BA-945E-2BE55EFC1DD2}"/>
+              </a:ext>
+            </a:extLst>
+          </p:cNvPr>
+          <p:cNvSpPr>
+            <a:spLocks noGrp="1"/>
+          </p:cNvSpPr>
+          <p:nvPr>
+            <p:ph type="sldNum" sz="quarter" idx="4"/>
+          </p:nvPr>
+        </p:nvSpPr>
+        <p:spPr/>
+        <p:txBody>
+          <a:bodyPr/>
+          <a:lstStyle/>
+          <a:p>
+            <a:fld id="{8402A1B0-4691-41D9-84E0-69D594EAA3FE}" type="slidenum">
+              <a:rPr lang="en-US" altLang="en-US" smtClean="0"/>
+              <a:pPr/>
+              <a:t>32</a:t>
+            </a:fld>
+            <a:endParaRPr lang="en-US" altLang="en-US" dirty="0"/>
+          </a:p>
+        </p:txBody>
+      </p:sp>
+      <p:sp>
+        <p:nvSpPr>
+          <p:cNvPr id="3" name="Title 2">
+            <a:extLst>
+              <a:ext uri="{FF2B5EF4-FFF2-40B4-BE49-F238E27FC236}">
+                <a16:creationId xmlns:a16="http://schemas.microsoft.com/office/drawing/2014/main" id="{0CFB143D-0EE5-4B85-B8D8-5A480E0A132C}"/>
+              </a:ext>
+            </a:extLst>
+          </p:cNvPr>
+          <p:cNvSpPr>
+            <a:spLocks noGrp="1"/>
+          </p:cNvSpPr>
+          <p:nvPr>
+            <p:ph type="title"/>
+          </p:nvPr>
+        </p:nvSpPr>
+        <p:spPr/>
+        <p:txBody>
+          <a:bodyPr/>
+          <a:lstStyle/>
+          <a:p>
+            <a:endParaRPr lang="en-US"/>
+          </a:p>
+        </p:txBody>
+      </p:sp>
+      <p:sp>
+        <p:nvSpPr>
+          <p:cNvPr id="4" name="Text Placeholder 3">
+            <a:extLst>
+              <a:ext uri="{FF2B5EF4-FFF2-40B4-BE49-F238E27FC236}">
+                <a16:creationId xmlns:a16="http://schemas.microsoft.com/office/drawing/2014/main" id="{1B1FC7B3-1435-4B46-8122-E41EDAC26526}"/>
+              </a:ext>
+            </a:extLst>
+          </p:cNvPr>
+          <p:cNvSpPr>
+            <a:spLocks noGrp="1"/>
+          </p:cNvSpPr>
+          <p:nvPr>
+            <p:ph type="body" sz="quarter" idx="13"/>
+          </p:nvPr>
+        </p:nvSpPr>
+        <p:spPr/>
+        <p:txBody>
+          <a:bodyPr/>
+          <a:lstStyle/>
+          <a:p>
+            <a:endParaRPr lang="en-US"/>
+          </a:p>
+        </p:txBody>
+      </p:sp>
+    </p:spTree>
+    <p:extLst>
+      <p:ext uri="{BB962C8B-B14F-4D97-AF65-F5344CB8AC3E}">
+        <p14:creationId xmlns:p14="http://schemas.microsoft.com/office/powerpoint/2010/main" val="64781870"/>
+      </p:ext>
+    </p:extLst>
+  </p:cSld>
+  <p:clrMapOvr>
+    <a:masterClrMapping/>
+  </p:clrMapOvr>
+  <mc:AlternateContent xmlns:mc="http://schemas.openxmlformats.org/markup-compatibility/2006" xmlns:p14="http://schemas.microsoft.com/office/powerpoint/2010/main">
+    <mc:Choice Requires="p14">
+      <p:transition spd="med" p14:dur="700">
+        <p:fade/>
+      </p:transition>
+    </mc:Choice>
+    <mc:Fallback xmlns="">
+      <p:transition spd="med">
+        <p:fade/>
+      </p:transition>
+    </mc:Fallback>
+  </mc:AlternateContent>
+</p:sld>
+</file>
+
+<file path=ppt/slides/slide33.xml><?xml version="1.0" encoding="utf-8"?>
+<p:sld xmlns:a="http://schemas.openxmlformats.org/drawingml/2006/main" xmlns:r="http://schemas.openxmlformats.org/officeDocument/2006/relationships" xmlns:p="http://schemas.openxmlformats.org/presentationml/2006/main">
+  <p:cSld>
+    <p:spTree>
+      <p:nvGrpSpPr>
+        <p:cNvPr id="1" name=""/>
+        <p:cNvGrpSpPr/>
+        <p:nvPr/>
+      </p:nvGrpSpPr>
+      <p:grpSpPr>
+        <a:xfrm>
+          <a:off x="0" y="0"/>
+          <a:ext cx="0" cy="0"/>
+          <a:chOff x="0" y="0"/>
+          <a:chExt cx="0" cy="0"/>
+        </a:xfrm>
+      </p:grpSpPr>
+      <p:sp>
+        <p:nvSpPr>
+          <p:cNvPr id="2" name="Slide Number Placeholder 1">
+            <a:extLst>
+              <a:ext uri="{FF2B5EF4-FFF2-40B4-BE49-F238E27FC236}">
+                <a16:creationId xmlns:a16="http://schemas.microsoft.com/office/drawing/2014/main" id="{7CE8F52A-6426-47E9-9DF9-2ABA7440E3C8}"/>
+              </a:ext>
+            </a:extLst>
+          </p:cNvPr>
+          <p:cNvSpPr>
+            <a:spLocks noGrp="1"/>
+          </p:cNvSpPr>
+          <p:nvPr>
+            <p:ph type="sldNum" sz="quarter" idx="4"/>
+          </p:nvPr>
+        </p:nvSpPr>
+        <p:spPr/>
+        <p:txBody>
+          <a:bodyPr/>
+          <a:lstStyle/>
+          <a:p>
+            <a:fld id="{8402A1B0-4691-41D9-84E0-69D594EAA3FE}" type="slidenum">
+              <a:rPr lang="en-US" altLang="en-US" smtClean="0"/>
+              <a:pPr/>
+              <a:t>33</a:t>
+            </a:fld>
+            <a:endParaRPr lang="en-US" altLang="en-US" dirty="0"/>
+          </a:p>
+        </p:txBody>
+      </p:sp>
+      <p:sp>
+        <p:nvSpPr>
+          <p:cNvPr id="3" name="Title 2">
+            <a:extLst>
+              <a:ext uri="{FF2B5EF4-FFF2-40B4-BE49-F238E27FC236}">
+                <a16:creationId xmlns:a16="http://schemas.microsoft.com/office/drawing/2014/main" id="{E560DEDD-1E82-48E1-A593-07FA97F89386}"/>
+              </a:ext>
+            </a:extLst>
+          </p:cNvPr>
+          <p:cNvSpPr>
+            <a:spLocks noGrp="1"/>
+          </p:cNvSpPr>
+          <p:nvPr>
+            <p:ph type="title"/>
+          </p:nvPr>
+        </p:nvSpPr>
+        <p:spPr/>
+        <p:txBody>
+          <a:bodyPr/>
+          <a:lstStyle/>
+          <a:p>
+            <a:endParaRPr lang="en-US"/>
+          </a:p>
+        </p:txBody>
+      </p:sp>
+      <p:sp>
+        <p:nvSpPr>
+          <p:cNvPr id="4" name="Text Placeholder 3">
+            <a:extLst>
+              <a:ext uri="{FF2B5EF4-FFF2-40B4-BE49-F238E27FC236}">
+                <a16:creationId xmlns:a16="http://schemas.microsoft.com/office/drawing/2014/main" id="{EDD16AAC-4286-4DDA-A810-DC71CAAC1E2B}"/>
+              </a:ext>
+            </a:extLst>
+          </p:cNvPr>
+          <p:cNvSpPr>
+            <a:spLocks noGrp="1"/>
+          </p:cNvSpPr>
+          <p:nvPr>
+            <p:ph type="body" sz="quarter" idx="13"/>
+          </p:nvPr>
+        </p:nvSpPr>
+        <p:spPr/>
+        <p:txBody>
+          <a:bodyPr/>
+          <a:lstStyle/>
+          <a:p>
+            <a:endParaRPr lang="en-US"/>
+          </a:p>
+        </p:txBody>
+      </p:sp>
+    </p:spTree>
+    <p:extLst>
+      <p:ext uri="{BB962C8B-B14F-4D97-AF65-F5344CB8AC3E}">
+        <p14:creationId xmlns:p14="http://schemas.microsoft.com/office/powerpoint/2010/main" val="1471401569"/>
+      </p:ext>
+    </p:extLst>
+  </p:cSld>
+  <p:clrMapOvr>
+    <a:masterClrMapping/>
+  </p:clrMapOvr>
+  <mc:AlternateContent xmlns:mc="http://schemas.openxmlformats.org/markup-compatibility/2006" xmlns:p14="http://schemas.microsoft.com/office/powerpoint/2010/main">
+    <mc:Choice Requires="p14">
+      <p:transition spd="med" p14:dur="700">
+        <p:fade/>
+      </p:transition>
+    </mc:Choice>
+    <mc:Fallback xmlns="">
+      <p:transition spd="med">
+        <p:fade/>
+      </p:transition>
+    </mc:Fallback>
+  </mc:AlternateContent>
+</p:sld>
+</file>
+
+<file path=ppt/slides/slide34.xml><?xml version="1.0" encoding="utf-8"?>
+<p:sld xmlns:a="http://schemas.openxmlformats.org/drawingml/2006/main" xmlns:r="http://schemas.openxmlformats.org/officeDocument/2006/relationships" xmlns:p="http://schemas.openxmlformats.org/presentationml/2006/main">
+  <p:cSld>
+    <p:spTree>
+      <p:nvGrpSpPr>
+        <p:cNvPr id="1" name=""/>
+        <p:cNvGrpSpPr/>
+        <p:nvPr/>
+      </p:nvGrpSpPr>
+      <p:grpSpPr>
+        <a:xfrm>
+          <a:off x="0" y="0"/>
+          <a:ext cx="0" cy="0"/>
+          <a:chOff x="0" y="0"/>
+          <a:chExt cx="0" cy="0"/>
+        </a:xfrm>
+      </p:grpSpPr>
+      <p:sp>
+        <p:nvSpPr>
+          <p:cNvPr id="2" name="Slide Number Placeholder 1">
+            <a:extLst>
+              <a:ext uri="{FF2B5EF4-FFF2-40B4-BE49-F238E27FC236}">
+                <a16:creationId xmlns:a16="http://schemas.microsoft.com/office/drawing/2014/main" id="{940BCDCF-DF05-44BA-945E-2BE55EFC1DD2}"/>
+              </a:ext>
+            </a:extLst>
+          </p:cNvPr>
+          <p:cNvSpPr>
+            <a:spLocks noGrp="1"/>
+          </p:cNvSpPr>
+          <p:nvPr>
+            <p:ph type="sldNum" sz="quarter" idx="4"/>
+          </p:nvPr>
+        </p:nvSpPr>
+        <p:spPr/>
+        <p:txBody>
+          <a:bodyPr/>
+          <a:lstStyle/>
+          <a:p>
+            <a:fld id="{8402A1B0-4691-41D9-84E0-69D594EAA3FE}" type="slidenum">
+              <a:rPr lang="en-US" altLang="en-US" smtClean="0"/>
+              <a:pPr/>
+              <a:t>34</a:t>
+            </a:fld>
+            <a:endParaRPr lang="en-US" altLang="en-US" dirty="0"/>
+          </a:p>
+        </p:txBody>
+      </p:sp>
+      <p:sp>
+        <p:nvSpPr>
+          <p:cNvPr id="3" name="Title 2">
+            <a:extLst>
+              <a:ext uri="{FF2B5EF4-FFF2-40B4-BE49-F238E27FC236}">
+                <a16:creationId xmlns:a16="http://schemas.microsoft.com/office/drawing/2014/main" id="{0CFB143D-0EE5-4B85-B8D8-5A480E0A132C}"/>
+              </a:ext>
+            </a:extLst>
+          </p:cNvPr>
+          <p:cNvSpPr>
+            <a:spLocks noGrp="1"/>
+          </p:cNvSpPr>
+          <p:nvPr>
+            <p:ph type="title"/>
+          </p:nvPr>
+        </p:nvSpPr>
+        <p:spPr/>
+        <p:txBody>
+          <a:bodyPr/>
+          <a:lstStyle/>
+          <a:p>
+            <a:endParaRPr lang="en-US"/>
+          </a:p>
+        </p:txBody>
+      </p:sp>
+      <p:sp>
+        <p:nvSpPr>
+          <p:cNvPr id="4" name="Text Placeholder 3">
+            <a:extLst>
+              <a:ext uri="{FF2B5EF4-FFF2-40B4-BE49-F238E27FC236}">
+                <a16:creationId xmlns:a16="http://schemas.microsoft.com/office/drawing/2014/main" id="{1B1FC7B3-1435-4B46-8122-E41EDAC26526}"/>
+              </a:ext>
+            </a:extLst>
+          </p:cNvPr>
+          <p:cNvSpPr>
+            <a:spLocks noGrp="1"/>
+          </p:cNvSpPr>
+          <p:nvPr>
+            <p:ph type="body" sz="quarter" idx="13"/>
+          </p:nvPr>
+        </p:nvSpPr>
+        <p:spPr/>
+        <p:txBody>
+          <a:bodyPr/>
+          <a:lstStyle/>
+          <a:p>
+            <a:endParaRPr lang="en-US"/>
+          </a:p>
+        </p:txBody>
+      </p:sp>
+    </p:spTree>
+    <p:extLst>
+      <p:ext uri="{BB962C8B-B14F-4D97-AF65-F5344CB8AC3E}">
+        <p14:creationId xmlns:p14="http://schemas.microsoft.com/office/powerpoint/2010/main" val="2768643488"/>
+      </p:ext>
+    </p:extLst>
+  </p:cSld>
+  <p:clrMapOvr>
+    <a:masterClrMapping/>
+  </p:clrMapOvr>
+  <mc:AlternateContent xmlns:mc="http://schemas.openxmlformats.org/markup-compatibility/2006" xmlns:p14="http://schemas.microsoft.com/office/powerpoint/2010/main">
+    <mc:Choice Requires="p14">
+      <p:transition spd="med" p14:dur="700">
+        <p:fade/>
+      </p:transition>
+    </mc:Choice>
+    <mc:Fallback xmlns="">
+      <p:transition spd="med">
+        <p:fade/>
+      </p:transition>
+    </mc:Fallback>
+  </mc:AlternateContent>
+</p:sld>
+</file>
+
+<file path=ppt/slides/slide35.xml><?xml version="1.0" encoding="utf-8"?>
+<p:sld xmlns:a="http://schemas.openxmlformats.org/drawingml/2006/main" xmlns:r="http://schemas.openxmlformats.org/officeDocument/2006/relationships" xmlns:p="http://schemas.openxmlformats.org/presentationml/2006/main">
+  <p:cSld>
+    <p:spTree>
+      <p:nvGrpSpPr>
+        <p:cNvPr id="1" name=""/>
+        <p:cNvGrpSpPr/>
+        <p:nvPr/>
+      </p:nvGrpSpPr>
+      <p:grpSpPr>
+        <a:xfrm>
+          <a:off x="0" y="0"/>
+          <a:ext cx="0" cy="0"/>
+          <a:chOff x="0" y="0"/>
+          <a:chExt cx="0" cy="0"/>
+        </a:xfrm>
+      </p:grpSpPr>
+      <p:sp>
+        <p:nvSpPr>
+          <p:cNvPr id="2" name="Slide Number Placeholder 1">
+            <a:extLst>
+              <a:ext uri="{FF2B5EF4-FFF2-40B4-BE49-F238E27FC236}">
+                <a16:creationId xmlns:a16="http://schemas.microsoft.com/office/drawing/2014/main" id="{7CE8F52A-6426-47E9-9DF9-2ABA7440E3C8}"/>
+              </a:ext>
+            </a:extLst>
+          </p:cNvPr>
+          <p:cNvSpPr>
+            <a:spLocks noGrp="1"/>
+          </p:cNvSpPr>
+          <p:nvPr>
+            <p:ph type="sldNum" sz="quarter" idx="4"/>
+          </p:nvPr>
+        </p:nvSpPr>
+        <p:spPr/>
+        <p:txBody>
+          <a:bodyPr/>
+          <a:lstStyle/>
+          <a:p>
+            <a:fld id="{8402A1B0-4691-41D9-84E0-69D594EAA3FE}" type="slidenum">
+              <a:rPr lang="en-US" altLang="en-US" smtClean="0"/>
+              <a:pPr/>
+              <a:t>35</a:t>
+            </a:fld>
+            <a:endParaRPr lang="en-US" altLang="en-US" dirty="0"/>
+          </a:p>
+        </p:txBody>
+      </p:sp>
+      <p:sp>
+        <p:nvSpPr>
+          <p:cNvPr id="3" name="Title 2">
+            <a:extLst>
+              <a:ext uri="{FF2B5EF4-FFF2-40B4-BE49-F238E27FC236}">
+                <a16:creationId xmlns:a16="http://schemas.microsoft.com/office/drawing/2014/main" id="{E560DEDD-1E82-48E1-A593-07FA97F89386}"/>
+              </a:ext>
+            </a:extLst>
+          </p:cNvPr>
+          <p:cNvSpPr>
+            <a:spLocks noGrp="1"/>
+          </p:cNvSpPr>
+          <p:nvPr>
+            <p:ph type="title"/>
+          </p:nvPr>
+        </p:nvSpPr>
+        <p:spPr/>
+        <p:txBody>
+          <a:bodyPr/>
+          <a:lstStyle/>
+          <a:p>
+            <a:endParaRPr lang="en-US"/>
+          </a:p>
+        </p:txBody>
+      </p:sp>
+      <p:sp>
+        <p:nvSpPr>
+          <p:cNvPr id="4" name="Text Placeholder 3">
+            <a:extLst>
+              <a:ext uri="{FF2B5EF4-FFF2-40B4-BE49-F238E27FC236}">
+                <a16:creationId xmlns:a16="http://schemas.microsoft.com/office/drawing/2014/main" id="{EDD16AAC-4286-4DDA-A810-DC71CAAC1E2B}"/>
+              </a:ext>
+            </a:extLst>
+          </p:cNvPr>
+          <p:cNvSpPr>
+            <a:spLocks noGrp="1"/>
+          </p:cNvSpPr>
+          <p:nvPr>
+            <p:ph type="body" sz="quarter" idx="13"/>
+          </p:nvPr>
+        </p:nvSpPr>
+        <p:spPr/>
+        <p:txBody>
+          <a:bodyPr/>
+          <a:lstStyle/>
+          <a:p>
+            <a:endParaRPr lang="en-US"/>
+          </a:p>
+        </p:txBody>
+      </p:sp>
+    </p:spTree>
+    <p:extLst>
+      <p:ext uri="{BB962C8B-B14F-4D97-AF65-F5344CB8AC3E}">
+        <p14:creationId xmlns:p14="http://schemas.microsoft.com/office/powerpoint/2010/main" val="1262210692"/>
+      </p:ext>
+    </p:extLst>
+  </p:cSld>
+  <p:clrMapOvr>
+    <a:masterClrMapping/>
+  </p:clrMapOvr>
+  <mc:AlternateContent xmlns:mc="http://schemas.openxmlformats.org/markup-compatibility/2006" xmlns:p14="http://schemas.microsoft.com/office/powerpoint/2010/main">
+    <mc:Choice Requires="p14">
+      <p:transition spd="med" p14:dur="700">
+        <p:fade/>
+      </p:transition>
+    </mc:Choice>
+    <mc:Fallback xmlns="">
+      <p:transition spd="med">
+        <p:fade/>
+      </p:transition>
+    </mc:Fallback>
+  </mc:AlternateContent>
+</p:sld>
+</file>
+
+<file path=ppt/slides/slide36.xml><?xml version="1.0" encoding="utf-8"?>
+<p:sld xmlns:a="http://schemas.openxmlformats.org/drawingml/2006/main" xmlns:r="http://schemas.openxmlformats.org/officeDocument/2006/relationships" xmlns:p="http://schemas.openxmlformats.org/presentationml/2006/main">
+  <p:cSld>
+    <p:spTree>
+      <p:nvGrpSpPr>
+        <p:cNvPr id="1" name=""/>
+        <p:cNvGrpSpPr/>
+        <p:nvPr/>
+      </p:nvGrpSpPr>
+      <p:grpSpPr>
+        <a:xfrm>
+          <a:off x="0" y="0"/>
+          <a:ext cx="0" cy="0"/>
+          <a:chOff x="0" y="0"/>
+          <a:chExt cx="0" cy="0"/>
+        </a:xfrm>
+      </p:grpSpPr>
+      <p:sp>
+        <p:nvSpPr>
+          <p:cNvPr id="2" name="Slide Number Placeholder 1">
+            <a:extLst>
+              <a:ext uri="{FF2B5EF4-FFF2-40B4-BE49-F238E27FC236}">
+                <a16:creationId xmlns:a16="http://schemas.microsoft.com/office/drawing/2014/main" id="{940BCDCF-DF05-44BA-945E-2BE55EFC1DD2}"/>
+              </a:ext>
+            </a:extLst>
+          </p:cNvPr>
+          <p:cNvSpPr>
+            <a:spLocks noGrp="1"/>
+          </p:cNvSpPr>
+          <p:nvPr>
+            <p:ph type="sldNum" sz="quarter" idx="4"/>
+          </p:nvPr>
+        </p:nvSpPr>
+        <p:spPr/>
+        <p:txBody>
+          <a:bodyPr/>
+          <a:lstStyle/>
+          <a:p>
+            <a:fld id="{8402A1B0-4691-41D9-84E0-69D594EAA3FE}" type="slidenum">
+              <a:rPr lang="en-US" altLang="en-US" smtClean="0"/>
+              <a:pPr/>
+              <a:t>36</a:t>
+            </a:fld>
+            <a:endParaRPr lang="en-US" altLang="en-US" dirty="0"/>
+          </a:p>
+        </p:txBody>
+      </p:sp>
+      <p:sp>
+        <p:nvSpPr>
+          <p:cNvPr id="3" name="Title 2">
+            <a:extLst>
+              <a:ext uri="{FF2B5EF4-FFF2-40B4-BE49-F238E27FC236}">
+                <a16:creationId xmlns:a16="http://schemas.microsoft.com/office/drawing/2014/main" id="{0CFB143D-0EE5-4B85-B8D8-5A480E0A132C}"/>
+              </a:ext>
+            </a:extLst>
+          </p:cNvPr>
+          <p:cNvSpPr>
+            <a:spLocks noGrp="1"/>
+          </p:cNvSpPr>
+          <p:nvPr>
+            <p:ph type="title"/>
+          </p:nvPr>
+        </p:nvSpPr>
+        <p:spPr/>
+        <p:txBody>
+          <a:bodyPr/>
+          <a:lstStyle/>
+          <a:p>
+            <a:endParaRPr lang="en-US"/>
+          </a:p>
+        </p:txBody>
+      </p:sp>
+      <p:sp>
+        <p:nvSpPr>
+          <p:cNvPr id="4" name="Text Placeholder 3">
+            <a:extLst>
+              <a:ext uri="{FF2B5EF4-FFF2-40B4-BE49-F238E27FC236}">
+                <a16:creationId xmlns:a16="http://schemas.microsoft.com/office/drawing/2014/main" id="{1B1FC7B3-1435-4B46-8122-E41EDAC26526}"/>
+              </a:ext>
+            </a:extLst>
+          </p:cNvPr>
+          <p:cNvSpPr>
+            <a:spLocks noGrp="1"/>
+          </p:cNvSpPr>
+          <p:nvPr>
+            <p:ph type="body" sz="quarter" idx="13"/>
+          </p:nvPr>
+        </p:nvSpPr>
+        <p:spPr/>
+        <p:txBody>
+          <a:bodyPr/>
+          <a:lstStyle/>
+          <a:p>
+            <a:endParaRPr lang="en-US"/>
+          </a:p>
+        </p:txBody>
+      </p:sp>
+    </p:spTree>
+    <p:extLst>
+      <p:ext uri="{BB962C8B-B14F-4D97-AF65-F5344CB8AC3E}">
+        <p14:creationId xmlns:p14="http://schemas.microsoft.com/office/powerpoint/2010/main" val="444065347"/>
+      </p:ext>
+    </p:extLst>
+  </p:cSld>
+  <p:clrMapOvr>
+    <a:masterClrMapping/>
+  </p:clrMapOvr>
+  <mc:AlternateContent xmlns:mc="http://schemas.openxmlformats.org/markup-compatibility/2006" xmlns:p14="http://schemas.microsoft.com/office/powerpoint/2010/main">
+    <mc:Choice Requires="p14">
+      <p:transition spd="med" p14:dur="700">
+        <p:fade/>
+      </p:transition>
+    </mc:Choice>
+    <mc:Fallback xmlns="">
+      <p:transition spd="med">
+        <p:fade/>
+      </p:transition>
+    </mc:Fallback>
+  </mc:AlternateContent>
+</p:sld>
+</file>
+
+<file path=ppt/slides/slide37.xml><?xml version="1.0" encoding="utf-8"?>
+<p:sld xmlns:a="http://schemas.openxmlformats.org/drawingml/2006/main" xmlns:r="http://schemas.openxmlformats.org/officeDocument/2006/relationships" xmlns:p="http://schemas.openxmlformats.org/presentationml/2006/main">
+  <p:cSld>
+    <p:spTree>
+      <p:nvGrpSpPr>
+        <p:cNvPr id="1" name=""/>
+        <p:cNvGrpSpPr/>
+        <p:nvPr/>
+      </p:nvGrpSpPr>
+      <p:grpSpPr>
+        <a:xfrm>
+          <a:off x="0" y="0"/>
+          <a:ext cx="0" cy="0"/>
+          <a:chOff x="0" y="0"/>
+          <a:chExt cx="0" cy="0"/>
+        </a:xfrm>
+      </p:grpSpPr>
+      <p:sp>
+        <p:nvSpPr>
+          <p:cNvPr id="2" name="Slide Number Placeholder 1">
+            <a:extLst>
+              <a:ext uri="{FF2B5EF4-FFF2-40B4-BE49-F238E27FC236}">
+                <a16:creationId xmlns:a16="http://schemas.microsoft.com/office/drawing/2014/main" id="{61ACCDB5-53AC-46A1-8477-D467E9D7623C}"/>
+              </a:ext>
+            </a:extLst>
+          </p:cNvPr>
+          <p:cNvSpPr>
+            <a:spLocks noGrp="1"/>
+          </p:cNvSpPr>
+          <p:nvPr>
+            <p:ph type="sldNum" sz="quarter" idx="4"/>
+          </p:nvPr>
+        </p:nvSpPr>
+        <p:spPr/>
+        <p:txBody>
+          <a:bodyPr/>
+          <a:lstStyle/>
+          <a:p>
+            <a:fld id="{8402A1B0-4691-41D9-84E0-69D594EAA3FE}" type="slidenum">
+              <a:rPr lang="en-US" altLang="en-US" smtClean="0"/>
+              <a:pPr/>
+              <a:t>37</a:t>
+            </a:fld>
+            <a:endParaRPr lang="en-US" altLang="en-US" dirty="0"/>
+          </a:p>
+        </p:txBody>
+      </p:sp>
+      <p:sp>
+        <p:nvSpPr>
+          <p:cNvPr id="5" name="Title 4">
+            <a:extLst>
+              <a:ext uri="{FF2B5EF4-FFF2-40B4-BE49-F238E27FC236}">
+                <a16:creationId xmlns:a16="http://schemas.microsoft.com/office/drawing/2014/main" id="{AF9BAF8D-C931-4150-A45D-0B3F83543E48}"/>
+              </a:ext>
+            </a:extLst>
+          </p:cNvPr>
+          <p:cNvSpPr>
+            <a:spLocks noGrp="1"/>
+          </p:cNvSpPr>
+          <p:nvPr>
+            <p:ph type="title"/>
+          </p:nvPr>
+        </p:nvSpPr>
+        <p:spPr/>
+        <p:txBody>
+          <a:bodyPr/>
+          <a:lstStyle/>
+          <a:p>
+            <a:endParaRPr lang="en-US"/>
+          </a:p>
+        </p:txBody>
+      </p:sp>
+      <p:sp>
+        <p:nvSpPr>
+          <p:cNvPr id="6" name="Text Placeholder 5">
+            <a:extLst>
+              <a:ext uri="{FF2B5EF4-FFF2-40B4-BE49-F238E27FC236}">
+                <a16:creationId xmlns:a16="http://schemas.microsoft.com/office/drawing/2014/main" id="{42AC9401-AD3D-4DCE-A51A-F39E4B9AFBE2}"/>
+              </a:ext>
+            </a:extLst>
+          </p:cNvPr>
+          <p:cNvSpPr>
+            <a:spLocks noGrp="1"/>
+          </p:cNvSpPr>
+          <p:nvPr>
+            <p:ph type="body" sz="quarter" idx="13"/>
+          </p:nvPr>
+        </p:nvSpPr>
+        <p:spPr/>
+        <p:txBody>
+          <a:bodyPr/>
+          <a:lstStyle/>
+          <a:p>
+            <a:pPr algn="just"/>
+            <a:r>
+              <a:rPr lang="en-US" dirty="0"/>
+              <a:t>Continue here https://www.w3schools.com/python/pandas/pandas_cleaning.asp</a:t>
+            </a:r>
+          </a:p>
+        </p:txBody>
+      </p:sp>
+    </p:spTree>
+    <p:extLst>
+      <p:ext uri="{BB962C8B-B14F-4D97-AF65-F5344CB8AC3E}">
+        <p14:creationId xmlns:p14="http://schemas.microsoft.com/office/powerpoint/2010/main" val="323933812"/>
+      </p:ext>
+    </p:extLst>
+  </p:cSld>
+  <p:clrMapOvr>
+    <a:masterClrMapping/>
+  </p:clrMapOvr>
+  <mc:AlternateContent xmlns:mc="http://schemas.openxmlformats.org/markup-compatibility/2006" xmlns:p14="http://schemas.microsoft.com/office/powerpoint/2010/main">
+    <mc:Choice Requires="p14">
+      <p:transition spd="med" p14:dur="700">
+        <p:fade/>
+      </p:transition>
+    </mc:Choice>
+    <mc:Fallback xmlns="">
+      <p:transition spd="med">
+        <p:fade/>
+      </p:transition>
+    </mc:Fallback>
+  </mc:AlternateContent>
+</p:sld>
+</file>
+
+<file path=ppt/slides/slide38.xml><?xml version="1.0" encoding="utf-8"?>
+<p:sld xmlns:a="http://schemas.openxmlformats.org/drawingml/2006/main" xmlns:r="http://schemas.openxmlformats.org/officeDocument/2006/relationships" xmlns:p="http://schemas.openxmlformats.org/presentationml/2006/main">
+  <p:cSld>
+    <p:spTree>
+      <p:nvGrpSpPr>
+        <p:cNvPr id="1" name=""/>
+        <p:cNvGrpSpPr/>
+        <p:nvPr/>
+      </p:nvGrpSpPr>
+      <p:grpSpPr>
+        <a:xfrm>
+          <a:off x="0" y="0"/>
+          <a:ext cx="0" cy="0"/>
+          <a:chOff x="0" y="0"/>
+          <a:chExt cx="0" cy="0"/>
+        </a:xfrm>
+      </p:grpSpPr>
+      <p:sp>
+        <p:nvSpPr>
+          <p:cNvPr id="2" name="Slide Number Placeholder 1">
+            <a:extLst>
+              <a:ext uri="{FF2B5EF4-FFF2-40B4-BE49-F238E27FC236}">
+                <a16:creationId xmlns:a16="http://schemas.microsoft.com/office/drawing/2014/main" id="{940BCDCF-DF05-44BA-945E-2BE55EFC1DD2}"/>
+              </a:ext>
+            </a:extLst>
+          </p:cNvPr>
+          <p:cNvSpPr>
+            <a:spLocks noGrp="1"/>
+          </p:cNvSpPr>
+          <p:nvPr>
+            <p:ph type="sldNum" sz="quarter" idx="4"/>
+          </p:nvPr>
+        </p:nvSpPr>
+        <p:spPr/>
+        <p:txBody>
+          <a:bodyPr/>
+          <a:lstStyle/>
+          <a:p>
+            <a:fld id="{8402A1B0-4691-41D9-84E0-69D594EAA3FE}" type="slidenum">
+              <a:rPr lang="en-US" altLang="en-US" smtClean="0"/>
+              <a:pPr/>
+              <a:t>38</a:t>
+            </a:fld>
+            <a:endParaRPr lang="en-US" altLang="en-US" dirty="0"/>
+          </a:p>
+        </p:txBody>
+      </p:sp>
+      <p:sp>
+        <p:nvSpPr>
+          <p:cNvPr id="3" name="Title 2">
+            <a:extLst>
+              <a:ext uri="{FF2B5EF4-FFF2-40B4-BE49-F238E27FC236}">
+                <a16:creationId xmlns:a16="http://schemas.microsoft.com/office/drawing/2014/main" id="{0CFB143D-0EE5-4B85-B8D8-5A480E0A132C}"/>
+              </a:ext>
+            </a:extLst>
+          </p:cNvPr>
+          <p:cNvSpPr>
+            <a:spLocks noGrp="1"/>
+          </p:cNvSpPr>
+          <p:nvPr>
+            <p:ph type="title"/>
+          </p:nvPr>
+        </p:nvSpPr>
+        <p:spPr/>
+        <p:txBody>
+          <a:bodyPr/>
+          <a:lstStyle/>
+          <a:p>
+            <a:endParaRPr lang="en-US"/>
+          </a:p>
+        </p:txBody>
+      </p:sp>
+      <p:sp>
+        <p:nvSpPr>
+          <p:cNvPr id="4" name="Text Placeholder 3">
+            <a:extLst>
+              <a:ext uri="{FF2B5EF4-FFF2-40B4-BE49-F238E27FC236}">
+                <a16:creationId xmlns:a16="http://schemas.microsoft.com/office/drawing/2014/main" id="{1B1FC7B3-1435-4B46-8122-E41EDAC26526}"/>
+              </a:ext>
+            </a:extLst>
+          </p:cNvPr>
+          <p:cNvSpPr>
+            <a:spLocks noGrp="1"/>
+          </p:cNvSpPr>
+          <p:nvPr>
+            <p:ph type="body" sz="quarter" idx="13"/>
+          </p:nvPr>
+        </p:nvSpPr>
+        <p:spPr/>
+        <p:txBody>
+          <a:bodyPr/>
+          <a:lstStyle/>
+          <a:p>
+            <a:endParaRPr lang="en-US"/>
+          </a:p>
+        </p:txBody>
+      </p:sp>
+    </p:spTree>
+    <p:extLst>
+      <p:ext uri="{BB962C8B-B14F-4D97-AF65-F5344CB8AC3E}">
+        <p14:creationId xmlns:p14="http://schemas.microsoft.com/office/powerpoint/2010/main" val="2929083473"/>
+      </p:ext>
+    </p:extLst>
+  </p:cSld>
+  <p:clrMapOvr>
+    <a:masterClrMapping/>
+  </p:clrMapOvr>
+  <mc:AlternateContent xmlns:mc="http://schemas.openxmlformats.org/markup-compatibility/2006" xmlns:p14="http://schemas.microsoft.com/office/powerpoint/2010/main">
+    <mc:Choice Requires="p14">
+      <p:transition spd="med" p14:dur="700">
+        <p:fade/>
+      </p:transition>
+    </mc:Choice>
+    <mc:Fallback xmlns="">
+      <p:transition spd="med">
+        <p:fade/>
+      </p:transition>
+    </mc:Fallback>
+  </mc:AlternateContent>
+</p:sld>
+</file>
+
+<file path=ppt/slides/slide39.xml><?xml version="1.0" encoding="utf-8"?>
+<p:sld xmlns:a="http://schemas.openxmlformats.org/drawingml/2006/main" xmlns:r="http://schemas.openxmlformats.org/officeDocument/2006/relationships" xmlns:p="http://schemas.openxmlformats.org/presentationml/2006/main">
+  <p:cSld>
+    <p:bg>
+      <p:bgPr>
+        <a:solidFill>
+          <a:schemeClr val="accent2"/>
+        </a:solidFill>
+        <a:effectLst/>
+      </p:bgPr>
+    </p:bg>
+    <p:spTree>
+      <p:nvGrpSpPr>
+        <p:cNvPr id="1" name=""/>
+        <p:cNvGrpSpPr/>
+        <p:nvPr/>
+      </p:nvGrpSpPr>
+      <p:grpSpPr>
+        <a:xfrm>
+          <a:off x="0" y="0"/>
+          <a:ext cx="0" cy="0"/>
+          <a:chOff x="0" y="0"/>
+          <a:chExt cx="0" cy="0"/>
+        </a:xfrm>
+      </p:grpSpPr>
+      <p:sp>
+        <p:nvSpPr>
+          <p:cNvPr id="6" name="Title 5">
+            <a:extLst>
+              <a:ext uri="{FF2B5EF4-FFF2-40B4-BE49-F238E27FC236}">
+                <a16:creationId xmlns:a16="http://schemas.microsoft.com/office/drawing/2014/main" id="{5B34254B-4837-4E59-8D24-19908000C6C3}"/>
+              </a:ext>
+            </a:extLst>
+          </p:cNvPr>
+          <p:cNvSpPr>
+            <a:spLocks noGrp="1"/>
+          </p:cNvSpPr>
+          <p:nvPr>
+            <p:ph type="title"/>
+          </p:nvPr>
+        </p:nvSpPr>
+        <p:spPr/>
+        <p:txBody>
+          <a:bodyPr/>
+          <a:lstStyle/>
+          <a:p>
+            <a:r>
+              <a:rPr lang="en-US" dirty="0"/>
+              <a:t>Resources</a:t>
+            </a:r>
+          </a:p>
+        </p:txBody>
+      </p:sp>
+      <p:sp>
+        <p:nvSpPr>
+          <p:cNvPr id="3" name="Text Placeholder 2">
+            <a:extLst>
+              <a:ext uri="{FF2B5EF4-FFF2-40B4-BE49-F238E27FC236}">
+                <a16:creationId xmlns:a16="http://schemas.microsoft.com/office/drawing/2014/main" id="{D3316BC9-7937-4417-B232-1B37F4796011}"/>
+              </a:ext>
+            </a:extLst>
+          </p:cNvPr>
+          <p:cNvSpPr>
+            <a:spLocks noGrp="1"/>
+          </p:cNvSpPr>
+          <p:nvPr>
+            <p:ph type="body" sz="quarter" idx="11"/>
+          </p:nvPr>
+        </p:nvSpPr>
+        <p:spPr/>
+        <p:txBody>
+          <a:bodyPr>
+            <a:normAutofit/>
+          </a:bodyPr>
+          <a:lstStyle/>
+          <a:p>
+            <a:r>
+              <a:rPr lang="en-US" altLang="en-US" dirty="0"/>
+              <a:t>W3Schools</a:t>
+            </a:r>
+            <a:endParaRPr lang="en-US" dirty="0"/>
+          </a:p>
+        </p:txBody>
+      </p:sp>
+      <p:sp>
+        <p:nvSpPr>
+          <p:cNvPr id="2" name="Slide Number Placeholder 1">
+            <a:extLst>
+              <a:ext uri="{FF2B5EF4-FFF2-40B4-BE49-F238E27FC236}">
+                <a16:creationId xmlns:a16="http://schemas.microsoft.com/office/drawing/2014/main" id="{0384AEC0-DF68-4ED4-8C40-FB2905C843D7}"/>
+              </a:ext>
+            </a:extLst>
+          </p:cNvPr>
+          <p:cNvSpPr>
+            <a:spLocks noGrp="1"/>
+          </p:cNvSpPr>
+          <p:nvPr>
+            <p:ph type="sldNum" sz="quarter" idx="4"/>
+          </p:nvPr>
+        </p:nvSpPr>
+        <p:spPr/>
+        <p:txBody>
+          <a:bodyPr/>
+          <a:lstStyle/>
+          <a:p>
+            <a:fld id="{8402A1B0-4691-41D9-84E0-69D594EAA3FE}" type="slidenum">
+              <a:rPr lang="en-US" altLang="en-US" smtClean="0"/>
+              <a:pPr/>
+              <a:t>39</a:t>
+            </a:fld>
+            <a:endParaRPr lang="en-US" altLang="en-US" dirty="0"/>
+          </a:p>
+        </p:txBody>
+      </p:sp>
+    </p:spTree>
+    <p:extLst>
+      <p:ext uri="{BB962C8B-B14F-4D97-AF65-F5344CB8AC3E}">
+        <p14:creationId xmlns:p14="http://schemas.microsoft.com/office/powerpoint/2010/main" val="132009874"/>
       </p:ext>
     </p:extLst>
   </p:cSld>
@@ -11774,6 +13379,25 @@
 </file>
 
 <file path=customXml/item1.xml><?xml version="1.0" encoding="utf-8"?>
+<p:properties xmlns:p="http://schemas.microsoft.com/office/2006/metadata/properties" xmlns:xsi="http://www.w3.org/2001/XMLSchema-instance" xmlns:pc="http://schemas.microsoft.com/office/infopath/2007/PartnerControls">
+  <documentManagement>
+    <Status xmlns="71af3243-3dd4-4a8d-8c0d-dd76da1f02a5">Not started</Status>
+    <_ip_UnifiedCompliancePolicyUIAction xmlns="http://schemas.microsoft.com/sharepoint/v3" xsi:nil="true"/>
+    <Image xmlns="71af3243-3dd4-4a8d-8c0d-dd76da1f02a5">
+      <Url xsi:nil="true"/>
+      <Description xsi:nil="true"/>
+    </Image>
+    <_ip_UnifiedCompliancePolicyProperties xmlns="http://schemas.microsoft.com/sharepoint/v3" xsi:nil="true"/>
+    <lcf76f155ced4ddcb4097134ff3c332f xmlns="71af3243-3dd4-4a8d-8c0d-dd76da1f02a5">
+      <Terms xmlns="http://schemas.microsoft.com/office/infopath/2007/PartnerControls"/>
+    </lcf76f155ced4ddcb4097134ff3c332f>
+    <TaxCatchAll xmlns="230e9df3-be65-4c73-a93b-d1236ebd677e"/>
+    <MediaServiceKeyPoints xmlns="71af3243-3dd4-4a8d-8c0d-dd76da1f02a5" xsi:nil="true"/>
+  </documentManagement>
+</p:properties>
+</file>
+
+<file path=customXml/item2.xml><?xml version="1.0" encoding="utf-8"?>
 <ct:contentTypeSchema xmlns:ct="http://schemas.microsoft.com/office/2006/metadata/contentType" xmlns:ma="http://schemas.microsoft.com/office/2006/metadata/properties/metaAttributes" ct:_="" ma:_="" ma:contentTypeName="Document" ma:contentTypeID="0x01010079F111ED35F8CC479449609E8A0923A6" ma:contentTypeVersion="18" ma:contentTypeDescription="Create a new document." ma:contentTypeScope="" ma:versionID="22a266b9fa9a230c5a512669d8b298c3">
   <xsd:schema xmlns:xsd="http://www.w3.org/2001/XMLSchema" xmlns:xs="http://www.w3.org/2001/XMLSchema" xmlns:p="http://schemas.microsoft.com/office/2006/metadata/properties" xmlns:ns1="http://schemas.microsoft.com/sharepoint/v3" xmlns:ns2="71af3243-3dd4-4a8d-8c0d-dd76da1f02a5" xmlns:ns3="16c05727-aa75-4e4a-9b5f-8a80a1165891" xmlns:ns4="230e9df3-be65-4c73-a93b-d1236ebd677e" targetNamespace="http://schemas.microsoft.com/office/2006/metadata/properties" ma:root="true" ma:fieldsID="eddc33fff6b14141ee5c74a0d29ea6a1" ns1:_="" ns2:_="" ns3:_="" ns4:_="">
     <xsd:import namespace="http://schemas.microsoft.com/sharepoint/v3"/>
@@ -12049,25 +13673,6 @@
 </ct:contentTypeSchema>
 </file>
 
-<file path=customXml/item2.xml><?xml version="1.0" encoding="utf-8"?>
-<p:properties xmlns:p="http://schemas.microsoft.com/office/2006/metadata/properties" xmlns:xsi="http://www.w3.org/2001/XMLSchema-instance" xmlns:pc="http://schemas.microsoft.com/office/infopath/2007/PartnerControls">
-  <documentManagement>
-    <Status xmlns="71af3243-3dd4-4a8d-8c0d-dd76da1f02a5">Not started</Status>
-    <_ip_UnifiedCompliancePolicyUIAction xmlns="http://schemas.microsoft.com/sharepoint/v3" xsi:nil="true"/>
-    <Image xmlns="71af3243-3dd4-4a8d-8c0d-dd76da1f02a5">
-      <Url xsi:nil="true"/>
-      <Description xsi:nil="true"/>
-    </Image>
-    <_ip_UnifiedCompliancePolicyProperties xmlns="http://schemas.microsoft.com/sharepoint/v3" xsi:nil="true"/>
-    <lcf76f155ced4ddcb4097134ff3c332f xmlns="71af3243-3dd4-4a8d-8c0d-dd76da1f02a5">
-      <Terms xmlns="http://schemas.microsoft.com/office/infopath/2007/PartnerControls"/>
-    </lcf76f155ced4ddcb4097134ff3c332f>
-    <TaxCatchAll xmlns="230e9df3-be65-4c73-a93b-d1236ebd677e"/>
-    <MediaServiceKeyPoints xmlns="71af3243-3dd4-4a8d-8c0d-dd76da1f02a5" xsi:nil="true"/>
-  </documentManagement>
-</p:properties>
-</file>
-
 <file path=customXml/item3.xml><?xml version="1.0" encoding="utf-8"?>
 <?mso-contentType ?>
 <FormTemplates xmlns="http://schemas.microsoft.com/sharepoint/v3/contenttype/forms">
@@ -12078,6 +13683,18 @@
 </file>
 
 <file path=customXml/itemProps1.xml><?xml version="1.0" encoding="utf-8"?>
+<ds:datastoreItem xmlns:ds="http://schemas.openxmlformats.org/officeDocument/2006/customXml" ds:itemID="{0F89EEA4-141F-4066-B57B-E44468FB3D6E}">
+  <ds:schemaRefs>
+    <ds:schemaRef ds:uri="http://schemas.microsoft.com/office/2006/metadata/properties"/>
+    <ds:schemaRef ds:uri="http://schemas.microsoft.com/office/infopath/2007/PartnerControls"/>
+    <ds:schemaRef ds:uri="71af3243-3dd4-4a8d-8c0d-dd76da1f02a5"/>
+    <ds:schemaRef ds:uri="http://schemas.microsoft.com/sharepoint/v3"/>
+    <ds:schemaRef ds:uri="230e9df3-be65-4c73-a93b-d1236ebd677e"/>
+  </ds:schemaRefs>
+</ds:datastoreItem>
+</file>
+
+<file path=customXml/itemProps2.xml><?xml version="1.0" encoding="utf-8"?>
 <ds:datastoreItem xmlns:ds="http://schemas.openxmlformats.org/officeDocument/2006/customXml" ds:itemID="{A8A967B1-A0A0-415E-82CC-A85AEE3A6791}">
   <ds:schemaRefs>
     <ds:schemaRef ds:uri="http://schemas.microsoft.com/office/2006/metadata/contentType"/>
@@ -12098,18 +13715,6 @@
 </ds:datastoreItem>
 </file>
 
-<file path=customXml/itemProps2.xml><?xml version="1.0" encoding="utf-8"?>
-<ds:datastoreItem xmlns:ds="http://schemas.openxmlformats.org/officeDocument/2006/customXml" ds:itemID="{0F89EEA4-141F-4066-B57B-E44468FB3D6E}">
-  <ds:schemaRefs>
-    <ds:schemaRef ds:uri="http://schemas.microsoft.com/office/2006/metadata/properties"/>
-    <ds:schemaRef ds:uri="http://schemas.microsoft.com/office/infopath/2007/PartnerControls"/>
-    <ds:schemaRef ds:uri="71af3243-3dd4-4a8d-8c0d-dd76da1f02a5"/>
-    <ds:schemaRef ds:uri="http://schemas.microsoft.com/sharepoint/v3"/>
-    <ds:schemaRef ds:uri="230e9df3-be65-4c73-a93b-d1236ebd677e"/>
-  </ds:schemaRefs>
-</ds:datastoreItem>
-</file>
-
 <file path=customXml/itemProps3.xml><?xml version="1.0" encoding="utf-8"?>
 <ds:datastoreItem xmlns:ds="http://schemas.openxmlformats.org/officeDocument/2006/customXml" ds:itemID="{3CFAAC47-BD84-465D-B982-7A75BCC08F7D}">
   <ds:schemaRefs>
